--- a/DesigningTestableApplications - Part II - DB Integration & Legacy Code.pptx
+++ b/DesigningTestableApplications - Part II - DB Integration & Legacy Code.pptx
@@ -6,10 +6,10 @@
     <p:sldMasterId id="2147483944" r:id="rId3"/>
   </p:sldMasterIdLst>
   <p:notesMasterIdLst>
-    <p:notesMasterId r:id="rId29"/>
+    <p:notesMasterId r:id="rId34"/>
   </p:notesMasterIdLst>
   <p:handoutMasterIdLst>
-    <p:handoutMasterId r:id="rId30"/>
+    <p:handoutMasterId r:id="rId35"/>
   </p:handoutMasterIdLst>
   <p:sldIdLst>
     <p:sldId id="321" r:id="rId4"/>
@@ -17,26 +17,31 @@
     <p:sldId id="366" r:id="rId6"/>
     <p:sldId id="343" r:id="rId7"/>
     <p:sldId id="358" r:id="rId8"/>
-    <p:sldId id="391" r:id="rId9"/>
-    <p:sldId id="392" r:id="rId10"/>
-    <p:sldId id="393" r:id="rId11"/>
-    <p:sldId id="394" r:id="rId12"/>
-    <p:sldId id="395" r:id="rId13"/>
-    <p:sldId id="396" r:id="rId14"/>
-    <p:sldId id="388" r:id="rId15"/>
-    <p:sldId id="397" r:id="rId16"/>
-    <p:sldId id="398" r:id="rId17"/>
-    <p:sldId id="399" r:id="rId18"/>
-    <p:sldId id="390" r:id="rId19"/>
-    <p:sldId id="389" r:id="rId20"/>
-    <p:sldId id="387" r:id="rId21"/>
-    <p:sldId id="383" r:id="rId22"/>
-    <p:sldId id="384" r:id="rId23"/>
-    <p:sldId id="378" r:id="rId24"/>
-    <p:sldId id="382" r:id="rId25"/>
-    <p:sldId id="386" r:id="rId26"/>
-    <p:sldId id="385" r:id="rId27"/>
-    <p:sldId id="349" r:id="rId28"/>
+    <p:sldId id="400" r:id="rId9"/>
+    <p:sldId id="401" r:id="rId10"/>
+    <p:sldId id="402" r:id="rId11"/>
+    <p:sldId id="403" r:id="rId12"/>
+    <p:sldId id="404" r:id="rId13"/>
+    <p:sldId id="391" r:id="rId14"/>
+    <p:sldId id="392" r:id="rId15"/>
+    <p:sldId id="405" r:id="rId16"/>
+    <p:sldId id="394" r:id="rId17"/>
+    <p:sldId id="395" r:id="rId18"/>
+    <p:sldId id="396" r:id="rId19"/>
+    <p:sldId id="388" r:id="rId20"/>
+    <p:sldId id="397" r:id="rId21"/>
+    <p:sldId id="398" r:id="rId22"/>
+    <p:sldId id="399" r:id="rId23"/>
+    <p:sldId id="390" r:id="rId24"/>
+    <p:sldId id="389" r:id="rId25"/>
+    <p:sldId id="387" r:id="rId26"/>
+    <p:sldId id="383" r:id="rId27"/>
+    <p:sldId id="384" r:id="rId28"/>
+    <p:sldId id="378" r:id="rId29"/>
+    <p:sldId id="382" r:id="rId30"/>
+    <p:sldId id="386" r:id="rId31"/>
+    <p:sldId id="385" r:id="rId32"/>
+    <p:sldId id="349" r:id="rId33"/>
   </p:sldIdLst>
   <p:sldSz cx="12192000" cy="6858000"/>
   <p:notesSz cx="6858000" cy="9144000"/>
@@ -249,7 +254,7 @@
           <a:p>
             <a:fld id="{D63D5444-F62C-42C3-A75A-D9DBA807730F}" type="datetimeFigureOut">
               <a:rPr lang="en-US" smtClean="0"/>
-              <a:t>6/16/2015</a:t>
+              <a:t>7/21/2015</a:t>
             </a:fld>
             <a:endParaRPr lang="en-US"/>
           </a:p>
@@ -414,7 +419,7 @@
           <a:p>
             <a:fld id="{12CAA1FA-7B6A-47D2-8D61-F225D71B51FF}" type="datetimeFigureOut">
               <a:rPr lang="en-US" smtClean="0"/>
-              <a:t>6/16/2015</a:t>
+              <a:t>7/21/2015</a:t>
             </a:fld>
             <a:endParaRPr lang="en-US"/>
           </a:p>
@@ -747,7 +752,7 @@
           <a:p>
             <a:fld id="{1B9A179D-2D27-49E2-B022-8EDDA2EFE682}" type="slidenum">
               <a:rPr lang="en-US" smtClean="0"/>
-              <a:t>22</a:t>
+              <a:t>27</a:t>
             </a:fld>
             <a:endParaRPr lang="en-US"/>
           </a:p>
@@ -831,7 +836,7 @@
           <a:p>
             <a:fld id="{1B9A179D-2D27-49E2-B022-8EDDA2EFE682}" type="slidenum">
               <a:rPr lang="en-US" smtClean="0"/>
-              <a:t>23</a:t>
+              <a:t>28</a:t>
             </a:fld>
             <a:endParaRPr lang="en-US"/>
           </a:p>
@@ -915,7 +920,7 @@
           <a:p>
             <a:fld id="{1B9A179D-2D27-49E2-B022-8EDDA2EFE682}" type="slidenum">
               <a:rPr lang="en-US" smtClean="0"/>
-              <a:t>24</a:t>
+              <a:t>29</a:t>
             </a:fld>
             <a:endParaRPr lang="en-US"/>
           </a:p>
@@ -16272,11 +16277,7 @@
             </a:r>
             <a:r>
               <a:rPr lang="es-AR" sz="2400" dirty="0" smtClean="0"/>
-              <a:t> </a:t>
-            </a:r>
-            <a:r>
-              <a:rPr lang="es-AR" sz="2400" dirty="0" smtClean="0"/>
-              <a:t>II: DB </a:t>
+              <a:t> II: DB </a:t>
             </a:r>
             <a:r>
               <a:rPr lang="es-AR" sz="2400" dirty="0" err="1" smtClean="0"/>
@@ -16343,6 +16344,854 @@
 </file>
 
 <file path=ppt/slides/slide10.xml><?xml version="1.0" encoding="utf-8"?>
+<p:sld xmlns:a="http://schemas.openxmlformats.org/drawingml/2006/main" xmlns:r="http://schemas.openxmlformats.org/officeDocument/2006/relationships" xmlns:p="http://schemas.openxmlformats.org/presentationml/2006/main">
+  <p:cSld>
+    <p:spTree>
+      <p:nvGrpSpPr>
+        <p:cNvPr id="1" name=""/>
+        <p:cNvGrpSpPr/>
+        <p:nvPr/>
+      </p:nvGrpSpPr>
+      <p:grpSpPr>
+        <a:xfrm>
+          <a:off x="0" y="0"/>
+          <a:ext cx="0" cy="0"/>
+          <a:chOff x="0" y="0"/>
+          <a:chExt cx="0" cy="0"/>
+        </a:xfrm>
+      </p:grpSpPr>
+      <p:sp>
+        <p:nvSpPr>
+          <p:cNvPr id="15" name="Rectangle 14"/>
+          <p:cNvSpPr/>
+          <p:nvPr/>
+        </p:nvSpPr>
+        <p:spPr>
+          <a:xfrm>
+            <a:off x="-13252" y="1"/>
+            <a:ext cx="12218504" cy="1016000"/>
+          </a:xfrm>
+          <a:prstGeom prst="rect">
+            <a:avLst/>
+          </a:prstGeom>
+          <a:solidFill>
+            <a:srgbClr val="FF9600"/>
+          </a:solidFill>
+          <a:ln>
+            <a:noFill/>
+          </a:ln>
+        </p:spPr>
+        <p:style>
+          <a:lnRef idx="1">
+            <a:schemeClr val="accent6"/>
+          </a:lnRef>
+          <a:fillRef idx="3">
+            <a:schemeClr val="accent6"/>
+          </a:fillRef>
+          <a:effectRef idx="2">
+            <a:schemeClr val="accent6"/>
+          </a:effectRef>
+          <a:fontRef idx="minor">
+            <a:schemeClr val="lt1"/>
+          </a:fontRef>
+        </p:style>
+        <p:txBody>
+          <a:bodyPr anchor="ctr"/>
+          <a:lstStyle/>
+          <a:p>
+            <a:pPr marL="0" marR="0" lvl="0" indent="0" algn="ctr" defTabSz="914400" eaLnBrk="1" fontAlgn="auto" latinLnBrk="0" hangingPunct="1">
+              <a:lnSpc>
+                <a:spcPct val="100000"/>
+              </a:lnSpc>
+              <a:spcBef>
+                <a:spcPts val="0"/>
+              </a:spcBef>
+              <a:spcAft>
+                <a:spcPts val="0"/>
+              </a:spcAft>
+              <a:buClrTx/>
+              <a:buSzTx/>
+              <a:buFontTx/>
+              <a:buNone/>
+              <a:tabLst/>
+              <a:defRPr/>
+            </a:pPr>
+            <a:r>
+              <a:rPr kumimoji="0" lang="es-ES_tradnl" sz="1800" b="0" i="0" u="none" strike="noStrike" kern="0" cap="none" spc="0" normalizeH="0" baseline="0" noProof="0" dirty="0" smtClean="0">
+                <a:ln>
+                  <a:noFill/>
+                </a:ln>
+                <a:solidFill>
+                  <a:srgbClr val="FFFFFF"/>
+                </a:solidFill>
+                <a:effectLst/>
+                <a:uLnTx/>
+                <a:uFillTx/>
+                <a:latin typeface="Arial"/>
+                <a:ea typeface="ＭＳ Ｐゴシック" pitchFamily="-108" charset="-128"/>
+                <a:cs typeface="+mn-cs"/>
+              </a:rPr>
+              <a:t>  </a:t>
+            </a:r>
+            <a:endParaRPr kumimoji="0" lang="es-ES_tradnl" sz="1800" b="0" i="0" u="none" strike="noStrike" kern="0" cap="none" spc="0" normalizeH="0" baseline="0" noProof="0" dirty="0">
+              <a:ln>
+                <a:noFill/>
+              </a:ln>
+              <a:solidFill>
+                <a:srgbClr val="FFFFFF"/>
+              </a:solidFill>
+              <a:effectLst/>
+              <a:uLnTx/>
+              <a:uFillTx/>
+              <a:latin typeface="Arial"/>
+              <a:ea typeface="ＭＳ Ｐゴシック" pitchFamily="-108" charset="-128"/>
+              <a:cs typeface="+mn-cs"/>
+            </a:endParaRPr>
+          </a:p>
+        </p:txBody>
+      </p:sp>
+      <p:sp>
+        <p:nvSpPr>
+          <p:cNvPr id="16" name="TextBox 15"/>
+          <p:cNvSpPr txBox="1"/>
+          <p:nvPr/>
+        </p:nvSpPr>
+        <p:spPr>
+          <a:xfrm>
+            <a:off x="515937" y="307571"/>
+            <a:ext cx="11013453" cy="430887"/>
+          </a:xfrm>
+          <a:prstGeom prst="rect">
+            <a:avLst/>
+          </a:prstGeom>
+          <a:noFill/>
+        </p:spPr>
+        <p:txBody>
+          <a:bodyPr wrap="square" lIns="0" tIns="0" rIns="0" bIns="0" rtlCol="0">
+            <a:spAutoFit/>
+          </a:bodyPr>
+          <a:lstStyle/>
+          <a:p>
+            <a:r>
+              <a:rPr lang="en-US" sz="2800" dirty="0" smtClean="0">
+                <a:solidFill>
+                  <a:schemeClr val="bg1"/>
+                </a:solidFill>
+              </a:rPr>
+              <a:t>Tip </a:t>
+            </a:r>
+            <a:r>
+              <a:rPr lang="en-US" sz="2800" dirty="0">
+                <a:solidFill>
+                  <a:schemeClr val="bg1"/>
+                </a:solidFill>
+              </a:rPr>
+              <a:t>1: Generate creation scripts for DB, Tables, Views, SPs, Functions </a:t>
+            </a:r>
+            <a:endParaRPr lang="es-AR" sz="2800" dirty="0">
+              <a:solidFill>
+                <a:schemeClr val="bg1"/>
+              </a:solidFill>
+            </a:endParaRPr>
+          </a:p>
+        </p:txBody>
+      </p:sp>
+      <p:pic>
+        <p:nvPicPr>
+          <p:cNvPr id="3" name="Picture 2"/>
+          <p:cNvPicPr>
+            <a:picLocks noChangeAspect="1"/>
+          </p:cNvPicPr>
+          <p:nvPr/>
+        </p:nvPicPr>
+        <p:blipFill>
+          <a:blip r:embed="rId2">
+            <a:extLst>
+              <a:ext uri="{28A0092B-C50C-407E-A947-70E740481C1C}">
+                <a14:useLocalDpi xmlns:a14="http://schemas.microsoft.com/office/drawing/2010/main" val="0"/>
+              </a:ext>
+            </a:extLst>
+          </a:blip>
+          <a:stretch>
+            <a:fillRect/>
+          </a:stretch>
+        </p:blipFill>
+        <p:spPr>
+          <a:xfrm>
+            <a:off x="3237802" y="1173708"/>
+            <a:ext cx="5559775" cy="5170819"/>
+          </a:xfrm>
+          <a:prstGeom prst="rect">
+            <a:avLst/>
+          </a:prstGeom>
+          <a:ln>
+            <a:noFill/>
+          </a:ln>
+          <a:effectLst>
+            <a:outerShdw blurRad="292100" dist="139700" dir="2700000" algn="tl" rotWithShape="0">
+              <a:srgbClr val="333333">
+                <a:alpha val="65000"/>
+              </a:srgbClr>
+            </a:outerShdw>
+          </a:effectLst>
+        </p:spPr>
+      </p:pic>
+    </p:spTree>
+    <p:extLst>
+      <p:ext uri="{BB962C8B-B14F-4D97-AF65-F5344CB8AC3E}">
+        <p14:creationId xmlns:p14="http://schemas.microsoft.com/office/powerpoint/2010/main" val="3607067270"/>
+      </p:ext>
+    </p:extLst>
+  </p:cSld>
+  <p:clrMapOvr>
+    <a:masterClrMapping/>
+  </p:clrMapOvr>
+  <p:transition spd="slow">
+    <p:wipe/>
+  </p:transition>
+  <p:timing>
+    <p:tnLst>
+      <p:par>
+        <p:cTn id="1" dur="indefinite" restart="never" nodeType="tmRoot"/>
+      </p:par>
+    </p:tnLst>
+  </p:timing>
+</p:sld>
+</file>
+
+<file path=ppt/slides/slide11.xml><?xml version="1.0" encoding="utf-8"?>
+<p:sld xmlns:a="http://schemas.openxmlformats.org/drawingml/2006/main" xmlns:r="http://schemas.openxmlformats.org/officeDocument/2006/relationships" xmlns:p="http://schemas.openxmlformats.org/presentationml/2006/main">
+  <p:cSld>
+    <p:spTree>
+      <p:nvGrpSpPr>
+        <p:cNvPr id="1" name=""/>
+        <p:cNvGrpSpPr/>
+        <p:nvPr/>
+      </p:nvGrpSpPr>
+      <p:grpSpPr>
+        <a:xfrm>
+          <a:off x="0" y="0"/>
+          <a:ext cx="0" cy="0"/>
+          <a:chOff x="0" y="0"/>
+          <a:chExt cx="0" cy="0"/>
+        </a:xfrm>
+      </p:grpSpPr>
+      <p:sp>
+        <p:nvSpPr>
+          <p:cNvPr id="15" name="Rectangle 14"/>
+          <p:cNvSpPr/>
+          <p:nvPr/>
+        </p:nvSpPr>
+        <p:spPr>
+          <a:xfrm>
+            <a:off x="-13252" y="1"/>
+            <a:ext cx="12218504" cy="1016000"/>
+          </a:xfrm>
+          <a:prstGeom prst="rect">
+            <a:avLst/>
+          </a:prstGeom>
+          <a:solidFill>
+            <a:srgbClr val="FF9600"/>
+          </a:solidFill>
+          <a:ln>
+            <a:noFill/>
+          </a:ln>
+        </p:spPr>
+        <p:style>
+          <a:lnRef idx="1">
+            <a:schemeClr val="accent6"/>
+          </a:lnRef>
+          <a:fillRef idx="3">
+            <a:schemeClr val="accent6"/>
+          </a:fillRef>
+          <a:effectRef idx="2">
+            <a:schemeClr val="accent6"/>
+          </a:effectRef>
+          <a:fontRef idx="minor">
+            <a:schemeClr val="lt1"/>
+          </a:fontRef>
+        </p:style>
+        <p:txBody>
+          <a:bodyPr anchor="ctr"/>
+          <a:lstStyle/>
+          <a:p>
+            <a:pPr marL="0" marR="0" lvl="0" indent="0" algn="ctr" defTabSz="914400" eaLnBrk="1" fontAlgn="auto" latinLnBrk="0" hangingPunct="1">
+              <a:lnSpc>
+                <a:spcPct val="100000"/>
+              </a:lnSpc>
+              <a:spcBef>
+                <a:spcPts val="0"/>
+              </a:spcBef>
+              <a:spcAft>
+                <a:spcPts val="0"/>
+              </a:spcAft>
+              <a:buClrTx/>
+              <a:buSzTx/>
+              <a:buFontTx/>
+              <a:buNone/>
+              <a:tabLst/>
+              <a:defRPr/>
+            </a:pPr>
+            <a:r>
+              <a:rPr kumimoji="0" lang="es-ES_tradnl" sz="1800" b="0" i="0" u="none" strike="noStrike" kern="0" cap="none" spc="0" normalizeH="0" baseline="0" noProof="0" dirty="0" smtClean="0">
+                <a:ln>
+                  <a:noFill/>
+                </a:ln>
+                <a:solidFill>
+                  <a:srgbClr val="FFFFFF"/>
+                </a:solidFill>
+                <a:effectLst/>
+                <a:uLnTx/>
+                <a:uFillTx/>
+                <a:latin typeface="Arial"/>
+                <a:ea typeface="ＭＳ Ｐゴシック" pitchFamily="-108" charset="-128"/>
+                <a:cs typeface="+mn-cs"/>
+              </a:rPr>
+              <a:t>  </a:t>
+            </a:r>
+            <a:endParaRPr kumimoji="0" lang="es-ES_tradnl" sz="1800" b="0" i="0" u="none" strike="noStrike" kern="0" cap="none" spc="0" normalizeH="0" baseline="0" noProof="0" dirty="0">
+              <a:ln>
+                <a:noFill/>
+              </a:ln>
+              <a:solidFill>
+                <a:srgbClr val="FFFFFF"/>
+              </a:solidFill>
+              <a:effectLst/>
+              <a:uLnTx/>
+              <a:uFillTx/>
+              <a:latin typeface="Arial"/>
+              <a:ea typeface="ＭＳ Ｐゴシック" pitchFamily="-108" charset="-128"/>
+              <a:cs typeface="+mn-cs"/>
+            </a:endParaRPr>
+          </a:p>
+        </p:txBody>
+      </p:sp>
+      <p:sp>
+        <p:nvSpPr>
+          <p:cNvPr id="16" name="TextBox 15"/>
+          <p:cNvSpPr txBox="1"/>
+          <p:nvPr/>
+        </p:nvSpPr>
+        <p:spPr>
+          <a:xfrm>
+            <a:off x="515937" y="212035"/>
+            <a:ext cx="11013453" cy="553998"/>
+          </a:xfrm>
+          <a:prstGeom prst="rect">
+            <a:avLst/>
+          </a:prstGeom>
+          <a:noFill/>
+        </p:spPr>
+        <p:txBody>
+          <a:bodyPr wrap="square" lIns="0" tIns="0" rIns="0" bIns="0" rtlCol="0">
+            <a:spAutoFit/>
+          </a:bodyPr>
+          <a:lstStyle/>
+          <a:p>
+            <a:r>
+              <a:rPr lang="en-US" sz="3600" dirty="0" smtClean="0">
+                <a:solidFill>
+                  <a:schemeClr val="bg1"/>
+                </a:solidFill>
+              </a:rPr>
+              <a:t>Tip </a:t>
+            </a:r>
+            <a:r>
+              <a:rPr lang="en-US" sz="3600" dirty="0">
+                <a:solidFill>
+                  <a:schemeClr val="bg1"/>
+                </a:solidFill>
+              </a:rPr>
+              <a:t>2: Generate “master” data insertion scripts</a:t>
+            </a:r>
+            <a:endParaRPr lang="es-AR" sz="3600" dirty="0">
+              <a:solidFill>
+                <a:schemeClr val="bg1"/>
+              </a:solidFill>
+            </a:endParaRPr>
+          </a:p>
+        </p:txBody>
+      </p:sp>
+      <p:pic>
+        <p:nvPicPr>
+          <p:cNvPr id="2" name="Picture 1"/>
+          <p:cNvPicPr>
+            <a:picLocks noChangeAspect="1"/>
+          </p:cNvPicPr>
+          <p:nvPr/>
+        </p:nvPicPr>
+        <p:blipFill>
+          <a:blip r:embed="rId2">
+            <a:extLst>
+              <a:ext uri="{28A0092B-C50C-407E-A947-70E740481C1C}">
+                <a14:useLocalDpi xmlns:a14="http://schemas.microsoft.com/office/drawing/2010/main" val="0"/>
+              </a:ext>
+            </a:extLst>
+          </a:blip>
+          <a:stretch>
+            <a:fillRect/>
+          </a:stretch>
+        </p:blipFill>
+        <p:spPr>
+          <a:xfrm>
+            <a:off x="3844477" y="1228035"/>
+            <a:ext cx="4491613" cy="5025521"/>
+          </a:xfrm>
+          <a:prstGeom prst="rect">
+            <a:avLst/>
+          </a:prstGeom>
+          <a:ln>
+            <a:noFill/>
+          </a:ln>
+          <a:effectLst>
+            <a:outerShdw blurRad="292100" dist="139700" dir="2700000" algn="tl" rotWithShape="0">
+              <a:srgbClr val="333333">
+                <a:alpha val="65000"/>
+              </a:srgbClr>
+            </a:outerShdw>
+          </a:effectLst>
+        </p:spPr>
+      </p:pic>
+    </p:spTree>
+    <p:extLst>
+      <p:ext uri="{BB962C8B-B14F-4D97-AF65-F5344CB8AC3E}">
+        <p14:creationId xmlns:p14="http://schemas.microsoft.com/office/powerpoint/2010/main" val="1550565963"/>
+      </p:ext>
+    </p:extLst>
+  </p:cSld>
+  <p:clrMapOvr>
+    <a:masterClrMapping/>
+  </p:clrMapOvr>
+  <p:transition spd="slow">
+    <p:wipe/>
+  </p:transition>
+  <p:timing>
+    <p:tnLst>
+      <p:par>
+        <p:cTn id="1" dur="indefinite" restart="never" nodeType="tmRoot"/>
+      </p:par>
+    </p:tnLst>
+  </p:timing>
+</p:sld>
+</file>
+
+<file path=ppt/slides/slide12.xml><?xml version="1.0" encoding="utf-8"?>
+<p:sld xmlns:a="http://schemas.openxmlformats.org/drawingml/2006/main" xmlns:r="http://schemas.openxmlformats.org/officeDocument/2006/relationships" xmlns:p="http://schemas.openxmlformats.org/presentationml/2006/main">
+  <p:cSld>
+    <p:spTree>
+      <p:nvGrpSpPr>
+        <p:cNvPr id="1" name=""/>
+        <p:cNvGrpSpPr/>
+        <p:nvPr/>
+      </p:nvGrpSpPr>
+      <p:grpSpPr>
+        <a:xfrm>
+          <a:off x="0" y="0"/>
+          <a:ext cx="0" cy="0"/>
+          <a:chOff x="0" y="0"/>
+          <a:chExt cx="0" cy="0"/>
+        </a:xfrm>
+      </p:grpSpPr>
+      <p:sp>
+        <p:nvSpPr>
+          <p:cNvPr id="15" name="Rectangle 14"/>
+          <p:cNvSpPr/>
+          <p:nvPr/>
+        </p:nvSpPr>
+        <p:spPr>
+          <a:xfrm>
+            <a:off x="-13252" y="1"/>
+            <a:ext cx="12218504" cy="1016000"/>
+          </a:xfrm>
+          <a:prstGeom prst="rect">
+            <a:avLst/>
+          </a:prstGeom>
+          <a:solidFill>
+            <a:srgbClr val="FF9600"/>
+          </a:solidFill>
+          <a:ln>
+            <a:noFill/>
+          </a:ln>
+        </p:spPr>
+        <p:style>
+          <a:lnRef idx="1">
+            <a:schemeClr val="accent6"/>
+          </a:lnRef>
+          <a:fillRef idx="3">
+            <a:schemeClr val="accent6"/>
+          </a:fillRef>
+          <a:effectRef idx="2">
+            <a:schemeClr val="accent6"/>
+          </a:effectRef>
+          <a:fontRef idx="minor">
+            <a:schemeClr val="lt1"/>
+          </a:fontRef>
+        </p:style>
+        <p:txBody>
+          <a:bodyPr anchor="ctr"/>
+          <a:lstStyle/>
+          <a:p>
+            <a:pPr marL="0" marR="0" lvl="0" indent="0" algn="ctr" defTabSz="914400" eaLnBrk="1" fontAlgn="auto" latinLnBrk="0" hangingPunct="1">
+              <a:lnSpc>
+                <a:spcPct val="100000"/>
+              </a:lnSpc>
+              <a:spcBef>
+                <a:spcPts val="0"/>
+              </a:spcBef>
+              <a:spcAft>
+                <a:spcPts val="0"/>
+              </a:spcAft>
+              <a:buClrTx/>
+              <a:buSzTx/>
+              <a:buFontTx/>
+              <a:buNone/>
+              <a:tabLst/>
+              <a:defRPr/>
+            </a:pPr>
+            <a:r>
+              <a:rPr kumimoji="0" lang="es-ES_tradnl" sz="1800" b="0" i="0" u="none" strike="noStrike" kern="0" cap="none" spc="0" normalizeH="0" baseline="0" noProof="0" dirty="0" smtClean="0">
+                <a:ln>
+                  <a:noFill/>
+                </a:ln>
+                <a:solidFill>
+                  <a:srgbClr val="FFFFFF"/>
+                </a:solidFill>
+                <a:effectLst/>
+                <a:uLnTx/>
+                <a:uFillTx/>
+                <a:latin typeface="Arial"/>
+                <a:ea typeface="ＭＳ Ｐゴシック" pitchFamily="-108" charset="-128"/>
+                <a:cs typeface="+mn-cs"/>
+              </a:rPr>
+              <a:t>  </a:t>
+            </a:r>
+            <a:endParaRPr kumimoji="0" lang="es-ES_tradnl" sz="1800" b="0" i="0" u="none" strike="noStrike" kern="0" cap="none" spc="0" normalizeH="0" baseline="0" noProof="0" dirty="0">
+              <a:ln>
+                <a:noFill/>
+              </a:ln>
+              <a:solidFill>
+                <a:srgbClr val="FFFFFF"/>
+              </a:solidFill>
+              <a:effectLst/>
+              <a:uLnTx/>
+              <a:uFillTx/>
+              <a:latin typeface="Arial"/>
+              <a:ea typeface="ＭＳ Ｐゴシック" pitchFamily="-108" charset="-128"/>
+              <a:cs typeface="+mn-cs"/>
+            </a:endParaRPr>
+          </a:p>
+        </p:txBody>
+      </p:sp>
+      <p:sp>
+        <p:nvSpPr>
+          <p:cNvPr id="16" name="TextBox 15"/>
+          <p:cNvSpPr txBox="1"/>
+          <p:nvPr/>
+        </p:nvSpPr>
+        <p:spPr>
+          <a:xfrm>
+            <a:off x="515937" y="212035"/>
+            <a:ext cx="11013453" cy="553998"/>
+          </a:xfrm>
+          <a:prstGeom prst="rect">
+            <a:avLst/>
+          </a:prstGeom>
+          <a:noFill/>
+        </p:spPr>
+        <p:txBody>
+          <a:bodyPr wrap="square" lIns="0" tIns="0" rIns="0" bIns="0" rtlCol="0">
+            <a:spAutoFit/>
+          </a:bodyPr>
+          <a:lstStyle/>
+          <a:p>
+            <a:r>
+              <a:rPr lang="en-US" sz="3600" dirty="0">
+                <a:solidFill>
+                  <a:schemeClr val="bg1"/>
+                </a:solidFill>
+              </a:rPr>
+              <a:t>Tip 3: Execute scripts automatically</a:t>
+            </a:r>
+            <a:endParaRPr lang="es-AR" sz="3600" dirty="0">
+              <a:solidFill>
+                <a:schemeClr val="bg1"/>
+              </a:solidFill>
+            </a:endParaRPr>
+          </a:p>
+        </p:txBody>
+      </p:sp>
+      <p:pic>
+        <p:nvPicPr>
+          <p:cNvPr id="2" name="Picture 1"/>
+          <p:cNvPicPr>
+            <a:picLocks noChangeAspect="1"/>
+          </p:cNvPicPr>
+          <p:nvPr/>
+        </p:nvPicPr>
+        <p:blipFill>
+          <a:blip r:embed="rId2">
+            <a:extLst>
+              <a:ext uri="{28A0092B-C50C-407E-A947-70E740481C1C}">
+                <a14:useLocalDpi xmlns:a14="http://schemas.microsoft.com/office/drawing/2010/main" val="0"/>
+              </a:ext>
+            </a:extLst>
+          </a:blip>
+          <a:stretch>
+            <a:fillRect/>
+          </a:stretch>
+        </p:blipFill>
+        <p:spPr>
+          <a:xfrm>
+            <a:off x="1218519" y="1228035"/>
+            <a:ext cx="9754961" cy="4601217"/>
+          </a:xfrm>
+          <a:prstGeom prst="rect">
+            <a:avLst/>
+          </a:prstGeom>
+          <a:ln>
+            <a:noFill/>
+          </a:ln>
+          <a:effectLst>
+            <a:outerShdw blurRad="292100" dist="139700" dir="2700000" algn="tl" rotWithShape="0">
+              <a:srgbClr val="333333">
+                <a:alpha val="65000"/>
+              </a:srgbClr>
+            </a:outerShdw>
+          </a:effectLst>
+        </p:spPr>
+      </p:pic>
+    </p:spTree>
+    <p:extLst>
+      <p:ext uri="{BB962C8B-B14F-4D97-AF65-F5344CB8AC3E}">
+        <p14:creationId xmlns:p14="http://schemas.microsoft.com/office/powerpoint/2010/main" val="1283028214"/>
+      </p:ext>
+    </p:extLst>
+  </p:cSld>
+  <p:clrMapOvr>
+    <a:masterClrMapping/>
+  </p:clrMapOvr>
+  <p:transition spd="slow">
+    <p:wipe/>
+  </p:transition>
+  <p:timing>
+    <p:tnLst>
+      <p:par>
+        <p:cTn id="1" dur="indefinite" restart="never" nodeType="tmRoot"/>
+      </p:par>
+    </p:tnLst>
+  </p:timing>
+</p:sld>
+</file>
+
+<file path=ppt/slides/slide13.xml><?xml version="1.0" encoding="utf-8"?>
+<p:sld xmlns:a="http://schemas.openxmlformats.org/drawingml/2006/main" xmlns:r="http://schemas.openxmlformats.org/officeDocument/2006/relationships" xmlns:p="http://schemas.openxmlformats.org/presentationml/2006/main">
+  <p:cSld>
+    <p:spTree>
+      <p:nvGrpSpPr>
+        <p:cNvPr id="1" name=""/>
+        <p:cNvGrpSpPr/>
+        <p:nvPr/>
+      </p:nvGrpSpPr>
+      <p:grpSpPr>
+        <a:xfrm>
+          <a:off x="0" y="0"/>
+          <a:ext cx="0" cy="0"/>
+          <a:chOff x="0" y="0"/>
+          <a:chExt cx="0" cy="0"/>
+        </a:xfrm>
+      </p:grpSpPr>
+      <p:sp>
+        <p:nvSpPr>
+          <p:cNvPr id="15" name="Rectangle 14"/>
+          <p:cNvSpPr/>
+          <p:nvPr/>
+        </p:nvSpPr>
+        <p:spPr>
+          <a:xfrm>
+            <a:off x="-13252" y="1"/>
+            <a:ext cx="12218504" cy="1016000"/>
+          </a:xfrm>
+          <a:prstGeom prst="rect">
+            <a:avLst/>
+          </a:prstGeom>
+          <a:solidFill>
+            <a:srgbClr val="FF9600"/>
+          </a:solidFill>
+          <a:ln>
+            <a:noFill/>
+          </a:ln>
+        </p:spPr>
+        <p:style>
+          <a:lnRef idx="1">
+            <a:schemeClr val="accent6"/>
+          </a:lnRef>
+          <a:fillRef idx="3">
+            <a:schemeClr val="accent6"/>
+          </a:fillRef>
+          <a:effectRef idx="2">
+            <a:schemeClr val="accent6"/>
+          </a:effectRef>
+          <a:fontRef idx="minor">
+            <a:schemeClr val="lt1"/>
+          </a:fontRef>
+        </p:style>
+        <p:txBody>
+          <a:bodyPr anchor="ctr"/>
+          <a:lstStyle/>
+          <a:p>
+            <a:pPr marL="0" marR="0" lvl="0" indent="0" algn="ctr" defTabSz="914400" eaLnBrk="1" fontAlgn="auto" latinLnBrk="0" hangingPunct="1">
+              <a:lnSpc>
+                <a:spcPct val="100000"/>
+              </a:lnSpc>
+              <a:spcBef>
+                <a:spcPts val="0"/>
+              </a:spcBef>
+              <a:spcAft>
+                <a:spcPts val="0"/>
+              </a:spcAft>
+              <a:buClrTx/>
+              <a:buSzTx/>
+              <a:buFontTx/>
+              <a:buNone/>
+              <a:tabLst/>
+              <a:defRPr/>
+            </a:pPr>
+            <a:r>
+              <a:rPr kumimoji="0" lang="es-ES_tradnl" sz="1800" b="0" i="0" u="none" strike="noStrike" kern="0" cap="none" spc="0" normalizeH="0" baseline="0" noProof="0" dirty="0" smtClean="0">
+                <a:ln>
+                  <a:noFill/>
+                </a:ln>
+                <a:solidFill>
+                  <a:srgbClr val="FFFFFF"/>
+                </a:solidFill>
+                <a:effectLst/>
+                <a:uLnTx/>
+                <a:uFillTx/>
+                <a:latin typeface="Arial"/>
+                <a:ea typeface="ＭＳ Ｐゴシック" pitchFamily="-108" charset="-128"/>
+                <a:cs typeface="+mn-cs"/>
+              </a:rPr>
+              <a:t>  </a:t>
+            </a:r>
+            <a:endParaRPr kumimoji="0" lang="es-ES_tradnl" sz="1800" b="0" i="0" u="none" strike="noStrike" kern="0" cap="none" spc="0" normalizeH="0" baseline="0" noProof="0" dirty="0">
+              <a:ln>
+                <a:noFill/>
+              </a:ln>
+              <a:solidFill>
+                <a:srgbClr val="FFFFFF"/>
+              </a:solidFill>
+              <a:effectLst/>
+              <a:uLnTx/>
+              <a:uFillTx/>
+              <a:latin typeface="Arial"/>
+              <a:ea typeface="ＭＳ Ｐゴシック" pitchFamily="-108" charset="-128"/>
+              <a:cs typeface="+mn-cs"/>
+            </a:endParaRPr>
+          </a:p>
+        </p:txBody>
+      </p:sp>
+      <p:sp>
+        <p:nvSpPr>
+          <p:cNvPr id="16" name="TextBox 15"/>
+          <p:cNvSpPr txBox="1"/>
+          <p:nvPr/>
+        </p:nvSpPr>
+        <p:spPr>
+          <a:xfrm>
+            <a:off x="515937" y="212035"/>
+            <a:ext cx="11013453" cy="553998"/>
+          </a:xfrm>
+          <a:prstGeom prst="rect">
+            <a:avLst/>
+          </a:prstGeom>
+          <a:noFill/>
+        </p:spPr>
+        <p:txBody>
+          <a:bodyPr wrap="square" lIns="0" tIns="0" rIns="0" bIns="0" rtlCol="0">
+            <a:spAutoFit/>
+          </a:bodyPr>
+          <a:lstStyle/>
+          <a:p>
+            <a:r>
+              <a:rPr lang="en-US" sz="3600" dirty="0">
+                <a:solidFill>
+                  <a:schemeClr val="bg1"/>
+                </a:solidFill>
+              </a:rPr>
+              <a:t>Tip 3: Execute scripts automatically</a:t>
+            </a:r>
+            <a:endParaRPr lang="es-AR" sz="3600" dirty="0">
+              <a:solidFill>
+                <a:schemeClr val="bg1"/>
+              </a:solidFill>
+            </a:endParaRPr>
+          </a:p>
+        </p:txBody>
+      </p:sp>
+      <p:pic>
+        <p:nvPicPr>
+          <p:cNvPr id="2" name="Picture 1"/>
+          <p:cNvPicPr>
+            <a:picLocks noChangeAspect="1"/>
+          </p:cNvPicPr>
+          <p:nvPr/>
+        </p:nvPicPr>
+        <p:blipFill>
+          <a:blip r:embed="rId2">
+            <a:extLst>
+              <a:ext uri="{28A0092B-C50C-407E-A947-70E740481C1C}">
+                <a14:useLocalDpi xmlns:a14="http://schemas.microsoft.com/office/drawing/2010/main" val="0"/>
+              </a:ext>
+            </a:extLst>
+          </a:blip>
+          <a:stretch>
+            <a:fillRect/>
+          </a:stretch>
+        </p:blipFill>
+        <p:spPr>
+          <a:xfrm>
+            <a:off x="1432861" y="1351248"/>
+            <a:ext cx="9326277" cy="4401164"/>
+          </a:xfrm>
+          <a:prstGeom prst="rect">
+            <a:avLst/>
+          </a:prstGeom>
+          <a:ln>
+            <a:noFill/>
+          </a:ln>
+          <a:effectLst>
+            <a:outerShdw blurRad="292100" dist="139700" dir="2700000" algn="tl" rotWithShape="0">
+              <a:srgbClr val="333333">
+                <a:alpha val="65000"/>
+              </a:srgbClr>
+            </a:outerShdw>
+          </a:effectLst>
+        </p:spPr>
+      </p:pic>
+    </p:spTree>
+    <p:extLst>
+      <p:ext uri="{BB962C8B-B14F-4D97-AF65-F5344CB8AC3E}">
+        <p14:creationId xmlns:p14="http://schemas.microsoft.com/office/powerpoint/2010/main" val="2204079881"/>
+      </p:ext>
+    </p:extLst>
+  </p:cSld>
+  <p:clrMapOvr>
+    <a:masterClrMapping/>
+  </p:clrMapOvr>
+  <p:transition spd="slow">
+    <p:wipe/>
+  </p:transition>
+  <p:timing>
+    <p:tnLst>
+      <p:par>
+        <p:cTn id="1" dur="indefinite" restart="never" nodeType="tmRoot"/>
+      </p:par>
+    </p:tnLst>
+  </p:timing>
+</p:sld>
+</file>
+
+<file path=ppt/slides/slide14.xml><?xml version="1.0" encoding="utf-8"?>
 <p:sld xmlns:a="http://schemas.openxmlformats.org/drawingml/2006/main" xmlns:r="http://schemas.openxmlformats.org/officeDocument/2006/relationships" xmlns:p="http://schemas.openxmlformats.org/presentationml/2006/main">
   <p:cSld>
     <p:spTree>
@@ -16716,7 +17565,23 @@
                   <a:schemeClr val="bg1"/>
                 </a:solidFill>
               </a:rPr>
-              <a:t>Tip 6: Generate Integration tests</a:t>
+              <a:t>Tip </a:t>
+            </a:r>
+            <a:r>
+              <a:rPr lang="en-US" sz="3600" dirty="0" smtClean="0">
+                <a:solidFill>
+                  <a:schemeClr val="bg1"/>
+                </a:solidFill>
+              </a:rPr>
+              <a:t>4: </a:t>
+            </a:r>
+            <a:r>
+              <a:rPr lang="en-US" sz="3600" dirty="0">
+                <a:solidFill>
+                  <a:schemeClr val="bg1"/>
+                </a:solidFill>
+              </a:rPr>
+              <a:t>Setup test data (initialization &amp; cleanup)</a:t>
             </a:r>
             <a:endParaRPr lang="es-AR" sz="3600" dirty="0">
               <a:solidFill>
@@ -16729,7 +17594,7 @@
     </p:spTree>
     <p:extLst>
       <p:ext uri="{BB962C8B-B14F-4D97-AF65-F5344CB8AC3E}">
-        <p14:creationId xmlns:p14="http://schemas.microsoft.com/office/powerpoint/2010/main" val="4139250584"/>
+        <p14:creationId xmlns:p14="http://schemas.microsoft.com/office/powerpoint/2010/main" val="580169072"/>
       </p:ext>
     </p:extLst>
   </p:cSld>
@@ -16749,7 +17614,7 @@
 </p:sld>
 </file>
 
-<file path=ppt/slides/slide11.xml><?xml version="1.0" encoding="utf-8"?>
+<file path=ppt/slides/slide15.xml><?xml version="1.0" encoding="utf-8"?>
 <p:sld xmlns:a="http://schemas.openxmlformats.org/drawingml/2006/main" xmlns:r="http://schemas.openxmlformats.org/officeDocument/2006/relationships" xmlns:p="http://schemas.openxmlformats.org/presentationml/2006/main">
   <p:cSld>
     <p:spTree>
@@ -17123,15 +17988,36 @@
                   <a:schemeClr val="bg1"/>
                 </a:solidFill>
               </a:rPr>
-              <a:t>Tip 7: Add task to CI</a:t>
+              <a:t>Tip </a:t>
             </a:r>
+            <a:r>
+              <a:rPr lang="en-US" sz="3600" dirty="0" smtClean="0">
+                <a:solidFill>
+                  <a:schemeClr val="bg1"/>
+                </a:solidFill>
+              </a:rPr>
+              <a:t>5: </a:t>
+            </a:r>
+            <a:r>
+              <a:rPr lang="en-US" sz="3600" dirty="0">
+                <a:solidFill>
+                  <a:schemeClr val="bg1"/>
+                </a:solidFill>
+              </a:rPr>
+              <a:t>Generate Integration tests</a:t>
+            </a:r>
+            <a:endParaRPr lang="es-AR" sz="3600" dirty="0">
+              <a:solidFill>
+                <a:schemeClr val="bg1"/>
+              </a:solidFill>
+            </a:endParaRPr>
           </a:p>
         </p:txBody>
       </p:sp>
     </p:spTree>
     <p:extLst>
       <p:ext uri="{BB962C8B-B14F-4D97-AF65-F5344CB8AC3E}">
-        <p14:creationId xmlns:p14="http://schemas.microsoft.com/office/powerpoint/2010/main" val="4240739649"/>
+        <p14:creationId xmlns:p14="http://schemas.microsoft.com/office/powerpoint/2010/main" val="4139250584"/>
       </p:ext>
     </p:extLst>
   </p:cSld>
@@ -17151,108 +18037,7 @@
 </p:sld>
 </file>
 
-<file path=ppt/slides/slide12.xml><?xml version="1.0" encoding="utf-8"?>
-<p:sld xmlns:a="http://schemas.openxmlformats.org/drawingml/2006/main" xmlns:r="http://schemas.openxmlformats.org/officeDocument/2006/relationships" xmlns:p="http://schemas.openxmlformats.org/presentationml/2006/main">
-  <p:cSld>
-    <p:spTree>
-      <p:nvGrpSpPr>
-        <p:cNvPr id="1" name=""/>
-        <p:cNvGrpSpPr/>
-        <p:nvPr/>
-      </p:nvGrpSpPr>
-      <p:grpSpPr>
-        <a:xfrm>
-          <a:off x="0" y="0"/>
-          <a:ext cx="0" cy="0"/>
-          <a:chOff x="0" y="0"/>
-          <a:chExt cx="0" cy="0"/>
-        </a:xfrm>
-      </p:grpSpPr>
-      <p:sp>
-        <p:nvSpPr>
-          <p:cNvPr id="4" name="Title 3"/>
-          <p:cNvSpPr>
-            <a:spLocks noGrp="1"/>
-          </p:cNvSpPr>
-          <p:nvPr>
-            <p:ph type="ctrTitle"/>
-          </p:nvPr>
-        </p:nvSpPr>
-        <p:spPr/>
-        <p:txBody>
-          <a:bodyPr>
-            <a:normAutofit/>
-          </a:bodyPr>
-          <a:lstStyle/>
-          <a:p>
-            <a:r>
-              <a:rPr lang="es-AR" dirty="0" err="1" smtClean="0"/>
-              <a:t>Legacy</a:t>
-            </a:r>
-            <a:r>
-              <a:rPr lang="es-AR" dirty="0" smtClean="0"/>
-              <a:t> </a:t>
-            </a:r>
-            <a:r>
-              <a:rPr lang="es-AR" dirty="0" err="1" smtClean="0"/>
-              <a:t>Code</a:t>
-            </a:r>
-            <a:r>
-              <a:rPr lang="es-AR" dirty="0" smtClean="0"/>
-              <a:t> </a:t>
-            </a:r>
-            <a:r>
-              <a:rPr lang="es-AR" dirty="0" err="1" smtClean="0"/>
-              <a:t>Refactoring</a:t>
-            </a:r>
-            <a:r>
-              <a:rPr lang="es-AR" dirty="0" smtClean="0"/>
-              <a:t>: </a:t>
-            </a:r>
-            <a:r>
-              <a:rPr lang="es-AR" dirty="0" err="1" smtClean="0"/>
-              <a:t>Tips</a:t>
-            </a:r>
-            <a:r>
-              <a:rPr lang="es-AR" dirty="0" smtClean="0"/>
-              <a:t> </a:t>
-            </a:r>
-            <a:r>
-              <a:rPr lang="es-AR" dirty="0" smtClean="0"/>
-              <a:t>&amp; </a:t>
-            </a:r>
-            <a:r>
-              <a:rPr lang="es-AR" dirty="0" err="1" smtClean="0"/>
-              <a:t>Samples</a:t>
-            </a:r>
-            <a:endParaRPr lang="es-AR" dirty="0"/>
-          </a:p>
-        </p:txBody>
-      </p:sp>
-    </p:spTree>
-    <p:extLst>
-      <p:ext uri="{BB962C8B-B14F-4D97-AF65-F5344CB8AC3E}">
-        <p14:creationId xmlns:p14="http://schemas.microsoft.com/office/powerpoint/2010/main" val="2945601335"/>
-      </p:ext>
-    </p:extLst>
-  </p:cSld>
-  <p:clrMapOvr>
-    <a:masterClrMapping/>
-  </p:clrMapOvr>
-  <p:transition spd="slow">
-    <p:wipe/>
-  </p:transition>
-  <p:timing>
-    <p:tnLst>
-      <p:par>
-        <p:cTn id="1" dur="indefinite" restart="never" nodeType="tmRoot"/>
-      </p:par>
-    </p:tnLst>
-  </p:timing>
-</p:sld>
-</file>
-
-<file path=ppt/slides/slide13.xml><?xml version="1.0" encoding="utf-8"?>
+<file path=ppt/slides/slide16.xml><?xml version="1.0" encoding="utf-8"?>
 <p:sld xmlns:a="http://schemas.openxmlformats.org/drawingml/2006/main" xmlns:r="http://schemas.openxmlformats.org/officeDocument/2006/relationships" xmlns:p="http://schemas.openxmlformats.org/presentationml/2006/main">
   <p:cSld>
     <p:spTree>
@@ -17626,15 +18411,52 @@
                   <a:schemeClr val="bg1"/>
                 </a:solidFill>
               </a:rPr>
-              <a:t>Tip 1: Decouple method code</a:t>
+              <a:t>Tip </a:t>
             </a:r>
+            <a:r>
+              <a:rPr lang="en-US" sz="3600" dirty="0" smtClean="0">
+                <a:solidFill>
+                  <a:schemeClr val="bg1"/>
+                </a:solidFill>
+              </a:rPr>
+              <a:t>6: </a:t>
+            </a:r>
+            <a:r>
+              <a:rPr lang="en-US" sz="3600" dirty="0">
+                <a:solidFill>
+                  <a:schemeClr val="bg1"/>
+                </a:solidFill>
+              </a:rPr>
+              <a:t>Add </a:t>
+            </a:r>
+            <a:r>
+              <a:rPr lang="en-US" sz="3600" dirty="0" smtClean="0">
+                <a:solidFill>
+                  <a:schemeClr val="bg1"/>
+                </a:solidFill>
+              </a:rPr>
+              <a:t>Integration Tests to </a:t>
+            </a:r>
+            <a:r>
+              <a:rPr lang="en-US" sz="3600" dirty="0" err="1" smtClean="0">
+                <a:solidFill>
+                  <a:schemeClr val="bg1"/>
+                </a:solidFill>
+              </a:rPr>
+              <a:t>MSBuild</a:t>
+            </a:r>
+            <a:endParaRPr lang="en-US" sz="3600" dirty="0">
+              <a:solidFill>
+                <a:schemeClr val="bg1"/>
+              </a:solidFill>
+            </a:endParaRPr>
           </a:p>
         </p:txBody>
       </p:sp>
     </p:spTree>
     <p:extLst>
       <p:ext uri="{BB962C8B-B14F-4D97-AF65-F5344CB8AC3E}">
-        <p14:creationId xmlns:p14="http://schemas.microsoft.com/office/powerpoint/2010/main" val="1368165989"/>
+        <p14:creationId xmlns:p14="http://schemas.microsoft.com/office/powerpoint/2010/main" val="4240739649"/>
       </p:ext>
     </p:extLst>
   </p:cSld>
@@ -17654,7 +18476,104 @@
 </p:sld>
 </file>
 
-<file path=ppt/slides/slide14.xml><?xml version="1.0" encoding="utf-8"?>
+<file path=ppt/slides/slide17.xml><?xml version="1.0" encoding="utf-8"?>
+<p:sld xmlns:a="http://schemas.openxmlformats.org/drawingml/2006/main" xmlns:r="http://schemas.openxmlformats.org/officeDocument/2006/relationships" xmlns:p="http://schemas.openxmlformats.org/presentationml/2006/main">
+  <p:cSld>
+    <p:spTree>
+      <p:nvGrpSpPr>
+        <p:cNvPr id="1" name=""/>
+        <p:cNvGrpSpPr/>
+        <p:nvPr/>
+      </p:nvGrpSpPr>
+      <p:grpSpPr>
+        <a:xfrm>
+          <a:off x="0" y="0"/>
+          <a:ext cx="0" cy="0"/>
+          <a:chOff x="0" y="0"/>
+          <a:chExt cx="0" cy="0"/>
+        </a:xfrm>
+      </p:grpSpPr>
+      <p:sp>
+        <p:nvSpPr>
+          <p:cNvPr id="4" name="Title 3"/>
+          <p:cNvSpPr>
+            <a:spLocks noGrp="1"/>
+          </p:cNvSpPr>
+          <p:nvPr>
+            <p:ph type="ctrTitle"/>
+          </p:nvPr>
+        </p:nvSpPr>
+        <p:spPr/>
+        <p:txBody>
+          <a:bodyPr>
+            <a:normAutofit/>
+          </a:bodyPr>
+          <a:lstStyle/>
+          <a:p>
+            <a:r>
+              <a:rPr lang="es-AR" dirty="0" err="1" smtClean="0"/>
+              <a:t>Legacy</a:t>
+            </a:r>
+            <a:r>
+              <a:rPr lang="es-AR" dirty="0" smtClean="0"/>
+              <a:t> </a:t>
+            </a:r>
+            <a:r>
+              <a:rPr lang="es-AR" dirty="0" err="1" smtClean="0"/>
+              <a:t>Code</a:t>
+            </a:r>
+            <a:r>
+              <a:rPr lang="es-AR" dirty="0" smtClean="0"/>
+              <a:t> </a:t>
+            </a:r>
+            <a:r>
+              <a:rPr lang="es-AR" dirty="0" err="1" smtClean="0"/>
+              <a:t>Refactoring</a:t>
+            </a:r>
+            <a:r>
+              <a:rPr lang="es-AR" dirty="0" smtClean="0"/>
+              <a:t>: </a:t>
+            </a:r>
+            <a:r>
+              <a:rPr lang="es-AR" dirty="0" err="1" smtClean="0"/>
+              <a:t>Tips</a:t>
+            </a:r>
+            <a:r>
+              <a:rPr lang="es-AR" dirty="0" smtClean="0"/>
+              <a:t> &amp; </a:t>
+            </a:r>
+            <a:r>
+              <a:rPr lang="es-AR" dirty="0" err="1" smtClean="0"/>
+              <a:t>Samples</a:t>
+            </a:r>
+            <a:endParaRPr lang="es-AR" dirty="0"/>
+          </a:p>
+        </p:txBody>
+      </p:sp>
+    </p:spTree>
+    <p:extLst>
+      <p:ext uri="{BB962C8B-B14F-4D97-AF65-F5344CB8AC3E}">
+        <p14:creationId xmlns:p14="http://schemas.microsoft.com/office/powerpoint/2010/main" val="2945601335"/>
+      </p:ext>
+    </p:extLst>
+  </p:cSld>
+  <p:clrMapOvr>
+    <a:masterClrMapping/>
+  </p:clrMapOvr>
+  <p:transition spd="slow">
+    <p:wipe/>
+  </p:transition>
+  <p:timing>
+    <p:tnLst>
+      <p:par>
+        <p:cTn id="1" dur="indefinite" restart="never" nodeType="tmRoot"/>
+      </p:par>
+    </p:tnLst>
+  </p:timing>
+</p:sld>
+</file>
+
+<file path=ppt/slides/slide18.xml><?xml version="1.0" encoding="utf-8"?>
 <p:sld xmlns:a="http://schemas.openxmlformats.org/drawingml/2006/main" xmlns:r="http://schemas.openxmlformats.org/officeDocument/2006/relationships" xmlns:p="http://schemas.openxmlformats.org/presentationml/2006/main">
   <p:cSld>
     <p:spTree>
@@ -18028,7 +18947,7 @@
                   <a:schemeClr val="bg1"/>
                 </a:solidFill>
               </a:rPr>
-              <a:t>Tip 2: Test method</a:t>
+              <a:t>Tip 1: Decouple method code</a:t>
             </a:r>
           </a:p>
         </p:txBody>
@@ -18036,7 +18955,7 @@
     </p:spTree>
     <p:extLst>
       <p:ext uri="{BB962C8B-B14F-4D97-AF65-F5344CB8AC3E}">
-        <p14:creationId xmlns:p14="http://schemas.microsoft.com/office/powerpoint/2010/main" val="234987853"/>
+        <p14:creationId xmlns:p14="http://schemas.microsoft.com/office/powerpoint/2010/main" val="1368165989"/>
       </p:ext>
     </p:extLst>
   </p:cSld>
@@ -18056,7 +18975,7 @@
 </p:sld>
 </file>
 
-<file path=ppt/slides/slide15.xml><?xml version="1.0" encoding="utf-8"?>
+<file path=ppt/slides/slide19.xml><?xml version="1.0" encoding="utf-8"?>
 <p:sld xmlns:a="http://schemas.openxmlformats.org/drawingml/2006/main" xmlns:r="http://schemas.openxmlformats.org/officeDocument/2006/relationships" xmlns:p="http://schemas.openxmlformats.org/presentationml/2006/main">
   <p:cSld>
     <p:spTree>
@@ -18430,7 +19349,7 @@
                   <a:schemeClr val="bg1"/>
                 </a:solidFill>
               </a:rPr>
-              <a:t>Tip 3: Refactoring</a:t>
+              <a:t>Tip 2: Test method</a:t>
             </a:r>
           </a:p>
         </p:txBody>
@@ -18438,808 +19357,7 @@
     </p:spTree>
     <p:extLst>
       <p:ext uri="{BB962C8B-B14F-4D97-AF65-F5344CB8AC3E}">
-        <p14:creationId xmlns:p14="http://schemas.microsoft.com/office/powerpoint/2010/main" val="1796949555"/>
-      </p:ext>
-    </p:extLst>
-  </p:cSld>
-  <p:clrMapOvr>
-    <a:masterClrMapping/>
-  </p:clrMapOvr>
-  <p:transition spd="slow">
-    <p:wipe/>
-  </p:transition>
-  <p:timing>
-    <p:tnLst>
-      <p:par>
-        <p:cTn id="1" dur="indefinite" restart="never" nodeType="tmRoot"/>
-      </p:par>
-    </p:tnLst>
-  </p:timing>
-</p:sld>
-</file>
-
-<file path=ppt/slides/slide16.xml><?xml version="1.0" encoding="utf-8"?>
-<p:sld xmlns:a="http://schemas.openxmlformats.org/drawingml/2006/main" xmlns:r="http://schemas.openxmlformats.org/officeDocument/2006/relationships" xmlns:p="http://schemas.openxmlformats.org/presentationml/2006/main">
-  <p:cSld>
-    <p:spTree>
-      <p:nvGrpSpPr>
-        <p:cNvPr id="1" name=""/>
-        <p:cNvGrpSpPr/>
-        <p:nvPr/>
-      </p:nvGrpSpPr>
-      <p:grpSpPr>
-        <a:xfrm>
-          <a:off x="0" y="0"/>
-          <a:ext cx="0" cy="0"/>
-          <a:chOff x="0" y="0"/>
-          <a:chExt cx="0" cy="0"/>
-        </a:xfrm>
-      </p:grpSpPr>
-      <p:sp>
-        <p:nvSpPr>
-          <p:cNvPr id="15" name="Rectangle 14"/>
-          <p:cNvSpPr/>
-          <p:nvPr/>
-        </p:nvSpPr>
-        <p:spPr>
-          <a:xfrm>
-            <a:off x="-13252" y="1"/>
-            <a:ext cx="12218504" cy="1016000"/>
-          </a:xfrm>
-          <a:prstGeom prst="rect">
-            <a:avLst/>
-          </a:prstGeom>
-          <a:solidFill>
-            <a:srgbClr val="FF9600"/>
-          </a:solidFill>
-          <a:ln>
-            <a:noFill/>
-          </a:ln>
-        </p:spPr>
-        <p:style>
-          <a:lnRef idx="1">
-            <a:schemeClr val="accent6"/>
-          </a:lnRef>
-          <a:fillRef idx="3">
-            <a:schemeClr val="accent6"/>
-          </a:fillRef>
-          <a:effectRef idx="2">
-            <a:schemeClr val="accent6"/>
-          </a:effectRef>
-          <a:fontRef idx="minor">
-            <a:schemeClr val="lt1"/>
-          </a:fontRef>
-        </p:style>
-        <p:txBody>
-          <a:bodyPr anchor="ctr"/>
-          <a:lstStyle/>
-          <a:p>
-            <a:pPr marL="0" marR="0" lvl="0" indent="0" algn="ctr" defTabSz="914400" eaLnBrk="1" fontAlgn="auto" latinLnBrk="0" hangingPunct="1">
-              <a:lnSpc>
-                <a:spcPct val="100000"/>
-              </a:lnSpc>
-              <a:spcBef>
-                <a:spcPts val="0"/>
-              </a:spcBef>
-              <a:spcAft>
-                <a:spcPts val="0"/>
-              </a:spcAft>
-              <a:buClrTx/>
-              <a:buSzTx/>
-              <a:buFontTx/>
-              <a:buNone/>
-              <a:tabLst/>
-              <a:defRPr/>
-            </a:pPr>
-            <a:r>
-              <a:rPr kumimoji="0" lang="es-ES_tradnl" sz="1800" b="0" i="0" u="none" strike="noStrike" kern="0" cap="none" spc="0" normalizeH="0" baseline="0" noProof="0" dirty="0" smtClean="0">
-                <a:ln>
-                  <a:noFill/>
-                </a:ln>
-                <a:solidFill>
-                  <a:srgbClr val="FFFFFF"/>
-                </a:solidFill>
-                <a:effectLst/>
-                <a:uLnTx/>
-                <a:uFillTx/>
-                <a:latin typeface="Arial"/>
-                <a:ea typeface="ＭＳ Ｐゴシック" pitchFamily="-108" charset="-128"/>
-                <a:cs typeface="+mn-cs"/>
-              </a:rPr>
-              <a:t>  </a:t>
-            </a:r>
-            <a:endParaRPr kumimoji="0" lang="es-ES_tradnl" sz="1800" b="0" i="0" u="none" strike="noStrike" kern="0" cap="none" spc="0" normalizeH="0" baseline="0" noProof="0" dirty="0">
-              <a:ln>
-                <a:noFill/>
-              </a:ln>
-              <a:solidFill>
-                <a:srgbClr val="FFFFFF"/>
-              </a:solidFill>
-              <a:effectLst/>
-              <a:uLnTx/>
-              <a:uFillTx/>
-              <a:latin typeface="Arial"/>
-              <a:ea typeface="ＭＳ Ｐゴシック" pitchFamily="-108" charset="-128"/>
-              <a:cs typeface="+mn-cs"/>
-            </a:endParaRPr>
-          </a:p>
-        </p:txBody>
-      </p:sp>
-      <p:sp>
-        <p:nvSpPr>
-          <p:cNvPr id="16" name="TextBox 15"/>
-          <p:cNvSpPr txBox="1"/>
-          <p:nvPr/>
-        </p:nvSpPr>
-        <p:spPr>
-          <a:xfrm>
-            <a:off x="515937" y="212035"/>
-            <a:ext cx="11013453" cy="553998"/>
-          </a:xfrm>
-          <a:prstGeom prst="rect">
-            <a:avLst/>
-          </a:prstGeom>
-          <a:noFill/>
-        </p:spPr>
-        <p:txBody>
-          <a:bodyPr wrap="square" lIns="0" tIns="0" rIns="0" bIns="0" rtlCol="0">
-            <a:spAutoFit/>
-          </a:bodyPr>
-          <a:lstStyle/>
-          <a:p>
-            <a:r>
-              <a:rPr lang="en-US" sz="3600" dirty="0">
-                <a:solidFill>
-                  <a:schemeClr val="bg1"/>
-                </a:solidFill>
-              </a:rPr>
-              <a:t>Tip 3: Refactoring</a:t>
-            </a:r>
-            <a:endParaRPr lang="es-AR" sz="3600" dirty="0">
-              <a:solidFill>
-                <a:schemeClr val="bg1"/>
-              </a:solidFill>
-            </a:endParaRPr>
-          </a:p>
-        </p:txBody>
-      </p:sp>
-      <p:pic>
-        <p:nvPicPr>
-          <p:cNvPr id="1026" name="Picture 2" descr="http://1.bp.blogspot.com/-Mpykpfpj4l4/U7mwCWCX7TI/AAAAAAAAr_I/nEhB7tgjYhY/w600-h450/Brtku2iCMAI36EV.jpg"/>
-          <p:cNvPicPr>
-            <a:picLocks noChangeAspect="1" noChangeArrowheads="1"/>
-          </p:cNvPicPr>
-          <p:nvPr/>
-        </p:nvPicPr>
-        <p:blipFill>
-          <a:blip r:embed="rId2">
-            <a:extLst>
-              <a:ext uri="{28A0092B-C50C-407E-A947-70E740481C1C}">
-                <a14:useLocalDpi xmlns:a14="http://schemas.microsoft.com/office/drawing/2010/main" val="0"/>
-              </a:ext>
-            </a:extLst>
-          </a:blip>
-          <a:srcRect/>
-          <a:stretch>
-            <a:fillRect/>
-          </a:stretch>
-        </p:blipFill>
-        <p:spPr bwMode="auto">
-          <a:xfrm>
-            <a:off x="3238500" y="1285875"/>
-            <a:ext cx="5715000" cy="4286250"/>
-          </a:xfrm>
-          <a:prstGeom prst="rect">
-            <a:avLst/>
-          </a:prstGeom>
-          <a:ln>
-            <a:noFill/>
-          </a:ln>
-          <a:effectLst>
-            <a:outerShdw blurRad="292100" dist="139700" dir="2700000" algn="tl" rotWithShape="0">
-              <a:srgbClr val="333333">
-                <a:alpha val="65000"/>
-              </a:srgbClr>
-            </a:outerShdw>
-          </a:effectLst>
-          <a:extLst>
-            <a:ext uri="{909E8E84-426E-40DD-AFC4-6F175D3DCCD1}">
-              <a14:hiddenFill xmlns:a14="http://schemas.microsoft.com/office/drawing/2010/main">
-                <a:solidFill>
-                  <a:srgbClr val="FFFFFF"/>
-                </a:solidFill>
-              </a14:hiddenFill>
-            </a:ext>
-          </a:extLst>
-        </p:spPr>
-      </p:pic>
-    </p:spTree>
-    <p:extLst>
-      <p:ext uri="{BB962C8B-B14F-4D97-AF65-F5344CB8AC3E}">
-        <p14:creationId xmlns:p14="http://schemas.microsoft.com/office/powerpoint/2010/main" val="3966539502"/>
-      </p:ext>
-    </p:extLst>
-  </p:cSld>
-  <p:clrMapOvr>
-    <a:masterClrMapping/>
-  </p:clrMapOvr>
-  <p:transition spd="slow">
-    <p:wipe/>
-  </p:transition>
-  <p:timing>
-    <p:tnLst>
-      <p:par>
-        <p:cTn id="1" dur="indefinite" restart="never" nodeType="tmRoot"/>
-      </p:par>
-    </p:tnLst>
-  </p:timing>
-</p:sld>
-</file>
-
-<file path=ppt/slides/slide17.xml><?xml version="1.0" encoding="utf-8"?>
-<p:sld xmlns:a="http://schemas.openxmlformats.org/drawingml/2006/main" xmlns:r="http://schemas.openxmlformats.org/officeDocument/2006/relationships" xmlns:p="http://schemas.openxmlformats.org/presentationml/2006/main">
-  <p:cSld>
-    <p:spTree>
-      <p:nvGrpSpPr>
-        <p:cNvPr id="1" name=""/>
-        <p:cNvGrpSpPr/>
-        <p:nvPr/>
-      </p:nvGrpSpPr>
-      <p:grpSpPr>
-        <a:xfrm>
-          <a:off x="0" y="0"/>
-          <a:ext cx="0" cy="0"/>
-          <a:chOff x="0" y="0"/>
-          <a:chExt cx="0" cy="0"/>
-        </a:xfrm>
-      </p:grpSpPr>
-      <p:sp>
-        <p:nvSpPr>
-          <p:cNvPr id="4" name="Title 3"/>
-          <p:cNvSpPr>
-            <a:spLocks noGrp="1"/>
-          </p:cNvSpPr>
-          <p:nvPr>
-            <p:ph type="ctrTitle"/>
-          </p:nvPr>
-        </p:nvSpPr>
-        <p:spPr/>
-        <p:txBody>
-          <a:bodyPr>
-            <a:normAutofit/>
-          </a:bodyPr>
-          <a:lstStyle/>
-          <a:p>
-            <a:r>
-              <a:rPr lang="es-AR" dirty="0" err="1" smtClean="0"/>
-              <a:t>Coding</a:t>
-            </a:r>
-            <a:r>
-              <a:rPr lang="es-AR" dirty="0" smtClean="0"/>
-              <a:t> time!</a:t>
-            </a:r>
-            <a:endParaRPr lang="es-AR" dirty="0"/>
-          </a:p>
-        </p:txBody>
-      </p:sp>
-    </p:spTree>
-    <p:extLst>
-      <p:ext uri="{BB962C8B-B14F-4D97-AF65-F5344CB8AC3E}">
-        <p14:creationId xmlns:p14="http://schemas.microsoft.com/office/powerpoint/2010/main" val="917926131"/>
-      </p:ext>
-    </p:extLst>
-  </p:cSld>
-  <p:clrMapOvr>
-    <a:masterClrMapping/>
-  </p:clrMapOvr>
-  <p:transition spd="slow">
-    <p:wipe/>
-  </p:transition>
-  <p:timing>
-    <p:tnLst>
-      <p:par>
-        <p:cTn id="1" dur="indefinite" restart="never" nodeType="tmRoot"/>
-      </p:par>
-    </p:tnLst>
-  </p:timing>
-</p:sld>
-</file>
-
-<file path=ppt/slides/slide18.xml><?xml version="1.0" encoding="utf-8"?>
-<p:sld xmlns:a="http://schemas.openxmlformats.org/drawingml/2006/main" xmlns:r="http://schemas.openxmlformats.org/officeDocument/2006/relationships" xmlns:p="http://schemas.openxmlformats.org/presentationml/2006/main">
-  <p:cSld>
-    <p:spTree>
-      <p:nvGrpSpPr>
-        <p:cNvPr id="1" name=""/>
-        <p:cNvGrpSpPr/>
-        <p:nvPr/>
-      </p:nvGrpSpPr>
-      <p:grpSpPr>
-        <a:xfrm>
-          <a:off x="0" y="0"/>
-          <a:ext cx="0" cy="0"/>
-          <a:chOff x="0" y="0"/>
-          <a:chExt cx="0" cy="0"/>
-        </a:xfrm>
-      </p:grpSpPr>
-      <p:sp>
-        <p:nvSpPr>
-          <p:cNvPr id="15" name="Rectangle 14"/>
-          <p:cNvSpPr/>
-          <p:nvPr/>
-        </p:nvSpPr>
-        <p:spPr>
-          <a:xfrm>
-            <a:off x="-13252" y="1"/>
-            <a:ext cx="12218504" cy="1016000"/>
-          </a:xfrm>
-          <a:prstGeom prst="rect">
-            <a:avLst/>
-          </a:prstGeom>
-          <a:solidFill>
-            <a:srgbClr val="FF9600"/>
-          </a:solidFill>
-          <a:ln>
-            <a:noFill/>
-          </a:ln>
-        </p:spPr>
-        <p:style>
-          <a:lnRef idx="1">
-            <a:schemeClr val="accent6"/>
-          </a:lnRef>
-          <a:fillRef idx="3">
-            <a:schemeClr val="accent6"/>
-          </a:fillRef>
-          <a:effectRef idx="2">
-            <a:schemeClr val="accent6"/>
-          </a:effectRef>
-          <a:fontRef idx="minor">
-            <a:schemeClr val="lt1"/>
-          </a:fontRef>
-        </p:style>
-        <p:txBody>
-          <a:bodyPr anchor="ctr"/>
-          <a:lstStyle/>
-          <a:p>
-            <a:pPr marL="0" marR="0" lvl="0" indent="0" algn="ctr" defTabSz="914400" eaLnBrk="1" fontAlgn="auto" latinLnBrk="0" hangingPunct="1">
-              <a:lnSpc>
-                <a:spcPct val="100000"/>
-              </a:lnSpc>
-              <a:spcBef>
-                <a:spcPts val="0"/>
-              </a:spcBef>
-              <a:spcAft>
-                <a:spcPts val="0"/>
-              </a:spcAft>
-              <a:buClrTx/>
-              <a:buSzTx/>
-              <a:buFontTx/>
-              <a:buNone/>
-              <a:tabLst/>
-              <a:defRPr/>
-            </a:pPr>
-            <a:r>
-              <a:rPr kumimoji="0" lang="es-ES_tradnl" sz="1800" b="0" i="0" u="none" strike="noStrike" kern="0" cap="none" spc="0" normalizeH="0" baseline="0" noProof="0" dirty="0" smtClean="0">
-                <a:ln>
-                  <a:noFill/>
-                </a:ln>
-                <a:solidFill>
-                  <a:srgbClr val="FFFFFF"/>
-                </a:solidFill>
-                <a:effectLst/>
-                <a:uLnTx/>
-                <a:uFillTx/>
-                <a:latin typeface="Arial"/>
-                <a:ea typeface="ＭＳ Ｐゴシック" pitchFamily="-108" charset="-128"/>
-                <a:cs typeface="+mn-cs"/>
-              </a:rPr>
-              <a:t>  </a:t>
-            </a:r>
-            <a:endParaRPr kumimoji="0" lang="es-ES_tradnl" sz="1800" b="0" i="0" u="none" strike="noStrike" kern="0" cap="none" spc="0" normalizeH="0" baseline="0" noProof="0" dirty="0">
-              <a:ln>
-                <a:noFill/>
-              </a:ln>
-              <a:solidFill>
-                <a:srgbClr val="FFFFFF"/>
-              </a:solidFill>
-              <a:effectLst/>
-              <a:uLnTx/>
-              <a:uFillTx/>
-              <a:latin typeface="Arial"/>
-              <a:ea typeface="ＭＳ Ｐゴシック" pitchFamily="-108" charset="-128"/>
-              <a:cs typeface="+mn-cs"/>
-            </a:endParaRPr>
-          </a:p>
-        </p:txBody>
-      </p:sp>
-      <p:sp>
-        <p:nvSpPr>
-          <p:cNvPr id="16" name="TextBox 15"/>
-          <p:cNvSpPr txBox="1"/>
-          <p:nvPr/>
-        </p:nvSpPr>
-        <p:spPr>
-          <a:xfrm>
-            <a:off x="515936" y="212035"/>
-            <a:ext cx="11676063" cy="553998"/>
-          </a:xfrm>
-          <a:prstGeom prst="rect">
-            <a:avLst/>
-          </a:prstGeom>
-          <a:noFill/>
-        </p:spPr>
-        <p:txBody>
-          <a:bodyPr wrap="square" lIns="0" tIns="0" rIns="0" bIns="0" rtlCol="0">
-            <a:spAutoFit/>
-          </a:bodyPr>
-          <a:lstStyle/>
-          <a:p>
-            <a:r>
-              <a:rPr lang="en-US" sz="3600" dirty="0" smtClean="0">
-                <a:solidFill>
-                  <a:schemeClr val="bg1"/>
-                </a:solidFill>
-              </a:rPr>
-              <a:t>Questions</a:t>
-            </a:r>
-            <a:endParaRPr lang="es-AR" sz="3600" dirty="0">
-              <a:solidFill>
-                <a:schemeClr val="bg1"/>
-              </a:solidFill>
-            </a:endParaRPr>
-          </a:p>
-        </p:txBody>
-      </p:sp>
-      <p:sp>
-        <p:nvSpPr>
-          <p:cNvPr id="6" name="Content Placeholder 2"/>
-          <p:cNvSpPr txBox="1">
-            <a:spLocks/>
-          </p:cNvSpPr>
-          <p:nvPr/>
-        </p:nvSpPr>
-        <p:spPr>
-          <a:xfrm>
-            <a:off x="476534" y="1394213"/>
-            <a:ext cx="8142809" cy="4329621"/>
-          </a:xfrm>
-          <a:prstGeom prst="rect">
-            <a:avLst/>
-          </a:prstGeom>
-        </p:spPr>
-        <p:txBody>
-          <a:bodyPr vert="horz" lIns="91440" tIns="45720" rIns="91440" bIns="45720" rtlCol="0">
-            <a:noAutofit/>
-          </a:bodyPr>
-          <a:lstStyle>
-            <a:lvl1pPr marL="273050" marR="0" indent="-273050" algn="l" defTabSz="914400" rtl="0" eaLnBrk="1" fontAlgn="auto" latinLnBrk="0" hangingPunct="1">
-              <a:lnSpc>
-                <a:spcPct val="100000"/>
-              </a:lnSpc>
-              <a:spcBef>
-                <a:spcPts val="1200"/>
-              </a:spcBef>
-              <a:spcAft>
-                <a:spcPts val="0"/>
-              </a:spcAft>
-              <a:buClr>
-                <a:srgbClr val="DA1218"/>
-              </a:buClr>
-              <a:buSzTx/>
-              <a:buFont typeface="Wingdings" pitchFamily="2" charset="2"/>
-              <a:buChar char="§"/>
-              <a:tabLst/>
-              <a:defRPr lang="en-US" sz="2400" kern="1200">
-                <a:solidFill>
-                  <a:schemeClr val="tx1"/>
-                </a:solidFill>
-                <a:latin typeface="Arial" pitchFamily="34" charset="0"/>
-                <a:ea typeface="+mn-ea"/>
-                <a:cs typeface="Arial" pitchFamily="34" charset="0"/>
-              </a:defRPr>
-            </a:lvl1pPr>
-            <a:lvl2pPr marL="628650" marR="0" indent="-355600" algn="l" defTabSz="914400" rtl="0" eaLnBrk="1" fontAlgn="auto" latinLnBrk="0" hangingPunct="1">
-              <a:lnSpc>
-                <a:spcPct val="100000"/>
-              </a:lnSpc>
-              <a:spcBef>
-                <a:spcPct val="20000"/>
-              </a:spcBef>
-              <a:spcAft>
-                <a:spcPts val="0"/>
-              </a:spcAft>
-              <a:buClr>
-                <a:srgbClr val="DA1218"/>
-              </a:buClr>
-              <a:buSzTx/>
-              <a:buFont typeface="Wingdings" pitchFamily="2" charset="2"/>
-              <a:buChar char=""/>
-              <a:tabLst/>
-              <a:defRPr lang="en-US" sz="2000" kern="1200">
-                <a:solidFill>
-                  <a:schemeClr val="tx1"/>
-                </a:solidFill>
-                <a:latin typeface="Arial" pitchFamily="34" charset="0"/>
-                <a:ea typeface="+mn-ea"/>
-                <a:cs typeface="Arial" pitchFamily="34" charset="0"/>
-              </a:defRPr>
-            </a:lvl2pPr>
-            <a:lvl3pPr marL="903288" marR="0" indent="-274638" algn="l" defTabSz="914400" rtl="0" eaLnBrk="1" fontAlgn="auto" latinLnBrk="0" hangingPunct="1">
-              <a:lnSpc>
-                <a:spcPct val="100000"/>
-              </a:lnSpc>
-              <a:spcBef>
-                <a:spcPct val="20000"/>
-              </a:spcBef>
-              <a:spcAft>
-                <a:spcPts val="0"/>
-              </a:spcAft>
-              <a:buClr>
-                <a:srgbClr val="DA1218"/>
-              </a:buClr>
-              <a:buSzTx/>
-              <a:buFont typeface="Wingdings" pitchFamily="2" charset="2"/>
-              <a:buChar char="ü"/>
-              <a:tabLst/>
-              <a:defRPr lang="en-US" sz="1800" kern="1200">
-                <a:solidFill>
-                  <a:schemeClr val="tx1"/>
-                </a:solidFill>
-                <a:latin typeface="Arial" pitchFamily="34" charset="0"/>
-                <a:ea typeface="+mn-ea"/>
-                <a:cs typeface="Arial" pitchFamily="34" charset="0"/>
-              </a:defRPr>
-            </a:lvl3pPr>
-            <a:lvl4pPr marL="1081088" marR="0" indent="-177800" algn="l" defTabSz="914400" rtl="0" eaLnBrk="1" fontAlgn="auto" latinLnBrk="0" hangingPunct="1">
-              <a:lnSpc>
-                <a:spcPct val="100000"/>
-              </a:lnSpc>
-              <a:spcBef>
-                <a:spcPct val="20000"/>
-              </a:spcBef>
-              <a:spcAft>
-                <a:spcPts val="0"/>
-              </a:spcAft>
-              <a:buClr>
-                <a:srgbClr val="DA1218"/>
-              </a:buClr>
-              <a:buSzTx/>
-              <a:buFont typeface="Arial" pitchFamily="34" charset="0"/>
-              <a:buChar char="•"/>
-              <a:tabLst/>
-              <a:defRPr lang="en-US" sz="1600" kern="1200">
-                <a:solidFill>
-                  <a:schemeClr val="tx1"/>
-                </a:solidFill>
-                <a:latin typeface="Arial" pitchFamily="34" charset="0"/>
-                <a:ea typeface="+mn-ea"/>
-                <a:cs typeface="Arial" pitchFamily="34" charset="0"/>
-              </a:defRPr>
-            </a:lvl4pPr>
-            <a:lvl5pPr marL="1258888" marR="0" indent="-177800" algn="l" defTabSz="914400" rtl="0" eaLnBrk="1" fontAlgn="auto" latinLnBrk="0" hangingPunct="1">
-              <a:lnSpc>
-                <a:spcPct val="100000"/>
-              </a:lnSpc>
-              <a:spcBef>
-                <a:spcPct val="20000"/>
-              </a:spcBef>
-              <a:spcAft>
-                <a:spcPts val="0"/>
-              </a:spcAft>
-              <a:buClr>
-                <a:srgbClr val="DA1218"/>
-              </a:buClr>
-              <a:buSzPct val="100000"/>
-              <a:buFont typeface="Courier New" pitchFamily="49" charset="0"/>
-              <a:buChar char="o"/>
-              <a:tabLst/>
-              <a:defRPr lang="es-AR" sz="1400" kern="1200">
-                <a:solidFill>
-                  <a:schemeClr val="tx1"/>
-                </a:solidFill>
-                <a:latin typeface="Arial" pitchFamily="34" charset="0"/>
-                <a:ea typeface="+mn-ea"/>
-                <a:cs typeface="Arial" pitchFamily="34" charset="0"/>
-              </a:defRPr>
-            </a:lvl5pPr>
-            <a:lvl6pPr marL="2514600" indent="-228600" algn="l" defTabSz="914400" rtl="0" eaLnBrk="1" latinLnBrk="0" hangingPunct="1">
-              <a:spcBef>
-                <a:spcPct val="20000"/>
-              </a:spcBef>
-              <a:buFont typeface="Arial" pitchFamily="34" charset="0"/>
-              <a:buChar char="•"/>
-              <a:defRPr sz="2000" kern="1200">
-                <a:solidFill>
-                  <a:schemeClr val="tx1"/>
-                </a:solidFill>
-                <a:latin typeface="+mn-lt"/>
-                <a:ea typeface="+mn-ea"/>
-                <a:cs typeface="+mn-cs"/>
-              </a:defRPr>
-            </a:lvl6pPr>
-            <a:lvl7pPr marL="2971800" indent="-228600" algn="l" defTabSz="914400" rtl="0" eaLnBrk="1" latinLnBrk="0" hangingPunct="1">
-              <a:spcBef>
-                <a:spcPct val="20000"/>
-              </a:spcBef>
-              <a:buFont typeface="Arial" pitchFamily="34" charset="0"/>
-              <a:buChar char="•"/>
-              <a:defRPr sz="2000" kern="1200">
-                <a:solidFill>
-                  <a:schemeClr val="tx1"/>
-                </a:solidFill>
-                <a:latin typeface="+mn-lt"/>
-                <a:ea typeface="+mn-ea"/>
-                <a:cs typeface="+mn-cs"/>
-              </a:defRPr>
-            </a:lvl7pPr>
-            <a:lvl8pPr marL="3429000" indent="-228600" algn="l" defTabSz="914400" rtl="0" eaLnBrk="1" latinLnBrk="0" hangingPunct="1">
-              <a:spcBef>
-                <a:spcPct val="20000"/>
-              </a:spcBef>
-              <a:buFont typeface="Arial" pitchFamily="34" charset="0"/>
-              <a:buChar char="•"/>
-              <a:defRPr sz="2000" kern="1200">
-                <a:solidFill>
-                  <a:schemeClr val="tx1"/>
-                </a:solidFill>
-                <a:latin typeface="+mn-lt"/>
-                <a:ea typeface="+mn-ea"/>
-                <a:cs typeface="+mn-cs"/>
-              </a:defRPr>
-            </a:lvl8pPr>
-            <a:lvl9pPr marL="3886200" indent="-228600" algn="l" defTabSz="914400" rtl="0" eaLnBrk="1" latinLnBrk="0" hangingPunct="1">
-              <a:spcBef>
-                <a:spcPct val="20000"/>
-              </a:spcBef>
-              <a:buFont typeface="Arial" pitchFamily="34" charset="0"/>
-              <a:buChar char="•"/>
-              <a:defRPr sz="2000" kern="1200">
-                <a:solidFill>
-                  <a:schemeClr val="tx1"/>
-                </a:solidFill>
-                <a:latin typeface="+mn-lt"/>
-                <a:ea typeface="+mn-ea"/>
-                <a:cs typeface="+mn-cs"/>
-              </a:defRPr>
-            </a:lvl9pPr>
-          </a:lstStyle>
-          <a:p>
-            <a:pPr marL="0" lvl="1" indent="0">
-              <a:spcBef>
-                <a:spcPts val="1200"/>
-              </a:spcBef>
-              <a:buClrTx/>
-              <a:buNone/>
-            </a:pPr>
-            <a:endParaRPr lang="en-GB" dirty="0">
-              <a:latin typeface="Avenir 45 Book (Body)"/>
-            </a:endParaRPr>
-          </a:p>
-          <a:p>
-            <a:pPr marL="0" lvl="1" indent="0">
-              <a:spcBef>
-                <a:spcPts val="1200"/>
-              </a:spcBef>
-              <a:buClrTx/>
-              <a:buNone/>
-            </a:pPr>
-            <a:endParaRPr lang="es-AR" sz="1600" b="1" dirty="0">
-              <a:solidFill>
-                <a:srgbClr val="000000"/>
-              </a:solidFill>
-              <a:latin typeface="Avenir 45 Book (Body)"/>
-              <a:cs typeface="+mn-cs"/>
-            </a:endParaRPr>
-          </a:p>
-        </p:txBody>
-      </p:sp>
-      <p:pic>
-        <p:nvPicPr>
-          <p:cNvPr id="2" name="Picture 1"/>
-          <p:cNvPicPr>
-            <a:picLocks noChangeAspect="1"/>
-          </p:cNvPicPr>
-          <p:nvPr/>
-        </p:nvPicPr>
-        <p:blipFill>
-          <a:blip r:embed="rId2">
-            <a:extLst>
-              <a:ext uri="{28A0092B-C50C-407E-A947-70E740481C1C}">
-                <a14:useLocalDpi xmlns:a14="http://schemas.microsoft.com/office/drawing/2010/main" val="0"/>
-              </a:ext>
-            </a:extLst>
-          </a:blip>
-          <a:stretch>
-            <a:fillRect/>
-          </a:stretch>
-        </p:blipFill>
-        <p:spPr>
-          <a:xfrm>
-            <a:off x="3675389" y="1322164"/>
-            <a:ext cx="4661777" cy="4661777"/>
-          </a:xfrm>
-          <a:prstGeom prst="rect">
-            <a:avLst/>
-          </a:prstGeom>
-          <a:ln>
-            <a:noFill/>
-          </a:ln>
-          <a:effectLst>
-            <a:outerShdw blurRad="292100" dist="139700" dir="2700000" algn="tl" rotWithShape="0">
-              <a:srgbClr val="333333">
-                <a:alpha val="65000"/>
-              </a:srgbClr>
-            </a:outerShdw>
-          </a:effectLst>
-        </p:spPr>
-      </p:pic>
-    </p:spTree>
-    <p:extLst>
-      <p:ext uri="{BB962C8B-B14F-4D97-AF65-F5344CB8AC3E}">
-        <p14:creationId xmlns:p14="http://schemas.microsoft.com/office/powerpoint/2010/main" val="76703024"/>
-      </p:ext>
-    </p:extLst>
-  </p:cSld>
-  <p:clrMapOvr>
-    <a:masterClrMapping/>
-  </p:clrMapOvr>
-  <p:transition spd="slow">
-    <p:wipe/>
-  </p:transition>
-  <p:timing>
-    <p:tnLst>
-      <p:par>
-        <p:cTn id="1" dur="indefinite" restart="never" nodeType="tmRoot"/>
-      </p:par>
-    </p:tnLst>
-  </p:timing>
-</p:sld>
-</file>
-
-<file path=ppt/slides/slide19.xml><?xml version="1.0" encoding="utf-8"?>
-<p:sld xmlns:a="http://schemas.openxmlformats.org/drawingml/2006/main" xmlns:r="http://schemas.openxmlformats.org/officeDocument/2006/relationships" xmlns:p="http://schemas.openxmlformats.org/presentationml/2006/main">
-  <p:cSld>
-    <p:spTree>
-      <p:nvGrpSpPr>
-        <p:cNvPr id="1" name=""/>
-        <p:cNvGrpSpPr/>
-        <p:nvPr/>
-      </p:nvGrpSpPr>
-      <p:grpSpPr>
-        <a:xfrm>
-          <a:off x="0" y="0"/>
-          <a:ext cx="0" cy="0"/>
-          <a:chOff x="0" y="0"/>
-          <a:chExt cx="0" cy="0"/>
-        </a:xfrm>
-      </p:grpSpPr>
-      <p:sp>
-        <p:nvSpPr>
-          <p:cNvPr id="4" name="Title 3"/>
-          <p:cNvSpPr>
-            <a:spLocks noGrp="1"/>
-          </p:cNvSpPr>
-          <p:nvPr>
-            <p:ph type="ctrTitle"/>
-          </p:nvPr>
-        </p:nvSpPr>
-        <p:spPr/>
-        <p:txBody>
-          <a:bodyPr/>
-          <a:lstStyle/>
-          <a:p>
-            <a:r>
-              <a:rPr lang="es-AR" dirty="0" err="1" smtClean="0"/>
-              <a:t>Feedback</a:t>
-            </a:r>
-            <a:endParaRPr lang="es-AR" dirty="0"/>
-          </a:p>
-        </p:txBody>
-      </p:sp>
-    </p:spTree>
-    <p:extLst>
-      <p:ext uri="{BB962C8B-B14F-4D97-AF65-F5344CB8AC3E}">
-        <p14:creationId xmlns:p14="http://schemas.microsoft.com/office/powerpoint/2010/main" val="84412831"/>
+        <p14:creationId xmlns:p14="http://schemas.microsoft.com/office/powerpoint/2010/main" val="234987853"/>
       </p:ext>
     </p:extLst>
   </p:cSld>
@@ -19707,16 +19825,6 @@
                 </a:rPr>
                 <a:t>Database Integration: Tips &amp; Samples</a:t>
               </a:r>
-              <a:endParaRPr lang="da-DK" dirty="0" smtClean="0">
-                <a:solidFill>
-                  <a:srgbClr val="E6E6E6">
-                    <a:lumMod val="10000"/>
-                  </a:srgbClr>
-                </a:solidFill>
-                <a:latin typeface="Segoe UI Light" panose="020B0502040204020203" pitchFamily="34" charset="0"/>
-                <a:ea typeface="ＭＳ Ｐゴシック" charset="-128"/>
-                <a:cs typeface="Segoe UI Light" panose="020B0502040204020203" pitchFamily="34" charset="0"/>
-              </a:endParaRPr>
             </a:p>
           </p:txBody>
         </p:sp>
@@ -20738,6 +20846,1209 @@
 </file>
 
 <file path=ppt/slides/slide20.xml><?xml version="1.0" encoding="utf-8"?>
+<p:sld xmlns:a="http://schemas.openxmlformats.org/drawingml/2006/main" xmlns:r="http://schemas.openxmlformats.org/officeDocument/2006/relationships" xmlns:p="http://schemas.openxmlformats.org/presentationml/2006/main">
+  <p:cSld>
+    <p:spTree>
+      <p:nvGrpSpPr>
+        <p:cNvPr id="1" name=""/>
+        <p:cNvGrpSpPr/>
+        <p:nvPr/>
+      </p:nvGrpSpPr>
+      <p:grpSpPr>
+        <a:xfrm>
+          <a:off x="0" y="0"/>
+          <a:ext cx="0" cy="0"/>
+          <a:chOff x="0" y="0"/>
+          <a:chExt cx="0" cy="0"/>
+        </a:xfrm>
+      </p:grpSpPr>
+      <p:sp>
+        <p:nvSpPr>
+          <p:cNvPr id="13" name="Content Placeholder 2"/>
+          <p:cNvSpPr txBox="1">
+            <a:spLocks/>
+          </p:cNvSpPr>
+          <p:nvPr/>
+        </p:nvSpPr>
+        <p:spPr>
+          <a:xfrm>
+            <a:off x="476534" y="1394213"/>
+            <a:ext cx="8142809" cy="4329621"/>
+          </a:xfrm>
+          <a:prstGeom prst="rect">
+            <a:avLst/>
+          </a:prstGeom>
+        </p:spPr>
+        <p:txBody>
+          <a:bodyPr vert="horz" lIns="91440" tIns="45720" rIns="91440" bIns="45720" rtlCol="0">
+            <a:noAutofit/>
+          </a:bodyPr>
+          <a:lstStyle>
+            <a:lvl1pPr marL="273050" marR="0" indent="-273050" algn="l" defTabSz="914400" rtl="0" eaLnBrk="1" fontAlgn="auto" latinLnBrk="0" hangingPunct="1">
+              <a:lnSpc>
+                <a:spcPct val="100000"/>
+              </a:lnSpc>
+              <a:spcBef>
+                <a:spcPts val="1200"/>
+              </a:spcBef>
+              <a:spcAft>
+                <a:spcPts val="0"/>
+              </a:spcAft>
+              <a:buClr>
+                <a:srgbClr val="DA1218"/>
+              </a:buClr>
+              <a:buSzTx/>
+              <a:buFont typeface="Wingdings" pitchFamily="2" charset="2"/>
+              <a:buChar char="§"/>
+              <a:tabLst/>
+              <a:defRPr lang="en-US" sz="2400" kern="1200">
+                <a:solidFill>
+                  <a:schemeClr val="tx1"/>
+                </a:solidFill>
+                <a:latin typeface="Arial" pitchFamily="34" charset="0"/>
+                <a:ea typeface="+mn-ea"/>
+                <a:cs typeface="Arial" pitchFamily="34" charset="0"/>
+              </a:defRPr>
+            </a:lvl1pPr>
+            <a:lvl2pPr marL="628650" marR="0" indent="-355600" algn="l" defTabSz="914400" rtl="0" eaLnBrk="1" fontAlgn="auto" latinLnBrk="0" hangingPunct="1">
+              <a:lnSpc>
+                <a:spcPct val="100000"/>
+              </a:lnSpc>
+              <a:spcBef>
+                <a:spcPct val="20000"/>
+              </a:spcBef>
+              <a:spcAft>
+                <a:spcPts val="0"/>
+              </a:spcAft>
+              <a:buClr>
+                <a:srgbClr val="DA1218"/>
+              </a:buClr>
+              <a:buSzTx/>
+              <a:buFont typeface="Wingdings" pitchFamily="2" charset="2"/>
+              <a:buChar char=""/>
+              <a:tabLst/>
+              <a:defRPr lang="en-US" sz="2000" kern="1200">
+                <a:solidFill>
+                  <a:schemeClr val="tx1"/>
+                </a:solidFill>
+                <a:latin typeface="Arial" pitchFamily="34" charset="0"/>
+                <a:ea typeface="+mn-ea"/>
+                <a:cs typeface="Arial" pitchFamily="34" charset="0"/>
+              </a:defRPr>
+            </a:lvl2pPr>
+            <a:lvl3pPr marL="903288" marR="0" indent="-274638" algn="l" defTabSz="914400" rtl="0" eaLnBrk="1" fontAlgn="auto" latinLnBrk="0" hangingPunct="1">
+              <a:lnSpc>
+                <a:spcPct val="100000"/>
+              </a:lnSpc>
+              <a:spcBef>
+                <a:spcPct val="20000"/>
+              </a:spcBef>
+              <a:spcAft>
+                <a:spcPts val="0"/>
+              </a:spcAft>
+              <a:buClr>
+                <a:srgbClr val="DA1218"/>
+              </a:buClr>
+              <a:buSzTx/>
+              <a:buFont typeface="Wingdings" pitchFamily="2" charset="2"/>
+              <a:buChar char="ü"/>
+              <a:tabLst/>
+              <a:defRPr lang="en-US" sz="1800" kern="1200">
+                <a:solidFill>
+                  <a:schemeClr val="tx1"/>
+                </a:solidFill>
+                <a:latin typeface="Arial" pitchFamily="34" charset="0"/>
+                <a:ea typeface="+mn-ea"/>
+                <a:cs typeface="Arial" pitchFamily="34" charset="0"/>
+              </a:defRPr>
+            </a:lvl3pPr>
+            <a:lvl4pPr marL="1081088" marR="0" indent="-177800" algn="l" defTabSz="914400" rtl="0" eaLnBrk="1" fontAlgn="auto" latinLnBrk="0" hangingPunct="1">
+              <a:lnSpc>
+                <a:spcPct val="100000"/>
+              </a:lnSpc>
+              <a:spcBef>
+                <a:spcPct val="20000"/>
+              </a:spcBef>
+              <a:spcAft>
+                <a:spcPts val="0"/>
+              </a:spcAft>
+              <a:buClr>
+                <a:srgbClr val="DA1218"/>
+              </a:buClr>
+              <a:buSzTx/>
+              <a:buFont typeface="Arial" pitchFamily="34" charset="0"/>
+              <a:buChar char="•"/>
+              <a:tabLst/>
+              <a:defRPr lang="en-US" sz="1600" kern="1200">
+                <a:solidFill>
+                  <a:schemeClr val="tx1"/>
+                </a:solidFill>
+                <a:latin typeface="Arial" pitchFamily="34" charset="0"/>
+                <a:ea typeface="+mn-ea"/>
+                <a:cs typeface="Arial" pitchFamily="34" charset="0"/>
+              </a:defRPr>
+            </a:lvl4pPr>
+            <a:lvl5pPr marL="1258888" marR="0" indent="-177800" algn="l" defTabSz="914400" rtl="0" eaLnBrk="1" fontAlgn="auto" latinLnBrk="0" hangingPunct="1">
+              <a:lnSpc>
+                <a:spcPct val="100000"/>
+              </a:lnSpc>
+              <a:spcBef>
+                <a:spcPct val="20000"/>
+              </a:spcBef>
+              <a:spcAft>
+                <a:spcPts val="0"/>
+              </a:spcAft>
+              <a:buClr>
+                <a:srgbClr val="DA1218"/>
+              </a:buClr>
+              <a:buSzPct val="100000"/>
+              <a:buFont typeface="Courier New" pitchFamily="49" charset="0"/>
+              <a:buChar char="o"/>
+              <a:tabLst/>
+              <a:defRPr lang="es-AR" sz="1400" kern="1200">
+                <a:solidFill>
+                  <a:schemeClr val="tx1"/>
+                </a:solidFill>
+                <a:latin typeface="Arial" pitchFamily="34" charset="0"/>
+                <a:ea typeface="+mn-ea"/>
+                <a:cs typeface="Arial" pitchFamily="34" charset="0"/>
+              </a:defRPr>
+            </a:lvl5pPr>
+            <a:lvl6pPr marL="2514600" indent="-228600" algn="l" defTabSz="914400" rtl="0" eaLnBrk="1" latinLnBrk="0" hangingPunct="1">
+              <a:spcBef>
+                <a:spcPct val="20000"/>
+              </a:spcBef>
+              <a:buFont typeface="Arial" pitchFamily="34" charset="0"/>
+              <a:buChar char="•"/>
+              <a:defRPr sz="2000" kern="1200">
+                <a:solidFill>
+                  <a:schemeClr val="tx1"/>
+                </a:solidFill>
+                <a:latin typeface="+mn-lt"/>
+                <a:ea typeface="+mn-ea"/>
+                <a:cs typeface="+mn-cs"/>
+              </a:defRPr>
+            </a:lvl6pPr>
+            <a:lvl7pPr marL="2971800" indent="-228600" algn="l" defTabSz="914400" rtl="0" eaLnBrk="1" latinLnBrk="0" hangingPunct="1">
+              <a:spcBef>
+                <a:spcPct val="20000"/>
+              </a:spcBef>
+              <a:buFont typeface="Arial" pitchFamily="34" charset="0"/>
+              <a:buChar char="•"/>
+              <a:defRPr sz="2000" kern="1200">
+                <a:solidFill>
+                  <a:schemeClr val="tx1"/>
+                </a:solidFill>
+                <a:latin typeface="+mn-lt"/>
+                <a:ea typeface="+mn-ea"/>
+                <a:cs typeface="+mn-cs"/>
+              </a:defRPr>
+            </a:lvl7pPr>
+            <a:lvl8pPr marL="3429000" indent="-228600" algn="l" defTabSz="914400" rtl="0" eaLnBrk="1" latinLnBrk="0" hangingPunct="1">
+              <a:spcBef>
+                <a:spcPct val="20000"/>
+              </a:spcBef>
+              <a:buFont typeface="Arial" pitchFamily="34" charset="0"/>
+              <a:buChar char="•"/>
+              <a:defRPr sz="2000" kern="1200">
+                <a:solidFill>
+                  <a:schemeClr val="tx1"/>
+                </a:solidFill>
+                <a:latin typeface="+mn-lt"/>
+                <a:ea typeface="+mn-ea"/>
+                <a:cs typeface="+mn-cs"/>
+              </a:defRPr>
+            </a:lvl8pPr>
+            <a:lvl9pPr marL="3886200" indent="-228600" algn="l" defTabSz="914400" rtl="0" eaLnBrk="1" latinLnBrk="0" hangingPunct="1">
+              <a:spcBef>
+                <a:spcPct val="20000"/>
+              </a:spcBef>
+              <a:buFont typeface="Arial" pitchFamily="34" charset="0"/>
+              <a:buChar char="•"/>
+              <a:defRPr sz="2000" kern="1200">
+                <a:solidFill>
+                  <a:schemeClr val="tx1"/>
+                </a:solidFill>
+                <a:latin typeface="+mn-lt"/>
+                <a:ea typeface="+mn-ea"/>
+                <a:cs typeface="+mn-cs"/>
+              </a:defRPr>
+            </a:lvl9pPr>
+          </a:lstStyle>
+          <a:p>
+            <a:pPr marL="0" indent="0">
+              <a:buClrTx/>
+            </a:pPr>
+            <a:r>
+              <a:rPr lang="en-GB" sz="2000" b="1" dirty="0" smtClean="0">
+                <a:latin typeface="+mn-lt"/>
+              </a:rPr>
+              <a:t> </a:t>
+            </a:r>
+            <a:r>
+              <a:rPr lang="en-GB" sz="2000" dirty="0" err="1" smtClean="0">
+                <a:latin typeface="+mn-lt"/>
+              </a:rPr>
+              <a:t>Abcdefghi</a:t>
+            </a:r>
+            <a:endParaRPr lang="es-AR" sz="1600" b="1" dirty="0">
+              <a:solidFill>
+                <a:srgbClr val="000000"/>
+              </a:solidFill>
+              <a:latin typeface="Avenir 45 Book"/>
+              <a:cs typeface="+mn-cs"/>
+            </a:endParaRPr>
+          </a:p>
+        </p:txBody>
+      </p:sp>
+      <p:sp>
+        <p:nvSpPr>
+          <p:cNvPr id="15" name="Rectangle 14"/>
+          <p:cNvSpPr/>
+          <p:nvPr/>
+        </p:nvSpPr>
+        <p:spPr>
+          <a:xfrm>
+            <a:off x="-13252" y="1"/>
+            <a:ext cx="12218504" cy="1016000"/>
+          </a:xfrm>
+          <a:prstGeom prst="rect">
+            <a:avLst/>
+          </a:prstGeom>
+          <a:solidFill>
+            <a:srgbClr val="FF9600"/>
+          </a:solidFill>
+          <a:ln>
+            <a:noFill/>
+          </a:ln>
+        </p:spPr>
+        <p:style>
+          <a:lnRef idx="1">
+            <a:schemeClr val="accent6"/>
+          </a:lnRef>
+          <a:fillRef idx="3">
+            <a:schemeClr val="accent6"/>
+          </a:fillRef>
+          <a:effectRef idx="2">
+            <a:schemeClr val="accent6"/>
+          </a:effectRef>
+          <a:fontRef idx="minor">
+            <a:schemeClr val="lt1"/>
+          </a:fontRef>
+        </p:style>
+        <p:txBody>
+          <a:bodyPr anchor="ctr"/>
+          <a:lstStyle/>
+          <a:p>
+            <a:pPr marL="0" marR="0" lvl="0" indent="0" algn="ctr" defTabSz="914400" eaLnBrk="1" fontAlgn="auto" latinLnBrk="0" hangingPunct="1">
+              <a:lnSpc>
+                <a:spcPct val="100000"/>
+              </a:lnSpc>
+              <a:spcBef>
+                <a:spcPts val="0"/>
+              </a:spcBef>
+              <a:spcAft>
+                <a:spcPts val="0"/>
+              </a:spcAft>
+              <a:buClrTx/>
+              <a:buSzTx/>
+              <a:buFontTx/>
+              <a:buNone/>
+              <a:tabLst/>
+              <a:defRPr/>
+            </a:pPr>
+            <a:r>
+              <a:rPr kumimoji="0" lang="es-ES_tradnl" sz="1800" b="0" i="0" u="none" strike="noStrike" kern="0" cap="none" spc="0" normalizeH="0" baseline="0" noProof="0" dirty="0" smtClean="0">
+                <a:ln>
+                  <a:noFill/>
+                </a:ln>
+                <a:solidFill>
+                  <a:srgbClr val="FFFFFF"/>
+                </a:solidFill>
+                <a:effectLst/>
+                <a:uLnTx/>
+                <a:uFillTx/>
+                <a:latin typeface="Arial"/>
+                <a:ea typeface="ＭＳ Ｐゴシック" pitchFamily="-108" charset="-128"/>
+                <a:cs typeface="+mn-cs"/>
+              </a:rPr>
+              <a:t>  </a:t>
+            </a:r>
+            <a:endParaRPr kumimoji="0" lang="es-ES_tradnl" sz="1800" b="0" i="0" u="none" strike="noStrike" kern="0" cap="none" spc="0" normalizeH="0" baseline="0" noProof="0" dirty="0">
+              <a:ln>
+                <a:noFill/>
+              </a:ln>
+              <a:solidFill>
+                <a:srgbClr val="FFFFFF"/>
+              </a:solidFill>
+              <a:effectLst/>
+              <a:uLnTx/>
+              <a:uFillTx/>
+              <a:latin typeface="Arial"/>
+              <a:ea typeface="ＭＳ Ｐゴシック" pitchFamily="-108" charset="-128"/>
+              <a:cs typeface="+mn-cs"/>
+            </a:endParaRPr>
+          </a:p>
+        </p:txBody>
+      </p:sp>
+      <p:sp>
+        <p:nvSpPr>
+          <p:cNvPr id="16" name="TextBox 15"/>
+          <p:cNvSpPr txBox="1"/>
+          <p:nvPr/>
+        </p:nvSpPr>
+        <p:spPr>
+          <a:xfrm>
+            <a:off x="515937" y="212035"/>
+            <a:ext cx="11013453" cy="553998"/>
+          </a:xfrm>
+          <a:prstGeom prst="rect">
+            <a:avLst/>
+          </a:prstGeom>
+          <a:noFill/>
+        </p:spPr>
+        <p:txBody>
+          <a:bodyPr wrap="square" lIns="0" tIns="0" rIns="0" bIns="0" rtlCol="0">
+            <a:spAutoFit/>
+          </a:bodyPr>
+          <a:lstStyle/>
+          <a:p>
+            <a:r>
+              <a:rPr lang="en-US" sz="3600" dirty="0">
+                <a:solidFill>
+                  <a:schemeClr val="bg1"/>
+                </a:solidFill>
+              </a:rPr>
+              <a:t>Tip 3: Refactoring</a:t>
+            </a:r>
+          </a:p>
+        </p:txBody>
+      </p:sp>
+    </p:spTree>
+    <p:extLst>
+      <p:ext uri="{BB962C8B-B14F-4D97-AF65-F5344CB8AC3E}">
+        <p14:creationId xmlns:p14="http://schemas.microsoft.com/office/powerpoint/2010/main" val="1796949555"/>
+      </p:ext>
+    </p:extLst>
+  </p:cSld>
+  <p:clrMapOvr>
+    <a:masterClrMapping/>
+  </p:clrMapOvr>
+  <p:transition spd="slow">
+    <p:wipe/>
+  </p:transition>
+  <p:timing>
+    <p:tnLst>
+      <p:par>
+        <p:cTn id="1" dur="indefinite" restart="never" nodeType="tmRoot"/>
+      </p:par>
+    </p:tnLst>
+  </p:timing>
+</p:sld>
+</file>
+
+<file path=ppt/slides/slide21.xml><?xml version="1.0" encoding="utf-8"?>
+<p:sld xmlns:a="http://schemas.openxmlformats.org/drawingml/2006/main" xmlns:r="http://schemas.openxmlformats.org/officeDocument/2006/relationships" xmlns:p="http://schemas.openxmlformats.org/presentationml/2006/main">
+  <p:cSld>
+    <p:spTree>
+      <p:nvGrpSpPr>
+        <p:cNvPr id="1" name=""/>
+        <p:cNvGrpSpPr/>
+        <p:nvPr/>
+      </p:nvGrpSpPr>
+      <p:grpSpPr>
+        <a:xfrm>
+          <a:off x="0" y="0"/>
+          <a:ext cx="0" cy="0"/>
+          <a:chOff x="0" y="0"/>
+          <a:chExt cx="0" cy="0"/>
+        </a:xfrm>
+      </p:grpSpPr>
+      <p:sp>
+        <p:nvSpPr>
+          <p:cNvPr id="15" name="Rectangle 14"/>
+          <p:cNvSpPr/>
+          <p:nvPr/>
+        </p:nvSpPr>
+        <p:spPr>
+          <a:xfrm>
+            <a:off x="-13252" y="1"/>
+            <a:ext cx="12218504" cy="1016000"/>
+          </a:xfrm>
+          <a:prstGeom prst="rect">
+            <a:avLst/>
+          </a:prstGeom>
+          <a:solidFill>
+            <a:srgbClr val="FF9600"/>
+          </a:solidFill>
+          <a:ln>
+            <a:noFill/>
+          </a:ln>
+        </p:spPr>
+        <p:style>
+          <a:lnRef idx="1">
+            <a:schemeClr val="accent6"/>
+          </a:lnRef>
+          <a:fillRef idx="3">
+            <a:schemeClr val="accent6"/>
+          </a:fillRef>
+          <a:effectRef idx="2">
+            <a:schemeClr val="accent6"/>
+          </a:effectRef>
+          <a:fontRef idx="minor">
+            <a:schemeClr val="lt1"/>
+          </a:fontRef>
+        </p:style>
+        <p:txBody>
+          <a:bodyPr anchor="ctr"/>
+          <a:lstStyle/>
+          <a:p>
+            <a:pPr marL="0" marR="0" lvl="0" indent="0" algn="ctr" defTabSz="914400" eaLnBrk="1" fontAlgn="auto" latinLnBrk="0" hangingPunct="1">
+              <a:lnSpc>
+                <a:spcPct val="100000"/>
+              </a:lnSpc>
+              <a:spcBef>
+                <a:spcPts val="0"/>
+              </a:spcBef>
+              <a:spcAft>
+                <a:spcPts val="0"/>
+              </a:spcAft>
+              <a:buClrTx/>
+              <a:buSzTx/>
+              <a:buFontTx/>
+              <a:buNone/>
+              <a:tabLst/>
+              <a:defRPr/>
+            </a:pPr>
+            <a:r>
+              <a:rPr kumimoji="0" lang="es-ES_tradnl" sz="1800" b="0" i="0" u="none" strike="noStrike" kern="0" cap="none" spc="0" normalizeH="0" baseline="0" noProof="0" dirty="0" smtClean="0">
+                <a:ln>
+                  <a:noFill/>
+                </a:ln>
+                <a:solidFill>
+                  <a:srgbClr val="FFFFFF"/>
+                </a:solidFill>
+                <a:effectLst/>
+                <a:uLnTx/>
+                <a:uFillTx/>
+                <a:latin typeface="Arial"/>
+                <a:ea typeface="ＭＳ Ｐゴシック" pitchFamily="-108" charset="-128"/>
+                <a:cs typeface="+mn-cs"/>
+              </a:rPr>
+              <a:t>  </a:t>
+            </a:r>
+            <a:endParaRPr kumimoji="0" lang="es-ES_tradnl" sz="1800" b="0" i="0" u="none" strike="noStrike" kern="0" cap="none" spc="0" normalizeH="0" baseline="0" noProof="0" dirty="0">
+              <a:ln>
+                <a:noFill/>
+              </a:ln>
+              <a:solidFill>
+                <a:srgbClr val="FFFFFF"/>
+              </a:solidFill>
+              <a:effectLst/>
+              <a:uLnTx/>
+              <a:uFillTx/>
+              <a:latin typeface="Arial"/>
+              <a:ea typeface="ＭＳ Ｐゴシック" pitchFamily="-108" charset="-128"/>
+              <a:cs typeface="+mn-cs"/>
+            </a:endParaRPr>
+          </a:p>
+        </p:txBody>
+      </p:sp>
+      <p:sp>
+        <p:nvSpPr>
+          <p:cNvPr id="16" name="TextBox 15"/>
+          <p:cNvSpPr txBox="1"/>
+          <p:nvPr/>
+        </p:nvSpPr>
+        <p:spPr>
+          <a:xfrm>
+            <a:off x="515937" y="212035"/>
+            <a:ext cx="11013453" cy="553998"/>
+          </a:xfrm>
+          <a:prstGeom prst="rect">
+            <a:avLst/>
+          </a:prstGeom>
+          <a:noFill/>
+        </p:spPr>
+        <p:txBody>
+          <a:bodyPr wrap="square" lIns="0" tIns="0" rIns="0" bIns="0" rtlCol="0">
+            <a:spAutoFit/>
+          </a:bodyPr>
+          <a:lstStyle/>
+          <a:p>
+            <a:r>
+              <a:rPr lang="en-US" sz="3600" dirty="0">
+                <a:solidFill>
+                  <a:schemeClr val="bg1"/>
+                </a:solidFill>
+              </a:rPr>
+              <a:t>Tip 3: Refactoring</a:t>
+            </a:r>
+            <a:endParaRPr lang="es-AR" sz="3600" dirty="0">
+              <a:solidFill>
+                <a:schemeClr val="bg1"/>
+              </a:solidFill>
+            </a:endParaRPr>
+          </a:p>
+        </p:txBody>
+      </p:sp>
+      <p:pic>
+        <p:nvPicPr>
+          <p:cNvPr id="1026" name="Picture 2" descr="http://1.bp.blogspot.com/-Mpykpfpj4l4/U7mwCWCX7TI/AAAAAAAAr_I/nEhB7tgjYhY/w600-h450/Brtku2iCMAI36EV.jpg"/>
+          <p:cNvPicPr>
+            <a:picLocks noChangeAspect="1" noChangeArrowheads="1"/>
+          </p:cNvPicPr>
+          <p:nvPr/>
+        </p:nvPicPr>
+        <p:blipFill>
+          <a:blip r:embed="rId2">
+            <a:extLst>
+              <a:ext uri="{28A0092B-C50C-407E-A947-70E740481C1C}">
+                <a14:useLocalDpi xmlns:a14="http://schemas.microsoft.com/office/drawing/2010/main" val="0"/>
+              </a:ext>
+            </a:extLst>
+          </a:blip>
+          <a:srcRect/>
+          <a:stretch>
+            <a:fillRect/>
+          </a:stretch>
+        </p:blipFill>
+        <p:spPr bwMode="auto">
+          <a:xfrm>
+            <a:off x="3238500" y="1285875"/>
+            <a:ext cx="5715000" cy="4286250"/>
+          </a:xfrm>
+          <a:prstGeom prst="rect">
+            <a:avLst/>
+          </a:prstGeom>
+          <a:ln>
+            <a:noFill/>
+          </a:ln>
+          <a:effectLst>
+            <a:outerShdw blurRad="292100" dist="139700" dir="2700000" algn="tl" rotWithShape="0">
+              <a:srgbClr val="333333">
+                <a:alpha val="65000"/>
+              </a:srgbClr>
+            </a:outerShdw>
+          </a:effectLst>
+          <a:extLst>
+            <a:ext uri="{909E8E84-426E-40DD-AFC4-6F175D3DCCD1}">
+              <a14:hiddenFill xmlns:a14="http://schemas.microsoft.com/office/drawing/2010/main">
+                <a:solidFill>
+                  <a:srgbClr val="FFFFFF"/>
+                </a:solidFill>
+              </a14:hiddenFill>
+            </a:ext>
+          </a:extLst>
+        </p:spPr>
+      </p:pic>
+    </p:spTree>
+    <p:extLst>
+      <p:ext uri="{BB962C8B-B14F-4D97-AF65-F5344CB8AC3E}">
+        <p14:creationId xmlns:p14="http://schemas.microsoft.com/office/powerpoint/2010/main" val="3966539502"/>
+      </p:ext>
+    </p:extLst>
+  </p:cSld>
+  <p:clrMapOvr>
+    <a:masterClrMapping/>
+  </p:clrMapOvr>
+  <p:transition spd="slow">
+    <p:wipe/>
+  </p:transition>
+  <p:timing>
+    <p:tnLst>
+      <p:par>
+        <p:cTn id="1" dur="indefinite" restart="never" nodeType="tmRoot"/>
+      </p:par>
+    </p:tnLst>
+  </p:timing>
+</p:sld>
+</file>
+
+<file path=ppt/slides/slide22.xml><?xml version="1.0" encoding="utf-8"?>
+<p:sld xmlns:a="http://schemas.openxmlformats.org/drawingml/2006/main" xmlns:r="http://schemas.openxmlformats.org/officeDocument/2006/relationships" xmlns:p="http://schemas.openxmlformats.org/presentationml/2006/main">
+  <p:cSld>
+    <p:spTree>
+      <p:nvGrpSpPr>
+        <p:cNvPr id="1" name=""/>
+        <p:cNvGrpSpPr/>
+        <p:nvPr/>
+      </p:nvGrpSpPr>
+      <p:grpSpPr>
+        <a:xfrm>
+          <a:off x="0" y="0"/>
+          <a:ext cx="0" cy="0"/>
+          <a:chOff x="0" y="0"/>
+          <a:chExt cx="0" cy="0"/>
+        </a:xfrm>
+      </p:grpSpPr>
+      <p:sp>
+        <p:nvSpPr>
+          <p:cNvPr id="4" name="Title 3"/>
+          <p:cNvSpPr>
+            <a:spLocks noGrp="1"/>
+          </p:cNvSpPr>
+          <p:nvPr>
+            <p:ph type="ctrTitle"/>
+          </p:nvPr>
+        </p:nvSpPr>
+        <p:spPr/>
+        <p:txBody>
+          <a:bodyPr>
+            <a:normAutofit/>
+          </a:bodyPr>
+          <a:lstStyle/>
+          <a:p>
+            <a:r>
+              <a:rPr lang="es-AR" dirty="0" err="1" smtClean="0"/>
+              <a:t>Coding</a:t>
+            </a:r>
+            <a:r>
+              <a:rPr lang="es-AR" dirty="0" smtClean="0"/>
+              <a:t> time!</a:t>
+            </a:r>
+            <a:endParaRPr lang="es-AR" dirty="0"/>
+          </a:p>
+        </p:txBody>
+      </p:sp>
+    </p:spTree>
+    <p:extLst>
+      <p:ext uri="{BB962C8B-B14F-4D97-AF65-F5344CB8AC3E}">
+        <p14:creationId xmlns:p14="http://schemas.microsoft.com/office/powerpoint/2010/main" val="917926131"/>
+      </p:ext>
+    </p:extLst>
+  </p:cSld>
+  <p:clrMapOvr>
+    <a:masterClrMapping/>
+  </p:clrMapOvr>
+  <p:transition spd="slow">
+    <p:wipe/>
+  </p:transition>
+  <p:timing>
+    <p:tnLst>
+      <p:par>
+        <p:cTn id="1" dur="indefinite" restart="never" nodeType="tmRoot"/>
+      </p:par>
+    </p:tnLst>
+  </p:timing>
+</p:sld>
+</file>
+
+<file path=ppt/slides/slide23.xml><?xml version="1.0" encoding="utf-8"?>
+<p:sld xmlns:a="http://schemas.openxmlformats.org/drawingml/2006/main" xmlns:r="http://schemas.openxmlformats.org/officeDocument/2006/relationships" xmlns:p="http://schemas.openxmlformats.org/presentationml/2006/main">
+  <p:cSld>
+    <p:spTree>
+      <p:nvGrpSpPr>
+        <p:cNvPr id="1" name=""/>
+        <p:cNvGrpSpPr/>
+        <p:nvPr/>
+      </p:nvGrpSpPr>
+      <p:grpSpPr>
+        <a:xfrm>
+          <a:off x="0" y="0"/>
+          <a:ext cx="0" cy="0"/>
+          <a:chOff x="0" y="0"/>
+          <a:chExt cx="0" cy="0"/>
+        </a:xfrm>
+      </p:grpSpPr>
+      <p:sp>
+        <p:nvSpPr>
+          <p:cNvPr id="15" name="Rectangle 14"/>
+          <p:cNvSpPr/>
+          <p:nvPr/>
+        </p:nvSpPr>
+        <p:spPr>
+          <a:xfrm>
+            <a:off x="-13252" y="1"/>
+            <a:ext cx="12218504" cy="1016000"/>
+          </a:xfrm>
+          <a:prstGeom prst="rect">
+            <a:avLst/>
+          </a:prstGeom>
+          <a:solidFill>
+            <a:srgbClr val="FF9600"/>
+          </a:solidFill>
+          <a:ln>
+            <a:noFill/>
+          </a:ln>
+        </p:spPr>
+        <p:style>
+          <a:lnRef idx="1">
+            <a:schemeClr val="accent6"/>
+          </a:lnRef>
+          <a:fillRef idx="3">
+            <a:schemeClr val="accent6"/>
+          </a:fillRef>
+          <a:effectRef idx="2">
+            <a:schemeClr val="accent6"/>
+          </a:effectRef>
+          <a:fontRef idx="minor">
+            <a:schemeClr val="lt1"/>
+          </a:fontRef>
+        </p:style>
+        <p:txBody>
+          <a:bodyPr anchor="ctr"/>
+          <a:lstStyle/>
+          <a:p>
+            <a:pPr marL="0" marR="0" lvl="0" indent="0" algn="ctr" defTabSz="914400" eaLnBrk="1" fontAlgn="auto" latinLnBrk="0" hangingPunct="1">
+              <a:lnSpc>
+                <a:spcPct val="100000"/>
+              </a:lnSpc>
+              <a:spcBef>
+                <a:spcPts val="0"/>
+              </a:spcBef>
+              <a:spcAft>
+                <a:spcPts val="0"/>
+              </a:spcAft>
+              <a:buClrTx/>
+              <a:buSzTx/>
+              <a:buFontTx/>
+              <a:buNone/>
+              <a:tabLst/>
+              <a:defRPr/>
+            </a:pPr>
+            <a:r>
+              <a:rPr kumimoji="0" lang="es-ES_tradnl" sz="1800" b="0" i="0" u="none" strike="noStrike" kern="0" cap="none" spc="0" normalizeH="0" baseline="0" noProof="0" dirty="0" smtClean="0">
+                <a:ln>
+                  <a:noFill/>
+                </a:ln>
+                <a:solidFill>
+                  <a:srgbClr val="FFFFFF"/>
+                </a:solidFill>
+                <a:effectLst/>
+                <a:uLnTx/>
+                <a:uFillTx/>
+                <a:latin typeface="Arial"/>
+                <a:ea typeface="ＭＳ Ｐゴシック" pitchFamily="-108" charset="-128"/>
+                <a:cs typeface="+mn-cs"/>
+              </a:rPr>
+              <a:t>  </a:t>
+            </a:r>
+            <a:endParaRPr kumimoji="0" lang="es-ES_tradnl" sz="1800" b="0" i="0" u="none" strike="noStrike" kern="0" cap="none" spc="0" normalizeH="0" baseline="0" noProof="0" dirty="0">
+              <a:ln>
+                <a:noFill/>
+              </a:ln>
+              <a:solidFill>
+                <a:srgbClr val="FFFFFF"/>
+              </a:solidFill>
+              <a:effectLst/>
+              <a:uLnTx/>
+              <a:uFillTx/>
+              <a:latin typeface="Arial"/>
+              <a:ea typeface="ＭＳ Ｐゴシック" pitchFamily="-108" charset="-128"/>
+              <a:cs typeface="+mn-cs"/>
+            </a:endParaRPr>
+          </a:p>
+        </p:txBody>
+      </p:sp>
+      <p:sp>
+        <p:nvSpPr>
+          <p:cNvPr id="16" name="TextBox 15"/>
+          <p:cNvSpPr txBox="1"/>
+          <p:nvPr/>
+        </p:nvSpPr>
+        <p:spPr>
+          <a:xfrm>
+            <a:off x="515936" y="212035"/>
+            <a:ext cx="11676063" cy="553998"/>
+          </a:xfrm>
+          <a:prstGeom prst="rect">
+            <a:avLst/>
+          </a:prstGeom>
+          <a:noFill/>
+        </p:spPr>
+        <p:txBody>
+          <a:bodyPr wrap="square" lIns="0" tIns="0" rIns="0" bIns="0" rtlCol="0">
+            <a:spAutoFit/>
+          </a:bodyPr>
+          <a:lstStyle/>
+          <a:p>
+            <a:r>
+              <a:rPr lang="en-US" sz="3600" dirty="0" smtClean="0">
+                <a:solidFill>
+                  <a:schemeClr val="bg1"/>
+                </a:solidFill>
+              </a:rPr>
+              <a:t>Questions</a:t>
+            </a:r>
+            <a:endParaRPr lang="es-AR" sz="3600" dirty="0">
+              <a:solidFill>
+                <a:schemeClr val="bg1"/>
+              </a:solidFill>
+            </a:endParaRPr>
+          </a:p>
+        </p:txBody>
+      </p:sp>
+      <p:sp>
+        <p:nvSpPr>
+          <p:cNvPr id="6" name="Content Placeholder 2"/>
+          <p:cNvSpPr txBox="1">
+            <a:spLocks/>
+          </p:cNvSpPr>
+          <p:nvPr/>
+        </p:nvSpPr>
+        <p:spPr>
+          <a:xfrm>
+            <a:off x="476534" y="1394213"/>
+            <a:ext cx="8142809" cy="4329621"/>
+          </a:xfrm>
+          <a:prstGeom prst="rect">
+            <a:avLst/>
+          </a:prstGeom>
+        </p:spPr>
+        <p:txBody>
+          <a:bodyPr vert="horz" lIns="91440" tIns="45720" rIns="91440" bIns="45720" rtlCol="0">
+            <a:noAutofit/>
+          </a:bodyPr>
+          <a:lstStyle>
+            <a:lvl1pPr marL="273050" marR="0" indent="-273050" algn="l" defTabSz="914400" rtl="0" eaLnBrk="1" fontAlgn="auto" latinLnBrk="0" hangingPunct="1">
+              <a:lnSpc>
+                <a:spcPct val="100000"/>
+              </a:lnSpc>
+              <a:spcBef>
+                <a:spcPts val="1200"/>
+              </a:spcBef>
+              <a:spcAft>
+                <a:spcPts val="0"/>
+              </a:spcAft>
+              <a:buClr>
+                <a:srgbClr val="DA1218"/>
+              </a:buClr>
+              <a:buSzTx/>
+              <a:buFont typeface="Wingdings" pitchFamily="2" charset="2"/>
+              <a:buChar char="§"/>
+              <a:tabLst/>
+              <a:defRPr lang="en-US" sz="2400" kern="1200">
+                <a:solidFill>
+                  <a:schemeClr val="tx1"/>
+                </a:solidFill>
+                <a:latin typeface="Arial" pitchFamily="34" charset="0"/>
+                <a:ea typeface="+mn-ea"/>
+                <a:cs typeface="Arial" pitchFamily="34" charset="0"/>
+              </a:defRPr>
+            </a:lvl1pPr>
+            <a:lvl2pPr marL="628650" marR="0" indent="-355600" algn="l" defTabSz="914400" rtl="0" eaLnBrk="1" fontAlgn="auto" latinLnBrk="0" hangingPunct="1">
+              <a:lnSpc>
+                <a:spcPct val="100000"/>
+              </a:lnSpc>
+              <a:spcBef>
+                <a:spcPct val="20000"/>
+              </a:spcBef>
+              <a:spcAft>
+                <a:spcPts val="0"/>
+              </a:spcAft>
+              <a:buClr>
+                <a:srgbClr val="DA1218"/>
+              </a:buClr>
+              <a:buSzTx/>
+              <a:buFont typeface="Wingdings" pitchFamily="2" charset="2"/>
+              <a:buChar char=""/>
+              <a:tabLst/>
+              <a:defRPr lang="en-US" sz="2000" kern="1200">
+                <a:solidFill>
+                  <a:schemeClr val="tx1"/>
+                </a:solidFill>
+                <a:latin typeface="Arial" pitchFamily="34" charset="0"/>
+                <a:ea typeface="+mn-ea"/>
+                <a:cs typeface="Arial" pitchFamily="34" charset="0"/>
+              </a:defRPr>
+            </a:lvl2pPr>
+            <a:lvl3pPr marL="903288" marR="0" indent="-274638" algn="l" defTabSz="914400" rtl="0" eaLnBrk="1" fontAlgn="auto" latinLnBrk="0" hangingPunct="1">
+              <a:lnSpc>
+                <a:spcPct val="100000"/>
+              </a:lnSpc>
+              <a:spcBef>
+                <a:spcPct val="20000"/>
+              </a:spcBef>
+              <a:spcAft>
+                <a:spcPts val="0"/>
+              </a:spcAft>
+              <a:buClr>
+                <a:srgbClr val="DA1218"/>
+              </a:buClr>
+              <a:buSzTx/>
+              <a:buFont typeface="Wingdings" pitchFamily="2" charset="2"/>
+              <a:buChar char="ü"/>
+              <a:tabLst/>
+              <a:defRPr lang="en-US" sz="1800" kern="1200">
+                <a:solidFill>
+                  <a:schemeClr val="tx1"/>
+                </a:solidFill>
+                <a:latin typeface="Arial" pitchFamily="34" charset="0"/>
+                <a:ea typeface="+mn-ea"/>
+                <a:cs typeface="Arial" pitchFamily="34" charset="0"/>
+              </a:defRPr>
+            </a:lvl3pPr>
+            <a:lvl4pPr marL="1081088" marR="0" indent="-177800" algn="l" defTabSz="914400" rtl="0" eaLnBrk="1" fontAlgn="auto" latinLnBrk="0" hangingPunct="1">
+              <a:lnSpc>
+                <a:spcPct val="100000"/>
+              </a:lnSpc>
+              <a:spcBef>
+                <a:spcPct val="20000"/>
+              </a:spcBef>
+              <a:spcAft>
+                <a:spcPts val="0"/>
+              </a:spcAft>
+              <a:buClr>
+                <a:srgbClr val="DA1218"/>
+              </a:buClr>
+              <a:buSzTx/>
+              <a:buFont typeface="Arial" pitchFamily="34" charset="0"/>
+              <a:buChar char="•"/>
+              <a:tabLst/>
+              <a:defRPr lang="en-US" sz="1600" kern="1200">
+                <a:solidFill>
+                  <a:schemeClr val="tx1"/>
+                </a:solidFill>
+                <a:latin typeface="Arial" pitchFamily="34" charset="0"/>
+                <a:ea typeface="+mn-ea"/>
+                <a:cs typeface="Arial" pitchFamily="34" charset="0"/>
+              </a:defRPr>
+            </a:lvl4pPr>
+            <a:lvl5pPr marL="1258888" marR="0" indent="-177800" algn="l" defTabSz="914400" rtl="0" eaLnBrk="1" fontAlgn="auto" latinLnBrk="0" hangingPunct="1">
+              <a:lnSpc>
+                <a:spcPct val="100000"/>
+              </a:lnSpc>
+              <a:spcBef>
+                <a:spcPct val="20000"/>
+              </a:spcBef>
+              <a:spcAft>
+                <a:spcPts val="0"/>
+              </a:spcAft>
+              <a:buClr>
+                <a:srgbClr val="DA1218"/>
+              </a:buClr>
+              <a:buSzPct val="100000"/>
+              <a:buFont typeface="Courier New" pitchFamily="49" charset="0"/>
+              <a:buChar char="o"/>
+              <a:tabLst/>
+              <a:defRPr lang="es-AR" sz="1400" kern="1200">
+                <a:solidFill>
+                  <a:schemeClr val="tx1"/>
+                </a:solidFill>
+                <a:latin typeface="Arial" pitchFamily="34" charset="0"/>
+                <a:ea typeface="+mn-ea"/>
+                <a:cs typeface="Arial" pitchFamily="34" charset="0"/>
+              </a:defRPr>
+            </a:lvl5pPr>
+            <a:lvl6pPr marL="2514600" indent="-228600" algn="l" defTabSz="914400" rtl="0" eaLnBrk="1" latinLnBrk="0" hangingPunct="1">
+              <a:spcBef>
+                <a:spcPct val="20000"/>
+              </a:spcBef>
+              <a:buFont typeface="Arial" pitchFamily="34" charset="0"/>
+              <a:buChar char="•"/>
+              <a:defRPr sz="2000" kern="1200">
+                <a:solidFill>
+                  <a:schemeClr val="tx1"/>
+                </a:solidFill>
+                <a:latin typeface="+mn-lt"/>
+                <a:ea typeface="+mn-ea"/>
+                <a:cs typeface="+mn-cs"/>
+              </a:defRPr>
+            </a:lvl6pPr>
+            <a:lvl7pPr marL="2971800" indent="-228600" algn="l" defTabSz="914400" rtl="0" eaLnBrk="1" latinLnBrk="0" hangingPunct="1">
+              <a:spcBef>
+                <a:spcPct val="20000"/>
+              </a:spcBef>
+              <a:buFont typeface="Arial" pitchFamily="34" charset="0"/>
+              <a:buChar char="•"/>
+              <a:defRPr sz="2000" kern="1200">
+                <a:solidFill>
+                  <a:schemeClr val="tx1"/>
+                </a:solidFill>
+                <a:latin typeface="+mn-lt"/>
+                <a:ea typeface="+mn-ea"/>
+                <a:cs typeface="+mn-cs"/>
+              </a:defRPr>
+            </a:lvl7pPr>
+            <a:lvl8pPr marL="3429000" indent="-228600" algn="l" defTabSz="914400" rtl="0" eaLnBrk="1" latinLnBrk="0" hangingPunct="1">
+              <a:spcBef>
+                <a:spcPct val="20000"/>
+              </a:spcBef>
+              <a:buFont typeface="Arial" pitchFamily="34" charset="0"/>
+              <a:buChar char="•"/>
+              <a:defRPr sz="2000" kern="1200">
+                <a:solidFill>
+                  <a:schemeClr val="tx1"/>
+                </a:solidFill>
+                <a:latin typeface="+mn-lt"/>
+                <a:ea typeface="+mn-ea"/>
+                <a:cs typeface="+mn-cs"/>
+              </a:defRPr>
+            </a:lvl8pPr>
+            <a:lvl9pPr marL="3886200" indent="-228600" algn="l" defTabSz="914400" rtl="0" eaLnBrk="1" latinLnBrk="0" hangingPunct="1">
+              <a:spcBef>
+                <a:spcPct val="20000"/>
+              </a:spcBef>
+              <a:buFont typeface="Arial" pitchFamily="34" charset="0"/>
+              <a:buChar char="•"/>
+              <a:defRPr sz="2000" kern="1200">
+                <a:solidFill>
+                  <a:schemeClr val="tx1"/>
+                </a:solidFill>
+                <a:latin typeface="+mn-lt"/>
+                <a:ea typeface="+mn-ea"/>
+                <a:cs typeface="+mn-cs"/>
+              </a:defRPr>
+            </a:lvl9pPr>
+          </a:lstStyle>
+          <a:p>
+            <a:pPr marL="0" lvl="1" indent="0">
+              <a:spcBef>
+                <a:spcPts val="1200"/>
+              </a:spcBef>
+              <a:buClrTx/>
+              <a:buNone/>
+            </a:pPr>
+            <a:endParaRPr lang="en-GB" dirty="0">
+              <a:latin typeface="Avenir 45 Book (Body)"/>
+            </a:endParaRPr>
+          </a:p>
+          <a:p>
+            <a:pPr marL="0" lvl="1" indent="0">
+              <a:spcBef>
+                <a:spcPts val="1200"/>
+              </a:spcBef>
+              <a:buClrTx/>
+              <a:buNone/>
+            </a:pPr>
+            <a:endParaRPr lang="es-AR" sz="1600" b="1" dirty="0">
+              <a:solidFill>
+                <a:srgbClr val="000000"/>
+              </a:solidFill>
+              <a:latin typeface="Avenir 45 Book (Body)"/>
+              <a:cs typeface="+mn-cs"/>
+            </a:endParaRPr>
+          </a:p>
+        </p:txBody>
+      </p:sp>
+      <p:pic>
+        <p:nvPicPr>
+          <p:cNvPr id="2" name="Picture 1"/>
+          <p:cNvPicPr>
+            <a:picLocks noChangeAspect="1"/>
+          </p:cNvPicPr>
+          <p:nvPr/>
+        </p:nvPicPr>
+        <p:blipFill>
+          <a:blip r:embed="rId2">
+            <a:extLst>
+              <a:ext uri="{28A0092B-C50C-407E-A947-70E740481C1C}">
+                <a14:useLocalDpi xmlns:a14="http://schemas.microsoft.com/office/drawing/2010/main" val="0"/>
+              </a:ext>
+            </a:extLst>
+          </a:blip>
+          <a:stretch>
+            <a:fillRect/>
+          </a:stretch>
+        </p:blipFill>
+        <p:spPr>
+          <a:xfrm>
+            <a:off x="3675389" y="1322164"/>
+            <a:ext cx="4661777" cy="4661777"/>
+          </a:xfrm>
+          <a:prstGeom prst="rect">
+            <a:avLst/>
+          </a:prstGeom>
+          <a:ln>
+            <a:noFill/>
+          </a:ln>
+          <a:effectLst>
+            <a:outerShdw blurRad="292100" dist="139700" dir="2700000" algn="tl" rotWithShape="0">
+              <a:srgbClr val="333333">
+                <a:alpha val="65000"/>
+              </a:srgbClr>
+            </a:outerShdw>
+          </a:effectLst>
+        </p:spPr>
+      </p:pic>
+    </p:spTree>
+    <p:extLst>
+      <p:ext uri="{BB962C8B-B14F-4D97-AF65-F5344CB8AC3E}">
+        <p14:creationId xmlns:p14="http://schemas.microsoft.com/office/powerpoint/2010/main" val="76703024"/>
+      </p:ext>
+    </p:extLst>
+  </p:cSld>
+  <p:clrMapOvr>
+    <a:masterClrMapping/>
+  </p:clrMapOvr>
+  <p:transition spd="slow">
+    <p:wipe/>
+  </p:transition>
+  <p:timing>
+    <p:tnLst>
+      <p:par>
+        <p:cTn id="1" dur="indefinite" restart="never" nodeType="tmRoot"/>
+      </p:par>
+    </p:tnLst>
+  </p:timing>
+</p:sld>
+</file>
+
+<file path=ppt/slides/slide24.xml><?xml version="1.0" encoding="utf-8"?>
+<p:sld xmlns:a="http://schemas.openxmlformats.org/drawingml/2006/main" xmlns:r="http://schemas.openxmlformats.org/officeDocument/2006/relationships" xmlns:p="http://schemas.openxmlformats.org/presentationml/2006/main">
+  <p:cSld>
+    <p:spTree>
+      <p:nvGrpSpPr>
+        <p:cNvPr id="1" name=""/>
+        <p:cNvGrpSpPr/>
+        <p:nvPr/>
+      </p:nvGrpSpPr>
+      <p:grpSpPr>
+        <a:xfrm>
+          <a:off x="0" y="0"/>
+          <a:ext cx="0" cy="0"/>
+          <a:chOff x="0" y="0"/>
+          <a:chExt cx="0" cy="0"/>
+        </a:xfrm>
+      </p:grpSpPr>
+      <p:sp>
+        <p:nvSpPr>
+          <p:cNvPr id="4" name="Title 3"/>
+          <p:cNvSpPr>
+            <a:spLocks noGrp="1"/>
+          </p:cNvSpPr>
+          <p:nvPr>
+            <p:ph type="ctrTitle"/>
+          </p:nvPr>
+        </p:nvSpPr>
+        <p:spPr/>
+        <p:txBody>
+          <a:bodyPr/>
+          <a:lstStyle/>
+          <a:p>
+            <a:r>
+              <a:rPr lang="es-AR" dirty="0" err="1" smtClean="0"/>
+              <a:t>Feedback</a:t>
+            </a:r>
+            <a:endParaRPr lang="es-AR" dirty="0"/>
+          </a:p>
+        </p:txBody>
+      </p:sp>
+    </p:spTree>
+    <p:extLst>
+      <p:ext uri="{BB962C8B-B14F-4D97-AF65-F5344CB8AC3E}">
+        <p14:creationId xmlns:p14="http://schemas.microsoft.com/office/powerpoint/2010/main" val="84412831"/>
+      </p:ext>
+    </p:extLst>
+  </p:cSld>
+  <p:clrMapOvr>
+    <a:masterClrMapping/>
+  </p:clrMapOvr>
+  <p:transition spd="slow">
+    <p:wipe/>
+  </p:transition>
+  <p:timing>
+    <p:tnLst>
+      <p:par>
+        <p:cTn id="1" dur="indefinite" restart="never" nodeType="tmRoot"/>
+      </p:par>
+    </p:tnLst>
+  </p:timing>
+</p:sld>
+</file>
+
+<file path=ppt/slides/slide25.xml><?xml version="1.0" encoding="utf-8"?>
 <p:sld xmlns:a="http://schemas.openxmlformats.org/drawingml/2006/main" xmlns:r="http://schemas.openxmlformats.org/officeDocument/2006/relationships" xmlns:p="http://schemas.openxmlformats.org/presentationml/2006/main">
   <p:cSld>
     <p:spTree>
@@ -21217,7 +22528,7 @@
 </p:sld>
 </file>
 
-<file path=ppt/slides/slide21.xml><?xml version="1.0" encoding="utf-8"?>
+<file path=ppt/slides/slide26.xml><?xml version="1.0" encoding="utf-8"?>
 <p:sld xmlns:a="http://schemas.openxmlformats.org/drawingml/2006/main" xmlns:r="http://schemas.openxmlformats.org/officeDocument/2006/relationships" xmlns:p="http://schemas.openxmlformats.org/presentationml/2006/main">
   <p:cSld>
     <p:spTree>
@@ -21280,7 +22591,7 @@
 </p:sld>
 </file>
 
-<file path=ppt/slides/slide22.xml><?xml version="1.0" encoding="utf-8"?>
+<file path=ppt/slides/slide27.xml><?xml version="1.0" encoding="utf-8"?>
 <p:sld xmlns:a="http://schemas.openxmlformats.org/drawingml/2006/main" xmlns:r="http://schemas.openxmlformats.org/officeDocument/2006/relationships" xmlns:p="http://schemas.openxmlformats.org/presentationml/2006/main">
   <p:cSld>
     <p:spTree>
@@ -21831,7 +23142,7 @@
 </p:sld>
 </file>
 
-<file path=ppt/slides/slide23.xml><?xml version="1.0" encoding="utf-8"?>
+<file path=ppt/slides/slide28.xml><?xml version="1.0" encoding="utf-8"?>
 <p:sld xmlns:a="http://schemas.openxmlformats.org/drawingml/2006/main" xmlns:r="http://schemas.openxmlformats.org/officeDocument/2006/relationships" xmlns:p="http://schemas.openxmlformats.org/presentationml/2006/main">
   <p:cSld>
     <p:spTree>
@@ -22346,7 +23657,7 @@
 </p:sld>
 </file>
 
-<file path=ppt/slides/slide24.xml><?xml version="1.0" encoding="utf-8"?>
+<file path=ppt/slides/slide29.xml><?xml version="1.0" encoding="utf-8"?>
 <p:sld xmlns:a="http://schemas.openxmlformats.org/drawingml/2006/main" xmlns:r="http://schemas.openxmlformats.org/officeDocument/2006/relationships" xmlns:p="http://schemas.openxmlformats.org/presentationml/2006/main">
   <p:cSld>
     <p:spTree>
@@ -22481,23 +23792,7 @@
                   <a:schemeClr val="bg1"/>
                 </a:solidFill>
               </a:rPr>
-              <a:t>Part </a:t>
-            </a:r>
-            <a:r>
-              <a:rPr lang="en-US" sz="3600" dirty="0" smtClean="0">
-                <a:solidFill>
-                  <a:schemeClr val="bg1"/>
-                </a:solidFill>
-              </a:rPr>
-              <a:t>III: </a:t>
-            </a:r>
-            <a:r>
-              <a:rPr lang="en-US" sz="3600" dirty="0" smtClean="0">
-                <a:solidFill>
-                  <a:schemeClr val="bg1"/>
-                </a:solidFill>
-              </a:rPr>
-              <a:t>Scenes of the next episode…</a:t>
+              <a:t>Part III: Scenes of the next episode…</a:t>
             </a:r>
             <a:endParaRPr lang="es-AR" sz="3600" dirty="0">
               <a:solidFill>
@@ -22733,17 +24028,8 @@
               <a:rPr lang="en-GB" dirty="0" smtClean="0">
                 <a:latin typeface="Avenir 45 Book (Body)"/>
               </a:rPr>
-              <a:t> </a:t>
+              <a:t> No, it’s over, just kidding…</a:t>
             </a:r>
-            <a:r>
-              <a:rPr lang="en-GB" dirty="0" smtClean="0">
-                <a:latin typeface="Avenir 45 Book (Body)"/>
-              </a:rPr>
-              <a:t>No, it’s over, just kidding…</a:t>
-            </a:r>
-            <a:endParaRPr lang="en-GB" dirty="0" smtClean="0">
-              <a:latin typeface="Avenir 45 Book (Body)"/>
-            </a:endParaRPr>
           </a:p>
           <a:p>
             <a:pPr marL="0" lvl="1" indent="0">
@@ -22811,7 +24097,625 @@
 </p:sld>
 </file>
 
-<file path=ppt/slides/slide25.xml><?xml version="1.0" encoding="utf-8"?>
+<file path=ppt/slides/slide3.xml><?xml version="1.0" encoding="utf-8"?>
+<p:sld xmlns:a="http://schemas.openxmlformats.org/drawingml/2006/main" xmlns:r="http://schemas.openxmlformats.org/officeDocument/2006/relationships" xmlns:p="http://schemas.openxmlformats.org/presentationml/2006/main">
+  <p:cSld>
+    <p:spTree>
+      <p:nvGrpSpPr>
+        <p:cNvPr id="1" name=""/>
+        <p:cNvGrpSpPr/>
+        <p:nvPr/>
+      </p:nvGrpSpPr>
+      <p:grpSpPr>
+        <a:xfrm>
+          <a:off x="0" y="0"/>
+          <a:ext cx="0" cy="0"/>
+          <a:chOff x="0" y="0"/>
+          <a:chExt cx="0" cy="0"/>
+        </a:xfrm>
+      </p:grpSpPr>
+      <p:sp>
+        <p:nvSpPr>
+          <p:cNvPr id="13" name="Content Placeholder 2"/>
+          <p:cNvSpPr txBox="1">
+            <a:spLocks/>
+          </p:cNvSpPr>
+          <p:nvPr/>
+        </p:nvSpPr>
+        <p:spPr>
+          <a:xfrm>
+            <a:off x="476534" y="1394213"/>
+            <a:ext cx="8142809" cy="4329621"/>
+          </a:xfrm>
+          <a:prstGeom prst="rect">
+            <a:avLst/>
+          </a:prstGeom>
+        </p:spPr>
+        <p:txBody>
+          <a:bodyPr vert="horz" lIns="91440" tIns="45720" rIns="91440" bIns="45720" rtlCol="0">
+            <a:noAutofit/>
+          </a:bodyPr>
+          <a:lstStyle>
+            <a:lvl1pPr marL="273050" marR="0" indent="-273050" algn="l" defTabSz="914400" rtl="0" eaLnBrk="1" fontAlgn="auto" latinLnBrk="0" hangingPunct="1">
+              <a:lnSpc>
+                <a:spcPct val="100000"/>
+              </a:lnSpc>
+              <a:spcBef>
+                <a:spcPts val="1200"/>
+              </a:spcBef>
+              <a:spcAft>
+                <a:spcPts val="0"/>
+              </a:spcAft>
+              <a:buClr>
+                <a:srgbClr val="DA1218"/>
+              </a:buClr>
+              <a:buSzTx/>
+              <a:buFont typeface="Wingdings" pitchFamily="2" charset="2"/>
+              <a:buChar char="§"/>
+              <a:tabLst/>
+              <a:defRPr lang="en-US" sz="2400" kern="1200">
+                <a:solidFill>
+                  <a:schemeClr val="tx1"/>
+                </a:solidFill>
+                <a:latin typeface="Arial" pitchFamily="34" charset="0"/>
+                <a:ea typeface="+mn-ea"/>
+                <a:cs typeface="Arial" pitchFamily="34" charset="0"/>
+              </a:defRPr>
+            </a:lvl1pPr>
+            <a:lvl2pPr marL="628650" marR="0" indent="-355600" algn="l" defTabSz="914400" rtl="0" eaLnBrk="1" fontAlgn="auto" latinLnBrk="0" hangingPunct="1">
+              <a:lnSpc>
+                <a:spcPct val="100000"/>
+              </a:lnSpc>
+              <a:spcBef>
+                <a:spcPct val="20000"/>
+              </a:spcBef>
+              <a:spcAft>
+                <a:spcPts val="0"/>
+              </a:spcAft>
+              <a:buClr>
+                <a:srgbClr val="DA1218"/>
+              </a:buClr>
+              <a:buSzTx/>
+              <a:buFont typeface="Wingdings" pitchFamily="2" charset="2"/>
+              <a:buChar char=""/>
+              <a:tabLst/>
+              <a:defRPr lang="en-US" sz="2000" kern="1200">
+                <a:solidFill>
+                  <a:schemeClr val="tx1"/>
+                </a:solidFill>
+                <a:latin typeface="Arial" pitchFamily="34" charset="0"/>
+                <a:ea typeface="+mn-ea"/>
+                <a:cs typeface="Arial" pitchFamily="34" charset="0"/>
+              </a:defRPr>
+            </a:lvl2pPr>
+            <a:lvl3pPr marL="903288" marR="0" indent="-274638" algn="l" defTabSz="914400" rtl="0" eaLnBrk="1" fontAlgn="auto" latinLnBrk="0" hangingPunct="1">
+              <a:lnSpc>
+                <a:spcPct val="100000"/>
+              </a:lnSpc>
+              <a:spcBef>
+                <a:spcPct val="20000"/>
+              </a:spcBef>
+              <a:spcAft>
+                <a:spcPts val="0"/>
+              </a:spcAft>
+              <a:buClr>
+                <a:srgbClr val="DA1218"/>
+              </a:buClr>
+              <a:buSzTx/>
+              <a:buFont typeface="Wingdings" pitchFamily="2" charset="2"/>
+              <a:buChar char="ü"/>
+              <a:tabLst/>
+              <a:defRPr lang="en-US" sz="1800" kern="1200">
+                <a:solidFill>
+                  <a:schemeClr val="tx1"/>
+                </a:solidFill>
+                <a:latin typeface="Arial" pitchFamily="34" charset="0"/>
+                <a:ea typeface="+mn-ea"/>
+                <a:cs typeface="Arial" pitchFamily="34" charset="0"/>
+              </a:defRPr>
+            </a:lvl3pPr>
+            <a:lvl4pPr marL="1081088" marR="0" indent="-177800" algn="l" defTabSz="914400" rtl="0" eaLnBrk="1" fontAlgn="auto" latinLnBrk="0" hangingPunct="1">
+              <a:lnSpc>
+                <a:spcPct val="100000"/>
+              </a:lnSpc>
+              <a:spcBef>
+                <a:spcPct val="20000"/>
+              </a:spcBef>
+              <a:spcAft>
+                <a:spcPts val="0"/>
+              </a:spcAft>
+              <a:buClr>
+                <a:srgbClr val="DA1218"/>
+              </a:buClr>
+              <a:buSzTx/>
+              <a:buFont typeface="Arial" pitchFamily="34" charset="0"/>
+              <a:buChar char="•"/>
+              <a:tabLst/>
+              <a:defRPr lang="en-US" sz="1600" kern="1200">
+                <a:solidFill>
+                  <a:schemeClr val="tx1"/>
+                </a:solidFill>
+                <a:latin typeface="Arial" pitchFamily="34" charset="0"/>
+                <a:ea typeface="+mn-ea"/>
+                <a:cs typeface="Arial" pitchFamily="34" charset="0"/>
+              </a:defRPr>
+            </a:lvl4pPr>
+            <a:lvl5pPr marL="1258888" marR="0" indent="-177800" algn="l" defTabSz="914400" rtl="0" eaLnBrk="1" fontAlgn="auto" latinLnBrk="0" hangingPunct="1">
+              <a:lnSpc>
+                <a:spcPct val="100000"/>
+              </a:lnSpc>
+              <a:spcBef>
+                <a:spcPct val="20000"/>
+              </a:spcBef>
+              <a:spcAft>
+                <a:spcPts val="0"/>
+              </a:spcAft>
+              <a:buClr>
+                <a:srgbClr val="DA1218"/>
+              </a:buClr>
+              <a:buSzPct val="100000"/>
+              <a:buFont typeface="Courier New" pitchFamily="49" charset="0"/>
+              <a:buChar char="o"/>
+              <a:tabLst/>
+              <a:defRPr lang="es-AR" sz="1400" kern="1200">
+                <a:solidFill>
+                  <a:schemeClr val="tx1"/>
+                </a:solidFill>
+                <a:latin typeface="Arial" pitchFamily="34" charset="0"/>
+                <a:ea typeface="+mn-ea"/>
+                <a:cs typeface="Arial" pitchFamily="34" charset="0"/>
+              </a:defRPr>
+            </a:lvl5pPr>
+            <a:lvl6pPr marL="2514600" indent="-228600" algn="l" defTabSz="914400" rtl="0" eaLnBrk="1" latinLnBrk="0" hangingPunct="1">
+              <a:spcBef>
+                <a:spcPct val="20000"/>
+              </a:spcBef>
+              <a:buFont typeface="Arial" pitchFamily="34" charset="0"/>
+              <a:buChar char="•"/>
+              <a:defRPr sz="2000" kern="1200">
+                <a:solidFill>
+                  <a:schemeClr val="tx1"/>
+                </a:solidFill>
+                <a:latin typeface="+mn-lt"/>
+                <a:ea typeface="+mn-ea"/>
+                <a:cs typeface="+mn-cs"/>
+              </a:defRPr>
+            </a:lvl6pPr>
+            <a:lvl7pPr marL="2971800" indent="-228600" algn="l" defTabSz="914400" rtl="0" eaLnBrk="1" latinLnBrk="0" hangingPunct="1">
+              <a:spcBef>
+                <a:spcPct val="20000"/>
+              </a:spcBef>
+              <a:buFont typeface="Arial" pitchFamily="34" charset="0"/>
+              <a:buChar char="•"/>
+              <a:defRPr sz="2000" kern="1200">
+                <a:solidFill>
+                  <a:schemeClr val="tx1"/>
+                </a:solidFill>
+                <a:latin typeface="+mn-lt"/>
+                <a:ea typeface="+mn-ea"/>
+                <a:cs typeface="+mn-cs"/>
+              </a:defRPr>
+            </a:lvl7pPr>
+            <a:lvl8pPr marL="3429000" indent="-228600" algn="l" defTabSz="914400" rtl="0" eaLnBrk="1" latinLnBrk="0" hangingPunct="1">
+              <a:spcBef>
+                <a:spcPct val="20000"/>
+              </a:spcBef>
+              <a:buFont typeface="Arial" pitchFamily="34" charset="0"/>
+              <a:buChar char="•"/>
+              <a:defRPr sz="2000" kern="1200">
+                <a:solidFill>
+                  <a:schemeClr val="tx1"/>
+                </a:solidFill>
+                <a:latin typeface="+mn-lt"/>
+                <a:ea typeface="+mn-ea"/>
+                <a:cs typeface="+mn-cs"/>
+              </a:defRPr>
+            </a:lvl8pPr>
+            <a:lvl9pPr marL="3886200" indent="-228600" algn="l" defTabSz="914400" rtl="0" eaLnBrk="1" latinLnBrk="0" hangingPunct="1">
+              <a:spcBef>
+                <a:spcPct val="20000"/>
+              </a:spcBef>
+              <a:buFont typeface="Arial" pitchFamily="34" charset="0"/>
+              <a:buChar char="•"/>
+              <a:defRPr sz="2000" kern="1200">
+                <a:solidFill>
+                  <a:schemeClr val="tx1"/>
+                </a:solidFill>
+                <a:latin typeface="+mn-lt"/>
+                <a:ea typeface="+mn-ea"/>
+                <a:cs typeface="+mn-cs"/>
+              </a:defRPr>
+            </a:lvl9pPr>
+          </a:lstStyle>
+          <a:p>
+            <a:pPr lvl="0" defTabSz="914363">
+              <a:lnSpc>
+                <a:spcPct val="90000"/>
+              </a:lnSpc>
+              <a:spcBef>
+                <a:spcPts val="0"/>
+              </a:spcBef>
+              <a:spcAft>
+                <a:spcPts val="400"/>
+              </a:spcAft>
+              <a:buClr>
+                <a:schemeClr val="tx1">
+                  <a:lumMod val="75000"/>
+                  <a:lumOff val="25000"/>
+                </a:schemeClr>
+              </a:buClr>
+              <a:buSzPct val="100000"/>
+              <a:buFont typeface="Wingdings" panose="05000000000000000000" pitchFamily="2" charset="2"/>
+              <a:buChar char="ä"/>
+            </a:pPr>
+            <a:r>
+              <a:rPr lang="en-GB" sz="1800" dirty="0" smtClean="0">
+                <a:solidFill>
+                  <a:srgbClr val="000000"/>
+                </a:solidFill>
+                <a:latin typeface="Avenir 45 Book"/>
+                <a:cs typeface="+mn-cs"/>
+              </a:rPr>
+              <a:t>Divulge the use of best practices such as unit &amp; integration testing and continuous integration</a:t>
+            </a:r>
+            <a:r>
+              <a:rPr lang="en-GB" sz="1600" b="1" dirty="0" smtClean="0">
+                <a:solidFill>
+                  <a:srgbClr val="000000"/>
+                </a:solidFill>
+                <a:latin typeface="Avenir 45 Book"/>
+                <a:cs typeface="+mn-cs"/>
+              </a:rPr>
+              <a:t/>
+            </a:r>
+            <a:br>
+              <a:rPr lang="en-GB" sz="1600" b="1" dirty="0" smtClean="0">
+                <a:solidFill>
+                  <a:srgbClr val="000000"/>
+                </a:solidFill>
+                <a:latin typeface="Avenir 45 Book"/>
+                <a:cs typeface="+mn-cs"/>
+              </a:rPr>
+            </a:br>
+            <a:endParaRPr lang="en-GB" sz="1600" b="1" dirty="0" smtClean="0">
+              <a:solidFill>
+                <a:srgbClr val="000000"/>
+              </a:solidFill>
+              <a:latin typeface="Avenir 45 Book"/>
+              <a:cs typeface="+mn-cs"/>
+            </a:endParaRPr>
+          </a:p>
+          <a:p>
+            <a:pPr lvl="0" defTabSz="914363">
+              <a:lnSpc>
+                <a:spcPct val="90000"/>
+              </a:lnSpc>
+              <a:spcBef>
+                <a:spcPts val="0"/>
+              </a:spcBef>
+              <a:spcAft>
+                <a:spcPts val="400"/>
+              </a:spcAft>
+              <a:buClr>
+                <a:schemeClr val="tx1">
+                  <a:lumMod val="75000"/>
+                  <a:lumOff val="25000"/>
+                </a:schemeClr>
+              </a:buClr>
+              <a:buSzPct val="100000"/>
+              <a:buFont typeface="Wingdings" panose="05000000000000000000" pitchFamily="2" charset="2"/>
+              <a:buChar char="ä"/>
+            </a:pPr>
+            <a:r>
+              <a:rPr lang="en-GB" sz="1800" dirty="0" smtClean="0">
+                <a:solidFill>
+                  <a:srgbClr val="000000"/>
+                </a:solidFill>
+                <a:latin typeface="Avenir 45 Book"/>
+                <a:cs typeface="+mn-cs"/>
+              </a:rPr>
+              <a:t>Provide developers with the </a:t>
+            </a:r>
+            <a:r>
+              <a:rPr lang="en-GB" sz="1800" dirty="0" smtClean="0">
+                <a:solidFill>
+                  <a:srgbClr val="000000"/>
+                </a:solidFill>
+                <a:latin typeface="Avenir 45 Book"/>
+              </a:rPr>
+              <a:t>necessary </a:t>
+            </a:r>
+            <a:r>
+              <a:rPr lang="en-GB" sz="1800" dirty="0" smtClean="0">
+                <a:solidFill>
+                  <a:srgbClr val="000000"/>
+                </a:solidFill>
+                <a:latin typeface="Avenir 45 Book"/>
+                <a:cs typeface="+mn-cs"/>
+              </a:rPr>
+              <a:t>tools to design and develop applications using these practices (How?)</a:t>
+            </a:r>
+            <a:br>
+              <a:rPr lang="en-GB" sz="1800" dirty="0" smtClean="0">
+                <a:solidFill>
+                  <a:srgbClr val="000000"/>
+                </a:solidFill>
+                <a:latin typeface="Avenir 45 Book"/>
+                <a:cs typeface="+mn-cs"/>
+              </a:rPr>
+            </a:br>
+            <a:endParaRPr lang="en-GB" sz="1800" dirty="0" smtClean="0">
+              <a:solidFill>
+                <a:srgbClr val="000000"/>
+              </a:solidFill>
+              <a:latin typeface="Avenir 45 Book"/>
+              <a:cs typeface="+mn-cs"/>
+            </a:endParaRPr>
+          </a:p>
+          <a:p>
+            <a:pPr lvl="0" defTabSz="914363">
+              <a:lnSpc>
+                <a:spcPct val="90000"/>
+              </a:lnSpc>
+              <a:spcBef>
+                <a:spcPts val="0"/>
+              </a:spcBef>
+              <a:spcAft>
+                <a:spcPts val="400"/>
+              </a:spcAft>
+              <a:buClr>
+                <a:schemeClr val="tx1">
+                  <a:lumMod val="75000"/>
+                  <a:lumOff val="25000"/>
+                </a:schemeClr>
+              </a:buClr>
+              <a:buSzPct val="100000"/>
+              <a:buFont typeface="Wingdings" panose="05000000000000000000" pitchFamily="2" charset="2"/>
+              <a:buChar char="ä"/>
+            </a:pPr>
+            <a:r>
+              <a:rPr lang="en-GB" sz="1800" dirty="0" smtClean="0">
+                <a:solidFill>
+                  <a:srgbClr val="000000"/>
+                </a:solidFill>
+                <a:latin typeface="Avenir 45 Book"/>
+                <a:cs typeface="+mn-cs"/>
+              </a:rPr>
+              <a:t>Advantages of using these practices (Why?)</a:t>
+            </a:r>
+            <a:br>
+              <a:rPr lang="en-GB" sz="1800" dirty="0" smtClean="0">
+                <a:solidFill>
+                  <a:srgbClr val="000000"/>
+                </a:solidFill>
+                <a:latin typeface="Avenir 45 Book"/>
+                <a:cs typeface="+mn-cs"/>
+              </a:rPr>
+            </a:br>
+            <a:endParaRPr lang="en-GB" sz="1800" dirty="0" smtClean="0">
+              <a:solidFill>
+                <a:srgbClr val="000000"/>
+              </a:solidFill>
+              <a:latin typeface="Avenir 45 Book"/>
+              <a:cs typeface="+mn-cs"/>
+            </a:endParaRPr>
+          </a:p>
+          <a:p>
+            <a:pPr lvl="0" defTabSz="914363">
+              <a:lnSpc>
+                <a:spcPct val="90000"/>
+              </a:lnSpc>
+              <a:spcBef>
+                <a:spcPts val="0"/>
+              </a:spcBef>
+              <a:spcAft>
+                <a:spcPts val="400"/>
+              </a:spcAft>
+              <a:buClr>
+                <a:schemeClr val="tx1">
+                  <a:lumMod val="75000"/>
+                  <a:lumOff val="25000"/>
+                </a:schemeClr>
+              </a:buClr>
+              <a:buSzPct val="100000"/>
+              <a:buFont typeface="Wingdings" panose="05000000000000000000" pitchFamily="2" charset="2"/>
+              <a:buChar char="ä"/>
+            </a:pPr>
+            <a:r>
+              <a:rPr lang="en-GB" sz="1800" dirty="0" smtClean="0">
+                <a:solidFill>
+                  <a:srgbClr val="000000"/>
+                </a:solidFill>
+                <a:latin typeface="Avenir 45 Book"/>
+                <a:cs typeface="+mn-cs"/>
+              </a:rPr>
+              <a:t>I have inherited non-testable legacy code. Where do I start?</a:t>
+            </a:r>
+          </a:p>
+        </p:txBody>
+      </p:sp>
+      <p:sp>
+        <p:nvSpPr>
+          <p:cNvPr id="15" name="Rectangle 14"/>
+          <p:cNvSpPr/>
+          <p:nvPr/>
+        </p:nvSpPr>
+        <p:spPr>
+          <a:xfrm>
+            <a:off x="-13252" y="1"/>
+            <a:ext cx="12218504" cy="1016000"/>
+          </a:xfrm>
+          <a:prstGeom prst="rect">
+            <a:avLst/>
+          </a:prstGeom>
+          <a:solidFill>
+            <a:srgbClr val="FF9600"/>
+          </a:solidFill>
+          <a:ln>
+            <a:noFill/>
+          </a:ln>
+        </p:spPr>
+        <p:style>
+          <a:lnRef idx="1">
+            <a:schemeClr val="accent6"/>
+          </a:lnRef>
+          <a:fillRef idx="3">
+            <a:schemeClr val="accent6"/>
+          </a:fillRef>
+          <a:effectRef idx="2">
+            <a:schemeClr val="accent6"/>
+          </a:effectRef>
+          <a:fontRef idx="minor">
+            <a:schemeClr val="lt1"/>
+          </a:fontRef>
+        </p:style>
+        <p:txBody>
+          <a:bodyPr anchor="ctr"/>
+          <a:lstStyle/>
+          <a:p>
+            <a:pPr marL="0" marR="0" lvl="0" indent="0" algn="ctr" defTabSz="914400" eaLnBrk="1" fontAlgn="auto" latinLnBrk="0" hangingPunct="1">
+              <a:lnSpc>
+                <a:spcPct val="100000"/>
+              </a:lnSpc>
+              <a:spcBef>
+                <a:spcPts val="0"/>
+              </a:spcBef>
+              <a:spcAft>
+                <a:spcPts val="0"/>
+              </a:spcAft>
+              <a:buClrTx/>
+              <a:buSzTx/>
+              <a:buFontTx/>
+              <a:buNone/>
+              <a:tabLst/>
+              <a:defRPr/>
+            </a:pPr>
+            <a:r>
+              <a:rPr kumimoji="0" lang="es-ES_tradnl" sz="1800" b="0" i="0" u="none" strike="noStrike" kern="0" cap="none" spc="0" normalizeH="0" baseline="0" noProof="0" dirty="0" smtClean="0">
+                <a:ln>
+                  <a:noFill/>
+                </a:ln>
+                <a:solidFill>
+                  <a:srgbClr val="FFFFFF"/>
+                </a:solidFill>
+                <a:effectLst/>
+                <a:uLnTx/>
+                <a:uFillTx/>
+                <a:latin typeface="Arial"/>
+                <a:ea typeface="ＭＳ Ｐゴシック" pitchFamily="-108" charset="-128"/>
+                <a:cs typeface="+mn-cs"/>
+              </a:rPr>
+              <a:t>  </a:t>
+            </a:r>
+            <a:endParaRPr kumimoji="0" lang="es-ES_tradnl" sz="1800" b="0" i="0" u="none" strike="noStrike" kern="0" cap="none" spc="0" normalizeH="0" baseline="0" noProof="0" dirty="0">
+              <a:ln>
+                <a:noFill/>
+              </a:ln>
+              <a:solidFill>
+                <a:srgbClr val="FFFFFF"/>
+              </a:solidFill>
+              <a:effectLst/>
+              <a:uLnTx/>
+              <a:uFillTx/>
+              <a:latin typeface="Arial"/>
+              <a:ea typeface="ＭＳ Ｐゴシック" pitchFamily="-108" charset="-128"/>
+              <a:cs typeface="+mn-cs"/>
+            </a:endParaRPr>
+          </a:p>
+        </p:txBody>
+      </p:sp>
+      <p:sp>
+        <p:nvSpPr>
+          <p:cNvPr id="16" name="TextBox 15"/>
+          <p:cNvSpPr txBox="1"/>
+          <p:nvPr/>
+        </p:nvSpPr>
+        <p:spPr>
+          <a:xfrm>
+            <a:off x="515937" y="212035"/>
+            <a:ext cx="11013453" cy="615553"/>
+          </a:xfrm>
+          <a:prstGeom prst="rect">
+            <a:avLst/>
+          </a:prstGeom>
+          <a:noFill/>
+        </p:spPr>
+        <p:txBody>
+          <a:bodyPr wrap="square" lIns="0" tIns="0" rIns="0" bIns="0" rtlCol="0">
+            <a:spAutoFit/>
+          </a:bodyPr>
+          <a:lstStyle/>
+          <a:p>
+            <a:r>
+              <a:rPr lang="es-AR" sz="4000" dirty="0" err="1" smtClean="0">
+                <a:solidFill>
+                  <a:schemeClr val="bg1"/>
+                </a:solidFill>
+              </a:rPr>
+              <a:t>Objectives</a:t>
+            </a:r>
+            <a:endParaRPr lang="es-AR" sz="4000" dirty="0" smtClean="0">
+              <a:solidFill>
+                <a:schemeClr val="bg1"/>
+              </a:solidFill>
+            </a:endParaRPr>
+          </a:p>
+        </p:txBody>
+      </p:sp>
+      <p:pic>
+        <p:nvPicPr>
+          <p:cNvPr id="3" name="Imagen 2"/>
+          <p:cNvPicPr>
+            <a:picLocks noChangeAspect="1"/>
+          </p:cNvPicPr>
+          <p:nvPr/>
+        </p:nvPicPr>
+        <p:blipFill>
+          <a:blip r:embed="rId2">
+            <a:extLst>
+              <a:ext uri="{28A0092B-C50C-407E-A947-70E740481C1C}">
+                <a14:useLocalDpi xmlns:a14="http://schemas.microsoft.com/office/drawing/2010/main" val="0"/>
+              </a:ext>
+            </a:extLst>
+          </a:blip>
+          <a:stretch>
+            <a:fillRect/>
+          </a:stretch>
+        </p:blipFill>
+        <p:spPr>
+          <a:xfrm>
+            <a:off x="8871502" y="1228035"/>
+            <a:ext cx="3333750" cy="4495800"/>
+          </a:xfrm>
+          <a:prstGeom prst="rect">
+            <a:avLst/>
+          </a:prstGeom>
+        </p:spPr>
+      </p:pic>
+    </p:spTree>
+    <p:extLst>
+      <p:ext uri="{BB962C8B-B14F-4D97-AF65-F5344CB8AC3E}">
+        <p14:creationId xmlns:p14="http://schemas.microsoft.com/office/powerpoint/2010/main" val="3377119921"/>
+      </p:ext>
+    </p:extLst>
+  </p:cSld>
+  <p:clrMapOvr>
+    <a:masterClrMapping/>
+  </p:clrMapOvr>
+  <p:transition spd="slow">
+    <p:wipe/>
+  </p:transition>
+  <p:timing>
+    <p:tnLst>
+      <p:par>
+        <p:cTn id="1" dur="indefinite" restart="never" nodeType="tmRoot"/>
+      </p:par>
+    </p:tnLst>
+  </p:timing>
+</p:sld>
+</file>
+
+<file path=ppt/slides/slide30.xml><?xml version="1.0" encoding="utf-8"?>
 <p:sld xmlns:a="http://schemas.openxmlformats.org/drawingml/2006/main" xmlns:r="http://schemas.openxmlformats.org/officeDocument/2006/relationships" xmlns:p="http://schemas.openxmlformats.org/presentationml/2006/main">
   <p:cSld>
     <p:spTree>
@@ -24236,7 +26140,7 @@
 </p:sld>
 </file>
 
-<file path=ppt/slides/slide3.xml><?xml version="1.0" encoding="utf-8"?>
+<file path=ppt/slides/slide4.xml><?xml version="1.0" encoding="utf-8"?>
 <p:sld xmlns:a="http://schemas.openxmlformats.org/drawingml/2006/main" xmlns:r="http://schemas.openxmlformats.org/officeDocument/2006/relationships" xmlns:p="http://schemas.openxmlformats.org/presentationml/2006/main">
   <p:cSld>
     <p:spTree>
@@ -24255,441 +26159,93 @@
       </p:grpSpPr>
       <p:sp>
         <p:nvSpPr>
-          <p:cNvPr id="13" name="Content Placeholder 2"/>
-          <p:cNvSpPr txBox="1">
-            <a:spLocks/>
+          <p:cNvPr id="4" name="Title 3"/>
+          <p:cNvSpPr>
+            <a:spLocks noGrp="1"/>
           </p:cNvSpPr>
-          <p:nvPr/>
+          <p:nvPr>
+            <p:ph type="ctrTitle"/>
+          </p:nvPr>
         </p:nvSpPr>
-        <p:spPr>
-          <a:xfrm>
-            <a:off x="476534" y="1394213"/>
-            <a:ext cx="8142809" cy="4329621"/>
-          </a:xfrm>
-          <a:prstGeom prst="rect">
-            <a:avLst/>
-          </a:prstGeom>
-        </p:spPr>
+        <p:spPr/>
         <p:txBody>
-          <a:bodyPr vert="horz" lIns="91440" tIns="45720" rIns="91440" bIns="45720" rtlCol="0">
-            <a:noAutofit/>
+          <a:bodyPr>
+            <a:normAutofit/>
           </a:bodyPr>
-          <a:lstStyle>
-            <a:lvl1pPr marL="273050" marR="0" indent="-273050" algn="l" defTabSz="914400" rtl="0" eaLnBrk="1" fontAlgn="auto" latinLnBrk="0" hangingPunct="1">
-              <a:lnSpc>
-                <a:spcPct val="100000"/>
-              </a:lnSpc>
-              <a:spcBef>
-                <a:spcPts val="1200"/>
-              </a:spcBef>
-              <a:spcAft>
-                <a:spcPts val="0"/>
-              </a:spcAft>
-              <a:buClr>
-                <a:srgbClr val="DA1218"/>
-              </a:buClr>
-              <a:buSzTx/>
-              <a:buFont typeface="Wingdings" pitchFamily="2" charset="2"/>
-              <a:buChar char="§"/>
-              <a:tabLst/>
-              <a:defRPr lang="en-US" sz="2400" kern="1200">
-                <a:solidFill>
-                  <a:schemeClr val="tx1"/>
-                </a:solidFill>
-                <a:latin typeface="Arial" pitchFamily="34" charset="0"/>
-                <a:ea typeface="+mn-ea"/>
-                <a:cs typeface="Arial" pitchFamily="34" charset="0"/>
-              </a:defRPr>
-            </a:lvl1pPr>
-            <a:lvl2pPr marL="628650" marR="0" indent="-355600" algn="l" defTabSz="914400" rtl="0" eaLnBrk="1" fontAlgn="auto" latinLnBrk="0" hangingPunct="1">
-              <a:lnSpc>
-                <a:spcPct val="100000"/>
-              </a:lnSpc>
-              <a:spcBef>
-                <a:spcPct val="20000"/>
-              </a:spcBef>
-              <a:spcAft>
-                <a:spcPts val="0"/>
-              </a:spcAft>
-              <a:buClr>
-                <a:srgbClr val="DA1218"/>
-              </a:buClr>
-              <a:buSzTx/>
-              <a:buFont typeface="Wingdings" pitchFamily="2" charset="2"/>
-              <a:buChar char=""/>
-              <a:tabLst/>
-              <a:defRPr lang="en-US" sz="2000" kern="1200">
-                <a:solidFill>
-                  <a:schemeClr val="tx1"/>
-                </a:solidFill>
-                <a:latin typeface="Arial" pitchFamily="34" charset="0"/>
-                <a:ea typeface="+mn-ea"/>
-                <a:cs typeface="Arial" pitchFamily="34" charset="0"/>
-              </a:defRPr>
-            </a:lvl2pPr>
-            <a:lvl3pPr marL="903288" marR="0" indent="-274638" algn="l" defTabSz="914400" rtl="0" eaLnBrk="1" fontAlgn="auto" latinLnBrk="0" hangingPunct="1">
-              <a:lnSpc>
-                <a:spcPct val="100000"/>
-              </a:lnSpc>
-              <a:spcBef>
-                <a:spcPct val="20000"/>
-              </a:spcBef>
-              <a:spcAft>
-                <a:spcPts val="0"/>
-              </a:spcAft>
-              <a:buClr>
-                <a:srgbClr val="DA1218"/>
-              </a:buClr>
-              <a:buSzTx/>
-              <a:buFont typeface="Wingdings" pitchFamily="2" charset="2"/>
-              <a:buChar char="ü"/>
-              <a:tabLst/>
-              <a:defRPr lang="en-US" sz="1800" kern="1200">
-                <a:solidFill>
-                  <a:schemeClr val="tx1"/>
-                </a:solidFill>
-                <a:latin typeface="Arial" pitchFamily="34" charset="0"/>
-                <a:ea typeface="+mn-ea"/>
-                <a:cs typeface="Arial" pitchFamily="34" charset="0"/>
-              </a:defRPr>
-            </a:lvl3pPr>
-            <a:lvl4pPr marL="1081088" marR="0" indent="-177800" algn="l" defTabSz="914400" rtl="0" eaLnBrk="1" fontAlgn="auto" latinLnBrk="0" hangingPunct="1">
-              <a:lnSpc>
-                <a:spcPct val="100000"/>
-              </a:lnSpc>
-              <a:spcBef>
-                <a:spcPct val="20000"/>
-              </a:spcBef>
-              <a:spcAft>
-                <a:spcPts val="0"/>
-              </a:spcAft>
-              <a:buClr>
-                <a:srgbClr val="DA1218"/>
-              </a:buClr>
-              <a:buSzTx/>
-              <a:buFont typeface="Arial" pitchFamily="34" charset="0"/>
-              <a:buChar char="•"/>
-              <a:tabLst/>
-              <a:defRPr lang="en-US" sz="1600" kern="1200">
-                <a:solidFill>
-                  <a:schemeClr val="tx1"/>
-                </a:solidFill>
-                <a:latin typeface="Arial" pitchFamily="34" charset="0"/>
-                <a:ea typeface="+mn-ea"/>
-                <a:cs typeface="Arial" pitchFamily="34" charset="0"/>
-              </a:defRPr>
-            </a:lvl4pPr>
-            <a:lvl5pPr marL="1258888" marR="0" indent="-177800" algn="l" defTabSz="914400" rtl="0" eaLnBrk="1" fontAlgn="auto" latinLnBrk="0" hangingPunct="1">
-              <a:lnSpc>
-                <a:spcPct val="100000"/>
-              </a:lnSpc>
-              <a:spcBef>
-                <a:spcPct val="20000"/>
-              </a:spcBef>
-              <a:spcAft>
-                <a:spcPts val="0"/>
-              </a:spcAft>
-              <a:buClr>
-                <a:srgbClr val="DA1218"/>
-              </a:buClr>
-              <a:buSzPct val="100000"/>
-              <a:buFont typeface="Courier New" pitchFamily="49" charset="0"/>
-              <a:buChar char="o"/>
-              <a:tabLst/>
-              <a:defRPr lang="es-AR" sz="1400" kern="1200">
-                <a:solidFill>
-                  <a:schemeClr val="tx1"/>
-                </a:solidFill>
-                <a:latin typeface="Arial" pitchFamily="34" charset="0"/>
-                <a:ea typeface="+mn-ea"/>
-                <a:cs typeface="Arial" pitchFamily="34" charset="0"/>
-              </a:defRPr>
-            </a:lvl5pPr>
-            <a:lvl6pPr marL="2514600" indent="-228600" algn="l" defTabSz="914400" rtl="0" eaLnBrk="1" latinLnBrk="0" hangingPunct="1">
-              <a:spcBef>
-                <a:spcPct val="20000"/>
-              </a:spcBef>
-              <a:buFont typeface="Arial" pitchFamily="34" charset="0"/>
-              <a:buChar char="•"/>
-              <a:defRPr sz="2000" kern="1200">
-                <a:solidFill>
-                  <a:schemeClr val="tx1"/>
-                </a:solidFill>
-                <a:latin typeface="+mn-lt"/>
-                <a:ea typeface="+mn-ea"/>
-                <a:cs typeface="+mn-cs"/>
-              </a:defRPr>
-            </a:lvl6pPr>
-            <a:lvl7pPr marL="2971800" indent="-228600" algn="l" defTabSz="914400" rtl="0" eaLnBrk="1" latinLnBrk="0" hangingPunct="1">
-              <a:spcBef>
-                <a:spcPct val="20000"/>
-              </a:spcBef>
-              <a:buFont typeface="Arial" pitchFamily="34" charset="0"/>
-              <a:buChar char="•"/>
-              <a:defRPr sz="2000" kern="1200">
-                <a:solidFill>
-                  <a:schemeClr val="tx1"/>
-                </a:solidFill>
-                <a:latin typeface="+mn-lt"/>
-                <a:ea typeface="+mn-ea"/>
-                <a:cs typeface="+mn-cs"/>
-              </a:defRPr>
-            </a:lvl7pPr>
-            <a:lvl8pPr marL="3429000" indent="-228600" algn="l" defTabSz="914400" rtl="0" eaLnBrk="1" latinLnBrk="0" hangingPunct="1">
-              <a:spcBef>
-                <a:spcPct val="20000"/>
-              </a:spcBef>
-              <a:buFont typeface="Arial" pitchFamily="34" charset="0"/>
-              <a:buChar char="•"/>
-              <a:defRPr sz="2000" kern="1200">
-                <a:solidFill>
-                  <a:schemeClr val="tx1"/>
-                </a:solidFill>
-                <a:latin typeface="+mn-lt"/>
-                <a:ea typeface="+mn-ea"/>
-                <a:cs typeface="+mn-cs"/>
-              </a:defRPr>
-            </a:lvl8pPr>
-            <a:lvl9pPr marL="3886200" indent="-228600" algn="l" defTabSz="914400" rtl="0" eaLnBrk="1" latinLnBrk="0" hangingPunct="1">
-              <a:spcBef>
-                <a:spcPct val="20000"/>
-              </a:spcBef>
-              <a:buFont typeface="Arial" pitchFamily="34" charset="0"/>
-              <a:buChar char="•"/>
-              <a:defRPr sz="2000" kern="1200">
-                <a:solidFill>
-                  <a:schemeClr val="tx1"/>
-                </a:solidFill>
-                <a:latin typeface="+mn-lt"/>
-                <a:ea typeface="+mn-ea"/>
-                <a:cs typeface="+mn-cs"/>
-              </a:defRPr>
-            </a:lvl9pPr>
-          </a:lstStyle>
+          <a:lstStyle/>
           <a:p>
-            <a:pPr lvl="0" defTabSz="914363">
-              <a:lnSpc>
-                <a:spcPct val="90000"/>
-              </a:lnSpc>
-              <a:spcBef>
-                <a:spcPts val="0"/>
-              </a:spcBef>
-              <a:spcAft>
-                <a:spcPts val="400"/>
-              </a:spcAft>
-              <a:buClr>
-                <a:schemeClr val="tx1">
-                  <a:lumMod val="75000"/>
-                  <a:lumOff val="25000"/>
-                </a:schemeClr>
-              </a:buClr>
-              <a:buSzPct val="100000"/>
-              <a:buFont typeface="Wingdings" panose="05000000000000000000" pitchFamily="2" charset="2"/>
-              <a:buChar char="ä"/>
-            </a:pPr>
             <a:r>
-              <a:rPr lang="en-GB" sz="1800" dirty="0" smtClean="0">
-                <a:solidFill>
-                  <a:srgbClr val="000000"/>
-                </a:solidFill>
-                <a:latin typeface="Avenir 45 Book"/>
-                <a:cs typeface="+mn-cs"/>
-              </a:rPr>
-              <a:t>Divulge the use of best practices such as unit &amp; integration testing and continuous integration</a:t>
+              <a:rPr lang="es-AR" dirty="0" err="1" smtClean="0"/>
+              <a:t>Database</a:t>
             </a:r>
             <a:r>
-              <a:rPr lang="en-GB" sz="1600" b="1" dirty="0" smtClean="0">
-                <a:solidFill>
-                  <a:srgbClr val="000000"/>
-                </a:solidFill>
-                <a:latin typeface="Avenir 45 Book"/>
-                <a:cs typeface="+mn-cs"/>
-              </a:rPr>
-              <a:t/>
-            </a:r>
-            <a:br>
-              <a:rPr lang="en-GB" sz="1600" b="1" dirty="0" smtClean="0">
-                <a:solidFill>
-                  <a:srgbClr val="000000"/>
-                </a:solidFill>
-                <a:latin typeface="Avenir 45 Book"/>
-                <a:cs typeface="+mn-cs"/>
-              </a:rPr>
-            </a:br>
-            <a:endParaRPr lang="en-GB" sz="1600" b="1" dirty="0" smtClean="0">
-              <a:solidFill>
-                <a:srgbClr val="000000"/>
-              </a:solidFill>
-              <a:latin typeface="Avenir 45 Book"/>
-              <a:cs typeface="+mn-cs"/>
-            </a:endParaRPr>
-          </a:p>
-          <a:p>
-            <a:pPr lvl="0" defTabSz="914363">
-              <a:lnSpc>
-                <a:spcPct val="90000"/>
-              </a:lnSpc>
-              <a:spcBef>
-                <a:spcPts val="0"/>
-              </a:spcBef>
-              <a:spcAft>
-                <a:spcPts val="400"/>
-              </a:spcAft>
-              <a:buClr>
-                <a:schemeClr val="tx1">
-                  <a:lumMod val="75000"/>
-                  <a:lumOff val="25000"/>
-                </a:schemeClr>
-              </a:buClr>
-              <a:buSzPct val="100000"/>
-              <a:buFont typeface="Wingdings" panose="05000000000000000000" pitchFamily="2" charset="2"/>
-              <a:buChar char="ä"/>
-            </a:pPr>
-            <a:r>
-              <a:rPr lang="en-GB" sz="1800" dirty="0" smtClean="0">
-                <a:solidFill>
-                  <a:srgbClr val="000000"/>
-                </a:solidFill>
-                <a:latin typeface="Avenir 45 Book"/>
-                <a:cs typeface="+mn-cs"/>
-              </a:rPr>
-              <a:t>Provide developers with the </a:t>
+              <a:rPr lang="es-AR" dirty="0" smtClean="0"/>
+              <a:t> </a:t>
             </a:r>
             <a:r>
-              <a:rPr lang="en-GB" sz="1800" dirty="0" smtClean="0">
-                <a:solidFill>
-                  <a:srgbClr val="000000"/>
-                </a:solidFill>
-                <a:latin typeface="Avenir 45 Book"/>
-              </a:rPr>
-              <a:t>necessary </a:t>
+              <a:rPr lang="es-AR" dirty="0" err="1" smtClean="0"/>
+              <a:t>Integration</a:t>
             </a:r>
             <a:r>
-              <a:rPr lang="en-GB" sz="1800" dirty="0" smtClean="0">
-                <a:solidFill>
-                  <a:srgbClr val="000000"/>
-                </a:solidFill>
-                <a:latin typeface="Avenir 45 Book"/>
-                <a:cs typeface="+mn-cs"/>
-              </a:rPr>
-              <a:t>tools to design and develop applications using these practices (How?)</a:t>
-            </a:r>
-            <a:br>
-              <a:rPr lang="en-GB" sz="1800" dirty="0" smtClean="0">
-                <a:solidFill>
-                  <a:srgbClr val="000000"/>
-                </a:solidFill>
-                <a:latin typeface="Avenir 45 Book"/>
-                <a:cs typeface="+mn-cs"/>
-              </a:rPr>
-            </a:br>
-            <a:endParaRPr lang="en-GB" sz="1800" dirty="0" smtClean="0">
-              <a:solidFill>
-                <a:srgbClr val="000000"/>
-              </a:solidFill>
-              <a:latin typeface="Avenir 45 Book"/>
-              <a:cs typeface="+mn-cs"/>
-            </a:endParaRPr>
-          </a:p>
-          <a:p>
-            <a:pPr lvl="0" defTabSz="914363">
-              <a:lnSpc>
-                <a:spcPct val="90000"/>
-              </a:lnSpc>
-              <a:spcBef>
-                <a:spcPts val="0"/>
-              </a:spcBef>
-              <a:spcAft>
-                <a:spcPts val="400"/>
-              </a:spcAft>
-              <a:buClr>
-                <a:schemeClr val="tx1">
-                  <a:lumMod val="75000"/>
-                  <a:lumOff val="25000"/>
-                </a:schemeClr>
-              </a:buClr>
-              <a:buSzPct val="100000"/>
-              <a:buFont typeface="Wingdings" panose="05000000000000000000" pitchFamily="2" charset="2"/>
-              <a:buChar char="ä"/>
-            </a:pPr>
-            <a:r>
-              <a:rPr lang="en-GB" sz="1800" dirty="0" smtClean="0">
-                <a:solidFill>
-                  <a:srgbClr val="000000"/>
-                </a:solidFill>
-                <a:latin typeface="Avenir 45 Book"/>
-                <a:cs typeface="+mn-cs"/>
-              </a:rPr>
-              <a:t>Advantages of using these practices (Why</a:t>
+              <a:rPr lang="es-AR" dirty="0" smtClean="0"/>
+              <a:t>: </a:t>
             </a:r>
             <a:r>
-              <a:rPr lang="en-GB" sz="1800" dirty="0" smtClean="0">
-                <a:solidFill>
-                  <a:srgbClr val="000000"/>
-                </a:solidFill>
-                <a:latin typeface="Avenir 45 Book"/>
-                <a:cs typeface="+mn-cs"/>
-              </a:rPr>
-              <a:t>?)</a:t>
+              <a:rPr lang="es-AR" dirty="0" err="1" smtClean="0"/>
+              <a:t>Tips</a:t>
             </a:r>
-            <a:br>
-              <a:rPr lang="en-GB" sz="1800" dirty="0" smtClean="0">
-                <a:solidFill>
-                  <a:srgbClr val="000000"/>
-                </a:solidFill>
-                <a:latin typeface="Avenir 45 Book"/>
-                <a:cs typeface="+mn-cs"/>
-              </a:rPr>
-            </a:br>
-            <a:endParaRPr lang="en-GB" sz="1800" dirty="0" smtClean="0">
-              <a:solidFill>
-                <a:srgbClr val="000000"/>
-              </a:solidFill>
-              <a:latin typeface="Avenir 45 Book"/>
-              <a:cs typeface="+mn-cs"/>
-            </a:endParaRPr>
-          </a:p>
-          <a:p>
-            <a:pPr lvl="0" defTabSz="914363">
-              <a:lnSpc>
-                <a:spcPct val="90000"/>
-              </a:lnSpc>
-              <a:spcBef>
-                <a:spcPts val="0"/>
-              </a:spcBef>
-              <a:spcAft>
-                <a:spcPts val="400"/>
-              </a:spcAft>
-              <a:buClr>
-                <a:schemeClr val="tx1">
-                  <a:lumMod val="75000"/>
-                  <a:lumOff val="25000"/>
-                </a:schemeClr>
-              </a:buClr>
-              <a:buSzPct val="100000"/>
-              <a:buFont typeface="Wingdings" panose="05000000000000000000" pitchFamily="2" charset="2"/>
-              <a:buChar char="ä"/>
-            </a:pPr>
             <a:r>
-              <a:rPr lang="en-GB" sz="1800" dirty="0" smtClean="0">
-                <a:solidFill>
-                  <a:srgbClr val="000000"/>
-                </a:solidFill>
-                <a:latin typeface="Avenir 45 Book"/>
-                <a:cs typeface="+mn-cs"/>
-              </a:rPr>
-              <a:t>I have inherited non-testable legacy code. Where do I start?</a:t>
+              <a:rPr lang="es-AR" dirty="0" smtClean="0"/>
+              <a:t> &amp; </a:t>
             </a:r>
-            <a:endParaRPr lang="en-GB" sz="1800" dirty="0" smtClean="0">
-              <a:solidFill>
-                <a:srgbClr val="000000"/>
-              </a:solidFill>
-              <a:latin typeface="Avenir 45 Book"/>
-              <a:cs typeface="+mn-cs"/>
-            </a:endParaRPr>
+            <a:r>
+              <a:rPr lang="es-AR" dirty="0" err="1" smtClean="0"/>
+              <a:t>Samples</a:t>
+            </a:r>
+            <a:endParaRPr lang="es-AR" dirty="0"/>
           </a:p>
         </p:txBody>
       </p:sp>
+    </p:spTree>
+    <p:extLst>
+      <p:ext uri="{BB962C8B-B14F-4D97-AF65-F5344CB8AC3E}">
+        <p14:creationId xmlns:p14="http://schemas.microsoft.com/office/powerpoint/2010/main" val="3535486348"/>
+      </p:ext>
+    </p:extLst>
+  </p:cSld>
+  <p:clrMapOvr>
+    <a:masterClrMapping/>
+  </p:clrMapOvr>
+  <p:transition spd="slow">
+    <p:wipe/>
+  </p:transition>
+  <p:timing>
+    <p:tnLst>
+      <p:par>
+        <p:cTn id="1" dur="indefinite" restart="never" nodeType="tmRoot"/>
+      </p:par>
+    </p:tnLst>
+  </p:timing>
+</p:sld>
+</file>
+
+<file path=ppt/slides/slide5.xml><?xml version="1.0" encoding="utf-8"?>
+<p:sld xmlns:a="http://schemas.openxmlformats.org/drawingml/2006/main" xmlns:r="http://schemas.openxmlformats.org/officeDocument/2006/relationships" xmlns:p="http://schemas.openxmlformats.org/presentationml/2006/main">
+  <p:cSld>
+    <p:spTree>
+      <p:nvGrpSpPr>
+        <p:cNvPr id="1" name=""/>
+        <p:cNvGrpSpPr/>
+        <p:nvPr/>
+      </p:nvGrpSpPr>
+      <p:grpSpPr>
+        <a:xfrm>
+          <a:off x="0" y="0"/>
+          <a:ext cx="0" cy="0"/>
+          <a:chOff x="0" y="0"/>
+          <a:chExt cx="0" cy="0"/>
+        </a:xfrm>
+      </p:grpSpPr>
       <p:sp>
         <p:nvSpPr>
           <p:cNvPr id="15" name="Rectangle 14"/>
@@ -24788,8 +26344,8 @@
         </p:nvSpPr>
         <p:spPr>
           <a:xfrm>
-            <a:off x="515937" y="212035"/>
-            <a:ext cx="11013453" cy="615553"/>
+            <a:off x="515937" y="307571"/>
+            <a:ext cx="11013453" cy="430887"/>
           </a:xfrm>
           <a:prstGeom prst="rect">
             <a:avLst/>
@@ -24803,14 +26359,22 @@
           <a:lstStyle/>
           <a:p>
             <a:r>
-              <a:rPr lang="es-AR" sz="4000" dirty="0" err="1" smtClean="0">
+              <a:rPr lang="en-US" sz="2800" dirty="0" smtClean="0">
                 <a:solidFill>
                   <a:schemeClr val="bg1"/>
                 </a:solidFill>
               </a:rPr>
-              <a:t>Objectives</a:t>
+              <a:t>Tip </a:t>
             </a:r>
-            <a:endParaRPr lang="es-AR" sz="4000" dirty="0" smtClean="0">
+            <a:r>
+              <a:rPr lang="en-US" sz="2800" dirty="0">
+                <a:solidFill>
+                  <a:schemeClr val="bg1"/>
+                </a:solidFill>
+              </a:rPr>
+              <a:t>1: Generate creation scripts for DB, Tables, Views, SPs, Functions </a:t>
+            </a:r>
+            <a:endParaRPr lang="es-AR" sz="2800" dirty="0">
               <a:solidFill>
                 <a:schemeClr val="bg1"/>
               </a:solidFill>
@@ -24820,7 +26384,7 @@
       </p:sp>
       <p:pic>
         <p:nvPicPr>
-          <p:cNvPr id="3" name="Imagen 2"/>
+          <p:cNvPr id="2" name="Picture 1"/>
           <p:cNvPicPr>
             <a:picLocks noChangeAspect="1"/>
           </p:cNvPicPr>
@@ -24840,18 +26404,28 @@
         </p:blipFill>
         <p:spPr>
           <a:xfrm>
-            <a:off x="8871502" y="1228035"/>
-            <a:ext cx="3333750" cy="4495800"/>
+            <a:off x="1825388" y="1323571"/>
+            <a:ext cx="8541224" cy="4609748"/>
           </a:xfrm>
           <a:prstGeom prst="rect">
             <a:avLst/>
           </a:prstGeom>
+          <a:ln>
+            <a:noFill/>
+          </a:ln>
+          <a:effectLst>
+            <a:outerShdw blurRad="292100" dist="139700" dir="2700000" algn="tl" rotWithShape="0">
+              <a:srgbClr val="333333">
+                <a:alpha val="65000"/>
+              </a:srgbClr>
+            </a:outerShdw>
+          </a:effectLst>
         </p:spPr>
       </p:pic>
     </p:spTree>
     <p:extLst>
       <p:ext uri="{BB962C8B-B14F-4D97-AF65-F5344CB8AC3E}">
-        <p14:creationId xmlns:p14="http://schemas.microsoft.com/office/powerpoint/2010/main" val="3377119921"/>
+        <p14:creationId xmlns:p14="http://schemas.microsoft.com/office/powerpoint/2010/main" val="3922984433"/>
       </p:ext>
     </p:extLst>
   </p:cSld>
@@ -24871,7 +26445,7 @@
 </p:sld>
 </file>
 
-<file path=ppt/slides/slide4.xml><?xml version="1.0" encoding="utf-8"?>
+<file path=ppt/slides/slide6.xml><?xml version="1.0" encoding="utf-8"?>
 <p:sld xmlns:a="http://schemas.openxmlformats.org/drawingml/2006/main" xmlns:r="http://schemas.openxmlformats.org/officeDocument/2006/relationships" xmlns:p="http://schemas.openxmlformats.org/presentationml/2006/main">
   <p:cSld>
     <p:spTree>
@@ -24888,338 +26462,6 @@
           <a:chExt cx="0" cy="0"/>
         </a:xfrm>
       </p:grpSpPr>
-      <p:sp>
-        <p:nvSpPr>
-          <p:cNvPr id="4" name="Title 3"/>
-          <p:cNvSpPr>
-            <a:spLocks noGrp="1"/>
-          </p:cNvSpPr>
-          <p:nvPr>
-            <p:ph type="ctrTitle"/>
-          </p:nvPr>
-        </p:nvSpPr>
-        <p:spPr/>
-        <p:txBody>
-          <a:bodyPr>
-            <a:normAutofit/>
-          </a:bodyPr>
-          <a:lstStyle/>
-          <a:p>
-            <a:r>
-              <a:rPr lang="es-AR" dirty="0" err="1" smtClean="0"/>
-              <a:t>Database</a:t>
-            </a:r>
-            <a:r>
-              <a:rPr lang="es-AR" dirty="0" smtClean="0"/>
-              <a:t> </a:t>
-            </a:r>
-            <a:r>
-              <a:rPr lang="es-AR" dirty="0" err="1" smtClean="0"/>
-              <a:t>Integration</a:t>
-            </a:r>
-            <a:r>
-              <a:rPr lang="es-AR" dirty="0" smtClean="0"/>
-              <a:t>: </a:t>
-            </a:r>
-            <a:r>
-              <a:rPr lang="es-AR" dirty="0" err="1" smtClean="0"/>
-              <a:t>Tips</a:t>
-            </a:r>
-            <a:r>
-              <a:rPr lang="es-AR" dirty="0" smtClean="0"/>
-              <a:t> </a:t>
-            </a:r>
-            <a:r>
-              <a:rPr lang="es-AR" dirty="0" smtClean="0"/>
-              <a:t>&amp; </a:t>
-            </a:r>
-            <a:r>
-              <a:rPr lang="es-AR" dirty="0" err="1" smtClean="0"/>
-              <a:t>Samples</a:t>
-            </a:r>
-            <a:endParaRPr lang="es-AR" dirty="0"/>
-          </a:p>
-        </p:txBody>
-      </p:sp>
-    </p:spTree>
-    <p:extLst>
-      <p:ext uri="{BB962C8B-B14F-4D97-AF65-F5344CB8AC3E}">
-        <p14:creationId xmlns:p14="http://schemas.microsoft.com/office/powerpoint/2010/main" val="3535486348"/>
-      </p:ext>
-    </p:extLst>
-  </p:cSld>
-  <p:clrMapOvr>
-    <a:masterClrMapping/>
-  </p:clrMapOvr>
-  <p:transition spd="slow">
-    <p:wipe/>
-  </p:transition>
-  <p:timing>
-    <p:tnLst>
-      <p:par>
-        <p:cTn id="1" dur="indefinite" restart="never" nodeType="tmRoot"/>
-      </p:par>
-    </p:tnLst>
-  </p:timing>
-</p:sld>
-</file>
-
-<file path=ppt/slides/slide5.xml><?xml version="1.0" encoding="utf-8"?>
-<p:sld xmlns:a="http://schemas.openxmlformats.org/drawingml/2006/main" xmlns:r="http://schemas.openxmlformats.org/officeDocument/2006/relationships" xmlns:p="http://schemas.openxmlformats.org/presentationml/2006/main">
-  <p:cSld>
-    <p:spTree>
-      <p:nvGrpSpPr>
-        <p:cNvPr id="1" name=""/>
-        <p:cNvGrpSpPr/>
-        <p:nvPr/>
-      </p:nvGrpSpPr>
-      <p:grpSpPr>
-        <a:xfrm>
-          <a:off x="0" y="0"/>
-          <a:ext cx="0" cy="0"/>
-          <a:chOff x="0" y="0"/>
-          <a:chExt cx="0" cy="0"/>
-        </a:xfrm>
-      </p:grpSpPr>
-      <p:sp>
-        <p:nvSpPr>
-          <p:cNvPr id="13" name="Content Placeholder 2"/>
-          <p:cNvSpPr txBox="1">
-            <a:spLocks/>
-          </p:cNvSpPr>
-          <p:nvPr/>
-        </p:nvSpPr>
-        <p:spPr>
-          <a:xfrm>
-            <a:off x="476534" y="1394213"/>
-            <a:ext cx="8142809" cy="4329621"/>
-          </a:xfrm>
-          <a:prstGeom prst="rect">
-            <a:avLst/>
-          </a:prstGeom>
-        </p:spPr>
-        <p:txBody>
-          <a:bodyPr vert="horz" lIns="91440" tIns="45720" rIns="91440" bIns="45720" rtlCol="0">
-            <a:noAutofit/>
-          </a:bodyPr>
-          <a:lstStyle>
-            <a:lvl1pPr marL="273050" marR="0" indent="-273050" algn="l" defTabSz="914400" rtl="0" eaLnBrk="1" fontAlgn="auto" latinLnBrk="0" hangingPunct="1">
-              <a:lnSpc>
-                <a:spcPct val="100000"/>
-              </a:lnSpc>
-              <a:spcBef>
-                <a:spcPts val="1200"/>
-              </a:spcBef>
-              <a:spcAft>
-                <a:spcPts val="0"/>
-              </a:spcAft>
-              <a:buClr>
-                <a:srgbClr val="DA1218"/>
-              </a:buClr>
-              <a:buSzTx/>
-              <a:buFont typeface="Wingdings" pitchFamily="2" charset="2"/>
-              <a:buChar char="§"/>
-              <a:tabLst/>
-              <a:defRPr lang="en-US" sz="2400" kern="1200">
-                <a:solidFill>
-                  <a:schemeClr val="tx1"/>
-                </a:solidFill>
-                <a:latin typeface="Arial" pitchFamily="34" charset="0"/>
-                <a:ea typeface="+mn-ea"/>
-                <a:cs typeface="Arial" pitchFamily="34" charset="0"/>
-              </a:defRPr>
-            </a:lvl1pPr>
-            <a:lvl2pPr marL="628650" marR="0" indent="-355600" algn="l" defTabSz="914400" rtl="0" eaLnBrk="1" fontAlgn="auto" latinLnBrk="0" hangingPunct="1">
-              <a:lnSpc>
-                <a:spcPct val="100000"/>
-              </a:lnSpc>
-              <a:spcBef>
-                <a:spcPct val="20000"/>
-              </a:spcBef>
-              <a:spcAft>
-                <a:spcPts val="0"/>
-              </a:spcAft>
-              <a:buClr>
-                <a:srgbClr val="DA1218"/>
-              </a:buClr>
-              <a:buSzTx/>
-              <a:buFont typeface="Wingdings" pitchFamily="2" charset="2"/>
-              <a:buChar char=""/>
-              <a:tabLst/>
-              <a:defRPr lang="en-US" sz="2000" kern="1200">
-                <a:solidFill>
-                  <a:schemeClr val="tx1"/>
-                </a:solidFill>
-                <a:latin typeface="Arial" pitchFamily="34" charset="0"/>
-                <a:ea typeface="+mn-ea"/>
-                <a:cs typeface="Arial" pitchFamily="34" charset="0"/>
-              </a:defRPr>
-            </a:lvl2pPr>
-            <a:lvl3pPr marL="903288" marR="0" indent="-274638" algn="l" defTabSz="914400" rtl="0" eaLnBrk="1" fontAlgn="auto" latinLnBrk="0" hangingPunct="1">
-              <a:lnSpc>
-                <a:spcPct val="100000"/>
-              </a:lnSpc>
-              <a:spcBef>
-                <a:spcPct val="20000"/>
-              </a:spcBef>
-              <a:spcAft>
-                <a:spcPts val="0"/>
-              </a:spcAft>
-              <a:buClr>
-                <a:srgbClr val="DA1218"/>
-              </a:buClr>
-              <a:buSzTx/>
-              <a:buFont typeface="Wingdings" pitchFamily="2" charset="2"/>
-              <a:buChar char="ü"/>
-              <a:tabLst/>
-              <a:defRPr lang="en-US" sz="1800" kern="1200">
-                <a:solidFill>
-                  <a:schemeClr val="tx1"/>
-                </a:solidFill>
-                <a:latin typeface="Arial" pitchFamily="34" charset="0"/>
-                <a:ea typeface="+mn-ea"/>
-                <a:cs typeface="Arial" pitchFamily="34" charset="0"/>
-              </a:defRPr>
-            </a:lvl3pPr>
-            <a:lvl4pPr marL="1081088" marR="0" indent="-177800" algn="l" defTabSz="914400" rtl="0" eaLnBrk="1" fontAlgn="auto" latinLnBrk="0" hangingPunct="1">
-              <a:lnSpc>
-                <a:spcPct val="100000"/>
-              </a:lnSpc>
-              <a:spcBef>
-                <a:spcPct val="20000"/>
-              </a:spcBef>
-              <a:spcAft>
-                <a:spcPts val="0"/>
-              </a:spcAft>
-              <a:buClr>
-                <a:srgbClr val="DA1218"/>
-              </a:buClr>
-              <a:buSzTx/>
-              <a:buFont typeface="Arial" pitchFamily="34" charset="0"/>
-              <a:buChar char="•"/>
-              <a:tabLst/>
-              <a:defRPr lang="en-US" sz="1600" kern="1200">
-                <a:solidFill>
-                  <a:schemeClr val="tx1"/>
-                </a:solidFill>
-                <a:latin typeface="Arial" pitchFamily="34" charset="0"/>
-                <a:ea typeface="+mn-ea"/>
-                <a:cs typeface="Arial" pitchFamily="34" charset="0"/>
-              </a:defRPr>
-            </a:lvl4pPr>
-            <a:lvl5pPr marL="1258888" marR="0" indent="-177800" algn="l" defTabSz="914400" rtl="0" eaLnBrk="1" fontAlgn="auto" latinLnBrk="0" hangingPunct="1">
-              <a:lnSpc>
-                <a:spcPct val="100000"/>
-              </a:lnSpc>
-              <a:spcBef>
-                <a:spcPct val="20000"/>
-              </a:spcBef>
-              <a:spcAft>
-                <a:spcPts val="0"/>
-              </a:spcAft>
-              <a:buClr>
-                <a:srgbClr val="DA1218"/>
-              </a:buClr>
-              <a:buSzPct val="100000"/>
-              <a:buFont typeface="Courier New" pitchFamily="49" charset="0"/>
-              <a:buChar char="o"/>
-              <a:tabLst/>
-              <a:defRPr lang="es-AR" sz="1400" kern="1200">
-                <a:solidFill>
-                  <a:schemeClr val="tx1"/>
-                </a:solidFill>
-                <a:latin typeface="Arial" pitchFamily="34" charset="0"/>
-                <a:ea typeface="+mn-ea"/>
-                <a:cs typeface="Arial" pitchFamily="34" charset="0"/>
-              </a:defRPr>
-            </a:lvl5pPr>
-            <a:lvl6pPr marL="2514600" indent="-228600" algn="l" defTabSz="914400" rtl="0" eaLnBrk="1" latinLnBrk="0" hangingPunct="1">
-              <a:spcBef>
-                <a:spcPct val="20000"/>
-              </a:spcBef>
-              <a:buFont typeface="Arial" pitchFamily="34" charset="0"/>
-              <a:buChar char="•"/>
-              <a:defRPr sz="2000" kern="1200">
-                <a:solidFill>
-                  <a:schemeClr val="tx1"/>
-                </a:solidFill>
-                <a:latin typeface="+mn-lt"/>
-                <a:ea typeface="+mn-ea"/>
-                <a:cs typeface="+mn-cs"/>
-              </a:defRPr>
-            </a:lvl6pPr>
-            <a:lvl7pPr marL="2971800" indent="-228600" algn="l" defTabSz="914400" rtl="0" eaLnBrk="1" latinLnBrk="0" hangingPunct="1">
-              <a:spcBef>
-                <a:spcPct val="20000"/>
-              </a:spcBef>
-              <a:buFont typeface="Arial" pitchFamily="34" charset="0"/>
-              <a:buChar char="•"/>
-              <a:defRPr sz="2000" kern="1200">
-                <a:solidFill>
-                  <a:schemeClr val="tx1"/>
-                </a:solidFill>
-                <a:latin typeface="+mn-lt"/>
-                <a:ea typeface="+mn-ea"/>
-                <a:cs typeface="+mn-cs"/>
-              </a:defRPr>
-            </a:lvl7pPr>
-            <a:lvl8pPr marL="3429000" indent="-228600" algn="l" defTabSz="914400" rtl="0" eaLnBrk="1" latinLnBrk="0" hangingPunct="1">
-              <a:spcBef>
-                <a:spcPct val="20000"/>
-              </a:spcBef>
-              <a:buFont typeface="Arial" pitchFamily="34" charset="0"/>
-              <a:buChar char="•"/>
-              <a:defRPr sz="2000" kern="1200">
-                <a:solidFill>
-                  <a:schemeClr val="tx1"/>
-                </a:solidFill>
-                <a:latin typeface="+mn-lt"/>
-                <a:ea typeface="+mn-ea"/>
-                <a:cs typeface="+mn-cs"/>
-              </a:defRPr>
-            </a:lvl8pPr>
-            <a:lvl9pPr marL="3886200" indent="-228600" algn="l" defTabSz="914400" rtl="0" eaLnBrk="1" latinLnBrk="0" hangingPunct="1">
-              <a:spcBef>
-                <a:spcPct val="20000"/>
-              </a:spcBef>
-              <a:buFont typeface="Arial" pitchFamily="34" charset="0"/>
-              <a:buChar char="•"/>
-              <a:defRPr sz="2000" kern="1200">
-                <a:solidFill>
-                  <a:schemeClr val="tx1"/>
-                </a:solidFill>
-                <a:latin typeface="+mn-lt"/>
-                <a:ea typeface="+mn-ea"/>
-                <a:cs typeface="+mn-cs"/>
-              </a:defRPr>
-            </a:lvl9pPr>
-          </a:lstStyle>
-          <a:p>
-            <a:pPr marL="0" indent="0">
-              <a:buClrTx/>
-            </a:pPr>
-            <a:r>
-              <a:rPr lang="en-GB" sz="2000" b="1" dirty="0" smtClean="0">
-                <a:latin typeface="+mn-lt"/>
-              </a:rPr>
-              <a:t> </a:t>
-            </a:r>
-            <a:r>
-              <a:rPr lang="en-GB" sz="2000" dirty="0" err="1" smtClean="0">
-                <a:latin typeface="+mn-lt"/>
-              </a:rPr>
-              <a:t>Abcdefghi</a:t>
-            </a:r>
-            <a:endParaRPr lang="es-AR" sz="1600" b="1" dirty="0">
-              <a:solidFill>
-                <a:srgbClr val="000000"/>
-              </a:solidFill>
-              <a:latin typeface="Avenir 45 Book"/>
-              <a:cs typeface="+mn-cs"/>
-            </a:endParaRPr>
-          </a:p>
-        </p:txBody>
-      </p:sp>
       <p:sp>
         <p:nvSpPr>
           <p:cNvPr id="15" name="Rectangle 14"/>
@@ -25356,10 +26598,50 @@
           </a:p>
         </p:txBody>
       </p:sp>
+      <p:pic>
+        <p:nvPicPr>
+          <p:cNvPr id="3" name="Picture 2"/>
+          <p:cNvPicPr>
+            <a:picLocks noChangeAspect="1"/>
+          </p:cNvPicPr>
+          <p:nvPr/>
+        </p:nvPicPr>
+        <p:blipFill>
+          <a:blip r:embed="rId2">
+            <a:extLst>
+              <a:ext uri="{28A0092B-C50C-407E-A947-70E740481C1C}">
+                <a14:useLocalDpi xmlns:a14="http://schemas.microsoft.com/office/drawing/2010/main" val="0"/>
+              </a:ext>
+            </a:extLst>
+          </a:blip>
+          <a:stretch>
+            <a:fillRect/>
+          </a:stretch>
+        </p:blipFill>
+        <p:spPr>
+          <a:xfrm>
+            <a:off x="3428871" y="1201003"/>
+            <a:ext cx="5178241" cy="4815977"/>
+          </a:xfrm>
+          <a:prstGeom prst="rect">
+            <a:avLst/>
+          </a:prstGeom>
+          <a:ln>
+            <a:noFill/>
+          </a:ln>
+          <a:effectLst>
+            <a:outerShdw blurRad="292100" dist="139700" dir="2700000" algn="tl" rotWithShape="0">
+              <a:srgbClr val="333333">
+                <a:alpha val="65000"/>
+              </a:srgbClr>
+            </a:outerShdw>
+          </a:effectLst>
+        </p:spPr>
+      </p:pic>
     </p:spTree>
     <p:extLst>
       <p:ext uri="{BB962C8B-B14F-4D97-AF65-F5344CB8AC3E}">
-        <p14:creationId xmlns:p14="http://schemas.microsoft.com/office/powerpoint/2010/main" val="3922984433"/>
+        <p14:creationId xmlns:p14="http://schemas.microsoft.com/office/powerpoint/2010/main" val="3538728426"/>
       </p:ext>
     </p:extLst>
   </p:cSld>
@@ -25379,7 +26661,7 @@
 </p:sld>
 </file>
 
-<file path=ppt/slides/slide6.xml><?xml version="1.0" encoding="utf-8"?>
+<file path=ppt/slides/slide7.xml><?xml version="1.0" encoding="utf-8"?>
 <p:sld xmlns:a="http://schemas.openxmlformats.org/drawingml/2006/main" xmlns:r="http://schemas.openxmlformats.org/officeDocument/2006/relationships" xmlns:p="http://schemas.openxmlformats.org/presentationml/2006/main">
   <p:cSld>
     <p:spTree>
@@ -25396,245 +26678,6 @@
           <a:chExt cx="0" cy="0"/>
         </a:xfrm>
       </p:grpSpPr>
-      <p:sp>
-        <p:nvSpPr>
-          <p:cNvPr id="13" name="Content Placeholder 2"/>
-          <p:cNvSpPr txBox="1">
-            <a:spLocks/>
-          </p:cNvSpPr>
-          <p:nvPr/>
-        </p:nvSpPr>
-        <p:spPr>
-          <a:xfrm>
-            <a:off x="476534" y="1394213"/>
-            <a:ext cx="8142809" cy="4329621"/>
-          </a:xfrm>
-          <a:prstGeom prst="rect">
-            <a:avLst/>
-          </a:prstGeom>
-        </p:spPr>
-        <p:txBody>
-          <a:bodyPr vert="horz" lIns="91440" tIns="45720" rIns="91440" bIns="45720" rtlCol="0">
-            <a:noAutofit/>
-          </a:bodyPr>
-          <a:lstStyle>
-            <a:lvl1pPr marL="273050" marR="0" indent="-273050" algn="l" defTabSz="914400" rtl="0" eaLnBrk="1" fontAlgn="auto" latinLnBrk="0" hangingPunct="1">
-              <a:lnSpc>
-                <a:spcPct val="100000"/>
-              </a:lnSpc>
-              <a:spcBef>
-                <a:spcPts val="1200"/>
-              </a:spcBef>
-              <a:spcAft>
-                <a:spcPts val="0"/>
-              </a:spcAft>
-              <a:buClr>
-                <a:srgbClr val="DA1218"/>
-              </a:buClr>
-              <a:buSzTx/>
-              <a:buFont typeface="Wingdings" pitchFamily="2" charset="2"/>
-              <a:buChar char="§"/>
-              <a:tabLst/>
-              <a:defRPr lang="en-US" sz="2400" kern="1200">
-                <a:solidFill>
-                  <a:schemeClr val="tx1"/>
-                </a:solidFill>
-                <a:latin typeface="Arial" pitchFamily="34" charset="0"/>
-                <a:ea typeface="+mn-ea"/>
-                <a:cs typeface="Arial" pitchFamily="34" charset="0"/>
-              </a:defRPr>
-            </a:lvl1pPr>
-            <a:lvl2pPr marL="628650" marR="0" indent="-355600" algn="l" defTabSz="914400" rtl="0" eaLnBrk="1" fontAlgn="auto" latinLnBrk="0" hangingPunct="1">
-              <a:lnSpc>
-                <a:spcPct val="100000"/>
-              </a:lnSpc>
-              <a:spcBef>
-                <a:spcPct val="20000"/>
-              </a:spcBef>
-              <a:spcAft>
-                <a:spcPts val="0"/>
-              </a:spcAft>
-              <a:buClr>
-                <a:srgbClr val="DA1218"/>
-              </a:buClr>
-              <a:buSzTx/>
-              <a:buFont typeface="Wingdings" pitchFamily="2" charset="2"/>
-              <a:buChar char=""/>
-              <a:tabLst/>
-              <a:defRPr lang="en-US" sz="2000" kern="1200">
-                <a:solidFill>
-                  <a:schemeClr val="tx1"/>
-                </a:solidFill>
-                <a:latin typeface="Arial" pitchFamily="34" charset="0"/>
-                <a:ea typeface="+mn-ea"/>
-                <a:cs typeface="Arial" pitchFamily="34" charset="0"/>
-              </a:defRPr>
-            </a:lvl2pPr>
-            <a:lvl3pPr marL="903288" marR="0" indent="-274638" algn="l" defTabSz="914400" rtl="0" eaLnBrk="1" fontAlgn="auto" latinLnBrk="0" hangingPunct="1">
-              <a:lnSpc>
-                <a:spcPct val="100000"/>
-              </a:lnSpc>
-              <a:spcBef>
-                <a:spcPct val="20000"/>
-              </a:spcBef>
-              <a:spcAft>
-                <a:spcPts val="0"/>
-              </a:spcAft>
-              <a:buClr>
-                <a:srgbClr val="DA1218"/>
-              </a:buClr>
-              <a:buSzTx/>
-              <a:buFont typeface="Wingdings" pitchFamily="2" charset="2"/>
-              <a:buChar char="ü"/>
-              <a:tabLst/>
-              <a:defRPr lang="en-US" sz="1800" kern="1200">
-                <a:solidFill>
-                  <a:schemeClr val="tx1"/>
-                </a:solidFill>
-                <a:latin typeface="Arial" pitchFamily="34" charset="0"/>
-                <a:ea typeface="+mn-ea"/>
-                <a:cs typeface="Arial" pitchFamily="34" charset="0"/>
-              </a:defRPr>
-            </a:lvl3pPr>
-            <a:lvl4pPr marL="1081088" marR="0" indent="-177800" algn="l" defTabSz="914400" rtl="0" eaLnBrk="1" fontAlgn="auto" latinLnBrk="0" hangingPunct="1">
-              <a:lnSpc>
-                <a:spcPct val="100000"/>
-              </a:lnSpc>
-              <a:spcBef>
-                <a:spcPct val="20000"/>
-              </a:spcBef>
-              <a:spcAft>
-                <a:spcPts val="0"/>
-              </a:spcAft>
-              <a:buClr>
-                <a:srgbClr val="DA1218"/>
-              </a:buClr>
-              <a:buSzTx/>
-              <a:buFont typeface="Arial" pitchFamily="34" charset="0"/>
-              <a:buChar char="•"/>
-              <a:tabLst/>
-              <a:defRPr lang="en-US" sz="1600" kern="1200">
-                <a:solidFill>
-                  <a:schemeClr val="tx1"/>
-                </a:solidFill>
-                <a:latin typeface="Arial" pitchFamily="34" charset="0"/>
-                <a:ea typeface="+mn-ea"/>
-                <a:cs typeface="Arial" pitchFamily="34" charset="0"/>
-              </a:defRPr>
-            </a:lvl4pPr>
-            <a:lvl5pPr marL="1258888" marR="0" indent="-177800" algn="l" defTabSz="914400" rtl="0" eaLnBrk="1" fontAlgn="auto" latinLnBrk="0" hangingPunct="1">
-              <a:lnSpc>
-                <a:spcPct val="100000"/>
-              </a:lnSpc>
-              <a:spcBef>
-                <a:spcPct val="20000"/>
-              </a:spcBef>
-              <a:spcAft>
-                <a:spcPts val="0"/>
-              </a:spcAft>
-              <a:buClr>
-                <a:srgbClr val="DA1218"/>
-              </a:buClr>
-              <a:buSzPct val="100000"/>
-              <a:buFont typeface="Courier New" pitchFamily="49" charset="0"/>
-              <a:buChar char="o"/>
-              <a:tabLst/>
-              <a:defRPr lang="es-AR" sz="1400" kern="1200">
-                <a:solidFill>
-                  <a:schemeClr val="tx1"/>
-                </a:solidFill>
-                <a:latin typeface="Arial" pitchFamily="34" charset="0"/>
-                <a:ea typeface="+mn-ea"/>
-                <a:cs typeface="Arial" pitchFamily="34" charset="0"/>
-              </a:defRPr>
-            </a:lvl5pPr>
-            <a:lvl6pPr marL="2514600" indent="-228600" algn="l" defTabSz="914400" rtl="0" eaLnBrk="1" latinLnBrk="0" hangingPunct="1">
-              <a:spcBef>
-                <a:spcPct val="20000"/>
-              </a:spcBef>
-              <a:buFont typeface="Arial" pitchFamily="34" charset="0"/>
-              <a:buChar char="•"/>
-              <a:defRPr sz="2000" kern="1200">
-                <a:solidFill>
-                  <a:schemeClr val="tx1"/>
-                </a:solidFill>
-                <a:latin typeface="+mn-lt"/>
-                <a:ea typeface="+mn-ea"/>
-                <a:cs typeface="+mn-cs"/>
-              </a:defRPr>
-            </a:lvl6pPr>
-            <a:lvl7pPr marL="2971800" indent="-228600" algn="l" defTabSz="914400" rtl="0" eaLnBrk="1" latinLnBrk="0" hangingPunct="1">
-              <a:spcBef>
-                <a:spcPct val="20000"/>
-              </a:spcBef>
-              <a:buFont typeface="Arial" pitchFamily="34" charset="0"/>
-              <a:buChar char="•"/>
-              <a:defRPr sz="2000" kern="1200">
-                <a:solidFill>
-                  <a:schemeClr val="tx1"/>
-                </a:solidFill>
-                <a:latin typeface="+mn-lt"/>
-                <a:ea typeface="+mn-ea"/>
-                <a:cs typeface="+mn-cs"/>
-              </a:defRPr>
-            </a:lvl7pPr>
-            <a:lvl8pPr marL="3429000" indent="-228600" algn="l" defTabSz="914400" rtl="0" eaLnBrk="1" latinLnBrk="0" hangingPunct="1">
-              <a:spcBef>
-                <a:spcPct val="20000"/>
-              </a:spcBef>
-              <a:buFont typeface="Arial" pitchFamily="34" charset="0"/>
-              <a:buChar char="•"/>
-              <a:defRPr sz="2000" kern="1200">
-                <a:solidFill>
-                  <a:schemeClr val="tx1"/>
-                </a:solidFill>
-                <a:latin typeface="+mn-lt"/>
-                <a:ea typeface="+mn-ea"/>
-                <a:cs typeface="+mn-cs"/>
-              </a:defRPr>
-            </a:lvl8pPr>
-            <a:lvl9pPr marL="3886200" indent="-228600" algn="l" defTabSz="914400" rtl="0" eaLnBrk="1" latinLnBrk="0" hangingPunct="1">
-              <a:spcBef>
-                <a:spcPct val="20000"/>
-              </a:spcBef>
-              <a:buFont typeface="Arial" pitchFamily="34" charset="0"/>
-              <a:buChar char="•"/>
-              <a:defRPr sz="2000" kern="1200">
-                <a:solidFill>
-                  <a:schemeClr val="tx1"/>
-                </a:solidFill>
-                <a:latin typeface="+mn-lt"/>
-                <a:ea typeface="+mn-ea"/>
-                <a:cs typeface="+mn-cs"/>
-              </a:defRPr>
-            </a:lvl9pPr>
-          </a:lstStyle>
-          <a:p>
-            <a:pPr marL="0" indent="0">
-              <a:buClrTx/>
-            </a:pPr>
-            <a:r>
-              <a:rPr lang="en-GB" sz="2000" b="1" dirty="0" smtClean="0">
-                <a:latin typeface="+mn-lt"/>
-              </a:rPr>
-              <a:t> </a:t>
-            </a:r>
-            <a:r>
-              <a:rPr lang="en-GB" sz="2000" dirty="0" err="1" smtClean="0">
-                <a:latin typeface="+mn-lt"/>
-              </a:rPr>
-              <a:t>Abcdefghi</a:t>
-            </a:r>
-            <a:endParaRPr lang="es-AR" sz="1600" b="1" dirty="0">
-              <a:solidFill>
-                <a:srgbClr val="000000"/>
-              </a:solidFill>
-              <a:latin typeface="Avenir 45 Book"/>
-              <a:cs typeface="+mn-cs"/>
-            </a:endParaRPr>
-          </a:p>
-        </p:txBody>
-      </p:sp>
       <p:sp>
         <p:nvSpPr>
           <p:cNvPr id="15" name="Rectangle 14"/>
@@ -25733,8 +26776,8 @@
         </p:nvSpPr>
         <p:spPr>
           <a:xfrm>
-            <a:off x="515937" y="212035"/>
-            <a:ext cx="11013453" cy="553998"/>
+            <a:off x="515937" y="307571"/>
+            <a:ext cx="11013453" cy="430887"/>
           </a:xfrm>
           <a:prstGeom prst="rect">
             <a:avLst/>
@@ -25748,7 +26791,7 @@
           <a:lstStyle/>
           <a:p>
             <a:r>
-              <a:rPr lang="en-US" sz="3600" dirty="0" smtClean="0">
+              <a:rPr lang="en-US" sz="2800" dirty="0" smtClean="0">
                 <a:solidFill>
                   <a:schemeClr val="bg1"/>
                 </a:solidFill>
@@ -25756,14 +26799,14 @@
               <a:t>Tip </a:t>
             </a:r>
             <a:r>
-              <a:rPr lang="en-US" sz="3600" dirty="0">
+              <a:rPr lang="en-US" sz="2800" dirty="0">
                 <a:solidFill>
                   <a:schemeClr val="bg1"/>
                 </a:solidFill>
               </a:rPr>
-              <a:t>2: Generate “master” data insertion scripts</a:t>
+              <a:t>1: Generate creation scripts for DB, Tables, Views, SPs, Functions </a:t>
             </a:r>
-            <a:endParaRPr lang="es-AR" sz="3600" dirty="0">
+            <a:endParaRPr lang="es-AR" sz="2800" dirty="0">
               <a:solidFill>
                 <a:schemeClr val="bg1"/>
               </a:solidFill>
@@ -25771,10 +26814,50 @@
           </a:p>
         </p:txBody>
       </p:sp>
+      <p:pic>
+        <p:nvPicPr>
+          <p:cNvPr id="3" name="Picture 2"/>
+          <p:cNvPicPr>
+            <a:picLocks noChangeAspect="1"/>
+          </p:cNvPicPr>
+          <p:nvPr/>
+        </p:nvPicPr>
+        <p:blipFill>
+          <a:blip r:embed="rId2">
+            <a:extLst>
+              <a:ext uri="{28A0092B-C50C-407E-A947-70E740481C1C}">
+                <a14:useLocalDpi xmlns:a14="http://schemas.microsoft.com/office/drawing/2010/main" val="0"/>
+              </a:ext>
+            </a:extLst>
+          </a:blip>
+          <a:stretch>
+            <a:fillRect/>
+          </a:stretch>
+        </p:blipFill>
+        <p:spPr>
+          <a:xfrm>
+            <a:off x="3387008" y="1201003"/>
+            <a:ext cx="5428625" cy="5048844"/>
+          </a:xfrm>
+          <a:prstGeom prst="rect">
+            <a:avLst/>
+          </a:prstGeom>
+          <a:ln>
+            <a:noFill/>
+          </a:ln>
+          <a:effectLst>
+            <a:outerShdw blurRad="292100" dist="139700" dir="2700000" algn="tl" rotWithShape="0">
+              <a:srgbClr val="333333">
+                <a:alpha val="65000"/>
+              </a:srgbClr>
+            </a:outerShdw>
+          </a:effectLst>
+        </p:spPr>
+      </p:pic>
     </p:spTree>
     <p:extLst>
       <p:ext uri="{BB962C8B-B14F-4D97-AF65-F5344CB8AC3E}">
-        <p14:creationId xmlns:p14="http://schemas.microsoft.com/office/powerpoint/2010/main" val="1550565963"/>
+        <p14:creationId xmlns:p14="http://schemas.microsoft.com/office/powerpoint/2010/main" val="1671637086"/>
       </p:ext>
     </p:extLst>
   </p:cSld>
@@ -25794,7 +26877,7 @@
 </p:sld>
 </file>
 
-<file path=ppt/slides/slide7.xml><?xml version="1.0" encoding="utf-8"?>
+<file path=ppt/slides/slide8.xml><?xml version="1.0" encoding="utf-8"?>
 <p:sld xmlns:a="http://schemas.openxmlformats.org/drawingml/2006/main" xmlns:r="http://schemas.openxmlformats.org/officeDocument/2006/relationships" xmlns:p="http://schemas.openxmlformats.org/presentationml/2006/main">
   <p:cSld>
     <p:spTree>
@@ -25811,245 +26894,6 @@
           <a:chExt cx="0" cy="0"/>
         </a:xfrm>
       </p:grpSpPr>
-      <p:sp>
-        <p:nvSpPr>
-          <p:cNvPr id="13" name="Content Placeholder 2"/>
-          <p:cNvSpPr txBox="1">
-            <a:spLocks/>
-          </p:cNvSpPr>
-          <p:nvPr/>
-        </p:nvSpPr>
-        <p:spPr>
-          <a:xfrm>
-            <a:off x="476534" y="1394213"/>
-            <a:ext cx="8142809" cy="4329621"/>
-          </a:xfrm>
-          <a:prstGeom prst="rect">
-            <a:avLst/>
-          </a:prstGeom>
-        </p:spPr>
-        <p:txBody>
-          <a:bodyPr vert="horz" lIns="91440" tIns="45720" rIns="91440" bIns="45720" rtlCol="0">
-            <a:noAutofit/>
-          </a:bodyPr>
-          <a:lstStyle>
-            <a:lvl1pPr marL="273050" marR="0" indent="-273050" algn="l" defTabSz="914400" rtl="0" eaLnBrk="1" fontAlgn="auto" latinLnBrk="0" hangingPunct="1">
-              <a:lnSpc>
-                <a:spcPct val="100000"/>
-              </a:lnSpc>
-              <a:spcBef>
-                <a:spcPts val="1200"/>
-              </a:spcBef>
-              <a:spcAft>
-                <a:spcPts val="0"/>
-              </a:spcAft>
-              <a:buClr>
-                <a:srgbClr val="DA1218"/>
-              </a:buClr>
-              <a:buSzTx/>
-              <a:buFont typeface="Wingdings" pitchFamily="2" charset="2"/>
-              <a:buChar char="§"/>
-              <a:tabLst/>
-              <a:defRPr lang="en-US" sz="2400" kern="1200">
-                <a:solidFill>
-                  <a:schemeClr val="tx1"/>
-                </a:solidFill>
-                <a:latin typeface="Arial" pitchFamily="34" charset="0"/>
-                <a:ea typeface="+mn-ea"/>
-                <a:cs typeface="Arial" pitchFamily="34" charset="0"/>
-              </a:defRPr>
-            </a:lvl1pPr>
-            <a:lvl2pPr marL="628650" marR="0" indent="-355600" algn="l" defTabSz="914400" rtl="0" eaLnBrk="1" fontAlgn="auto" latinLnBrk="0" hangingPunct="1">
-              <a:lnSpc>
-                <a:spcPct val="100000"/>
-              </a:lnSpc>
-              <a:spcBef>
-                <a:spcPct val="20000"/>
-              </a:spcBef>
-              <a:spcAft>
-                <a:spcPts val="0"/>
-              </a:spcAft>
-              <a:buClr>
-                <a:srgbClr val="DA1218"/>
-              </a:buClr>
-              <a:buSzTx/>
-              <a:buFont typeface="Wingdings" pitchFamily="2" charset="2"/>
-              <a:buChar char=""/>
-              <a:tabLst/>
-              <a:defRPr lang="en-US" sz="2000" kern="1200">
-                <a:solidFill>
-                  <a:schemeClr val="tx1"/>
-                </a:solidFill>
-                <a:latin typeface="Arial" pitchFamily="34" charset="0"/>
-                <a:ea typeface="+mn-ea"/>
-                <a:cs typeface="Arial" pitchFamily="34" charset="0"/>
-              </a:defRPr>
-            </a:lvl2pPr>
-            <a:lvl3pPr marL="903288" marR="0" indent="-274638" algn="l" defTabSz="914400" rtl="0" eaLnBrk="1" fontAlgn="auto" latinLnBrk="0" hangingPunct="1">
-              <a:lnSpc>
-                <a:spcPct val="100000"/>
-              </a:lnSpc>
-              <a:spcBef>
-                <a:spcPct val="20000"/>
-              </a:spcBef>
-              <a:spcAft>
-                <a:spcPts val="0"/>
-              </a:spcAft>
-              <a:buClr>
-                <a:srgbClr val="DA1218"/>
-              </a:buClr>
-              <a:buSzTx/>
-              <a:buFont typeface="Wingdings" pitchFamily="2" charset="2"/>
-              <a:buChar char="ü"/>
-              <a:tabLst/>
-              <a:defRPr lang="en-US" sz="1800" kern="1200">
-                <a:solidFill>
-                  <a:schemeClr val="tx1"/>
-                </a:solidFill>
-                <a:latin typeface="Arial" pitchFamily="34" charset="0"/>
-                <a:ea typeface="+mn-ea"/>
-                <a:cs typeface="Arial" pitchFamily="34" charset="0"/>
-              </a:defRPr>
-            </a:lvl3pPr>
-            <a:lvl4pPr marL="1081088" marR="0" indent="-177800" algn="l" defTabSz="914400" rtl="0" eaLnBrk="1" fontAlgn="auto" latinLnBrk="0" hangingPunct="1">
-              <a:lnSpc>
-                <a:spcPct val="100000"/>
-              </a:lnSpc>
-              <a:spcBef>
-                <a:spcPct val="20000"/>
-              </a:spcBef>
-              <a:spcAft>
-                <a:spcPts val="0"/>
-              </a:spcAft>
-              <a:buClr>
-                <a:srgbClr val="DA1218"/>
-              </a:buClr>
-              <a:buSzTx/>
-              <a:buFont typeface="Arial" pitchFamily="34" charset="0"/>
-              <a:buChar char="•"/>
-              <a:tabLst/>
-              <a:defRPr lang="en-US" sz="1600" kern="1200">
-                <a:solidFill>
-                  <a:schemeClr val="tx1"/>
-                </a:solidFill>
-                <a:latin typeface="Arial" pitchFamily="34" charset="0"/>
-                <a:ea typeface="+mn-ea"/>
-                <a:cs typeface="Arial" pitchFamily="34" charset="0"/>
-              </a:defRPr>
-            </a:lvl4pPr>
-            <a:lvl5pPr marL="1258888" marR="0" indent="-177800" algn="l" defTabSz="914400" rtl="0" eaLnBrk="1" fontAlgn="auto" latinLnBrk="0" hangingPunct="1">
-              <a:lnSpc>
-                <a:spcPct val="100000"/>
-              </a:lnSpc>
-              <a:spcBef>
-                <a:spcPct val="20000"/>
-              </a:spcBef>
-              <a:spcAft>
-                <a:spcPts val="0"/>
-              </a:spcAft>
-              <a:buClr>
-                <a:srgbClr val="DA1218"/>
-              </a:buClr>
-              <a:buSzPct val="100000"/>
-              <a:buFont typeface="Courier New" pitchFamily="49" charset="0"/>
-              <a:buChar char="o"/>
-              <a:tabLst/>
-              <a:defRPr lang="es-AR" sz="1400" kern="1200">
-                <a:solidFill>
-                  <a:schemeClr val="tx1"/>
-                </a:solidFill>
-                <a:latin typeface="Arial" pitchFamily="34" charset="0"/>
-                <a:ea typeface="+mn-ea"/>
-                <a:cs typeface="Arial" pitchFamily="34" charset="0"/>
-              </a:defRPr>
-            </a:lvl5pPr>
-            <a:lvl6pPr marL="2514600" indent="-228600" algn="l" defTabSz="914400" rtl="0" eaLnBrk="1" latinLnBrk="0" hangingPunct="1">
-              <a:spcBef>
-                <a:spcPct val="20000"/>
-              </a:spcBef>
-              <a:buFont typeface="Arial" pitchFamily="34" charset="0"/>
-              <a:buChar char="•"/>
-              <a:defRPr sz="2000" kern="1200">
-                <a:solidFill>
-                  <a:schemeClr val="tx1"/>
-                </a:solidFill>
-                <a:latin typeface="+mn-lt"/>
-                <a:ea typeface="+mn-ea"/>
-                <a:cs typeface="+mn-cs"/>
-              </a:defRPr>
-            </a:lvl6pPr>
-            <a:lvl7pPr marL="2971800" indent="-228600" algn="l" defTabSz="914400" rtl="0" eaLnBrk="1" latinLnBrk="0" hangingPunct="1">
-              <a:spcBef>
-                <a:spcPct val="20000"/>
-              </a:spcBef>
-              <a:buFont typeface="Arial" pitchFamily="34" charset="0"/>
-              <a:buChar char="•"/>
-              <a:defRPr sz="2000" kern="1200">
-                <a:solidFill>
-                  <a:schemeClr val="tx1"/>
-                </a:solidFill>
-                <a:latin typeface="+mn-lt"/>
-                <a:ea typeface="+mn-ea"/>
-                <a:cs typeface="+mn-cs"/>
-              </a:defRPr>
-            </a:lvl7pPr>
-            <a:lvl8pPr marL="3429000" indent="-228600" algn="l" defTabSz="914400" rtl="0" eaLnBrk="1" latinLnBrk="0" hangingPunct="1">
-              <a:spcBef>
-                <a:spcPct val="20000"/>
-              </a:spcBef>
-              <a:buFont typeface="Arial" pitchFamily="34" charset="0"/>
-              <a:buChar char="•"/>
-              <a:defRPr sz="2000" kern="1200">
-                <a:solidFill>
-                  <a:schemeClr val="tx1"/>
-                </a:solidFill>
-                <a:latin typeface="+mn-lt"/>
-                <a:ea typeface="+mn-ea"/>
-                <a:cs typeface="+mn-cs"/>
-              </a:defRPr>
-            </a:lvl8pPr>
-            <a:lvl9pPr marL="3886200" indent="-228600" algn="l" defTabSz="914400" rtl="0" eaLnBrk="1" latinLnBrk="0" hangingPunct="1">
-              <a:spcBef>
-                <a:spcPct val="20000"/>
-              </a:spcBef>
-              <a:buFont typeface="Arial" pitchFamily="34" charset="0"/>
-              <a:buChar char="•"/>
-              <a:defRPr sz="2000" kern="1200">
-                <a:solidFill>
-                  <a:schemeClr val="tx1"/>
-                </a:solidFill>
-                <a:latin typeface="+mn-lt"/>
-                <a:ea typeface="+mn-ea"/>
-                <a:cs typeface="+mn-cs"/>
-              </a:defRPr>
-            </a:lvl9pPr>
-          </a:lstStyle>
-          <a:p>
-            <a:pPr marL="0" indent="0">
-              <a:buClrTx/>
-            </a:pPr>
-            <a:r>
-              <a:rPr lang="en-GB" sz="2000" b="1" dirty="0" smtClean="0">
-                <a:latin typeface="+mn-lt"/>
-              </a:rPr>
-              <a:t> </a:t>
-            </a:r>
-            <a:r>
-              <a:rPr lang="en-GB" sz="2000" dirty="0" err="1" smtClean="0">
-                <a:latin typeface="+mn-lt"/>
-              </a:rPr>
-              <a:t>Abcdefghi</a:t>
-            </a:r>
-            <a:endParaRPr lang="es-AR" sz="1600" b="1" dirty="0">
-              <a:solidFill>
-                <a:srgbClr val="000000"/>
-              </a:solidFill>
-              <a:latin typeface="Avenir 45 Book"/>
-              <a:cs typeface="+mn-cs"/>
-            </a:endParaRPr>
-          </a:p>
-        </p:txBody>
-      </p:sp>
       <p:sp>
         <p:nvSpPr>
           <p:cNvPr id="15" name="Rectangle 14"/>
@@ -26148,8 +26992,8 @@
         </p:nvSpPr>
         <p:spPr>
           <a:xfrm>
-            <a:off x="515937" y="212035"/>
-            <a:ext cx="11013453" cy="553998"/>
+            <a:off x="515937" y="307571"/>
+            <a:ext cx="11013453" cy="430887"/>
           </a:xfrm>
           <a:prstGeom prst="rect">
             <a:avLst/>
@@ -26163,14 +27007,22 @@
           <a:lstStyle/>
           <a:p>
             <a:r>
-              <a:rPr lang="en-US" sz="3600" dirty="0">
+              <a:rPr lang="en-US" sz="2800" dirty="0" smtClean="0">
                 <a:solidFill>
                   <a:schemeClr val="bg1"/>
                 </a:solidFill>
               </a:rPr>
-              <a:t>Tip 3: Execute scripts automatically</a:t>
+              <a:t>Tip </a:t>
             </a:r>
-            <a:endParaRPr lang="es-AR" sz="3600" dirty="0">
+            <a:r>
+              <a:rPr lang="en-US" sz="2800" dirty="0">
+                <a:solidFill>
+                  <a:schemeClr val="bg1"/>
+                </a:solidFill>
+              </a:rPr>
+              <a:t>1: Generate creation scripts for DB, Tables, Views, SPs, Functions </a:t>
+            </a:r>
+            <a:endParaRPr lang="es-AR" sz="2800" dirty="0">
               <a:solidFill>
                 <a:schemeClr val="bg1"/>
               </a:solidFill>
@@ -26178,10 +27030,50 @@
           </a:p>
         </p:txBody>
       </p:sp>
+      <p:pic>
+        <p:nvPicPr>
+          <p:cNvPr id="3" name="Picture 2"/>
+          <p:cNvPicPr>
+            <a:picLocks noChangeAspect="1"/>
+          </p:cNvPicPr>
+          <p:nvPr/>
+        </p:nvPicPr>
+        <p:blipFill>
+          <a:blip r:embed="rId2">
+            <a:extLst>
+              <a:ext uri="{28A0092B-C50C-407E-A947-70E740481C1C}">
+                <a14:useLocalDpi xmlns:a14="http://schemas.microsoft.com/office/drawing/2010/main" val="0"/>
+              </a:ext>
+            </a:extLst>
+          </a:blip>
+          <a:stretch>
+            <a:fillRect/>
+          </a:stretch>
+        </p:blipFill>
+        <p:spPr>
+          <a:xfrm>
+            <a:off x="3938087" y="1196616"/>
+            <a:ext cx="4318809" cy="4831617"/>
+          </a:xfrm>
+          <a:prstGeom prst="rect">
+            <a:avLst/>
+          </a:prstGeom>
+          <a:ln>
+            <a:noFill/>
+          </a:ln>
+          <a:effectLst>
+            <a:outerShdw blurRad="292100" dist="139700" dir="2700000" algn="tl" rotWithShape="0">
+              <a:srgbClr val="333333">
+                <a:alpha val="65000"/>
+              </a:srgbClr>
+            </a:outerShdw>
+          </a:effectLst>
+        </p:spPr>
+      </p:pic>
     </p:spTree>
     <p:extLst>
       <p:ext uri="{BB962C8B-B14F-4D97-AF65-F5344CB8AC3E}">
-        <p14:creationId xmlns:p14="http://schemas.microsoft.com/office/powerpoint/2010/main" val="1283028214"/>
+        <p14:creationId xmlns:p14="http://schemas.microsoft.com/office/powerpoint/2010/main" val="2287490333"/>
       </p:ext>
     </p:extLst>
   </p:cSld>
@@ -26201,7 +27093,7 @@
 </p:sld>
 </file>
 
-<file path=ppt/slides/slide8.xml><?xml version="1.0" encoding="utf-8"?>
+<file path=ppt/slides/slide9.xml><?xml version="1.0" encoding="utf-8"?>
 <p:sld xmlns:a="http://schemas.openxmlformats.org/drawingml/2006/main" xmlns:r="http://schemas.openxmlformats.org/officeDocument/2006/relationships" xmlns:p="http://schemas.openxmlformats.org/presentationml/2006/main">
   <p:cSld>
     <p:spTree>
@@ -26218,245 +27110,6 @@
           <a:chExt cx="0" cy="0"/>
         </a:xfrm>
       </p:grpSpPr>
-      <p:sp>
-        <p:nvSpPr>
-          <p:cNvPr id="13" name="Content Placeholder 2"/>
-          <p:cNvSpPr txBox="1">
-            <a:spLocks/>
-          </p:cNvSpPr>
-          <p:nvPr/>
-        </p:nvSpPr>
-        <p:spPr>
-          <a:xfrm>
-            <a:off x="476534" y="1394213"/>
-            <a:ext cx="8142809" cy="4329621"/>
-          </a:xfrm>
-          <a:prstGeom prst="rect">
-            <a:avLst/>
-          </a:prstGeom>
-        </p:spPr>
-        <p:txBody>
-          <a:bodyPr vert="horz" lIns="91440" tIns="45720" rIns="91440" bIns="45720" rtlCol="0">
-            <a:noAutofit/>
-          </a:bodyPr>
-          <a:lstStyle>
-            <a:lvl1pPr marL="273050" marR="0" indent="-273050" algn="l" defTabSz="914400" rtl="0" eaLnBrk="1" fontAlgn="auto" latinLnBrk="0" hangingPunct="1">
-              <a:lnSpc>
-                <a:spcPct val="100000"/>
-              </a:lnSpc>
-              <a:spcBef>
-                <a:spcPts val="1200"/>
-              </a:spcBef>
-              <a:spcAft>
-                <a:spcPts val="0"/>
-              </a:spcAft>
-              <a:buClr>
-                <a:srgbClr val="DA1218"/>
-              </a:buClr>
-              <a:buSzTx/>
-              <a:buFont typeface="Wingdings" pitchFamily="2" charset="2"/>
-              <a:buChar char="§"/>
-              <a:tabLst/>
-              <a:defRPr lang="en-US" sz="2400" kern="1200">
-                <a:solidFill>
-                  <a:schemeClr val="tx1"/>
-                </a:solidFill>
-                <a:latin typeface="Arial" pitchFamily="34" charset="0"/>
-                <a:ea typeface="+mn-ea"/>
-                <a:cs typeface="Arial" pitchFamily="34" charset="0"/>
-              </a:defRPr>
-            </a:lvl1pPr>
-            <a:lvl2pPr marL="628650" marR="0" indent="-355600" algn="l" defTabSz="914400" rtl="0" eaLnBrk="1" fontAlgn="auto" latinLnBrk="0" hangingPunct="1">
-              <a:lnSpc>
-                <a:spcPct val="100000"/>
-              </a:lnSpc>
-              <a:spcBef>
-                <a:spcPct val="20000"/>
-              </a:spcBef>
-              <a:spcAft>
-                <a:spcPts val="0"/>
-              </a:spcAft>
-              <a:buClr>
-                <a:srgbClr val="DA1218"/>
-              </a:buClr>
-              <a:buSzTx/>
-              <a:buFont typeface="Wingdings" pitchFamily="2" charset="2"/>
-              <a:buChar char=""/>
-              <a:tabLst/>
-              <a:defRPr lang="en-US" sz="2000" kern="1200">
-                <a:solidFill>
-                  <a:schemeClr val="tx1"/>
-                </a:solidFill>
-                <a:latin typeface="Arial" pitchFamily="34" charset="0"/>
-                <a:ea typeface="+mn-ea"/>
-                <a:cs typeface="Arial" pitchFamily="34" charset="0"/>
-              </a:defRPr>
-            </a:lvl2pPr>
-            <a:lvl3pPr marL="903288" marR="0" indent="-274638" algn="l" defTabSz="914400" rtl="0" eaLnBrk="1" fontAlgn="auto" latinLnBrk="0" hangingPunct="1">
-              <a:lnSpc>
-                <a:spcPct val="100000"/>
-              </a:lnSpc>
-              <a:spcBef>
-                <a:spcPct val="20000"/>
-              </a:spcBef>
-              <a:spcAft>
-                <a:spcPts val="0"/>
-              </a:spcAft>
-              <a:buClr>
-                <a:srgbClr val="DA1218"/>
-              </a:buClr>
-              <a:buSzTx/>
-              <a:buFont typeface="Wingdings" pitchFamily="2" charset="2"/>
-              <a:buChar char="ü"/>
-              <a:tabLst/>
-              <a:defRPr lang="en-US" sz="1800" kern="1200">
-                <a:solidFill>
-                  <a:schemeClr val="tx1"/>
-                </a:solidFill>
-                <a:latin typeface="Arial" pitchFamily="34" charset="0"/>
-                <a:ea typeface="+mn-ea"/>
-                <a:cs typeface="Arial" pitchFamily="34" charset="0"/>
-              </a:defRPr>
-            </a:lvl3pPr>
-            <a:lvl4pPr marL="1081088" marR="0" indent="-177800" algn="l" defTabSz="914400" rtl="0" eaLnBrk="1" fontAlgn="auto" latinLnBrk="0" hangingPunct="1">
-              <a:lnSpc>
-                <a:spcPct val="100000"/>
-              </a:lnSpc>
-              <a:spcBef>
-                <a:spcPct val="20000"/>
-              </a:spcBef>
-              <a:spcAft>
-                <a:spcPts val="0"/>
-              </a:spcAft>
-              <a:buClr>
-                <a:srgbClr val="DA1218"/>
-              </a:buClr>
-              <a:buSzTx/>
-              <a:buFont typeface="Arial" pitchFamily="34" charset="0"/>
-              <a:buChar char="•"/>
-              <a:tabLst/>
-              <a:defRPr lang="en-US" sz="1600" kern="1200">
-                <a:solidFill>
-                  <a:schemeClr val="tx1"/>
-                </a:solidFill>
-                <a:latin typeface="Arial" pitchFamily="34" charset="0"/>
-                <a:ea typeface="+mn-ea"/>
-                <a:cs typeface="Arial" pitchFamily="34" charset="0"/>
-              </a:defRPr>
-            </a:lvl4pPr>
-            <a:lvl5pPr marL="1258888" marR="0" indent="-177800" algn="l" defTabSz="914400" rtl="0" eaLnBrk="1" fontAlgn="auto" latinLnBrk="0" hangingPunct="1">
-              <a:lnSpc>
-                <a:spcPct val="100000"/>
-              </a:lnSpc>
-              <a:spcBef>
-                <a:spcPct val="20000"/>
-              </a:spcBef>
-              <a:spcAft>
-                <a:spcPts val="0"/>
-              </a:spcAft>
-              <a:buClr>
-                <a:srgbClr val="DA1218"/>
-              </a:buClr>
-              <a:buSzPct val="100000"/>
-              <a:buFont typeface="Courier New" pitchFamily="49" charset="0"/>
-              <a:buChar char="o"/>
-              <a:tabLst/>
-              <a:defRPr lang="es-AR" sz="1400" kern="1200">
-                <a:solidFill>
-                  <a:schemeClr val="tx1"/>
-                </a:solidFill>
-                <a:latin typeface="Arial" pitchFamily="34" charset="0"/>
-                <a:ea typeface="+mn-ea"/>
-                <a:cs typeface="Arial" pitchFamily="34" charset="0"/>
-              </a:defRPr>
-            </a:lvl5pPr>
-            <a:lvl6pPr marL="2514600" indent="-228600" algn="l" defTabSz="914400" rtl="0" eaLnBrk="1" latinLnBrk="0" hangingPunct="1">
-              <a:spcBef>
-                <a:spcPct val="20000"/>
-              </a:spcBef>
-              <a:buFont typeface="Arial" pitchFamily="34" charset="0"/>
-              <a:buChar char="•"/>
-              <a:defRPr sz="2000" kern="1200">
-                <a:solidFill>
-                  <a:schemeClr val="tx1"/>
-                </a:solidFill>
-                <a:latin typeface="+mn-lt"/>
-                <a:ea typeface="+mn-ea"/>
-                <a:cs typeface="+mn-cs"/>
-              </a:defRPr>
-            </a:lvl6pPr>
-            <a:lvl7pPr marL="2971800" indent="-228600" algn="l" defTabSz="914400" rtl="0" eaLnBrk="1" latinLnBrk="0" hangingPunct="1">
-              <a:spcBef>
-                <a:spcPct val="20000"/>
-              </a:spcBef>
-              <a:buFont typeface="Arial" pitchFamily="34" charset="0"/>
-              <a:buChar char="•"/>
-              <a:defRPr sz="2000" kern="1200">
-                <a:solidFill>
-                  <a:schemeClr val="tx1"/>
-                </a:solidFill>
-                <a:latin typeface="+mn-lt"/>
-                <a:ea typeface="+mn-ea"/>
-                <a:cs typeface="+mn-cs"/>
-              </a:defRPr>
-            </a:lvl7pPr>
-            <a:lvl8pPr marL="3429000" indent="-228600" algn="l" defTabSz="914400" rtl="0" eaLnBrk="1" latinLnBrk="0" hangingPunct="1">
-              <a:spcBef>
-                <a:spcPct val="20000"/>
-              </a:spcBef>
-              <a:buFont typeface="Arial" pitchFamily="34" charset="0"/>
-              <a:buChar char="•"/>
-              <a:defRPr sz="2000" kern="1200">
-                <a:solidFill>
-                  <a:schemeClr val="tx1"/>
-                </a:solidFill>
-                <a:latin typeface="+mn-lt"/>
-                <a:ea typeface="+mn-ea"/>
-                <a:cs typeface="+mn-cs"/>
-              </a:defRPr>
-            </a:lvl8pPr>
-            <a:lvl9pPr marL="3886200" indent="-228600" algn="l" defTabSz="914400" rtl="0" eaLnBrk="1" latinLnBrk="0" hangingPunct="1">
-              <a:spcBef>
-                <a:spcPct val="20000"/>
-              </a:spcBef>
-              <a:buFont typeface="Arial" pitchFamily="34" charset="0"/>
-              <a:buChar char="•"/>
-              <a:defRPr sz="2000" kern="1200">
-                <a:solidFill>
-                  <a:schemeClr val="tx1"/>
-                </a:solidFill>
-                <a:latin typeface="+mn-lt"/>
-                <a:ea typeface="+mn-ea"/>
-                <a:cs typeface="+mn-cs"/>
-              </a:defRPr>
-            </a:lvl9pPr>
-          </a:lstStyle>
-          <a:p>
-            <a:pPr marL="0" indent="0">
-              <a:buClrTx/>
-            </a:pPr>
-            <a:r>
-              <a:rPr lang="en-GB" sz="2000" b="1" dirty="0" smtClean="0">
-                <a:latin typeface="+mn-lt"/>
-              </a:rPr>
-              <a:t> </a:t>
-            </a:r>
-            <a:r>
-              <a:rPr lang="en-GB" sz="2000" dirty="0" err="1" smtClean="0">
-                <a:latin typeface="+mn-lt"/>
-              </a:rPr>
-              <a:t>Abcdefghi</a:t>
-            </a:r>
-            <a:endParaRPr lang="es-AR" sz="1600" b="1" dirty="0">
-              <a:solidFill>
-                <a:srgbClr val="000000"/>
-              </a:solidFill>
-              <a:latin typeface="Avenir 45 Book"/>
-              <a:cs typeface="+mn-cs"/>
-            </a:endParaRPr>
-          </a:p>
-        </p:txBody>
-      </p:sp>
       <p:sp>
         <p:nvSpPr>
           <p:cNvPr id="15" name="Rectangle 14"/>
@@ -26555,8 +27208,8 @@
         </p:nvSpPr>
         <p:spPr>
           <a:xfrm>
-            <a:off x="515937" y="212035"/>
-            <a:ext cx="11013453" cy="553998"/>
+            <a:off x="515937" y="307571"/>
+            <a:ext cx="11013453" cy="430887"/>
           </a:xfrm>
           <a:prstGeom prst="rect">
             <a:avLst/>
@@ -26570,14 +27223,22 @@
           <a:lstStyle/>
           <a:p>
             <a:r>
-              <a:rPr lang="en-US" sz="3600" dirty="0">
+              <a:rPr lang="en-US" sz="2800" dirty="0" smtClean="0">
                 <a:solidFill>
                   <a:schemeClr val="bg1"/>
                 </a:solidFill>
               </a:rPr>
-              <a:t>Tip 4: Setup CI to regenerate DB on each build</a:t>
+              <a:t>Tip </a:t>
             </a:r>
-            <a:endParaRPr lang="es-AR" sz="3600" dirty="0">
+            <a:r>
+              <a:rPr lang="en-US" sz="2800" dirty="0">
+                <a:solidFill>
+                  <a:schemeClr val="bg1"/>
+                </a:solidFill>
+              </a:rPr>
+              <a:t>1: Generate creation scripts for DB, Tables, Views, SPs, Functions </a:t>
+            </a:r>
+            <a:endParaRPr lang="es-AR" sz="2800" dirty="0">
               <a:solidFill>
                 <a:schemeClr val="bg1"/>
               </a:solidFill>
@@ -26585,417 +27246,50 @@
           </a:p>
         </p:txBody>
       </p:sp>
-    </p:spTree>
-    <p:extLst>
-      <p:ext uri="{BB962C8B-B14F-4D97-AF65-F5344CB8AC3E}">
-        <p14:creationId xmlns:p14="http://schemas.microsoft.com/office/powerpoint/2010/main" val="3812652383"/>
-      </p:ext>
-    </p:extLst>
-  </p:cSld>
-  <p:clrMapOvr>
-    <a:masterClrMapping/>
-  </p:clrMapOvr>
-  <p:transition spd="slow">
-    <p:wipe/>
-  </p:transition>
-  <p:timing>
-    <p:tnLst>
-      <p:par>
-        <p:cTn id="1" dur="indefinite" restart="never" nodeType="tmRoot"/>
-      </p:par>
-    </p:tnLst>
-  </p:timing>
-</p:sld>
-</file>
-
-<file path=ppt/slides/slide9.xml><?xml version="1.0" encoding="utf-8"?>
-<p:sld xmlns:a="http://schemas.openxmlformats.org/drawingml/2006/main" xmlns:r="http://schemas.openxmlformats.org/officeDocument/2006/relationships" xmlns:p="http://schemas.openxmlformats.org/presentationml/2006/main">
-  <p:cSld>
-    <p:spTree>
-      <p:nvGrpSpPr>
-        <p:cNvPr id="1" name=""/>
-        <p:cNvGrpSpPr/>
-        <p:nvPr/>
-      </p:nvGrpSpPr>
-      <p:grpSpPr>
-        <a:xfrm>
-          <a:off x="0" y="0"/>
-          <a:ext cx="0" cy="0"/>
-          <a:chOff x="0" y="0"/>
-          <a:chExt cx="0" cy="0"/>
-        </a:xfrm>
-      </p:grpSpPr>
-      <p:sp>
-        <p:nvSpPr>
-          <p:cNvPr id="13" name="Content Placeholder 2"/>
-          <p:cNvSpPr txBox="1">
-            <a:spLocks/>
-          </p:cNvSpPr>
+      <p:pic>
+        <p:nvPicPr>
+          <p:cNvPr id="5" name="Picture 4"/>
+          <p:cNvPicPr>
+            <a:picLocks noChangeAspect="1"/>
+          </p:cNvPicPr>
           <p:nvPr/>
-        </p:nvSpPr>
+        </p:nvPicPr>
+        <p:blipFill>
+          <a:blip r:embed="rId2">
+            <a:extLst>
+              <a:ext uri="{28A0092B-C50C-407E-A947-70E740481C1C}">
+                <a14:useLocalDpi xmlns:a14="http://schemas.microsoft.com/office/drawing/2010/main" val="0"/>
+              </a:ext>
+            </a:extLst>
+          </a:blip>
+          <a:stretch>
+            <a:fillRect/>
+          </a:stretch>
+        </p:blipFill>
         <p:spPr>
           <a:xfrm>
-            <a:off x="476534" y="1394213"/>
-            <a:ext cx="8142809" cy="4329621"/>
+            <a:off x="3289111" y="1114268"/>
+            <a:ext cx="5624143" cy="5230684"/>
           </a:xfrm>
           <a:prstGeom prst="rect">
             <a:avLst/>
           </a:prstGeom>
-        </p:spPr>
-        <p:txBody>
-          <a:bodyPr vert="horz" lIns="91440" tIns="45720" rIns="91440" bIns="45720" rtlCol="0">
-            <a:noAutofit/>
-          </a:bodyPr>
-          <a:lstStyle>
-            <a:lvl1pPr marL="273050" marR="0" indent="-273050" algn="l" defTabSz="914400" rtl="0" eaLnBrk="1" fontAlgn="auto" latinLnBrk="0" hangingPunct="1">
-              <a:lnSpc>
-                <a:spcPct val="100000"/>
-              </a:lnSpc>
-              <a:spcBef>
-                <a:spcPts val="1200"/>
-              </a:spcBef>
-              <a:spcAft>
-                <a:spcPts val="0"/>
-              </a:spcAft>
-              <a:buClr>
-                <a:srgbClr val="DA1218"/>
-              </a:buClr>
-              <a:buSzTx/>
-              <a:buFont typeface="Wingdings" pitchFamily="2" charset="2"/>
-              <a:buChar char="§"/>
-              <a:tabLst/>
-              <a:defRPr lang="en-US" sz="2400" kern="1200">
-                <a:solidFill>
-                  <a:schemeClr val="tx1"/>
-                </a:solidFill>
-                <a:latin typeface="Arial" pitchFamily="34" charset="0"/>
-                <a:ea typeface="+mn-ea"/>
-                <a:cs typeface="Arial" pitchFamily="34" charset="0"/>
-              </a:defRPr>
-            </a:lvl1pPr>
-            <a:lvl2pPr marL="628650" marR="0" indent="-355600" algn="l" defTabSz="914400" rtl="0" eaLnBrk="1" fontAlgn="auto" latinLnBrk="0" hangingPunct="1">
-              <a:lnSpc>
-                <a:spcPct val="100000"/>
-              </a:lnSpc>
-              <a:spcBef>
-                <a:spcPct val="20000"/>
-              </a:spcBef>
-              <a:spcAft>
-                <a:spcPts val="0"/>
-              </a:spcAft>
-              <a:buClr>
-                <a:srgbClr val="DA1218"/>
-              </a:buClr>
-              <a:buSzTx/>
-              <a:buFont typeface="Wingdings" pitchFamily="2" charset="2"/>
-              <a:buChar char=""/>
-              <a:tabLst/>
-              <a:defRPr lang="en-US" sz="2000" kern="1200">
-                <a:solidFill>
-                  <a:schemeClr val="tx1"/>
-                </a:solidFill>
-                <a:latin typeface="Arial" pitchFamily="34" charset="0"/>
-                <a:ea typeface="+mn-ea"/>
-                <a:cs typeface="Arial" pitchFamily="34" charset="0"/>
-              </a:defRPr>
-            </a:lvl2pPr>
-            <a:lvl3pPr marL="903288" marR="0" indent="-274638" algn="l" defTabSz="914400" rtl="0" eaLnBrk="1" fontAlgn="auto" latinLnBrk="0" hangingPunct="1">
-              <a:lnSpc>
-                <a:spcPct val="100000"/>
-              </a:lnSpc>
-              <a:spcBef>
-                <a:spcPct val="20000"/>
-              </a:spcBef>
-              <a:spcAft>
-                <a:spcPts val="0"/>
-              </a:spcAft>
-              <a:buClr>
-                <a:srgbClr val="DA1218"/>
-              </a:buClr>
-              <a:buSzTx/>
-              <a:buFont typeface="Wingdings" pitchFamily="2" charset="2"/>
-              <a:buChar char="ü"/>
-              <a:tabLst/>
-              <a:defRPr lang="en-US" sz="1800" kern="1200">
-                <a:solidFill>
-                  <a:schemeClr val="tx1"/>
-                </a:solidFill>
-                <a:latin typeface="Arial" pitchFamily="34" charset="0"/>
-                <a:ea typeface="+mn-ea"/>
-                <a:cs typeface="Arial" pitchFamily="34" charset="0"/>
-              </a:defRPr>
-            </a:lvl3pPr>
-            <a:lvl4pPr marL="1081088" marR="0" indent="-177800" algn="l" defTabSz="914400" rtl="0" eaLnBrk="1" fontAlgn="auto" latinLnBrk="0" hangingPunct="1">
-              <a:lnSpc>
-                <a:spcPct val="100000"/>
-              </a:lnSpc>
-              <a:spcBef>
-                <a:spcPct val="20000"/>
-              </a:spcBef>
-              <a:spcAft>
-                <a:spcPts val="0"/>
-              </a:spcAft>
-              <a:buClr>
-                <a:srgbClr val="DA1218"/>
-              </a:buClr>
-              <a:buSzTx/>
-              <a:buFont typeface="Arial" pitchFamily="34" charset="0"/>
-              <a:buChar char="•"/>
-              <a:tabLst/>
-              <a:defRPr lang="en-US" sz="1600" kern="1200">
-                <a:solidFill>
-                  <a:schemeClr val="tx1"/>
-                </a:solidFill>
-                <a:latin typeface="Arial" pitchFamily="34" charset="0"/>
-                <a:ea typeface="+mn-ea"/>
-                <a:cs typeface="Arial" pitchFamily="34" charset="0"/>
-              </a:defRPr>
-            </a:lvl4pPr>
-            <a:lvl5pPr marL="1258888" marR="0" indent="-177800" algn="l" defTabSz="914400" rtl="0" eaLnBrk="1" fontAlgn="auto" latinLnBrk="0" hangingPunct="1">
-              <a:lnSpc>
-                <a:spcPct val="100000"/>
-              </a:lnSpc>
-              <a:spcBef>
-                <a:spcPct val="20000"/>
-              </a:spcBef>
-              <a:spcAft>
-                <a:spcPts val="0"/>
-              </a:spcAft>
-              <a:buClr>
-                <a:srgbClr val="DA1218"/>
-              </a:buClr>
-              <a:buSzPct val="100000"/>
-              <a:buFont typeface="Courier New" pitchFamily="49" charset="0"/>
-              <a:buChar char="o"/>
-              <a:tabLst/>
-              <a:defRPr lang="es-AR" sz="1400" kern="1200">
-                <a:solidFill>
-                  <a:schemeClr val="tx1"/>
-                </a:solidFill>
-                <a:latin typeface="Arial" pitchFamily="34" charset="0"/>
-                <a:ea typeface="+mn-ea"/>
-                <a:cs typeface="Arial" pitchFamily="34" charset="0"/>
-              </a:defRPr>
-            </a:lvl5pPr>
-            <a:lvl6pPr marL="2514600" indent="-228600" algn="l" defTabSz="914400" rtl="0" eaLnBrk="1" latinLnBrk="0" hangingPunct="1">
-              <a:spcBef>
-                <a:spcPct val="20000"/>
-              </a:spcBef>
-              <a:buFont typeface="Arial" pitchFamily="34" charset="0"/>
-              <a:buChar char="•"/>
-              <a:defRPr sz="2000" kern="1200">
-                <a:solidFill>
-                  <a:schemeClr val="tx1"/>
-                </a:solidFill>
-                <a:latin typeface="+mn-lt"/>
-                <a:ea typeface="+mn-ea"/>
-                <a:cs typeface="+mn-cs"/>
-              </a:defRPr>
-            </a:lvl6pPr>
-            <a:lvl7pPr marL="2971800" indent="-228600" algn="l" defTabSz="914400" rtl="0" eaLnBrk="1" latinLnBrk="0" hangingPunct="1">
-              <a:spcBef>
-                <a:spcPct val="20000"/>
-              </a:spcBef>
-              <a:buFont typeface="Arial" pitchFamily="34" charset="0"/>
-              <a:buChar char="•"/>
-              <a:defRPr sz="2000" kern="1200">
-                <a:solidFill>
-                  <a:schemeClr val="tx1"/>
-                </a:solidFill>
-                <a:latin typeface="+mn-lt"/>
-                <a:ea typeface="+mn-ea"/>
-                <a:cs typeface="+mn-cs"/>
-              </a:defRPr>
-            </a:lvl7pPr>
-            <a:lvl8pPr marL="3429000" indent="-228600" algn="l" defTabSz="914400" rtl="0" eaLnBrk="1" latinLnBrk="0" hangingPunct="1">
-              <a:spcBef>
-                <a:spcPct val="20000"/>
-              </a:spcBef>
-              <a:buFont typeface="Arial" pitchFamily="34" charset="0"/>
-              <a:buChar char="•"/>
-              <a:defRPr sz="2000" kern="1200">
-                <a:solidFill>
-                  <a:schemeClr val="tx1"/>
-                </a:solidFill>
-                <a:latin typeface="+mn-lt"/>
-                <a:ea typeface="+mn-ea"/>
-                <a:cs typeface="+mn-cs"/>
-              </a:defRPr>
-            </a:lvl8pPr>
-            <a:lvl9pPr marL="3886200" indent="-228600" algn="l" defTabSz="914400" rtl="0" eaLnBrk="1" latinLnBrk="0" hangingPunct="1">
-              <a:spcBef>
-                <a:spcPct val="20000"/>
-              </a:spcBef>
-              <a:buFont typeface="Arial" pitchFamily="34" charset="0"/>
-              <a:buChar char="•"/>
-              <a:defRPr sz="2000" kern="1200">
-                <a:solidFill>
-                  <a:schemeClr val="tx1"/>
-                </a:solidFill>
-                <a:latin typeface="+mn-lt"/>
-                <a:ea typeface="+mn-ea"/>
-                <a:cs typeface="+mn-cs"/>
-              </a:defRPr>
-            </a:lvl9pPr>
-          </a:lstStyle>
-          <a:p>
-            <a:pPr marL="0" indent="0">
-              <a:buClrTx/>
-            </a:pPr>
-            <a:r>
-              <a:rPr lang="en-GB" sz="2000" b="1" dirty="0" smtClean="0">
-                <a:latin typeface="+mn-lt"/>
-              </a:rPr>
-              <a:t> </a:t>
-            </a:r>
-            <a:r>
-              <a:rPr lang="en-GB" sz="2000" dirty="0" err="1" smtClean="0">
-                <a:latin typeface="+mn-lt"/>
-              </a:rPr>
-              <a:t>Abcdefghi</a:t>
-            </a:r>
-            <a:endParaRPr lang="es-AR" sz="1600" b="1" dirty="0">
-              <a:solidFill>
-                <a:srgbClr val="000000"/>
-              </a:solidFill>
-              <a:latin typeface="Avenir 45 Book"/>
-              <a:cs typeface="+mn-cs"/>
-            </a:endParaRPr>
-          </a:p>
-        </p:txBody>
-      </p:sp>
-      <p:sp>
-        <p:nvSpPr>
-          <p:cNvPr id="15" name="Rectangle 14"/>
-          <p:cNvSpPr/>
-          <p:nvPr/>
-        </p:nvSpPr>
-        <p:spPr>
-          <a:xfrm>
-            <a:off x="-13252" y="1"/>
-            <a:ext cx="12218504" cy="1016000"/>
-          </a:xfrm>
-          <a:prstGeom prst="rect">
-            <a:avLst/>
-          </a:prstGeom>
-          <a:solidFill>
-            <a:srgbClr val="FF9600"/>
-          </a:solidFill>
           <a:ln>
             <a:noFill/>
           </a:ln>
+          <a:effectLst>
+            <a:outerShdw blurRad="292100" dist="139700" dir="2700000" algn="tl" rotWithShape="0">
+              <a:srgbClr val="333333">
+                <a:alpha val="65000"/>
+              </a:srgbClr>
+            </a:outerShdw>
+          </a:effectLst>
         </p:spPr>
-        <p:style>
-          <a:lnRef idx="1">
-            <a:schemeClr val="accent6"/>
-          </a:lnRef>
-          <a:fillRef idx="3">
-            <a:schemeClr val="accent6"/>
-          </a:fillRef>
-          <a:effectRef idx="2">
-            <a:schemeClr val="accent6"/>
-          </a:effectRef>
-          <a:fontRef idx="minor">
-            <a:schemeClr val="lt1"/>
-          </a:fontRef>
-        </p:style>
-        <p:txBody>
-          <a:bodyPr anchor="ctr"/>
-          <a:lstStyle/>
-          <a:p>
-            <a:pPr marL="0" marR="0" lvl="0" indent="0" algn="ctr" defTabSz="914400" eaLnBrk="1" fontAlgn="auto" latinLnBrk="0" hangingPunct="1">
-              <a:lnSpc>
-                <a:spcPct val="100000"/>
-              </a:lnSpc>
-              <a:spcBef>
-                <a:spcPts val="0"/>
-              </a:spcBef>
-              <a:spcAft>
-                <a:spcPts val="0"/>
-              </a:spcAft>
-              <a:buClrTx/>
-              <a:buSzTx/>
-              <a:buFontTx/>
-              <a:buNone/>
-              <a:tabLst/>
-              <a:defRPr/>
-            </a:pPr>
-            <a:r>
-              <a:rPr kumimoji="0" lang="es-ES_tradnl" sz="1800" b="0" i="0" u="none" strike="noStrike" kern="0" cap="none" spc="0" normalizeH="0" baseline="0" noProof="0" dirty="0" smtClean="0">
-                <a:ln>
-                  <a:noFill/>
-                </a:ln>
-                <a:solidFill>
-                  <a:srgbClr val="FFFFFF"/>
-                </a:solidFill>
-                <a:effectLst/>
-                <a:uLnTx/>
-                <a:uFillTx/>
-                <a:latin typeface="Arial"/>
-                <a:ea typeface="ＭＳ Ｐゴシック" pitchFamily="-108" charset="-128"/>
-                <a:cs typeface="+mn-cs"/>
-              </a:rPr>
-              <a:t>  </a:t>
-            </a:r>
-            <a:endParaRPr kumimoji="0" lang="es-ES_tradnl" sz="1800" b="0" i="0" u="none" strike="noStrike" kern="0" cap="none" spc="0" normalizeH="0" baseline="0" noProof="0" dirty="0">
-              <a:ln>
-                <a:noFill/>
-              </a:ln>
-              <a:solidFill>
-                <a:srgbClr val="FFFFFF"/>
-              </a:solidFill>
-              <a:effectLst/>
-              <a:uLnTx/>
-              <a:uFillTx/>
-              <a:latin typeface="Arial"/>
-              <a:ea typeface="ＭＳ Ｐゴシック" pitchFamily="-108" charset="-128"/>
-              <a:cs typeface="+mn-cs"/>
-            </a:endParaRPr>
-          </a:p>
-        </p:txBody>
-      </p:sp>
-      <p:sp>
-        <p:nvSpPr>
-          <p:cNvPr id="16" name="TextBox 15"/>
-          <p:cNvSpPr txBox="1"/>
-          <p:nvPr/>
-        </p:nvSpPr>
-        <p:spPr>
-          <a:xfrm>
-            <a:off x="515937" y="212035"/>
-            <a:ext cx="11013453" cy="553998"/>
-          </a:xfrm>
-          <a:prstGeom prst="rect">
-            <a:avLst/>
-          </a:prstGeom>
-          <a:noFill/>
-        </p:spPr>
-        <p:txBody>
-          <a:bodyPr wrap="square" lIns="0" tIns="0" rIns="0" bIns="0" rtlCol="0">
-            <a:spAutoFit/>
-          </a:bodyPr>
-          <a:lstStyle/>
-          <a:p>
-            <a:r>
-              <a:rPr lang="en-US" sz="3600" dirty="0">
-                <a:solidFill>
-                  <a:schemeClr val="bg1"/>
-                </a:solidFill>
-              </a:rPr>
-              <a:t>Tip 5: Setup test data (initialization &amp; cleanup)</a:t>
-            </a:r>
-            <a:endParaRPr lang="es-AR" sz="3600" dirty="0">
-              <a:solidFill>
-                <a:schemeClr val="bg1"/>
-              </a:solidFill>
-            </a:endParaRPr>
-          </a:p>
-        </p:txBody>
-      </p:sp>
+      </p:pic>
     </p:spTree>
     <p:extLst>
       <p:ext uri="{BB962C8B-B14F-4D97-AF65-F5344CB8AC3E}">
-        <p14:creationId xmlns:p14="http://schemas.microsoft.com/office/powerpoint/2010/main" val="580169072"/>
+        <p14:creationId xmlns:p14="http://schemas.microsoft.com/office/powerpoint/2010/main" val="904268764"/>
       </p:ext>
     </p:extLst>
   </p:cSld>

--- a/DesigningTestableApplications - Part II - DB Integration & Legacy Code.pptx
+++ b/DesigningTestableApplications - Part II - DB Integration & Legacy Code.pptx
@@ -6,10 +6,10 @@
     <p:sldMasterId id="2147483944" r:id="rId3"/>
   </p:sldMasterIdLst>
   <p:notesMasterIdLst>
-    <p:notesMasterId r:id="rId34"/>
+    <p:notesMasterId r:id="rId35"/>
   </p:notesMasterIdLst>
   <p:handoutMasterIdLst>
-    <p:handoutMasterId r:id="rId35"/>
+    <p:handoutMasterId r:id="rId36"/>
   </p:handoutMasterIdLst>
   <p:sldIdLst>
     <p:sldId id="321" r:id="rId4"/>
@@ -29,19 +29,20 @@
     <p:sldId id="395" r:id="rId18"/>
     <p:sldId id="396" r:id="rId19"/>
     <p:sldId id="388" r:id="rId20"/>
-    <p:sldId id="397" r:id="rId21"/>
-    <p:sldId id="398" r:id="rId22"/>
-    <p:sldId id="399" r:id="rId23"/>
-    <p:sldId id="390" r:id="rId24"/>
-    <p:sldId id="389" r:id="rId25"/>
-    <p:sldId id="387" r:id="rId26"/>
-    <p:sldId id="383" r:id="rId27"/>
-    <p:sldId id="384" r:id="rId28"/>
-    <p:sldId id="378" r:id="rId29"/>
-    <p:sldId id="382" r:id="rId30"/>
-    <p:sldId id="386" r:id="rId31"/>
-    <p:sldId id="385" r:id="rId32"/>
-    <p:sldId id="349" r:id="rId33"/>
+    <p:sldId id="406" r:id="rId21"/>
+    <p:sldId id="397" r:id="rId22"/>
+    <p:sldId id="398" r:id="rId23"/>
+    <p:sldId id="399" r:id="rId24"/>
+    <p:sldId id="390" r:id="rId25"/>
+    <p:sldId id="389" r:id="rId26"/>
+    <p:sldId id="387" r:id="rId27"/>
+    <p:sldId id="383" r:id="rId28"/>
+    <p:sldId id="384" r:id="rId29"/>
+    <p:sldId id="378" r:id="rId30"/>
+    <p:sldId id="382" r:id="rId31"/>
+    <p:sldId id="386" r:id="rId32"/>
+    <p:sldId id="385" r:id="rId33"/>
+    <p:sldId id="349" r:id="rId34"/>
   </p:sldIdLst>
   <p:sldSz cx="12192000" cy="6858000"/>
   <p:notesSz cx="6858000" cy="9144000"/>
@@ -254,7 +255,7 @@
           <a:p>
             <a:fld id="{D63D5444-F62C-42C3-A75A-D9DBA807730F}" type="datetimeFigureOut">
               <a:rPr lang="en-US" smtClean="0"/>
-              <a:t>7/21/2015</a:t>
+              <a:t>9/15/2015</a:t>
             </a:fld>
             <a:endParaRPr lang="en-US"/>
           </a:p>
@@ -419,7 +420,7 @@
           <a:p>
             <a:fld id="{12CAA1FA-7B6A-47D2-8D61-F225D71B51FF}" type="datetimeFigureOut">
               <a:rPr lang="en-US" smtClean="0"/>
-              <a:t>7/21/2015</a:t>
+              <a:t>9/15/2015</a:t>
             </a:fld>
             <a:endParaRPr lang="en-US"/>
           </a:p>
@@ -752,7 +753,7 @@
           <a:p>
             <a:fld id="{1B9A179D-2D27-49E2-B022-8EDDA2EFE682}" type="slidenum">
               <a:rPr lang="en-US" smtClean="0"/>
-              <a:t>27</a:t>
+              <a:t>28</a:t>
             </a:fld>
             <a:endParaRPr lang="en-US"/>
           </a:p>
@@ -836,7 +837,7 @@
           <a:p>
             <a:fld id="{1B9A179D-2D27-49E2-B022-8EDDA2EFE682}" type="slidenum">
               <a:rPr lang="en-US" smtClean="0"/>
-              <a:t>28</a:t>
+              <a:t>29</a:t>
             </a:fld>
             <a:endParaRPr lang="en-US"/>
           </a:p>
@@ -920,7 +921,7 @@
           <a:p>
             <a:fld id="{1B9A179D-2D27-49E2-B022-8EDDA2EFE682}" type="slidenum">
               <a:rPr lang="en-US" smtClean="0"/>
-              <a:t>29</a:t>
+              <a:t>30</a:t>
             </a:fld>
             <a:endParaRPr lang="en-US"/>
           </a:p>
@@ -17219,7 +17220,7 @@
         <p:spPr>
           <a:xfrm>
             <a:off x="476534" y="1394213"/>
-            <a:ext cx="8142809" cy="4329621"/>
+            <a:ext cx="11151359" cy="4329621"/>
           </a:xfrm>
           <a:prstGeom prst="rect">
             <a:avLst/>
@@ -17432,12 +17433,481 @@
               <a:t> </a:t>
             </a:r>
             <a:r>
-              <a:rPr lang="en-GB" sz="2000" dirty="0" err="1" smtClean="0">
+              <a:rPr lang="en-GB" sz="2000" dirty="0" smtClean="0">
                 <a:latin typeface="+mn-lt"/>
               </a:rPr>
-              <a:t>Abcdefghi</a:t>
-            </a:r>
-            <a:endParaRPr lang="es-AR" sz="1600" b="1" dirty="0">
+              <a:t>Test Initialization</a:t>
+            </a:r>
+          </a:p>
+          <a:p>
+            <a:pPr marL="641350" lvl="1" indent="-285750">
+              <a:buClrTx/>
+              <a:buFont typeface="Wingdings" panose="05000000000000000000" pitchFamily="2" charset="2"/>
+              <a:buChar char="§"/>
+            </a:pPr>
+            <a:r>
+              <a:rPr lang="es-AR" sz="1800" dirty="0">
+                <a:latin typeface="+mn-lt"/>
+              </a:rPr>
+              <a:t> </a:t>
+            </a:r>
+            <a:r>
+              <a:rPr lang="es-AR" sz="1800" dirty="0" err="1">
+                <a:latin typeface="+mn-lt"/>
+              </a:rPr>
+              <a:t>Initialize</a:t>
+            </a:r>
+            <a:r>
+              <a:rPr lang="es-AR" sz="1800" dirty="0">
+                <a:latin typeface="+mn-lt"/>
+              </a:rPr>
+              <a:t> </a:t>
+            </a:r>
+            <a:r>
+              <a:rPr lang="es-AR" sz="1800" dirty="0" err="1">
+                <a:latin typeface="+mn-lt"/>
+              </a:rPr>
+              <a:t>the</a:t>
+            </a:r>
+            <a:r>
+              <a:rPr lang="es-AR" sz="1800" dirty="0">
+                <a:latin typeface="+mn-lt"/>
+              </a:rPr>
+              <a:t> </a:t>
+            </a:r>
+            <a:r>
+              <a:rPr lang="es-AR" sz="1800" dirty="0" err="1">
+                <a:latin typeface="+mn-lt"/>
+              </a:rPr>
+              <a:t>database</a:t>
+            </a:r>
+            <a:r>
+              <a:rPr lang="es-AR" sz="1800" dirty="0">
+                <a:latin typeface="+mn-lt"/>
+              </a:rPr>
+              <a:t> </a:t>
+            </a:r>
+            <a:r>
+              <a:rPr lang="es-AR" sz="1800" dirty="0" err="1">
+                <a:latin typeface="+mn-lt"/>
+              </a:rPr>
+              <a:t>context</a:t>
+            </a:r>
+            <a:r>
+              <a:rPr lang="es-AR" sz="1800" dirty="0">
+                <a:latin typeface="+mn-lt"/>
+              </a:rPr>
+              <a:t> and/</a:t>
+            </a:r>
+            <a:r>
+              <a:rPr lang="es-AR" sz="1800" dirty="0" err="1">
+                <a:latin typeface="+mn-lt"/>
+              </a:rPr>
+              <a:t>or</a:t>
+            </a:r>
+            <a:r>
+              <a:rPr lang="es-AR" sz="1800" dirty="0">
+                <a:latin typeface="+mn-lt"/>
+              </a:rPr>
+              <a:t> </a:t>
+            </a:r>
+            <a:r>
+              <a:rPr lang="es-AR" sz="1800" dirty="0" err="1">
+                <a:latin typeface="+mn-lt"/>
+              </a:rPr>
+              <a:t>transactions</a:t>
+            </a:r>
+            <a:endParaRPr lang="es-AR" sz="1800" dirty="0">
+              <a:latin typeface="+mn-lt"/>
+            </a:endParaRPr>
+          </a:p>
+          <a:p>
+            <a:pPr marL="641350" lvl="1" indent="-285750">
+              <a:buClrTx/>
+              <a:buFont typeface="Wingdings" panose="05000000000000000000" pitchFamily="2" charset="2"/>
+              <a:buChar char="§"/>
+            </a:pPr>
+            <a:r>
+              <a:rPr lang="es-AR" sz="1800" dirty="0">
+                <a:latin typeface="+mn-lt"/>
+              </a:rPr>
+              <a:t> </a:t>
+            </a:r>
+            <a:r>
+              <a:rPr lang="es-AR" sz="1800" dirty="0" err="1">
+                <a:latin typeface="+mn-lt"/>
+              </a:rPr>
+              <a:t>Add</a:t>
+            </a:r>
+            <a:r>
+              <a:rPr lang="es-AR" sz="1800" dirty="0">
+                <a:latin typeface="+mn-lt"/>
+              </a:rPr>
+              <a:t> test data </a:t>
+            </a:r>
+            <a:r>
+              <a:rPr lang="es-AR" sz="1800" dirty="0" err="1">
+                <a:latin typeface="+mn-lt"/>
+              </a:rPr>
+              <a:t>that</a:t>
+            </a:r>
+            <a:r>
+              <a:rPr lang="es-AR" sz="1800" dirty="0">
+                <a:latin typeface="+mn-lt"/>
+              </a:rPr>
+              <a:t> </a:t>
+            </a:r>
+            <a:r>
+              <a:rPr lang="es-AR" sz="1800" dirty="0" err="1">
+                <a:latin typeface="+mn-lt"/>
+              </a:rPr>
+              <a:t>you</a:t>
+            </a:r>
+            <a:r>
+              <a:rPr lang="es-AR" sz="1800" dirty="0">
+                <a:latin typeface="+mn-lt"/>
+              </a:rPr>
+              <a:t> </a:t>
+            </a:r>
+            <a:r>
+              <a:rPr lang="es-AR" sz="1800" dirty="0" err="1">
+                <a:latin typeface="+mn-lt"/>
+              </a:rPr>
+              <a:t>may</a:t>
+            </a:r>
+            <a:r>
+              <a:rPr lang="es-AR" sz="1800" dirty="0">
+                <a:latin typeface="+mn-lt"/>
+              </a:rPr>
+              <a:t> </a:t>
+            </a:r>
+            <a:r>
+              <a:rPr lang="es-AR" sz="1800" dirty="0" err="1">
+                <a:latin typeface="+mn-lt"/>
+              </a:rPr>
+              <a:t>need</a:t>
+            </a:r>
+            <a:r>
+              <a:rPr lang="es-AR" sz="1800" dirty="0">
+                <a:latin typeface="+mn-lt"/>
+              </a:rPr>
+              <a:t> in </a:t>
+            </a:r>
+            <a:r>
+              <a:rPr lang="es-AR" sz="1800" dirty="0" err="1">
+                <a:latin typeface="+mn-lt"/>
+              </a:rPr>
+              <a:t>tests</a:t>
+            </a:r>
+            <a:endParaRPr lang="es-AR" sz="1800" dirty="0">
+              <a:latin typeface="+mn-lt"/>
+            </a:endParaRPr>
+          </a:p>
+          <a:p>
+            <a:pPr marL="527050" lvl="1" indent="-171450">
+              <a:buClrTx/>
+              <a:buFont typeface="Wingdings" panose="05000000000000000000" pitchFamily="2" charset="2"/>
+              <a:buChar char="§"/>
+            </a:pPr>
+            <a:endParaRPr lang="es-AR" sz="1800" dirty="0" smtClean="0">
+              <a:solidFill>
+                <a:srgbClr val="000000"/>
+              </a:solidFill>
+              <a:latin typeface="Avenir 45 Book"/>
+              <a:cs typeface="+mn-cs"/>
+            </a:endParaRPr>
+          </a:p>
+          <a:p>
+            <a:pPr marL="171450" indent="-171450">
+              <a:buClrTx/>
+            </a:pPr>
+            <a:r>
+              <a:rPr lang="es-AR" sz="2000" dirty="0" smtClean="0">
+                <a:latin typeface="+mn-lt"/>
+              </a:rPr>
+              <a:t>Test </a:t>
+            </a:r>
+            <a:r>
+              <a:rPr lang="es-AR" sz="2000" dirty="0" err="1" smtClean="0">
+                <a:latin typeface="+mn-lt"/>
+              </a:rPr>
+              <a:t>Cleanup</a:t>
+            </a:r>
+            <a:endParaRPr lang="es-AR" sz="2000" dirty="0" smtClean="0">
+              <a:latin typeface="+mn-lt"/>
+            </a:endParaRPr>
+          </a:p>
+          <a:p>
+            <a:pPr marL="641350" lvl="1" indent="-285750">
+              <a:buClrTx/>
+              <a:buFont typeface="Wingdings" panose="05000000000000000000" pitchFamily="2" charset="2"/>
+              <a:buChar char="§"/>
+            </a:pPr>
+            <a:r>
+              <a:rPr lang="es-AR" sz="1800" dirty="0" err="1" smtClean="0">
+                <a:latin typeface="+mn-lt"/>
+              </a:rPr>
+              <a:t>Return</a:t>
+            </a:r>
+            <a:r>
+              <a:rPr lang="es-AR" sz="1800" dirty="0" smtClean="0">
+                <a:latin typeface="+mn-lt"/>
+              </a:rPr>
+              <a:t> </a:t>
+            </a:r>
+            <a:r>
+              <a:rPr lang="es-AR" sz="1800" dirty="0" err="1" smtClean="0">
+                <a:latin typeface="+mn-lt"/>
+              </a:rPr>
+              <a:t>the</a:t>
+            </a:r>
+            <a:r>
+              <a:rPr lang="es-AR" sz="1800" dirty="0" smtClean="0">
+                <a:latin typeface="+mn-lt"/>
+              </a:rPr>
+              <a:t> </a:t>
+            </a:r>
+            <a:r>
+              <a:rPr lang="es-AR" sz="1800" dirty="0" err="1" smtClean="0">
+                <a:latin typeface="+mn-lt"/>
+              </a:rPr>
+              <a:t>database</a:t>
+            </a:r>
+            <a:r>
+              <a:rPr lang="es-AR" sz="1800" dirty="0" smtClean="0">
+                <a:latin typeface="+mn-lt"/>
+              </a:rPr>
+              <a:t> to </a:t>
+            </a:r>
+            <a:r>
+              <a:rPr lang="es-AR" sz="1800" dirty="0" err="1" smtClean="0">
+                <a:latin typeface="+mn-lt"/>
+              </a:rPr>
+              <a:t>its</a:t>
+            </a:r>
+            <a:r>
+              <a:rPr lang="es-AR" sz="1800" dirty="0" smtClean="0">
+                <a:latin typeface="+mn-lt"/>
+              </a:rPr>
+              <a:t> original </a:t>
+            </a:r>
+            <a:r>
+              <a:rPr lang="es-AR" sz="1800" dirty="0" err="1" smtClean="0">
+                <a:latin typeface="+mn-lt"/>
+              </a:rPr>
+              <a:t>state</a:t>
+            </a:r>
+            <a:r>
+              <a:rPr lang="es-AR" sz="1800" dirty="0" smtClean="0">
+                <a:latin typeface="+mn-lt"/>
+              </a:rPr>
+              <a:t> to </a:t>
+            </a:r>
+            <a:r>
+              <a:rPr lang="es-AR" sz="1800" dirty="0" err="1" smtClean="0">
+                <a:latin typeface="+mn-lt"/>
+              </a:rPr>
+              <a:t>allow</a:t>
+            </a:r>
+            <a:r>
+              <a:rPr lang="es-AR" sz="1800" dirty="0" smtClean="0">
+                <a:latin typeface="+mn-lt"/>
+              </a:rPr>
+              <a:t> </a:t>
+            </a:r>
+            <a:r>
+              <a:rPr lang="es-AR" sz="1800" dirty="0" err="1" smtClean="0">
+                <a:latin typeface="+mn-lt"/>
+              </a:rPr>
+              <a:t>tests</a:t>
+            </a:r>
+            <a:r>
+              <a:rPr lang="es-AR" sz="1800" dirty="0" smtClean="0">
+                <a:latin typeface="+mn-lt"/>
+              </a:rPr>
+              <a:t> to be run </a:t>
+            </a:r>
+            <a:r>
+              <a:rPr lang="es-AR" sz="1800" dirty="0" err="1" smtClean="0">
+                <a:latin typeface="+mn-lt"/>
+              </a:rPr>
+              <a:t>multiple</a:t>
+            </a:r>
+            <a:r>
+              <a:rPr lang="es-AR" sz="1800" dirty="0" smtClean="0">
+                <a:latin typeface="+mn-lt"/>
+              </a:rPr>
+              <a:t> times </a:t>
+            </a:r>
+            <a:r>
+              <a:rPr lang="es-AR" sz="1800" dirty="0" err="1" smtClean="0">
+                <a:latin typeface="+mn-lt"/>
+              </a:rPr>
+              <a:t>with</a:t>
+            </a:r>
+            <a:r>
+              <a:rPr lang="es-AR" sz="1800" dirty="0" smtClean="0">
+                <a:latin typeface="+mn-lt"/>
+              </a:rPr>
+              <a:t> </a:t>
+            </a:r>
+            <a:r>
+              <a:rPr lang="es-AR" sz="1800" dirty="0" err="1" smtClean="0">
+                <a:latin typeface="+mn-lt"/>
+              </a:rPr>
+              <a:t>the</a:t>
+            </a:r>
+            <a:r>
+              <a:rPr lang="es-AR" sz="1800" dirty="0" smtClean="0">
+                <a:latin typeface="+mn-lt"/>
+              </a:rPr>
+              <a:t> </a:t>
+            </a:r>
+            <a:r>
+              <a:rPr lang="es-AR" sz="1800" dirty="0" err="1" smtClean="0">
+                <a:latin typeface="+mn-lt"/>
+              </a:rPr>
+              <a:t>expected</a:t>
+            </a:r>
+            <a:r>
+              <a:rPr lang="es-AR" sz="1800" dirty="0" smtClean="0">
+                <a:latin typeface="+mn-lt"/>
+              </a:rPr>
+              <a:t> </a:t>
+            </a:r>
+            <a:r>
+              <a:rPr lang="es-AR" sz="1800" dirty="0" err="1" smtClean="0">
+                <a:latin typeface="+mn-lt"/>
+              </a:rPr>
+              <a:t>result</a:t>
+            </a:r>
+            <a:endParaRPr lang="es-AR" sz="1800" dirty="0" smtClean="0">
+              <a:latin typeface="+mn-lt"/>
+            </a:endParaRPr>
+          </a:p>
+          <a:p>
+            <a:pPr marL="641350" lvl="1" indent="-285750">
+              <a:buClrTx/>
+              <a:buFont typeface="Wingdings" panose="05000000000000000000" pitchFamily="2" charset="2"/>
+              <a:buChar char="§"/>
+            </a:pPr>
+            <a:r>
+              <a:rPr lang="es-AR" sz="1800" dirty="0" err="1" smtClean="0">
+                <a:latin typeface="+mn-lt"/>
+              </a:rPr>
+              <a:t>Delete</a:t>
+            </a:r>
+            <a:r>
+              <a:rPr lang="es-AR" sz="1800" dirty="0" smtClean="0">
+                <a:latin typeface="+mn-lt"/>
+              </a:rPr>
+              <a:t> test data and/</a:t>
+            </a:r>
+            <a:r>
+              <a:rPr lang="es-AR" sz="1800" dirty="0" err="1" smtClean="0">
+                <a:latin typeface="+mn-lt"/>
+              </a:rPr>
+              <a:t>or</a:t>
+            </a:r>
+            <a:r>
+              <a:rPr lang="es-AR" sz="1800" dirty="0" smtClean="0">
+                <a:latin typeface="+mn-lt"/>
+              </a:rPr>
+              <a:t> </a:t>
+            </a:r>
+            <a:r>
+              <a:rPr lang="es-AR" sz="1800" dirty="0" err="1" smtClean="0">
+                <a:latin typeface="+mn-lt"/>
+              </a:rPr>
+              <a:t>rollback</a:t>
+            </a:r>
+            <a:r>
+              <a:rPr lang="es-AR" sz="1800" dirty="0" smtClean="0">
+                <a:latin typeface="+mn-lt"/>
+              </a:rPr>
+              <a:t> </a:t>
+            </a:r>
+            <a:r>
+              <a:rPr lang="es-AR" sz="1800" dirty="0" err="1" smtClean="0">
+                <a:latin typeface="+mn-lt"/>
+              </a:rPr>
+              <a:t>transactions</a:t>
+            </a:r>
+            <a:endParaRPr lang="es-AR" sz="1800" dirty="0" smtClean="0">
+              <a:latin typeface="+mn-lt"/>
+            </a:endParaRPr>
+          </a:p>
+          <a:p>
+            <a:pPr marL="641350" lvl="1" indent="-285750">
+              <a:buClrTx/>
+              <a:buFont typeface="Wingdings" panose="05000000000000000000" pitchFamily="2" charset="2"/>
+              <a:buChar char="§"/>
+            </a:pPr>
+            <a:r>
+              <a:rPr lang="es-AR" sz="1800" dirty="0" err="1" smtClean="0">
+                <a:latin typeface="+mn-lt"/>
+              </a:rPr>
+              <a:t>Make</a:t>
+            </a:r>
+            <a:r>
+              <a:rPr lang="es-AR" sz="1800" dirty="0" smtClean="0">
+                <a:latin typeface="+mn-lt"/>
+              </a:rPr>
+              <a:t> </a:t>
+            </a:r>
+            <a:r>
+              <a:rPr lang="es-AR" sz="1800" dirty="0" err="1" smtClean="0">
+                <a:latin typeface="+mn-lt"/>
+              </a:rPr>
+              <a:t>sure</a:t>
+            </a:r>
+            <a:r>
+              <a:rPr lang="es-AR" sz="1800" dirty="0" smtClean="0">
+                <a:latin typeface="+mn-lt"/>
+              </a:rPr>
+              <a:t> </a:t>
+            </a:r>
+            <a:r>
+              <a:rPr lang="es-AR" sz="1800" dirty="0" err="1" smtClean="0">
+                <a:latin typeface="+mn-lt"/>
+              </a:rPr>
+              <a:t>database</a:t>
+            </a:r>
+            <a:r>
+              <a:rPr lang="es-AR" sz="1800" dirty="0" smtClean="0">
+                <a:latin typeface="+mn-lt"/>
+              </a:rPr>
+              <a:t> </a:t>
+            </a:r>
+            <a:r>
+              <a:rPr lang="es-AR" sz="1800" dirty="0" err="1" smtClean="0">
+                <a:latin typeface="+mn-lt"/>
+              </a:rPr>
+              <a:t>connections</a:t>
+            </a:r>
+            <a:r>
+              <a:rPr lang="es-AR" sz="1800" dirty="0" smtClean="0">
+                <a:latin typeface="+mn-lt"/>
+              </a:rPr>
+              <a:t> are </a:t>
+            </a:r>
+            <a:r>
+              <a:rPr lang="es-AR" sz="1800" dirty="0" err="1" smtClean="0">
+                <a:latin typeface="+mn-lt"/>
+              </a:rPr>
+              <a:t>disposed</a:t>
+            </a:r>
+            <a:endParaRPr lang="es-AR" sz="1800" dirty="0">
+              <a:latin typeface="+mn-lt"/>
+            </a:endParaRPr>
+          </a:p>
+          <a:p>
+            <a:pPr marL="527050" lvl="1" indent="-171450">
+              <a:buClrTx/>
+              <a:buFont typeface="Wingdings" panose="05000000000000000000" pitchFamily="2" charset="2"/>
+              <a:buChar char="§"/>
+            </a:pPr>
+            <a:endParaRPr lang="es-AR" sz="1800" dirty="0">
               <a:solidFill>
                 <a:srgbClr val="000000"/>
               </a:solidFill>
@@ -17633,245 +18103,6 @@
       </p:grpSpPr>
       <p:sp>
         <p:nvSpPr>
-          <p:cNvPr id="13" name="Content Placeholder 2"/>
-          <p:cNvSpPr txBox="1">
-            <a:spLocks/>
-          </p:cNvSpPr>
-          <p:nvPr/>
-        </p:nvSpPr>
-        <p:spPr>
-          <a:xfrm>
-            <a:off x="476534" y="1394213"/>
-            <a:ext cx="8142809" cy="4329621"/>
-          </a:xfrm>
-          <a:prstGeom prst="rect">
-            <a:avLst/>
-          </a:prstGeom>
-        </p:spPr>
-        <p:txBody>
-          <a:bodyPr vert="horz" lIns="91440" tIns="45720" rIns="91440" bIns="45720" rtlCol="0">
-            <a:noAutofit/>
-          </a:bodyPr>
-          <a:lstStyle>
-            <a:lvl1pPr marL="273050" marR="0" indent="-273050" algn="l" defTabSz="914400" rtl="0" eaLnBrk="1" fontAlgn="auto" latinLnBrk="0" hangingPunct="1">
-              <a:lnSpc>
-                <a:spcPct val="100000"/>
-              </a:lnSpc>
-              <a:spcBef>
-                <a:spcPts val="1200"/>
-              </a:spcBef>
-              <a:spcAft>
-                <a:spcPts val="0"/>
-              </a:spcAft>
-              <a:buClr>
-                <a:srgbClr val="DA1218"/>
-              </a:buClr>
-              <a:buSzTx/>
-              <a:buFont typeface="Wingdings" pitchFamily="2" charset="2"/>
-              <a:buChar char="§"/>
-              <a:tabLst/>
-              <a:defRPr lang="en-US" sz="2400" kern="1200">
-                <a:solidFill>
-                  <a:schemeClr val="tx1"/>
-                </a:solidFill>
-                <a:latin typeface="Arial" pitchFamily="34" charset="0"/>
-                <a:ea typeface="+mn-ea"/>
-                <a:cs typeface="Arial" pitchFamily="34" charset="0"/>
-              </a:defRPr>
-            </a:lvl1pPr>
-            <a:lvl2pPr marL="628650" marR="0" indent="-355600" algn="l" defTabSz="914400" rtl="0" eaLnBrk="1" fontAlgn="auto" latinLnBrk="0" hangingPunct="1">
-              <a:lnSpc>
-                <a:spcPct val="100000"/>
-              </a:lnSpc>
-              <a:spcBef>
-                <a:spcPct val="20000"/>
-              </a:spcBef>
-              <a:spcAft>
-                <a:spcPts val="0"/>
-              </a:spcAft>
-              <a:buClr>
-                <a:srgbClr val="DA1218"/>
-              </a:buClr>
-              <a:buSzTx/>
-              <a:buFont typeface="Wingdings" pitchFamily="2" charset="2"/>
-              <a:buChar char=""/>
-              <a:tabLst/>
-              <a:defRPr lang="en-US" sz="2000" kern="1200">
-                <a:solidFill>
-                  <a:schemeClr val="tx1"/>
-                </a:solidFill>
-                <a:latin typeface="Arial" pitchFamily="34" charset="0"/>
-                <a:ea typeface="+mn-ea"/>
-                <a:cs typeface="Arial" pitchFamily="34" charset="0"/>
-              </a:defRPr>
-            </a:lvl2pPr>
-            <a:lvl3pPr marL="903288" marR="0" indent="-274638" algn="l" defTabSz="914400" rtl="0" eaLnBrk="1" fontAlgn="auto" latinLnBrk="0" hangingPunct="1">
-              <a:lnSpc>
-                <a:spcPct val="100000"/>
-              </a:lnSpc>
-              <a:spcBef>
-                <a:spcPct val="20000"/>
-              </a:spcBef>
-              <a:spcAft>
-                <a:spcPts val="0"/>
-              </a:spcAft>
-              <a:buClr>
-                <a:srgbClr val="DA1218"/>
-              </a:buClr>
-              <a:buSzTx/>
-              <a:buFont typeface="Wingdings" pitchFamily="2" charset="2"/>
-              <a:buChar char="ü"/>
-              <a:tabLst/>
-              <a:defRPr lang="en-US" sz="1800" kern="1200">
-                <a:solidFill>
-                  <a:schemeClr val="tx1"/>
-                </a:solidFill>
-                <a:latin typeface="Arial" pitchFamily="34" charset="0"/>
-                <a:ea typeface="+mn-ea"/>
-                <a:cs typeface="Arial" pitchFamily="34" charset="0"/>
-              </a:defRPr>
-            </a:lvl3pPr>
-            <a:lvl4pPr marL="1081088" marR="0" indent="-177800" algn="l" defTabSz="914400" rtl="0" eaLnBrk="1" fontAlgn="auto" latinLnBrk="0" hangingPunct="1">
-              <a:lnSpc>
-                <a:spcPct val="100000"/>
-              </a:lnSpc>
-              <a:spcBef>
-                <a:spcPct val="20000"/>
-              </a:spcBef>
-              <a:spcAft>
-                <a:spcPts val="0"/>
-              </a:spcAft>
-              <a:buClr>
-                <a:srgbClr val="DA1218"/>
-              </a:buClr>
-              <a:buSzTx/>
-              <a:buFont typeface="Arial" pitchFamily="34" charset="0"/>
-              <a:buChar char="•"/>
-              <a:tabLst/>
-              <a:defRPr lang="en-US" sz="1600" kern="1200">
-                <a:solidFill>
-                  <a:schemeClr val="tx1"/>
-                </a:solidFill>
-                <a:latin typeface="Arial" pitchFamily="34" charset="0"/>
-                <a:ea typeface="+mn-ea"/>
-                <a:cs typeface="Arial" pitchFamily="34" charset="0"/>
-              </a:defRPr>
-            </a:lvl4pPr>
-            <a:lvl5pPr marL="1258888" marR="0" indent="-177800" algn="l" defTabSz="914400" rtl="0" eaLnBrk="1" fontAlgn="auto" latinLnBrk="0" hangingPunct="1">
-              <a:lnSpc>
-                <a:spcPct val="100000"/>
-              </a:lnSpc>
-              <a:spcBef>
-                <a:spcPct val="20000"/>
-              </a:spcBef>
-              <a:spcAft>
-                <a:spcPts val="0"/>
-              </a:spcAft>
-              <a:buClr>
-                <a:srgbClr val="DA1218"/>
-              </a:buClr>
-              <a:buSzPct val="100000"/>
-              <a:buFont typeface="Courier New" pitchFamily="49" charset="0"/>
-              <a:buChar char="o"/>
-              <a:tabLst/>
-              <a:defRPr lang="es-AR" sz="1400" kern="1200">
-                <a:solidFill>
-                  <a:schemeClr val="tx1"/>
-                </a:solidFill>
-                <a:latin typeface="Arial" pitchFamily="34" charset="0"/>
-                <a:ea typeface="+mn-ea"/>
-                <a:cs typeface="Arial" pitchFamily="34" charset="0"/>
-              </a:defRPr>
-            </a:lvl5pPr>
-            <a:lvl6pPr marL="2514600" indent="-228600" algn="l" defTabSz="914400" rtl="0" eaLnBrk="1" latinLnBrk="0" hangingPunct="1">
-              <a:spcBef>
-                <a:spcPct val="20000"/>
-              </a:spcBef>
-              <a:buFont typeface="Arial" pitchFamily="34" charset="0"/>
-              <a:buChar char="•"/>
-              <a:defRPr sz="2000" kern="1200">
-                <a:solidFill>
-                  <a:schemeClr val="tx1"/>
-                </a:solidFill>
-                <a:latin typeface="+mn-lt"/>
-                <a:ea typeface="+mn-ea"/>
-                <a:cs typeface="+mn-cs"/>
-              </a:defRPr>
-            </a:lvl6pPr>
-            <a:lvl7pPr marL="2971800" indent="-228600" algn="l" defTabSz="914400" rtl="0" eaLnBrk="1" latinLnBrk="0" hangingPunct="1">
-              <a:spcBef>
-                <a:spcPct val="20000"/>
-              </a:spcBef>
-              <a:buFont typeface="Arial" pitchFamily="34" charset="0"/>
-              <a:buChar char="•"/>
-              <a:defRPr sz="2000" kern="1200">
-                <a:solidFill>
-                  <a:schemeClr val="tx1"/>
-                </a:solidFill>
-                <a:latin typeface="+mn-lt"/>
-                <a:ea typeface="+mn-ea"/>
-                <a:cs typeface="+mn-cs"/>
-              </a:defRPr>
-            </a:lvl7pPr>
-            <a:lvl8pPr marL="3429000" indent="-228600" algn="l" defTabSz="914400" rtl="0" eaLnBrk="1" latinLnBrk="0" hangingPunct="1">
-              <a:spcBef>
-                <a:spcPct val="20000"/>
-              </a:spcBef>
-              <a:buFont typeface="Arial" pitchFamily="34" charset="0"/>
-              <a:buChar char="•"/>
-              <a:defRPr sz="2000" kern="1200">
-                <a:solidFill>
-                  <a:schemeClr val="tx1"/>
-                </a:solidFill>
-                <a:latin typeface="+mn-lt"/>
-                <a:ea typeface="+mn-ea"/>
-                <a:cs typeface="+mn-cs"/>
-              </a:defRPr>
-            </a:lvl8pPr>
-            <a:lvl9pPr marL="3886200" indent="-228600" algn="l" defTabSz="914400" rtl="0" eaLnBrk="1" latinLnBrk="0" hangingPunct="1">
-              <a:spcBef>
-                <a:spcPct val="20000"/>
-              </a:spcBef>
-              <a:buFont typeface="Arial" pitchFamily="34" charset="0"/>
-              <a:buChar char="•"/>
-              <a:defRPr sz="2000" kern="1200">
-                <a:solidFill>
-                  <a:schemeClr val="tx1"/>
-                </a:solidFill>
-                <a:latin typeface="+mn-lt"/>
-                <a:ea typeface="+mn-ea"/>
-                <a:cs typeface="+mn-cs"/>
-              </a:defRPr>
-            </a:lvl9pPr>
-          </a:lstStyle>
-          <a:p>
-            <a:pPr marL="0" indent="0">
-              <a:buClrTx/>
-            </a:pPr>
-            <a:r>
-              <a:rPr lang="en-GB" sz="2000" b="1" dirty="0" smtClean="0">
-                <a:latin typeface="+mn-lt"/>
-              </a:rPr>
-              <a:t> </a:t>
-            </a:r>
-            <a:r>
-              <a:rPr lang="en-GB" sz="2000" dirty="0" err="1" smtClean="0">
-                <a:latin typeface="+mn-lt"/>
-              </a:rPr>
-              <a:t>Abcdefghi</a:t>
-            </a:r>
-            <a:endParaRPr lang="es-AR" sz="1600" b="1" dirty="0">
-              <a:solidFill>
-                <a:srgbClr val="000000"/>
-              </a:solidFill>
-              <a:latin typeface="Avenir 45 Book"/>
-              <a:cs typeface="+mn-cs"/>
-            </a:endParaRPr>
-          </a:p>
-        </p:txBody>
-      </p:sp>
-      <p:sp>
-        <p:nvSpPr>
           <p:cNvPr id="15" name="Rectangle 14"/>
           <p:cNvSpPr/>
           <p:nvPr/>
@@ -18010,6 +18241,484 @@
               <a:solidFill>
                 <a:schemeClr val="bg1"/>
               </a:solidFill>
+            </a:endParaRPr>
+          </a:p>
+        </p:txBody>
+      </p:sp>
+      <p:sp>
+        <p:nvSpPr>
+          <p:cNvPr id="5" name="Content Placeholder 2"/>
+          <p:cNvSpPr txBox="1">
+            <a:spLocks/>
+          </p:cNvSpPr>
+          <p:nvPr/>
+        </p:nvSpPr>
+        <p:spPr>
+          <a:xfrm>
+            <a:off x="476534" y="1039366"/>
+            <a:ext cx="11052856" cy="4329621"/>
+          </a:xfrm>
+          <a:prstGeom prst="rect">
+            <a:avLst/>
+          </a:prstGeom>
+        </p:spPr>
+        <p:txBody>
+          <a:bodyPr vert="horz" lIns="91440" tIns="45720" rIns="91440" bIns="45720" rtlCol="0">
+            <a:noAutofit/>
+          </a:bodyPr>
+          <a:lstStyle>
+            <a:lvl1pPr marL="273050" marR="0" indent="-273050" algn="l" defTabSz="914400" rtl="0" eaLnBrk="1" fontAlgn="auto" latinLnBrk="0" hangingPunct="1">
+              <a:lnSpc>
+                <a:spcPct val="100000"/>
+              </a:lnSpc>
+              <a:spcBef>
+                <a:spcPts val="1200"/>
+              </a:spcBef>
+              <a:spcAft>
+                <a:spcPts val="0"/>
+              </a:spcAft>
+              <a:buClr>
+                <a:srgbClr val="DA1218"/>
+              </a:buClr>
+              <a:buSzTx/>
+              <a:buFont typeface="Wingdings" pitchFamily="2" charset="2"/>
+              <a:buChar char="§"/>
+              <a:tabLst/>
+              <a:defRPr lang="en-US" sz="2400" kern="1200">
+                <a:solidFill>
+                  <a:schemeClr val="tx1"/>
+                </a:solidFill>
+                <a:latin typeface="Arial" pitchFamily="34" charset="0"/>
+                <a:ea typeface="+mn-ea"/>
+                <a:cs typeface="Arial" pitchFamily="34" charset="0"/>
+              </a:defRPr>
+            </a:lvl1pPr>
+            <a:lvl2pPr marL="628650" marR="0" indent="-355600" algn="l" defTabSz="914400" rtl="0" eaLnBrk="1" fontAlgn="auto" latinLnBrk="0" hangingPunct="1">
+              <a:lnSpc>
+                <a:spcPct val="100000"/>
+              </a:lnSpc>
+              <a:spcBef>
+                <a:spcPct val="20000"/>
+              </a:spcBef>
+              <a:spcAft>
+                <a:spcPts val="0"/>
+              </a:spcAft>
+              <a:buClr>
+                <a:srgbClr val="DA1218"/>
+              </a:buClr>
+              <a:buSzTx/>
+              <a:buFont typeface="Wingdings" pitchFamily="2" charset="2"/>
+              <a:buChar char=""/>
+              <a:tabLst/>
+              <a:defRPr lang="en-US" sz="2000" kern="1200">
+                <a:solidFill>
+                  <a:schemeClr val="tx1"/>
+                </a:solidFill>
+                <a:latin typeface="Arial" pitchFamily="34" charset="0"/>
+                <a:ea typeface="+mn-ea"/>
+                <a:cs typeface="Arial" pitchFamily="34" charset="0"/>
+              </a:defRPr>
+            </a:lvl2pPr>
+            <a:lvl3pPr marL="903288" marR="0" indent="-274638" algn="l" defTabSz="914400" rtl="0" eaLnBrk="1" fontAlgn="auto" latinLnBrk="0" hangingPunct="1">
+              <a:lnSpc>
+                <a:spcPct val="100000"/>
+              </a:lnSpc>
+              <a:spcBef>
+                <a:spcPct val="20000"/>
+              </a:spcBef>
+              <a:spcAft>
+                <a:spcPts val="0"/>
+              </a:spcAft>
+              <a:buClr>
+                <a:srgbClr val="DA1218"/>
+              </a:buClr>
+              <a:buSzTx/>
+              <a:buFont typeface="Wingdings" pitchFamily="2" charset="2"/>
+              <a:buChar char="ü"/>
+              <a:tabLst/>
+              <a:defRPr lang="en-US" sz="1800" kern="1200">
+                <a:solidFill>
+                  <a:schemeClr val="tx1"/>
+                </a:solidFill>
+                <a:latin typeface="Arial" pitchFamily="34" charset="0"/>
+                <a:ea typeface="+mn-ea"/>
+                <a:cs typeface="Arial" pitchFamily="34" charset="0"/>
+              </a:defRPr>
+            </a:lvl3pPr>
+            <a:lvl4pPr marL="1081088" marR="0" indent="-177800" algn="l" defTabSz="914400" rtl="0" eaLnBrk="1" fontAlgn="auto" latinLnBrk="0" hangingPunct="1">
+              <a:lnSpc>
+                <a:spcPct val="100000"/>
+              </a:lnSpc>
+              <a:spcBef>
+                <a:spcPct val="20000"/>
+              </a:spcBef>
+              <a:spcAft>
+                <a:spcPts val="0"/>
+              </a:spcAft>
+              <a:buClr>
+                <a:srgbClr val="DA1218"/>
+              </a:buClr>
+              <a:buSzTx/>
+              <a:buFont typeface="Arial" pitchFamily="34" charset="0"/>
+              <a:buChar char="•"/>
+              <a:tabLst/>
+              <a:defRPr lang="en-US" sz="1600" kern="1200">
+                <a:solidFill>
+                  <a:schemeClr val="tx1"/>
+                </a:solidFill>
+                <a:latin typeface="Arial" pitchFamily="34" charset="0"/>
+                <a:ea typeface="+mn-ea"/>
+                <a:cs typeface="Arial" pitchFamily="34" charset="0"/>
+              </a:defRPr>
+            </a:lvl4pPr>
+            <a:lvl5pPr marL="1258888" marR="0" indent="-177800" algn="l" defTabSz="914400" rtl="0" eaLnBrk="1" fontAlgn="auto" latinLnBrk="0" hangingPunct="1">
+              <a:lnSpc>
+                <a:spcPct val="100000"/>
+              </a:lnSpc>
+              <a:spcBef>
+                <a:spcPct val="20000"/>
+              </a:spcBef>
+              <a:spcAft>
+                <a:spcPts val="0"/>
+              </a:spcAft>
+              <a:buClr>
+                <a:srgbClr val="DA1218"/>
+              </a:buClr>
+              <a:buSzPct val="100000"/>
+              <a:buFont typeface="Courier New" pitchFamily="49" charset="0"/>
+              <a:buChar char="o"/>
+              <a:tabLst/>
+              <a:defRPr lang="es-AR" sz="1400" kern="1200">
+                <a:solidFill>
+                  <a:schemeClr val="tx1"/>
+                </a:solidFill>
+                <a:latin typeface="Arial" pitchFamily="34" charset="0"/>
+                <a:ea typeface="+mn-ea"/>
+                <a:cs typeface="Arial" pitchFamily="34" charset="0"/>
+              </a:defRPr>
+            </a:lvl5pPr>
+            <a:lvl6pPr marL="2514600" indent="-228600" algn="l" defTabSz="914400" rtl="0" eaLnBrk="1" latinLnBrk="0" hangingPunct="1">
+              <a:spcBef>
+                <a:spcPct val="20000"/>
+              </a:spcBef>
+              <a:buFont typeface="Arial" pitchFamily="34" charset="0"/>
+              <a:buChar char="•"/>
+              <a:defRPr sz="2000" kern="1200">
+                <a:solidFill>
+                  <a:schemeClr val="tx1"/>
+                </a:solidFill>
+                <a:latin typeface="+mn-lt"/>
+                <a:ea typeface="+mn-ea"/>
+                <a:cs typeface="+mn-cs"/>
+              </a:defRPr>
+            </a:lvl6pPr>
+            <a:lvl7pPr marL="2971800" indent="-228600" algn="l" defTabSz="914400" rtl="0" eaLnBrk="1" latinLnBrk="0" hangingPunct="1">
+              <a:spcBef>
+                <a:spcPct val="20000"/>
+              </a:spcBef>
+              <a:buFont typeface="Arial" pitchFamily="34" charset="0"/>
+              <a:buChar char="•"/>
+              <a:defRPr sz="2000" kern="1200">
+                <a:solidFill>
+                  <a:schemeClr val="tx1"/>
+                </a:solidFill>
+                <a:latin typeface="+mn-lt"/>
+                <a:ea typeface="+mn-ea"/>
+                <a:cs typeface="+mn-cs"/>
+              </a:defRPr>
+            </a:lvl7pPr>
+            <a:lvl8pPr marL="3429000" indent="-228600" algn="l" defTabSz="914400" rtl="0" eaLnBrk="1" latinLnBrk="0" hangingPunct="1">
+              <a:spcBef>
+                <a:spcPct val="20000"/>
+              </a:spcBef>
+              <a:buFont typeface="Arial" pitchFamily="34" charset="0"/>
+              <a:buChar char="•"/>
+              <a:defRPr sz="2000" kern="1200">
+                <a:solidFill>
+                  <a:schemeClr val="tx1"/>
+                </a:solidFill>
+                <a:latin typeface="+mn-lt"/>
+                <a:ea typeface="+mn-ea"/>
+                <a:cs typeface="+mn-cs"/>
+              </a:defRPr>
+            </a:lvl8pPr>
+            <a:lvl9pPr marL="3886200" indent="-228600" algn="l" defTabSz="914400" rtl="0" eaLnBrk="1" latinLnBrk="0" hangingPunct="1">
+              <a:spcBef>
+                <a:spcPct val="20000"/>
+              </a:spcBef>
+              <a:buFont typeface="Arial" pitchFamily="34" charset="0"/>
+              <a:buChar char="•"/>
+              <a:defRPr sz="2000" kern="1200">
+                <a:solidFill>
+                  <a:schemeClr val="tx1"/>
+                </a:solidFill>
+                <a:latin typeface="+mn-lt"/>
+                <a:ea typeface="+mn-ea"/>
+                <a:cs typeface="+mn-cs"/>
+              </a:defRPr>
+            </a:lvl9pPr>
+          </a:lstStyle>
+          <a:p>
+            <a:pPr>
+              <a:buClrTx/>
+            </a:pPr>
+            <a:r>
+              <a:rPr lang="en-GB" sz="2000" dirty="0">
+                <a:latin typeface="Avenir 45 Book (Body)"/>
+              </a:rPr>
+              <a:t>How to write </a:t>
+            </a:r>
+            <a:r>
+              <a:rPr lang="en-GB" sz="2000" dirty="0" smtClean="0">
+                <a:latin typeface="Avenir 45 Book (Body)"/>
+              </a:rPr>
+              <a:t>integration tests</a:t>
+            </a:r>
+            <a:r>
+              <a:rPr lang="en-GB" sz="2000" dirty="0">
+                <a:latin typeface="Avenir 45 Book (Body)"/>
+              </a:rPr>
+              <a:t>:</a:t>
+            </a:r>
+          </a:p>
+          <a:p>
+            <a:pPr marL="547688" lvl="1" indent="-285750">
+              <a:spcBef>
+                <a:spcPts val="1200"/>
+              </a:spcBef>
+              <a:buClrTx/>
+              <a:buFont typeface="Wingdings" panose="05000000000000000000" pitchFamily="2" charset="2"/>
+              <a:buChar char="§"/>
+            </a:pPr>
+            <a:r>
+              <a:rPr lang="en-US" sz="1800" dirty="0">
+                <a:latin typeface="Avenir 45 Book (Body)"/>
+              </a:rPr>
+              <a:t>Setup preconditions</a:t>
+            </a:r>
+          </a:p>
+          <a:p>
+            <a:pPr marL="547688" lvl="1" indent="-285750">
+              <a:spcBef>
+                <a:spcPts val="1200"/>
+              </a:spcBef>
+              <a:buClrTx/>
+              <a:buFont typeface="Wingdings" panose="05000000000000000000" pitchFamily="2" charset="2"/>
+              <a:buChar char="§"/>
+            </a:pPr>
+            <a:r>
+              <a:rPr lang="en-US" sz="1800" dirty="0">
+                <a:latin typeface="Avenir 45 Book (Body)"/>
+              </a:rPr>
+              <a:t>Execute the code to be tested</a:t>
+            </a:r>
+          </a:p>
+          <a:p>
+            <a:pPr marL="547688" lvl="1" indent="-285750">
+              <a:spcBef>
+                <a:spcPts val="1200"/>
+              </a:spcBef>
+              <a:buClrTx/>
+              <a:buFont typeface="Wingdings" panose="05000000000000000000" pitchFamily="2" charset="2"/>
+              <a:buChar char="§"/>
+            </a:pPr>
+            <a:r>
+              <a:rPr lang="en-US" sz="1800" dirty="0">
+                <a:latin typeface="Avenir 45 Book (Body)"/>
+              </a:rPr>
+              <a:t>Assert on the expected </a:t>
+            </a:r>
+            <a:r>
+              <a:rPr lang="en-US" sz="1800" dirty="0" smtClean="0">
+                <a:latin typeface="Avenir 45 Book (Body)"/>
+              </a:rPr>
+              <a:t>results</a:t>
+            </a:r>
+          </a:p>
+          <a:p>
+            <a:pPr marL="547688" lvl="1" indent="-285750">
+              <a:spcBef>
+                <a:spcPts val="1200"/>
+              </a:spcBef>
+              <a:buClrTx/>
+              <a:buFont typeface="Wingdings" panose="05000000000000000000" pitchFamily="2" charset="2"/>
+              <a:buChar char="§"/>
+            </a:pPr>
+            <a:endParaRPr lang="en-US" sz="1800" dirty="0">
+              <a:latin typeface="Avenir 45 Book (Body)"/>
+            </a:endParaRPr>
+          </a:p>
+          <a:p>
+            <a:pPr marL="0" indent="0">
+              <a:buClrTx/>
+            </a:pPr>
+            <a:r>
+              <a:rPr lang="en-US" sz="2000" dirty="0">
+                <a:latin typeface="Avenir 45 Book (Body)"/>
+              </a:rPr>
+              <a:t> A good </a:t>
+            </a:r>
+            <a:r>
+              <a:rPr lang="en-US" sz="2000" dirty="0" smtClean="0">
+                <a:latin typeface="Avenir 45 Book (Body)"/>
+              </a:rPr>
+              <a:t>integration test</a:t>
+            </a:r>
+            <a:r>
+              <a:rPr lang="en-US" sz="2000" dirty="0">
+                <a:latin typeface="Avenir 45 Book (Body)"/>
+              </a:rPr>
+              <a:t>:</a:t>
+            </a:r>
+          </a:p>
+          <a:p>
+            <a:pPr marL="547688" lvl="1" indent="-285750">
+              <a:spcBef>
+                <a:spcPts val="1200"/>
+              </a:spcBef>
+              <a:buClrTx/>
+              <a:buFont typeface="Wingdings" panose="05000000000000000000" pitchFamily="2" charset="2"/>
+              <a:buChar char="§"/>
+            </a:pPr>
+            <a:r>
+              <a:rPr lang="en-US" sz="1800" dirty="0">
+                <a:latin typeface="Avenir 45 Book (Body)"/>
+              </a:rPr>
+              <a:t>Documents your design</a:t>
+            </a:r>
+          </a:p>
+          <a:p>
+            <a:pPr marL="547688" lvl="1" indent="-285750">
+              <a:spcBef>
+                <a:spcPts val="1200"/>
+              </a:spcBef>
+              <a:buClrTx/>
+              <a:buFont typeface="Wingdings" panose="05000000000000000000" pitchFamily="2" charset="2"/>
+              <a:buChar char="§"/>
+            </a:pPr>
+            <a:r>
+              <a:rPr lang="en-US" sz="1800" dirty="0" smtClean="0">
+                <a:latin typeface="Avenir 45 Book (Body)"/>
+              </a:rPr>
+              <a:t>Can </a:t>
+            </a:r>
+            <a:r>
+              <a:rPr lang="en-US" sz="1800" dirty="0">
+                <a:latin typeface="Avenir 45 Book (Body)"/>
+              </a:rPr>
+              <a:t>be run in any order if part of many other tests</a:t>
+            </a:r>
+          </a:p>
+          <a:p>
+            <a:pPr marL="547688" lvl="1" indent="-285750">
+              <a:spcBef>
+                <a:spcPts val="1200"/>
+              </a:spcBef>
+              <a:buClrTx/>
+              <a:buFont typeface="Wingdings" panose="05000000000000000000" pitchFamily="2" charset="2"/>
+              <a:buChar char="§"/>
+            </a:pPr>
+            <a:r>
+              <a:rPr lang="en-US" sz="1800" dirty="0">
+                <a:latin typeface="Avenir 45 Book (Body)"/>
+              </a:rPr>
+              <a:t>Consistently returns the same result</a:t>
+            </a:r>
+          </a:p>
+          <a:p>
+            <a:pPr marL="547688" lvl="1" indent="-285750">
+              <a:spcBef>
+                <a:spcPts val="1200"/>
+              </a:spcBef>
+              <a:buClrTx/>
+              <a:buFont typeface="Wingdings" panose="05000000000000000000" pitchFamily="2" charset="2"/>
+              <a:buChar char="§"/>
+            </a:pPr>
+            <a:r>
+              <a:rPr lang="en-US" sz="1800" dirty="0">
+                <a:latin typeface="Avenir 45 Book (Body)"/>
+              </a:rPr>
+              <a:t>Tests a single logical concept in the system</a:t>
+            </a:r>
+          </a:p>
+          <a:p>
+            <a:pPr marL="547688" lvl="1" indent="-285750">
+              <a:spcBef>
+                <a:spcPts val="1200"/>
+              </a:spcBef>
+              <a:buClrTx/>
+              <a:buFont typeface="Wingdings" panose="05000000000000000000" pitchFamily="2" charset="2"/>
+              <a:buChar char="§"/>
+            </a:pPr>
+            <a:r>
+              <a:rPr lang="en-US" sz="1800" dirty="0">
+                <a:latin typeface="Avenir 45 Book (Body)"/>
+              </a:rPr>
+              <a:t>Is named clearly and consistently</a:t>
+            </a:r>
+          </a:p>
+          <a:p>
+            <a:pPr marL="547688" lvl="1" indent="-285750">
+              <a:spcBef>
+                <a:spcPts val="1200"/>
+              </a:spcBef>
+              <a:buClrTx/>
+              <a:buFont typeface="Wingdings" panose="05000000000000000000" pitchFamily="2" charset="2"/>
+              <a:buChar char="§"/>
+            </a:pPr>
+            <a:r>
+              <a:rPr lang="en-US" sz="1800" dirty="0">
+                <a:latin typeface="Avenir 45 Book (Body)"/>
+              </a:rPr>
+              <a:t>Is readable</a:t>
+            </a:r>
+          </a:p>
+          <a:p>
+            <a:pPr marL="547688" lvl="1" indent="-285750">
+              <a:spcBef>
+                <a:spcPts val="1200"/>
+              </a:spcBef>
+              <a:buClrTx/>
+              <a:buFont typeface="Wingdings" panose="05000000000000000000" pitchFamily="2" charset="2"/>
+              <a:buChar char="§"/>
+            </a:pPr>
+            <a:r>
+              <a:rPr lang="en-US" sz="1800" dirty="0">
+                <a:latin typeface="Avenir 45 Book (Body)"/>
+              </a:rPr>
+              <a:t>Is maintainable</a:t>
+            </a:r>
+            <a:endParaRPr lang="en-GB" sz="1800" i="1" dirty="0">
+              <a:latin typeface="Avenir 45 Book (Body)"/>
+            </a:endParaRPr>
+          </a:p>
+          <a:p>
+            <a:pPr lvl="0" defTabSz="914363">
+              <a:lnSpc>
+                <a:spcPct val="90000"/>
+              </a:lnSpc>
+              <a:spcBef>
+                <a:spcPts val="0"/>
+              </a:spcBef>
+              <a:spcAft>
+                <a:spcPts val="400"/>
+              </a:spcAft>
+              <a:buClr>
+                <a:schemeClr val="tx1">
+                  <a:lumMod val="75000"/>
+                  <a:lumOff val="25000"/>
+                </a:schemeClr>
+              </a:buClr>
+              <a:buSzPct val="100000"/>
+              <a:buFont typeface="Wingdings" panose="05000000000000000000" pitchFamily="2" charset="2"/>
+              <a:buChar char="ä"/>
+            </a:pPr>
+            <a:endParaRPr lang="es-AR" sz="1400" b="1" dirty="0">
+              <a:solidFill>
+                <a:srgbClr val="000000"/>
+              </a:solidFill>
+              <a:latin typeface="Avenir 45 Book (Body)"/>
+              <a:cs typeface="+mn-cs"/>
             </a:endParaRPr>
           </a:p>
         </p:txBody>
@@ -18942,20 +19651,25 @@
           <a:lstStyle/>
           <a:p>
             <a:r>
-              <a:rPr lang="en-US" sz="3600" dirty="0">
+              <a:rPr lang="en-US" sz="3600" dirty="0" smtClean="0">
                 <a:solidFill>
                   <a:schemeClr val="bg1"/>
                 </a:solidFill>
               </a:rPr>
-              <a:t>Tip 1: Decouple method code</a:t>
-            </a:r>
+              <a:t>Working with Legacy Code</a:t>
+            </a:r>
+            <a:endParaRPr lang="en-US" sz="3600" dirty="0">
+              <a:solidFill>
+                <a:schemeClr val="bg1"/>
+              </a:solidFill>
+            </a:endParaRPr>
           </a:p>
         </p:txBody>
       </p:sp>
     </p:spTree>
     <p:extLst>
       <p:ext uri="{BB962C8B-B14F-4D97-AF65-F5344CB8AC3E}">
-        <p14:creationId xmlns:p14="http://schemas.microsoft.com/office/powerpoint/2010/main" val="1368165989"/>
+        <p14:creationId xmlns:p14="http://schemas.microsoft.com/office/powerpoint/2010/main" val="2184142410"/>
       </p:ext>
     </p:extLst>
   </p:cSld>
@@ -19349,7 +20063,7 @@
                   <a:schemeClr val="bg1"/>
                 </a:solidFill>
               </a:rPr>
-              <a:t>Tip 2: Test method</a:t>
+              <a:t>Tip 1: Decouple method code</a:t>
             </a:r>
           </a:p>
         </p:txBody>
@@ -19357,7 +20071,7 @@
     </p:spTree>
     <p:extLst>
       <p:ext uri="{BB962C8B-B14F-4D97-AF65-F5344CB8AC3E}">
-        <p14:creationId xmlns:p14="http://schemas.microsoft.com/office/powerpoint/2010/main" val="234987853"/>
+        <p14:creationId xmlns:p14="http://schemas.microsoft.com/office/powerpoint/2010/main" val="1368165989"/>
       </p:ext>
     </p:extLst>
   </p:cSld>
@@ -21219,6 +21933,408 @@
                   <a:schemeClr val="bg1"/>
                 </a:solidFill>
               </a:rPr>
+              <a:t>Tip 2: Test method</a:t>
+            </a:r>
+          </a:p>
+        </p:txBody>
+      </p:sp>
+    </p:spTree>
+    <p:extLst>
+      <p:ext uri="{BB962C8B-B14F-4D97-AF65-F5344CB8AC3E}">
+        <p14:creationId xmlns:p14="http://schemas.microsoft.com/office/powerpoint/2010/main" val="234987853"/>
+      </p:ext>
+    </p:extLst>
+  </p:cSld>
+  <p:clrMapOvr>
+    <a:masterClrMapping/>
+  </p:clrMapOvr>
+  <p:transition spd="slow">
+    <p:wipe/>
+  </p:transition>
+  <p:timing>
+    <p:tnLst>
+      <p:par>
+        <p:cTn id="1" dur="indefinite" restart="never" nodeType="tmRoot"/>
+      </p:par>
+    </p:tnLst>
+  </p:timing>
+</p:sld>
+</file>
+
+<file path=ppt/slides/slide21.xml><?xml version="1.0" encoding="utf-8"?>
+<p:sld xmlns:a="http://schemas.openxmlformats.org/drawingml/2006/main" xmlns:r="http://schemas.openxmlformats.org/officeDocument/2006/relationships" xmlns:p="http://schemas.openxmlformats.org/presentationml/2006/main">
+  <p:cSld>
+    <p:spTree>
+      <p:nvGrpSpPr>
+        <p:cNvPr id="1" name=""/>
+        <p:cNvGrpSpPr/>
+        <p:nvPr/>
+      </p:nvGrpSpPr>
+      <p:grpSpPr>
+        <a:xfrm>
+          <a:off x="0" y="0"/>
+          <a:ext cx="0" cy="0"/>
+          <a:chOff x="0" y="0"/>
+          <a:chExt cx="0" cy="0"/>
+        </a:xfrm>
+      </p:grpSpPr>
+      <p:sp>
+        <p:nvSpPr>
+          <p:cNvPr id="13" name="Content Placeholder 2"/>
+          <p:cNvSpPr txBox="1">
+            <a:spLocks/>
+          </p:cNvSpPr>
+          <p:nvPr/>
+        </p:nvSpPr>
+        <p:spPr>
+          <a:xfrm>
+            <a:off x="476534" y="1394213"/>
+            <a:ext cx="8142809" cy="4329621"/>
+          </a:xfrm>
+          <a:prstGeom prst="rect">
+            <a:avLst/>
+          </a:prstGeom>
+        </p:spPr>
+        <p:txBody>
+          <a:bodyPr vert="horz" lIns="91440" tIns="45720" rIns="91440" bIns="45720" rtlCol="0">
+            <a:noAutofit/>
+          </a:bodyPr>
+          <a:lstStyle>
+            <a:lvl1pPr marL="273050" marR="0" indent="-273050" algn="l" defTabSz="914400" rtl="0" eaLnBrk="1" fontAlgn="auto" latinLnBrk="0" hangingPunct="1">
+              <a:lnSpc>
+                <a:spcPct val="100000"/>
+              </a:lnSpc>
+              <a:spcBef>
+                <a:spcPts val="1200"/>
+              </a:spcBef>
+              <a:spcAft>
+                <a:spcPts val="0"/>
+              </a:spcAft>
+              <a:buClr>
+                <a:srgbClr val="DA1218"/>
+              </a:buClr>
+              <a:buSzTx/>
+              <a:buFont typeface="Wingdings" pitchFamily="2" charset="2"/>
+              <a:buChar char="§"/>
+              <a:tabLst/>
+              <a:defRPr lang="en-US" sz="2400" kern="1200">
+                <a:solidFill>
+                  <a:schemeClr val="tx1"/>
+                </a:solidFill>
+                <a:latin typeface="Arial" pitchFamily="34" charset="0"/>
+                <a:ea typeface="+mn-ea"/>
+                <a:cs typeface="Arial" pitchFamily="34" charset="0"/>
+              </a:defRPr>
+            </a:lvl1pPr>
+            <a:lvl2pPr marL="628650" marR="0" indent="-355600" algn="l" defTabSz="914400" rtl="0" eaLnBrk="1" fontAlgn="auto" latinLnBrk="0" hangingPunct="1">
+              <a:lnSpc>
+                <a:spcPct val="100000"/>
+              </a:lnSpc>
+              <a:spcBef>
+                <a:spcPct val="20000"/>
+              </a:spcBef>
+              <a:spcAft>
+                <a:spcPts val="0"/>
+              </a:spcAft>
+              <a:buClr>
+                <a:srgbClr val="DA1218"/>
+              </a:buClr>
+              <a:buSzTx/>
+              <a:buFont typeface="Wingdings" pitchFamily="2" charset="2"/>
+              <a:buChar char=""/>
+              <a:tabLst/>
+              <a:defRPr lang="en-US" sz="2000" kern="1200">
+                <a:solidFill>
+                  <a:schemeClr val="tx1"/>
+                </a:solidFill>
+                <a:latin typeface="Arial" pitchFamily="34" charset="0"/>
+                <a:ea typeface="+mn-ea"/>
+                <a:cs typeface="Arial" pitchFamily="34" charset="0"/>
+              </a:defRPr>
+            </a:lvl2pPr>
+            <a:lvl3pPr marL="903288" marR="0" indent="-274638" algn="l" defTabSz="914400" rtl="0" eaLnBrk="1" fontAlgn="auto" latinLnBrk="0" hangingPunct="1">
+              <a:lnSpc>
+                <a:spcPct val="100000"/>
+              </a:lnSpc>
+              <a:spcBef>
+                <a:spcPct val="20000"/>
+              </a:spcBef>
+              <a:spcAft>
+                <a:spcPts val="0"/>
+              </a:spcAft>
+              <a:buClr>
+                <a:srgbClr val="DA1218"/>
+              </a:buClr>
+              <a:buSzTx/>
+              <a:buFont typeface="Wingdings" pitchFamily="2" charset="2"/>
+              <a:buChar char="ü"/>
+              <a:tabLst/>
+              <a:defRPr lang="en-US" sz="1800" kern="1200">
+                <a:solidFill>
+                  <a:schemeClr val="tx1"/>
+                </a:solidFill>
+                <a:latin typeface="Arial" pitchFamily="34" charset="0"/>
+                <a:ea typeface="+mn-ea"/>
+                <a:cs typeface="Arial" pitchFamily="34" charset="0"/>
+              </a:defRPr>
+            </a:lvl3pPr>
+            <a:lvl4pPr marL="1081088" marR="0" indent="-177800" algn="l" defTabSz="914400" rtl="0" eaLnBrk="1" fontAlgn="auto" latinLnBrk="0" hangingPunct="1">
+              <a:lnSpc>
+                <a:spcPct val="100000"/>
+              </a:lnSpc>
+              <a:spcBef>
+                <a:spcPct val="20000"/>
+              </a:spcBef>
+              <a:spcAft>
+                <a:spcPts val="0"/>
+              </a:spcAft>
+              <a:buClr>
+                <a:srgbClr val="DA1218"/>
+              </a:buClr>
+              <a:buSzTx/>
+              <a:buFont typeface="Arial" pitchFamily="34" charset="0"/>
+              <a:buChar char="•"/>
+              <a:tabLst/>
+              <a:defRPr lang="en-US" sz="1600" kern="1200">
+                <a:solidFill>
+                  <a:schemeClr val="tx1"/>
+                </a:solidFill>
+                <a:latin typeface="Arial" pitchFamily="34" charset="0"/>
+                <a:ea typeface="+mn-ea"/>
+                <a:cs typeface="Arial" pitchFamily="34" charset="0"/>
+              </a:defRPr>
+            </a:lvl4pPr>
+            <a:lvl5pPr marL="1258888" marR="0" indent="-177800" algn="l" defTabSz="914400" rtl="0" eaLnBrk="1" fontAlgn="auto" latinLnBrk="0" hangingPunct="1">
+              <a:lnSpc>
+                <a:spcPct val="100000"/>
+              </a:lnSpc>
+              <a:spcBef>
+                <a:spcPct val="20000"/>
+              </a:spcBef>
+              <a:spcAft>
+                <a:spcPts val="0"/>
+              </a:spcAft>
+              <a:buClr>
+                <a:srgbClr val="DA1218"/>
+              </a:buClr>
+              <a:buSzPct val="100000"/>
+              <a:buFont typeface="Courier New" pitchFamily="49" charset="0"/>
+              <a:buChar char="o"/>
+              <a:tabLst/>
+              <a:defRPr lang="es-AR" sz="1400" kern="1200">
+                <a:solidFill>
+                  <a:schemeClr val="tx1"/>
+                </a:solidFill>
+                <a:latin typeface="Arial" pitchFamily="34" charset="0"/>
+                <a:ea typeface="+mn-ea"/>
+                <a:cs typeface="Arial" pitchFamily="34" charset="0"/>
+              </a:defRPr>
+            </a:lvl5pPr>
+            <a:lvl6pPr marL="2514600" indent="-228600" algn="l" defTabSz="914400" rtl="0" eaLnBrk="1" latinLnBrk="0" hangingPunct="1">
+              <a:spcBef>
+                <a:spcPct val="20000"/>
+              </a:spcBef>
+              <a:buFont typeface="Arial" pitchFamily="34" charset="0"/>
+              <a:buChar char="•"/>
+              <a:defRPr sz="2000" kern="1200">
+                <a:solidFill>
+                  <a:schemeClr val="tx1"/>
+                </a:solidFill>
+                <a:latin typeface="+mn-lt"/>
+                <a:ea typeface="+mn-ea"/>
+                <a:cs typeface="+mn-cs"/>
+              </a:defRPr>
+            </a:lvl6pPr>
+            <a:lvl7pPr marL="2971800" indent="-228600" algn="l" defTabSz="914400" rtl="0" eaLnBrk="1" latinLnBrk="0" hangingPunct="1">
+              <a:spcBef>
+                <a:spcPct val="20000"/>
+              </a:spcBef>
+              <a:buFont typeface="Arial" pitchFamily="34" charset="0"/>
+              <a:buChar char="•"/>
+              <a:defRPr sz="2000" kern="1200">
+                <a:solidFill>
+                  <a:schemeClr val="tx1"/>
+                </a:solidFill>
+                <a:latin typeface="+mn-lt"/>
+                <a:ea typeface="+mn-ea"/>
+                <a:cs typeface="+mn-cs"/>
+              </a:defRPr>
+            </a:lvl7pPr>
+            <a:lvl8pPr marL="3429000" indent="-228600" algn="l" defTabSz="914400" rtl="0" eaLnBrk="1" latinLnBrk="0" hangingPunct="1">
+              <a:spcBef>
+                <a:spcPct val="20000"/>
+              </a:spcBef>
+              <a:buFont typeface="Arial" pitchFamily="34" charset="0"/>
+              <a:buChar char="•"/>
+              <a:defRPr sz="2000" kern="1200">
+                <a:solidFill>
+                  <a:schemeClr val="tx1"/>
+                </a:solidFill>
+                <a:latin typeface="+mn-lt"/>
+                <a:ea typeface="+mn-ea"/>
+                <a:cs typeface="+mn-cs"/>
+              </a:defRPr>
+            </a:lvl8pPr>
+            <a:lvl9pPr marL="3886200" indent="-228600" algn="l" defTabSz="914400" rtl="0" eaLnBrk="1" latinLnBrk="0" hangingPunct="1">
+              <a:spcBef>
+                <a:spcPct val="20000"/>
+              </a:spcBef>
+              <a:buFont typeface="Arial" pitchFamily="34" charset="0"/>
+              <a:buChar char="•"/>
+              <a:defRPr sz="2000" kern="1200">
+                <a:solidFill>
+                  <a:schemeClr val="tx1"/>
+                </a:solidFill>
+                <a:latin typeface="+mn-lt"/>
+                <a:ea typeface="+mn-ea"/>
+                <a:cs typeface="+mn-cs"/>
+              </a:defRPr>
+            </a:lvl9pPr>
+          </a:lstStyle>
+          <a:p>
+            <a:pPr marL="0" indent="0">
+              <a:buClrTx/>
+            </a:pPr>
+            <a:r>
+              <a:rPr lang="en-GB" sz="2000" b="1" dirty="0" smtClean="0">
+                <a:latin typeface="+mn-lt"/>
+              </a:rPr>
+              <a:t> </a:t>
+            </a:r>
+            <a:r>
+              <a:rPr lang="en-GB" sz="2000" dirty="0" err="1" smtClean="0">
+                <a:latin typeface="+mn-lt"/>
+              </a:rPr>
+              <a:t>Abcdefghi</a:t>
+            </a:r>
+            <a:endParaRPr lang="es-AR" sz="1600" b="1" dirty="0">
+              <a:solidFill>
+                <a:srgbClr val="000000"/>
+              </a:solidFill>
+              <a:latin typeface="Avenir 45 Book"/>
+              <a:cs typeface="+mn-cs"/>
+            </a:endParaRPr>
+          </a:p>
+        </p:txBody>
+      </p:sp>
+      <p:sp>
+        <p:nvSpPr>
+          <p:cNvPr id="15" name="Rectangle 14"/>
+          <p:cNvSpPr/>
+          <p:nvPr/>
+        </p:nvSpPr>
+        <p:spPr>
+          <a:xfrm>
+            <a:off x="-13252" y="1"/>
+            <a:ext cx="12218504" cy="1016000"/>
+          </a:xfrm>
+          <a:prstGeom prst="rect">
+            <a:avLst/>
+          </a:prstGeom>
+          <a:solidFill>
+            <a:srgbClr val="FF9600"/>
+          </a:solidFill>
+          <a:ln>
+            <a:noFill/>
+          </a:ln>
+        </p:spPr>
+        <p:style>
+          <a:lnRef idx="1">
+            <a:schemeClr val="accent6"/>
+          </a:lnRef>
+          <a:fillRef idx="3">
+            <a:schemeClr val="accent6"/>
+          </a:fillRef>
+          <a:effectRef idx="2">
+            <a:schemeClr val="accent6"/>
+          </a:effectRef>
+          <a:fontRef idx="minor">
+            <a:schemeClr val="lt1"/>
+          </a:fontRef>
+        </p:style>
+        <p:txBody>
+          <a:bodyPr anchor="ctr"/>
+          <a:lstStyle/>
+          <a:p>
+            <a:pPr marL="0" marR="0" lvl="0" indent="0" algn="ctr" defTabSz="914400" eaLnBrk="1" fontAlgn="auto" latinLnBrk="0" hangingPunct="1">
+              <a:lnSpc>
+                <a:spcPct val="100000"/>
+              </a:lnSpc>
+              <a:spcBef>
+                <a:spcPts val="0"/>
+              </a:spcBef>
+              <a:spcAft>
+                <a:spcPts val="0"/>
+              </a:spcAft>
+              <a:buClrTx/>
+              <a:buSzTx/>
+              <a:buFontTx/>
+              <a:buNone/>
+              <a:tabLst/>
+              <a:defRPr/>
+            </a:pPr>
+            <a:r>
+              <a:rPr kumimoji="0" lang="es-ES_tradnl" sz="1800" b="0" i="0" u="none" strike="noStrike" kern="0" cap="none" spc="0" normalizeH="0" baseline="0" noProof="0" dirty="0" smtClean="0">
+                <a:ln>
+                  <a:noFill/>
+                </a:ln>
+                <a:solidFill>
+                  <a:srgbClr val="FFFFFF"/>
+                </a:solidFill>
+                <a:effectLst/>
+                <a:uLnTx/>
+                <a:uFillTx/>
+                <a:latin typeface="Arial"/>
+                <a:ea typeface="ＭＳ Ｐゴシック" pitchFamily="-108" charset="-128"/>
+                <a:cs typeface="+mn-cs"/>
+              </a:rPr>
+              <a:t>  </a:t>
+            </a:r>
+            <a:endParaRPr kumimoji="0" lang="es-ES_tradnl" sz="1800" b="0" i="0" u="none" strike="noStrike" kern="0" cap="none" spc="0" normalizeH="0" baseline="0" noProof="0" dirty="0">
+              <a:ln>
+                <a:noFill/>
+              </a:ln>
+              <a:solidFill>
+                <a:srgbClr val="FFFFFF"/>
+              </a:solidFill>
+              <a:effectLst/>
+              <a:uLnTx/>
+              <a:uFillTx/>
+              <a:latin typeface="Arial"/>
+              <a:ea typeface="ＭＳ Ｐゴシック" pitchFamily="-108" charset="-128"/>
+              <a:cs typeface="+mn-cs"/>
+            </a:endParaRPr>
+          </a:p>
+        </p:txBody>
+      </p:sp>
+      <p:sp>
+        <p:nvSpPr>
+          <p:cNvPr id="16" name="TextBox 15"/>
+          <p:cNvSpPr txBox="1"/>
+          <p:nvPr/>
+        </p:nvSpPr>
+        <p:spPr>
+          <a:xfrm>
+            <a:off x="515937" y="212035"/>
+            <a:ext cx="11013453" cy="553998"/>
+          </a:xfrm>
+          <a:prstGeom prst="rect">
+            <a:avLst/>
+          </a:prstGeom>
+          <a:noFill/>
+        </p:spPr>
+        <p:txBody>
+          <a:bodyPr wrap="square" lIns="0" tIns="0" rIns="0" bIns="0" rtlCol="0">
+            <a:spAutoFit/>
+          </a:bodyPr>
+          <a:lstStyle/>
+          <a:p>
+            <a:r>
+              <a:rPr lang="en-US" sz="3600" dirty="0">
+                <a:solidFill>
+                  <a:schemeClr val="bg1"/>
+                </a:solidFill>
+              </a:rPr>
               <a:t>Tip 3: Refactoring</a:t>
             </a:r>
           </a:p>
@@ -21247,7 +22363,7 @@
 </p:sld>
 </file>
 
-<file path=ppt/slides/slide21.xml><?xml version="1.0" encoding="utf-8"?>
+<file path=ppt/slides/slide22.xml><?xml version="1.0" encoding="utf-8"?>
 <p:sld xmlns:a="http://schemas.openxmlformats.org/drawingml/2006/main" xmlns:r="http://schemas.openxmlformats.org/officeDocument/2006/relationships" xmlns:p="http://schemas.openxmlformats.org/presentationml/2006/main">
   <p:cSld>
     <p:spTree>
@@ -21465,7 +22581,7 @@
 </p:sld>
 </file>
 
-<file path=ppt/slides/slide22.xml><?xml version="1.0" encoding="utf-8"?>
+<file path=ppt/slides/slide23.xml><?xml version="1.0" encoding="utf-8"?>
 <p:sld xmlns:a="http://schemas.openxmlformats.org/drawingml/2006/main" xmlns:r="http://schemas.openxmlformats.org/officeDocument/2006/relationships" xmlns:p="http://schemas.openxmlformats.org/presentationml/2006/main">
   <p:cSld>
     <p:spTree>
@@ -21534,7 +22650,7 @@
 </p:sld>
 </file>
 
-<file path=ppt/slides/slide23.xml><?xml version="1.0" encoding="utf-8"?>
+<file path=ppt/slides/slide24.xml><?xml version="1.0" encoding="utf-8"?>
 <p:sld xmlns:a="http://schemas.openxmlformats.org/drawingml/2006/main" xmlns:r="http://schemas.openxmlformats.org/officeDocument/2006/relationships" xmlns:p="http://schemas.openxmlformats.org/presentationml/2006/main">
   <p:cSld>
     <p:spTree>
@@ -21985,7 +23101,7 @@
 </p:sld>
 </file>
 
-<file path=ppt/slides/slide24.xml><?xml version="1.0" encoding="utf-8"?>
+<file path=ppt/slides/slide25.xml><?xml version="1.0" encoding="utf-8"?>
 <p:sld xmlns:a="http://schemas.openxmlformats.org/drawingml/2006/main" xmlns:r="http://schemas.openxmlformats.org/officeDocument/2006/relationships" xmlns:p="http://schemas.openxmlformats.org/presentationml/2006/main">
   <p:cSld>
     <p:spTree>
@@ -22048,7 +23164,7 @@
 </p:sld>
 </file>
 
-<file path=ppt/slides/slide25.xml><?xml version="1.0" encoding="utf-8"?>
+<file path=ppt/slides/slide26.xml><?xml version="1.0" encoding="utf-8"?>
 <p:sld xmlns:a="http://schemas.openxmlformats.org/drawingml/2006/main" xmlns:r="http://schemas.openxmlformats.org/officeDocument/2006/relationships" xmlns:p="http://schemas.openxmlformats.org/presentationml/2006/main">
   <p:cSld>
     <p:spTree>
@@ -22528,7 +23644,7 @@
 </p:sld>
 </file>
 
-<file path=ppt/slides/slide26.xml><?xml version="1.0" encoding="utf-8"?>
+<file path=ppt/slides/slide27.xml><?xml version="1.0" encoding="utf-8"?>
 <p:sld xmlns:a="http://schemas.openxmlformats.org/drawingml/2006/main" xmlns:r="http://schemas.openxmlformats.org/officeDocument/2006/relationships" xmlns:p="http://schemas.openxmlformats.org/presentationml/2006/main">
   <p:cSld>
     <p:spTree>
@@ -22572,557 +23688,6 @@
     <p:extLst>
       <p:ext uri="{BB962C8B-B14F-4D97-AF65-F5344CB8AC3E}">
         <p14:creationId xmlns:p14="http://schemas.microsoft.com/office/powerpoint/2010/main" val="689075145"/>
-      </p:ext>
-    </p:extLst>
-  </p:cSld>
-  <p:clrMapOvr>
-    <a:masterClrMapping/>
-  </p:clrMapOvr>
-  <p:transition spd="slow">
-    <p:wipe/>
-  </p:transition>
-  <p:timing>
-    <p:tnLst>
-      <p:par>
-        <p:cTn id="1" dur="indefinite" restart="never" nodeType="tmRoot"/>
-      </p:par>
-    </p:tnLst>
-  </p:timing>
-</p:sld>
-</file>
-
-<file path=ppt/slides/slide27.xml><?xml version="1.0" encoding="utf-8"?>
-<p:sld xmlns:a="http://schemas.openxmlformats.org/drawingml/2006/main" xmlns:r="http://schemas.openxmlformats.org/officeDocument/2006/relationships" xmlns:p="http://schemas.openxmlformats.org/presentationml/2006/main">
-  <p:cSld>
-    <p:spTree>
-      <p:nvGrpSpPr>
-        <p:cNvPr id="1" name=""/>
-        <p:cNvGrpSpPr/>
-        <p:nvPr/>
-      </p:nvGrpSpPr>
-      <p:grpSpPr>
-        <a:xfrm>
-          <a:off x="0" y="0"/>
-          <a:ext cx="0" cy="0"/>
-          <a:chOff x="0" y="0"/>
-          <a:chExt cx="0" cy="0"/>
-        </a:xfrm>
-      </p:grpSpPr>
-      <p:sp>
-        <p:nvSpPr>
-          <p:cNvPr id="15" name="Rectangle 14"/>
-          <p:cNvSpPr/>
-          <p:nvPr/>
-        </p:nvSpPr>
-        <p:spPr>
-          <a:xfrm>
-            <a:off x="-13252" y="1"/>
-            <a:ext cx="12218504" cy="1016000"/>
-          </a:xfrm>
-          <a:prstGeom prst="rect">
-            <a:avLst/>
-          </a:prstGeom>
-          <a:solidFill>
-            <a:srgbClr val="FF9600"/>
-          </a:solidFill>
-          <a:ln>
-            <a:noFill/>
-          </a:ln>
-        </p:spPr>
-        <p:style>
-          <a:lnRef idx="1">
-            <a:schemeClr val="accent6"/>
-          </a:lnRef>
-          <a:fillRef idx="3">
-            <a:schemeClr val="accent6"/>
-          </a:fillRef>
-          <a:effectRef idx="2">
-            <a:schemeClr val="accent6"/>
-          </a:effectRef>
-          <a:fontRef idx="minor">
-            <a:schemeClr val="lt1"/>
-          </a:fontRef>
-        </p:style>
-        <p:txBody>
-          <a:bodyPr anchor="ctr"/>
-          <a:lstStyle/>
-          <a:p>
-            <a:pPr marL="0" marR="0" lvl="0" indent="0" algn="ctr" defTabSz="914400" eaLnBrk="1" fontAlgn="auto" latinLnBrk="0" hangingPunct="1">
-              <a:lnSpc>
-                <a:spcPct val="100000"/>
-              </a:lnSpc>
-              <a:spcBef>
-                <a:spcPts val="0"/>
-              </a:spcBef>
-              <a:spcAft>
-                <a:spcPts val="0"/>
-              </a:spcAft>
-              <a:buClrTx/>
-              <a:buSzTx/>
-              <a:buFontTx/>
-              <a:buNone/>
-              <a:tabLst/>
-              <a:defRPr/>
-            </a:pPr>
-            <a:r>
-              <a:rPr kumimoji="0" lang="es-ES_tradnl" sz="1800" b="0" i="0" u="none" strike="noStrike" kern="0" cap="none" spc="0" normalizeH="0" baseline="0" noProof="0" dirty="0" smtClean="0">
-                <a:ln>
-                  <a:noFill/>
-                </a:ln>
-                <a:solidFill>
-                  <a:srgbClr val="FFFFFF"/>
-                </a:solidFill>
-                <a:effectLst/>
-                <a:uLnTx/>
-                <a:uFillTx/>
-                <a:latin typeface="Arial"/>
-                <a:ea typeface="ＭＳ Ｐゴシック" pitchFamily="-108" charset="-128"/>
-                <a:cs typeface="+mn-cs"/>
-              </a:rPr>
-              <a:t>  </a:t>
-            </a:r>
-            <a:endParaRPr kumimoji="0" lang="es-ES_tradnl" sz="1800" b="0" i="0" u="none" strike="noStrike" kern="0" cap="none" spc="0" normalizeH="0" baseline="0" noProof="0" dirty="0">
-              <a:ln>
-                <a:noFill/>
-              </a:ln>
-              <a:solidFill>
-                <a:srgbClr val="FFFFFF"/>
-              </a:solidFill>
-              <a:effectLst/>
-              <a:uLnTx/>
-              <a:uFillTx/>
-              <a:latin typeface="Arial"/>
-              <a:ea typeface="ＭＳ Ｐゴシック" pitchFamily="-108" charset="-128"/>
-              <a:cs typeface="+mn-cs"/>
-            </a:endParaRPr>
-          </a:p>
-        </p:txBody>
-      </p:sp>
-      <p:sp>
-        <p:nvSpPr>
-          <p:cNvPr id="16" name="TextBox 15"/>
-          <p:cNvSpPr txBox="1"/>
-          <p:nvPr/>
-        </p:nvSpPr>
-        <p:spPr>
-          <a:xfrm>
-            <a:off x="515936" y="212035"/>
-            <a:ext cx="11676063" cy="553998"/>
-          </a:xfrm>
-          <a:prstGeom prst="rect">
-            <a:avLst/>
-          </a:prstGeom>
-          <a:noFill/>
-        </p:spPr>
-        <p:txBody>
-          <a:bodyPr wrap="square" lIns="0" tIns="0" rIns="0" bIns="0" rtlCol="0">
-            <a:spAutoFit/>
-          </a:bodyPr>
-          <a:lstStyle/>
-          <a:p>
-            <a:r>
-              <a:rPr lang="en-US" sz="3600" dirty="0" smtClean="0">
-                <a:solidFill>
-                  <a:schemeClr val="bg1"/>
-                </a:solidFill>
-              </a:rPr>
-              <a:t>Summary</a:t>
-            </a:r>
-            <a:endParaRPr lang="es-AR" sz="3600" dirty="0">
-              <a:solidFill>
-                <a:schemeClr val="bg1"/>
-              </a:solidFill>
-            </a:endParaRPr>
-          </a:p>
-        </p:txBody>
-      </p:sp>
-      <p:sp>
-        <p:nvSpPr>
-          <p:cNvPr id="6" name="Content Placeholder 2"/>
-          <p:cNvSpPr txBox="1">
-            <a:spLocks/>
-          </p:cNvSpPr>
-          <p:nvPr/>
-        </p:nvSpPr>
-        <p:spPr>
-          <a:xfrm>
-            <a:off x="476534" y="1312325"/>
-            <a:ext cx="10987585" cy="4329621"/>
-          </a:xfrm>
-          <a:prstGeom prst="rect">
-            <a:avLst/>
-          </a:prstGeom>
-        </p:spPr>
-        <p:txBody>
-          <a:bodyPr vert="horz" lIns="91440" tIns="45720" rIns="91440" bIns="45720" rtlCol="0">
-            <a:noAutofit/>
-          </a:bodyPr>
-          <a:lstStyle>
-            <a:lvl1pPr marL="273050" marR="0" indent="-273050" algn="l" defTabSz="914400" rtl="0" eaLnBrk="1" fontAlgn="auto" latinLnBrk="0" hangingPunct="1">
-              <a:lnSpc>
-                <a:spcPct val="100000"/>
-              </a:lnSpc>
-              <a:spcBef>
-                <a:spcPts val="1200"/>
-              </a:spcBef>
-              <a:spcAft>
-                <a:spcPts val="0"/>
-              </a:spcAft>
-              <a:buClr>
-                <a:srgbClr val="DA1218"/>
-              </a:buClr>
-              <a:buSzTx/>
-              <a:buFont typeface="Wingdings" pitchFamily="2" charset="2"/>
-              <a:buChar char="§"/>
-              <a:tabLst/>
-              <a:defRPr lang="en-US" sz="2400" kern="1200">
-                <a:solidFill>
-                  <a:schemeClr val="tx1"/>
-                </a:solidFill>
-                <a:latin typeface="Arial" pitchFamily="34" charset="0"/>
-                <a:ea typeface="+mn-ea"/>
-                <a:cs typeface="Arial" pitchFamily="34" charset="0"/>
-              </a:defRPr>
-            </a:lvl1pPr>
-            <a:lvl2pPr marL="628650" marR="0" indent="-355600" algn="l" defTabSz="914400" rtl="0" eaLnBrk="1" fontAlgn="auto" latinLnBrk="0" hangingPunct="1">
-              <a:lnSpc>
-                <a:spcPct val="100000"/>
-              </a:lnSpc>
-              <a:spcBef>
-                <a:spcPct val="20000"/>
-              </a:spcBef>
-              <a:spcAft>
-                <a:spcPts val="0"/>
-              </a:spcAft>
-              <a:buClr>
-                <a:srgbClr val="DA1218"/>
-              </a:buClr>
-              <a:buSzTx/>
-              <a:buFont typeface="Wingdings" pitchFamily="2" charset="2"/>
-              <a:buChar char=""/>
-              <a:tabLst/>
-              <a:defRPr lang="en-US" sz="2000" kern="1200">
-                <a:solidFill>
-                  <a:schemeClr val="tx1"/>
-                </a:solidFill>
-                <a:latin typeface="Arial" pitchFamily="34" charset="0"/>
-                <a:ea typeface="+mn-ea"/>
-                <a:cs typeface="Arial" pitchFamily="34" charset="0"/>
-              </a:defRPr>
-            </a:lvl2pPr>
-            <a:lvl3pPr marL="903288" marR="0" indent="-274638" algn="l" defTabSz="914400" rtl="0" eaLnBrk="1" fontAlgn="auto" latinLnBrk="0" hangingPunct="1">
-              <a:lnSpc>
-                <a:spcPct val="100000"/>
-              </a:lnSpc>
-              <a:spcBef>
-                <a:spcPct val="20000"/>
-              </a:spcBef>
-              <a:spcAft>
-                <a:spcPts val="0"/>
-              </a:spcAft>
-              <a:buClr>
-                <a:srgbClr val="DA1218"/>
-              </a:buClr>
-              <a:buSzTx/>
-              <a:buFont typeface="Wingdings" pitchFamily="2" charset="2"/>
-              <a:buChar char="ü"/>
-              <a:tabLst/>
-              <a:defRPr lang="en-US" sz="1800" kern="1200">
-                <a:solidFill>
-                  <a:schemeClr val="tx1"/>
-                </a:solidFill>
-                <a:latin typeface="Arial" pitchFamily="34" charset="0"/>
-                <a:ea typeface="+mn-ea"/>
-                <a:cs typeface="Arial" pitchFamily="34" charset="0"/>
-              </a:defRPr>
-            </a:lvl3pPr>
-            <a:lvl4pPr marL="1081088" marR="0" indent="-177800" algn="l" defTabSz="914400" rtl="0" eaLnBrk="1" fontAlgn="auto" latinLnBrk="0" hangingPunct="1">
-              <a:lnSpc>
-                <a:spcPct val="100000"/>
-              </a:lnSpc>
-              <a:spcBef>
-                <a:spcPct val="20000"/>
-              </a:spcBef>
-              <a:spcAft>
-                <a:spcPts val="0"/>
-              </a:spcAft>
-              <a:buClr>
-                <a:srgbClr val="DA1218"/>
-              </a:buClr>
-              <a:buSzTx/>
-              <a:buFont typeface="Arial" pitchFamily="34" charset="0"/>
-              <a:buChar char="•"/>
-              <a:tabLst/>
-              <a:defRPr lang="en-US" sz="1600" kern="1200">
-                <a:solidFill>
-                  <a:schemeClr val="tx1"/>
-                </a:solidFill>
-                <a:latin typeface="Arial" pitchFamily="34" charset="0"/>
-                <a:ea typeface="+mn-ea"/>
-                <a:cs typeface="Arial" pitchFamily="34" charset="0"/>
-              </a:defRPr>
-            </a:lvl4pPr>
-            <a:lvl5pPr marL="1258888" marR="0" indent="-177800" algn="l" defTabSz="914400" rtl="0" eaLnBrk="1" fontAlgn="auto" latinLnBrk="0" hangingPunct="1">
-              <a:lnSpc>
-                <a:spcPct val="100000"/>
-              </a:lnSpc>
-              <a:spcBef>
-                <a:spcPct val="20000"/>
-              </a:spcBef>
-              <a:spcAft>
-                <a:spcPts val="0"/>
-              </a:spcAft>
-              <a:buClr>
-                <a:srgbClr val="DA1218"/>
-              </a:buClr>
-              <a:buSzPct val="100000"/>
-              <a:buFont typeface="Courier New" pitchFamily="49" charset="0"/>
-              <a:buChar char="o"/>
-              <a:tabLst/>
-              <a:defRPr lang="es-AR" sz="1400" kern="1200">
-                <a:solidFill>
-                  <a:schemeClr val="tx1"/>
-                </a:solidFill>
-                <a:latin typeface="Arial" pitchFamily="34" charset="0"/>
-                <a:ea typeface="+mn-ea"/>
-                <a:cs typeface="Arial" pitchFamily="34" charset="0"/>
-              </a:defRPr>
-            </a:lvl5pPr>
-            <a:lvl6pPr marL="2514600" indent="-228600" algn="l" defTabSz="914400" rtl="0" eaLnBrk="1" latinLnBrk="0" hangingPunct="1">
-              <a:spcBef>
-                <a:spcPct val="20000"/>
-              </a:spcBef>
-              <a:buFont typeface="Arial" pitchFamily="34" charset="0"/>
-              <a:buChar char="•"/>
-              <a:defRPr sz="2000" kern="1200">
-                <a:solidFill>
-                  <a:schemeClr val="tx1"/>
-                </a:solidFill>
-                <a:latin typeface="+mn-lt"/>
-                <a:ea typeface="+mn-ea"/>
-                <a:cs typeface="+mn-cs"/>
-              </a:defRPr>
-            </a:lvl6pPr>
-            <a:lvl7pPr marL="2971800" indent="-228600" algn="l" defTabSz="914400" rtl="0" eaLnBrk="1" latinLnBrk="0" hangingPunct="1">
-              <a:spcBef>
-                <a:spcPct val="20000"/>
-              </a:spcBef>
-              <a:buFont typeface="Arial" pitchFamily="34" charset="0"/>
-              <a:buChar char="•"/>
-              <a:defRPr sz="2000" kern="1200">
-                <a:solidFill>
-                  <a:schemeClr val="tx1"/>
-                </a:solidFill>
-                <a:latin typeface="+mn-lt"/>
-                <a:ea typeface="+mn-ea"/>
-                <a:cs typeface="+mn-cs"/>
-              </a:defRPr>
-            </a:lvl7pPr>
-            <a:lvl8pPr marL="3429000" indent="-228600" algn="l" defTabSz="914400" rtl="0" eaLnBrk="1" latinLnBrk="0" hangingPunct="1">
-              <a:spcBef>
-                <a:spcPct val="20000"/>
-              </a:spcBef>
-              <a:buFont typeface="Arial" pitchFamily="34" charset="0"/>
-              <a:buChar char="•"/>
-              <a:defRPr sz="2000" kern="1200">
-                <a:solidFill>
-                  <a:schemeClr val="tx1"/>
-                </a:solidFill>
-                <a:latin typeface="+mn-lt"/>
-                <a:ea typeface="+mn-ea"/>
-                <a:cs typeface="+mn-cs"/>
-              </a:defRPr>
-            </a:lvl8pPr>
-            <a:lvl9pPr marL="3886200" indent="-228600" algn="l" defTabSz="914400" rtl="0" eaLnBrk="1" latinLnBrk="0" hangingPunct="1">
-              <a:spcBef>
-                <a:spcPct val="20000"/>
-              </a:spcBef>
-              <a:buFont typeface="Arial" pitchFamily="34" charset="0"/>
-              <a:buChar char="•"/>
-              <a:defRPr sz="2000" kern="1200">
-                <a:solidFill>
-                  <a:schemeClr val="tx1"/>
-                </a:solidFill>
-                <a:latin typeface="+mn-lt"/>
-                <a:ea typeface="+mn-ea"/>
-                <a:cs typeface="+mn-cs"/>
-              </a:defRPr>
-            </a:lvl9pPr>
-          </a:lstStyle>
-          <a:p>
-            <a:pPr marL="0" lvl="1" indent="0">
-              <a:spcBef>
-                <a:spcPts val="1200"/>
-              </a:spcBef>
-              <a:buClrTx/>
-              <a:buNone/>
-            </a:pPr>
-            <a:r>
-              <a:rPr lang="en-GB" dirty="0" smtClean="0">
-                <a:latin typeface="Avenir 45 Book (Body)"/>
-              </a:rPr>
-              <a:t>These practices:</a:t>
-            </a:r>
-          </a:p>
-          <a:p>
-            <a:pPr marL="0" lvl="1" indent="0">
-              <a:spcBef>
-                <a:spcPts val="1200"/>
-              </a:spcBef>
-              <a:buClrTx/>
-              <a:buFont typeface="Wingdings" panose="05000000000000000000" pitchFamily="2" charset="2"/>
-              <a:buChar char="§"/>
-            </a:pPr>
-            <a:endParaRPr lang="en-GB" dirty="0" smtClean="0">
-              <a:latin typeface="Avenir 45 Book (Body)"/>
-            </a:endParaRPr>
-          </a:p>
-          <a:p>
-            <a:pPr marL="0" lvl="1" indent="0">
-              <a:spcBef>
-                <a:spcPts val="1200"/>
-              </a:spcBef>
-              <a:buClrTx/>
-              <a:buFont typeface="Wingdings" panose="05000000000000000000" pitchFamily="2" charset="2"/>
-              <a:buChar char="§"/>
-            </a:pPr>
-            <a:r>
-              <a:rPr lang="en-GB" dirty="0" smtClean="0">
-                <a:latin typeface="Avenir 45 Book (Body)"/>
-              </a:rPr>
-              <a:t> Make your code more maintainable</a:t>
-            </a:r>
-            <a:endParaRPr lang="en-GB" dirty="0">
-              <a:latin typeface="Avenir 45 Book (Body)"/>
-            </a:endParaRPr>
-          </a:p>
-          <a:p>
-            <a:pPr marL="0" lvl="1" indent="0">
-              <a:spcBef>
-                <a:spcPts val="1200"/>
-              </a:spcBef>
-              <a:buClrTx/>
-              <a:buFont typeface="Wingdings" panose="05000000000000000000" pitchFamily="2" charset="2"/>
-              <a:buChar char="§"/>
-            </a:pPr>
-            <a:r>
-              <a:rPr lang="en-GB" dirty="0">
-                <a:latin typeface="Avenir 45 Book (Body)"/>
-              </a:rPr>
-              <a:t> </a:t>
-            </a:r>
-            <a:r>
-              <a:rPr lang="en-GB" dirty="0" smtClean="0">
-                <a:latin typeface="Avenir 45 Book (Body)"/>
-              </a:rPr>
-              <a:t>Minimize the number of errors in the final product</a:t>
-            </a:r>
-          </a:p>
-          <a:p>
-            <a:pPr marL="0" lvl="1" indent="0">
-              <a:spcBef>
-                <a:spcPts val="1200"/>
-              </a:spcBef>
-              <a:buClrTx/>
-              <a:buFont typeface="Wingdings" panose="05000000000000000000" pitchFamily="2" charset="2"/>
-              <a:buChar char="§"/>
-            </a:pPr>
-            <a:r>
-              <a:rPr lang="en-GB" dirty="0" smtClean="0">
-                <a:latin typeface="Avenir 45 Book (Body)"/>
-              </a:rPr>
-              <a:t> Allow early detection of errors in the development environment</a:t>
-            </a:r>
-          </a:p>
-          <a:p>
-            <a:pPr marL="0" lvl="1" indent="0">
-              <a:spcBef>
-                <a:spcPts val="1200"/>
-              </a:spcBef>
-              <a:buClrTx/>
-              <a:buFont typeface="Wingdings" panose="05000000000000000000" pitchFamily="2" charset="2"/>
-              <a:buChar char="§"/>
-            </a:pPr>
-            <a:r>
-              <a:rPr lang="en-GB" dirty="0">
-                <a:latin typeface="Avenir 45 Book (Body)"/>
-              </a:rPr>
-              <a:t> </a:t>
-            </a:r>
-            <a:r>
-              <a:rPr lang="en-GB" dirty="0" smtClean="0">
-                <a:latin typeface="Avenir 45 Book (Body)"/>
-              </a:rPr>
-              <a:t>Reduce development and maintenance time over the project’s lifecycle</a:t>
-            </a:r>
-          </a:p>
-          <a:p>
-            <a:pPr marL="0" lvl="1" indent="0">
-              <a:spcBef>
-                <a:spcPts val="1200"/>
-              </a:spcBef>
-              <a:buClrTx/>
-              <a:buFont typeface="Wingdings" panose="05000000000000000000" pitchFamily="2" charset="2"/>
-              <a:buChar char="§"/>
-            </a:pPr>
-            <a:r>
-              <a:rPr lang="en-GB" b="1" dirty="0" smtClean="0">
-                <a:latin typeface="Avenir 45 Book (Body)"/>
-              </a:rPr>
-              <a:t> Improve the quality of the final product</a:t>
-            </a:r>
-            <a:endParaRPr lang="en-GB" b="1" dirty="0">
-              <a:latin typeface="Avenir 45 Book (Body)"/>
-            </a:endParaRPr>
-          </a:p>
-          <a:p>
-            <a:pPr marL="0" lvl="1" indent="0">
-              <a:spcBef>
-                <a:spcPts val="1200"/>
-              </a:spcBef>
-              <a:buClrTx/>
-              <a:buFont typeface="Wingdings" panose="05000000000000000000" pitchFamily="2" charset="2"/>
-              <a:buChar char="§"/>
-            </a:pPr>
-            <a:endParaRPr lang="en-GB" dirty="0">
-              <a:latin typeface="Avenir 45 Book (Body)"/>
-            </a:endParaRPr>
-          </a:p>
-          <a:p>
-            <a:pPr lvl="0" defTabSz="914363">
-              <a:lnSpc>
-                <a:spcPct val="90000"/>
-              </a:lnSpc>
-              <a:spcBef>
-                <a:spcPts val="0"/>
-              </a:spcBef>
-              <a:spcAft>
-                <a:spcPts val="400"/>
-              </a:spcAft>
-              <a:buClr>
-                <a:schemeClr val="tx1">
-                  <a:lumMod val="75000"/>
-                  <a:lumOff val="25000"/>
-                </a:schemeClr>
-              </a:buClr>
-              <a:buSzPct val="100000"/>
-              <a:buFont typeface="Wingdings" panose="05000000000000000000" pitchFamily="2" charset="2"/>
-              <a:buChar char="ä"/>
-            </a:pPr>
-            <a:endParaRPr lang="es-AR" sz="1600" b="1" dirty="0">
-              <a:solidFill>
-                <a:srgbClr val="000000"/>
-              </a:solidFill>
-              <a:latin typeface="Avenir 45 Book (Body)"/>
-              <a:cs typeface="+mn-cs"/>
-            </a:endParaRPr>
-          </a:p>
-        </p:txBody>
-      </p:sp>
-    </p:spTree>
-    <p:extLst>
-      <p:ext uri="{BB962C8B-B14F-4D97-AF65-F5344CB8AC3E}">
-        <p14:creationId xmlns:p14="http://schemas.microsoft.com/office/powerpoint/2010/main" val="3539865254"/>
       </p:ext>
     </p:extLst>
   </p:cSld>
@@ -23509,28 +24074,10 @@
               <a:buNone/>
             </a:pPr>
             <a:r>
-              <a:rPr lang="en-US" dirty="0" smtClean="0">
-                <a:latin typeface="Avenir 45 Book (Body)"/>
-              </a:rPr>
-              <a:t>These </a:t>
-            </a:r>
-            <a:r>
-              <a:rPr lang="en-US" dirty="0">
-                <a:latin typeface="Avenir 45 Book (Body)"/>
-              </a:rPr>
-              <a:t>practices </a:t>
-            </a:r>
-            <a:r>
-              <a:rPr lang="en-US" dirty="0" smtClean="0">
-                <a:latin typeface="Avenir 45 Book (Body)"/>
-              </a:rPr>
-              <a:t>will also</a:t>
-            </a:r>
-            <a:r>
               <a:rPr lang="en-GB" dirty="0" smtClean="0">
                 <a:latin typeface="Avenir 45 Book (Body)"/>
               </a:rPr>
-              <a:t>:</a:t>
+              <a:t>These practices:</a:t>
             </a:r>
           </a:p>
           <a:p>
@@ -23559,8 +24106,11 @@
               <a:rPr lang="en-GB" dirty="0" smtClean="0">
                 <a:latin typeface="Avenir 45 Book (Body)"/>
               </a:rPr>
-              <a:t> Improve the development team’s internal organization</a:t>
-            </a:r>
+              <a:t> Make your code more maintainable</a:t>
+            </a:r>
+            <a:endParaRPr lang="en-GB" dirty="0">
+              <a:latin typeface="Avenir 45 Book (Body)"/>
+            </a:endParaRPr>
           </a:p>
           <a:p>
             <a:pPr marL="0" lvl="1" indent="0">
@@ -23581,7 +24131,7 @@
               <a:rPr lang="en-GB" dirty="0" smtClean="0">
                 <a:latin typeface="Avenir 45 Book (Body)"/>
               </a:rPr>
-              <a:t>Maintain a current build always available for testing, demos or deployment</a:t>
+              <a:t>Minimize the number of errors in the final product</a:t>
             </a:r>
           </a:p>
           <a:p>
@@ -23597,8 +24147,59 @@
               <a:rPr lang="en-GB" dirty="0" smtClean="0">
                 <a:latin typeface="Avenir 45 Book (Body)"/>
               </a:rPr>
-              <a:t> Allow you to generate metrics of code quality, test coverage, etc.</a:t>
-            </a:r>
+              <a:t> Allow early detection of errors in the development environment</a:t>
+            </a:r>
+          </a:p>
+          <a:p>
+            <a:pPr marL="0" lvl="1" indent="0">
+              <a:spcBef>
+                <a:spcPts val="1200"/>
+              </a:spcBef>
+              <a:buClrTx/>
+              <a:buFont typeface="Wingdings" panose="05000000000000000000" pitchFamily="2" charset="2"/>
+              <a:buChar char="§"/>
+            </a:pPr>
+            <a:r>
+              <a:rPr lang="en-GB" dirty="0">
+                <a:latin typeface="Avenir 45 Book (Body)"/>
+              </a:rPr>
+              <a:t> </a:t>
+            </a:r>
+            <a:r>
+              <a:rPr lang="en-GB" dirty="0" smtClean="0">
+                <a:latin typeface="Avenir 45 Book (Body)"/>
+              </a:rPr>
+              <a:t>Reduce development and maintenance time over the project’s lifecycle</a:t>
+            </a:r>
+          </a:p>
+          <a:p>
+            <a:pPr marL="0" lvl="1" indent="0">
+              <a:spcBef>
+                <a:spcPts val="1200"/>
+              </a:spcBef>
+              <a:buClrTx/>
+              <a:buFont typeface="Wingdings" panose="05000000000000000000" pitchFamily="2" charset="2"/>
+              <a:buChar char="§"/>
+            </a:pPr>
+            <a:r>
+              <a:rPr lang="en-GB" b="1" dirty="0" smtClean="0">
+                <a:latin typeface="Avenir 45 Book (Body)"/>
+              </a:rPr>
+              <a:t> Improve the quality of the final product</a:t>
+            </a:r>
+            <a:endParaRPr lang="en-GB" b="1" dirty="0">
+              <a:latin typeface="Avenir 45 Book (Body)"/>
+            </a:endParaRPr>
+          </a:p>
+          <a:p>
+            <a:pPr marL="0" lvl="1" indent="0">
+              <a:spcBef>
+                <a:spcPts val="1200"/>
+              </a:spcBef>
+              <a:buClrTx/>
+              <a:buFont typeface="Wingdings" panose="05000000000000000000" pitchFamily="2" charset="2"/>
+              <a:buChar char="§"/>
+            </a:pPr>
             <a:endParaRPr lang="en-GB" dirty="0">
               <a:latin typeface="Avenir 45 Book (Body)"/>
             </a:endParaRPr>
@@ -23637,7 +24238,7 @@
     </p:spTree>
     <p:extLst>
       <p:ext uri="{BB962C8B-B14F-4D97-AF65-F5344CB8AC3E}">
-        <p14:creationId xmlns:p14="http://schemas.microsoft.com/office/powerpoint/2010/main" val="1925881899"/>
+        <p14:creationId xmlns:p14="http://schemas.microsoft.com/office/powerpoint/2010/main" val="3539865254"/>
       </p:ext>
     </p:extLst>
   </p:cSld>
@@ -23792,7 +24393,7 @@
                   <a:schemeClr val="bg1"/>
                 </a:solidFill>
               </a:rPr>
-              <a:t>Part III: Scenes of the next episode…</a:t>
+              <a:t>Summary</a:t>
             </a:r>
             <a:endParaRPr lang="es-AR" sz="3600" dirty="0">
               <a:solidFill>
@@ -24021,14 +24622,31 @@
                 <a:spcPts val="1200"/>
               </a:spcBef>
               <a:buClrTx/>
-              <a:buFont typeface="Wingdings" panose="05000000000000000000" pitchFamily="2" charset="2"/>
-              <a:buChar char="§"/>
+              <a:buNone/>
             </a:pPr>
+            <a:r>
+              <a:rPr lang="en-US" dirty="0" smtClean="0">
+                <a:latin typeface="Avenir 45 Book (Body)"/>
+              </a:rPr>
+              <a:t>These </a:t>
+            </a:r>
+            <a:r>
+              <a:rPr lang="en-US" dirty="0">
+                <a:latin typeface="Avenir 45 Book (Body)"/>
+              </a:rPr>
+              <a:t>practices </a:t>
+            </a:r>
+            <a:r>
+              <a:rPr lang="en-US" dirty="0" smtClean="0">
+                <a:latin typeface="Avenir 45 Book (Body)"/>
+              </a:rPr>
+              <a:t>will also</a:t>
+            </a:r>
             <a:r>
               <a:rPr lang="en-GB" dirty="0" smtClean="0">
                 <a:latin typeface="Avenir 45 Book (Body)"/>
               </a:rPr>
-              <a:t> No, it’s over, just kidding…</a:t>
+              <a:t>:</a:t>
             </a:r>
           </a:p>
           <a:p>
@@ -24037,8 +24655,66 @@
                 <a:spcPts val="1200"/>
               </a:spcBef>
               <a:buClrTx/>
-              <a:buNone/>
+              <a:buFont typeface="Wingdings" panose="05000000000000000000" pitchFamily="2" charset="2"/>
+              <a:buChar char="§"/>
             </a:pPr>
+            <a:endParaRPr lang="en-GB" dirty="0" smtClean="0">
+              <a:latin typeface="Avenir 45 Book (Body)"/>
+            </a:endParaRPr>
+          </a:p>
+          <a:p>
+            <a:pPr marL="0" lvl="1" indent="0">
+              <a:spcBef>
+                <a:spcPts val="1200"/>
+              </a:spcBef>
+              <a:buClrTx/>
+              <a:buFont typeface="Wingdings" panose="05000000000000000000" pitchFamily="2" charset="2"/>
+              <a:buChar char="§"/>
+            </a:pPr>
+            <a:r>
+              <a:rPr lang="en-GB" dirty="0" smtClean="0">
+                <a:latin typeface="Avenir 45 Book (Body)"/>
+              </a:rPr>
+              <a:t> Improve the development team’s internal organization</a:t>
+            </a:r>
+          </a:p>
+          <a:p>
+            <a:pPr marL="0" lvl="1" indent="0">
+              <a:spcBef>
+                <a:spcPts val="1200"/>
+              </a:spcBef>
+              <a:buClrTx/>
+              <a:buFont typeface="Wingdings" panose="05000000000000000000" pitchFamily="2" charset="2"/>
+              <a:buChar char="§"/>
+            </a:pPr>
+            <a:r>
+              <a:rPr lang="en-GB" dirty="0">
+                <a:latin typeface="Avenir 45 Book (Body)"/>
+              </a:rPr>
+              <a:t> </a:t>
+            </a:r>
+            <a:r>
+              <a:rPr lang="en-GB" dirty="0" smtClean="0">
+                <a:latin typeface="Avenir 45 Book (Body)"/>
+              </a:rPr>
+              <a:t>Maintain a current build always available for testing, demos or deployment</a:t>
+            </a:r>
+          </a:p>
+          <a:p>
+            <a:pPr marL="0" lvl="1" indent="0">
+              <a:spcBef>
+                <a:spcPts val="1200"/>
+              </a:spcBef>
+              <a:buClrTx/>
+              <a:buFont typeface="Wingdings" panose="05000000000000000000" pitchFamily="2" charset="2"/>
+              <a:buChar char="§"/>
+            </a:pPr>
+            <a:r>
+              <a:rPr lang="en-GB" dirty="0" smtClean="0">
+                <a:latin typeface="Avenir 45 Book (Body)"/>
+              </a:rPr>
+              <a:t> Allow you to generate metrics of code quality, test coverage, etc.</a:t>
+            </a:r>
             <a:endParaRPr lang="en-GB" dirty="0">
               <a:latin typeface="Avenir 45 Book (Body)"/>
             </a:endParaRPr>
@@ -24077,7 +24753,7 @@
     </p:spTree>
     <p:extLst>
       <p:ext uri="{BB962C8B-B14F-4D97-AF65-F5344CB8AC3E}">
-        <p14:creationId xmlns:p14="http://schemas.microsoft.com/office/powerpoint/2010/main" val="2265722533"/>
+        <p14:creationId xmlns:p14="http://schemas.microsoft.com/office/powerpoint/2010/main" val="1925881899"/>
       </p:ext>
     </p:extLst>
   </p:cSld>
@@ -24716,6 +25392,446 @@
 </file>
 
 <file path=ppt/slides/slide30.xml><?xml version="1.0" encoding="utf-8"?>
+<p:sld xmlns:a="http://schemas.openxmlformats.org/drawingml/2006/main" xmlns:r="http://schemas.openxmlformats.org/officeDocument/2006/relationships" xmlns:p="http://schemas.openxmlformats.org/presentationml/2006/main">
+  <p:cSld>
+    <p:spTree>
+      <p:nvGrpSpPr>
+        <p:cNvPr id="1" name=""/>
+        <p:cNvGrpSpPr/>
+        <p:nvPr/>
+      </p:nvGrpSpPr>
+      <p:grpSpPr>
+        <a:xfrm>
+          <a:off x="0" y="0"/>
+          <a:ext cx="0" cy="0"/>
+          <a:chOff x="0" y="0"/>
+          <a:chExt cx="0" cy="0"/>
+        </a:xfrm>
+      </p:grpSpPr>
+      <p:sp>
+        <p:nvSpPr>
+          <p:cNvPr id="15" name="Rectangle 14"/>
+          <p:cNvSpPr/>
+          <p:nvPr/>
+        </p:nvSpPr>
+        <p:spPr>
+          <a:xfrm>
+            <a:off x="-13252" y="1"/>
+            <a:ext cx="12218504" cy="1016000"/>
+          </a:xfrm>
+          <a:prstGeom prst="rect">
+            <a:avLst/>
+          </a:prstGeom>
+          <a:solidFill>
+            <a:srgbClr val="FF9600"/>
+          </a:solidFill>
+          <a:ln>
+            <a:noFill/>
+          </a:ln>
+        </p:spPr>
+        <p:style>
+          <a:lnRef idx="1">
+            <a:schemeClr val="accent6"/>
+          </a:lnRef>
+          <a:fillRef idx="3">
+            <a:schemeClr val="accent6"/>
+          </a:fillRef>
+          <a:effectRef idx="2">
+            <a:schemeClr val="accent6"/>
+          </a:effectRef>
+          <a:fontRef idx="minor">
+            <a:schemeClr val="lt1"/>
+          </a:fontRef>
+        </p:style>
+        <p:txBody>
+          <a:bodyPr anchor="ctr"/>
+          <a:lstStyle/>
+          <a:p>
+            <a:pPr marL="0" marR="0" lvl="0" indent="0" algn="ctr" defTabSz="914400" eaLnBrk="1" fontAlgn="auto" latinLnBrk="0" hangingPunct="1">
+              <a:lnSpc>
+                <a:spcPct val="100000"/>
+              </a:lnSpc>
+              <a:spcBef>
+                <a:spcPts val="0"/>
+              </a:spcBef>
+              <a:spcAft>
+                <a:spcPts val="0"/>
+              </a:spcAft>
+              <a:buClrTx/>
+              <a:buSzTx/>
+              <a:buFontTx/>
+              <a:buNone/>
+              <a:tabLst/>
+              <a:defRPr/>
+            </a:pPr>
+            <a:r>
+              <a:rPr kumimoji="0" lang="es-ES_tradnl" sz="1800" b="0" i="0" u="none" strike="noStrike" kern="0" cap="none" spc="0" normalizeH="0" baseline="0" noProof="0" dirty="0" smtClean="0">
+                <a:ln>
+                  <a:noFill/>
+                </a:ln>
+                <a:solidFill>
+                  <a:srgbClr val="FFFFFF"/>
+                </a:solidFill>
+                <a:effectLst/>
+                <a:uLnTx/>
+                <a:uFillTx/>
+                <a:latin typeface="Arial"/>
+                <a:ea typeface="ＭＳ Ｐゴシック" pitchFamily="-108" charset="-128"/>
+                <a:cs typeface="+mn-cs"/>
+              </a:rPr>
+              <a:t>  </a:t>
+            </a:r>
+            <a:endParaRPr kumimoji="0" lang="es-ES_tradnl" sz="1800" b="0" i="0" u="none" strike="noStrike" kern="0" cap="none" spc="0" normalizeH="0" baseline="0" noProof="0" dirty="0">
+              <a:ln>
+                <a:noFill/>
+              </a:ln>
+              <a:solidFill>
+                <a:srgbClr val="FFFFFF"/>
+              </a:solidFill>
+              <a:effectLst/>
+              <a:uLnTx/>
+              <a:uFillTx/>
+              <a:latin typeface="Arial"/>
+              <a:ea typeface="ＭＳ Ｐゴシック" pitchFamily="-108" charset="-128"/>
+              <a:cs typeface="+mn-cs"/>
+            </a:endParaRPr>
+          </a:p>
+        </p:txBody>
+      </p:sp>
+      <p:sp>
+        <p:nvSpPr>
+          <p:cNvPr id="16" name="TextBox 15"/>
+          <p:cNvSpPr txBox="1"/>
+          <p:nvPr/>
+        </p:nvSpPr>
+        <p:spPr>
+          <a:xfrm>
+            <a:off x="515936" y="212035"/>
+            <a:ext cx="11676063" cy="553998"/>
+          </a:xfrm>
+          <a:prstGeom prst="rect">
+            <a:avLst/>
+          </a:prstGeom>
+          <a:noFill/>
+        </p:spPr>
+        <p:txBody>
+          <a:bodyPr wrap="square" lIns="0" tIns="0" rIns="0" bIns="0" rtlCol="0">
+            <a:spAutoFit/>
+          </a:bodyPr>
+          <a:lstStyle/>
+          <a:p>
+            <a:r>
+              <a:rPr lang="en-US" sz="3600" dirty="0" smtClean="0">
+                <a:solidFill>
+                  <a:schemeClr val="bg1"/>
+                </a:solidFill>
+              </a:rPr>
+              <a:t>Part III: Scenes of the next episode…</a:t>
+            </a:r>
+            <a:endParaRPr lang="es-AR" sz="3600" dirty="0">
+              <a:solidFill>
+                <a:schemeClr val="bg1"/>
+              </a:solidFill>
+            </a:endParaRPr>
+          </a:p>
+        </p:txBody>
+      </p:sp>
+      <p:sp>
+        <p:nvSpPr>
+          <p:cNvPr id="6" name="Content Placeholder 2"/>
+          <p:cNvSpPr txBox="1">
+            <a:spLocks/>
+          </p:cNvSpPr>
+          <p:nvPr/>
+        </p:nvSpPr>
+        <p:spPr>
+          <a:xfrm>
+            <a:off x="476534" y="1312325"/>
+            <a:ext cx="10987585" cy="4329621"/>
+          </a:xfrm>
+          <a:prstGeom prst="rect">
+            <a:avLst/>
+          </a:prstGeom>
+        </p:spPr>
+        <p:txBody>
+          <a:bodyPr vert="horz" lIns="91440" tIns="45720" rIns="91440" bIns="45720" rtlCol="0">
+            <a:noAutofit/>
+          </a:bodyPr>
+          <a:lstStyle>
+            <a:lvl1pPr marL="273050" marR="0" indent="-273050" algn="l" defTabSz="914400" rtl="0" eaLnBrk="1" fontAlgn="auto" latinLnBrk="0" hangingPunct="1">
+              <a:lnSpc>
+                <a:spcPct val="100000"/>
+              </a:lnSpc>
+              <a:spcBef>
+                <a:spcPts val="1200"/>
+              </a:spcBef>
+              <a:spcAft>
+                <a:spcPts val="0"/>
+              </a:spcAft>
+              <a:buClr>
+                <a:srgbClr val="DA1218"/>
+              </a:buClr>
+              <a:buSzTx/>
+              <a:buFont typeface="Wingdings" pitchFamily="2" charset="2"/>
+              <a:buChar char="§"/>
+              <a:tabLst/>
+              <a:defRPr lang="en-US" sz="2400" kern="1200">
+                <a:solidFill>
+                  <a:schemeClr val="tx1"/>
+                </a:solidFill>
+                <a:latin typeface="Arial" pitchFamily="34" charset="0"/>
+                <a:ea typeface="+mn-ea"/>
+                <a:cs typeface="Arial" pitchFamily="34" charset="0"/>
+              </a:defRPr>
+            </a:lvl1pPr>
+            <a:lvl2pPr marL="628650" marR="0" indent="-355600" algn="l" defTabSz="914400" rtl="0" eaLnBrk="1" fontAlgn="auto" latinLnBrk="0" hangingPunct="1">
+              <a:lnSpc>
+                <a:spcPct val="100000"/>
+              </a:lnSpc>
+              <a:spcBef>
+                <a:spcPct val="20000"/>
+              </a:spcBef>
+              <a:spcAft>
+                <a:spcPts val="0"/>
+              </a:spcAft>
+              <a:buClr>
+                <a:srgbClr val="DA1218"/>
+              </a:buClr>
+              <a:buSzTx/>
+              <a:buFont typeface="Wingdings" pitchFamily="2" charset="2"/>
+              <a:buChar char=""/>
+              <a:tabLst/>
+              <a:defRPr lang="en-US" sz="2000" kern="1200">
+                <a:solidFill>
+                  <a:schemeClr val="tx1"/>
+                </a:solidFill>
+                <a:latin typeface="Arial" pitchFamily="34" charset="0"/>
+                <a:ea typeface="+mn-ea"/>
+                <a:cs typeface="Arial" pitchFamily="34" charset="0"/>
+              </a:defRPr>
+            </a:lvl2pPr>
+            <a:lvl3pPr marL="903288" marR="0" indent="-274638" algn="l" defTabSz="914400" rtl="0" eaLnBrk="1" fontAlgn="auto" latinLnBrk="0" hangingPunct="1">
+              <a:lnSpc>
+                <a:spcPct val="100000"/>
+              </a:lnSpc>
+              <a:spcBef>
+                <a:spcPct val="20000"/>
+              </a:spcBef>
+              <a:spcAft>
+                <a:spcPts val="0"/>
+              </a:spcAft>
+              <a:buClr>
+                <a:srgbClr val="DA1218"/>
+              </a:buClr>
+              <a:buSzTx/>
+              <a:buFont typeface="Wingdings" pitchFamily="2" charset="2"/>
+              <a:buChar char="ü"/>
+              <a:tabLst/>
+              <a:defRPr lang="en-US" sz="1800" kern="1200">
+                <a:solidFill>
+                  <a:schemeClr val="tx1"/>
+                </a:solidFill>
+                <a:latin typeface="Arial" pitchFamily="34" charset="0"/>
+                <a:ea typeface="+mn-ea"/>
+                <a:cs typeface="Arial" pitchFamily="34" charset="0"/>
+              </a:defRPr>
+            </a:lvl3pPr>
+            <a:lvl4pPr marL="1081088" marR="0" indent="-177800" algn="l" defTabSz="914400" rtl="0" eaLnBrk="1" fontAlgn="auto" latinLnBrk="0" hangingPunct="1">
+              <a:lnSpc>
+                <a:spcPct val="100000"/>
+              </a:lnSpc>
+              <a:spcBef>
+                <a:spcPct val="20000"/>
+              </a:spcBef>
+              <a:spcAft>
+                <a:spcPts val="0"/>
+              </a:spcAft>
+              <a:buClr>
+                <a:srgbClr val="DA1218"/>
+              </a:buClr>
+              <a:buSzTx/>
+              <a:buFont typeface="Arial" pitchFamily="34" charset="0"/>
+              <a:buChar char="•"/>
+              <a:tabLst/>
+              <a:defRPr lang="en-US" sz="1600" kern="1200">
+                <a:solidFill>
+                  <a:schemeClr val="tx1"/>
+                </a:solidFill>
+                <a:latin typeface="Arial" pitchFamily="34" charset="0"/>
+                <a:ea typeface="+mn-ea"/>
+                <a:cs typeface="Arial" pitchFamily="34" charset="0"/>
+              </a:defRPr>
+            </a:lvl4pPr>
+            <a:lvl5pPr marL="1258888" marR="0" indent="-177800" algn="l" defTabSz="914400" rtl="0" eaLnBrk="1" fontAlgn="auto" latinLnBrk="0" hangingPunct="1">
+              <a:lnSpc>
+                <a:spcPct val="100000"/>
+              </a:lnSpc>
+              <a:spcBef>
+                <a:spcPct val="20000"/>
+              </a:spcBef>
+              <a:spcAft>
+                <a:spcPts val="0"/>
+              </a:spcAft>
+              <a:buClr>
+                <a:srgbClr val="DA1218"/>
+              </a:buClr>
+              <a:buSzPct val="100000"/>
+              <a:buFont typeface="Courier New" pitchFamily="49" charset="0"/>
+              <a:buChar char="o"/>
+              <a:tabLst/>
+              <a:defRPr lang="es-AR" sz="1400" kern="1200">
+                <a:solidFill>
+                  <a:schemeClr val="tx1"/>
+                </a:solidFill>
+                <a:latin typeface="Arial" pitchFamily="34" charset="0"/>
+                <a:ea typeface="+mn-ea"/>
+                <a:cs typeface="Arial" pitchFamily="34" charset="0"/>
+              </a:defRPr>
+            </a:lvl5pPr>
+            <a:lvl6pPr marL="2514600" indent="-228600" algn="l" defTabSz="914400" rtl="0" eaLnBrk="1" latinLnBrk="0" hangingPunct="1">
+              <a:spcBef>
+                <a:spcPct val="20000"/>
+              </a:spcBef>
+              <a:buFont typeface="Arial" pitchFamily="34" charset="0"/>
+              <a:buChar char="•"/>
+              <a:defRPr sz="2000" kern="1200">
+                <a:solidFill>
+                  <a:schemeClr val="tx1"/>
+                </a:solidFill>
+                <a:latin typeface="+mn-lt"/>
+                <a:ea typeface="+mn-ea"/>
+                <a:cs typeface="+mn-cs"/>
+              </a:defRPr>
+            </a:lvl6pPr>
+            <a:lvl7pPr marL="2971800" indent="-228600" algn="l" defTabSz="914400" rtl="0" eaLnBrk="1" latinLnBrk="0" hangingPunct="1">
+              <a:spcBef>
+                <a:spcPct val="20000"/>
+              </a:spcBef>
+              <a:buFont typeface="Arial" pitchFamily="34" charset="0"/>
+              <a:buChar char="•"/>
+              <a:defRPr sz="2000" kern="1200">
+                <a:solidFill>
+                  <a:schemeClr val="tx1"/>
+                </a:solidFill>
+                <a:latin typeface="+mn-lt"/>
+                <a:ea typeface="+mn-ea"/>
+                <a:cs typeface="+mn-cs"/>
+              </a:defRPr>
+            </a:lvl7pPr>
+            <a:lvl8pPr marL="3429000" indent="-228600" algn="l" defTabSz="914400" rtl="0" eaLnBrk="1" latinLnBrk="0" hangingPunct="1">
+              <a:spcBef>
+                <a:spcPct val="20000"/>
+              </a:spcBef>
+              <a:buFont typeface="Arial" pitchFamily="34" charset="0"/>
+              <a:buChar char="•"/>
+              <a:defRPr sz="2000" kern="1200">
+                <a:solidFill>
+                  <a:schemeClr val="tx1"/>
+                </a:solidFill>
+                <a:latin typeface="+mn-lt"/>
+                <a:ea typeface="+mn-ea"/>
+                <a:cs typeface="+mn-cs"/>
+              </a:defRPr>
+            </a:lvl8pPr>
+            <a:lvl9pPr marL="3886200" indent="-228600" algn="l" defTabSz="914400" rtl="0" eaLnBrk="1" latinLnBrk="0" hangingPunct="1">
+              <a:spcBef>
+                <a:spcPct val="20000"/>
+              </a:spcBef>
+              <a:buFont typeface="Arial" pitchFamily="34" charset="0"/>
+              <a:buChar char="•"/>
+              <a:defRPr sz="2000" kern="1200">
+                <a:solidFill>
+                  <a:schemeClr val="tx1"/>
+                </a:solidFill>
+                <a:latin typeface="+mn-lt"/>
+                <a:ea typeface="+mn-ea"/>
+                <a:cs typeface="+mn-cs"/>
+              </a:defRPr>
+            </a:lvl9pPr>
+          </a:lstStyle>
+          <a:p>
+            <a:pPr marL="0" lvl="1" indent="0">
+              <a:spcBef>
+                <a:spcPts val="1200"/>
+              </a:spcBef>
+              <a:buClrTx/>
+              <a:buFont typeface="Wingdings" panose="05000000000000000000" pitchFamily="2" charset="2"/>
+              <a:buChar char="§"/>
+            </a:pPr>
+            <a:r>
+              <a:rPr lang="en-GB" dirty="0" smtClean="0">
+                <a:latin typeface="Avenir 45 Book (Body)"/>
+              </a:rPr>
+              <a:t> No, it’s over, just kidding…</a:t>
+            </a:r>
+          </a:p>
+          <a:p>
+            <a:pPr marL="0" lvl="1" indent="0">
+              <a:spcBef>
+                <a:spcPts val="1200"/>
+              </a:spcBef>
+              <a:buClrTx/>
+              <a:buNone/>
+            </a:pPr>
+            <a:endParaRPr lang="en-GB" dirty="0">
+              <a:latin typeface="Avenir 45 Book (Body)"/>
+            </a:endParaRPr>
+          </a:p>
+          <a:p>
+            <a:pPr lvl="0" defTabSz="914363">
+              <a:lnSpc>
+                <a:spcPct val="90000"/>
+              </a:lnSpc>
+              <a:spcBef>
+                <a:spcPts val="0"/>
+              </a:spcBef>
+              <a:spcAft>
+                <a:spcPts val="400"/>
+              </a:spcAft>
+              <a:buClr>
+                <a:schemeClr val="tx1">
+                  <a:lumMod val="75000"/>
+                  <a:lumOff val="25000"/>
+                </a:schemeClr>
+              </a:buClr>
+              <a:buSzPct val="100000"/>
+              <a:buFont typeface="Wingdings" panose="05000000000000000000" pitchFamily="2" charset="2"/>
+              <a:buChar char="ä"/>
+            </a:pPr>
+            <a:endParaRPr lang="es-AR" sz="1600" b="1" dirty="0">
+              <a:solidFill>
+                <a:srgbClr val="000000"/>
+              </a:solidFill>
+              <a:latin typeface="Avenir 45 Book (Body)"/>
+              <a:cs typeface="+mn-cs"/>
+            </a:endParaRPr>
+          </a:p>
+        </p:txBody>
+      </p:sp>
+    </p:spTree>
+    <p:extLst>
+      <p:ext uri="{BB962C8B-B14F-4D97-AF65-F5344CB8AC3E}">
+        <p14:creationId xmlns:p14="http://schemas.microsoft.com/office/powerpoint/2010/main" val="2265722533"/>
+      </p:ext>
+    </p:extLst>
+  </p:cSld>
+  <p:clrMapOvr>
+    <a:masterClrMapping/>
+  </p:clrMapOvr>
+  <p:transition spd="slow">
+    <p:wipe/>
+  </p:transition>
+  <p:timing>
+    <p:tnLst>
+      <p:par>
+        <p:cTn id="1" dur="indefinite" restart="never" nodeType="tmRoot"/>
+      </p:par>
+    </p:tnLst>
+  </p:timing>
+</p:sld>
+</file>
+
+<file path=ppt/slides/slide31.xml><?xml version="1.0" encoding="utf-8"?>
 <p:sld xmlns:a="http://schemas.openxmlformats.org/drawingml/2006/main" xmlns:r="http://schemas.openxmlformats.org/officeDocument/2006/relationships" xmlns:p="http://schemas.openxmlformats.org/presentationml/2006/main">
   <p:cSld>
     <p:spTree>

--- a/DesigningTestableApplications - Part II - DB Integration & Legacy Code.pptx
+++ b/DesigningTestableApplications - Part II - DB Integration & Legacy Code.pptx
@@ -6,10 +6,10 @@
     <p:sldMasterId id="2147483944" r:id="rId3"/>
   </p:sldMasterIdLst>
   <p:notesMasterIdLst>
-    <p:notesMasterId r:id="rId35"/>
+    <p:notesMasterId r:id="rId37"/>
   </p:notesMasterIdLst>
   <p:handoutMasterIdLst>
-    <p:handoutMasterId r:id="rId36"/>
+    <p:handoutMasterId r:id="rId38"/>
   </p:handoutMasterIdLst>
   <p:sldIdLst>
     <p:sldId id="321" r:id="rId4"/>
@@ -27,22 +27,24 @@
     <p:sldId id="405" r:id="rId16"/>
     <p:sldId id="394" r:id="rId17"/>
     <p:sldId id="395" r:id="rId18"/>
-    <p:sldId id="396" r:id="rId19"/>
-    <p:sldId id="388" r:id="rId20"/>
-    <p:sldId id="406" r:id="rId21"/>
-    <p:sldId id="397" r:id="rId22"/>
-    <p:sldId id="398" r:id="rId23"/>
-    <p:sldId id="399" r:id="rId24"/>
-    <p:sldId id="390" r:id="rId25"/>
-    <p:sldId id="389" r:id="rId26"/>
-    <p:sldId id="387" r:id="rId27"/>
-    <p:sldId id="383" r:id="rId28"/>
-    <p:sldId id="384" r:id="rId29"/>
-    <p:sldId id="378" r:id="rId30"/>
-    <p:sldId id="382" r:id="rId31"/>
-    <p:sldId id="386" r:id="rId32"/>
-    <p:sldId id="385" r:id="rId33"/>
-    <p:sldId id="349" r:id="rId34"/>
+    <p:sldId id="408" r:id="rId19"/>
+    <p:sldId id="396" r:id="rId20"/>
+    <p:sldId id="388" r:id="rId21"/>
+    <p:sldId id="406" r:id="rId22"/>
+    <p:sldId id="397" r:id="rId23"/>
+    <p:sldId id="398" r:id="rId24"/>
+    <p:sldId id="399" r:id="rId25"/>
+    <p:sldId id="390" r:id="rId26"/>
+    <p:sldId id="407" r:id="rId27"/>
+    <p:sldId id="389" r:id="rId28"/>
+    <p:sldId id="387" r:id="rId29"/>
+    <p:sldId id="383" r:id="rId30"/>
+    <p:sldId id="384" r:id="rId31"/>
+    <p:sldId id="378" r:id="rId32"/>
+    <p:sldId id="382" r:id="rId33"/>
+    <p:sldId id="386" r:id="rId34"/>
+    <p:sldId id="385" r:id="rId35"/>
+    <p:sldId id="349" r:id="rId36"/>
   </p:sldIdLst>
   <p:sldSz cx="12192000" cy="6858000"/>
   <p:notesSz cx="6858000" cy="9144000"/>
@@ -753,7 +755,7 @@
           <a:p>
             <a:fld id="{1B9A179D-2D27-49E2-B022-8EDDA2EFE682}" type="slidenum">
               <a:rPr lang="en-US" smtClean="0"/>
-              <a:t>28</a:t>
+              <a:t>30</a:t>
             </a:fld>
             <a:endParaRPr lang="en-US"/>
           </a:p>
@@ -837,7 +839,7 @@
           <a:p>
             <a:fld id="{1B9A179D-2D27-49E2-B022-8EDDA2EFE682}" type="slidenum">
               <a:rPr lang="en-US" smtClean="0"/>
-              <a:t>29</a:t>
+              <a:t>31</a:t>
             </a:fld>
             <a:endParaRPr lang="en-US"/>
           </a:p>
@@ -921,7 +923,7 @@
           <a:p>
             <a:fld id="{1B9A179D-2D27-49E2-B022-8EDDA2EFE682}" type="slidenum">
               <a:rPr lang="en-US" smtClean="0"/>
-              <a:t>30</a:t>
+              <a:t>32</a:t>
             </a:fld>
             <a:endParaRPr lang="en-US"/>
           </a:p>
@@ -18255,7 +18257,7 @@
         </p:nvSpPr>
         <p:spPr>
           <a:xfrm>
-            <a:off x="476534" y="1039366"/>
+            <a:off x="569572" y="1228035"/>
             <a:ext cx="11052856" cy="4329621"/>
           </a:xfrm>
           <a:prstGeom prst="rect">
@@ -18463,10 +18465,102 @@
               <a:buClrTx/>
             </a:pPr>
             <a:r>
+              <a:rPr lang="en-GB" sz="2000" dirty="0" smtClean="0">
+                <a:latin typeface="Avenir 45 Book (Body)"/>
+              </a:rPr>
+              <a:t>Integration tests</a:t>
+            </a:r>
+          </a:p>
+          <a:p>
+            <a:pPr lvl="1">
+              <a:buClrTx/>
+              <a:buFont typeface="Wingdings" panose="05000000000000000000" pitchFamily="2" charset="2"/>
+              <a:buChar char="§"/>
+            </a:pPr>
+            <a:r>
+              <a:rPr lang="en-GB" sz="1800" dirty="0" smtClean="0">
+                <a:latin typeface="Avenir 45 Book (Body)"/>
+              </a:rPr>
+              <a:t>Complementary to unit testing</a:t>
+            </a:r>
+          </a:p>
+          <a:p>
+            <a:pPr lvl="1">
+              <a:buClrTx/>
+              <a:buFont typeface="Wingdings" panose="05000000000000000000" pitchFamily="2" charset="2"/>
+              <a:buChar char="§"/>
+            </a:pPr>
+            <a:r>
+              <a:rPr lang="en-GB" sz="1800" dirty="0" smtClean="0">
+                <a:latin typeface="Avenir 45 Book (Body)"/>
+              </a:rPr>
+              <a:t>Uses dependencies such as to a database</a:t>
+            </a:r>
+          </a:p>
+          <a:p>
+            <a:pPr lvl="1">
+              <a:buClrTx/>
+              <a:buFont typeface="Wingdings" panose="05000000000000000000" pitchFamily="2" charset="2"/>
+              <a:buChar char="§"/>
+            </a:pPr>
+            <a:r>
+              <a:rPr lang="en-GB" sz="1800" dirty="0" smtClean="0">
+                <a:latin typeface="Avenir 45 Book (Body)"/>
+              </a:rPr>
+              <a:t>May be used to test stored procedures and calls to external applications</a:t>
+            </a:r>
+          </a:p>
+          <a:p>
+            <a:pPr lvl="1">
+              <a:buClrTx/>
+              <a:buFont typeface="Wingdings" panose="05000000000000000000" pitchFamily="2" charset="2"/>
+              <a:buChar char="§"/>
+            </a:pPr>
+            <a:r>
+              <a:rPr lang="en-GB" sz="1800" dirty="0" smtClean="0">
+                <a:latin typeface="Avenir 45 Book (Body)"/>
+              </a:rPr>
+              <a:t>Are less performant than unit tests and sometimes executed less often</a:t>
+            </a:r>
+          </a:p>
+          <a:p>
+            <a:pPr lvl="1">
+              <a:buClrTx/>
+              <a:buFont typeface="Wingdings" panose="05000000000000000000" pitchFamily="2" charset="2"/>
+              <a:buChar char="§"/>
+            </a:pPr>
+            <a:r>
+              <a:rPr lang="en-GB" sz="1800" dirty="0" smtClean="0">
+                <a:latin typeface="Avenir 45 Book (Body)"/>
+              </a:rPr>
+              <a:t>Focus on methods with dependencies, not end-to-end application testing</a:t>
+            </a:r>
+          </a:p>
+          <a:p>
+            <a:pPr lvl="1">
+              <a:buClrTx/>
+              <a:buFont typeface="Wingdings" panose="05000000000000000000" pitchFamily="2" charset="2"/>
+              <a:buChar char="§"/>
+            </a:pPr>
+            <a:endParaRPr lang="en-GB" sz="1800" dirty="0" smtClean="0">
+              <a:latin typeface="Avenir 45 Book (Body)"/>
+            </a:endParaRPr>
+          </a:p>
+          <a:p>
+            <a:pPr>
+              <a:buClrTx/>
+            </a:pPr>
+            <a:r>
+              <a:rPr lang="en-GB" sz="2000" dirty="0" smtClean="0">
+                <a:latin typeface="Avenir 45 Book (Body)"/>
+              </a:rPr>
+              <a:t>How </a:t>
+            </a:r>
+            <a:r>
               <a:rPr lang="en-GB" sz="2000" dirty="0">
                 <a:latin typeface="Avenir 45 Book (Body)"/>
               </a:rPr>
-              <a:t>How to write </a:t>
+              <a:t>to write </a:t>
             </a:r>
             <a:r>
               <a:rPr lang="en-GB" sz="2000" dirty="0" smtClean="0">
@@ -18534,6 +18628,437 @@
               </a:rPr>
               <a:t>results</a:t>
             </a:r>
+            <a:endParaRPr lang="en-US" sz="1800" dirty="0">
+              <a:latin typeface="Avenir 45 Book (Body)"/>
+            </a:endParaRPr>
+          </a:p>
+        </p:txBody>
+      </p:sp>
+    </p:spTree>
+    <p:extLst>
+      <p:ext uri="{BB962C8B-B14F-4D97-AF65-F5344CB8AC3E}">
+        <p14:creationId xmlns:p14="http://schemas.microsoft.com/office/powerpoint/2010/main" val="4139250584"/>
+      </p:ext>
+    </p:extLst>
+  </p:cSld>
+  <p:clrMapOvr>
+    <a:masterClrMapping/>
+  </p:clrMapOvr>
+  <p:transition spd="slow">
+    <p:wipe/>
+  </p:transition>
+  <p:timing>
+    <p:tnLst>
+      <p:par>
+        <p:cTn id="1" dur="indefinite" restart="never" nodeType="tmRoot"/>
+      </p:par>
+    </p:tnLst>
+  </p:timing>
+</p:sld>
+</file>
+
+<file path=ppt/slides/slide16.xml><?xml version="1.0" encoding="utf-8"?>
+<p:sld xmlns:a="http://schemas.openxmlformats.org/drawingml/2006/main" xmlns:r="http://schemas.openxmlformats.org/officeDocument/2006/relationships" xmlns:p="http://schemas.openxmlformats.org/presentationml/2006/main">
+  <p:cSld>
+    <p:spTree>
+      <p:nvGrpSpPr>
+        <p:cNvPr id="1" name=""/>
+        <p:cNvGrpSpPr/>
+        <p:nvPr/>
+      </p:nvGrpSpPr>
+      <p:grpSpPr>
+        <a:xfrm>
+          <a:off x="0" y="0"/>
+          <a:ext cx="0" cy="0"/>
+          <a:chOff x="0" y="0"/>
+          <a:chExt cx="0" cy="0"/>
+        </a:xfrm>
+      </p:grpSpPr>
+      <p:sp>
+        <p:nvSpPr>
+          <p:cNvPr id="15" name="Rectangle 14"/>
+          <p:cNvSpPr/>
+          <p:nvPr/>
+        </p:nvSpPr>
+        <p:spPr>
+          <a:xfrm>
+            <a:off x="-13252" y="1"/>
+            <a:ext cx="12218504" cy="1016000"/>
+          </a:xfrm>
+          <a:prstGeom prst="rect">
+            <a:avLst/>
+          </a:prstGeom>
+          <a:solidFill>
+            <a:srgbClr val="FF9600"/>
+          </a:solidFill>
+          <a:ln>
+            <a:noFill/>
+          </a:ln>
+        </p:spPr>
+        <p:style>
+          <a:lnRef idx="1">
+            <a:schemeClr val="accent6"/>
+          </a:lnRef>
+          <a:fillRef idx="3">
+            <a:schemeClr val="accent6"/>
+          </a:fillRef>
+          <a:effectRef idx="2">
+            <a:schemeClr val="accent6"/>
+          </a:effectRef>
+          <a:fontRef idx="minor">
+            <a:schemeClr val="lt1"/>
+          </a:fontRef>
+        </p:style>
+        <p:txBody>
+          <a:bodyPr anchor="ctr"/>
+          <a:lstStyle/>
+          <a:p>
+            <a:pPr marL="0" marR="0" lvl="0" indent="0" algn="ctr" defTabSz="914400" eaLnBrk="1" fontAlgn="auto" latinLnBrk="0" hangingPunct="1">
+              <a:lnSpc>
+                <a:spcPct val="100000"/>
+              </a:lnSpc>
+              <a:spcBef>
+                <a:spcPts val="0"/>
+              </a:spcBef>
+              <a:spcAft>
+                <a:spcPts val="0"/>
+              </a:spcAft>
+              <a:buClrTx/>
+              <a:buSzTx/>
+              <a:buFontTx/>
+              <a:buNone/>
+              <a:tabLst/>
+              <a:defRPr/>
+            </a:pPr>
+            <a:r>
+              <a:rPr kumimoji="0" lang="es-ES_tradnl" sz="1800" b="0" i="0" u="none" strike="noStrike" kern="0" cap="none" spc="0" normalizeH="0" baseline="0" noProof="0" dirty="0" smtClean="0">
+                <a:ln>
+                  <a:noFill/>
+                </a:ln>
+                <a:solidFill>
+                  <a:srgbClr val="FFFFFF"/>
+                </a:solidFill>
+                <a:effectLst/>
+                <a:uLnTx/>
+                <a:uFillTx/>
+                <a:latin typeface="Arial"/>
+                <a:ea typeface="ＭＳ Ｐゴシック" pitchFamily="-108" charset="-128"/>
+                <a:cs typeface="+mn-cs"/>
+              </a:rPr>
+              <a:t>  </a:t>
+            </a:r>
+            <a:endParaRPr kumimoji="0" lang="es-ES_tradnl" sz="1800" b="0" i="0" u="none" strike="noStrike" kern="0" cap="none" spc="0" normalizeH="0" baseline="0" noProof="0" dirty="0">
+              <a:ln>
+                <a:noFill/>
+              </a:ln>
+              <a:solidFill>
+                <a:srgbClr val="FFFFFF"/>
+              </a:solidFill>
+              <a:effectLst/>
+              <a:uLnTx/>
+              <a:uFillTx/>
+              <a:latin typeface="Arial"/>
+              <a:ea typeface="ＭＳ Ｐゴシック" pitchFamily="-108" charset="-128"/>
+              <a:cs typeface="+mn-cs"/>
+            </a:endParaRPr>
+          </a:p>
+        </p:txBody>
+      </p:sp>
+      <p:sp>
+        <p:nvSpPr>
+          <p:cNvPr id="16" name="TextBox 15"/>
+          <p:cNvSpPr txBox="1"/>
+          <p:nvPr/>
+        </p:nvSpPr>
+        <p:spPr>
+          <a:xfrm>
+            <a:off x="515937" y="212035"/>
+            <a:ext cx="11013453" cy="553998"/>
+          </a:xfrm>
+          <a:prstGeom prst="rect">
+            <a:avLst/>
+          </a:prstGeom>
+          <a:noFill/>
+        </p:spPr>
+        <p:txBody>
+          <a:bodyPr wrap="square" lIns="0" tIns="0" rIns="0" bIns="0" rtlCol="0">
+            <a:spAutoFit/>
+          </a:bodyPr>
+          <a:lstStyle/>
+          <a:p>
+            <a:r>
+              <a:rPr lang="en-US" sz="3600" dirty="0">
+                <a:solidFill>
+                  <a:schemeClr val="bg1"/>
+                </a:solidFill>
+              </a:rPr>
+              <a:t>Tip </a:t>
+            </a:r>
+            <a:r>
+              <a:rPr lang="en-US" sz="3600" dirty="0" smtClean="0">
+                <a:solidFill>
+                  <a:schemeClr val="bg1"/>
+                </a:solidFill>
+              </a:rPr>
+              <a:t>5: </a:t>
+            </a:r>
+            <a:r>
+              <a:rPr lang="en-US" sz="3600" dirty="0">
+                <a:solidFill>
+                  <a:schemeClr val="bg1"/>
+                </a:solidFill>
+              </a:rPr>
+              <a:t>Generate Integration tests</a:t>
+            </a:r>
+            <a:endParaRPr lang="es-AR" sz="3600" dirty="0">
+              <a:solidFill>
+                <a:schemeClr val="bg1"/>
+              </a:solidFill>
+            </a:endParaRPr>
+          </a:p>
+        </p:txBody>
+      </p:sp>
+      <p:sp>
+        <p:nvSpPr>
+          <p:cNvPr id="5" name="Content Placeholder 2"/>
+          <p:cNvSpPr txBox="1">
+            <a:spLocks/>
+          </p:cNvSpPr>
+          <p:nvPr/>
+        </p:nvSpPr>
+        <p:spPr>
+          <a:xfrm>
+            <a:off x="476534" y="1448800"/>
+            <a:ext cx="11052856" cy="4329621"/>
+          </a:xfrm>
+          <a:prstGeom prst="rect">
+            <a:avLst/>
+          </a:prstGeom>
+        </p:spPr>
+        <p:txBody>
+          <a:bodyPr vert="horz" lIns="91440" tIns="45720" rIns="91440" bIns="45720" rtlCol="0">
+            <a:noAutofit/>
+          </a:bodyPr>
+          <a:lstStyle>
+            <a:lvl1pPr marL="273050" marR="0" indent="-273050" algn="l" defTabSz="914400" rtl="0" eaLnBrk="1" fontAlgn="auto" latinLnBrk="0" hangingPunct="1">
+              <a:lnSpc>
+                <a:spcPct val="100000"/>
+              </a:lnSpc>
+              <a:spcBef>
+                <a:spcPts val="1200"/>
+              </a:spcBef>
+              <a:spcAft>
+                <a:spcPts val="0"/>
+              </a:spcAft>
+              <a:buClr>
+                <a:srgbClr val="DA1218"/>
+              </a:buClr>
+              <a:buSzTx/>
+              <a:buFont typeface="Wingdings" pitchFamily="2" charset="2"/>
+              <a:buChar char="§"/>
+              <a:tabLst/>
+              <a:defRPr lang="en-US" sz="2400" kern="1200">
+                <a:solidFill>
+                  <a:schemeClr val="tx1"/>
+                </a:solidFill>
+                <a:latin typeface="Arial" pitchFamily="34" charset="0"/>
+                <a:ea typeface="+mn-ea"/>
+                <a:cs typeface="Arial" pitchFamily="34" charset="0"/>
+              </a:defRPr>
+            </a:lvl1pPr>
+            <a:lvl2pPr marL="628650" marR="0" indent="-355600" algn="l" defTabSz="914400" rtl="0" eaLnBrk="1" fontAlgn="auto" latinLnBrk="0" hangingPunct="1">
+              <a:lnSpc>
+                <a:spcPct val="100000"/>
+              </a:lnSpc>
+              <a:spcBef>
+                <a:spcPct val="20000"/>
+              </a:spcBef>
+              <a:spcAft>
+                <a:spcPts val="0"/>
+              </a:spcAft>
+              <a:buClr>
+                <a:srgbClr val="DA1218"/>
+              </a:buClr>
+              <a:buSzTx/>
+              <a:buFont typeface="Wingdings" pitchFamily="2" charset="2"/>
+              <a:buChar char=""/>
+              <a:tabLst/>
+              <a:defRPr lang="en-US" sz="2000" kern="1200">
+                <a:solidFill>
+                  <a:schemeClr val="tx1"/>
+                </a:solidFill>
+                <a:latin typeface="Arial" pitchFamily="34" charset="0"/>
+                <a:ea typeface="+mn-ea"/>
+                <a:cs typeface="Arial" pitchFamily="34" charset="0"/>
+              </a:defRPr>
+            </a:lvl2pPr>
+            <a:lvl3pPr marL="903288" marR="0" indent="-274638" algn="l" defTabSz="914400" rtl="0" eaLnBrk="1" fontAlgn="auto" latinLnBrk="0" hangingPunct="1">
+              <a:lnSpc>
+                <a:spcPct val="100000"/>
+              </a:lnSpc>
+              <a:spcBef>
+                <a:spcPct val="20000"/>
+              </a:spcBef>
+              <a:spcAft>
+                <a:spcPts val="0"/>
+              </a:spcAft>
+              <a:buClr>
+                <a:srgbClr val="DA1218"/>
+              </a:buClr>
+              <a:buSzTx/>
+              <a:buFont typeface="Wingdings" pitchFamily="2" charset="2"/>
+              <a:buChar char="ü"/>
+              <a:tabLst/>
+              <a:defRPr lang="en-US" sz="1800" kern="1200">
+                <a:solidFill>
+                  <a:schemeClr val="tx1"/>
+                </a:solidFill>
+                <a:latin typeface="Arial" pitchFamily="34" charset="0"/>
+                <a:ea typeface="+mn-ea"/>
+                <a:cs typeface="Arial" pitchFamily="34" charset="0"/>
+              </a:defRPr>
+            </a:lvl3pPr>
+            <a:lvl4pPr marL="1081088" marR="0" indent="-177800" algn="l" defTabSz="914400" rtl="0" eaLnBrk="1" fontAlgn="auto" latinLnBrk="0" hangingPunct="1">
+              <a:lnSpc>
+                <a:spcPct val="100000"/>
+              </a:lnSpc>
+              <a:spcBef>
+                <a:spcPct val="20000"/>
+              </a:spcBef>
+              <a:spcAft>
+                <a:spcPts val="0"/>
+              </a:spcAft>
+              <a:buClr>
+                <a:srgbClr val="DA1218"/>
+              </a:buClr>
+              <a:buSzTx/>
+              <a:buFont typeface="Arial" pitchFamily="34" charset="0"/>
+              <a:buChar char="•"/>
+              <a:tabLst/>
+              <a:defRPr lang="en-US" sz="1600" kern="1200">
+                <a:solidFill>
+                  <a:schemeClr val="tx1"/>
+                </a:solidFill>
+                <a:latin typeface="Arial" pitchFamily="34" charset="0"/>
+                <a:ea typeface="+mn-ea"/>
+                <a:cs typeface="Arial" pitchFamily="34" charset="0"/>
+              </a:defRPr>
+            </a:lvl4pPr>
+            <a:lvl5pPr marL="1258888" marR="0" indent="-177800" algn="l" defTabSz="914400" rtl="0" eaLnBrk="1" fontAlgn="auto" latinLnBrk="0" hangingPunct="1">
+              <a:lnSpc>
+                <a:spcPct val="100000"/>
+              </a:lnSpc>
+              <a:spcBef>
+                <a:spcPct val="20000"/>
+              </a:spcBef>
+              <a:spcAft>
+                <a:spcPts val="0"/>
+              </a:spcAft>
+              <a:buClr>
+                <a:srgbClr val="DA1218"/>
+              </a:buClr>
+              <a:buSzPct val="100000"/>
+              <a:buFont typeface="Courier New" pitchFamily="49" charset="0"/>
+              <a:buChar char="o"/>
+              <a:tabLst/>
+              <a:defRPr lang="es-AR" sz="1400" kern="1200">
+                <a:solidFill>
+                  <a:schemeClr val="tx1"/>
+                </a:solidFill>
+                <a:latin typeface="Arial" pitchFamily="34" charset="0"/>
+                <a:ea typeface="+mn-ea"/>
+                <a:cs typeface="Arial" pitchFamily="34" charset="0"/>
+              </a:defRPr>
+            </a:lvl5pPr>
+            <a:lvl6pPr marL="2514600" indent="-228600" algn="l" defTabSz="914400" rtl="0" eaLnBrk="1" latinLnBrk="0" hangingPunct="1">
+              <a:spcBef>
+                <a:spcPct val="20000"/>
+              </a:spcBef>
+              <a:buFont typeface="Arial" pitchFamily="34" charset="0"/>
+              <a:buChar char="•"/>
+              <a:defRPr sz="2000" kern="1200">
+                <a:solidFill>
+                  <a:schemeClr val="tx1"/>
+                </a:solidFill>
+                <a:latin typeface="+mn-lt"/>
+                <a:ea typeface="+mn-ea"/>
+                <a:cs typeface="+mn-cs"/>
+              </a:defRPr>
+            </a:lvl6pPr>
+            <a:lvl7pPr marL="2971800" indent="-228600" algn="l" defTabSz="914400" rtl="0" eaLnBrk="1" latinLnBrk="0" hangingPunct="1">
+              <a:spcBef>
+                <a:spcPct val="20000"/>
+              </a:spcBef>
+              <a:buFont typeface="Arial" pitchFamily="34" charset="0"/>
+              <a:buChar char="•"/>
+              <a:defRPr sz="2000" kern="1200">
+                <a:solidFill>
+                  <a:schemeClr val="tx1"/>
+                </a:solidFill>
+                <a:latin typeface="+mn-lt"/>
+                <a:ea typeface="+mn-ea"/>
+                <a:cs typeface="+mn-cs"/>
+              </a:defRPr>
+            </a:lvl7pPr>
+            <a:lvl8pPr marL="3429000" indent="-228600" algn="l" defTabSz="914400" rtl="0" eaLnBrk="1" latinLnBrk="0" hangingPunct="1">
+              <a:spcBef>
+                <a:spcPct val="20000"/>
+              </a:spcBef>
+              <a:buFont typeface="Arial" pitchFamily="34" charset="0"/>
+              <a:buChar char="•"/>
+              <a:defRPr sz="2000" kern="1200">
+                <a:solidFill>
+                  <a:schemeClr val="tx1"/>
+                </a:solidFill>
+                <a:latin typeface="+mn-lt"/>
+                <a:ea typeface="+mn-ea"/>
+                <a:cs typeface="+mn-cs"/>
+              </a:defRPr>
+            </a:lvl8pPr>
+            <a:lvl9pPr marL="3886200" indent="-228600" algn="l" defTabSz="914400" rtl="0" eaLnBrk="1" latinLnBrk="0" hangingPunct="1">
+              <a:spcBef>
+                <a:spcPct val="20000"/>
+              </a:spcBef>
+              <a:buFont typeface="Arial" pitchFamily="34" charset="0"/>
+              <a:buChar char="•"/>
+              <a:defRPr sz="2000" kern="1200">
+                <a:solidFill>
+                  <a:schemeClr val="tx1"/>
+                </a:solidFill>
+                <a:latin typeface="+mn-lt"/>
+                <a:ea typeface="+mn-ea"/>
+                <a:cs typeface="+mn-cs"/>
+              </a:defRPr>
+            </a:lvl9pPr>
+          </a:lstStyle>
+          <a:p>
+            <a:pPr>
+              <a:buClrTx/>
+            </a:pPr>
+            <a:r>
+              <a:rPr lang="en-US" sz="2000" dirty="0" smtClean="0">
+                <a:latin typeface="Avenir 45 Book (Body)"/>
+              </a:rPr>
+              <a:t>A </a:t>
+            </a:r>
+            <a:r>
+              <a:rPr lang="en-US" sz="2000" dirty="0">
+                <a:latin typeface="Avenir 45 Book (Body)"/>
+              </a:rPr>
+              <a:t>good </a:t>
+            </a:r>
+            <a:r>
+              <a:rPr lang="en-US" sz="2000" dirty="0" smtClean="0">
+                <a:latin typeface="Avenir 45 Book (Body)"/>
+              </a:rPr>
+              <a:t>integration test</a:t>
+            </a:r>
+            <a:r>
+              <a:rPr lang="en-US" sz="2000" dirty="0">
+                <a:latin typeface="Avenir 45 Book (Body)"/>
+              </a:rPr>
+              <a:t>:</a:t>
+            </a:r>
           </a:p>
           <a:p>
             <a:pPr marL="547688" lvl="1" indent="-285750">
@@ -18544,31 +19069,11 @@
               <a:buFont typeface="Wingdings" panose="05000000000000000000" pitchFamily="2" charset="2"/>
               <a:buChar char="§"/>
             </a:pPr>
-            <a:endParaRPr lang="en-US" sz="1800" dirty="0">
-              <a:latin typeface="Avenir 45 Book (Body)"/>
-            </a:endParaRPr>
-          </a:p>
-          <a:p>
-            <a:pPr marL="0" indent="0">
-              <a:buClrTx/>
-            </a:pPr>
-            <a:r>
-              <a:rPr lang="en-US" sz="2000" dirty="0">
+            <a:r>
+              <a:rPr lang="en-US" sz="1800" b="1" dirty="0" smtClean="0">
                 <a:latin typeface="Avenir 45 Book (Body)"/>
               </a:rPr>
-              <a:t> A good </a:t>
-            </a:r>
-            <a:r>
-              <a:rPr lang="en-US" sz="2000" dirty="0" smtClean="0">
-                <a:latin typeface="Avenir 45 Book (Body)"/>
-              </a:rPr>
-              <a:t>integration test</a:t>
-            </a:r>
-            <a:r>
-              <a:rPr lang="en-US" sz="2000" dirty="0">
-                <a:latin typeface="Avenir 45 Book (Body)"/>
-              </a:rPr>
-              <a:t>:</a:t>
+              <a:t>Uses dependencies in a controlled way</a:t>
             </a:r>
           </a:p>
           <a:p>
@@ -18581,10 +19086,16 @@
               <a:buChar char="§"/>
             </a:pPr>
             <a:r>
+              <a:rPr lang="en-US" sz="1800" dirty="0" smtClean="0">
+                <a:latin typeface="Avenir 45 Book (Body)"/>
+              </a:rPr>
+              <a:t>Documents </a:t>
+            </a:r>
+            <a:r>
               <a:rPr lang="en-US" sz="1800" dirty="0">
                 <a:latin typeface="Avenir 45 Book (Body)"/>
               </a:rPr>
-              <a:t>Documents your design</a:t>
+              <a:t>your design</a:t>
             </a:r>
           </a:p>
           <a:p>
@@ -18726,7 +19237,7 @@
     </p:spTree>
     <p:extLst>
       <p:ext uri="{BB962C8B-B14F-4D97-AF65-F5344CB8AC3E}">
-        <p14:creationId xmlns:p14="http://schemas.microsoft.com/office/powerpoint/2010/main" val="4139250584"/>
+        <p14:creationId xmlns:p14="http://schemas.microsoft.com/office/powerpoint/2010/main" val="1043820657"/>
       </p:ext>
     </p:extLst>
   </p:cSld>
@@ -18746,7 +19257,7 @@
 </p:sld>
 </file>
 
-<file path=ppt/slides/slide16.xml><?xml version="1.0" encoding="utf-8"?>
+<file path=ppt/slides/slide17.xml><?xml version="1.0" encoding="utf-8"?>
 <p:sld xmlns:a="http://schemas.openxmlformats.org/drawingml/2006/main" xmlns:r="http://schemas.openxmlformats.org/officeDocument/2006/relationships" xmlns:p="http://schemas.openxmlformats.org/presentationml/2006/main">
   <p:cSld>
     <p:spTree>
@@ -19185,7 +19696,7 @@
 </p:sld>
 </file>
 
-<file path=ppt/slides/slide17.xml><?xml version="1.0" encoding="utf-8"?>
+<file path=ppt/slides/slide18.xml><?xml version="1.0" encoding="utf-8"?>
 <p:sld xmlns:a="http://schemas.openxmlformats.org/drawingml/2006/main" xmlns:r="http://schemas.openxmlformats.org/officeDocument/2006/relationships" xmlns:p="http://schemas.openxmlformats.org/presentationml/2006/main">
   <p:cSld>
     <p:spTree>
@@ -19263,413 +19774,6 @@
     <p:extLst>
       <p:ext uri="{BB962C8B-B14F-4D97-AF65-F5344CB8AC3E}">
         <p14:creationId xmlns:p14="http://schemas.microsoft.com/office/powerpoint/2010/main" val="2945601335"/>
-      </p:ext>
-    </p:extLst>
-  </p:cSld>
-  <p:clrMapOvr>
-    <a:masterClrMapping/>
-  </p:clrMapOvr>
-  <p:transition spd="slow">
-    <p:wipe/>
-  </p:transition>
-  <p:timing>
-    <p:tnLst>
-      <p:par>
-        <p:cTn id="1" dur="indefinite" restart="never" nodeType="tmRoot"/>
-      </p:par>
-    </p:tnLst>
-  </p:timing>
-</p:sld>
-</file>
-
-<file path=ppt/slides/slide18.xml><?xml version="1.0" encoding="utf-8"?>
-<p:sld xmlns:a="http://schemas.openxmlformats.org/drawingml/2006/main" xmlns:r="http://schemas.openxmlformats.org/officeDocument/2006/relationships" xmlns:p="http://schemas.openxmlformats.org/presentationml/2006/main">
-  <p:cSld>
-    <p:spTree>
-      <p:nvGrpSpPr>
-        <p:cNvPr id="1" name=""/>
-        <p:cNvGrpSpPr/>
-        <p:nvPr/>
-      </p:nvGrpSpPr>
-      <p:grpSpPr>
-        <a:xfrm>
-          <a:off x="0" y="0"/>
-          <a:ext cx="0" cy="0"/>
-          <a:chOff x="0" y="0"/>
-          <a:chExt cx="0" cy="0"/>
-        </a:xfrm>
-      </p:grpSpPr>
-      <p:sp>
-        <p:nvSpPr>
-          <p:cNvPr id="13" name="Content Placeholder 2"/>
-          <p:cNvSpPr txBox="1">
-            <a:spLocks/>
-          </p:cNvSpPr>
-          <p:nvPr/>
-        </p:nvSpPr>
-        <p:spPr>
-          <a:xfrm>
-            <a:off x="476534" y="1394213"/>
-            <a:ext cx="8142809" cy="4329621"/>
-          </a:xfrm>
-          <a:prstGeom prst="rect">
-            <a:avLst/>
-          </a:prstGeom>
-        </p:spPr>
-        <p:txBody>
-          <a:bodyPr vert="horz" lIns="91440" tIns="45720" rIns="91440" bIns="45720" rtlCol="0">
-            <a:noAutofit/>
-          </a:bodyPr>
-          <a:lstStyle>
-            <a:lvl1pPr marL="273050" marR="0" indent="-273050" algn="l" defTabSz="914400" rtl="0" eaLnBrk="1" fontAlgn="auto" latinLnBrk="0" hangingPunct="1">
-              <a:lnSpc>
-                <a:spcPct val="100000"/>
-              </a:lnSpc>
-              <a:spcBef>
-                <a:spcPts val="1200"/>
-              </a:spcBef>
-              <a:spcAft>
-                <a:spcPts val="0"/>
-              </a:spcAft>
-              <a:buClr>
-                <a:srgbClr val="DA1218"/>
-              </a:buClr>
-              <a:buSzTx/>
-              <a:buFont typeface="Wingdings" pitchFamily="2" charset="2"/>
-              <a:buChar char="§"/>
-              <a:tabLst/>
-              <a:defRPr lang="en-US" sz="2400" kern="1200">
-                <a:solidFill>
-                  <a:schemeClr val="tx1"/>
-                </a:solidFill>
-                <a:latin typeface="Arial" pitchFamily="34" charset="0"/>
-                <a:ea typeface="+mn-ea"/>
-                <a:cs typeface="Arial" pitchFamily="34" charset="0"/>
-              </a:defRPr>
-            </a:lvl1pPr>
-            <a:lvl2pPr marL="628650" marR="0" indent="-355600" algn="l" defTabSz="914400" rtl="0" eaLnBrk="1" fontAlgn="auto" latinLnBrk="0" hangingPunct="1">
-              <a:lnSpc>
-                <a:spcPct val="100000"/>
-              </a:lnSpc>
-              <a:spcBef>
-                <a:spcPct val="20000"/>
-              </a:spcBef>
-              <a:spcAft>
-                <a:spcPts val="0"/>
-              </a:spcAft>
-              <a:buClr>
-                <a:srgbClr val="DA1218"/>
-              </a:buClr>
-              <a:buSzTx/>
-              <a:buFont typeface="Wingdings" pitchFamily="2" charset="2"/>
-              <a:buChar char=""/>
-              <a:tabLst/>
-              <a:defRPr lang="en-US" sz="2000" kern="1200">
-                <a:solidFill>
-                  <a:schemeClr val="tx1"/>
-                </a:solidFill>
-                <a:latin typeface="Arial" pitchFamily="34" charset="0"/>
-                <a:ea typeface="+mn-ea"/>
-                <a:cs typeface="Arial" pitchFamily="34" charset="0"/>
-              </a:defRPr>
-            </a:lvl2pPr>
-            <a:lvl3pPr marL="903288" marR="0" indent="-274638" algn="l" defTabSz="914400" rtl="0" eaLnBrk="1" fontAlgn="auto" latinLnBrk="0" hangingPunct="1">
-              <a:lnSpc>
-                <a:spcPct val="100000"/>
-              </a:lnSpc>
-              <a:spcBef>
-                <a:spcPct val="20000"/>
-              </a:spcBef>
-              <a:spcAft>
-                <a:spcPts val="0"/>
-              </a:spcAft>
-              <a:buClr>
-                <a:srgbClr val="DA1218"/>
-              </a:buClr>
-              <a:buSzTx/>
-              <a:buFont typeface="Wingdings" pitchFamily="2" charset="2"/>
-              <a:buChar char="ü"/>
-              <a:tabLst/>
-              <a:defRPr lang="en-US" sz="1800" kern="1200">
-                <a:solidFill>
-                  <a:schemeClr val="tx1"/>
-                </a:solidFill>
-                <a:latin typeface="Arial" pitchFamily="34" charset="0"/>
-                <a:ea typeface="+mn-ea"/>
-                <a:cs typeface="Arial" pitchFamily="34" charset="0"/>
-              </a:defRPr>
-            </a:lvl3pPr>
-            <a:lvl4pPr marL="1081088" marR="0" indent="-177800" algn="l" defTabSz="914400" rtl="0" eaLnBrk="1" fontAlgn="auto" latinLnBrk="0" hangingPunct="1">
-              <a:lnSpc>
-                <a:spcPct val="100000"/>
-              </a:lnSpc>
-              <a:spcBef>
-                <a:spcPct val="20000"/>
-              </a:spcBef>
-              <a:spcAft>
-                <a:spcPts val="0"/>
-              </a:spcAft>
-              <a:buClr>
-                <a:srgbClr val="DA1218"/>
-              </a:buClr>
-              <a:buSzTx/>
-              <a:buFont typeface="Arial" pitchFamily="34" charset="0"/>
-              <a:buChar char="•"/>
-              <a:tabLst/>
-              <a:defRPr lang="en-US" sz="1600" kern="1200">
-                <a:solidFill>
-                  <a:schemeClr val="tx1"/>
-                </a:solidFill>
-                <a:latin typeface="Arial" pitchFamily="34" charset="0"/>
-                <a:ea typeface="+mn-ea"/>
-                <a:cs typeface="Arial" pitchFamily="34" charset="0"/>
-              </a:defRPr>
-            </a:lvl4pPr>
-            <a:lvl5pPr marL="1258888" marR="0" indent="-177800" algn="l" defTabSz="914400" rtl="0" eaLnBrk="1" fontAlgn="auto" latinLnBrk="0" hangingPunct="1">
-              <a:lnSpc>
-                <a:spcPct val="100000"/>
-              </a:lnSpc>
-              <a:spcBef>
-                <a:spcPct val="20000"/>
-              </a:spcBef>
-              <a:spcAft>
-                <a:spcPts val="0"/>
-              </a:spcAft>
-              <a:buClr>
-                <a:srgbClr val="DA1218"/>
-              </a:buClr>
-              <a:buSzPct val="100000"/>
-              <a:buFont typeface="Courier New" pitchFamily="49" charset="0"/>
-              <a:buChar char="o"/>
-              <a:tabLst/>
-              <a:defRPr lang="es-AR" sz="1400" kern="1200">
-                <a:solidFill>
-                  <a:schemeClr val="tx1"/>
-                </a:solidFill>
-                <a:latin typeface="Arial" pitchFamily="34" charset="0"/>
-                <a:ea typeface="+mn-ea"/>
-                <a:cs typeface="Arial" pitchFamily="34" charset="0"/>
-              </a:defRPr>
-            </a:lvl5pPr>
-            <a:lvl6pPr marL="2514600" indent="-228600" algn="l" defTabSz="914400" rtl="0" eaLnBrk="1" latinLnBrk="0" hangingPunct="1">
-              <a:spcBef>
-                <a:spcPct val="20000"/>
-              </a:spcBef>
-              <a:buFont typeface="Arial" pitchFamily="34" charset="0"/>
-              <a:buChar char="•"/>
-              <a:defRPr sz="2000" kern="1200">
-                <a:solidFill>
-                  <a:schemeClr val="tx1"/>
-                </a:solidFill>
-                <a:latin typeface="+mn-lt"/>
-                <a:ea typeface="+mn-ea"/>
-                <a:cs typeface="+mn-cs"/>
-              </a:defRPr>
-            </a:lvl6pPr>
-            <a:lvl7pPr marL="2971800" indent="-228600" algn="l" defTabSz="914400" rtl="0" eaLnBrk="1" latinLnBrk="0" hangingPunct="1">
-              <a:spcBef>
-                <a:spcPct val="20000"/>
-              </a:spcBef>
-              <a:buFont typeface="Arial" pitchFamily="34" charset="0"/>
-              <a:buChar char="•"/>
-              <a:defRPr sz="2000" kern="1200">
-                <a:solidFill>
-                  <a:schemeClr val="tx1"/>
-                </a:solidFill>
-                <a:latin typeface="+mn-lt"/>
-                <a:ea typeface="+mn-ea"/>
-                <a:cs typeface="+mn-cs"/>
-              </a:defRPr>
-            </a:lvl7pPr>
-            <a:lvl8pPr marL="3429000" indent="-228600" algn="l" defTabSz="914400" rtl="0" eaLnBrk="1" latinLnBrk="0" hangingPunct="1">
-              <a:spcBef>
-                <a:spcPct val="20000"/>
-              </a:spcBef>
-              <a:buFont typeface="Arial" pitchFamily="34" charset="0"/>
-              <a:buChar char="•"/>
-              <a:defRPr sz="2000" kern="1200">
-                <a:solidFill>
-                  <a:schemeClr val="tx1"/>
-                </a:solidFill>
-                <a:latin typeface="+mn-lt"/>
-                <a:ea typeface="+mn-ea"/>
-                <a:cs typeface="+mn-cs"/>
-              </a:defRPr>
-            </a:lvl8pPr>
-            <a:lvl9pPr marL="3886200" indent="-228600" algn="l" defTabSz="914400" rtl="0" eaLnBrk="1" latinLnBrk="0" hangingPunct="1">
-              <a:spcBef>
-                <a:spcPct val="20000"/>
-              </a:spcBef>
-              <a:buFont typeface="Arial" pitchFamily="34" charset="0"/>
-              <a:buChar char="•"/>
-              <a:defRPr sz="2000" kern="1200">
-                <a:solidFill>
-                  <a:schemeClr val="tx1"/>
-                </a:solidFill>
-                <a:latin typeface="+mn-lt"/>
-                <a:ea typeface="+mn-ea"/>
-                <a:cs typeface="+mn-cs"/>
-              </a:defRPr>
-            </a:lvl9pPr>
-          </a:lstStyle>
-          <a:p>
-            <a:pPr marL="0" indent="0">
-              <a:buClrTx/>
-            </a:pPr>
-            <a:r>
-              <a:rPr lang="en-GB" sz="2000" b="1" dirty="0" smtClean="0">
-                <a:latin typeface="+mn-lt"/>
-              </a:rPr>
-              <a:t> </a:t>
-            </a:r>
-            <a:r>
-              <a:rPr lang="en-GB" sz="2000" dirty="0" err="1" smtClean="0">
-                <a:latin typeface="+mn-lt"/>
-              </a:rPr>
-              <a:t>Abcdefghi</a:t>
-            </a:r>
-            <a:endParaRPr lang="es-AR" sz="1600" b="1" dirty="0">
-              <a:solidFill>
-                <a:srgbClr val="000000"/>
-              </a:solidFill>
-              <a:latin typeface="Avenir 45 Book"/>
-              <a:cs typeface="+mn-cs"/>
-            </a:endParaRPr>
-          </a:p>
-        </p:txBody>
-      </p:sp>
-      <p:sp>
-        <p:nvSpPr>
-          <p:cNvPr id="15" name="Rectangle 14"/>
-          <p:cNvSpPr/>
-          <p:nvPr/>
-        </p:nvSpPr>
-        <p:spPr>
-          <a:xfrm>
-            <a:off x="-13252" y="1"/>
-            <a:ext cx="12218504" cy="1016000"/>
-          </a:xfrm>
-          <a:prstGeom prst="rect">
-            <a:avLst/>
-          </a:prstGeom>
-          <a:solidFill>
-            <a:srgbClr val="FF9600"/>
-          </a:solidFill>
-          <a:ln>
-            <a:noFill/>
-          </a:ln>
-        </p:spPr>
-        <p:style>
-          <a:lnRef idx="1">
-            <a:schemeClr val="accent6"/>
-          </a:lnRef>
-          <a:fillRef idx="3">
-            <a:schemeClr val="accent6"/>
-          </a:fillRef>
-          <a:effectRef idx="2">
-            <a:schemeClr val="accent6"/>
-          </a:effectRef>
-          <a:fontRef idx="minor">
-            <a:schemeClr val="lt1"/>
-          </a:fontRef>
-        </p:style>
-        <p:txBody>
-          <a:bodyPr anchor="ctr"/>
-          <a:lstStyle/>
-          <a:p>
-            <a:pPr marL="0" marR="0" lvl="0" indent="0" algn="ctr" defTabSz="914400" eaLnBrk="1" fontAlgn="auto" latinLnBrk="0" hangingPunct="1">
-              <a:lnSpc>
-                <a:spcPct val="100000"/>
-              </a:lnSpc>
-              <a:spcBef>
-                <a:spcPts val="0"/>
-              </a:spcBef>
-              <a:spcAft>
-                <a:spcPts val="0"/>
-              </a:spcAft>
-              <a:buClrTx/>
-              <a:buSzTx/>
-              <a:buFontTx/>
-              <a:buNone/>
-              <a:tabLst/>
-              <a:defRPr/>
-            </a:pPr>
-            <a:r>
-              <a:rPr kumimoji="0" lang="es-ES_tradnl" sz="1800" b="0" i="0" u="none" strike="noStrike" kern="0" cap="none" spc="0" normalizeH="0" baseline="0" noProof="0" dirty="0" smtClean="0">
-                <a:ln>
-                  <a:noFill/>
-                </a:ln>
-                <a:solidFill>
-                  <a:srgbClr val="FFFFFF"/>
-                </a:solidFill>
-                <a:effectLst/>
-                <a:uLnTx/>
-                <a:uFillTx/>
-                <a:latin typeface="Arial"/>
-                <a:ea typeface="ＭＳ Ｐゴシック" pitchFamily="-108" charset="-128"/>
-                <a:cs typeface="+mn-cs"/>
-              </a:rPr>
-              <a:t>  </a:t>
-            </a:r>
-            <a:endParaRPr kumimoji="0" lang="es-ES_tradnl" sz="1800" b="0" i="0" u="none" strike="noStrike" kern="0" cap="none" spc="0" normalizeH="0" baseline="0" noProof="0" dirty="0">
-              <a:ln>
-                <a:noFill/>
-              </a:ln>
-              <a:solidFill>
-                <a:srgbClr val="FFFFFF"/>
-              </a:solidFill>
-              <a:effectLst/>
-              <a:uLnTx/>
-              <a:uFillTx/>
-              <a:latin typeface="Arial"/>
-              <a:ea typeface="ＭＳ Ｐゴシック" pitchFamily="-108" charset="-128"/>
-              <a:cs typeface="+mn-cs"/>
-            </a:endParaRPr>
-          </a:p>
-        </p:txBody>
-      </p:sp>
-      <p:sp>
-        <p:nvSpPr>
-          <p:cNvPr id="16" name="TextBox 15"/>
-          <p:cNvSpPr txBox="1"/>
-          <p:nvPr/>
-        </p:nvSpPr>
-        <p:spPr>
-          <a:xfrm>
-            <a:off x="515937" y="212035"/>
-            <a:ext cx="11013453" cy="553998"/>
-          </a:xfrm>
-          <a:prstGeom prst="rect">
-            <a:avLst/>
-          </a:prstGeom>
-          <a:noFill/>
-        </p:spPr>
-        <p:txBody>
-          <a:bodyPr wrap="square" lIns="0" tIns="0" rIns="0" bIns="0" rtlCol="0">
-            <a:spAutoFit/>
-          </a:bodyPr>
-          <a:lstStyle/>
-          <a:p>
-            <a:r>
-              <a:rPr lang="en-US" sz="3600" dirty="0" smtClean="0">
-                <a:solidFill>
-                  <a:schemeClr val="bg1"/>
-                </a:solidFill>
-              </a:rPr>
-              <a:t>Working with Legacy Code</a:t>
-            </a:r>
-            <a:endParaRPr lang="en-US" sz="3600" dirty="0">
-              <a:solidFill>
-                <a:schemeClr val="bg1"/>
-              </a:solidFill>
-            </a:endParaRPr>
-          </a:p>
-        </p:txBody>
-      </p:sp>
-    </p:spTree>
-    <p:extLst>
-      <p:ext uri="{BB962C8B-B14F-4D97-AF65-F5344CB8AC3E}">
-        <p14:creationId xmlns:p14="http://schemas.microsoft.com/office/powerpoint/2010/main" val="2184142410"/>
       </p:ext>
     </p:extLst>
   </p:cSld>
@@ -19717,7 +19821,7 @@
         <p:spPr>
           <a:xfrm>
             <a:off x="476534" y="1394213"/>
-            <a:ext cx="8142809" cy="4329621"/>
+            <a:ext cx="11165006" cy="4329621"/>
           </a:xfrm>
           <a:prstGeom prst="rect">
             <a:avLst/>
@@ -19930,12 +20034,258 @@
               <a:t> </a:t>
             </a:r>
             <a:r>
-              <a:rPr lang="en-GB" sz="2000" dirty="0" err="1" smtClean="0">
+              <a:rPr lang="en-GB" sz="2000" dirty="0" smtClean="0">
                 <a:latin typeface="+mn-lt"/>
               </a:rPr>
-              <a:t>Abcdefghi</a:t>
-            </a:r>
-            <a:endParaRPr lang="es-AR" sz="1600" b="1" dirty="0">
+              <a:t>Making changes to legacy code raises two alternatives:</a:t>
+            </a:r>
+          </a:p>
+          <a:p>
+            <a:pPr marL="641350" lvl="1" indent="-285750">
+              <a:buClrTx/>
+              <a:buFont typeface="Wingdings" panose="05000000000000000000" pitchFamily="2" charset="2"/>
+              <a:buChar char="§"/>
+            </a:pPr>
+            <a:r>
+              <a:rPr lang="en-GB" sz="1800" dirty="0" smtClean="0">
+                <a:solidFill>
+                  <a:srgbClr val="000000"/>
+                </a:solidFill>
+                <a:latin typeface="+mn-lt"/>
+                <a:cs typeface="+mn-cs"/>
+              </a:rPr>
+              <a:t>Edit and pray</a:t>
+            </a:r>
+          </a:p>
+          <a:p>
+            <a:pPr marL="641350" lvl="1" indent="-285750">
+              <a:buClrTx/>
+              <a:buFont typeface="Wingdings" panose="05000000000000000000" pitchFamily="2" charset="2"/>
+              <a:buChar char="§"/>
+            </a:pPr>
+            <a:r>
+              <a:rPr lang="en-GB" sz="1800" dirty="0" smtClean="0">
+                <a:solidFill>
+                  <a:srgbClr val="000000"/>
+                </a:solidFill>
+                <a:latin typeface="+mn-lt"/>
+                <a:cs typeface="+mn-cs"/>
+              </a:rPr>
+              <a:t>Cover and modify</a:t>
+            </a:r>
+          </a:p>
+          <a:p>
+            <a:pPr marL="641350" lvl="1" indent="-285750">
+              <a:buClrTx/>
+              <a:buFont typeface="Wingdings" panose="05000000000000000000" pitchFamily="2" charset="2"/>
+              <a:buChar char="§"/>
+            </a:pPr>
+            <a:endParaRPr lang="en-GB" sz="1800" dirty="0" smtClean="0">
+              <a:solidFill>
+                <a:srgbClr val="000000"/>
+              </a:solidFill>
+              <a:latin typeface="+mn-lt"/>
+              <a:cs typeface="+mn-cs"/>
+            </a:endParaRPr>
+          </a:p>
+          <a:p>
+            <a:pPr marL="285750" indent="-285750">
+              <a:buClrTx/>
+            </a:pPr>
+            <a:r>
+              <a:rPr lang="en-US" sz="2000" dirty="0">
+                <a:latin typeface="+mn-lt"/>
+              </a:rPr>
+              <a:t>Refactoring </a:t>
+            </a:r>
+            <a:r>
+              <a:rPr lang="en-US" sz="2000" dirty="0" smtClean="0">
+                <a:latin typeface="+mn-lt"/>
+              </a:rPr>
+              <a:t>dilemma</a:t>
+            </a:r>
+          </a:p>
+          <a:p>
+            <a:pPr marL="641350" lvl="1" indent="-285750">
+              <a:buClrTx/>
+              <a:buFont typeface="Wingdings" panose="05000000000000000000" pitchFamily="2" charset="2"/>
+              <a:buChar char="§"/>
+            </a:pPr>
+            <a:r>
+              <a:rPr lang="en-US" sz="1800" dirty="0">
+                <a:solidFill>
+                  <a:srgbClr val="000000"/>
+                </a:solidFill>
+                <a:latin typeface="+mn-lt"/>
+                <a:cs typeface="+mn-cs"/>
+              </a:rPr>
+              <a:t>When we change code, we should have tests in </a:t>
+            </a:r>
+            <a:r>
+              <a:rPr lang="en-US" sz="1800" dirty="0" smtClean="0">
+                <a:solidFill>
+                  <a:srgbClr val="000000"/>
+                </a:solidFill>
+                <a:latin typeface="+mn-lt"/>
+                <a:cs typeface="+mn-cs"/>
+              </a:rPr>
+              <a:t>place</a:t>
+            </a:r>
+          </a:p>
+          <a:p>
+            <a:pPr marL="641350" lvl="1" indent="-285750">
+              <a:buClrTx/>
+              <a:buFont typeface="Wingdings" panose="05000000000000000000" pitchFamily="2" charset="2"/>
+              <a:buChar char="§"/>
+            </a:pPr>
+            <a:r>
+              <a:rPr lang="en-US" sz="1800" dirty="0" smtClean="0">
+                <a:solidFill>
+                  <a:srgbClr val="000000"/>
+                </a:solidFill>
+                <a:latin typeface="+mn-lt"/>
+                <a:cs typeface="+mn-cs"/>
+              </a:rPr>
+              <a:t>To </a:t>
+            </a:r>
+            <a:r>
+              <a:rPr lang="en-US" sz="1800" dirty="0">
+                <a:solidFill>
+                  <a:srgbClr val="000000"/>
+                </a:solidFill>
+                <a:latin typeface="+mn-lt"/>
+                <a:cs typeface="+mn-cs"/>
+              </a:rPr>
+              <a:t>put tests in place, we often have to change </a:t>
+            </a:r>
+            <a:r>
+              <a:rPr lang="en-US" sz="1800" dirty="0" smtClean="0">
+                <a:solidFill>
+                  <a:srgbClr val="000000"/>
+                </a:solidFill>
+                <a:latin typeface="+mn-lt"/>
+                <a:cs typeface="+mn-cs"/>
+              </a:rPr>
+              <a:t>code</a:t>
+            </a:r>
+          </a:p>
+          <a:p>
+            <a:pPr marL="641350" lvl="1" indent="-285750">
+              <a:buClrTx/>
+              <a:buFont typeface="Wingdings" panose="05000000000000000000" pitchFamily="2" charset="2"/>
+              <a:buChar char="§"/>
+            </a:pPr>
+            <a:endParaRPr lang="en-US" sz="1800" dirty="0">
+              <a:solidFill>
+                <a:srgbClr val="000000"/>
+              </a:solidFill>
+              <a:latin typeface="+mn-lt"/>
+              <a:cs typeface="+mn-cs"/>
+            </a:endParaRPr>
+          </a:p>
+          <a:p>
+            <a:pPr marL="285750" indent="-285750">
+              <a:buClrTx/>
+            </a:pPr>
+            <a:r>
+              <a:rPr lang="en-US" sz="2000" dirty="0" smtClean="0">
+                <a:solidFill>
+                  <a:srgbClr val="000000"/>
+                </a:solidFill>
+                <a:latin typeface="+mn-lt"/>
+                <a:cs typeface="+mn-cs"/>
+              </a:rPr>
+              <a:t>Legacy code often:</a:t>
+            </a:r>
+          </a:p>
+          <a:p>
+            <a:pPr marL="641350" lvl="1" indent="-285750">
+              <a:buClrTx/>
+              <a:buFont typeface="Wingdings" panose="05000000000000000000" pitchFamily="2" charset="2"/>
+              <a:buChar char="§"/>
+            </a:pPr>
+            <a:r>
+              <a:rPr lang="en-US" sz="1800" dirty="0" smtClean="0">
+                <a:solidFill>
+                  <a:srgbClr val="000000"/>
+                </a:solidFill>
+                <a:latin typeface="+mn-lt"/>
+                <a:cs typeface="+mn-cs"/>
+              </a:rPr>
+              <a:t>Has dependencies coupled to concrete implementations</a:t>
+            </a:r>
+          </a:p>
+          <a:p>
+            <a:pPr marL="641350" lvl="1" indent="-285750">
+              <a:buClrTx/>
+              <a:buFont typeface="Wingdings" panose="05000000000000000000" pitchFamily="2" charset="2"/>
+              <a:buChar char="§"/>
+            </a:pPr>
+            <a:r>
+              <a:rPr lang="en-US" sz="1800" dirty="0" smtClean="0">
+                <a:solidFill>
+                  <a:srgbClr val="000000"/>
+                </a:solidFill>
+                <a:latin typeface="+mn-lt"/>
+                <a:cs typeface="+mn-cs"/>
+              </a:rPr>
+              <a:t>Uses singletons and static variables</a:t>
+            </a:r>
+          </a:p>
+          <a:p>
+            <a:pPr marL="641350" lvl="1" indent="-285750">
+              <a:buClrTx/>
+              <a:buFont typeface="Wingdings" panose="05000000000000000000" pitchFamily="2" charset="2"/>
+              <a:buChar char="§"/>
+            </a:pPr>
+            <a:r>
+              <a:rPr lang="en-US" sz="1800" dirty="0" smtClean="0">
+                <a:solidFill>
+                  <a:srgbClr val="000000"/>
+                </a:solidFill>
+                <a:latin typeface="+mn-lt"/>
+                <a:cs typeface="+mn-cs"/>
+              </a:rPr>
+              <a:t>Has significant work happening in the constructor</a:t>
+            </a:r>
+          </a:p>
+          <a:p>
+            <a:pPr marL="641350" lvl="1" indent="-285750">
+              <a:buClrTx/>
+              <a:buFont typeface="Wingdings" panose="05000000000000000000" pitchFamily="2" charset="2"/>
+              <a:buChar char="§"/>
+            </a:pPr>
+            <a:r>
+              <a:rPr lang="en-US" sz="1800" dirty="0" smtClean="0">
+                <a:solidFill>
+                  <a:srgbClr val="000000"/>
+                </a:solidFill>
+                <a:latin typeface="+mn-lt"/>
+                <a:cs typeface="+mn-cs"/>
+              </a:rPr>
+              <a:t>Has objects that cannot be easily created</a:t>
+            </a:r>
+            <a:endParaRPr lang="en-US" sz="1800" dirty="0">
+              <a:solidFill>
+                <a:srgbClr val="000000"/>
+              </a:solidFill>
+              <a:latin typeface="+mn-lt"/>
+              <a:cs typeface="+mn-cs"/>
+            </a:endParaRPr>
+          </a:p>
+          <a:p>
+            <a:pPr marL="641350" lvl="1" indent="-285750">
+              <a:buClrTx/>
+            </a:pPr>
+            <a:endParaRPr lang="en-US" sz="1600" dirty="0">
+              <a:latin typeface="+mn-lt"/>
+            </a:endParaRPr>
+          </a:p>
+          <a:p>
+            <a:pPr marL="285750" indent="-285750">
+              <a:buClrTx/>
+            </a:pPr>
+            <a:endParaRPr lang="es-AR" sz="2200" dirty="0">
               <a:solidFill>
                 <a:srgbClr val="000000"/>
               </a:solidFill>
@@ -20058,20 +20408,25 @@
           <a:lstStyle/>
           <a:p>
             <a:r>
-              <a:rPr lang="en-US" sz="3600" dirty="0">
+              <a:rPr lang="en-US" sz="3600" dirty="0" smtClean="0">
                 <a:solidFill>
                   <a:schemeClr val="bg1"/>
                 </a:solidFill>
               </a:rPr>
-              <a:t>Tip 1: Decouple method code</a:t>
-            </a:r>
+              <a:t>Working with Legacy Code</a:t>
+            </a:r>
+            <a:endParaRPr lang="en-US" sz="3600" dirty="0">
+              <a:solidFill>
+                <a:schemeClr val="bg1"/>
+              </a:solidFill>
+            </a:endParaRPr>
           </a:p>
         </p:txBody>
       </p:sp>
     </p:spTree>
     <p:extLst>
       <p:ext uri="{BB962C8B-B14F-4D97-AF65-F5344CB8AC3E}">
-        <p14:creationId xmlns:p14="http://schemas.microsoft.com/office/powerpoint/2010/main" val="1368165989"/>
+        <p14:creationId xmlns:p14="http://schemas.microsoft.com/office/powerpoint/2010/main" val="2184142410"/>
       </p:ext>
     </p:extLst>
   </p:cSld>
@@ -21587,7 +21942,7 @@
         <p:spPr>
           <a:xfrm>
             <a:off x="476534" y="1394213"/>
-            <a:ext cx="8142809" cy="4329621"/>
+            <a:ext cx="11052856" cy="4979291"/>
           </a:xfrm>
           <a:prstGeom prst="rect">
             <a:avLst/>
@@ -21800,16 +22155,870 @@
               <a:t> </a:t>
             </a:r>
             <a:r>
-              <a:rPr lang="en-GB" sz="2000" dirty="0" err="1" smtClean="0">
+              <a:rPr lang="en-GB" sz="2000" dirty="0" smtClean="0">
                 <a:latin typeface="+mn-lt"/>
               </a:rPr>
-              <a:t>Abcdefghi</a:t>
-            </a:r>
-            <a:endParaRPr lang="es-AR" sz="1600" b="1" dirty="0">
+              <a:t>Extract concrete implementations to interfaces</a:t>
+            </a:r>
+          </a:p>
+          <a:p>
+            <a:pPr marL="641350" lvl="1" indent="-285750">
+              <a:buClrTx/>
+              <a:buFont typeface="Wingdings" panose="05000000000000000000" pitchFamily="2" charset="2"/>
+              <a:buChar char="§"/>
+            </a:pPr>
+            <a:r>
+              <a:rPr lang="en-US" sz="1800" dirty="0">
+                <a:solidFill>
+                  <a:srgbClr val="000000"/>
+                </a:solidFill>
+                <a:latin typeface="+mn-lt"/>
+                <a:cs typeface="+mn-cs"/>
+              </a:rPr>
+              <a:t>Tip 1: Program to an interface, not an </a:t>
+            </a:r>
+            <a:r>
+              <a:rPr lang="en-US" sz="1800" dirty="0" smtClean="0">
+                <a:solidFill>
+                  <a:srgbClr val="000000"/>
+                </a:solidFill>
+                <a:latin typeface="+mn-lt"/>
+                <a:cs typeface="+mn-cs"/>
+              </a:rPr>
+              <a:t>implementation</a:t>
+            </a:r>
+          </a:p>
+          <a:p>
+            <a:pPr marL="641350" lvl="1" indent="-285750">
+              <a:buClrTx/>
+              <a:buFont typeface="Wingdings" panose="05000000000000000000" pitchFamily="2" charset="2"/>
+              <a:buChar char="§"/>
+            </a:pPr>
+            <a:r>
+              <a:rPr lang="en-US" sz="1800" dirty="0" smtClean="0">
+                <a:solidFill>
+                  <a:srgbClr val="000000"/>
+                </a:solidFill>
+                <a:latin typeface="+mn-lt"/>
+                <a:cs typeface="+mn-cs"/>
+              </a:rPr>
+              <a:t>Tip 2: Use constructor dependency injection</a:t>
+            </a:r>
+          </a:p>
+          <a:p>
+            <a:pPr marL="641350" lvl="1" indent="-285750">
+              <a:buClrTx/>
+              <a:buFont typeface="Wingdings" panose="05000000000000000000" pitchFamily="2" charset="2"/>
+              <a:buChar char="§"/>
+            </a:pPr>
+            <a:r>
+              <a:rPr lang="en-US" sz="1800" dirty="0" smtClean="0">
+                <a:solidFill>
+                  <a:srgbClr val="000000"/>
+                </a:solidFill>
+                <a:latin typeface="+mn-lt"/>
+                <a:cs typeface="+mn-cs"/>
+              </a:rPr>
+              <a:t>Allows you to mock dependencies for unit testing</a:t>
+            </a:r>
+          </a:p>
+          <a:p>
+            <a:pPr marL="285750" indent="-285750">
+              <a:buClrTx/>
+            </a:pPr>
+            <a:r>
+              <a:rPr lang="es-AR" sz="2000" dirty="0" err="1" smtClean="0">
+                <a:solidFill>
+                  <a:srgbClr val="000000"/>
+                </a:solidFill>
+                <a:latin typeface="+mn-lt"/>
+                <a:cs typeface="+mn-cs"/>
+              </a:rPr>
+              <a:t>Careful</a:t>
+            </a:r>
+            <a:r>
+              <a:rPr lang="es-AR" sz="2000" dirty="0" smtClean="0">
+                <a:solidFill>
+                  <a:srgbClr val="000000"/>
+                </a:solidFill>
+                <a:latin typeface="+mn-lt"/>
+                <a:cs typeface="+mn-cs"/>
+              </a:rPr>
+              <a:t> </a:t>
+            </a:r>
+            <a:r>
+              <a:rPr lang="es-AR" sz="2000" dirty="0" err="1" smtClean="0">
+                <a:solidFill>
+                  <a:srgbClr val="000000"/>
+                </a:solidFill>
+                <a:latin typeface="+mn-lt"/>
+                <a:cs typeface="+mn-cs"/>
+              </a:rPr>
+              <a:t>with</a:t>
+            </a:r>
+            <a:r>
+              <a:rPr lang="es-AR" sz="2000" dirty="0" smtClean="0">
+                <a:solidFill>
+                  <a:srgbClr val="000000"/>
+                </a:solidFill>
+                <a:latin typeface="+mn-lt"/>
+                <a:cs typeface="+mn-cs"/>
+              </a:rPr>
+              <a:t> </a:t>
+            </a:r>
+            <a:r>
+              <a:rPr lang="es-AR" sz="2000" dirty="0" err="1" smtClean="0">
+                <a:solidFill>
+                  <a:srgbClr val="000000"/>
+                </a:solidFill>
+                <a:latin typeface="+mn-lt"/>
+                <a:cs typeface="+mn-cs"/>
+              </a:rPr>
+              <a:t>hidden</a:t>
+            </a:r>
+            <a:r>
+              <a:rPr lang="es-AR" sz="2000" dirty="0" smtClean="0">
+                <a:solidFill>
+                  <a:srgbClr val="000000"/>
+                </a:solidFill>
+                <a:latin typeface="+mn-lt"/>
+                <a:cs typeface="+mn-cs"/>
+              </a:rPr>
+              <a:t> </a:t>
+            </a:r>
+            <a:r>
+              <a:rPr lang="es-AR" sz="2000" dirty="0" err="1" smtClean="0">
+                <a:solidFill>
+                  <a:srgbClr val="000000"/>
+                </a:solidFill>
+                <a:latin typeface="+mn-lt"/>
+                <a:cs typeface="+mn-cs"/>
+              </a:rPr>
+              <a:t>dependencies</a:t>
+            </a:r>
+            <a:endParaRPr lang="es-AR" sz="2000" dirty="0" smtClean="0">
               <a:solidFill>
                 <a:srgbClr val="000000"/>
               </a:solidFill>
-              <a:latin typeface="Avenir 45 Book"/>
+              <a:latin typeface="+mn-lt"/>
+              <a:cs typeface="+mn-cs"/>
+            </a:endParaRPr>
+          </a:p>
+          <a:p>
+            <a:pPr marL="641350" lvl="1" indent="-285750">
+              <a:buClrTx/>
+              <a:buFont typeface="Wingdings" panose="05000000000000000000" pitchFamily="2" charset="2"/>
+              <a:buChar char="§"/>
+            </a:pPr>
+            <a:r>
+              <a:rPr lang="es-AR" sz="1800" dirty="0" err="1" smtClean="0">
+                <a:solidFill>
+                  <a:srgbClr val="000000"/>
+                </a:solidFill>
+                <a:latin typeface="+mn-lt"/>
+                <a:cs typeface="+mn-cs"/>
+              </a:rPr>
+              <a:t>Eg</a:t>
+            </a:r>
+            <a:r>
+              <a:rPr lang="es-AR" sz="1800" dirty="0" smtClean="0">
+                <a:solidFill>
+                  <a:srgbClr val="000000"/>
+                </a:solidFill>
+                <a:latin typeface="+mn-lt"/>
+                <a:cs typeface="+mn-cs"/>
+              </a:rPr>
+              <a:t>. Constructor </a:t>
+            </a:r>
+            <a:r>
+              <a:rPr lang="es-AR" sz="1800" dirty="0" err="1" smtClean="0">
+                <a:solidFill>
+                  <a:srgbClr val="000000"/>
+                </a:solidFill>
+                <a:latin typeface="+mn-lt"/>
+                <a:cs typeface="+mn-cs"/>
+              </a:rPr>
+              <a:t>creates</a:t>
+            </a:r>
+            <a:r>
+              <a:rPr lang="es-AR" sz="1800" dirty="0" smtClean="0">
+                <a:solidFill>
+                  <a:srgbClr val="000000"/>
+                </a:solidFill>
+                <a:latin typeface="+mn-lt"/>
+                <a:cs typeface="+mn-cs"/>
+              </a:rPr>
+              <a:t> </a:t>
+            </a:r>
+            <a:r>
+              <a:rPr lang="es-AR" sz="1800" dirty="0" err="1" smtClean="0">
+                <a:solidFill>
+                  <a:srgbClr val="000000"/>
+                </a:solidFill>
+                <a:latin typeface="+mn-lt"/>
+                <a:cs typeface="+mn-cs"/>
+              </a:rPr>
+              <a:t>an</a:t>
+            </a:r>
+            <a:r>
+              <a:rPr lang="es-AR" sz="1800" dirty="0" smtClean="0">
+                <a:solidFill>
+                  <a:srgbClr val="000000"/>
+                </a:solidFill>
+                <a:latin typeface="+mn-lt"/>
+                <a:cs typeface="+mn-cs"/>
+              </a:rPr>
+              <a:t> </a:t>
+            </a:r>
+            <a:r>
+              <a:rPr lang="es-AR" sz="1800" dirty="0" err="1" smtClean="0">
+                <a:solidFill>
+                  <a:srgbClr val="000000"/>
+                </a:solidFill>
+                <a:latin typeface="+mn-lt"/>
+                <a:cs typeface="+mn-cs"/>
+              </a:rPr>
+              <a:t>instance</a:t>
+            </a:r>
+            <a:r>
+              <a:rPr lang="es-AR" sz="1800" dirty="0" smtClean="0">
+                <a:solidFill>
+                  <a:srgbClr val="000000"/>
+                </a:solidFill>
+                <a:latin typeface="+mn-lt"/>
+                <a:cs typeface="+mn-cs"/>
+              </a:rPr>
+              <a:t> of </a:t>
+            </a:r>
+            <a:r>
+              <a:rPr lang="es-AR" sz="1800" dirty="0" err="1" smtClean="0">
+                <a:solidFill>
+                  <a:srgbClr val="000000"/>
+                </a:solidFill>
+                <a:latin typeface="+mn-lt"/>
+                <a:cs typeface="+mn-cs"/>
+              </a:rPr>
+              <a:t>another</a:t>
+            </a:r>
+            <a:r>
+              <a:rPr lang="es-AR" sz="1800" dirty="0" smtClean="0">
+                <a:solidFill>
+                  <a:srgbClr val="000000"/>
+                </a:solidFill>
+                <a:latin typeface="+mn-lt"/>
+                <a:cs typeface="+mn-cs"/>
+              </a:rPr>
+              <a:t> </a:t>
+            </a:r>
+            <a:r>
+              <a:rPr lang="es-AR" sz="1800" dirty="0" err="1" smtClean="0">
+                <a:solidFill>
+                  <a:srgbClr val="000000"/>
+                </a:solidFill>
+                <a:latin typeface="+mn-lt"/>
+                <a:cs typeface="+mn-cs"/>
+              </a:rPr>
+              <a:t>class</a:t>
+            </a:r>
+            <a:endParaRPr lang="es-AR" sz="1800" dirty="0" smtClean="0">
+              <a:solidFill>
+                <a:srgbClr val="000000"/>
+              </a:solidFill>
+              <a:latin typeface="+mn-lt"/>
+              <a:cs typeface="+mn-cs"/>
+            </a:endParaRPr>
+          </a:p>
+          <a:p>
+            <a:pPr marL="285750" indent="-285750">
+              <a:buClrTx/>
+            </a:pPr>
+            <a:r>
+              <a:rPr lang="es-AR" sz="2000" dirty="0" err="1" smtClean="0">
+                <a:solidFill>
+                  <a:srgbClr val="000000"/>
+                </a:solidFill>
+                <a:latin typeface="+mn-lt"/>
+                <a:cs typeface="+mn-cs"/>
+              </a:rPr>
+              <a:t>When</a:t>
+            </a:r>
+            <a:r>
+              <a:rPr lang="es-AR" sz="2000" dirty="0" smtClean="0">
+                <a:solidFill>
+                  <a:srgbClr val="000000"/>
+                </a:solidFill>
+                <a:latin typeface="+mn-lt"/>
+                <a:cs typeface="+mn-cs"/>
+              </a:rPr>
+              <a:t> </a:t>
+            </a:r>
+            <a:r>
+              <a:rPr lang="es-AR" sz="2000" dirty="0" err="1" smtClean="0">
+                <a:solidFill>
+                  <a:srgbClr val="000000"/>
+                </a:solidFill>
+                <a:latin typeface="+mn-lt"/>
+                <a:cs typeface="+mn-cs"/>
+              </a:rPr>
+              <a:t>adding</a:t>
+            </a:r>
+            <a:r>
+              <a:rPr lang="es-AR" sz="2000" dirty="0" smtClean="0">
+                <a:solidFill>
+                  <a:srgbClr val="000000"/>
+                </a:solidFill>
+                <a:latin typeface="+mn-lt"/>
+                <a:cs typeface="+mn-cs"/>
+              </a:rPr>
+              <a:t> </a:t>
+            </a:r>
+            <a:r>
+              <a:rPr lang="es-AR" sz="2000" dirty="0" err="1" smtClean="0">
+                <a:solidFill>
+                  <a:srgbClr val="000000"/>
+                </a:solidFill>
+                <a:latin typeface="+mn-lt"/>
+                <a:cs typeface="+mn-cs"/>
+              </a:rPr>
+              <a:t>constructors</a:t>
+            </a:r>
+            <a:r>
+              <a:rPr lang="es-AR" sz="2000" dirty="0" smtClean="0">
+                <a:solidFill>
+                  <a:srgbClr val="000000"/>
+                </a:solidFill>
+                <a:latin typeface="+mn-lt"/>
+                <a:cs typeface="+mn-cs"/>
+              </a:rPr>
+              <a:t> </a:t>
+            </a:r>
+            <a:r>
+              <a:rPr lang="es-AR" sz="2000" dirty="0" err="1" smtClean="0">
+                <a:solidFill>
+                  <a:srgbClr val="000000"/>
+                </a:solidFill>
+                <a:latin typeface="+mn-lt"/>
+                <a:cs typeface="+mn-cs"/>
+              </a:rPr>
+              <a:t>for</a:t>
+            </a:r>
+            <a:r>
+              <a:rPr lang="es-AR" sz="2000" dirty="0" smtClean="0">
+                <a:solidFill>
+                  <a:srgbClr val="000000"/>
+                </a:solidFill>
+                <a:latin typeface="+mn-lt"/>
+                <a:cs typeface="+mn-cs"/>
+              </a:rPr>
+              <a:t> </a:t>
+            </a:r>
+            <a:r>
+              <a:rPr lang="es-AR" sz="2000" dirty="0" err="1" smtClean="0">
+                <a:solidFill>
+                  <a:srgbClr val="000000"/>
+                </a:solidFill>
+                <a:latin typeface="+mn-lt"/>
+                <a:cs typeface="+mn-cs"/>
+              </a:rPr>
+              <a:t>dependency</a:t>
+            </a:r>
+            <a:r>
+              <a:rPr lang="es-AR" sz="2000" dirty="0" smtClean="0">
+                <a:solidFill>
+                  <a:srgbClr val="000000"/>
+                </a:solidFill>
+                <a:latin typeface="+mn-lt"/>
+                <a:cs typeface="+mn-cs"/>
+              </a:rPr>
+              <a:t> </a:t>
+            </a:r>
+            <a:r>
+              <a:rPr lang="es-AR" sz="2000" dirty="0" err="1" smtClean="0">
+                <a:solidFill>
+                  <a:srgbClr val="000000"/>
+                </a:solidFill>
+                <a:latin typeface="+mn-lt"/>
+                <a:cs typeface="+mn-cs"/>
+              </a:rPr>
+              <a:t>injection</a:t>
+            </a:r>
+            <a:r>
+              <a:rPr lang="es-AR" sz="2000" dirty="0" smtClean="0">
+                <a:solidFill>
+                  <a:srgbClr val="000000"/>
+                </a:solidFill>
+                <a:latin typeface="+mn-lt"/>
+                <a:cs typeface="+mn-cs"/>
+              </a:rPr>
+              <a:t>, </a:t>
+            </a:r>
+            <a:r>
+              <a:rPr lang="es-AR" sz="2000" dirty="0" err="1" smtClean="0">
+                <a:solidFill>
+                  <a:srgbClr val="000000"/>
+                </a:solidFill>
+                <a:latin typeface="+mn-lt"/>
+                <a:cs typeface="+mn-cs"/>
+              </a:rPr>
+              <a:t>keep</a:t>
+            </a:r>
+            <a:r>
+              <a:rPr lang="es-AR" sz="2000" dirty="0" smtClean="0">
+                <a:solidFill>
+                  <a:srgbClr val="000000"/>
+                </a:solidFill>
+                <a:latin typeface="+mn-lt"/>
+                <a:cs typeface="+mn-cs"/>
+              </a:rPr>
+              <a:t> a </a:t>
+            </a:r>
+            <a:r>
+              <a:rPr lang="es-AR" sz="2000" dirty="0" err="1" smtClean="0">
+                <a:solidFill>
+                  <a:srgbClr val="000000"/>
+                </a:solidFill>
+                <a:latin typeface="+mn-lt"/>
+                <a:cs typeface="+mn-cs"/>
+              </a:rPr>
+              <a:t>parameterless</a:t>
+            </a:r>
+            <a:r>
+              <a:rPr lang="es-AR" sz="2000" dirty="0" smtClean="0">
+                <a:solidFill>
+                  <a:srgbClr val="000000"/>
+                </a:solidFill>
+                <a:latin typeface="+mn-lt"/>
+                <a:cs typeface="+mn-cs"/>
+              </a:rPr>
+              <a:t> constructor to </a:t>
+            </a:r>
+            <a:r>
+              <a:rPr lang="es-AR" sz="2000" dirty="0" err="1" smtClean="0">
+                <a:solidFill>
+                  <a:srgbClr val="000000"/>
+                </a:solidFill>
+                <a:latin typeface="+mn-lt"/>
+                <a:cs typeface="+mn-cs"/>
+              </a:rPr>
+              <a:t>avoid</a:t>
+            </a:r>
+            <a:r>
+              <a:rPr lang="es-AR" sz="2000" dirty="0" smtClean="0">
+                <a:solidFill>
+                  <a:srgbClr val="000000"/>
+                </a:solidFill>
+                <a:latin typeface="+mn-lt"/>
+                <a:cs typeface="+mn-cs"/>
+              </a:rPr>
+              <a:t> </a:t>
+            </a:r>
+            <a:r>
+              <a:rPr lang="es-AR" sz="2000" dirty="0" err="1" smtClean="0">
+                <a:solidFill>
+                  <a:srgbClr val="000000"/>
+                </a:solidFill>
+                <a:latin typeface="+mn-lt"/>
+                <a:cs typeface="+mn-cs"/>
+              </a:rPr>
+              <a:t>changing</a:t>
+            </a:r>
+            <a:r>
+              <a:rPr lang="es-AR" sz="2000" dirty="0" smtClean="0">
+                <a:solidFill>
+                  <a:srgbClr val="000000"/>
+                </a:solidFill>
+                <a:latin typeface="+mn-lt"/>
+                <a:cs typeface="+mn-cs"/>
+              </a:rPr>
+              <a:t> </a:t>
+            </a:r>
+            <a:r>
+              <a:rPr lang="es-AR" sz="2000" dirty="0" err="1" smtClean="0">
+                <a:solidFill>
+                  <a:srgbClr val="000000"/>
+                </a:solidFill>
+                <a:latin typeface="+mn-lt"/>
+                <a:cs typeface="+mn-cs"/>
+              </a:rPr>
+              <a:t>existing</a:t>
+            </a:r>
+            <a:r>
+              <a:rPr lang="es-AR" sz="2000" dirty="0" smtClean="0">
+                <a:solidFill>
+                  <a:srgbClr val="000000"/>
+                </a:solidFill>
+                <a:latin typeface="+mn-lt"/>
+                <a:cs typeface="+mn-cs"/>
+              </a:rPr>
+              <a:t> </a:t>
+            </a:r>
+            <a:r>
+              <a:rPr lang="es-AR" sz="2000" dirty="0" err="1" smtClean="0">
+                <a:solidFill>
+                  <a:srgbClr val="000000"/>
+                </a:solidFill>
+                <a:latin typeface="+mn-lt"/>
+                <a:cs typeface="+mn-cs"/>
+              </a:rPr>
+              <a:t>code</a:t>
+            </a:r>
+            <a:endParaRPr lang="es-AR" sz="2000" dirty="0" smtClean="0">
+              <a:solidFill>
+                <a:srgbClr val="000000"/>
+              </a:solidFill>
+              <a:latin typeface="+mn-lt"/>
+              <a:cs typeface="+mn-cs"/>
+            </a:endParaRPr>
+          </a:p>
+          <a:p>
+            <a:pPr marL="285750" indent="-285750">
+              <a:buClrTx/>
+            </a:pPr>
+            <a:r>
+              <a:rPr lang="es-AR" sz="2000" dirty="0" smtClean="0">
+                <a:solidFill>
+                  <a:srgbClr val="000000"/>
+                </a:solidFill>
+                <a:latin typeface="+mn-lt"/>
+                <a:cs typeface="+mn-cs"/>
+              </a:rPr>
+              <a:t>Use </a:t>
+            </a:r>
+            <a:r>
+              <a:rPr lang="es-AR" sz="2000" dirty="0" err="1" smtClean="0">
+                <a:solidFill>
+                  <a:srgbClr val="000000"/>
+                </a:solidFill>
+                <a:latin typeface="+mn-lt"/>
+                <a:cs typeface="+mn-cs"/>
+              </a:rPr>
+              <a:t>wrappers</a:t>
+            </a:r>
+            <a:r>
+              <a:rPr lang="es-AR" sz="2000" dirty="0" smtClean="0">
+                <a:solidFill>
+                  <a:srgbClr val="000000"/>
+                </a:solidFill>
+                <a:latin typeface="+mn-lt"/>
+                <a:cs typeface="+mn-cs"/>
+              </a:rPr>
+              <a:t> to </a:t>
+            </a:r>
+            <a:r>
+              <a:rPr lang="es-AR" sz="2000" dirty="0" err="1" smtClean="0">
+                <a:solidFill>
+                  <a:srgbClr val="000000"/>
+                </a:solidFill>
+                <a:latin typeface="+mn-lt"/>
+                <a:cs typeface="+mn-cs"/>
+              </a:rPr>
+              <a:t>decouple</a:t>
+            </a:r>
+            <a:r>
+              <a:rPr lang="es-AR" sz="2000" dirty="0" smtClean="0">
+                <a:solidFill>
+                  <a:srgbClr val="000000"/>
+                </a:solidFill>
+                <a:latin typeface="+mn-lt"/>
+                <a:cs typeface="+mn-cs"/>
+              </a:rPr>
+              <a:t> </a:t>
+            </a:r>
+            <a:r>
+              <a:rPr lang="es-AR" sz="2000" dirty="0" err="1" smtClean="0">
+                <a:solidFill>
+                  <a:srgbClr val="000000"/>
+                </a:solidFill>
+                <a:latin typeface="+mn-lt"/>
+                <a:cs typeface="+mn-cs"/>
+              </a:rPr>
+              <a:t>code</a:t>
+            </a:r>
+            <a:r>
+              <a:rPr lang="es-AR" sz="2000" dirty="0" smtClean="0">
+                <a:solidFill>
+                  <a:srgbClr val="000000"/>
+                </a:solidFill>
+                <a:latin typeface="+mn-lt"/>
+                <a:cs typeface="+mn-cs"/>
+              </a:rPr>
+              <a:t> </a:t>
+            </a:r>
+            <a:r>
+              <a:rPr lang="es-AR" sz="2000" dirty="0" err="1" smtClean="0">
+                <a:solidFill>
+                  <a:srgbClr val="000000"/>
+                </a:solidFill>
+                <a:latin typeface="+mn-lt"/>
+                <a:cs typeface="+mn-cs"/>
+              </a:rPr>
+              <a:t>from</a:t>
+            </a:r>
+            <a:r>
+              <a:rPr lang="es-AR" sz="2000" dirty="0" smtClean="0">
+                <a:solidFill>
+                  <a:srgbClr val="000000"/>
+                </a:solidFill>
+                <a:latin typeface="+mn-lt"/>
+                <a:cs typeface="+mn-cs"/>
+              </a:rPr>
+              <a:t> </a:t>
+            </a:r>
+            <a:r>
+              <a:rPr lang="es-AR" sz="2000" dirty="0" err="1" smtClean="0">
+                <a:solidFill>
+                  <a:srgbClr val="000000"/>
+                </a:solidFill>
+                <a:latin typeface="+mn-lt"/>
+                <a:cs typeface="+mn-cs"/>
+              </a:rPr>
+              <a:t>third-party</a:t>
+            </a:r>
+            <a:r>
+              <a:rPr lang="es-AR" sz="2000" dirty="0" smtClean="0">
+                <a:solidFill>
+                  <a:srgbClr val="000000"/>
+                </a:solidFill>
+                <a:latin typeface="+mn-lt"/>
+                <a:cs typeface="+mn-cs"/>
+              </a:rPr>
+              <a:t> </a:t>
+            </a:r>
+            <a:r>
+              <a:rPr lang="es-AR" sz="2000" dirty="0" err="1" smtClean="0">
+                <a:solidFill>
+                  <a:srgbClr val="000000"/>
+                </a:solidFill>
+                <a:latin typeface="+mn-lt"/>
+                <a:cs typeface="+mn-cs"/>
+              </a:rPr>
+              <a:t>libraries</a:t>
+            </a:r>
+            <a:r>
+              <a:rPr lang="es-AR" sz="2000" dirty="0" smtClean="0">
+                <a:solidFill>
+                  <a:srgbClr val="000000"/>
+                </a:solidFill>
+                <a:latin typeface="+mn-lt"/>
+                <a:cs typeface="+mn-cs"/>
+              </a:rPr>
+              <a:t> </a:t>
+            </a:r>
+            <a:r>
+              <a:rPr lang="es-AR" sz="2000" dirty="0" err="1" smtClean="0">
+                <a:solidFill>
+                  <a:srgbClr val="000000"/>
+                </a:solidFill>
+                <a:latin typeface="+mn-lt"/>
+                <a:cs typeface="+mn-cs"/>
+              </a:rPr>
+              <a:t>we</a:t>
+            </a:r>
+            <a:r>
+              <a:rPr lang="es-AR" sz="2000" dirty="0" smtClean="0">
+                <a:solidFill>
+                  <a:srgbClr val="000000"/>
+                </a:solidFill>
+                <a:latin typeface="+mn-lt"/>
+                <a:cs typeface="+mn-cs"/>
+              </a:rPr>
+              <a:t> </a:t>
+            </a:r>
+            <a:r>
+              <a:rPr lang="es-AR" sz="2000" dirty="0" err="1" smtClean="0">
+                <a:solidFill>
+                  <a:srgbClr val="000000"/>
+                </a:solidFill>
+                <a:latin typeface="+mn-lt"/>
+                <a:cs typeface="+mn-cs"/>
+              </a:rPr>
+              <a:t>cannot</a:t>
+            </a:r>
+            <a:r>
+              <a:rPr lang="es-AR" sz="2000" dirty="0" smtClean="0">
+                <a:solidFill>
+                  <a:srgbClr val="000000"/>
+                </a:solidFill>
+                <a:latin typeface="+mn-lt"/>
+                <a:cs typeface="+mn-cs"/>
+              </a:rPr>
+              <a:t> </a:t>
+            </a:r>
+            <a:r>
+              <a:rPr lang="es-AR" sz="2000" dirty="0" err="1" smtClean="0">
+                <a:solidFill>
+                  <a:srgbClr val="000000"/>
+                </a:solidFill>
+                <a:latin typeface="+mn-lt"/>
+                <a:cs typeface="+mn-cs"/>
+              </a:rPr>
+              <a:t>instanciate</a:t>
+            </a:r>
+            <a:endParaRPr lang="es-AR" sz="2000" dirty="0" smtClean="0">
+              <a:solidFill>
+                <a:srgbClr val="000000"/>
+              </a:solidFill>
+              <a:latin typeface="+mn-lt"/>
+              <a:cs typeface="+mn-cs"/>
+            </a:endParaRPr>
+          </a:p>
+          <a:p>
+            <a:pPr marL="641350" lvl="1" indent="-285750">
+              <a:buClrTx/>
+              <a:buFont typeface="Wingdings" panose="05000000000000000000" pitchFamily="2" charset="2"/>
+              <a:buChar char="§"/>
+            </a:pPr>
+            <a:r>
+              <a:rPr lang="en-US" sz="1800" dirty="0">
+                <a:solidFill>
+                  <a:srgbClr val="000000"/>
+                </a:solidFill>
+                <a:latin typeface="+mn-lt"/>
+                <a:cs typeface="+mn-cs"/>
+              </a:rPr>
+              <a:t>Tip 7: Use wrappers to encapsulate static </a:t>
+            </a:r>
+            <a:r>
+              <a:rPr lang="en-US" sz="1800" dirty="0" smtClean="0">
+                <a:solidFill>
+                  <a:srgbClr val="000000"/>
+                </a:solidFill>
+                <a:latin typeface="+mn-lt"/>
+                <a:cs typeface="+mn-cs"/>
+              </a:rPr>
+              <a:t>dependencies</a:t>
+            </a:r>
+          </a:p>
+          <a:p>
+            <a:pPr marL="285750" indent="-285750">
+              <a:buClrTx/>
+            </a:pPr>
+            <a:r>
+              <a:rPr lang="en-US" sz="2000" dirty="0" smtClean="0">
+                <a:solidFill>
+                  <a:srgbClr val="000000"/>
+                </a:solidFill>
+                <a:latin typeface="+mn-lt"/>
+                <a:cs typeface="+mn-cs"/>
+              </a:rPr>
+              <a:t>Keep best practices for writing testable code in mind</a:t>
+            </a:r>
+          </a:p>
+          <a:p>
+            <a:pPr marL="641350" lvl="1" indent="-285750">
+              <a:buClrTx/>
+              <a:buFont typeface="Wingdings" panose="05000000000000000000" pitchFamily="2" charset="2"/>
+              <a:buChar char="§"/>
+            </a:pPr>
+            <a:r>
+              <a:rPr lang="en-US" sz="1800" dirty="0">
+                <a:solidFill>
+                  <a:srgbClr val="000000"/>
+                </a:solidFill>
+                <a:latin typeface="+mn-lt"/>
+                <a:cs typeface="+mn-cs"/>
+              </a:rPr>
+              <a:t>Tip 3: </a:t>
+            </a:r>
+            <a:r>
+              <a:rPr lang="en-US" sz="1800" dirty="0" err="1">
+                <a:solidFill>
+                  <a:srgbClr val="000000"/>
+                </a:solidFill>
+                <a:latin typeface="+mn-lt"/>
+                <a:cs typeface="+mn-cs"/>
+              </a:rPr>
+              <a:t>Favour</a:t>
+            </a:r>
+            <a:r>
+              <a:rPr lang="en-US" sz="1800" dirty="0">
+                <a:solidFill>
+                  <a:srgbClr val="000000"/>
+                </a:solidFill>
+                <a:latin typeface="+mn-lt"/>
+                <a:cs typeface="+mn-cs"/>
+              </a:rPr>
+              <a:t> composition over </a:t>
+            </a:r>
+            <a:r>
+              <a:rPr lang="en-US" sz="1800" dirty="0">
+                <a:solidFill>
+                  <a:srgbClr val="000000"/>
+                </a:solidFill>
+                <a:latin typeface="+mn-lt"/>
+                <a:cs typeface="+mn-cs"/>
+              </a:rPr>
+              <a:t>inheritance</a:t>
+            </a:r>
+            <a:endParaRPr lang="en-US" sz="1800" dirty="0">
+              <a:solidFill>
+                <a:srgbClr val="000000"/>
+              </a:solidFill>
+              <a:latin typeface="+mn-lt"/>
+              <a:cs typeface="+mn-cs"/>
+            </a:endParaRPr>
+          </a:p>
+          <a:p>
+            <a:pPr marL="641350" lvl="1" indent="-285750">
+              <a:buClrTx/>
+              <a:buFont typeface="Wingdings" panose="05000000000000000000" pitchFamily="2" charset="2"/>
+              <a:buChar char="§"/>
+            </a:pPr>
+            <a:r>
+              <a:rPr lang="en-US" sz="1800" dirty="0">
+                <a:solidFill>
+                  <a:srgbClr val="000000"/>
+                </a:solidFill>
+                <a:latin typeface="+mn-lt"/>
+                <a:cs typeface="+mn-cs"/>
+              </a:rPr>
+              <a:t>Tip 6: Writing Testable Code</a:t>
+            </a:r>
+            <a:endParaRPr lang="es-AR" sz="1800" dirty="0">
+              <a:solidFill>
+                <a:srgbClr val="000000"/>
+              </a:solidFill>
+              <a:latin typeface="+mn-lt"/>
+              <a:cs typeface="+mn-cs"/>
+            </a:endParaRPr>
+          </a:p>
+          <a:p>
+            <a:pPr marL="641350" lvl="1" indent="-285750">
+              <a:buClrTx/>
+            </a:pPr>
+            <a:endParaRPr lang="es-AR" sz="1800" dirty="0">
+              <a:solidFill>
+                <a:srgbClr val="000000"/>
+              </a:solidFill>
+              <a:latin typeface="+mn-lt"/>
+              <a:cs typeface="+mn-cs"/>
+            </a:endParaRPr>
+          </a:p>
+          <a:p>
+            <a:pPr marL="641350" lvl="1" indent="-285750">
+              <a:buClrTx/>
+              <a:buFont typeface="Wingdings" panose="05000000000000000000" pitchFamily="2" charset="2"/>
+              <a:buChar char="§"/>
+            </a:pPr>
+            <a:endParaRPr lang="es-AR" sz="1800" dirty="0">
+              <a:solidFill>
+                <a:srgbClr val="000000"/>
+              </a:solidFill>
+              <a:latin typeface="+mn-lt"/>
+              <a:cs typeface="+mn-cs"/>
+            </a:endParaRPr>
+          </a:p>
+          <a:p>
+            <a:pPr marL="641350" lvl="1" indent="-285750">
+              <a:buClrTx/>
+              <a:buFont typeface="Wingdings" panose="05000000000000000000" pitchFamily="2" charset="2"/>
+              <a:buChar char="§"/>
+            </a:pPr>
+            <a:endParaRPr lang="es-AR" sz="1800" dirty="0">
+              <a:solidFill>
+                <a:srgbClr val="000000"/>
+              </a:solidFill>
+              <a:latin typeface="+mn-lt"/>
               <a:cs typeface="+mn-cs"/>
             </a:endParaRPr>
           </a:p>
@@ -21933,6 +23142,748 @@
                   <a:schemeClr val="bg1"/>
                 </a:solidFill>
               </a:rPr>
+              <a:t>Tip 1: Decouple method code</a:t>
+            </a:r>
+          </a:p>
+        </p:txBody>
+      </p:sp>
+    </p:spTree>
+    <p:extLst>
+      <p:ext uri="{BB962C8B-B14F-4D97-AF65-F5344CB8AC3E}">
+        <p14:creationId xmlns:p14="http://schemas.microsoft.com/office/powerpoint/2010/main" val="1368165989"/>
+      </p:ext>
+    </p:extLst>
+  </p:cSld>
+  <p:clrMapOvr>
+    <a:masterClrMapping/>
+  </p:clrMapOvr>
+  <p:transition spd="slow">
+    <p:wipe/>
+  </p:transition>
+  <p:timing>
+    <p:tnLst>
+      <p:par>
+        <p:cTn id="1" dur="indefinite" restart="never" nodeType="tmRoot"/>
+      </p:par>
+    </p:tnLst>
+  </p:timing>
+</p:sld>
+</file>
+
+<file path=ppt/slides/slide21.xml><?xml version="1.0" encoding="utf-8"?>
+<p:sld xmlns:a="http://schemas.openxmlformats.org/drawingml/2006/main" xmlns:r="http://schemas.openxmlformats.org/officeDocument/2006/relationships" xmlns:p="http://schemas.openxmlformats.org/presentationml/2006/main">
+  <p:cSld>
+    <p:spTree>
+      <p:nvGrpSpPr>
+        <p:cNvPr id="1" name=""/>
+        <p:cNvGrpSpPr/>
+        <p:nvPr/>
+      </p:nvGrpSpPr>
+      <p:grpSpPr>
+        <a:xfrm>
+          <a:off x="0" y="0"/>
+          <a:ext cx="0" cy="0"/>
+          <a:chOff x="0" y="0"/>
+          <a:chExt cx="0" cy="0"/>
+        </a:xfrm>
+      </p:grpSpPr>
+      <p:sp>
+        <p:nvSpPr>
+          <p:cNvPr id="13" name="Content Placeholder 2"/>
+          <p:cNvSpPr txBox="1">
+            <a:spLocks/>
+          </p:cNvSpPr>
+          <p:nvPr/>
+        </p:nvSpPr>
+        <p:spPr>
+          <a:xfrm>
+            <a:off x="476534" y="1394213"/>
+            <a:ext cx="11052856" cy="4329621"/>
+          </a:xfrm>
+          <a:prstGeom prst="rect">
+            <a:avLst/>
+          </a:prstGeom>
+        </p:spPr>
+        <p:txBody>
+          <a:bodyPr vert="horz" lIns="91440" tIns="45720" rIns="91440" bIns="45720" rtlCol="0">
+            <a:noAutofit/>
+          </a:bodyPr>
+          <a:lstStyle>
+            <a:lvl1pPr marL="273050" marR="0" indent="-273050" algn="l" defTabSz="914400" rtl="0" eaLnBrk="1" fontAlgn="auto" latinLnBrk="0" hangingPunct="1">
+              <a:lnSpc>
+                <a:spcPct val="100000"/>
+              </a:lnSpc>
+              <a:spcBef>
+                <a:spcPts val="1200"/>
+              </a:spcBef>
+              <a:spcAft>
+                <a:spcPts val="0"/>
+              </a:spcAft>
+              <a:buClr>
+                <a:srgbClr val="DA1218"/>
+              </a:buClr>
+              <a:buSzTx/>
+              <a:buFont typeface="Wingdings" pitchFamily="2" charset="2"/>
+              <a:buChar char="§"/>
+              <a:tabLst/>
+              <a:defRPr lang="en-US" sz="2400" kern="1200">
+                <a:solidFill>
+                  <a:schemeClr val="tx1"/>
+                </a:solidFill>
+                <a:latin typeface="Arial" pitchFamily="34" charset="0"/>
+                <a:ea typeface="+mn-ea"/>
+                <a:cs typeface="Arial" pitchFamily="34" charset="0"/>
+              </a:defRPr>
+            </a:lvl1pPr>
+            <a:lvl2pPr marL="628650" marR="0" indent="-355600" algn="l" defTabSz="914400" rtl="0" eaLnBrk="1" fontAlgn="auto" latinLnBrk="0" hangingPunct="1">
+              <a:lnSpc>
+                <a:spcPct val="100000"/>
+              </a:lnSpc>
+              <a:spcBef>
+                <a:spcPct val="20000"/>
+              </a:spcBef>
+              <a:spcAft>
+                <a:spcPts val="0"/>
+              </a:spcAft>
+              <a:buClr>
+                <a:srgbClr val="DA1218"/>
+              </a:buClr>
+              <a:buSzTx/>
+              <a:buFont typeface="Wingdings" pitchFamily="2" charset="2"/>
+              <a:buChar char=""/>
+              <a:tabLst/>
+              <a:defRPr lang="en-US" sz="2000" kern="1200">
+                <a:solidFill>
+                  <a:schemeClr val="tx1"/>
+                </a:solidFill>
+                <a:latin typeface="Arial" pitchFamily="34" charset="0"/>
+                <a:ea typeface="+mn-ea"/>
+                <a:cs typeface="Arial" pitchFamily="34" charset="0"/>
+              </a:defRPr>
+            </a:lvl2pPr>
+            <a:lvl3pPr marL="903288" marR="0" indent="-274638" algn="l" defTabSz="914400" rtl="0" eaLnBrk="1" fontAlgn="auto" latinLnBrk="0" hangingPunct="1">
+              <a:lnSpc>
+                <a:spcPct val="100000"/>
+              </a:lnSpc>
+              <a:spcBef>
+                <a:spcPct val="20000"/>
+              </a:spcBef>
+              <a:spcAft>
+                <a:spcPts val="0"/>
+              </a:spcAft>
+              <a:buClr>
+                <a:srgbClr val="DA1218"/>
+              </a:buClr>
+              <a:buSzTx/>
+              <a:buFont typeface="Wingdings" pitchFamily="2" charset="2"/>
+              <a:buChar char="ü"/>
+              <a:tabLst/>
+              <a:defRPr lang="en-US" sz="1800" kern="1200">
+                <a:solidFill>
+                  <a:schemeClr val="tx1"/>
+                </a:solidFill>
+                <a:latin typeface="Arial" pitchFamily="34" charset="0"/>
+                <a:ea typeface="+mn-ea"/>
+                <a:cs typeface="Arial" pitchFamily="34" charset="0"/>
+              </a:defRPr>
+            </a:lvl3pPr>
+            <a:lvl4pPr marL="1081088" marR="0" indent="-177800" algn="l" defTabSz="914400" rtl="0" eaLnBrk="1" fontAlgn="auto" latinLnBrk="0" hangingPunct="1">
+              <a:lnSpc>
+                <a:spcPct val="100000"/>
+              </a:lnSpc>
+              <a:spcBef>
+                <a:spcPct val="20000"/>
+              </a:spcBef>
+              <a:spcAft>
+                <a:spcPts val="0"/>
+              </a:spcAft>
+              <a:buClr>
+                <a:srgbClr val="DA1218"/>
+              </a:buClr>
+              <a:buSzTx/>
+              <a:buFont typeface="Arial" pitchFamily="34" charset="0"/>
+              <a:buChar char="•"/>
+              <a:tabLst/>
+              <a:defRPr lang="en-US" sz="1600" kern="1200">
+                <a:solidFill>
+                  <a:schemeClr val="tx1"/>
+                </a:solidFill>
+                <a:latin typeface="Arial" pitchFamily="34" charset="0"/>
+                <a:ea typeface="+mn-ea"/>
+                <a:cs typeface="Arial" pitchFamily="34" charset="0"/>
+              </a:defRPr>
+            </a:lvl4pPr>
+            <a:lvl5pPr marL="1258888" marR="0" indent="-177800" algn="l" defTabSz="914400" rtl="0" eaLnBrk="1" fontAlgn="auto" latinLnBrk="0" hangingPunct="1">
+              <a:lnSpc>
+                <a:spcPct val="100000"/>
+              </a:lnSpc>
+              <a:spcBef>
+                <a:spcPct val="20000"/>
+              </a:spcBef>
+              <a:spcAft>
+                <a:spcPts val="0"/>
+              </a:spcAft>
+              <a:buClr>
+                <a:srgbClr val="DA1218"/>
+              </a:buClr>
+              <a:buSzPct val="100000"/>
+              <a:buFont typeface="Courier New" pitchFamily="49" charset="0"/>
+              <a:buChar char="o"/>
+              <a:tabLst/>
+              <a:defRPr lang="es-AR" sz="1400" kern="1200">
+                <a:solidFill>
+                  <a:schemeClr val="tx1"/>
+                </a:solidFill>
+                <a:latin typeface="Arial" pitchFamily="34" charset="0"/>
+                <a:ea typeface="+mn-ea"/>
+                <a:cs typeface="Arial" pitchFamily="34" charset="0"/>
+              </a:defRPr>
+            </a:lvl5pPr>
+            <a:lvl6pPr marL="2514600" indent="-228600" algn="l" defTabSz="914400" rtl="0" eaLnBrk="1" latinLnBrk="0" hangingPunct="1">
+              <a:spcBef>
+                <a:spcPct val="20000"/>
+              </a:spcBef>
+              <a:buFont typeface="Arial" pitchFamily="34" charset="0"/>
+              <a:buChar char="•"/>
+              <a:defRPr sz="2000" kern="1200">
+                <a:solidFill>
+                  <a:schemeClr val="tx1"/>
+                </a:solidFill>
+                <a:latin typeface="+mn-lt"/>
+                <a:ea typeface="+mn-ea"/>
+                <a:cs typeface="+mn-cs"/>
+              </a:defRPr>
+            </a:lvl6pPr>
+            <a:lvl7pPr marL="2971800" indent="-228600" algn="l" defTabSz="914400" rtl="0" eaLnBrk="1" latinLnBrk="0" hangingPunct="1">
+              <a:spcBef>
+                <a:spcPct val="20000"/>
+              </a:spcBef>
+              <a:buFont typeface="Arial" pitchFamily="34" charset="0"/>
+              <a:buChar char="•"/>
+              <a:defRPr sz="2000" kern="1200">
+                <a:solidFill>
+                  <a:schemeClr val="tx1"/>
+                </a:solidFill>
+                <a:latin typeface="+mn-lt"/>
+                <a:ea typeface="+mn-ea"/>
+                <a:cs typeface="+mn-cs"/>
+              </a:defRPr>
+            </a:lvl7pPr>
+            <a:lvl8pPr marL="3429000" indent="-228600" algn="l" defTabSz="914400" rtl="0" eaLnBrk="1" latinLnBrk="0" hangingPunct="1">
+              <a:spcBef>
+                <a:spcPct val="20000"/>
+              </a:spcBef>
+              <a:buFont typeface="Arial" pitchFamily="34" charset="0"/>
+              <a:buChar char="•"/>
+              <a:defRPr sz="2000" kern="1200">
+                <a:solidFill>
+                  <a:schemeClr val="tx1"/>
+                </a:solidFill>
+                <a:latin typeface="+mn-lt"/>
+                <a:ea typeface="+mn-ea"/>
+                <a:cs typeface="+mn-cs"/>
+              </a:defRPr>
+            </a:lvl8pPr>
+            <a:lvl9pPr marL="3886200" indent="-228600" algn="l" defTabSz="914400" rtl="0" eaLnBrk="1" latinLnBrk="0" hangingPunct="1">
+              <a:spcBef>
+                <a:spcPct val="20000"/>
+              </a:spcBef>
+              <a:buFont typeface="Arial" pitchFamily="34" charset="0"/>
+              <a:buChar char="•"/>
+              <a:defRPr sz="2000" kern="1200">
+                <a:solidFill>
+                  <a:schemeClr val="tx1"/>
+                </a:solidFill>
+                <a:latin typeface="+mn-lt"/>
+                <a:ea typeface="+mn-ea"/>
+                <a:cs typeface="+mn-cs"/>
+              </a:defRPr>
+            </a:lvl9pPr>
+          </a:lstStyle>
+          <a:p>
+            <a:pPr marL="0" indent="0">
+              <a:buClrTx/>
+            </a:pPr>
+            <a:r>
+              <a:rPr lang="en-GB" sz="2000" b="1" dirty="0" smtClean="0">
+                <a:latin typeface="+mn-lt"/>
+              </a:rPr>
+              <a:t> </a:t>
+            </a:r>
+            <a:r>
+              <a:rPr lang="en-GB" sz="2000" dirty="0" smtClean="0">
+                <a:latin typeface="+mn-lt"/>
+              </a:rPr>
+              <a:t>Decoupling made your application testable, test it!</a:t>
+            </a:r>
+          </a:p>
+          <a:p>
+            <a:pPr marL="641350" lvl="1" indent="-285750">
+              <a:buClrTx/>
+              <a:buFont typeface="Wingdings" panose="05000000000000000000" pitchFamily="2" charset="2"/>
+              <a:buChar char="§"/>
+            </a:pPr>
+            <a:r>
+              <a:rPr lang="en-US" sz="1800" dirty="0">
+                <a:solidFill>
+                  <a:srgbClr val="000000"/>
+                </a:solidFill>
+                <a:latin typeface="+mn-lt"/>
+                <a:cs typeface="+mn-cs"/>
+              </a:rPr>
+              <a:t>Tip 4: Generate Unit tests</a:t>
+            </a:r>
+            <a:endParaRPr lang="es-AR" sz="1800" dirty="0">
+              <a:solidFill>
+                <a:srgbClr val="000000"/>
+              </a:solidFill>
+              <a:latin typeface="+mn-lt"/>
+              <a:cs typeface="+mn-cs"/>
+            </a:endParaRPr>
+          </a:p>
+          <a:p>
+            <a:pPr marL="641350" lvl="1" indent="-285750">
+              <a:buClrTx/>
+              <a:buFont typeface="Wingdings" panose="05000000000000000000" pitchFamily="2" charset="2"/>
+              <a:buChar char="§"/>
+            </a:pPr>
+            <a:r>
+              <a:rPr lang="en-US" sz="1800" dirty="0">
+                <a:solidFill>
+                  <a:srgbClr val="000000"/>
+                </a:solidFill>
+                <a:latin typeface="+mn-lt"/>
+                <a:cs typeface="+mn-cs"/>
+              </a:rPr>
+              <a:t>Tip 5: Mock </a:t>
+            </a:r>
+            <a:r>
+              <a:rPr lang="en-US" sz="1800" dirty="0" smtClean="0">
+                <a:solidFill>
+                  <a:srgbClr val="000000"/>
+                </a:solidFill>
+                <a:latin typeface="+mn-lt"/>
+                <a:cs typeface="+mn-cs"/>
+              </a:rPr>
+              <a:t>dependencies</a:t>
+            </a:r>
+          </a:p>
+          <a:p>
+            <a:pPr marL="285750" indent="-285750">
+              <a:buClrTx/>
+            </a:pPr>
+            <a:r>
+              <a:rPr lang="en-US" sz="2000" dirty="0" smtClean="0">
+                <a:solidFill>
+                  <a:srgbClr val="000000"/>
+                </a:solidFill>
+                <a:latin typeface="+mn-lt"/>
+                <a:cs typeface="+mn-cs"/>
+              </a:rPr>
+              <a:t>Run tests on your CI server</a:t>
+            </a:r>
+          </a:p>
+          <a:p>
+            <a:pPr marL="641350" lvl="1" indent="-285750">
+              <a:buClrTx/>
+              <a:buFont typeface="Wingdings" panose="05000000000000000000" pitchFamily="2" charset="2"/>
+              <a:buChar char="§"/>
+            </a:pPr>
+            <a:r>
+              <a:rPr lang="en-US" sz="1800" dirty="0" smtClean="0">
+                <a:solidFill>
+                  <a:srgbClr val="000000"/>
+                </a:solidFill>
+                <a:latin typeface="+mn-lt"/>
+                <a:cs typeface="+mn-cs"/>
+              </a:rPr>
+              <a:t>Tip 8: Create </a:t>
+            </a:r>
+            <a:r>
+              <a:rPr lang="en-US" sz="1800" dirty="0" err="1" smtClean="0">
+                <a:solidFill>
+                  <a:srgbClr val="000000"/>
+                </a:solidFill>
+                <a:latin typeface="+mn-lt"/>
+                <a:cs typeface="+mn-cs"/>
+              </a:rPr>
+              <a:t>MSBuild</a:t>
+            </a:r>
+            <a:r>
+              <a:rPr lang="en-US" sz="1800" dirty="0" smtClean="0">
+                <a:solidFill>
+                  <a:srgbClr val="000000"/>
+                </a:solidFill>
+                <a:latin typeface="+mn-lt"/>
+                <a:cs typeface="+mn-cs"/>
+              </a:rPr>
+              <a:t> configuration</a:t>
+            </a:r>
+            <a:endParaRPr lang="es-AR" sz="1800" dirty="0" smtClean="0">
+              <a:solidFill>
+                <a:srgbClr val="000000"/>
+              </a:solidFill>
+              <a:latin typeface="+mn-lt"/>
+              <a:cs typeface="+mn-cs"/>
+            </a:endParaRPr>
+          </a:p>
+          <a:p>
+            <a:pPr marL="641350" lvl="1" indent="-285750">
+              <a:buClrTx/>
+              <a:buFont typeface="Wingdings" panose="05000000000000000000" pitchFamily="2" charset="2"/>
+              <a:buChar char="§"/>
+            </a:pPr>
+            <a:r>
+              <a:rPr lang="en-US" sz="1800" dirty="0" smtClean="0">
+                <a:solidFill>
+                  <a:srgbClr val="000000"/>
+                </a:solidFill>
+                <a:latin typeface="+mn-lt"/>
+                <a:cs typeface="+mn-cs"/>
+              </a:rPr>
+              <a:t>Tip 9: Upload solution to CI server</a:t>
+            </a:r>
+            <a:endParaRPr lang="en-GB" sz="1800" dirty="0" smtClean="0">
+              <a:latin typeface="+mn-lt"/>
+            </a:endParaRPr>
+          </a:p>
+          <a:p>
+            <a:pPr marL="0" indent="0">
+              <a:buClrTx/>
+            </a:pPr>
+            <a:r>
+              <a:rPr lang="en-GB" sz="2000" dirty="0" smtClean="0">
+                <a:latin typeface="+mn-lt"/>
+              </a:rPr>
+              <a:t> Ensure tests properly test the expected application behaviour</a:t>
+            </a:r>
+          </a:p>
+          <a:p>
+            <a:pPr marL="0" indent="0">
+              <a:buClrTx/>
+            </a:pPr>
+            <a:r>
+              <a:rPr lang="en-GB" sz="2000" dirty="0" smtClean="0">
+                <a:latin typeface="+mn-lt"/>
+              </a:rPr>
+              <a:t> Make sure all tests pass before changing application code</a:t>
+            </a:r>
+            <a:endParaRPr lang="en-GB" sz="2000" dirty="0" smtClean="0">
+              <a:latin typeface="+mn-lt"/>
+            </a:endParaRPr>
+          </a:p>
+          <a:p>
+            <a:pPr marL="0" indent="0">
+              <a:buClrTx/>
+            </a:pPr>
+            <a:r>
+              <a:rPr lang="es-AR" sz="2000" dirty="0" smtClean="0">
+                <a:solidFill>
+                  <a:srgbClr val="000000"/>
+                </a:solidFill>
+                <a:latin typeface="Avenir 45 Book"/>
+                <a:cs typeface="+mn-cs"/>
+              </a:rPr>
+              <a:t> </a:t>
+            </a:r>
+            <a:r>
+              <a:rPr lang="es-AR" sz="2000" dirty="0" err="1" smtClean="0">
+                <a:solidFill>
+                  <a:srgbClr val="000000"/>
+                </a:solidFill>
+                <a:latin typeface="Avenir 45 Book"/>
+                <a:cs typeface="+mn-cs"/>
+              </a:rPr>
+              <a:t>After</a:t>
+            </a:r>
+            <a:r>
+              <a:rPr lang="es-AR" sz="2000" dirty="0" smtClean="0">
+                <a:solidFill>
+                  <a:srgbClr val="000000"/>
+                </a:solidFill>
+                <a:latin typeface="Avenir 45 Book"/>
+                <a:cs typeface="+mn-cs"/>
+              </a:rPr>
+              <a:t> </a:t>
+            </a:r>
+            <a:r>
+              <a:rPr lang="es-AR" sz="2000" dirty="0" err="1" smtClean="0">
+                <a:solidFill>
+                  <a:srgbClr val="000000"/>
+                </a:solidFill>
+                <a:latin typeface="Avenir 45 Book"/>
+                <a:cs typeface="+mn-cs"/>
+              </a:rPr>
+              <a:t>changing</a:t>
+            </a:r>
+            <a:r>
+              <a:rPr lang="es-AR" sz="2000" dirty="0" smtClean="0">
+                <a:solidFill>
+                  <a:srgbClr val="000000"/>
+                </a:solidFill>
+                <a:latin typeface="Avenir 45 Book"/>
+                <a:cs typeface="+mn-cs"/>
+              </a:rPr>
+              <a:t> </a:t>
+            </a:r>
+            <a:r>
+              <a:rPr lang="es-AR" sz="2000" dirty="0" err="1" smtClean="0">
+                <a:solidFill>
+                  <a:srgbClr val="000000"/>
+                </a:solidFill>
+                <a:latin typeface="Avenir 45 Book"/>
+                <a:cs typeface="+mn-cs"/>
+              </a:rPr>
+              <a:t>application</a:t>
+            </a:r>
+            <a:r>
+              <a:rPr lang="es-AR" sz="2000" dirty="0" smtClean="0">
+                <a:solidFill>
+                  <a:srgbClr val="000000"/>
+                </a:solidFill>
+                <a:latin typeface="Avenir 45 Book"/>
+                <a:cs typeface="+mn-cs"/>
+              </a:rPr>
+              <a:t> </a:t>
+            </a:r>
+            <a:r>
+              <a:rPr lang="es-AR" sz="2000" dirty="0" err="1" smtClean="0">
+                <a:solidFill>
+                  <a:srgbClr val="000000"/>
+                </a:solidFill>
+                <a:latin typeface="Avenir 45 Book"/>
+                <a:cs typeface="+mn-cs"/>
+              </a:rPr>
+              <a:t>code</a:t>
+            </a:r>
+            <a:r>
+              <a:rPr lang="es-AR" sz="2000" dirty="0" smtClean="0">
+                <a:solidFill>
+                  <a:srgbClr val="000000"/>
+                </a:solidFill>
+                <a:latin typeface="Avenir 45 Book"/>
+                <a:cs typeface="+mn-cs"/>
+              </a:rPr>
+              <a:t>, </a:t>
+            </a:r>
+            <a:r>
+              <a:rPr lang="es-AR" sz="2000" dirty="0" err="1" smtClean="0">
+                <a:solidFill>
+                  <a:srgbClr val="000000"/>
+                </a:solidFill>
+                <a:latin typeface="Avenir 45 Book"/>
+                <a:cs typeface="+mn-cs"/>
+              </a:rPr>
+              <a:t>all</a:t>
+            </a:r>
+            <a:r>
+              <a:rPr lang="es-AR" sz="2000" dirty="0" smtClean="0">
+                <a:solidFill>
+                  <a:srgbClr val="000000"/>
+                </a:solidFill>
+                <a:latin typeface="Avenir 45 Book"/>
+                <a:cs typeface="+mn-cs"/>
+              </a:rPr>
+              <a:t> </a:t>
+            </a:r>
+            <a:r>
+              <a:rPr lang="es-AR" sz="2000" dirty="0" err="1" smtClean="0">
+                <a:solidFill>
+                  <a:srgbClr val="000000"/>
+                </a:solidFill>
+                <a:latin typeface="Avenir 45 Book"/>
+                <a:cs typeface="+mn-cs"/>
+              </a:rPr>
+              <a:t>tests</a:t>
+            </a:r>
+            <a:r>
+              <a:rPr lang="es-AR" sz="2000" dirty="0" smtClean="0">
+                <a:solidFill>
+                  <a:srgbClr val="000000"/>
+                </a:solidFill>
+                <a:latin typeface="Avenir 45 Book"/>
+                <a:cs typeface="+mn-cs"/>
+              </a:rPr>
+              <a:t> </a:t>
+            </a:r>
+            <a:r>
+              <a:rPr lang="es-AR" sz="2000" dirty="0" err="1" smtClean="0">
+                <a:solidFill>
+                  <a:srgbClr val="000000"/>
+                </a:solidFill>
+                <a:latin typeface="Avenir 45 Book"/>
+                <a:cs typeface="+mn-cs"/>
+              </a:rPr>
+              <a:t>should</a:t>
+            </a:r>
+            <a:r>
+              <a:rPr lang="es-AR" sz="2000" dirty="0" smtClean="0">
+                <a:solidFill>
+                  <a:srgbClr val="000000"/>
+                </a:solidFill>
+                <a:latin typeface="Avenir 45 Book"/>
+                <a:cs typeface="+mn-cs"/>
+              </a:rPr>
+              <a:t> </a:t>
+            </a:r>
+            <a:r>
+              <a:rPr lang="es-AR" sz="2000" dirty="0" err="1" smtClean="0">
+                <a:solidFill>
+                  <a:srgbClr val="000000"/>
+                </a:solidFill>
+                <a:latin typeface="Avenir 45 Book"/>
+                <a:cs typeface="+mn-cs"/>
+              </a:rPr>
+              <a:t>still</a:t>
+            </a:r>
+            <a:r>
+              <a:rPr lang="es-AR" sz="2000" dirty="0" smtClean="0">
+                <a:solidFill>
+                  <a:srgbClr val="000000"/>
+                </a:solidFill>
+                <a:latin typeface="Avenir 45 Book"/>
+                <a:cs typeface="+mn-cs"/>
+              </a:rPr>
+              <a:t> </a:t>
+            </a:r>
+            <a:r>
+              <a:rPr lang="es-AR" sz="2000" dirty="0" err="1" smtClean="0">
+                <a:solidFill>
+                  <a:srgbClr val="000000"/>
+                </a:solidFill>
+                <a:latin typeface="Avenir 45 Book"/>
+                <a:cs typeface="+mn-cs"/>
+              </a:rPr>
+              <a:t>pass</a:t>
+            </a:r>
+            <a:endParaRPr lang="es-AR" sz="2000" dirty="0">
+              <a:solidFill>
+                <a:srgbClr val="000000"/>
+              </a:solidFill>
+              <a:latin typeface="Avenir 45 Book"/>
+              <a:cs typeface="+mn-cs"/>
+            </a:endParaRPr>
+          </a:p>
+        </p:txBody>
+      </p:sp>
+      <p:sp>
+        <p:nvSpPr>
+          <p:cNvPr id="15" name="Rectangle 14"/>
+          <p:cNvSpPr/>
+          <p:nvPr/>
+        </p:nvSpPr>
+        <p:spPr>
+          <a:xfrm>
+            <a:off x="-13252" y="1"/>
+            <a:ext cx="12218504" cy="1016000"/>
+          </a:xfrm>
+          <a:prstGeom prst="rect">
+            <a:avLst/>
+          </a:prstGeom>
+          <a:solidFill>
+            <a:srgbClr val="FF9600"/>
+          </a:solidFill>
+          <a:ln>
+            <a:noFill/>
+          </a:ln>
+        </p:spPr>
+        <p:style>
+          <a:lnRef idx="1">
+            <a:schemeClr val="accent6"/>
+          </a:lnRef>
+          <a:fillRef idx="3">
+            <a:schemeClr val="accent6"/>
+          </a:fillRef>
+          <a:effectRef idx="2">
+            <a:schemeClr val="accent6"/>
+          </a:effectRef>
+          <a:fontRef idx="minor">
+            <a:schemeClr val="lt1"/>
+          </a:fontRef>
+        </p:style>
+        <p:txBody>
+          <a:bodyPr anchor="ctr"/>
+          <a:lstStyle/>
+          <a:p>
+            <a:pPr marL="0" marR="0" lvl="0" indent="0" algn="ctr" defTabSz="914400" eaLnBrk="1" fontAlgn="auto" latinLnBrk="0" hangingPunct="1">
+              <a:lnSpc>
+                <a:spcPct val="100000"/>
+              </a:lnSpc>
+              <a:spcBef>
+                <a:spcPts val="0"/>
+              </a:spcBef>
+              <a:spcAft>
+                <a:spcPts val="0"/>
+              </a:spcAft>
+              <a:buClrTx/>
+              <a:buSzTx/>
+              <a:buFontTx/>
+              <a:buNone/>
+              <a:tabLst/>
+              <a:defRPr/>
+            </a:pPr>
+            <a:r>
+              <a:rPr kumimoji="0" lang="es-ES_tradnl" sz="1800" b="0" i="0" u="none" strike="noStrike" kern="0" cap="none" spc="0" normalizeH="0" baseline="0" noProof="0" dirty="0" smtClean="0">
+                <a:ln>
+                  <a:noFill/>
+                </a:ln>
+                <a:solidFill>
+                  <a:srgbClr val="FFFFFF"/>
+                </a:solidFill>
+                <a:effectLst/>
+                <a:uLnTx/>
+                <a:uFillTx/>
+                <a:latin typeface="Arial"/>
+                <a:ea typeface="ＭＳ Ｐゴシック" pitchFamily="-108" charset="-128"/>
+                <a:cs typeface="+mn-cs"/>
+              </a:rPr>
+              <a:t>  </a:t>
+            </a:r>
+            <a:endParaRPr kumimoji="0" lang="es-ES_tradnl" sz="1800" b="0" i="0" u="none" strike="noStrike" kern="0" cap="none" spc="0" normalizeH="0" baseline="0" noProof="0" dirty="0">
+              <a:ln>
+                <a:noFill/>
+              </a:ln>
+              <a:solidFill>
+                <a:srgbClr val="FFFFFF"/>
+              </a:solidFill>
+              <a:effectLst/>
+              <a:uLnTx/>
+              <a:uFillTx/>
+              <a:latin typeface="Arial"/>
+              <a:ea typeface="ＭＳ Ｐゴシック" pitchFamily="-108" charset="-128"/>
+              <a:cs typeface="+mn-cs"/>
+            </a:endParaRPr>
+          </a:p>
+        </p:txBody>
+      </p:sp>
+      <p:sp>
+        <p:nvSpPr>
+          <p:cNvPr id="16" name="TextBox 15"/>
+          <p:cNvSpPr txBox="1"/>
+          <p:nvPr/>
+        </p:nvSpPr>
+        <p:spPr>
+          <a:xfrm>
+            <a:off x="515937" y="212035"/>
+            <a:ext cx="11013453" cy="553998"/>
+          </a:xfrm>
+          <a:prstGeom prst="rect">
+            <a:avLst/>
+          </a:prstGeom>
+          <a:noFill/>
+        </p:spPr>
+        <p:txBody>
+          <a:bodyPr wrap="square" lIns="0" tIns="0" rIns="0" bIns="0" rtlCol="0">
+            <a:spAutoFit/>
+          </a:bodyPr>
+          <a:lstStyle/>
+          <a:p>
+            <a:r>
+              <a:rPr lang="en-US" sz="3600" dirty="0">
+                <a:solidFill>
+                  <a:schemeClr val="bg1"/>
+                </a:solidFill>
+              </a:rPr>
               <a:t>Tip 2: Test method</a:t>
             </a:r>
           </a:p>
@@ -21961,7 +23912,7 @@
 </p:sld>
 </file>
 
-<file path=ppt/slides/slide21.xml><?xml version="1.0" encoding="utf-8"?>
+<file path=ppt/slides/slide22.xml><?xml version="1.0" encoding="utf-8"?>
 <p:sld xmlns:a="http://schemas.openxmlformats.org/drawingml/2006/main" xmlns:r="http://schemas.openxmlformats.org/officeDocument/2006/relationships" xmlns:p="http://schemas.openxmlformats.org/presentationml/2006/main">
   <p:cSld>
     <p:spTree>
@@ -22363,7 +24314,7 @@
 </p:sld>
 </file>
 
-<file path=ppt/slides/slide22.xml><?xml version="1.0" encoding="utf-8"?>
+<file path=ppt/slides/slide23.xml><?xml version="1.0" encoding="utf-8"?>
 <p:sld xmlns:a="http://schemas.openxmlformats.org/drawingml/2006/main" xmlns:r="http://schemas.openxmlformats.org/officeDocument/2006/relationships" xmlns:p="http://schemas.openxmlformats.org/presentationml/2006/main">
   <p:cSld>
     <p:spTree>
@@ -22562,75 +24513,6 @@
     <p:extLst>
       <p:ext uri="{BB962C8B-B14F-4D97-AF65-F5344CB8AC3E}">
         <p14:creationId xmlns:p14="http://schemas.microsoft.com/office/powerpoint/2010/main" val="3966539502"/>
-      </p:ext>
-    </p:extLst>
-  </p:cSld>
-  <p:clrMapOvr>
-    <a:masterClrMapping/>
-  </p:clrMapOvr>
-  <p:transition spd="slow">
-    <p:wipe/>
-  </p:transition>
-  <p:timing>
-    <p:tnLst>
-      <p:par>
-        <p:cTn id="1" dur="indefinite" restart="never" nodeType="tmRoot"/>
-      </p:par>
-    </p:tnLst>
-  </p:timing>
-</p:sld>
-</file>
-
-<file path=ppt/slides/slide23.xml><?xml version="1.0" encoding="utf-8"?>
-<p:sld xmlns:a="http://schemas.openxmlformats.org/drawingml/2006/main" xmlns:r="http://schemas.openxmlformats.org/officeDocument/2006/relationships" xmlns:p="http://schemas.openxmlformats.org/presentationml/2006/main">
-  <p:cSld>
-    <p:spTree>
-      <p:nvGrpSpPr>
-        <p:cNvPr id="1" name=""/>
-        <p:cNvGrpSpPr/>
-        <p:nvPr/>
-      </p:nvGrpSpPr>
-      <p:grpSpPr>
-        <a:xfrm>
-          <a:off x="0" y="0"/>
-          <a:ext cx="0" cy="0"/>
-          <a:chOff x="0" y="0"/>
-          <a:chExt cx="0" cy="0"/>
-        </a:xfrm>
-      </p:grpSpPr>
-      <p:sp>
-        <p:nvSpPr>
-          <p:cNvPr id="4" name="Title 3"/>
-          <p:cNvSpPr>
-            <a:spLocks noGrp="1"/>
-          </p:cNvSpPr>
-          <p:nvPr>
-            <p:ph type="ctrTitle"/>
-          </p:nvPr>
-        </p:nvSpPr>
-        <p:spPr/>
-        <p:txBody>
-          <a:bodyPr>
-            <a:normAutofit/>
-          </a:bodyPr>
-          <a:lstStyle/>
-          <a:p>
-            <a:r>
-              <a:rPr lang="es-AR" dirty="0" err="1" smtClean="0"/>
-              <a:t>Coding</a:t>
-            </a:r>
-            <a:r>
-              <a:rPr lang="es-AR" dirty="0" smtClean="0"/>
-              <a:t> time!</a:t>
-            </a:r>
-            <a:endParaRPr lang="es-AR" dirty="0"/>
-          </a:p>
-        </p:txBody>
-      </p:sp>
-    </p:spTree>
-    <p:extLst>
-      <p:ext uri="{BB962C8B-B14F-4D97-AF65-F5344CB8AC3E}">
-        <p14:creationId xmlns:p14="http://schemas.microsoft.com/office/powerpoint/2010/main" val="917926131"/>
       </p:ext>
     </p:extLst>
   </p:cSld>
@@ -22765,8 +24647,8 @@
         </p:nvSpPr>
         <p:spPr>
           <a:xfrm>
-            <a:off x="515936" y="212035"/>
-            <a:ext cx="11676063" cy="553998"/>
+            <a:off x="515937" y="212035"/>
+            <a:ext cx="11013453" cy="553998"/>
           </a:xfrm>
           <a:prstGeom prst="rect">
             <a:avLst/>
@@ -22777,27 +24659,30 @@
           <a:bodyPr wrap="square" lIns="0" tIns="0" rIns="0" bIns="0" rtlCol="0">
             <a:spAutoFit/>
           </a:bodyPr>
-          <a:lstStyle/>
-          <a:p>
-            <a:r>
-              <a:rPr lang="en-US" sz="3600" dirty="0" smtClean="0">
+          <a:lstStyle>
+            <a:defPPr>
+              <a:defRPr lang="en-US"/>
+            </a:defPPr>
+            <a:lvl1pPr>
+              <a:defRPr sz="3600">
                 <a:solidFill>
                   <a:schemeClr val="bg1"/>
                 </a:solidFill>
-              </a:rPr>
-              <a:t>Questions</a:t>
-            </a:r>
-            <a:endParaRPr lang="es-AR" sz="3600" dirty="0">
-              <a:solidFill>
-                <a:schemeClr val="bg1"/>
-              </a:solidFill>
-            </a:endParaRPr>
+              </a:defRPr>
+            </a:lvl1pPr>
+          </a:lstStyle>
+          <a:p>
+            <a:r>
+              <a:rPr lang="en-US" dirty="0"/>
+              <a:t>The Legacy Code Change Algorithm</a:t>
+            </a:r>
+            <a:endParaRPr lang="en-US" dirty="0"/>
           </a:p>
         </p:txBody>
       </p:sp>
       <p:sp>
         <p:nvSpPr>
-          <p:cNvPr id="6" name="Content Placeholder 2"/>
+          <p:cNvPr id="5" name="Text Placeholder 1"/>
           <p:cNvSpPr txBox="1">
             <a:spLocks/>
           </p:cNvSpPr>
@@ -22805,19 +24690,212 @@
         </p:nvSpPr>
         <p:spPr>
           <a:xfrm>
-            <a:off x="476534" y="1394213"/>
-            <a:ext cx="8142809" cy="4329621"/>
+            <a:off x="465138" y="1417638"/>
+            <a:ext cx="11193462" cy="4710207"/>
           </a:xfrm>
           <a:prstGeom prst="rect">
             <a:avLst/>
           </a:prstGeom>
         </p:spPr>
         <p:txBody>
-          <a:bodyPr vert="horz" lIns="91440" tIns="45720" rIns="91440" bIns="45720" rtlCol="0">
+          <a:bodyPr>
             <a:noAutofit/>
           </a:bodyPr>
           <a:lstStyle>
-            <a:lvl1pPr marL="273050" marR="0" indent="-273050" algn="l" defTabSz="914400" rtl="0" eaLnBrk="1" fontAlgn="auto" latinLnBrk="0" hangingPunct="1">
+            <a:lvl1pPr marL="352425" indent="-352425" algn="l" defTabSz="914363" rtl="0" eaLnBrk="1" latinLnBrk="0" hangingPunct="1">
+              <a:lnSpc>
+                <a:spcPct val="90000"/>
+              </a:lnSpc>
+              <a:spcBef>
+                <a:spcPts val="0"/>
+              </a:spcBef>
+              <a:spcAft>
+                <a:spcPts val="400"/>
+              </a:spcAft>
+              <a:buClr>
+                <a:srgbClr val="C00000"/>
+              </a:buClr>
+              <a:buSzPct val="100000"/>
+              <a:buFont typeface="Wingdings" panose="05000000000000000000" pitchFamily="2" charset="2"/>
+              <a:buChar char="ì"/>
+              <a:defRPr lang="en-US" sz="2400" kern="1200">
+                <a:solidFill>
+                  <a:schemeClr val="tx1"/>
+                </a:solidFill>
+                <a:latin typeface="+mn-lt"/>
+                <a:ea typeface="+mn-ea"/>
+                <a:cs typeface="+mn-cs"/>
+              </a:defRPr>
+            </a:lvl1pPr>
+            <a:lvl2pPr marL="630238" indent="-271463" algn="l" defTabSz="914363" rtl="0" eaLnBrk="1" latinLnBrk="0" hangingPunct="1">
+              <a:lnSpc>
+                <a:spcPct val="90000"/>
+              </a:lnSpc>
+              <a:spcBef>
+                <a:spcPts val="0"/>
+              </a:spcBef>
+              <a:spcAft>
+                <a:spcPts val="400"/>
+              </a:spcAft>
+              <a:buClr>
+                <a:srgbClr val="C00000"/>
+              </a:buClr>
+              <a:buSzPct val="90000"/>
+              <a:buFont typeface="Wingdings" panose="05000000000000000000" pitchFamily="2" charset="2"/>
+              <a:buChar char=""/>
+              <a:tabLst>
+                <a:tab pos="630238" algn="l"/>
+              </a:tabLst>
+              <a:defRPr lang="en-US" sz="2000" kern="1200">
+                <a:solidFill>
+                  <a:schemeClr val="tx1"/>
+                </a:solidFill>
+                <a:latin typeface="+mn-lt"/>
+                <a:ea typeface="+mn-ea"/>
+                <a:cs typeface="+mn-cs"/>
+              </a:defRPr>
+            </a:lvl2pPr>
+            <a:lvl3pPr marL="803275" indent="-173038" algn="l" defTabSz="914363" rtl="0" eaLnBrk="1" latinLnBrk="0" hangingPunct="1">
+              <a:lnSpc>
+                <a:spcPct val="90000"/>
+              </a:lnSpc>
+              <a:spcBef>
+                <a:spcPts val="0"/>
+              </a:spcBef>
+              <a:spcAft>
+                <a:spcPts val="400"/>
+              </a:spcAft>
+              <a:buClr>
+                <a:srgbClr val="C00000"/>
+              </a:buClr>
+              <a:buSzPct val="90000"/>
+              <a:buFont typeface="Wingdings" panose="05000000000000000000" pitchFamily="2" charset="2"/>
+              <a:buChar char="§"/>
+              <a:defRPr lang="en-US" sz="1800" kern="1200">
+                <a:solidFill>
+                  <a:schemeClr val="tx1"/>
+                </a:solidFill>
+                <a:latin typeface="+mn-lt"/>
+                <a:ea typeface="+mn-ea"/>
+                <a:cs typeface="+mn-cs"/>
+              </a:defRPr>
+            </a:lvl3pPr>
+            <a:lvl4pPr marL="1074738" indent="-173038" algn="l" defTabSz="914363" rtl="0" eaLnBrk="1" latinLnBrk="0" hangingPunct="1">
+              <a:lnSpc>
+                <a:spcPct val="90000"/>
+              </a:lnSpc>
+              <a:spcBef>
+                <a:spcPts val="0"/>
+              </a:spcBef>
+              <a:spcAft>
+                <a:spcPts val="400"/>
+              </a:spcAft>
+              <a:buClr>
+                <a:srgbClr val="C00000"/>
+              </a:buClr>
+              <a:buSzPct val="90000"/>
+              <a:buFont typeface="Wingdings" panose="05000000000000000000" pitchFamily="2" charset="2"/>
+              <a:buChar char="ü"/>
+              <a:tabLst>
+                <a:tab pos="914400" algn="l"/>
+              </a:tabLst>
+              <a:defRPr lang="en-US" sz="1600" kern="1200">
+                <a:solidFill>
+                  <a:schemeClr val="tx1"/>
+                </a:solidFill>
+                <a:latin typeface="+mn-lt"/>
+                <a:ea typeface="+mn-ea"/>
+                <a:cs typeface="+mn-cs"/>
+              </a:defRPr>
+            </a:lvl4pPr>
+            <a:lvl5pPr marL="1346200" indent="-184150" algn="l" defTabSz="914363" rtl="0" eaLnBrk="1" latinLnBrk="0" hangingPunct="1">
+              <a:lnSpc>
+                <a:spcPct val="90000"/>
+              </a:lnSpc>
+              <a:spcBef>
+                <a:spcPts val="0"/>
+              </a:spcBef>
+              <a:spcAft>
+                <a:spcPts val="400"/>
+              </a:spcAft>
+              <a:buClr>
+                <a:srgbClr val="C00000"/>
+              </a:buClr>
+              <a:buSzPct val="90000"/>
+              <a:buFont typeface="Arial" pitchFamily="34" charset="0"/>
+              <a:buChar char="•"/>
+              <a:defRPr lang="en-US" sz="1600" kern="1200">
+                <a:solidFill>
+                  <a:schemeClr val="tx1"/>
+                </a:solidFill>
+                <a:latin typeface="+mn-lt"/>
+                <a:ea typeface="+mn-ea"/>
+                <a:cs typeface="+mn-cs"/>
+              </a:defRPr>
+            </a:lvl5pPr>
+            <a:lvl6pPr marL="2514499" indent="-228591" algn="l" defTabSz="914363" rtl="0" eaLnBrk="1" latinLnBrk="0" hangingPunct="1">
+              <a:spcBef>
+                <a:spcPct val="20000"/>
+              </a:spcBef>
+              <a:buFont typeface="Arial" pitchFamily="34" charset="0"/>
+              <a:buChar char="•"/>
+              <a:defRPr sz="2000" kern="1200">
+                <a:solidFill>
+                  <a:schemeClr val="tx1"/>
+                </a:solidFill>
+                <a:latin typeface="+mn-lt"/>
+                <a:ea typeface="+mn-ea"/>
+                <a:cs typeface="+mn-cs"/>
+              </a:defRPr>
+            </a:lvl6pPr>
+            <a:lvl7pPr marL="2971681" indent="-228591" algn="l" defTabSz="914363" rtl="0" eaLnBrk="1" latinLnBrk="0" hangingPunct="1">
+              <a:spcBef>
+                <a:spcPct val="20000"/>
+              </a:spcBef>
+              <a:buFont typeface="Arial" pitchFamily="34" charset="0"/>
+              <a:buChar char="•"/>
+              <a:defRPr sz="2000" kern="1200">
+                <a:solidFill>
+                  <a:schemeClr val="tx1"/>
+                </a:solidFill>
+                <a:latin typeface="+mn-lt"/>
+                <a:ea typeface="+mn-ea"/>
+                <a:cs typeface="+mn-cs"/>
+              </a:defRPr>
+            </a:lvl7pPr>
+            <a:lvl8pPr marL="3428863" indent="-228591" algn="l" defTabSz="914363" rtl="0" eaLnBrk="1" latinLnBrk="0" hangingPunct="1">
+              <a:spcBef>
+                <a:spcPct val="20000"/>
+              </a:spcBef>
+              <a:buFont typeface="Arial" pitchFamily="34" charset="0"/>
+              <a:buChar char="•"/>
+              <a:defRPr sz="2000" kern="1200">
+                <a:solidFill>
+                  <a:schemeClr val="tx1"/>
+                </a:solidFill>
+                <a:latin typeface="+mn-lt"/>
+                <a:ea typeface="+mn-ea"/>
+                <a:cs typeface="+mn-cs"/>
+              </a:defRPr>
+            </a:lvl8pPr>
+            <a:lvl9pPr marL="3886045" indent="-228591" algn="l" defTabSz="914363" rtl="0" eaLnBrk="1" latinLnBrk="0" hangingPunct="1">
+              <a:spcBef>
+                <a:spcPct val="20000"/>
+              </a:spcBef>
+              <a:buFont typeface="Arial" pitchFamily="34" charset="0"/>
+              <a:buChar char="•"/>
+              <a:defRPr sz="2000" kern="1200">
+                <a:solidFill>
+                  <a:schemeClr val="tx1"/>
+                </a:solidFill>
+                <a:latin typeface="+mn-lt"/>
+                <a:ea typeface="+mn-ea"/>
+                <a:cs typeface="+mn-cs"/>
+              </a:defRPr>
+            </a:lvl9pPr>
+          </a:lstStyle>
+          <a:p>
+            <a:pPr marL="457200" indent="-457200" defTabSz="914400">
               <a:lnSpc>
                 <a:spcPct val="100000"/>
               </a:lnSpc>
@@ -22827,261 +24905,267 @@
               <a:spcAft>
                 <a:spcPts val="0"/>
               </a:spcAft>
-              <a:buClr>
-                <a:srgbClr val="DA1218"/>
-              </a:buClr>
+              <a:buClrTx/>
               <a:buSzTx/>
-              <a:buFont typeface="Wingdings" pitchFamily="2" charset="2"/>
-              <a:buChar char="§"/>
-              <a:tabLst/>
-              <a:defRPr lang="en-US" sz="2400" kern="1200">
-                <a:solidFill>
-                  <a:schemeClr val="tx1"/>
-                </a:solidFill>
-                <a:latin typeface="Arial" pitchFamily="34" charset="0"/>
-                <a:ea typeface="+mn-ea"/>
+              <a:buFont typeface="+mj-lt"/>
+              <a:buAutoNum type="arabicPeriod"/>
+            </a:pPr>
+            <a:r>
+              <a:rPr lang="en-US" sz="2000" dirty="0" smtClean="0">
                 <a:cs typeface="Arial" pitchFamily="34" charset="0"/>
-              </a:defRPr>
-            </a:lvl1pPr>
-            <a:lvl2pPr marL="628650" marR="0" indent="-355600" algn="l" defTabSz="914400" rtl="0" eaLnBrk="1" fontAlgn="auto" latinLnBrk="0" hangingPunct="1">
+              </a:rPr>
+              <a:t> Identify </a:t>
+            </a:r>
+            <a:r>
+              <a:rPr lang="en-US" sz="2000" dirty="0">
+                <a:cs typeface="Arial" pitchFamily="34" charset="0"/>
+              </a:rPr>
+              <a:t>change </a:t>
+            </a:r>
+            <a:r>
+              <a:rPr lang="en-US" sz="2000" dirty="0" smtClean="0">
+                <a:cs typeface="Arial" pitchFamily="34" charset="0"/>
+              </a:rPr>
+              <a:t>points</a:t>
+            </a:r>
+          </a:p>
+          <a:p>
+            <a:pPr marL="735013" lvl="1" indent="-457200" defTabSz="914400">
               <a:lnSpc>
                 <a:spcPct val="100000"/>
               </a:lnSpc>
               <a:spcBef>
-                <a:spcPct val="20000"/>
+                <a:spcPts val="1200"/>
               </a:spcBef>
               <a:spcAft>
                 <a:spcPts val="0"/>
               </a:spcAft>
-              <a:buClr>
-                <a:srgbClr val="DA1218"/>
-              </a:buClr>
+              <a:buClrTx/>
               <a:buSzTx/>
-              <a:buFont typeface="Wingdings" pitchFamily="2" charset="2"/>
-              <a:buChar char=""/>
-              <a:tabLst/>
-              <a:defRPr lang="en-US" sz="2000" kern="1200">
-                <a:solidFill>
-                  <a:schemeClr val="tx1"/>
-                </a:solidFill>
-                <a:latin typeface="Arial" pitchFamily="34" charset="0"/>
-                <a:ea typeface="+mn-ea"/>
+              <a:buFont typeface="Wingdings" panose="05000000000000000000" pitchFamily="2" charset="2"/>
+              <a:buChar char="§"/>
+            </a:pPr>
+            <a:r>
+              <a:rPr lang="en-US" sz="1600" dirty="0" smtClean="0">
                 <a:cs typeface="Arial" pitchFamily="34" charset="0"/>
-              </a:defRPr>
-            </a:lvl2pPr>
-            <a:lvl3pPr marL="903288" marR="0" indent="-274638" algn="l" defTabSz="914400" rtl="0" eaLnBrk="1" fontAlgn="auto" latinLnBrk="0" hangingPunct="1">
+              </a:rPr>
+              <a:t>Find the place where you want to make the next change in order to add features o eliminate bugs</a:t>
+            </a:r>
+          </a:p>
+          <a:p>
+            <a:pPr marL="457200" indent="-457200" defTabSz="914400">
               <a:lnSpc>
                 <a:spcPct val="100000"/>
               </a:lnSpc>
               <a:spcBef>
-                <a:spcPct val="20000"/>
+                <a:spcPts val="1200"/>
               </a:spcBef>
               <a:spcAft>
                 <a:spcPts val="0"/>
               </a:spcAft>
-              <a:buClr>
-                <a:srgbClr val="DA1218"/>
-              </a:buClr>
+              <a:buClrTx/>
               <a:buSzTx/>
-              <a:buFont typeface="Wingdings" pitchFamily="2" charset="2"/>
-              <a:buChar char="ü"/>
-              <a:tabLst/>
-              <a:defRPr lang="en-US" sz="1800" kern="1200">
-                <a:solidFill>
-                  <a:schemeClr val="tx1"/>
-                </a:solidFill>
-                <a:latin typeface="Arial" pitchFamily="34" charset="0"/>
-                <a:ea typeface="+mn-ea"/>
+              <a:buFont typeface="+mj-lt"/>
+              <a:buAutoNum type="arabicPeriod"/>
+            </a:pPr>
+            <a:r>
+              <a:rPr lang="en-US" sz="2000" dirty="0" smtClean="0">
                 <a:cs typeface="Arial" pitchFamily="34" charset="0"/>
-              </a:defRPr>
-            </a:lvl3pPr>
-            <a:lvl4pPr marL="1081088" marR="0" indent="-177800" algn="l" defTabSz="914400" rtl="0" eaLnBrk="1" fontAlgn="auto" latinLnBrk="0" hangingPunct="1">
+              </a:rPr>
+              <a:t> Find test points</a:t>
+            </a:r>
+          </a:p>
+          <a:p>
+            <a:pPr marL="457200" indent="-457200" defTabSz="914400">
               <a:lnSpc>
                 <a:spcPct val="100000"/>
               </a:lnSpc>
               <a:spcBef>
-                <a:spcPct val="20000"/>
+                <a:spcPts val="1200"/>
               </a:spcBef>
               <a:spcAft>
                 <a:spcPts val="0"/>
               </a:spcAft>
-              <a:buClr>
-                <a:srgbClr val="DA1218"/>
-              </a:buClr>
+              <a:buClrTx/>
               <a:buSzTx/>
-              <a:buFont typeface="Arial" pitchFamily="34" charset="0"/>
-              <a:buChar char="•"/>
-              <a:tabLst/>
-              <a:defRPr lang="en-US" sz="1600" kern="1200">
-                <a:solidFill>
-                  <a:schemeClr val="tx1"/>
-                </a:solidFill>
-                <a:latin typeface="Arial" pitchFamily="34" charset="0"/>
-                <a:ea typeface="+mn-ea"/>
+              <a:buFont typeface="+mj-lt"/>
+              <a:buAutoNum type="arabicPeriod"/>
+            </a:pPr>
+            <a:r>
+              <a:rPr lang="en-US" sz="2000" dirty="0" smtClean="0">
                 <a:cs typeface="Arial" pitchFamily="34" charset="0"/>
-              </a:defRPr>
-            </a:lvl4pPr>
-            <a:lvl5pPr marL="1258888" marR="0" indent="-177800" algn="l" defTabSz="914400" rtl="0" eaLnBrk="1" fontAlgn="auto" latinLnBrk="0" hangingPunct="1">
+              </a:rPr>
+              <a:t> Break dependencies</a:t>
+            </a:r>
+          </a:p>
+          <a:p>
+            <a:pPr marL="735013" lvl="1" indent="-457200" defTabSz="914400">
               <a:lnSpc>
                 <a:spcPct val="100000"/>
               </a:lnSpc>
               <a:spcBef>
-                <a:spcPct val="20000"/>
+                <a:spcPts val="1200"/>
               </a:spcBef>
               <a:spcAft>
                 <a:spcPts val="0"/>
               </a:spcAft>
-              <a:buClr>
-                <a:srgbClr val="DA1218"/>
-              </a:buClr>
-              <a:buSzPct val="100000"/>
-              <a:buFont typeface="Courier New" pitchFamily="49" charset="0"/>
-              <a:buChar char="o"/>
-              <a:tabLst/>
-              <a:defRPr lang="es-AR" sz="1400" kern="1200">
-                <a:solidFill>
-                  <a:schemeClr val="tx1"/>
-                </a:solidFill>
-                <a:latin typeface="Arial" pitchFamily="34" charset="0"/>
-                <a:ea typeface="+mn-ea"/>
+              <a:buClrTx/>
+              <a:buSzTx/>
+              <a:buFont typeface="Wingdings" panose="05000000000000000000" pitchFamily="2" charset="2"/>
+              <a:buChar char="§"/>
+            </a:pPr>
+            <a:r>
+              <a:rPr lang="en-US" sz="1600" dirty="0" smtClean="0">
                 <a:cs typeface="Arial" pitchFamily="34" charset="0"/>
-              </a:defRPr>
-            </a:lvl5pPr>
-            <a:lvl6pPr marL="2514600" indent="-228600" algn="l" defTabSz="914400" rtl="0" eaLnBrk="1" latinLnBrk="0" hangingPunct="1">
-              <a:spcBef>
-                <a:spcPct val="20000"/>
-              </a:spcBef>
-              <a:buFont typeface="Arial" pitchFamily="34" charset="0"/>
-              <a:buChar char="•"/>
-              <a:defRPr sz="2000" kern="1200">
-                <a:solidFill>
-                  <a:schemeClr val="tx1"/>
-                </a:solidFill>
-                <a:latin typeface="+mn-lt"/>
-                <a:ea typeface="+mn-ea"/>
-                <a:cs typeface="+mn-cs"/>
-              </a:defRPr>
-            </a:lvl6pPr>
-            <a:lvl7pPr marL="2971800" indent="-228600" algn="l" defTabSz="914400" rtl="0" eaLnBrk="1" latinLnBrk="0" hangingPunct="1">
-              <a:spcBef>
-                <a:spcPct val="20000"/>
-              </a:spcBef>
-              <a:buFont typeface="Arial" pitchFamily="34" charset="0"/>
-              <a:buChar char="•"/>
-              <a:defRPr sz="2000" kern="1200">
-                <a:solidFill>
-                  <a:schemeClr val="tx1"/>
-                </a:solidFill>
-                <a:latin typeface="+mn-lt"/>
-                <a:ea typeface="+mn-ea"/>
-                <a:cs typeface="+mn-cs"/>
-              </a:defRPr>
-            </a:lvl7pPr>
-            <a:lvl8pPr marL="3429000" indent="-228600" algn="l" defTabSz="914400" rtl="0" eaLnBrk="1" latinLnBrk="0" hangingPunct="1">
-              <a:spcBef>
-                <a:spcPct val="20000"/>
-              </a:spcBef>
-              <a:buFont typeface="Arial" pitchFamily="34" charset="0"/>
-              <a:buChar char="•"/>
-              <a:defRPr sz="2000" kern="1200">
-                <a:solidFill>
-                  <a:schemeClr val="tx1"/>
-                </a:solidFill>
-                <a:latin typeface="+mn-lt"/>
-                <a:ea typeface="+mn-ea"/>
-                <a:cs typeface="+mn-cs"/>
-              </a:defRPr>
-            </a:lvl8pPr>
-            <a:lvl9pPr marL="3886200" indent="-228600" algn="l" defTabSz="914400" rtl="0" eaLnBrk="1" latinLnBrk="0" hangingPunct="1">
-              <a:spcBef>
-                <a:spcPct val="20000"/>
-              </a:spcBef>
-              <a:buFont typeface="Arial" pitchFamily="34" charset="0"/>
-              <a:buChar char="•"/>
-              <a:defRPr sz="2000" kern="1200">
-                <a:solidFill>
-                  <a:schemeClr val="tx1"/>
-                </a:solidFill>
-                <a:latin typeface="+mn-lt"/>
-                <a:ea typeface="+mn-ea"/>
-                <a:cs typeface="+mn-cs"/>
-              </a:defRPr>
-            </a:lvl9pPr>
-          </a:lstStyle>
-          <a:p>
-            <a:pPr marL="0" lvl="1" indent="0">
+              </a:rPr>
+              <a:t>Where it is difficult or impossible to write tests to get coverage of the current behavior at the test points</a:t>
+            </a:r>
+          </a:p>
+          <a:p>
+            <a:pPr marL="735013" lvl="1" indent="-457200" defTabSz="914400">
+              <a:lnSpc>
+                <a:spcPct val="100000"/>
+              </a:lnSpc>
               <a:spcBef>
                 <a:spcPts val="1200"/>
               </a:spcBef>
+              <a:spcAft>
+                <a:spcPts val="0"/>
+              </a:spcAft>
               <a:buClrTx/>
-              <a:buNone/>
+              <a:buSzTx/>
+              <a:buFont typeface="Wingdings" panose="05000000000000000000" pitchFamily="2" charset="2"/>
+              <a:buChar char="§"/>
             </a:pPr>
-            <a:endParaRPr lang="en-GB" dirty="0">
-              <a:latin typeface="Avenir 45 Book (Body)"/>
+            <a:r>
+              <a:rPr lang="en-US" sz="1600" dirty="0" smtClean="0">
+                <a:cs typeface="Arial" pitchFamily="34" charset="0"/>
+              </a:rPr>
+              <a:t>Pre-refactoring is tricky as you don’t yet have tests to protect you as you work</a:t>
+            </a:r>
+            <a:endParaRPr lang="en-US" sz="1600" dirty="0">
+              <a:cs typeface="Arial" pitchFamily="34" charset="0"/>
             </a:endParaRPr>
           </a:p>
           <a:p>
-            <a:pPr marL="0" lvl="1" indent="0">
+            <a:pPr marL="457200" indent="-457200" defTabSz="914400">
+              <a:lnSpc>
+                <a:spcPct val="100000"/>
+              </a:lnSpc>
               <a:spcBef>
                 <a:spcPts val="1200"/>
               </a:spcBef>
+              <a:spcAft>
+                <a:spcPts val="0"/>
+              </a:spcAft>
               <a:buClrTx/>
-              <a:buNone/>
+              <a:buSzTx/>
+              <a:buFont typeface="+mj-lt"/>
+              <a:buAutoNum type="arabicPeriod"/>
             </a:pPr>
-            <a:endParaRPr lang="es-AR" sz="1600" b="1" dirty="0">
-              <a:solidFill>
-                <a:srgbClr val="000000"/>
-              </a:solidFill>
-              <a:latin typeface="Avenir 45 Book (Body)"/>
-              <a:cs typeface="+mn-cs"/>
+            <a:r>
+              <a:rPr lang="en-US" sz="2000" dirty="0" smtClean="0">
+                <a:cs typeface="Arial" pitchFamily="34" charset="0"/>
+              </a:rPr>
+              <a:t> Write </a:t>
+            </a:r>
+            <a:r>
+              <a:rPr lang="en-US" sz="2000" dirty="0">
+                <a:cs typeface="Arial" pitchFamily="34" charset="0"/>
+              </a:rPr>
+              <a:t>tests</a:t>
+            </a:r>
+          </a:p>
+          <a:p>
+            <a:pPr marL="457200" indent="-457200" defTabSz="914400">
+              <a:lnSpc>
+                <a:spcPct val="100000"/>
+              </a:lnSpc>
+              <a:spcBef>
+                <a:spcPts val="1200"/>
+              </a:spcBef>
+              <a:spcAft>
+                <a:spcPts val="0"/>
+              </a:spcAft>
+              <a:buClrTx/>
+              <a:buSzTx/>
+              <a:buFont typeface="+mj-lt"/>
+              <a:buAutoNum type="arabicPeriod"/>
+            </a:pPr>
+            <a:r>
+              <a:rPr lang="en-US" sz="2000" dirty="0" smtClean="0">
+                <a:cs typeface="Arial" pitchFamily="34" charset="0"/>
+              </a:rPr>
+              <a:t> Make </a:t>
+            </a:r>
+            <a:r>
+              <a:rPr lang="en-US" sz="2000" dirty="0">
+                <a:cs typeface="Arial" pitchFamily="34" charset="0"/>
+              </a:rPr>
+              <a:t>changes and </a:t>
+            </a:r>
+            <a:r>
+              <a:rPr lang="en-US" sz="2000" dirty="0" smtClean="0">
+                <a:cs typeface="Arial" pitchFamily="34" charset="0"/>
+              </a:rPr>
+              <a:t>refactor</a:t>
+            </a:r>
+          </a:p>
+          <a:p>
+            <a:pPr marL="735013" lvl="1" indent="-457200" defTabSz="914400">
+              <a:lnSpc>
+                <a:spcPct val="100000"/>
+              </a:lnSpc>
+              <a:spcBef>
+                <a:spcPts val="1200"/>
+              </a:spcBef>
+              <a:spcAft>
+                <a:spcPts val="0"/>
+              </a:spcAft>
+              <a:buClrTx/>
+              <a:buSzTx/>
+              <a:buFont typeface="Wingdings" panose="05000000000000000000" pitchFamily="2" charset="2"/>
+              <a:buChar char="§"/>
+            </a:pPr>
+            <a:r>
+              <a:rPr lang="en-US" sz="1600" dirty="0" smtClean="0">
+                <a:cs typeface="Arial" pitchFamily="34" charset="0"/>
+              </a:rPr>
+              <a:t>Refactor the change point in the normal testable manner</a:t>
+            </a:r>
+          </a:p>
+          <a:p>
+            <a:pPr marL="735013" lvl="1" indent="-457200" defTabSz="914400">
+              <a:lnSpc>
+                <a:spcPct val="100000"/>
+              </a:lnSpc>
+              <a:spcBef>
+                <a:spcPts val="1200"/>
+              </a:spcBef>
+              <a:spcAft>
+                <a:spcPts val="0"/>
+              </a:spcAft>
+              <a:buClrTx/>
+              <a:buSzTx/>
+              <a:buFont typeface="Wingdings" panose="05000000000000000000" pitchFamily="2" charset="2"/>
+              <a:buChar char="§"/>
+            </a:pPr>
+            <a:r>
+              <a:rPr lang="en-US" sz="1600" dirty="0" smtClean="0">
+                <a:cs typeface="Arial" pitchFamily="34" charset="0"/>
+              </a:rPr>
+              <a:t>Enjoy the test coverage you’ve built</a:t>
+            </a:r>
+            <a:endParaRPr lang="en-US" sz="1600" dirty="0">
+              <a:cs typeface="Arial" pitchFamily="34" charset="0"/>
             </a:endParaRPr>
           </a:p>
         </p:txBody>
       </p:sp>
-      <p:pic>
-        <p:nvPicPr>
-          <p:cNvPr id="2" name="Picture 1"/>
-          <p:cNvPicPr>
-            <a:picLocks noChangeAspect="1"/>
-          </p:cNvPicPr>
-          <p:nvPr/>
-        </p:nvPicPr>
-        <p:blipFill>
-          <a:blip r:embed="rId2">
-            <a:extLst>
-              <a:ext uri="{28A0092B-C50C-407E-A947-70E740481C1C}">
-                <a14:useLocalDpi xmlns:a14="http://schemas.microsoft.com/office/drawing/2010/main" val="0"/>
-              </a:ext>
-            </a:extLst>
-          </a:blip>
-          <a:stretch>
-            <a:fillRect/>
-          </a:stretch>
-        </p:blipFill>
-        <p:spPr>
-          <a:xfrm>
-            <a:off x="3675389" y="1322164"/>
-            <a:ext cx="4661777" cy="4661777"/>
-          </a:xfrm>
-          <a:prstGeom prst="rect">
-            <a:avLst/>
-          </a:prstGeom>
-          <a:ln>
-            <a:noFill/>
-          </a:ln>
-          <a:effectLst>
-            <a:outerShdw blurRad="292100" dist="139700" dir="2700000" algn="tl" rotWithShape="0">
-              <a:srgbClr val="333333">
-                <a:alpha val="65000"/>
-              </a:srgbClr>
-            </a:outerShdw>
-          </a:effectLst>
-        </p:spPr>
-      </p:pic>
     </p:spTree>
     <p:extLst>
       <p:ext uri="{BB962C8B-B14F-4D97-AF65-F5344CB8AC3E}">
-        <p14:creationId xmlns:p14="http://schemas.microsoft.com/office/powerpoint/2010/main" val="76703024"/>
+        <p14:creationId xmlns:p14="http://schemas.microsoft.com/office/powerpoint/2010/main" val="3616166483"/>
       </p:ext>
     </p:extLst>
   </p:cSld>
@@ -23130,12 +25214,18 @@
         </p:nvSpPr>
         <p:spPr/>
         <p:txBody>
-          <a:bodyPr/>
+          <a:bodyPr>
+            <a:normAutofit/>
+          </a:bodyPr>
           <a:lstStyle/>
           <a:p>
             <a:r>
               <a:rPr lang="es-AR" dirty="0" err="1" smtClean="0"/>
-              <a:t>Feedback</a:t>
+              <a:t>Coding</a:t>
+            </a:r>
+            <a:r>
+              <a:rPr lang="es-AR" dirty="0" smtClean="0"/>
+              <a:t> time!</a:t>
             </a:r>
             <a:endParaRPr lang="es-AR" dirty="0"/>
           </a:p>
@@ -23144,7 +25234,7 @@
     </p:spTree>
     <p:extLst>
       <p:ext uri="{BB962C8B-B14F-4D97-AF65-F5344CB8AC3E}">
-        <p14:creationId xmlns:p14="http://schemas.microsoft.com/office/powerpoint/2010/main" val="84412831"/>
+        <p14:creationId xmlns:p14="http://schemas.microsoft.com/office/powerpoint/2010/main" val="917926131"/>
       </p:ext>
     </p:extLst>
   </p:cSld>
@@ -23299,7 +25389,7 @@
                   <a:schemeClr val="bg1"/>
                 </a:solidFill>
               </a:rPr>
-              <a:t>Feedback</a:t>
+              <a:t>Questions</a:t>
             </a:r>
             <a:endParaRPr lang="es-AR" sz="3600" dirty="0">
               <a:solidFill>
@@ -23528,15 +25618,11 @@
                 <a:spcPts val="1200"/>
               </a:spcBef>
               <a:buClrTx/>
-              <a:buFont typeface="Wingdings" panose="05000000000000000000" pitchFamily="2" charset="2"/>
-              <a:buChar char="§"/>
+              <a:buNone/>
             </a:pPr>
-            <a:r>
-              <a:rPr lang="en-GB" dirty="0" smtClean="0">
-                <a:latin typeface="Avenir 45 Book (Body)"/>
-              </a:rPr>
-              <a:t> What do you think about using these practices in your projects?</a:t>
-            </a:r>
+            <a:endParaRPr lang="en-GB" dirty="0">
+              <a:latin typeface="Avenir 45 Book (Body)"/>
+            </a:endParaRPr>
           </a:p>
           <a:p>
             <a:pPr marL="0" lvl="1" indent="0">
@@ -23546,71 +25632,6 @@
               <a:buClrTx/>
               <a:buNone/>
             </a:pPr>
-            <a:r>
-              <a:rPr lang="en-GB" dirty="0">
-                <a:latin typeface="Avenir 45 Book (Body)"/>
-              </a:rPr>
-              <a:t> </a:t>
-            </a:r>
-            <a:endParaRPr lang="en-GB" dirty="0" smtClean="0">
-              <a:latin typeface="Avenir 45 Book (Body)"/>
-            </a:endParaRPr>
-          </a:p>
-          <a:p>
-            <a:pPr marL="0" lvl="1" indent="0">
-              <a:spcBef>
-                <a:spcPts val="1200"/>
-              </a:spcBef>
-              <a:buClrTx/>
-              <a:buFont typeface="Wingdings" panose="05000000000000000000" pitchFamily="2" charset="2"/>
-              <a:buChar char="§"/>
-            </a:pPr>
-            <a:r>
-              <a:rPr lang="en-GB" dirty="0" smtClean="0">
-                <a:latin typeface="Avenir 45 Book (Body)"/>
-              </a:rPr>
-              <a:t> What advantages would you have by incorporating these practices in your current project?</a:t>
-            </a:r>
-          </a:p>
-          <a:p>
-            <a:pPr marL="0" lvl="1" indent="0">
-              <a:spcBef>
-                <a:spcPts val="1200"/>
-              </a:spcBef>
-              <a:buClrTx/>
-              <a:buNone/>
-            </a:pPr>
-            <a:endParaRPr lang="en-GB" dirty="0" smtClean="0">
-              <a:latin typeface="Avenir 45 Book (Body)"/>
-            </a:endParaRPr>
-          </a:p>
-          <a:p>
-            <a:pPr marL="0" lvl="1" indent="0">
-              <a:spcBef>
-                <a:spcPts val="1200"/>
-              </a:spcBef>
-              <a:buClrTx/>
-              <a:buFont typeface="Wingdings" panose="05000000000000000000" pitchFamily="2" charset="2"/>
-              <a:buChar char="§"/>
-            </a:pPr>
-            <a:r>
-              <a:rPr lang="en-GB" dirty="0" smtClean="0">
-                <a:latin typeface="Avenir 45 Book (Body)"/>
-              </a:rPr>
-              <a:t> What’s your take on </a:t>
-            </a:r>
-            <a:r>
-              <a:rPr lang="en-GB" smtClean="0">
-                <a:latin typeface="Avenir 45 Book (Body)"/>
-              </a:rPr>
-              <a:t>the concepts </a:t>
-            </a:r>
-            <a:r>
-              <a:rPr lang="en-GB" dirty="0" smtClean="0">
-                <a:latin typeface="Avenir 45 Book (Body)"/>
-              </a:rPr>
-              <a:t>of today’s talk?</a:t>
-            </a:r>
             <a:endParaRPr lang="es-AR" sz="1600" b="1" dirty="0">
               <a:solidFill>
                 <a:srgbClr val="000000"/>
@@ -23621,10 +25642,50 @@
           </a:p>
         </p:txBody>
       </p:sp>
+      <p:pic>
+        <p:nvPicPr>
+          <p:cNvPr id="2" name="Picture 1"/>
+          <p:cNvPicPr>
+            <a:picLocks noChangeAspect="1"/>
+          </p:cNvPicPr>
+          <p:nvPr/>
+        </p:nvPicPr>
+        <p:blipFill>
+          <a:blip r:embed="rId2">
+            <a:extLst>
+              <a:ext uri="{28A0092B-C50C-407E-A947-70E740481C1C}">
+                <a14:useLocalDpi xmlns:a14="http://schemas.microsoft.com/office/drawing/2010/main" val="0"/>
+              </a:ext>
+            </a:extLst>
+          </a:blip>
+          <a:stretch>
+            <a:fillRect/>
+          </a:stretch>
+        </p:blipFill>
+        <p:spPr>
+          <a:xfrm>
+            <a:off x="3675389" y="1322164"/>
+            <a:ext cx="4661777" cy="4661777"/>
+          </a:xfrm>
+          <a:prstGeom prst="rect">
+            <a:avLst/>
+          </a:prstGeom>
+          <a:ln>
+            <a:noFill/>
+          </a:ln>
+          <a:effectLst>
+            <a:outerShdw blurRad="292100" dist="139700" dir="2700000" algn="tl" rotWithShape="0">
+              <a:srgbClr val="333333">
+                <a:alpha val="65000"/>
+              </a:srgbClr>
+            </a:outerShdw>
+          </a:effectLst>
+        </p:spPr>
+      </p:pic>
     </p:spTree>
     <p:extLst>
       <p:ext uri="{BB962C8B-B14F-4D97-AF65-F5344CB8AC3E}">
-        <p14:creationId xmlns:p14="http://schemas.microsoft.com/office/powerpoint/2010/main" val="4101275204"/>
+        <p14:creationId xmlns:p14="http://schemas.microsoft.com/office/powerpoint/2010/main" val="76703024"/>
       </p:ext>
     </p:extLst>
   </p:cSld>
@@ -23678,7 +25739,7 @@
           <a:p>
             <a:r>
               <a:rPr lang="es-AR" dirty="0" err="1" smtClean="0"/>
-              <a:t>Summary</a:t>
+              <a:t>Feedback</a:t>
             </a:r>
             <a:endParaRPr lang="es-AR" dirty="0"/>
           </a:p>
@@ -23687,7 +25748,7 @@
     </p:spTree>
     <p:extLst>
       <p:ext uri="{BB962C8B-B14F-4D97-AF65-F5344CB8AC3E}">
-        <p14:creationId xmlns:p14="http://schemas.microsoft.com/office/powerpoint/2010/main" val="689075145"/>
+        <p14:creationId xmlns:p14="http://schemas.microsoft.com/office/powerpoint/2010/main" val="84412831"/>
       </p:ext>
     </p:extLst>
   </p:cSld>
@@ -23842,7 +25903,7 @@
                   <a:schemeClr val="bg1"/>
                 </a:solidFill>
               </a:rPr>
-              <a:t>Summary</a:t>
+              <a:t>Feedback</a:t>
             </a:r>
             <a:endParaRPr lang="es-AR" sz="3600" dirty="0">
               <a:solidFill>
@@ -23862,8 +25923,8 @@
         </p:nvSpPr>
         <p:spPr>
           <a:xfrm>
-            <a:off x="476534" y="1312325"/>
-            <a:ext cx="10987585" cy="4329621"/>
+            <a:off x="476534" y="1394213"/>
+            <a:ext cx="8142809" cy="4329621"/>
           </a:xfrm>
           <a:prstGeom prst="rect">
             <a:avLst/>
@@ -24071,14 +26132,33 @@
                 <a:spcPts val="1200"/>
               </a:spcBef>
               <a:buClrTx/>
+              <a:buFont typeface="Wingdings" panose="05000000000000000000" pitchFamily="2" charset="2"/>
+              <a:buChar char="§"/>
+            </a:pPr>
+            <a:r>
+              <a:rPr lang="en-GB" dirty="0" smtClean="0">
+                <a:latin typeface="Avenir 45 Book (Body)"/>
+              </a:rPr>
+              <a:t> What do you think about using these practices in your projects?</a:t>
+            </a:r>
+          </a:p>
+          <a:p>
+            <a:pPr marL="0" lvl="1" indent="0">
+              <a:spcBef>
+                <a:spcPts val="1200"/>
+              </a:spcBef>
+              <a:buClrTx/>
               <a:buNone/>
             </a:pPr>
             <a:r>
-              <a:rPr lang="en-GB" dirty="0" smtClean="0">
+              <a:rPr lang="en-GB" dirty="0">
                 <a:latin typeface="Avenir 45 Book (Body)"/>
               </a:rPr>
-              <a:t>These practices:</a:t>
-            </a:r>
+              <a:t> </a:t>
+            </a:r>
+            <a:endParaRPr lang="en-GB" dirty="0" smtClean="0">
+              <a:latin typeface="Avenir 45 Book (Body)"/>
+            </a:endParaRPr>
           </a:p>
           <a:p>
             <a:pPr marL="0" lvl="1" indent="0">
@@ -24089,6 +26169,21 @@
               <a:buFont typeface="Wingdings" panose="05000000000000000000" pitchFamily="2" charset="2"/>
               <a:buChar char="§"/>
             </a:pPr>
+            <a:r>
+              <a:rPr lang="en-GB" dirty="0" smtClean="0">
+                <a:latin typeface="Avenir 45 Book (Body)"/>
+              </a:rPr>
+              <a:t> What advantages would you have by incorporating these practices in your current project?</a:t>
+            </a:r>
+          </a:p>
+          <a:p>
+            <a:pPr marL="0" lvl="1" indent="0">
+              <a:spcBef>
+                <a:spcPts val="1200"/>
+              </a:spcBef>
+              <a:buClrTx/>
+              <a:buNone/>
+            </a:pPr>
             <a:endParaRPr lang="en-GB" dirty="0" smtClean="0">
               <a:latin typeface="Avenir 45 Book (Body)"/>
             </a:endParaRPr>
@@ -24106,125 +26201,20 @@
               <a:rPr lang="en-GB" dirty="0" smtClean="0">
                 <a:latin typeface="Avenir 45 Book (Body)"/>
               </a:rPr>
-              <a:t> Make your code more maintainable</a:t>
-            </a:r>
-            <a:endParaRPr lang="en-GB" dirty="0">
-              <a:latin typeface="Avenir 45 Book (Body)"/>
-            </a:endParaRPr>
-          </a:p>
-          <a:p>
-            <a:pPr marL="0" lvl="1" indent="0">
-              <a:spcBef>
-                <a:spcPts val="1200"/>
-              </a:spcBef>
-              <a:buClrTx/>
-              <a:buFont typeface="Wingdings" panose="05000000000000000000" pitchFamily="2" charset="2"/>
-              <a:buChar char="§"/>
-            </a:pPr>
-            <a:r>
-              <a:rPr lang="en-GB" dirty="0">
+              <a:t> What’s your take on </a:t>
+            </a:r>
+            <a:r>
+              <a:rPr lang="en-GB" smtClean="0">
                 <a:latin typeface="Avenir 45 Book (Body)"/>
               </a:rPr>
-              <a:t> </a:t>
+              <a:t>the concepts </a:t>
             </a:r>
             <a:r>
               <a:rPr lang="en-GB" dirty="0" smtClean="0">
                 <a:latin typeface="Avenir 45 Book (Body)"/>
               </a:rPr>
-              <a:t>Minimize the number of errors in the final product</a:t>
-            </a:r>
-          </a:p>
-          <a:p>
-            <a:pPr marL="0" lvl="1" indent="0">
-              <a:spcBef>
-                <a:spcPts val="1200"/>
-              </a:spcBef>
-              <a:buClrTx/>
-              <a:buFont typeface="Wingdings" panose="05000000000000000000" pitchFamily="2" charset="2"/>
-              <a:buChar char="§"/>
-            </a:pPr>
-            <a:r>
-              <a:rPr lang="en-GB" dirty="0" smtClean="0">
-                <a:latin typeface="Avenir 45 Book (Body)"/>
-              </a:rPr>
-              <a:t> Allow early detection of errors in the development environment</a:t>
-            </a:r>
-          </a:p>
-          <a:p>
-            <a:pPr marL="0" lvl="1" indent="0">
-              <a:spcBef>
-                <a:spcPts val="1200"/>
-              </a:spcBef>
-              <a:buClrTx/>
-              <a:buFont typeface="Wingdings" panose="05000000000000000000" pitchFamily="2" charset="2"/>
-              <a:buChar char="§"/>
-            </a:pPr>
-            <a:r>
-              <a:rPr lang="en-GB" dirty="0">
-                <a:latin typeface="Avenir 45 Book (Body)"/>
-              </a:rPr>
-              <a:t> </a:t>
-            </a:r>
-            <a:r>
-              <a:rPr lang="en-GB" dirty="0" smtClean="0">
-                <a:latin typeface="Avenir 45 Book (Body)"/>
-              </a:rPr>
-              <a:t>Reduce development and maintenance time over the project’s lifecycle</a:t>
-            </a:r>
-          </a:p>
-          <a:p>
-            <a:pPr marL="0" lvl="1" indent="0">
-              <a:spcBef>
-                <a:spcPts val="1200"/>
-              </a:spcBef>
-              <a:buClrTx/>
-              <a:buFont typeface="Wingdings" panose="05000000000000000000" pitchFamily="2" charset="2"/>
-              <a:buChar char="§"/>
-            </a:pPr>
-            <a:r>
-              <a:rPr lang="en-GB" b="1" dirty="0" smtClean="0">
-                <a:latin typeface="Avenir 45 Book (Body)"/>
-              </a:rPr>
-              <a:t> Improve the quality of the final product</a:t>
-            </a:r>
-            <a:endParaRPr lang="en-GB" b="1" dirty="0">
-              <a:latin typeface="Avenir 45 Book (Body)"/>
-            </a:endParaRPr>
-          </a:p>
-          <a:p>
-            <a:pPr marL="0" lvl="1" indent="0">
-              <a:spcBef>
-                <a:spcPts val="1200"/>
-              </a:spcBef>
-              <a:buClrTx/>
-              <a:buFont typeface="Wingdings" panose="05000000000000000000" pitchFamily="2" charset="2"/>
-              <a:buChar char="§"/>
-            </a:pPr>
-            <a:endParaRPr lang="en-GB" dirty="0">
-              <a:latin typeface="Avenir 45 Book (Body)"/>
-            </a:endParaRPr>
-          </a:p>
-          <a:p>
-            <a:pPr lvl="0" defTabSz="914363">
-              <a:lnSpc>
-                <a:spcPct val="90000"/>
-              </a:lnSpc>
-              <a:spcBef>
-                <a:spcPts val="0"/>
-              </a:spcBef>
-              <a:spcAft>
-                <a:spcPts val="400"/>
-              </a:spcAft>
-              <a:buClr>
-                <a:schemeClr val="tx1">
-                  <a:lumMod val="75000"/>
-                  <a:lumOff val="25000"/>
-                </a:schemeClr>
-              </a:buClr>
-              <a:buSzPct val="100000"/>
-              <a:buFont typeface="Wingdings" panose="05000000000000000000" pitchFamily="2" charset="2"/>
-              <a:buChar char="ä"/>
-            </a:pPr>
+              <a:t>of today’s talk?</a:t>
+            </a:r>
             <a:endParaRPr lang="es-AR" sz="1600" b="1" dirty="0">
               <a:solidFill>
                 <a:srgbClr val="000000"/>
@@ -24238,7 +26228,7 @@
     </p:spTree>
     <p:extLst>
       <p:ext uri="{BB962C8B-B14F-4D97-AF65-F5344CB8AC3E}">
-        <p14:creationId xmlns:p14="http://schemas.microsoft.com/office/powerpoint/2010/main" val="3539865254"/>
+        <p14:creationId xmlns:p14="http://schemas.microsoft.com/office/powerpoint/2010/main" val="4101275204"/>
       </p:ext>
     </p:extLst>
   </p:cSld>
@@ -24277,483 +26267,31 @@
       </p:grpSpPr>
       <p:sp>
         <p:nvSpPr>
-          <p:cNvPr id="15" name="Rectangle 14"/>
-          <p:cNvSpPr/>
-          <p:nvPr/>
+          <p:cNvPr id="4" name="Title 3"/>
+          <p:cNvSpPr>
+            <a:spLocks noGrp="1"/>
+          </p:cNvSpPr>
+          <p:nvPr>
+            <p:ph type="ctrTitle"/>
+          </p:nvPr>
         </p:nvSpPr>
-        <p:spPr>
-          <a:xfrm>
-            <a:off x="-13252" y="1"/>
-            <a:ext cx="12218504" cy="1016000"/>
-          </a:xfrm>
-          <a:prstGeom prst="rect">
-            <a:avLst/>
-          </a:prstGeom>
-          <a:solidFill>
-            <a:srgbClr val="FF9600"/>
-          </a:solidFill>
-          <a:ln>
-            <a:noFill/>
-          </a:ln>
-        </p:spPr>
-        <p:style>
-          <a:lnRef idx="1">
-            <a:schemeClr val="accent6"/>
-          </a:lnRef>
-          <a:fillRef idx="3">
-            <a:schemeClr val="accent6"/>
-          </a:fillRef>
-          <a:effectRef idx="2">
-            <a:schemeClr val="accent6"/>
-          </a:effectRef>
-          <a:fontRef idx="minor">
-            <a:schemeClr val="lt1"/>
-          </a:fontRef>
-        </p:style>
+        <p:spPr/>
         <p:txBody>
-          <a:bodyPr anchor="ctr"/>
+          <a:bodyPr/>
           <a:lstStyle/>
           <a:p>
-            <a:pPr marL="0" marR="0" lvl="0" indent="0" algn="ctr" defTabSz="914400" eaLnBrk="1" fontAlgn="auto" latinLnBrk="0" hangingPunct="1">
-              <a:lnSpc>
-                <a:spcPct val="100000"/>
-              </a:lnSpc>
-              <a:spcBef>
-                <a:spcPts val="0"/>
-              </a:spcBef>
-              <a:spcAft>
-                <a:spcPts val="0"/>
-              </a:spcAft>
-              <a:buClrTx/>
-              <a:buSzTx/>
-              <a:buFontTx/>
-              <a:buNone/>
-              <a:tabLst/>
-              <a:defRPr/>
-            </a:pPr>
-            <a:r>
-              <a:rPr kumimoji="0" lang="es-ES_tradnl" sz="1800" b="0" i="0" u="none" strike="noStrike" kern="0" cap="none" spc="0" normalizeH="0" baseline="0" noProof="0" dirty="0" smtClean="0">
-                <a:ln>
-                  <a:noFill/>
-                </a:ln>
-                <a:solidFill>
-                  <a:srgbClr val="FFFFFF"/>
-                </a:solidFill>
-                <a:effectLst/>
-                <a:uLnTx/>
-                <a:uFillTx/>
-                <a:latin typeface="Arial"/>
-                <a:ea typeface="ＭＳ Ｐゴシック" pitchFamily="-108" charset="-128"/>
-                <a:cs typeface="+mn-cs"/>
-              </a:rPr>
-              <a:t>  </a:t>
-            </a:r>
-            <a:endParaRPr kumimoji="0" lang="es-ES_tradnl" sz="1800" b="0" i="0" u="none" strike="noStrike" kern="0" cap="none" spc="0" normalizeH="0" baseline="0" noProof="0" dirty="0">
-              <a:ln>
-                <a:noFill/>
-              </a:ln>
-              <a:solidFill>
-                <a:srgbClr val="FFFFFF"/>
-              </a:solidFill>
-              <a:effectLst/>
-              <a:uLnTx/>
-              <a:uFillTx/>
-              <a:latin typeface="Arial"/>
-              <a:ea typeface="ＭＳ Ｐゴシック" pitchFamily="-108" charset="-128"/>
-              <a:cs typeface="+mn-cs"/>
-            </a:endParaRPr>
-          </a:p>
-        </p:txBody>
-      </p:sp>
-      <p:sp>
-        <p:nvSpPr>
-          <p:cNvPr id="16" name="TextBox 15"/>
-          <p:cNvSpPr txBox="1"/>
-          <p:nvPr/>
-        </p:nvSpPr>
-        <p:spPr>
-          <a:xfrm>
-            <a:off x="515936" y="212035"/>
-            <a:ext cx="11676063" cy="553998"/>
-          </a:xfrm>
-          <a:prstGeom prst="rect">
-            <a:avLst/>
-          </a:prstGeom>
-          <a:noFill/>
-        </p:spPr>
-        <p:txBody>
-          <a:bodyPr wrap="square" lIns="0" tIns="0" rIns="0" bIns="0" rtlCol="0">
-            <a:spAutoFit/>
-          </a:bodyPr>
-          <a:lstStyle/>
-          <a:p>
-            <a:r>
-              <a:rPr lang="en-US" sz="3600" dirty="0" smtClean="0">
-                <a:solidFill>
-                  <a:schemeClr val="bg1"/>
-                </a:solidFill>
-              </a:rPr>
+            <a:r>
+              <a:rPr lang="es-AR" dirty="0" err="1" smtClean="0"/>
               <a:t>Summary</a:t>
             </a:r>
-            <a:endParaRPr lang="es-AR" sz="3600" dirty="0">
-              <a:solidFill>
-                <a:schemeClr val="bg1"/>
-              </a:solidFill>
-            </a:endParaRPr>
-          </a:p>
-        </p:txBody>
-      </p:sp>
-      <p:sp>
-        <p:nvSpPr>
-          <p:cNvPr id="6" name="Content Placeholder 2"/>
-          <p:cNvSpPr txBox="1">
-            <a:spLocks/>
-          </p:cNvSpPr>
-          <p:nvPr/>
-        </p:nvSpPr>
-        <p:spPr>
-          <a:xfrm>
-            <a:off x="476534" y="1312325"/>
-            <a:ext cx="10987585" cy="4329621"/>
-          </a:xfrm>
-          <a:prstGeom prst="rect">
-            <a:avLst/>
-          </a:prstGeom>
-        </p:spPr>
-        <p:txBody>
-          <a:bodyPr vert="horz" lIns="91440" tIns="45720" rIns="91440" bIns="45720" rtlCol="0">
-            <a:noAutofit/>
-          </a:bodyPr>
-          <a:lstStyle>
-            <a:lvl1pPr marL="273050" marR="0" indent="-273050" algn="l" defTabSz="914400" rtl="0" eaLnBrk="1" fontAlgn="auto" latinLnBrk="0" hangingPunct="1">
-              <a:lnSpc>
-                <a:spcPct val="100000"/>
-              </a:lnSpc>
-              <a:spcBef>
-                <a:spcPts val="1200"/>
-              </a:spcBef>
-              <a:spcAft>
-                <a:spcPts val="0"/>
-              </a:spcAft>
-              <a:buClr>
-                <a:srgbClr val="DA1218"/>
-              </a:buClr>
-              <a:buSzTx/>
-              <a:buFont typeface="Wingdings" pitchFamily="2" charset="2"/>
-              <a:buChar char="§"/>
-              <a:tabLst/>
-              <a:defRPr lang="en-US" sz="2400" kern="1200">
-                <a:solidFill>
-                  <a:schemeClr val="tx1"/>
-                </a:solidFill>
-                <a:latin typeface="Arial" pitchFamily="34" charset="0"/>
-                <a:ea typeface="+mn-ea"/>
-                <a:cs typeface="Arial" pitchFamily="34" charset="0"/>
-              </a:defRPr>
-            </a:lvl1pPr>
-            <a:lvl2pPr marL="628650" marR="0" indent="-355600" algn="l" defTabSz="914400" rtl="0" eaLnBrk="1" fontAlgn="auto" latinLnBrk="0" hangingPunct="1">
-              <a:lnSpc>
-                <a:spcPct val="100000"/>
-              </a:lnSpc>
-              <a:spcBef>
-                <a:spcPct val="20000"/>
-              </a:spcBef>
-              <a:spcAft>
-                <a:spcPts val="0"/>
-              </a:spcAft>
-              <a:buClr>
-                <a:srgbClr val="DA1218"/>
-              </a:buClr>
-              <a:buSzTx/>
-              <a:buFont typeface="Wingdings" pitchFamily="2" charset="2"/>
-              <a:buChar char=""/>
-              <a:tabLst/>
-              <a:defRPr lang="en-US" sz="2000" kern="1200">
-                <a:solidFill>
-                  <a:schemeClr val="tx1"/>
-                </a:solidFill>
-                <a:latin typeface="Arial" pitchFamily="34" charset="0"/>
-                <a:ea typeface="+mn-ea"/>
-                <a:cs typeface="Arial" pitchFamily="34" charset="0"/>
-              </a:defRPr>
-            </a:lvl2pPr>
-            <a:lvl3pPr marL="903288" marR="0" indent="-274638" algn="l" defTabSz="914400" rtl="0" eaLnBrk="1" fontAlgn="auto" latinLnBrk="0" hangingPunct="1">
-              <a:lnSpc>
-                <a:spcPct val="100000"/>
-              </a:lnSpc>
-              <a:spcBef>
-                <a:spcPct val="20000"/>
-              </a:spcBef>
-              <a:spcAft>
-                <a:spcPts val="0"/>
-              </a:spcAft>
-              <a:buClr>
-                <a:srgbClr val="DA1218"/>
-              </a:buClr>
-              <a:buSzTx/>
-              <a:buFont typeface="Wingdings" pitchFamily="2" charset="2"/>
-              <a:buChar char="ü"/>
-              <a:tabLst/>
-              <a:defRPr lang="en-US" sz="1800" kern="1200">
-                <a:solidFill>
-                  <a:schemeClr val="tx1"/>
-                </a:solidFill>
-                <a:latin typeface="Arial" pitchFamily="34" charset="0"/>
-                <a:ea typeface="+mn-ea"/>
-                <a:cs typeface="Arial" pitchFamily="34" charset="0"/>
-              </a:defRPr>
-            </a:lvl3pPr>
-            <a:lvl4pPr marL="1081088" marR="0" indent="-177800" algn="l" defTabSz="914400" rtl="0" eaLnBrk="1" fontAlgn="auto" latinLnBrk="0" hangingPunct="1">
-              <a:lnSpc>
-                <a:spcPct val="100000"/>
-              </a:lnSpc>
-              <a:spcBef>
-                <a:spcPct val="20000"/>
-              </a:spcBef>
-              <a:spcAft>
-                <a:spcPts val="0"/>
-              </a:spcAft>
-              <a:buClr>
-                <a:srgbClr val="DA1218"/>
-              </a:buClr>
-              <a:buSzTx/>
-              <a:buFont typeface="Arial" pitchFamily="34" charset="0"/>
-              <a:buChar char="•"/>
-              <a:tabLst/>
-              <a:defRPr lang="en-US" sz="1600" kern="1200">
-                <a:solidFill>
-                  <a:schemeClr val="tx1"/>
-                </a:solidFill>
-                <a:latin typeface="Arial" pitchFamily="34" charset="0"/>
-                <a:ea typeface="+mn-ea"/>
-                <a:cs typeface="Arial" pitchFamily="34" charset="0"/>
-              </a:defRPr>
-            </a:lvl4pPr>
-            <a:lvl5pPr marL="1258888" marR="0" indent="-177800" algn="l" defTabSz="914400" rtl="0" eaLnBrk="1" fontAlgn="auto" latinLnBrk="0" hangingPunct="1">
-              <a:lnSpc>
-                <a:spcPct val="100000"/>
-              </a:lnSpc>
-              <a:spcBef>
-                <a:spcPct val="20000"/>
-              </a:spcBef>
-              <a:spcAft>
-                <a:spcPts val="0"/>
-              </a:spcAft>
-              <a:buClr>
-                <a:srgbClr val="DA1218"/>
-              </a:buClr>
-              <a:buSzPct val="100000"/>
-              <a:buFont typeface="Courier New" pitchFamily="49" charset="0"/>
-              <a:buChar char="o"/>
-              <a:tabLst/>
-              <a:defRPr lang="es-AR" sz="1400" kern="1200">
-                <a:solidFill>
-                  <a:schemeClr val="tx1"/>
-                </a:solidFill>
-                <a:latin typeface="Arial" pitchFamily="34" charset="0"/>
-                <a:ea typeface="+mn-ea"/>
-                <a:cs typeface="Arial" pitchFamily="34" charset="0"/>
-              </a:defRPr>
-            </a:lvl5pPr>
-            <a:lvl6pPr marL="2514600" indent="-228600" algn="l" defTabSz="914400" rtl="0" eaLnBrk="1" latinLnBrk="0" hangingPunct="1">
-              <a:spcBef>
-                <a:spcPct val="20000"/>
-              </a:spcBef>
-              <a:buFont typeface="Arial" pitchFamily="34" charset="0"/>
-              <a:buChar char="•"/>
-              <a:defRPr sz="2000" kern="1200">
-                <a:solidFill>
-                  <a:schemeClr val="tx1"/>
-                </a:solidFill>
-                <a:latin typeface="+mn-lt"/>
-                <a:ea typeface="+mn-ea"/>
-                <a:cs typeface="+mn-cs"/>
-              </a:defRPr>
-            </a:lvl6pPr>
-            <a:lvl7pPr marL="2971800" indent="-228600" algn="l" defTabSz="914400" rtl="0" eaLnBrk="1" latinLnBrk="0" hangingPunct="1">
-              <a:spcBef>
-                <a:spcPct val="20000"/>
-              </a:spcBef>
-              <a:buFont typeface="Arial" pitchFamily="34" charset="0"/>
-              <a:buChar char="•"/>
-              <a:defRPr sz="2000" kern="1200">
-                <a:solidFill>
-                  <a:schemeClr val="tx1"/>
-                </a:solidFill>
-                <a:latin typeface="+mn-lt"/>
-                <a:ea typeface="+mn-ea"/>
-                <a:cs typeface="+mn-cs"/>
-              </a:defRPr>
-            </a:lvl7pPr>
-            <a:lvl8pPr marL="3429000" indent="-228600" algn="l" defTabSz="914400" rtl="0" eaLnBrk="1" latinLnBrk="0" hangingPunct="1">
-              <a:spcBef>
-                <a:spcPct val="20000"/>
-              </a:spcBef>
-              <a:buFont typeface="Arial" pitchFamily="34" charset="0"/>
-              <a:buChar char="•"/>
-              <a:defRPr sz="2000" kern="1200">
-                <a:solidFill>
-                  <a:schemeClr val="tx1"/>
-                </a:solidFill>
-                <a:latin typeface="+mn-lt"/>
-                <a:ea typeface="+mn-ea"/>
-                <a:cs typeface="+mn-cs"/>
-              </a:defRPr>
-            </a:lvl8pPr>
-            <a:lvl9pPr marL="3886200" indent="-228600" algn="l" defTabSz="914400" rtl="0" eaLnBrk="1" latinLnBrk="0" hangingPunct="1">
-              <a:spcBef>
-                <a:spcPct val="20000"/>
-              </a:spcBef>
-              <a:buFont typeface="Arial" pitchFamily="34" charset="0"/>
-              <a:buChar char="•"/>
-              <a:defRPr sz="2000" kern="1200">
-                <a:solidFill>
-                  <a:schemeClr val="tx1"/>
-                </a:solidFill>
-                <a:latin typeface="+mn-lt"/>
-                <a:ea typeface="+mn-ea"/>
-                <a:cs typeface="+mn-cs"/>
-              </a:defRPr>
-            </a:lvl9pPr>
-          </a:lstStyle>
-          <a:p>
-            <a:pPr marL="0" lvl="1" indent="0">
-              <a:spcBef>
-                <a:spcPts val="1200"/>
-              </a:spcBef>
-              <a:buClrTx/>
-              <a:buNone/>
-            </a:pPr>
-            <a:r>
-              <a:rPr lang="en-US" dirty="0" smtClean="0">
-                <a:latin typeface="Avenir 45 Book (Body)"/>
-              </a:rPr>
-              <a:t>These </a:t>
-            </a:r>
-            <a:r>
-              <a:rPr lang="en-US" dirty="0">
-                <a:latin typeface="Avenir 45 Book (Body)"/>
-              </a:rPr>
-              <a:t>practices </a:t>
-            </a:r>
-            <a:r>
-              <a:rPr lang="en-US" dirty="0" smtClean="0">
-                <a:latin typeface="Avenir 45 Book (Body)"/>
-              </a:rPr>
-              <a:t>will also</a:t>
-            </a:r>
-            <a:r>
-              <a:rPr lang="en-GB" dirty="0" smtClean="0">
-                <a:latin typeface="Avenir 45 Book (Body)"/>
-              </a:rPr>
-              <a:t>:</a:t>
-            </a:r>
-          </a:p>
-          <a:p>
-            <a:pPr marL="0" lvl="1" indent="0">
-              <a:spcBef>
-                <a:spcPts val="1200"/>
-              </a:spcBef>
-              <a:buClrTx/>
-              <a:buFont typeface="Wingdings" panose="05000000000000000000" pitchFamily="2" charset="2"/>
-              <a:buChar char="§"/>
-            </a:pPr>
-            <a:endParaRPr lang="en-GB" dirty="0" smtClean="0">
-              <a:latin typeface="Avenir 45 Book (Body)"/>
-            </a:endParaRPr>
-          </a:p>
-          <a:p>
-            <a:pPr marL="0" lvl="1" indent="0">
-              <a:spcBef>
-                <a:spcPts val="1200"/>
-              </a:spcBef>
-              <a:buClrTx/>
-              <a:buFont typeface="Wingdings" panose="05000000000000000000" pitchFamily="2" charset="2"/>
-              <a:buChar char="§"/>
-            </a:pPr>
-            <a:r>
-              <a:rPr lang="en-GB" dirty="0" smtClean="0">
-                <a:latin typeface="Avenir 45 Book (Body)"/>
-              </a:rPr>
-              <a:t> Improve the development team’s internal organization</a:t>
-            </a:r>
-          </a:p>
-          <a:p>
-            <a:pPr marL="0" lvl="1" indent="0">
-              <a:spcBef>
-                <a:spcPts val="1200"/>
-              </a:spcBef>
-              <a:buClrTx/>
-              <a:buFont typeface="Wingdings" panose="05000000000000000000" pitchFamily="2" charset="2"/>
-              <a:buChar char="§"/>
-            </a:pPr>
-            <a:r>
-              <a:rPr lang="en-GB" dirty="0">
-                <a:latin typeface="Avenir 45 Book (Body)"/>
-              </a:rPr>
-              <a:t> </a:t>
-            </a:r>
-            <a:r>
-              <a:rPr lang="en-GB" dirty="0" smtClean="0">
-                <a:latin typeface="Avenir 45 Book (Body)"/>
-              </a:rPr>
-              <a:t>Maintain a current build always available for testing, demos or deployment</a:t>
-            </a:r>
-          </a:p>
-          <a:p>
-            <a:pPr marL="0" lvl="1" indent="0">
-              <a:spcBef>
-                <a:spcPts val="1200"/>
-              </a:spcBef>
-              <a:buClrTx/>
-              <a:buFont typeface="Wingdings" panose="05000000000000000000" pitchFamily="2" charset="2"/>
-              <a:buChar char="§"/>
-            </a:pPr>
-            <a:r>
-              <a:rPr lang="en-GB" dirty="0" smtClean="0">
-                <a:latin typeface="Avenir 45 Book (Body)"/>
-              </a:rPr>
-              <a:t> Allow you to generate metrics of code quality, test coverage, etc.</a:t>
-            </a:r>
-            <a:endParaRPr lang="en-GB" dirty="0">
-              <a:latin typeface="Avenir 45 Book (Body)"/>
-            </a:endParaRPr>
-          </a:p>
-          <a:p>
-            <a:pPr lvl="0" defTabSz="914363">
-              <a:lnSpc>
-                <a:spcPct val="90000"/>
-              </a:lnSpc>
-              <a:spcBef>
-                <a:spcPts val="0"/>
-              </a:spcBef>
-              <a:spcAft>
-                <a:spcPts val="400"/>
-              </a:spcAft>
-              <a:buClr>
-                <a:schemeClr val="tx1">
-                  <a:lumMod val="75000"/>
-                  <a:lumOff val="25000"/>
-                </a:schemeClr>
-              </a:buClr>
-              <a:buSzPct val="100000"/>
-              <a:buFont typeface="Wingdings" panose="05000000000000000000" pitchFamily="2" charset="2"/>
-              <a:buChar char="ä"/>
-            </a:pPr>
-            <a:endParaRPr lang="es-AR" sz="1600" b="1" dirty="0">
-              <a:solidFill>
-                <a:srgbClr val="000000"/>
-              </a:solidFill>
-              <a:latin typeface="Avenir 45 Book (Body)"/>
-              <a:cs typeface="+mn-cs"/>
-            </a:endParaRPr>
+            <a:endParaRPr lang="es-AR" dirty="0"/>
           </a:p>
         </p:txBody>
       </p:sp>
     </p:spTree>
     <p:extLst>
       <p:ext uri="{BB962C8B-B14F-4D97-AF65-F5344CB8AC3E}">
-        <p14:creationId xmlns:p14="http://schemas.microsoft.com/office/powerpoint/2010/main" val="1925881899"/>
+        <p14:creationId xmlns:p14="http://schemas.microsoft.com/office/powerpoint/2010/main" val="689075145"/>
       </p:ext>
     </p:extLst>
   </p:cSld>
@@ -25526,7 +27064,7 @@
                   <a:schemeClr val="bg1"/>
                 </a:solidFill>
               </a:rPr>
-              <a:t>Part III: Scenes of the next episode…</a:t>
+              <a:t>Summary</a:t>
             </a:r>
             <a:endParaRPr lang="es-AR" sz="3600" dirty="0">
               <a:solidFill>
@@ -25755,14 +27293,13 @@
                 <a:spcPts val="1200"/>
               </a:spcBef>
               <a:buClrTx/>
-              <a:buFont typeface="Wingdings" panose="05000000000000000000" pitchFamily="2" charset="2"/>
-              <a:buChar char="§"/>
+              <a:buNone/>
             </a:pPr>
             <a:r>
               <a:rPr lang="en-GB" dirty="0" smtClean="0">
                 <a:latin typeface="Avenir 45 Book (Body)"/>
               </a:rPr>
-              <a:t> No, it’s over, just kidding…</a:t>
+              <a:t>These practices:</a:t>
             </a:r>
           </a:p>
           <a:p>
@@ -25771,7 +27308,119 @@
                 <a:spcPts val="1200"/>
               </a:spcBef>
               <a:buClrTx/>
-              <a:buNone/>
+              <a:buFont typeface="Wingdings" panose="05000000000000000000" pitchFamily="2" charset="2"/>
+              <a:buChar char="§"/>
+            </a:pPr>
+            <a:endParaRPr lang="en-GB" dirty="0" smtClean="0">
+              <a:latin typeface="Avenir 45 Book (Body)"/>
+            </a:endParaRPr>
+          </a:p>
+          <a:p>
+            <a:pPr marL="0" lvl="1" indent="0">
+              <a:spcBef>
+                <a:spcPts val="1200"/>
+              </a:spcBef>
+              <a:buClrTx/>
+              <a:buFont typeface="Wingdings" panose="05000000000000000000" pitchFamily="2" charset="2"/>
+              <a:buChar char="§"/>
+            </a:pPr>
+            <a:r>
+              <a:rPr lang="en-GB" dirty="0" smtClean="0">
+                <a:latin typeface="Avenir 45 Book (Body)"/>
+              </a:rPr>
+              <a:t> Make your code more maintainable</a:t>
+            </a:r>
+            <a:endParaRPr lang="en-GB" dirty="0">
+              <a:latin typeface="Avenir 45 Book (Body)"/>
+            </a:endParaRPr>
+          </a:p>
+          <a:p>
+            <a:pPr marL="0" lvl="1" indent="0">
+              <a:spcBef>
+                <a:spcPts val="1200"/>
+              </a:spcBef>
+              <a:buClrTx/>
+              <a:buFont typeface="Wingdings" panose="05000000000000000000" pitchFamily="2" charset="2"/>
+              <a:buChar char="§"/>
+            </a:pPr>
+            <a:r>
+              <a:rPr lang="en-GB" dirty="0">
+                <a:latin typeface="Avenir 45 Book (Body)"/>
+              </a:rPr>
+              <a:t> </a:t>
+            </a:r>
+            <a:r>
+              <a:rPr lang="en-GB" dirty="0" smtClean="0">
+                <a:latin typeface="Avenir 45 Book (Body)"/>
+              </a:rPr>
+              <a:t>Minimize the number of errors in the final product</a:t>
+            </a:r>
+          </a:p>
+          <a:p>
+            <a:pPr marL="0" lvl="1" indent="0">
+              <a:spcBef>
+                <a:spcPts val="1200"/>
+              </a:spcBef>
+              <a:buClrTx/>
+              <a:buFont typeface="Wingdings" panose="05000000000000000000" pitchFamily="2" charset="2"/>
+              <a:buChar char="§"/>
+            </a:pPr>
+            <a:r>
+              <a:rPr lang="en-GB" dirty="0" smtClean="0">
+                <a:latin typeface="Avenir 45 Book (Body)"/>
+              </a:rPr>
+              <a:t> Allow early detection of errors in the development environment</a:t>
+            </a:r>
+          </a:p>
+          <a:p>
+            <a:pPr marL="0" lvl="1" indent="0">
+              <a:spcBef>
+                <a:spcPts val="1200"/>
+              </a:spcBef>
+              <a:buClrTx/>
+              <a:buFont typeface="Wingdings" panose="05000000000000000000" pitchFamily="2" charset="2"/>
+              <a:buChar char="§"/>
+            </a:pPr>
+            <a:r>
+              <a:rPr lang="en-GB" dirty="0">
+                <a:latin typeface="Avenir 45 Book (Body)"/>
+              </a:rPr>
+              <a:t> </a:t>
+            </a:r>
+            <a:r>
+              <a:rPr lang="en-GB" dirty="0" smtClean="0">
+                <a:latin typeface="Avenir 45 Book (Body)"/>
+              </a:rPr>
+              <a:t>Reduce development and maintenance time over the project’s lifecycle</a:t>
+            </a:r>
+          </a:p>
+          <a:p>
+            <a:pPr marL="0" lvl="1" indent="0">
+              <a:spcBef>
+                <a:spcPts val="1200"/>
+              </a:spcBef>
+              <a:buClrTx/>
+              <a:buFont typeface="Wingdings" panose="05000000000000000000" pitchFamily="2" charset="2"/>
+              <a:buChar char="§"/>
+            </a:pPr>
+            <a:r>
+              <a:rPr lang="en-GB" b="1" dirty="0" smtClean="0">
+                <a:latin typeface="Avenir 45 Book (Body)"/>
+              </a:rPr>
+              <a:t> Improve the quality of the final product</a:t>
+            </a:r>
+            <a:endParaRPr lang="en-GB" b="1" dirty="0">
+              <a:latin typeface="Avenir 45 Book (Body)"/>
+            </a:endParaRPr>
+          </a:p>
+          <a:p>
+            <a:pPr marL="0" lvl="1" indent="0">
+              <a:spcBef>
+                <a:spcPts val="1200"/>
+              </a:spcBef>
+              <a:buClrTx/>
+              <a:buFont typeface="Wingdings" panose="05000000000000000000" pitchFamily="2" charset="2"/>
+              <a:buChar char="§"/>
             </a:pPr>
             <a:endParaRPr lang="en-GB" dirty="0">
               <a:latin typeface="Avenir 45 Book (Body)"/>
@@ -25811,6 +27460,961 @@
     </p:spTree>
     <p:extLst>
       <p:ext uri="{BB962C8B-B14F-4D97-AF65-F5344CB8AC3E}">
+        <p14:creationId xmlns:p14="http://schemas.microsoft.com/office/powerpoint/2010/main" val="3539865254"/>
+      </p:ext>
+    </p:extLst>
+  </p:cSld>
+  <p:clrMapOvr>
+    <a:masterClrMapping/>
+  </p:clrMapOvr>
+  <p:transition spd="slow">
+    <p:wipe/>
+  </p:transition>
+  <p:timing>
+    <p:tnLst>
+      <p:par>
+        <p:cTn id="1" dur="indefinite" restart="never" nodeType="tmRoot"/>
+      </p:par>
+    </p:tnLst>
+  </p:timing>
+</p:sld>
+</file>
+
+<file path=ppt/slides/slide31.xml><?xml version="1.0" encoding="utf-8"?>
+<p:sld xmlns:a="http://schemas.openxmlformats.org/drawingml/2006/main" xmlns:r="http://schemas.openxmlformats.org/officeDocument/2006/relationships" xmlns:p="http://schemas.openxmlformats.org/presentationml/2006/main">
+  <p:cSld>
+    <p:spTree>
+      <p:nvGrpSpPr>
+        <p:cNvPr id="1" name=""/>
+        <p:cNvGrpSpPr/>
+        <p:nvPr/>
+      </p:nvGrpSpPr>
+      <p:grpSpPr>
+        <a:xfrm>
+          <a:off x="0" y="0"/>
+          <a:ext cx="0" cy="0"/>
+          <a:chOff x="0" y="0"/>
+          <a:chExt cx="0" cy="0"/>
+        </a:xfrm>
+      </p:grpSpPr>
+      <p:sp>
+        <p:nvSpPr>
+          <p:cNvPr id="15" name="Rectangle 14"/>
+          <p:cNvSpPr/>
+          <p:nvPr/>
+        </p:nvSpPr>
+        <p:spPr>
+          <a:xfrm>
+            <a:off x="-13252" y="1"/>
+            <a:ext cx="12218504" cy="1016000"/>
+          </a:xfrm>
+          <a:prstGeom prst="rect">
+            <a:avLst/>
+          </a:prstGeom>
+          <a:solidFill>
+            <a:srgbClr val="FF9600"/>
+          </a:solidFill>
+          <a:ln>
+            <a:noFill/>
+          </a:ln>
+        </p:spPr>
+        <p:style>
+          <a:lnRef idx="1">
+            <a:schemeClr val="accent6"/>
+          </a:lnRef>
+          <a:fillRef idx="3">
+            <a:schemeClr val="accent6"/>
+          </a:fillRef>
+          <a:effectRef idx="2">
+            <a:schemeClr val="accent6"/>
+          </a:effectRef>
+          <a:fontRef idx="minor">
+            <a:schemeClr val="lt1"/>
+          </a:fontRef>
+        </p:style>
+        <p:txBody>
+          <a:bodyPr anchor="ctr"/>
+          <a:lstStyle/>
+          <a:p>
+            <a:pPr marL="0" marR="0" lvl="0" indent="0" algn="ctr" defTabSz="914400" eaLnBrk="1" fontAlgn="auto" latinLnBrk="0" hangingPunct="1">
+              <a:lnSpc>
+                <a:spcPct val="100000"/>
+              </a:lnSpc>
+              <a:spcBef>
+                <a:spcPts val="0"/>
+              </a:spcBef>
+              <a:spcAft>
+                <a:spcPts val="0"/>
+              </a:spcAft>
+              <a:buClrTx/>
+              <a:buSzTx/>
+              <a:buFontTx/>
+              <a:buNone/>
+              <a:tabLst/>
+              <a:defRPr/>
+            </a:pPr>
+            <a:r>
+              <a:rPr kumimoji="0" lang="es-ES_tradnl" sz="1800" b="0" i="0" u="none" strike="noStrike" kern="0" cap="none" spc="0" normalizeH="0" baseline="0" noProof="0" dirty="0" smtClean="0">
+                <a:ln>
+                  <a:noFill/>
+                </a:ln>
+                <a:solidFill>
+                  <a:srgbClr val="FFFFFF"/>
+                </a:solidFill>
+                <a:effectLst/>
+                <a:uLnTx/>
+                <a:uFillTx/>
+                <a:latin typeface="Arial"/>
+                <a:ea typeface="ＭＳ Ｐゴシック" pitchFamily="-108" charset="-128"/>
+                <a:cs typeface="+mn-cs"/>
+              </a:rPr>
+              <a:t>  </a:t>
+            </a:r>
+            <a:endParaRPr kumimoji="0" lang="es-ES_tradnl" sz="1800" b="0" i="0" u="none" strike="noStrike" kern="0" cap="none" spc="0" normalizeH="0" baseline="0" noProof="0" dirty="0">
+              <a:ln>
+                <a:noFill/>
+              </a:ln>
+              <a:solidFill>
+                <a:srgbClr val="FFFFFF"/>
+              </a:solidFill>
+              <a:effectLst/>
+              <a:uLnTx/>
+              <a:uFillTx/>
+              <a:latin typeface="Arial"/>
+              <a:ea typeface="ＭＳ Ｐゴシック" pitchFamily="-108" charset="-128"/>
+              <a:cs typeface="+mn-cs"/>
+            </a:endParaRPr>
+          </a:p>
+        </p:txBody>
+      </p:sp>
+      <p:sp>
+        <p:nvSpPr>
+          <p:cNvPr id="16" name="TextBox 15"/>
+          <p:cNvSpPr txBox="1"/>
+          <p:nvPr/>
+        </p:nvSpPr>
+        <p:spPr>
+          <a:xfrm>
+            <a:off x="515936" y="212035"/>
+            <a:ext cx="11676063" cy="553998"/>
+          </a:xfrm>
+          <a:prstGeom prst="rect">
+            <a:avLst/>
+          </a:prstGeom>
+          <a:noFill/>
+        </p:spPr>
+        <p:txBody>
+          <a:bodyPr wrap="square" lIns="0" tIns="0" rIns="0" bIns="0" rtlCol="0">
+            <a:spAutoFit/>
+          </a:bodyPr>
+          <a:lstStyle/>
+          <a:p>
+            <a:r>
+              <a:rPr lang="en-US" sz="3600" dirty="0" smtClean="0">
+                <a:solidFill>
+                  <a:schemeClr val="bg1"/>
+                </a:solidFill>
+              </a:rPr>
+              <a:t>Summary</a:t>
+            </a:r>
+            <a:endParaRPr lang="es-AR" sz="3600" dirty="0">
+              <a:solidFill>
+                <a:schemeClr val="bg1"/>
+              </a:solidFill>
+            </a:endParaRPr>
+          </a:p>
+        </p:txBody>
+      </p:sp>
+      <p:sp>
+        <p:nvSpPr>
+          <p:cNvPr id="6" name="Content Placeholder 2"/>
+          <p:cNvSpPr txBox="1">
+            <a:spLocks/>
+          </p:cNvSpPr>
+          <p:nvPr/>
+        </p:nvSpPr>
+        <p:spPr>
+          <a:xfrm>
+            <a:off x="476534" y="1312325"/>
+            <a:ext cx="10987585" cy="4329621"/>
+          </a:xfrm>
+          <a:prstGeom prst="rect">
+            <a:avLst/>
+          </a:prstGeom>
+        </p:spPr>
+        <p:txBody>
+          <a:bodyPr vert="horz" lIns="91440" tIns="45720" rIns="91440" bIns="45720" rtlCol="0">
+            <a:noAutofit/>
+          </a:bodyPr>
+          <a:lstStyle>
+            <a:lvl1pPr marL="273050" marR="0" indent="-273050" algn="l" defTabSz="914400" rtl="0" eaLnBrk="1" fontAlgn="auto" latinLnBrk="0" hangingPunct="1">
+              <a:lnSpc>
+                <a:spcPct val="100000"/>
+              </a:lnSpc>
+              <a:spcBef>
+                <a:spcPts val="1200"/>
+              </a:spcBef>
+              <a:spcAft>
+                <a:spcPts val="0"/>
+              </a:spcAft>
+              <a:buClr>
+                <a:srgbClr val="DA1218"/>
+              </a:buClr>
+              <a:buSzTx/>
+              <a:buFont typeface="Wingdings" pitchFamily="2" charset="2"/>
+              <a:buChar char="§"/>
+              <a:tabLst/>
+              <a:defRPr lang="en-US" sz="2400" kern="1200">
+                <a:solidFill>
+                  <a:schemeClr val="tx1"/>
+                </a:solidFill>
+                <a:latin typeface="Arial" pitchFamily="34" charset="0"/>
+                <a:ea typeface="+mn-ea"/>
+                <a:cs typeface="Arial" pitchFamily="34" charset="0"/>
+              </a:defRPr>
+            </a:lvl1pPr>
+            <a:lvl2pPr marL="628650" marR="0" indent="-355600" algn="l" defTabSz="914400" rtl="0" eaLnBrk="1" fontAlgn="auto" latinLnBrk="0" hangingPunct="1">
+              <a:lnSpc>
+                <a:spcPct val="100000"/>
+              </a:lnSpc>
+              <a:spcBef>
+                <a:spcPct val="20000"/>
+              </a:spcBef>
+              <a:spcAft>
+                <a:spcPts val="0"/>
+              </a:spcAft>
+              <a:buClr>
+                <a:srgbClr val="DA1218"/>
+              </a:buClr>
+              <a:buSzTx/>
+              <a:buFont typeface="Wingdings" pitchFamily="2" charset="2"/>
+              <a:buChar char=""/>
+              <a:tabLst/>
+              <a:defRPr lang="en-US" sz="2000" kern="1200">
+                <a:solidFill>
+                  <a:schemeClr val="tx1"/>
+                </a:solidFill>
+                <a:latin typeface="Arial" pitchFamily="34" charset="0"/>
+                <a:ea typeface="+mn-ea"/>
+                <a:cs typeface="Arial" pitchFamily="34" charset="0"/>
+              </a:defRPr>
+            </a:lvl2pPr>
+            <a:lvl3pPr marL="903288" marR="0" indent="-274638" algn="l" defTabSz="914400" rtl="0" eaLnBrk="1" fontAlgn="auto" latinLnBrk="0" hangingPunct="1">
+              <a:lnSpc>
+                <a:spcPct val="100000"/>
+              </a:lnSpc>
+              <a:spcBef>
+                <a:spcPct val="20000"/>
+              </a:spcBef>
+              <a:spcAft>
+                <a:spcPts val="0"/>
+              </a:spcAft>
+              <a:buClr>
+                <a:srgbClr val="DA1218"/>
+              </a:buClr>
+              <a:buSzTx/>
+              <a:buFont typeface="Wingdings" pitchFamily="2" charset="2"/>
+              <a:buChar char="ü"/>
+              <a:tabLst/>
+              <a:defRPr lang="en-US" sz="1800" kern="1200">
+                <a:solidFill>
+                  <a:schemeClr val="tx1"/>
+                </a:solidFill>
+                <a:latin typeface="Arial" pitchFamily="34" charset="0"/>
+                <a:ea typeface="+mn-ea"/>
+                <a:cs typeface="Arial" pitchFamily="34" charset="0"/>
+              </a:defRPr>
+            </a:lvl3pPr>
+            <a:lvl4pPr marL="1081088" marR="0" indent="-177800" algn="l" defTabSz="914400" rtl="0" eaLnBrk="1" fontAlgn="auto" latinLnBrk="0" hangingPunct="1">
+              <a:lnSpc>
+                <a:spcPct val="100000"/>
+              </a:lnSpc>
+              <a:spcBef>
+                <a:spcPct val="20000"/>
+              </a:spcBef>
+              <a:spcAft>
+                <a:spcPts val="0"/>
+              </a:spcAft>
+              <a:buClr>
+                <a:srgbClr val="DA1218"/>
+              </a:buClr>
+              <a:buSzTx/>
+              <a:buFont typeface="Arial" pitchFamily="34" charset="0"/>
+              <a:buChar char="•"/>
+              <a:tabLst/>
+              <a:defRPr lang="en-US" sz="1600" kern="1200">
+                <a:solidFill>
+                  <a:schemeClr val="tx1"/>
+                </a:solidFill>
+                <a:latin typeface="Arial" pitchFamily="34" charset="0"/>
+                <a:ea typeface="+mn-ea"/>
+                <a:cs typeface="Arial" pitchFamily="34" charset="0"/>
+              </a:defRPr>
+            </a:lvl4pPr>
+            <a:lvl5pPr marL="1258888" marR="0" indent="-177800" algn="l" defTabSz="914400" rtl="0" eaLnBrk="1" fontAlgn="auto" latinLnBrk="0" hangingPunct="1">
+              <a:lnSpc>
+                <a:spcPct val="100000"/>
+              </a:lnSpc>
+              <a:spcBef>
+                <a:spcPct val="20000"/>
+              </a:spcBef>
+              <a:spcAft>
+                <a:spcPts val="0"/>
+              </a:spcAft>
+              <a:buClr>
+                <a:srgbClr val="DA1218"/>
+              </a:buClr>
+              <a:buSzPct val="100000"/>
+              <a:buFont typeface="Courier New" pitchFamily="49" charset="0"/>
+              <a:buChar char="o"/>
+              <a:tabLst/>
+              <a:defRPr lang="es-AR" sz="1400" kern="1200">
+                <a:solidFill>
+                  <a:schemeClr val="tx1"/>
+                </a:solidFill>
+                <a:latin typeface="Arial" pitchFamily="34" charset="0"/>
+                <a:ea typeface="+mn-ea"/>
+                <a:cs typeface="Arial" pitchFamily="34" charset="0"/>
+              </a:defRPr>
+            </a:lvl5pPr>
+            <a:lvl6pPr marL="2514600" indent="-228600" algn="l" defTabSz="914400" rtl="0" eaLnBrk="1" latinLnBrk="0" hangingPunct="1">
+              <a:spcBef>
+                <a:spcPct val="20000"/>
+              </a:spcBef>
+              <a:buFont typeface="Arial" pitchFamily="34" charset="0"/>
+              <a:buChar char="•"/>
+              <a:defRPr sz="2000" kern="1200">
+                <a:solidFill>
+                  <a:schemeClr val="tx1"/>
+                </a:solidFill>
+                <a:latin typeface="+mn-lt"/>
+                <a:ea typeface="+mn-ea"/>
+                <a:cs typeface="+mn-cs"/>
+              </a:defRPr>
+            </a:lvl6pPr>
+            <a:lvl7pPr marL="2971800" indent="-228600" algn="l" defTabSz="914400" rtl="0" eaLnBrk="1" latinLnBrk="0" hangingPunct="1">
+              <a:spcBef>
+                <a:spcPct val="20000"/>
+              </a:spcBef>
+              <a:buFont typeface="Arial" pitchFamily="34" charset="0"/>
+              <a:buChar char="•"/>
+              <a:defRPr sz="2000" kern="1200">
+                <a:solidFill>
+                  <a:schemeClr val="tx1"/>
+                </a:solidFill>
+                <a:latin typeface="+mn-lt"/>
+                <a:ea typeface="+mn-ea"/>
+                <a:cs typeface="+mn-cs"/>
+              </a:defRPr>
+            </a:lvl7pPr>
+            <a:lvl8pPr marL="3429000" indent="-228600" algn="l" defTabSz="914400" rtl="0" eaLnBrk="1" latinLnBrk="0" hangingPunct="1">
+              <a:spcBef>
+                <a:spcPct val="20000"/>
+              </a:spcBef>
+              <a:buFont typeface="Arial" pitchFamily="34" charset="0"/>
+              <a:buChar char="•"/>
+              <a:defRPr sz="2000" kern="1200">
+                <a:solidFill>
+                  <a:schemeClr val="tx1"/>
+                </a:solidFill>
+                <a:latin typeface="+mn-lt"/>
+                <a:ea typeface="+mn-ea"/>
+                <a:cs typeface="+mn-cs"/>
+              </a:defRPr>
+            </a:lvl8pPr>
+            <a:lvl9pPr marL="3886200" indent="-228600" algn="l" defTabSz="914400" rtl="0" eaLnBrk="1" latinLnBrk="0" hangingPunct="1">
+              <a:spcBef>
+                <a:spcPct val="20000"/>
+              </a:spcBef>
+              <a:buFont typeface="Arial" pitchFamily="34" charset="0"/>
+              <a:buChar char="•"/>
+              <a:defRPr sz="2000" kern="1200">
+                <a:solidFill>
+                  <a:schemeClr val="tx1"/>
+                </a:solidFill>
+                <a:latin typeface="+mn-lt"/>
+                <a:ea typeface="+mn-ea"/>
+                <a:cs typeface="+mn-cs"/>
+              </a:defRPr>
+            </a:lvl9pPr>
+          </a:lstStyle>
+          <a:p>
+            <a:pPr marL="0" lvl="1" indent="0">
+              <a:spcBef>
+                <a:spcPts val="1200"/>
+              </a:spcBef>
+              <a:buClrTx/>
+              <a:buNone/>
+            </a:pPr>
+            <a:r>
+              <a:rPr lang="en-US" dirty="0" smtClean="0">
+                <a:latin typeface="Avenir 45 Book (Body)"/>
+              </a:rPr>
+              <a:t>These </a:t>
+            </a:r>
+            <a:r>
+              <a:rPr lang="en-US" dirty="0">
+                <a:latin typeface="Avenir 45 Book (Body)"/>
+              </a:rPr>
+              <a:t>practices </a:t>
+            </a:r>
+            <a:r>
+              <a:rPr lang="en-US" dirty="0" smtClean="0">
+                <a:latin typeface="Avenir 45 Book (Body)"/>
+              </a:rPr>
+              <a:t>will also</a:t>
+            </a:r>
+            <a:r>
+              <a:rPr lang="en-GB" dirty="0" smtClean="0">
+                <a:latin typeface="Avenir 45 Book (Body)"/>
+              </a:rPr>
+              <a:t>:</a:t>
+            </a:r>
+          </a:p>
+          <a:p>
+            <a:pPr marL="0" lvl="1" indent="0">
+              <a:spcBef>
+                <a:spcPts val="1200"/>
+              </a:spcBef>
+              <a:buClrTx/>
+              <a:buFont typeface="Wingdings" panose="05000000000000000000" pitchFamily="2" charset="2"/>
+              <a:buChar char="§"/>
+            </a:pPr>
+            <a:endParaRPr lang="en-GB" dirty="0" smtClean="0">
+              <a:latin typeface="Avenir 45 Book (Body)"/>
+            </a:endParaRPr>
+          </a:p>
+          <a:p>
+            <a:pPr marL="0" lvl="1" indent="0">
+              <a:spcBef>
+                <a:spcPts val="1200"/>
+              </a:spcBef>
+              <a:buClrTx/>
+              <a:buFont typeface="Wingdings" panose="05000000000000000000" pitchFamily="2" charset="2"/>
+              <a:buChar char="§"/>
+            </a:pPr>
+            <a:r>
+              <a:rPr lang="en-GB" dirty="0" smtClean="0">
+                <a:latin typeface="Avenir 45 Book (Body)"/>
+              </a:rPr>
+              <a:t> Improve the development team’s internal organization</a:t>
+            </a:r>
+          </a:p>
+          <a:p>
+            <a:pPr marL="0" lvl="1" indent="0">
+              <a:spcBef>
+                <a:spcPts val="1200"/>
+              </a:spcBef>
+              <a:buClrTx/>
+              <a:buFont typeface="Wingdings" panose="05000000000000000000" pitchFamily="2" charset="2"/>
+              <a:buChar char="§"/>
+            </a:pPr>
+            <a:r>
+              <a:rPr lang="en-GB" dirty="0">
+                <a:latin typeface="Avenir 45 Book (Body)"/>
+              </a:rPr>
+              <a:t> </a:t>
+            </a:r>
+            <a:r>
+              <a:rPr lang="en-GB" dirty="0" smtClean="0">
+                <a:latin typeface="Avenir 45 Book (Body)"/>
+              </a:rPr>
+              <a:t>Maintain a current build always available for testing, demos or deployment</a:t>
+            </a:r>
+          </a:p>
+          <a:p>
+            <a:pPr marL="0" lvl="1" indent="0">
+              <a:spcBef>
+                <a:spcPts val="1200"/>
+              </a:spcBef>
+              <a:buClrTx/>
+              <a:buFont typeface="Wingdings" panose="05000000000000000000" pitchFamily="2" charset="2"/>
+              <a:buChar char="§"/>
+            </a:pPr>
+            <a:r>
+              <a:rPr lang="en-GB" dirty="0" smtClean="0">
+                <a:latin typeface="Avenir 45 Book (Body)"/>
+              </a:rPr>
+              <a:t> Allow you to generate metrics of code quality, test coverage, etc.</a:t>
+            </a:r>
+            <a:endParaRPr lang="en-GB" dirty="0">
+              <a:latin typeface="Avenir 45 Book (Body)"/>
+            </a:endParaRPr>
+          </a:p>
+          <a:p>
+            <a:pPr lvl="0" defTabSz="914363">
+              <a:lnSpc>
+                <a:spcPct val="90000"/>
+              </a:lnSpc>
+              <a:spcBef>
+                <a:spcPts val="0"/>
+              </a:spcBef>
+              <a:spcAft>
+                <a:spcPts val="400"/>
+              </a:spcAft>
+              <a:buClr>
+                <a:schemeClr val="tx1">
+                  <a:lumMod val="75000"/>
+                  <a:lumOff val="25000"/>
+                </a:schemeClr>
+              </a:buClr>
+              <a:buSzPct val="100000"/>
+              <a:buFont typeface="Wingdings" panose="05000000000000000000" pitchFamily="2" charset="2"/>
+              <a:buChar char="ä"/>
+            </a:pPr>
+            <a:endParaRPr lang="es-AR" sz="1600" b="1" dirty="0">
+              <a:solidFill>
+                <a:srgbClr val="000000"/>
+              </a:solidFill>
+              <a:latin typeface="Avenir 45 Book (Body)"/>
+              <a:cs typeface="+mn-cs"/>
+            </a:endParaRPr>
+          </a:p>
+        </p:txBody>
+      </p:sp>
+    </p:spTree>
+    <p:extLst>
+      <p:ext uri="{BB962C8B-B14F-4D97-AF65-F5344CB8AC3E}">
+        <p14:creationId xmlns:p14="http://schemas.microsoft.com/office/powerpoint/2010/main" val="1925881899"/>
+      </p:ext>
+    </p:extLst>
+  </p:cSld>
+  <p:clrMapOvr>
+    <a:masterClrMapping/>
+  </p:clrMapOvr>
+  <p:transition spd="slow">
+    <p:wipe/>
+  </p:transition>
+  <p:timing>
+    <p:tnLst>
+      <p:par>
+        <p:cTn id="1" dur="indefinite" restart="never" nodeType="tmRoot"/>
+      </p:par>
+    </p:tnLst>
+  </p:timing>
+</p:sld>
+</file>
+
+<file path=ppt/slides/slide32.xml><?xml version="1.0" encoding="utf-8"?>
+<p:sld xmlns:a="http://schemas.openxmlformats.org/drawingml/2006/main" xmlns:r="http://schemas.openxmlformats.org/officeDocument/2006/relationships" xmlns:p="http://schemas.openxmlformats.org/presentationml/2006/main">
+  <p:cSld>
+    <p:spTree>
+      <p:nvGrpSpPr>
+        <p:cNvPr id="1" name=""/>
+        <p:cNvGrpSpPr/>
+        <p:nvPr/>
+      </p:nvGrpSpPr>
+      <p:grpSpPr>
+        <a:xfrm>
+          <a:off x="0" y="0"/>
+          <a:ext cx="0" cy="0"/>
+          <a:chOff x="0" y="0"/>
+          <a:chExt cx="0" cy="0"/>
+        </a:xfrm>
+      </p:grpSpPr>
+      <p:sp>
+        <p:nvSpPr>
+          <p:cNvPr id="15" name="Rectangle 14"/>
+          <p:cNvSpPr/>
+          <p:nvPr/>
+        </p:nvSpPr>
+        <p:spPr>
+          <a:xfrm>
+            <a:off x="-13252" y="1"/>
+            <a:ext cx="12218504" cy="1016000"/>
+          </a:xfrm>
+          <a:prstGeom prst="rect">
+            <a:avLst/>
+          </a:prstGeom>
+          <a:solidFill>
+            <a:srgbClr val="FF9600"/>
+          </a:solidFill>
+          <a:ln>
+            <a:noFill/>
+          </a:ln>
+        </p:spPr>
+        <p:style>
+          <a:lnRef idx="1">
+            <a:schemeClr val="accent6"/>
+          </a:lnRef>
+          <a:fillRef idx="3">
+            <a:schemeClr val="accent6"/>
+          </a:fillRef>
+          <a:effectRef idx="2">
+            <a:schemeClr val="accent6"/>
+          </a:effectRef>
+          <a:fontRef idx="minor">
+            <a:schemeClr val="lt1"/>
+          </a:fontRef>
+        </p:style>
+        <p:txBody>
+          <a:bodyPr anchor="ctr"/>
+          <a:lstStyle/>
+          <a:p>
+            <a:pPr marL="0" marR="0" lvl="0" indent="0" algn="ctr" defTabSz="914400" eaLnBrk="1" fontAlgn="auto" latinLnBrk="0" hangingPunct="1">
+              <a:lnSpc>
+                <a:spcPct val="100000"/>
+              </a:lnSpc>
+              <a:spcBef>
+                <a:spcPts val="0"/>
+              </a:spcBef>
+              <a:spcAft>
+                <a:spcPts val="0"/>
+              </a:spcAft>
+              <a:buClrTx/>
+              <a:buSzTx/>
+              <a:buFontTx/>
+              <a:buNone/>
+              <a:tabLst/>
+              <a:defRPr/>
+            </a:pPr>
+            <a:r>
+              <a:rPr kumimoji="0" lang="es-ES_tradnl" sz="1800" b="0" i="0" u="none" strike="noStrike" kern="0" cap="none" spc="0" normalizeH="0" baseline="0" noProof="0" dirty="0" smtClean="0">
+                <a:ln>
+                  <a:noFill/>
+                </a:ln>
+                <a:solidFill>
+                  <a:srgbClr val="FFFFFF"/>
+                </a:solidFill>
+                <a:effectLst/>
+                <a:uLnTx/>
+                <a:uFillTx/>
+                <a:latin typeface="Arial"/>
+                <a:ea typeface="ＭＳ Ｐゴシック" pitchFamily="-108" charset="-128"/>
+                <a:cs typeface="+mn-cs"/>
+              </a:rPr>
+              <a:t>  </a:t>
+            </a:r>
+            <a:endParaRPr kumimoji="0" lang="es-ES_tradnl" sz="1800" b="0" i="0" u="none" strike="noStrike" kern="0" cap="none" spc="0" normalizeH="0" baseline="0" noProof="0" dirty="0">
+              <a:ln>
+                <a:noFill/>
+              </a:ln>
+              <a:solidFill>
+                <a:srgbClr val="FFFFFF"/>
+              </a:solidFill>
+              <a:effectLst/>
+              <a:uLnTx/>
+              <a:uFillTx/>
+              <a:latin typeface="Arial"/>
+              <a:ea typeface="ＭＳ Ｐゴシック" pitchFamily="-108" charset="-128"/>
+              <a:cs typeface="+mn-cs"/>
+            </a:endParaRPr>
+          </a:p>
+        </p:txBody>
+      </p:sp>
+      <p:sp>
+        <p:nvSpPr>
+          <p:cNvPr id="16" name="TextBox 15"/>
+          <p:cNvSpPr txBox="1"/>
+          <p:nvPr/>
+        </p:nvSpPr>
+        <p:spPr>
+          <a:xfrm>
+            <a:off x="515936" y="212035"/>
+            <a:ext cx="11676063" cy="553998"/>
+          </a:xfrm>
+          <a:prstGeom prst="rect">
+            <a:avLst/>
+          </a:prstGeom>
+          <a:noFill/>
+        </p:spPr>
+        <p:txBody>
+          <a:bodyPr wrap="square" lIns="0" tIns="0" rIns="0" bIns="0" rtlCol="0">
+            <a:spAutoFit/>
+          </a:bodyPr>
+          <a:lstStyle/>
+          <a:p>
+            <a:r>
+              <a:rPr lang="en-US" sz="3600" dirty="0" smtClean="0">
+                <a:solidFill>
+                  <a:schemeClr val="bg1"/>
+                </a:solidFill>
+              </a:rPr>
+              <a:t>Part III: Scenes of the next episode…</a:t>
+            </a:r>
+            <a:endParaRPr lang="es-AR" sz="3600" dirty="0">
+              <a:solidFill>
+                <a:schemeClr val="bg1"/>
+              </a:solidFill>
+            </a:endParaRPr>
+          </a:p>
+        </p:txBody>
+      </p:sp>
+      <p:sp>
+        <p:nvSpPr>
+          <p:cNvPr id="6" name="Content Placeholder 2"/>
+          <p:cNvSpPr txBox="1">
+            <a:spLocks/>
+          </p:cNvSpPr>
+          <p:nvPr/>
+        </p:nvSpPr>
+        <p:spPr>
+          <a:xfrm>
+            <a:off x="476534" y="1312325"/>
+            <a:ext cx="10987585" cy="4329621"/>
+          </a:xfrm>
+          <a:prstGeom prst="rect">
+            <a:avLst/>
+          </a:prstGeom>
+        </p:spPr>
+        <p:txBody>
+          <a:bodyPr vert="horz" lIns="91440" tIns="45720" rIns="91440" bIns="45720" rtlCol="0">
+            <a:noAutofit/>
+          </a:bodyPr>
+          <a:lstStyle>
+            <a:lvl1pPr marL="273050" marR="0" indent="-273050" algn="l" defTabSz="914400" rtl="0" eaLnBrk="1" fontAlgn="auto" latinLnBrk="0" hangingPunct="1">
+              <a:lnSpc>
+                <a:spcPct val="100000"/>
+              </a:lnSpc>
+              <a:spcBef>
+                <a:spcPts val="1200"/>
+              </a:spcBef>
+              <a:spcAft>
+                <a:spcPts val="0"/>
+              </a:spcAft>
+              <a:buClr>
+                <a:srgbClr val="DA1218"/>
+              </a:buClr>
+              <a:buSzTx/>
+              <a:buFont typeface="Wingdings" pitchFamily="2" charset="2"/>
+              <a:buChar char="§"/>
+              <a:tabLst/>
+              <a:defRPr lang="en-US" sz="2400" kern="1200">
+                <a:solidFill>
+                  <a:schemeClr val="tx1"/>
+                </a:solidFill>
+                <a:latin typeface="Arial" pitchFamily="34" charset="0"/>
+                <a:ea typeface="+mn-ea"/>
+                <a:cs typeface="Arial" pitchFamily="34" charset="0"/>
+              </a:defRPr>
+            </a:lvl1pPr>
+            <a:lvl2pPr marL="628650" marR="0" indent="-355600" algn="l" defTabSz="914400" rtl="0" eaLnBrk="1" fontAlgn="auto" latinLnBrk="0" hangingPunct="1">
+              <a:lnSpc>
+                <a:spcPct val="100000"/>
+              </a:lnSpc>
+              <a:spcBef>
+                <a:spcPct val="20000"/>
+              </a:spcBef>
+              <a:spcAft>
+                <a:spcPts val="0"/>
+              </a:spcAft>
+              <a:buClr>
+                <a:srgbClr val="DA1218"/>
+              </a:buClr>
+              <a:buSzTx/>
+              <a:buFont typeface="Wingdings" pitchFamily="2" charset="2"/>
+              <a:buChar char=""/>
+              <a:tabLst/>
+              <a:defRPr lang="en-US" sz="2000" kern="1200">
+                <a:solidFill>
+                  <a:schemeClr val="tx1"/>
+                </a:solidFill>
+                <a:latin typeface="Arial" pitchFamily="34" charset="0"/>
+                <a:ea typeface="+mn-ea"/>
+                <a:cs typeface="Arial" pitchFamily="34" charset="0"/>
+              </a:defRPr>
+            </a:lvl2pPr>
+            <a:lvl3pPr marL="903288" marR="0" indent="-274638" algn="l" defTabSz="914400" rtl="0" eaLnBrk="1" fontAlgn="auto" latinLnBrk="0" hangingPunct="1">
+              <a:lnSpc>
+                <a:spcPct val="100000"/>
+              </a:lnSpc>
+              <a:spcBef>
+                <a:spcPct val="20000"/>
+              </a:spcBef>
+              <a:spcAft>
+                <a:spcPts val="0"/>
+              </a:spcAft>
+              <a:buClr>
+                <a:srgbClr val="DA1218"/>
+              </a:buClr>
+              <a:buSzTx/>
+              <a:buFont typeface="Wingdings" pitchFamily="2" charset="2"/>
+              <a:buChar char="ü"/>
+              <a:tabLst/>
+              <a:defRPr lang="en-US" sz="1800" kern="1200">
+                <a:solidFill>
+                  <a:schemeClr val="tx1"/>
+                </a:solidFill>
+                <a:latin typeface="Arial" pitchFamily="34" charset="0"/>
+                <a:ea typeface="+mn-ea"/>
+                <a:cs typeface="Arial" pitchFamily="34" charset="0"/>
+              </a:defRPr>
+            </a:lvl3pPr>
+            <a:lvl4pPr marL="1081088" marR="0" indent="-177800" algn="l" defTabSz="914400" rtl="0" eaLnBrk="1" fontAlgn="auto" latinLnBrk="0" hangingPunct="1">
+              <a:lnSpc>
+                <a:spcPct val="100000"/>
+              </a:lnSpc>
+              <a:spcBef>
+                <a:spcPct val="20000"/>
+              </a:spcBef>
+              <a:spcAft>
+                <a:spcPts val="0"/>
+              </a:spcAft>
+              <a:buClr>
+                <a:srgbClr val="DA1218"/>
+              </a:buClr>
+              <a:buSzTx/>
+              <a:buFont typeface="Arial" pitchFamily="34" charset="0"/>
+              <a:buChar char="•"/>
+              <a:tabLst/>
+              <a:defRPr lang="en-US" sz="1600" kern="1200">
+                <a:solidFill>
+                  <a:schemeClr val="tx1"/>
+                </a:solidFill>
+                <a:latin typeface="Arial" pitchFamily="34" charset="0"/>
+                <a:ea typeface="+mn-ea"/>
+                <a:cs typeface="Arial" pitchFamily="34" charset="0"/>
+              </a:defRPr>
+            </a:lvl4pPr>
+            <a:lvl5pPr marL="1258888" marR="0" indent="-177800" algn="l" defTabSz="914400" rtl="0" eaLnBrk="1" fontAlgn="auto" latinLnBrk="0" hangingPunct="1">
+              <a:lnSpc>
+                <a:spcPct val="100000"/>
+              </a:lnSpc>
+              <a:spcBef>
+                <a:spcPct val="20000"/>
+              </a:spcBef>
+              <a:spcAft>
+                <a:spcPts val="0"/>
+              </a:spcAft>
+              <a:buClr>
+                <a:srgbClr val="DA1218"/>
+              </a:buClr>
+              <a:buSzPct val="100000"/>
+              <a:buFont typeface="Courier New" pitchFamily="49" charset="0"/>
+              <a:buChar char="o"/>
+              <a:tabLst/>
+              <a:defRPr lang="es-AR" sz="1400" kern="1200">
+                <a:solidFill>
+                  <a:schemeClr val="tx1"/>
+                </a:solidFill>
+                <a:latin typeface="Arial" pitchFamily="34" charset="0"/>
+                <a:ea typeface="+mn-ea"/>
+                <a:cs typeface="Arial" pitchFamily="34" charset="0"/>
+              </a:defRPr>
+            </a:lvl5pPr>
+            <a:lvl6pPr marL="2514600" indent="-228600" algn="l" defTabSz="914400" rtl="0" eaLnBrk="1" latinLnBrk="0" hangingPunct="1">
+              <a:spcBef>
+                <a:spcPct val="20000"/>
+              </a:spcBef>
+              <a:buFont typeface="Arial" pitchFamily="34" charset="0"/>
+              <a:buChar char="•"/>
+              <a:defRPr sz="2000" kern="1200">
+                <a:solidFill>
+                  <a:schemeClr val="tx1"/>
+                </a:solidFill>
+                <a:latin typeface="+mn-lt"/>
+                <a:ea typeface="+mn-ea"/>
+                <a:cs typeface="+mn-cs"/>
+              </a:defRPr>
+            </a:lvl6pPr>
+            <a:lvl7pPr marL="2971800" indent="-228600" algn="l" defTabSz="914400" rtl="0" eaLnBrk="1" latinLnBrk="0" hangingPunct="1">
+              <a:spcBef>
+                <a:spcPct val="20000"/>
+              </a:spcBef>
+              <a:buFont typeface="Arial" pitchFamily="34" charset="0"/>
+              <a:buChar char="•"/>
+              <a:defRPr sz="2000" kern="1200">
+                <a:solidFill>
+                  <a:schemeClr val="tx1"/>
+                </a:solidFill>
+                <a:latin typeface="+mn-lt"/>
+                <a:ea typeface="+mn-ea"/>
+                <a:cs typeface="+mn-cs"/>
+              </a:defRPr>
+            </a:lvl7pPr>
+            <a:lvl8pPr marL="3429000" indent="-228600" algn="l" defTabSz="914400" rtl="0" eaLnBrk="1" latinLnBrk="0" hangingPunct="1">
+              <a:spcBef>
+                <a:spcPct val="20000"/>
+              </a:spcBef>
+              <a:buFont typeface="Arial" pitchFamily="34" charset="0"/>
+              <a:buChar char="•"/>
+              <a:defRPr sz="2000" kern="1200">
+                <a:solidFill>
+                  <a:schemeClr val="tx1"/>
+                </a:solidFill>
+                <a:latin typeface="+mn-lt"/>
+                <a:ea typeface="+mn-ea"/>
+                <a:cs typeface="+mn-cs"/>
+              </a:defRPr>
+            </a:lvl8pPr>
+            <a:lvl9pPr marL="3886200" indent="-228600" algn="l" defTabSz="914400" rtl="0" eaLnBrk="1" latinLnBrk="0" hangingPunct="1">
+              <a:spcBef>
+                <a:spcPct val="20000"/>
+              </a:spcBef>
+              <a:buFont typeface="Arial" pitchFamily="34" charset="0"/>
+              <a:buChar char="•"/>
+              <a:defRPr sz="2000" kern="1200">
+                <a:solidFill>
+                  <a:schemeClr val="tx1"/>
+                </a:solidFill>
+                <a:latin typeface="+mn-lt"/>
+                <a:ea typeface="+mn-ea"/>
+                <a:cs typeface="+mn-cs"/>
+              </a:defRPr>
+            </a:lvl9pPr>
+          </a:lstStyle>
+          <a:p>
+            <a:pPr marL="0" lvl="1" indent="0">
+              <a:spcBef>
+                <a:spcPts val="1200"/>
+              </a:spcBef>
+              <a:buClrTx/>
+              <a:buFont typeface="Wingdings" panose="05000000000000000000" pitchFamily="2" charset="2"/>
+              <a:buChar char="§"/>
+            </a:pPr>
+            <a:r>
+              <a:rPr lang="en-GB" dirty="0" smtClean="0">
+                <a:latin typeface="Avenir 45 Book (Body)"/>
+              </a:rPr>
+              <a:t> No, it’s over, just kidding…</a:t>
+            </a:r>
+          </a:p>
+          <a:p>
+            <a:pPr marL="0" lvl="1" indent="0">
+              <a:spcBef>
+                <a:spcPts val="1200"/>
+              </a:spcBef>
+              <a:buClrTx/>
+              <a:buNone/>
+            </a:pPr>
+            <a:endParaRPr lang="en-GB" dirty="0">
+              <a:latin typeface="Avenir 45 Book (Body)"/>
+            </a:endParaRPr>
+          </a:p>
+          <a:p>
+            <a:pPr lvl="0" defTabSz="914363">
+              <a:lnSpc>
+                <a:spcPct val="90000"/>
+              </a:lnSpc>
+              <a:spcBef>
+                <a:spcPts val="0"/>
+              </a:spcBef>
+              <a:spcAft>
+                <a:spcPts val="400"/>
+              </a:spcAft>
+              <a:buClr>
+                <a:schemeClr val="tx1">
+                  <a:lumMod val="75000"/>
+                  <a:lumOff val="25000"/>
+                </a:schemeClr>
+              </a:buClr>
+              <a:buSzPct val="100000"/>
+              <a:buFont typeface="Wingdings" panose="05000000000000000000" pitchFamily="2" charset="2"/>
+              <a:buChar char="ä"/>
+            </a:pPr>
+            <a:endParaRPr lang="es-AR" sz="1600" b="1" dirty="0">
+              <a:solidFill>
+                <a:srgbClr val="000000"/>
+              </a:solidFill>
+              <a:latin typeface="Avenir 45 Book (Body)"/>
+              <a:cs typeface="+mn-cs"/>
+            </a:endParaRPr>
+          </a:p>
+        </p:txBody>
+      </p:sp>
+    </p:spTree>
+    <p:extLst>
+      <p:ext uri="{BB962C8B-B14F-4D97-AF65-F5344CB8AC3E}">
         <p14:creationId xmlns:p14="http://schemas.microsoft.com/office/powerpoint/2010/main" val="2265722533"/>
       </p:ext>
     </p:extLst>
@@ -25831,7 +28435,7 @@
 </p:sld>
 </file>
 
-<file path=ppt/slides/slide31.xml><?xml version="1.0" encoding="utf-8"?>
+<file path=ppt/slides/slide33.xml><?xml version="1.0" encoding="utf-8"?>
 <p:sld xmlns:a="http://schemas.openxmlformats.org/drawingml/2006/main" xmlns:r="http://schemas.openxmlformats.org/officeDocument/2006/relationships" xmlns:p="http://schemas.openxmlformats.org/presentationml/2006/main">
   <p:cSld>
     <p:spTree>

--- a/DesigningTestableApplications - Part II - DB Integration & Legacy Code.pptx
+++ b/DesigningTestableApplications - Part II - DB Integration & Legacy Code.pptx
@@ -257,7 +257,7 @@
           <a:p>
             <a:fld id="{D63D5444-F62C-42C3-A75A-D9DBA807730F}" type="datetimeFigureOut">
               <a:rPr lang="en-US" smtClean="0"/>
-              <a:t>9/15/2015</a:t>
+              <a:t>10/20/2015</a:t>
             </a:fld>
             <a:endParaRPr lang="en-US"/>
           </a:p>
@@ -422,7 +422,7 @@
           <a:p>
             <a:fld id="{12CAA1FA-7B6A-47D2-8D61-F225D71B51FF}" type="datetimeFigureOut">
               <a:rPr lang="en-US" smtClean="0"/>
-              <a:t>9/15/2015</a:t>
+              <a:t>10/20/2015</a:t>
             </a:fld>
             <a:endParaRPr lang="en-US"/>
           </a:p>
@@ -17222,7 +17222,7 @@
         <p:spPr>
           <a:xfrm>
             <a:off x="476534" y="1394213"/>
-            <a:ext cx="11151359" cy="4329621"/>
+            <a:ext cx="11151359" cy="4883757"/>
           </a:xfrm>
           <a:prstGeom prst="rect">
             <a:avLst/>
@@ -17783,6 +17783,12 @@
               </a:rPr>
               <a:t>result</a:t>
             </a:r>
+            <a:r>
+              <a:rPr lang="es-AR" sz="1800" dirty="0" smtClean="0">
+                <a:latin typeface="+mn-lt"/>
+              </a:rPr>
+              <a:t>*</a:t>
+            </a:r>
             <a:endParaRPr lang="es-AR" sz="1800" dirty="0" smtClean="0">
               <a:latin typeface="+mn-lt"/>
             </a:endParaRPr>
@@ -17899,7 +17905,107 @@
               </a:rPr>
               <a:t>disposed</a:t>
             </a:r>
+            <a:endParaRPr lang="es-AR" sz="1800" dirty="0" smtClean="0">
+              <a:latin typeface="+mn-lt"/>
+            </a:endParaRPr>
+          </a:p>
+          <a:p>
+            <a:pPr marL="641350" lvl="1" indent="-285750">
+              <a:buClrTx/>
+              <a:buFont typeface="Wingdings" panose="05000000000000000000" pitchFamily="2" charset="2"/>
+              <a:buChar char="§"/>
+            </a:pPr>
             <a:endParaRPr lang="es-AR" sz="1800" dirty="0">
+              <a:latin typeface="+mn-lt"/>
+            </a:endParaRPr>
+          </a:p>
+          <a:p>
+            <a:pPr marL="355600" lvl="1" indent="0">
+              <a:buClrTx/>
+              <a:buNone/>
+            </a:pPr>
+            <a:endParaRPr lang="es-AR" sz="1800" dirty="0" smtClean="0">
+              <a:latin typeface="+mn-lt"/>
+            </a:endParaRPr>
+          </a:p>
+          <a:p>
+            <a:pPr marL="355600" lvl="1" indent="0">
+              <a:buClrTx/>
+              <a:buNone/>
+            </a:pPr>
+            <a:endParaRPr lang="es-AR" sz="1800" dirty="0">
+              <a:latin typeface="+mn-lt"/>
+            </a:endParaRPr>
+          </a:p>
+          <a:p>
+            <a:pPr marL="355600" lvl="1" indent="0">
+              <a:buClrTx/>
+              <a:buNone/>
+            </a:pPr>
+            <a:endParaRPr lang="es-AR" sz="1800" dirty="0">
+              <a:latin typeface="+mn-lt"/>
+            </a:endParaRPr>
+          </a:p>
+          <a:p>
+            <a:pPr marL="355600" lvl="1" indent="0">
+              <a:buClrTx/>
+              <a:buNone/>
+            </a:pPr>
+            <a:r>
+              <a:rPr lang="es-AR" sz="1400" dirty="0" smtClean="0">
+                <a:latin typeface="+mn-lt"/>
+              </a:rPr>
+              <a:t>(*) Be </a:t>
+            </a:r>
+            <a:r>
+              <a:rPr lang="es-AR" sz="1400" dirty="0" err="1" smtClean="0">
+                <a:latin typeface="+mn-lt"/>
+              </a:rPr>
+              <a:t>careful</a:t>
+            </a:r>
+            <a:r>
+              <a:rPr lang="es-AR" sz="1400" dirty="0" smtClean="0">
+                <a:latin typeface="+mn-lt"/>
+              </a:rPr>
+              <a:t> </a:t>
+            </a:r>
+            <a:r>
+              <a:rPr lang="es-AR" sz="1400" dirty="0" err="1" smtClean="0">
+                <a:latin typeface="+mn-lt"/>
+              </a:rPr>
+              <a:t>with</a:t>
+            </a:r>
+            <a:r>
+              <a:rPr lang="es-AR" sz="1400" dirty="0" smtClean="0">
+                <a:latin typeface="+mn-lt"/>
+              </a:rPr>
+              <a:t> </a:t>
+            </a:r>
+            <a:r>
+              <a:rPr lang="es-AR" sz="1400" dirty="0" err="1" smtClean="0">
+                <a:latin typeface="+mn-lt"/>
+              </a:rPr>
+              <a:t>identity</a:t>
+            </a:r>
+            <a:r>
+              <a:rPr lang="es-AR" sz="1400" dirty="0" smtClean="0">
+                <a:latin typeface="+mn-lt"/>
+              </a:rPr>
+              <a:t> </a:t>
+            </a:r>
+            <a:r>
+              <a:rPr lang="es-AR" sz="1400" dirty="0" err="1" smtClean="0">
+                <a:latin typeface="+mn-lt"/>
+              </a:rPr>
+              <a:t>IDs</a:t>
+            </a:r>
+            <a:r>
+              <a:rPr lang="es-AR" sz="1400" dirty="0" smtClean="0">
+                <a:latin typeface="+mn-lt"/>
+              </a:rPr>
+              <a:t>!</a:t>
+            </a:r>
+            <a:endParaRPr lang="es-AR" sz="1400" dirty="0">
               <a:latin typeface="+mn-lt"/>
             </a:endParaRPr>
           </a:p>
@@ -19285,7 +19391,7 @@
         <p:spPr>
           <a:xfrm>
             <a:off x="476534" y="1394213"/>
-            <a:ext cx="8142809" cy="4329621"/>
+            <a:ext cx="11052856" cy="4329621"/>
           </a:xfrm>
           <a:prstGeom prst="rect">
             <a:avLst/>
@@ -19498,10 +19604,69 @@
               <a:t> </a:t>
             </a:r>
             <a:r>
-              <a:rPr lang="en-GB" sz="2000" dirty="0" err="1" smtClean="0">
+              <a:rPr lang="en-GB" sz="2000" dirty="0" smtClean="0">
                 <a:latin typeface="+mn-lt"/>
               </a:rPr>
-              <a:t>Abcdefghi</a:t>
+              <a:t>Refer </a:t>
+            </a:r>
+            <a:r>
+              <a:rPr lang="en-GB" sz="2000" dirty="0">
+                <a:latin typeface="+mn-lt"/>
+              </a:rPr>
+              <a:t>to </a:t>
+            </a:r>
+            <a:r>
+              <a:rPr lang="en-US" sz="2000" dirty="0">
+                <a:latin typeface="+mn-lt"/>
+              </a:rPr>
+              <a:t>Tip 8: Create </a:t>
+            </a:r>
+            <a:r>
+              <a:rPr lang="en-US" sz="2000" dirty="0" err="1">
+                <a:latin typeface="+mn-lt"/>
+              </a:rPr>
+              <a:t>MSBuild</a:t>
+            </a:r>
+            <a:r>
+              <a:rPr lang="en-US" sz="2000" dirty="0">
+                <a:latin typeface="+mn-lt"/>
+              </a:rPr>
+              <a:t> </a:t>
+            </a:r>
+            <a:r>
+              <a:rPr lang="en-US" sz="2000" dirty="0" smtClean="0">
+                <a:latin typeface="+mn-lt"/>
+              </a:rPr>
+              <a:t>configuration</a:t>
+            </a:r>
+          </a:p>
+          <a:p>
+            <a:pPr marL="0" indent="0">
+              <a:buClrTx/>
+            </a:pPr>
+            <a:r>
+              <a:rPr lang="en-US" sz="2000" dirty="0">
+                <a:latin typeface="+mn-lt"/>
+              </a:rPr>
+              <a:t> </a:t>
+            </a:r>
+            <a:r>
+              <a:rPr lang="en-US" sz="2000" dirty="0" smtClean="0">
+                <a:latin typeface="+mn-lt"/>
+              </a:rPr>
+              <a:t>Add Integration tests to your </a:t>
+            </a:r>
+            <a:r>
+              <a:rPr lang="en-US" sz="2000" dirty="0" err="1" smtClean="0">
+                <a:latin typeface="+mn-lt"/>
+              </a:rPr>
+              <a:t>MSBuild</a:t>
+            </a:r>
+            <a:r>
+              <a:rPr lang="en-US" sz="2000" dirty="0" smtClean="0">
+                <a:latin typeface="+mn-lt"/>
+              </a:rPr>
+              <a:t>, just as you did with your Unit tests!</a:t>
             </a:r>
             <a:endParaRPr lang="es-AR" sz="1600" b="1" dirty="0">
               <a:solidFill>
@@ -19509,6 +19674,355 @@
               </a:solidFill>
               <a:latin typeface="Avenir 45 Book"/>
               <a:cs typeface="+mn-cs"/>
+            </a:endParaRPr>
+          </a:p>
+          <a:p>
+            <a:pPr marL="0" indent="0">
+              <a:buClrTx/>
+            </a:pPr>
+            <a:r>
+              <a:rPr lang="es-AR" sz="2000" dirty="0">
+                <a:latin typeface="+mn-lt"/>
+              </a:rPr>
+              <a:t> </a:t>
+            </a:r>
+            <a:r>
+              <a:rPr lang="es-AR" sz="2000" dirty="0" err="1">
+                <a:latin typeface="+mn-lt"/>
+              </a:rPr>
+              <a:t>Check</a:t>
+            </a:r>
+            <a:r>
+              <a:rPr lang="es-AR" sz="2000" dirty="0">
+                <a:latin typeface="+mn-lt"/>
+              </a:rPr>
+              <a:t>-in </a:t>
+            </a:r>
+            <a:r>
+              <a:rPr lang="es-AR" sz="2000" dirty="0" err="1">
+                <a:latin typeface="+mn-lt"/>
+              </a:rPr>
+              <a:t>changes</a:t>
+            </a:r>
+            <a:r>
+              <a:rPr lang="es-AR" sz="2000" dirty="0">
+                <a:latin typeface="+mn-lt"/>
+              </a:rPr>
+              <a:t> so </a:t>
+            </a:r>
+            <a:r>
+              <a:rPr lang="es-AR" sz="2000" dirty="0" err="1">
+                <a:latin typeface="+mn-lt"/>
+              </a:rPr>
+              <a:t>the</a:t>
+            </a:r>
+            <a:r>
+              <a:rPr lang="es-AR" sz="2000" dirty="0">
+                <a:latin typeface="+mn-lt"/>
+              </a:rPr>
+              <a:t> </a:t>
+            </a:r>
+            <a:r>
+              <a:rPr lang="es-AR" sz="2000" dirty="0" err="1">
+                <a:latin typeface="+mn-lt"/>
+              </a:rPr>
+              <a:t>Integration</a:t>
+            </a:r>
+            <a:r>
+              <a:rPr lang="es-AR" sz="2000" dirty="0">
+                <a:latin typeface="+mn-lt"/>
+              </a:rPr>
+              <a:t> </a:t>
+            </a:r>
+            <a:r>
+              <a:rPr lang="es-AR" sz="2000" dirty="0" err="1">
+                <a:latin typeface="+mn-lt"/>
+              </a:rPr>
+              <a:t>tests</a:t>
+            </a:r>
+            <a:r>
+              <a:rPr lang="es-AR" sz="2000" dirty="0">
+                <a:latin typeface="+mn-lt"/>
+              </a:rPr>
+              <a:t> are run </a:t>
+            </a:r>
+            <a:r>
+              <a:rPr lang="es-AR" sz="2000" dirty="0" err="1">
+                <a:latin typeface="+mn-lt"/>
+              </a:rPr>
+              <a:t>on</a:t>
+            </a:r>
+            <a:r>
+              <a:rPr lang="es-AR" sz="2000" dirty="0">
+                <a:latin typeface="+mn-lt"/>
+              </a:rPr>
+              <a:t> </a:t>
+            </a:r>
+            <a:r>
+              <a:rPr lang="es-AR" sz="2000" dirty="0" err="1">
+                <a:latin typeface="+mn-lt"/>
+              </a:rPr>
+              <a:t>your</a:t>
+            </a:r>
+            <a:r>
+              <a:rPr lang="es-AR" sz="2000" dirty="0">
+                <a:latin typeface="+mn-lt"/>
+              </a:rPr>
+              <a:t> CI </a:t>
+            </a:r>
+            <a:r>
+              <a:rPr lang="es-AR" sz="2000" dirty="0" smtClean="0">
+                <a:latin typeface="+mn-lt"/>
+              </a:rPr>
+              <a:t>server</a:t>
+            </a:r>
+            <a:br>
+              <a:rPr lang="es-AR" sz="2000" dirty="0" smtClean="0">
+                <a:latin typeface="+mn-lt"/>
+              </a:rPr>
+            </a:br>
+            <a:endParaRPr lang="es-AR" sz="2000" dirty="0" smtClean="0">
+              <a:latin typeface="+mn-lt"/>
+            </a:endParaRPr>
+          </a:p>
+          <a:p>
+            <a:pPr marL="0" indent="0">
+              <a:buClrTx/>
+            </a:pPr>
+            <a:endParaRPr lang="es-AR" sz="2000" dirty="0">
+              <a:latin typeface="+mn-lt"/>
+            </a:endParaRPr>
+          </a:p>
+          <a:p>
+            <a:pPr marL="0" indent="0">
+              <a:buClrTx/>
+            </a:pPr>
+            <a:endParaRPr lang="es-AR" sz="2000" dirty="0" smtClean="0">
+              <a:latin typeface="+mn-lt"/>
+            </a:endParaRPr>
+          </a:p>
+          <a:p>
+            <a:pPr marL="0" indent="0">
+              <a:buClrTx/>
+            </a:pPr>
+            <a:endParaRPr lang="es-AR" sz="2000" dirty="0" smtClean="0">
+              <a:latin typeface="+mn-lt"/>
+            </a:endParaRPr>
+          </a:p>
+          <a:p>
+            <a:pPr marL="0" indent="0">
+              <a:buClrTx/>
+            </a:pPr>
+            <a:r>
+              <a:rPr lang="es-AR" sz="2000" dirty="0">
+                <a:latin typeface="+mn-lt"/>
+              </a:rPr>
+              <a:t> </a:t>
+            </a:r>
+            <a:r>
+              <a:rPr lang="es-AR" sz="2000" b="1" dirty="0" err="1" smtClean="0">
+                <a:latin typeface="+mn-lt"/>
+              </a:rPr>
+              <a:t>You</a:t>
+            </a:r>
+            <a:r>
+              <a:rPr lang="es-AR" sz="2000" b="1" dirty="0" smtClean="0">
+                <a:latin typeface="+mn-lt"/>
+              </a:rPr>
+              <a:t> </a:t>
+            </a:r>
+            <a:r>
+              <a:rPr lang="es-AR" sz="2000" b="1" dirty="0" err="1" smtClean="0">
+                <a:latin typeface="+mn-lt"/>
+              </a:rPr>
+              <a:t>now</a:t>
+            </a:r>
+            <a:r>
+              <a:rPr lang="es-AR" sz="2000" b="1" dirty="0" smtClean="0">
+                <a:latin typeface="+mn-lt"/>
+              </a:rPr>
+              <a:t> </a:t>
+            </a:r>
+            <a:r>
+              <a:rPr lang="es-AR" sz="2000" b="1" dirty="0" err="1" smtClean="0">
+                <a:latin typeface="+mn-lt"/>
+              </a:rPr>
+              <a:t>have</a:t>
+            </a:r>
+            <a:r>
+              <a:rPr lang="es-AR" sz="2000" b="1" dirty="0" smtClean="0">
+                <a:latin typeface="+mn-lt"/>
+              </a:rPr>
+              <a:t> a </a:t>
+            </a:r>
+            <a:r>
+              <a:rPr lang="es-AR" sz="2000" b="1" dirty="0" err="1" smtClean="0">
+                <a:latin typeface="+mn-lt"/>
+              </a:rPr>
+              <a:t>fully</a:t>
+            </a:r>
+            <a:r>
+              <a:rPr lang="es-AR" sz="2000" b="1" dirty="0" smtClean="0">
+                <a:latin typeface="+mn-lt"/>
+              </a:rPr>
+              <a:t> </a:t>
+            </a:r>
+            <a:r>
+              <a:rPr lang="es-AR" sz="2000" b="1" dirty="0" err="1" smtClean="0">
+                <a:latin typeface="+mn-lt"/>
+              </a:rPr>
+              <a:t>testable</a:t>
+            </a:r>
+            <a:r>
+              <a:rPr lang="es-AR" sz="2000" b="1" dirty="0" smtClean="0">
+                <a:latin typeface="+mn-lt"/>
+              </a:rPr>
+              <a:t> </a:t>
+            </a:r>
+            <a:r>
+              <a:rPr lang="es-AR" sz="2000" b="1" dirty="0" err="1" smtClean="0">
+                <a:latin typeface="+mn-lt"/>
+              </a:rPr>
+              <a:t>application</a:t>
+            </a:r>
+            <a:r>
+              <a:rPr lang="es-AR" sz="2000" b="1" dirty="0" smtClean="0">
+                <a:latin typeface="+mn-lt"/>
+              </a:rPr>
+              <a:t>, </a:t>
+            </a:r>
+            <a:r>
+              <a:rPr lang="es-AR" sz="2000" b="1" dirty="0" err="1" smtClean="0">
+                <a:latin typeface="+mn-lt"/>
+              </a:rPr>
+              <a:t>congratulations</a:t>
+            </a:r>
+            <a:r>
+              <a:rPr lang="es-AR" sz="2000" b="1" dirty="0" smtClean="0">
+                <a:latin typeface="+mn-lt"/>
+              </a:rPr>
+              <a:t>!</a:t>
+            </a:r>
+          </a:p>
+          <a:p>
+            <a:pPr marL="0" indent="0">
+              <a:buClrTx/>
+            </a:pPr>
+            <a:r>
+              <a:rPr lang="es-AR" sz="2000" b="1" dirty="0">
+                <a:latin typeface="+mn-lt"/>
+              </a:rPr>
+              <a:t> </a:t>
+            </a:r>
+            <a:r>
+              <a:rPr lang="es-AR" sz="2000" b="1" dirty="0" err="1" smtClean="0">
+                <a:latin typeface="+mn-lt"/>
+              </a:rPr>
+              <a:t>Now</a:t>
+            </a:r>
+            <a:r>
+              <a:rPr lang="es-AR" sz="2000" b="1" dirty="0" smtClean="0">
+                <a:latin typeface="+mn-lt"/>
+              </a:rPr>
+              <a:t>, </a:t>
+            </a:r>
+            <a:r>
+              <a:rPr lang="es-AR" sz="2000" b="1" dirty="0" err="1" smtClean="0">
+                <a:latin typeface="+mn-lt"/>
+              </a:rPr>
+              <a:t>make</a:t>
+            </a:r>
+            <a:r>
+              <a:rPr lang="es-AR" sz="2000" b="1" dirty="0" smtClean="0">
+                <a:latin typeface="+mn-lt"/>
+              </a:rPr>
+              <a:t> </a:t>
+            </a:r>
+            <a:r>
+              <a:rPr lang="es-AR" sz="2000" b="1" dirty="0" err="1" smtClean="0">
+                <a:latin typeface="+mn-lt"/>
+              </a:rPr>
+              <a:t>sure</a:t>
+            </a:r>
+            <a:r>
+              <a:rPr lang="es-AR" sz="2000" b="1" dirty="0" smtClean="0">
+                <a:latin typeface="+mn-lt"/>
+              </a:rPr>
+              <a:t> </a:t>
+            </a:r>
+            <a:r>
+              <a:rPr lang="es-AR" sz="2000" b="1" dirty="0" err="1" smtClean="0">
+                <a:latin typeface="+mn-lt"/>
+              </a:rPr>
+              <a:t>you</a:t>
+            </a:r>
+            <a:r>
+              <a:rPr lang="es-AR" sz="2000" b="1" dirty="0" smtClean="0">
+                <a:latin typeface="+mn-lt"/>
+              </a:rPr>
+              <a:t> </a:t>
+            </a:r>
+            <a:r>
+              <a:rPr lang="es-AR" sz="2000" b="1" dirty="0" err="1" smtClean="0">
+                <a:latin typeface="+mn-lt"/>
+              </a:rPr>
+              <a:t>keep</a:t>
+            </a:r>
+            <a:r>
+              <a:rPr lang="es-AR" sz="2000" b="1" dirty="0" smtClean="0">
+                <a:latin typeface="+mn-lt"/>
+              </a:rPr>
+              <a:t> </a:t>
+            </a:r>
+            <a:r>
+              <a:rPr lang="es-AR" sz="2000" b="1" dirty="0" err="1" smtClean="0">
+                <a:latin typeface="+mn-lt"/>
+              </a:rPr>
+              <a:t>your</a:t>
+            </a:r>
+            <a:r>
+              <a:rPr lang="es-AR" sz="2000" b="1" dirty="0" smtClean="0">
+                <a:latin typeface="+mn-lt"/>
+              </a:rPr>
+              <a:t> test </a:t>
+            </a:r>
+            <a:r>
+              <a:rPr lang="es-AR" sz="2000" b="1" dirty="0" err="1" smtClean="0">
+                <a:latin typeface="+mn-lt"/>
+              </a:rPr>
+              <a:t>coverage</a:t>
+            </a:r>
+            <a:r>
+              <a:rPr lang="es-AR" sz="2000" b="1" dirty="0" smtClean="0">
+                <a:latin typeface="+mn-lt"/>
+              </a:rPr>
+              <a:t> </a:t>
+            </a:r>
+            <a:r>
+              <a:rPr lang="es-AR" sz="2000" b="1" dirty="0" err="1" smtClean="0">
+                <a:latin typeface="+mn-lt"/>
+              </a:rPr>
+              <a:t>high</a:t>
+            </a:r>
+            <a:r>
+              <a:rPr lang="es-AR" sz="2000" b="1" dirty="0" smtClean="0">
+                <a:latin typeface="+mn-lt"/>
+              </a:rPr>
+              <a:t>!</a:t>
+            </a:r>
+            <a:r>
+              <a:rPr lang="es-AR" sz="2000" dirty="0" smtClean="0">
+                <a:latin typeface="+mn-lt"/>
+              </a:rPr>
+              <a:t/>
+            </a:r>
+            <a:br>
+              <a:rPr lang="es-AR" sz="2000" dirty="0" smtClean="0">
+                <a:latin typeface="+mn-lt"/>
+              </a:rPr>
+            </a:br>
+            <a:endParaRPr lang="en-US" sz="2000" dirty="0">
+              <a:latin typeface="+mn-lt"/>
             </a:endParaRPr>
           </a:p>
         </p:txBody>
@@ -20263,7 +20777,34 @@
                 <a:latin typeface="+mn-lt"/>
                 <a:cs typeface="+mn-cs"/>
               </a:rPr>
-              <a:t>Has objects that cannot be easily created</a:t>
+              <a:t>Has objects that cannot be easily </a:t>
+            </a:r>
+            <a:r>
+              <a:rPr lang="en-US" sz="1800" dirty="0" smtClean="0">
+                <a:solidFill>
+                  <a:srgbClr val="000000"/>
+                </a:solidFill>
+                <a:latin typeface="+mn-lt"/>
+                <a:cs typeface="+mn-cs"/>
+              </a:rPr>
+              <a:t>created</a:t>
+            </a:r>
+          </a:p>
+          <a:p>
+            <a:pPr marL="641350" lvl="1" indent="-285750">
+              <a:buClrTx/>
+              <a:buFont typeface="Wingdings" panose="05000000000000000000" pitchFamily="2" charset="2"/>
+              <a:buChar char="§"/>
+            </a:pPr>
+            <a:r>
+              <a:rPr lang="en-US" sz="1800" dirty="0" smtClean="0">
+                <a:solidFill>
+                  <a:srgbClr val="000000"/>
+                </a:solidFill>
+                <a:latin typeface="+mn-lt"/>
+                <a:cs typeface="+mn-cs"/>
+              </a:rPr>
+              <a:t>Usually has code with multiple responsibilities (not-SOLID)</a:t>
             </a:r>
             <a:endParaRPr lang="en-US" sz="1800" dirty="0">
               <a:solidFill>
@@ -22938,25 +23479,8 @@
                 <a:latin typeface="+mn-lt"/>
                 <a:cs typeface="+mn-cs"/>
               </a:rPr>
-              <a:t> composition over </a:t>
-            </a:r>
-            <a:r>
-              <a:rPr lang="en-US" sz="1800" dirty="0">
-                <a:solidFill>
-                  <a:srgbClr val="000000"/>
-                </a:solidFill>
-                <a:latin typeface="+mn-lt"/>
-                <a:cs typeface="+mn-cs"/>
-              </a:rPr>
-              <a:t>inheritance</a:t>
-            </a:r>
-            <a:endParaRPr lang="en-US" sz="1800" dirty="0">
-              <a:solidFill>
-                <a:srgbClr val="000000"/>
-              </a:solidFill>
-              <a:latin typeface="+mn-lt"/>
-              <a:cs typeface="+mn-cs"/>
-            </a:endParaRPr>
+              <a:t> composition over inheritance</a:t>
+            </a:r>
           </a:p>
           <a:p>
             <a:pPr marL="641350" lvl="1" indent="-285750">
@@ -23555,213 +24079,16 @@
               <a:rPr lang="en-GB" sz="2000" dirty="0" smtClean="0">
                 <a:latin typeface="+mn-lt"/>
               </a:rPr>
-              <a:t> Ensure tests properly test the expected application behaviour</a:t>
-            </a:r>
-          </a:p>
-          <a:p>
-            <a:pPr marL="0" indent="0">
-              <a:buClrTx/>
-            </a:pPr>
+              <a:t> Ensure tests properly test the expected application </a:t>
+            </a:r>
             <a:r>
               <a:rPr lang="en-GB" sz="2000" dirty="0" smtClean="0">
                 <a:latin typeface="+mn-lt"/>
               </a:rPr>
-              <a:t> Make sure all tests pass before changing application code</a:t>
+              <a:t>behaviour</a:t>
             </a:r>
             <a:endParaRPr lang="en-GB" sz="2000" dirty="0" smtClean="0">
               <a:latin typeface="+mn-lt"/>
-            </a:endParaRPr>
-          </a:p>
-          <a:p>
-            <a:pPr marL="0" indent="0">
-              <a:buClrTx/>
-            </a:pPr>
-            <a:r>
-              <a:rPr lang="es-AR" sz="2000" dirty="0" smtClean="0">
-                <a:solidFill>
-                  <a:srgbClr val="000000"/>
-                </a:solidFill>
-                <a:latin typeface="Avenir 45 Book"/>
-                <a:cs typeface="+mn-cs"/>
-              </a:rPr>
-              <a:t> </a:t>
-            </a:r>
-            <a:r>
-              <a:rPr lang="es-AR" sz="2000" dirty="0" err="1" smtClean="0">
-                <a:solidFill>
-                  <a:srgbClr val="000000"/>
-                </a:solidFill>
-                <a:latin typeface="Avenir 45 Book"/>
-                <a:cs typeface="+mn-cs"/>
-              </a:rPr>
-              <a:t>After</a:t>
-            </a:r>
-            <a:r>
-              <a:rPr lang="es-AR" sz="2000" dirty="0" smtClean="0">
-                <a:solidFill>
-                  <a:srgbClr val="000000"/>
-                </a:solidFill>
-                <a:latin typeface="Avenir 45 Book"/>
-                <a:cs typeface="+mn-cs"/>
-              </a:rPr>
-              <a:t> </a:t>
-            </a:r>
-            <a:r>
-              <a:rPr lang="es-AR" sz="2000" dirty="0" err="1" smtClean="0">
-                <a:solidFill>
-                  <a:srgbClr val="000000"/>
-                </a:solidFill>
-                <a:latin typeface="Avenir 45 Book"/>
-                <a:cs typeface="+mn-cs"/>
-              </a:rPr>
-              <a:t>changing</a:t>
-            </a:r>
-            <a:r>
-              <a:rPr lang="es-AR" sz="2000" dirty="0" smtClean="0">
-                <a:solidFill>
-                  <a:srgbClr val="000000"/>
-                </a:solidFill>
-                <a:latin typeface="Avenir 45 Book"/>
-                <a:cs typeface="+mn-cs"/>
-              </a:rPr>
-              <a:t> </a:t>
-            </a:r>
-            <a:r>
-              <a:rPr lang="es-AR" sz="2000" dirty="0" err="1" smtClean="0">
-                <a:solidFill>
-                  <a:srgbClr val="000000"/>
-                </a:solidFill>
-                <a:latin typeface="Avenir 45 Book"/>
-                <a:cs typeface="+mn-cs"/>
-              </a:rPr>
-              <a:t>application</a:t>
-            </a:r>
-            <a:r>
-              <a:rPr lang="es-AR" sz="2000" dirty="0" smtClean="0">
-                <a:solidFill>
-                  <a:srgbClr val="000000"/>
-                </a:solidFill>
-                <a:latin typeface="Avenir 45 Book"/>
-                <a:cs typeface="+mn-cs"/>
-              </a:rPr>
-              <a:t> </a:t>
-            </a:r>
-            <a:r>
-              <a:rPr lang="es-AR" sz="2000" dirty="0" err="1" smtClean="0">
-                <a:solidFill>
-                  <a:srgbClr val="000000"/>
-                </a:solidFill>
-                <a:latin typeface="Avenir 45 Book"/>
-                <a:cs typeface="+mn-cs"/>
-              </a:rPr>
-              <a:t>code</a:t>
-            </a:r>
-            <a:r>
-              <a:rPr lang="es-AR" sz="2000" dirty="0" smtClean="0">
-                <a:solidFill>
-                  <a:srgbClr val="000000"/>
-                </a:solidFill>
-                <a:latin typeface="Avenir 45 Book"/>
-                <a:cs typeface="+mn-cs"/>
-              </a:rPr>
-              <a:t>, </a:t>
-            </a:r>
-            <a:r>
-              <a:rPr lang="es-AR" sz="2000" dirty="0" err="1" smtClean="0">
-                <a:solidFill>
-                  <a:srgbClr val="000000"/>
-                </a:solidFill>
-                <a:latin typeface="Avenir 45 Book"/>
-                <a:cs typeface="+mn-cs"/>
-              </a:rPr>
-              <a:t>all</a:t>
-            </a:r>
-            <a:r>
-              <a:rPr lang="es-AR" sz="2000" dirty="0" smtClean="0">
-                <a:solidFill>
-                  <a:srgbClr val="000000"/>
-                </a:solidFill>
-                <a:latin typeface="Avenir 45 Book"/>
-                <a:cs typeface="+mn-cs"/>
-              </a:rPr>
-              <a:t> </a:t>
-            </a:r>
-            <a:r>
-              <a:rPr lang="es-AR" sz="2000" dirty="0" err="1" smtClean="0">
-                <a:solidFill>
-                  <a:srgbClr val="000000"/>
-                </a:solidFill>
-                <a:latin typeface="Avenir 45 Book"/>
-                <a:cs typeface="+mn-cs"/>
-              </a:rPr>
-              <a:t>tests</a:t>
-            </a:r>
-            <a:r>
-              <a:rPr lang="es-AR" sz="2000" dirty="0" smtClean="0">
-                <a:solidFill>
-                  <a:srgbClr val="000000"/>
-                </a:solidFill>
-                <a:latin typeface="Avenir 45 Book"/>
-                <a:cs typeface="+mn-cs"/>
-              </a:rPr>
-              <a:t> </a:t>
-            </a:r>
-            <a:r>
-              <a:rPr lang="es-AR" sz="2000" dirty="0" err="1" smtClean="0">
-                <a:solidFill>
-                  <a:srgbClr val="000000"/>
-                </a:solidFill>
-                <a:latin typeface="Avenir 45 Book"/>
-                <a:cs typeface="+mn-cs"/>
-              </a:rPr>
-              <a:t>should</a:t>
-            </a:r>
-            <a:r>
-              <a:rPr lang="es-AR" sz="2000" dirty="0" smtClean="0">
-                <a:solidFill>
-                  <a:srgbClr val="000000"/>
-                </a:solidFill>
-                <a:latin typeface="Avenir 45 Book"/>
-                <a:cs typeface="+mn-cs"/>
-              </a:rPr>
-              <a:t> </a:t>
-            </a:r>
-            <a:r>
-              <a:rPr lang="es-AR" sz="2000" dirty="0" err="1" smtClean="0">
-                <a:solidFill>
-                  <a:srgbClr val="000000"/>
-                </a:solidFill>
-                <a:latin typeface="Avenir 45 Book"/>
-                <a:cs typeface="+mn-cs"/>
-              </a:rPr>
-              <a:t>still</a:t>
-            </a:r>
-            <a:r>
-              <a:rPr lang="es-AR" sz="2000" dirty="0" smtClean="0">
-                <a:solidFill>
-                  <a:srgbClr val="000000"/>
-                </a:solidFill>
-                <a:latin typeface="Avenir 45 Book"/>
-                <a:cs typeface="+mn-cs"/>
-              </a:rPr>
-              <a:t> </a:t>
-            </a:r>
-            <a:r>
-              <a:rPr lang="es-AR" sz="2000" dirty="0" err="1" smtClean="0">
-                <a:solidFill>
-                  <a:srgbClr val="000000"/>
-                </a:solidFill>
-                <a:latin typeface="Avenir 45 Book"/>
-                <a:cs typeface="+mn-cs"/>
-              </a:rPr>
-              <a:t>pass</a:t>
-            </a:r>
-            <a:endParaRPr lang="es-AR" sz="2000" dirty="0">
-              <a:solidFill>
-                <a:srgbClr val="000000"/>
-              </a:solidFill>
-              <a:latin typeface="Avenir 45 Book"/>
-              <a:cs typeface="+mn-cs"/>
             </a:endParaRPr>
           </a:p>
         </p:txBody>
@@ -23939,8 +24266,8 @@
         </p:nvSpPr>
         <p:spPr>
           <a:xfrm>
-            <a:off x="476534" y="1394213"/>
-            <a:ext cx="8142809" cy="4329621"/>
+            <a:off x="476534" y="1298677"/>
+            <a:ext cx="11052855" cy="4329621"/>
           </a:xfrm>
           <a:prstGeom prst="rect">
             <a:avLst/>
@@ -24147,23 +24474,379 @@
               <a:buClrTx/>
             </a:pPr>
             <a:r>
-              <a:rPr lang="en-GB" sz="2000" b="1" dirty="0" smtClean="0">
+              <a:rPr lang="en-US" sz="2000" dirty="0" smtClean="0"/>
+              <a:t> Code </a:t>
+            </a:r>
+            <a:r>
+              <a:rPr lang="en-US" sz="2000" dirty="0"/>
+              <a:t>refactoring is the process of restructuring existing computer code </a:t>
+            </a:r>
+            <a:r>
+              <a:rPr lang="en-US" sz="2000" dirty="0" smtClean="0"/>
+              <a:t>without </a:t>
+            </a:r>
+            <a:r>
+              <a:rPr lang="en-US" sz="2000" dirty="0"/>
+              <a:t>changing its external </a:t>
+            </a:r>
+            <a:r>
+              <a:rPr lang="en-US" sz="2000" dirty="0" smtClean="0"/>
+              <a:t>behavior</a:t>
+            </a:r>
+            <a:br>
+              <a:rPr lang="en-US" sz="2000" dirty="0" smtClean="0"/>
+            </a:br>
+            <a:endParaRPr lang="en-US" sz="2000" dirty="0" smtClean="0"/>
+          </a:p>
+          <a:p>
+            <a:pPr marL="0" indent="0">
+              <a:buClrTx/>
+            </a:pPr>
+            <a:r>
+              <a:rPr lang="en-US" sz="2000" dirty="0">
                 <a:latin typeface="+mn-lt"/>
               </a:rPr>
               <a:t> </a:t>
             </a:r>
             <a:r>
-              <a:rPr lang="en-GB" sz="2000" dirty="0" err="1" smtClean="0">
+              <a:rPr lang="en-US" sz="2000" dirty="0" smtClean="0">
                 <a:latin typeface="+mn-lt"/>
               </a:rPr>
-              <a:t>Abcdefghi</a:t>
-            </a:r>
-            <a:endParaRPr lang="es-AR" sz="1600" b="1" dirty="0">
+              <a:t>Advantages</a:t>
+            </a:r>
+          </a:p>
+          <a:p>
+            <a:pPr marL="641350" lvl="1" indent="-285750">
+              <a:buClrTx/>
+              <a:buFont typeface="Wingdings" panose="05000000000000000000" pitchFamily="2" charset="2"/>
+              <a:buChar char="§"/>
+            </a:pPr>
+            <a:r>
+              <a:rPr lang="en-US" sz="1600" dirty="0" smtClean="0">
+                <a:latin typeface="+mn-lt"/>
+              </a:rPr>
+              <a:t>Improved code readability</a:t>
+            </a:r>
+          </a:p>
+          <a:p>
+            <a:pPr marL="641350" lvl="1" indent="-285750">
+              <a:buClrTx/>
+              <a:buFont typeface="Wingdings" panose="05000000000000000000" pitchFamily="2" charset="2"/>
+              <a:buChar char="§"/>
+            </a:pPr>
+            <a:r>
+              <a:rPr lang="en-US" sz="1600" dirty="0" smtClean="0">
+                <a:latin typeface="+mn-lt"/>
+              </a:rPr>
+              <a:t>Reduced complexity</a:t>
+            </a:r>
+          </a:p>
+          <a:p>
+            <a:pPr marL="641350" lvl="1" indent="-285750">
+              <a:buClrTx/>
+              <a:buFont typeface="Wingdings" panose="05000000000000000000" pitchFamily="2" charset="2"/>
+              <a:buChar char="§"/>
+            </a:pPr>
+            <a:r>
+              <a:rPr lang="en-US" sz="1600" dirty="0" smtClean="0">
+                <a:latin typeface="+mn-lt"/>
+              </a:rPr>
+              <a:t>Improved source code maintainability</a:t>
+            </a:r>
+          </a:p>
+          <a:p>
+            <a:pPr marL="641350" lvl="1" indent="-285750">
+              <a:buClrTx/>
+              <a:buFont typeface="Wingdings" panose="05000000000000000000" pitchFamily="2" charset="2"/>
+              <a:buChar char="§"/>
+            </a:pPr>
+            <a:r>
+              <a:rPr lang="en-GB" sz="1600" dirty="0" smtClean="0">
+                <a:latin typeface="+mn-lt"/>
+              </a:rPr>
+              <a:t>Improved </a:t>
+            </a:r>
+            <a:r>
+              <a:rPr lang="en-GB" sz="1600" dirty="0">
+                <a:latin typeface="+mn-lt"/>
+              </a:rPr>
+              <a:t>c</a:t>
+            </a:r>
+            <a:r>
+              <a:rPr lang="en-GB" sz="1600" dirty="0" smtClean="0">
+                <a:latin typeface="+mn-lt"/>
+              </a:rPr>
+              <a:t>ode extensibility</a:t>
+            </a:r>
+          </a:p>
+          <a:p>
+            <a:pPr marL="641350" lvl="1" indent="-285750">
+              <a:buClrTx/>
+              <a:buFont typeface="Wingdings" panose="05000000000000000000" pitchFamily="2" charset="2"/>
+              <a:buChar char="§"/>
+            </a:pPr>
+            <a:r>
+              <a:rPr lang="en-GB" sz="1600" dirty="0"/>
+              <a:t>Identify hidden, dormant or undiscovered </a:t>
+            </a:r>
+            <a:r>
+              <a:rPr lang="en-GB" sz="1600" dirty="0" smtClean="0"/>
+              <a:t>bugs</a:t>
+            </a:r>
+            <a:endParaRPr lang="en-US" sz="1600" dirty="0" smtClean="0"/>
+          </a:p>
+          <a:p>
+            <a:pPr marL="641350" lvl="1" indent="-285750">
+              <a:buClrTx/>
+              <a:buFont typeface="Wingdings" panose="05000000000000000000" pitchFamily="2" charset="2"/>
+              <a:buChar char="§"/>
+            </a:pPr>
+            <a:r>
+              <a:rPr lang="en-US" sz="1600" dirty="0" smtClean="0"/>
+              <a:t>Helps </a:t>
+            </a:r>
+            <a:r>
+              <a:rPr lang="en-US" sz="1600" dirty="0"/>
+              <a:t>identify improvement </a:t>
+            </a:r>
+            <a:r>
+              <a:rPr lang="en-US" sz="1600" dirty="0" smtClean="0"/>
+              <a:t>opportunities</a:t>
+            </a:r>
+            <a:endParaRPr lang="en-GB" sz="1600" dirty="0" smtClean="0">
+              <a:latin typeface="+mn-lt"/>
+            </a:endParaRPr>
+          </a:p>
+          <a:p>
+            <a:pPr marL="641350" lvl="1" indent="-285750">
+              <a:buClrTx/>
+              <a:buFont typeface="Wingdings" panose="05000000000000000000" pitchFamily="2" charset="2"/>
+              <a:buChar char="§"/>
+            </a:pPr>
+            <a:r>
+              <a:rPr lang="en-GB" sz="1600" dirty="0" smtClean="0">
+                <a:latin typeface="+mn-lt"/>
+              </a:rPr>
+              <a:t>Allows you to </a:t>
+            </a:r>
+            <a:r>
+              <a:rPr lang="en-GB" sz="1600" i="1" dirty="0" smtClean="0">
+                <a:latin typeface="+mn-lt"/>
+              </a:rPr>
+              <a:t>design testable applications</a:t>
+            </a:r>
+            <a:r>
+              <a:rPr lang="en-GB" sz="1600" i="1" dirty="0">
+                <a:latin typeface="+mn-lt"/>
+              </a:rPr>
+              <a:t/>
+            </a:r>
+            <a:br>
+              <a:rPr lang="en-GB" sz="1600" i="1" dirty="0">
+                <a:latin typeface="+mn-lt"/>
+              </a:rPr>
+            </a:br>
+            <a:endParaRPr lang="en-GB" sz="2000" b="1" dirty="0" smtClean="0">
+              <a:latin typeface="+mn-lt"/>
+            </a:endParaRPr>
+          </a:p>
+          <a:p>
+            <a:pPr marL="0" indent="0">
+              <a:buClrTx/>
+            </a:pPr>
+            <a:r>
+              <a:rPr lang="en-GB" sz="2000" dirty="0" smtClean="0"/>
+              <a:t> In your application</a:t>
+            </a:r>
+          </a:p>
+          <a:p>
+            <a:pPr marL="641350" lvl="1" indent="-285750">
+              <a:buClrTx/>
+              <a:buFont typeface="Wingdings" panose="05000000000000000000" pitchFamily="2" charset="2"/>
+              <a:buChar char="§"/>
+            </a:pPr>
+            <a:r>
+              <a:rPr lang="en-GB" sz="1600" dirty="0" smtClean="0"/>
+              <a:t>Make </a:t>
+            </a:r>
+            <a:r>
+              <a:rPr lang="en-GB" sz="1600" dirty="0"/>
+              <a:t>sure all tests pass before changing application code</a:t>
+            </a:r>
+          </a:p>
+          <a:p>
+            <a:pPr marL="641350" lvl="1" indent="-285750">
+              <a:buClrTx/>
+              <a:buFont typeface="Wingdings" panose="05000000000000000000" pitchFamily="2" charset="2"/>
+              <a:buChar char="§"/>
+            </a:pPr>
+            <a:r>
+              <a:rPr lang="es-AR" sz="1600" dirty="0">
+                <a:solidFill>
+                  <a:srgbClr val="000000"/>
+                </a:solidFill>
+                <a:latin typeface="Avenir 45 Book"/>
+              </a:rPr>
+              <a:t> </a:t>
+            </a:r>
+            <a:r>
+              <a:rPr lang="es-AR" sz="1600" dirty="0" err="1">
+                <a:solidFill>
+                  <a:srgbClr val="000000"/>
+                </a:solidFill>
+                <a:latin typeface="Avenir 45 Book"/>
+              </a:rPr>
+              <a:t>After</a:t>
+            </a:r>
+            <a:r>
+              <a:rPr lang="es-AR" sz="1600" dirty="0">
+                <a:solidFill>
+                  <a:srgbClr val="000000"/>
+                </a:solidFill>
+                <a:latin typeface="Avenir 45 Book"/>
+              </a:rPr>
+              <a:t> </a:t>
+            </a:r>
+            <a:r>
+              <a:rPr lang="es-AR" sz="1600" dirty="0" err="1">
+                <a:solidFill>
+                  <a:srgbClr val="000000"/>
+                </a:solidFill>
+                <a:latin typeface="Avenir 45 Book"/>
+              </a:rPr>
+              <a:t>changing</a:t>
+            </a:r>
+            <a:r>
+              <a:rPr lang="es-AR" sz="1600" dirty="0">
+                <a:solidFill>
+                  <a:srgbClr val="000000"/>
+                </a:solidFill>
+                <a:latin typeface="Avenir 45 Book"/>
+              </a:rPr>
+              <a:t> </a:t>
+            </a:r>
+            <a:r>
+              <a:rPr lang="es-AR" sz="1600" dirty="0" err="1">
+                <a:solidFill>
+                  <a:srgbClr val="000000"/>
+                </a:solidFill>
+                <a:latin typeface="Avenir 45 Book"/>
+              </a:rPr>
+              <a:t>application</a:t>
+            </a:r>
+            <a:r>
+              <a:rPr lang="es-AR" sz="1600" dirty="0">
+                <a:solidFill>
+                  <a:srgbClr val="000000"/>
+                </a:solidFill>
+                <a:latin typeface="Avenir 45 Book"/>
+              </a:rPr>
+              <a:t> </a:t>
+            </a:r>
+            <a:r>
+              <a:rPr lang="es-AR" sz="1600" dirty="0" err="1">
+                <a:solidFill>
+                  <a:srgbClr val="000000"/>
+                </a:solidFill>
+                <a:latin typeface="Avenir 45 Book"/>
+              </a:rPr>
+              <a:t>code</a:t>
+            </a:r>
+            <a:r>
+              <a:rPr lang="es-AR" sz="1600" dirty="0">
+                <a:solidFill>
+                  <a:srgbClr val="000000"/>
+                </a:solidFill>
+                <a:latin typeface="Avenir 45 Book"/>
+              </a:rPr>
+              <a:t>, </a:t>
+            </a:r>
+            <a:r>
+              <a:rPr lang="es-AR" sz="1600" dirty="0" err="1">
+                <a:solidFill>
+                  <a:srgbClr val="000000"/>
+                </a:solidFill>
+                <a:latin typeface="Avenir 45 Book"/>
+              </a:rPr>
+              <a:t>all</a:t>
+            </a:r>
+            <a:r>
+              <a:rPr lang="es-AR" sz="1600" dirty="0">
+                <a:solidFill>
+                  <a:srgbClr val="000000"/>
+                </a:solidFill>
+                <a:latin typeface="Avenir 45 Book"/>
+              </a:rPr>
+              <a:t> </a:t>
+            </a:r>
+            <a:r>
+              <a:rPr lang="es-AR" sz="1600" dirty="0" err="1">
+                <a:solidFill>
+                  <a:srgbClr val="000000"/>
+                </a:solidFill>
+                <a:latin typeface="Avenir 45 Book"/>
+              </a:rPr>
+              <a:t>tests</a:t>
+            </a:r>
+            <a:r>
+              <a:rPr lang="es-AR" sz="1600" dirty="0">
+                <a:solidFill>
+                  <a:srgbClr val="000000"/>
+                </a:solidFill>
+                <a:latin typeface="Avenir 45 Book"/>
+              </a:rPr>
+              <a:t> </a:t>
+            </a:r>
+            <a:r>
+              <a:rPr lang="es-AR" sz="1600" dirty="0" err="1">
+                <a:solidFill>
+                  <a:srgbClr val="000000"/>
+                </a:solidFill>
+                <a:latin typeface="Avenir 45 Book"/>
+              </a:rPr>
+              <a:t>should</a:t>
+            </a:r>
+            <a:r>
+              <a:rPr lang="es-AR" sz="1600" dirty="0">
+                <a:solidFill>
+                  <a:srgbClr val="000000"/>
+                </a:solidFill>
+                <a:latin typeface="Avenir 45 Book"/>
+              </a:rPr>
+              <a:t> </a:t>
+            </a:r>
+            <a:r>
+              <a:rPr lang="es-AR" sz="1600" dirty="0" err="1">
+                <a:solidFill>
+                  <a:srgbClr val="000000"/>
+                </a:solidFill>
+                <a:latin typeface="Avenir 45 Book"/>
+              </a:rPr>
+              <a:t>still</a:t>
+            </a:r>
+            <a:r>
+              <a:rPr lang="es-AR" sz="1600" dirty="0">
+                <a:solidFill>
+                  <a:srgbClr val="000000"/>
+                </a:solidFill>
+                <a:latin typeface="Avenir 45 Book"/>
+              </a:rPr>
+              <a:t> </a:t>
+            </a:r>
+            <a:r>
+              <a:rPr lang="es-AR" sz="1600" dirty="0" err="1">
+                <a:solidFill>
+                  <a:srgbClr val="000000"/>
+                </a:solidFill>
+                <a:latin typeface="Avenir 45 Book"/>
+              </a:rPr>
+              <a:t>pass</a:t>
+            </a:r>
+            <a:endParaRPr lang="es-AR" sz="1600" dirty="0">
               <a:solidFill>
                 <a:srgbClr val="000000"/>
               </a:solidFill>
               <a:latin typeface="Avenir 45 Book"/>
-              <a:cs typeface="+mn-cs"/>
             </a:endParaRPr>
           </a:p>
         </p:txBody>
@@ -24459,9 +25142,248 @@
           </a:p>
         </p:txBody>
       </p:sp>
+      <p:sp>
+        <p:nvSpPr>
+          <p:cNvPr id="5" name="Content Placeholder 2"/>
+          <p:cNvSpPr txBox="1">
+            <a:spLocks/>
+          </p:cNvSpPr>
+          <p:nvPr/>
+        </p:nvSpPr>
+        <p:spPr>
+          <a:xfrm>
+            <a:off x="476534" y="1394213"/>
+            <a:ext cx="11052855" cy="4329621"/>
+          </a:xfrm>
+          <a:prstGeom prst="rect">
+            <a:avLst/>
+          </a:prstGeom>
+        </p:spPr>
+        <p:txBody>
+          <a:bodyPr vert="horz" lIns="91440" tIns="45720" rIns="91440" bIns="45720" rtlCol="0">
+            <a:noAutofit/>
+          </a:bodyPr>
+          <a:lstStyle>
+            <a:lvl1pPr marL="273050" marR="0" indent="-273050" algn="l" defTabSz="914400" rtl="0" eaLnBrk="1" fontAlgn="auto" latinLnBrk="0" hangingPunct="1">
+              <a:lnSpc>
+                <a:spcPct val="100000"/>
+              </a:lnSpc>
+              <a:spcBef>
+                <a:spcPts val="1200"/>
+              </a:spcBef>
+              <a:spcAft>
+                <a:spcPts val="0"/>
+              </a:spcAft>
+              <a:buClr>
+                <a:srgbClr val="DA1218"/>
+              </a:buClr>
+              <a:buSzTx/>
+              <a:buFont typeface="Wingdings" pitchFamily="2" charset="2"/>
+              <a:buChar char="§"/>
+              <a:tabLst/>
+              <a:defRPr lang="en-US" sz="2400" kern="1200">
+                <a:solidFill>
+                  <a:schemeClr val="tx1"/>
+                </a:solidFill>
+                <a:latin typeface="Arial" pitchFamily="34" charset="0"/>
+                <a:ea typeface="+mn-ea"/>
+                <a:cs typeface="Arial" pitchFamily="34" charset="0"/>
+              </a:defRPr>
+            </a:lvl1pPr>
+            <a:lvl2pPr marL="628650" marR="0" indent="-355600" algn="l" defTabSz="914400" rtl="0" eaLnBrk="1" fontAlgn="auto" latinLnBrk="0" hangingPunct="1">
+              <a:lnSpc>
+                <a:spcPct val="100000"/>
+              </a:lnSpc>
+              <a:spcBef>
+                <a:spcPct val="20000"/>
+              </a:spcBef>
+              <a:spcAft>
+                <a:spcPts val="0"/>
+              </a:spcAft>
+              <a:buClr>
+                <a:srgbClr val="DA1218"/>
+              </a:buClr>
+              <a:buSzTx/>
+              <a:buFont typeface="Wingdings" pitchFamily="2" charset="2"/>
+              <a:buChar char=""/>
+              <a:tabLst/>
+              <a:defRPr lang="en-US" sz="2000" kern="1200">
+                <a:solidFill>
+                  <a:schemeClr val="tx1"/>
+                </a:solidFill>
+                <a:latin typeface="Arial" pitchFamily="34" charset="0"/>
+                <a:ea typeface="+mn-ea"/>
+                <a:cs typeface="Arial" pitchFamily="34" charset="0"/>
+              </a:defRPr>
+            </a:lvl2pPr>
+            <a:lvl3pPr marL="903288" marR="0" indent="-274638" algn="l" defTabSz="914400" rtl="0" eaLnBrk="1" fontAlgn="auto" latinLnBrk="0" hangingPunct="1">
+              <a:lnSpc>
+                <a:spcPct val="100000"/>
+              </a:lnSpc>
+              <a:spcBef>
+                <a:spcPct val="20000"/>
+              </a:spcBef>
+              <a:spcAft>
+                <a:spcPts val="0"/>
+              </a:spcAft>
+              <a:buClr>
+                <a:srgbClr val="DA1218"/>
+              </a:buClr>
+              <a:buSzTx/>
+              <a:buFont typeface="Wingdings" pitchFamily="2" charset="2"/>
+              <a:buChar char="ü"/>
+              <a:tabLst/>
+              <a:defRPr lang="en-US" sz="1800" kern="1200">
+                <a:solidFill>
+                  <a:schemeClr val="tx1"/>
+                </a:solidFill>
+                <a:latin typeface="Arial" pitchFamily="34" charset="0"/>
+                <a:ea typeface="+mn-ea"/>
+                <a:cs typeface="Arial" pitchFamily="34" charset="0"/>
+              </a:defRPr>
+            </a:lvl3pPr>
+            <a:lvl4pPr marL="1081088" marR="0" indent="-177800" algn="l" defTabSz="914400" rtl="0" eaLnBrk="1" fontAlgn="auto" latinLnBrk="0" hangingPunct="1">
+              <a:lnSpc>
+                <a:spcPct val="100000"/>
+              </a:lnSpc>
+              <a:spcBef>
+                <a:spcPct val="20000"/>
+              </a:spcBef>
+              <a:spcAft>
+                <a:spcPts val="0"/>
+              </a:spcAft>
+              <a:buClr>
+                <a:srgbClr val="DA1218"/>
+              </a:buClr>
+              <a:buSzTx/>
+              <a:buFont typeface="Arial" pitchFamily="34" charset="0"/>
+              <a:buChar char="•"/>
+              <a:tabLst/>
+              <a:defRPr lang="en-US" sz="1600" kern="1200">
+                <a:solidFill>
+                  <a:schemeClr val="tx1"/>
+                </a:solidFill>
+                <a:latin typeface="Arial" pitchFamily="34" charset="0"/>
+                <a:ea typeface="+mn-ea"/>
+                <a:cs typeface="Arial" pitchFamily="34" charset="0"/>
+              </a:defRPr>
+            </a:lvl4pPr>
+            <a:lvl5pPr marL="1258888" marR="0" indent="-177800" algn="l" defTabSz="914400" rtl="0" eaLnBrk="1" fontAlgn="auto" latinLnBrk="0" hangingPunct="1">
+              <a:lnSpc>
+                <a:spcPct val="100000"/>
+              </a:lnSpc>
+              <a:spcBef>
+                <a:spcPct val="20000"/>
+              </a:spcBef>
+              <a:spcAft>
+                <a:spcPts val="0"/>
+              </a:spcAft>
+              <a:buClr>
+                <a:srgbClr val="DA1218"/>
+              </a:buClr>
+              <a:buSzPct val="100000"/>
+              <a:buFont typeface="Courier New" pitchFamily="49" charset="0"/>
+              <a:buChar char="o"/>
+              <a:tabLst/>
+              <a:defRPr lang="es-AR" sz="1400" kern="1200">
+                <a:solidFill>
+                  <a:schemeClr val="tx1"/>
+                </a:solidFill>
+                <a:latin typeface="Arial" pitchFamily="34" charset="0"/>
+                <a:ea typeface="+mn-ea"/>
+                <a:cs typeface="Arial" pitchFamily="34" charset="0"/>
+              </a:defRPr>
+            </a:lvl5pPr>
+            <a:lvl6pPr marL="2514600" indent="-228600" algn="l" defTabSz="914400" rtl="0" eaLnBrk="1" latinLnBrk="0" hangingPunct="1">
+              <a:spcBef>
+                <a:spcPct val="20000"/>
+              </a:spcBef>
+              <a:buFont typeface="Arial" pitchFamily="34" charset="0"/>
+              <a:buChar char="•"/>
+              <a:defRPr sz="2000" kern="1200">
+                <a:solidFill>
+                  <a:schemeClr val="tx1"/>
+                </a:solidFill>
+                <a:latin typeface="+mn-lt"/>
+                <a:ea typeface="+mn-ea"/>
+                <a:cs typeface="+mn-cs"/>
+              </a:defRPr>
+            </a:lvl6pPr>
+            <a:lvl7pPr marL="2971800" indent="-228600" algn="l" defTabSz="914400" rtl="0" eaLnBrk="1" latinLnBrk="0" hangingPunct="1">
+              <a:spcBef>
+                <a:spcPct val="20000"/>
+              </a:spcBef>
+              <a:buFont typeface="Arial" pitchFamily="34" charset="0"/>
+              <a:buChar char="•"/>
+              <a:defRPr sz="2000" kern="1200">
+                <a:solidFill>
+                  <a:schemeClr val="tx1"/>
+                </a:solidFill>
+                <a:latin typeface="+mn-lt"/>
+                <a:ea typeface="+mn-ea"/>
+                <a:cs typeface="+mn-cs"/>
+              </a:defRPr>
+            </a:lvl7pPr>
+            <a:lvl8pPr marL="3429000" indent="-228600" algn="l" defTabSz="914400" rtl="0" eaLnBrk="1" latinLnBrk="0" hangingPunct="1">
+              <a:spcBef>
+                <a:spcPct val="20000"/>
+              </a:spcBef>
+              <a:buFont typeface="Arial" pitchFamily="34" charset="0"/>
+              <a:buChar char="•"/>
+              <a:defRPr sz="2000" kern="1200">
+                <a:solidFill>
+                  <a:schemeClr val="tx1"/>
+                </a:solidFill>
+                <a:latin typeface="+mn-lt"/>
+                <a:ea typeface="+mn-ea"/>
+                <a:cs typeface="+mn-cs"/>
+              </a:defRPr>
+            </a:lvl8pPr>
+            <a:lvl9pPr marL="3886200" indent="-228600" algn="l" defTabSz="914400" rtl="0" eaLnBrk="1" latinLnBrk="0" hangingPunct="1">
+              <a:spcBef>
+                <a:spcPct val="20000"/>
+              </a:spcBef>
+              <a:buFont typeface="Arial" pitchFamily="34" charset="0"/>
+              <a:buChar char="•"/>
+              <a:defRPr sz="2000" kern="1200">
+                <a:solidFill>
+                  <a:schemeClr val="tx1"/>
+                </a:solidFill>
+                <a:latin typeface="+mn-lt"/>
+                <a:ea typeface="+mn-ea"/>
+                <a:cs typeface="+mn-cs"/>
+              </a:defRPr>
+            </a:lvl9pPr>
+          </a:lstStyle>
+          <a:p>
+            <a:pPr marL="0" indent="0" algn="ctr">
+              <a:buClrTx/>
+              <a:buNone/>
+            </a:pPr>
+            <a:r>
+              <a:rPr lang="en-GB" sz="2000" b="1" dirty="0" smtClean="0"/>
+              <a:t>Convince yourselves (and your pals!) refactoring is an investment, not a time loss</a:t>
+            </a:r>
+            <a:r>
+              <a:rPr lang="en-GB" sz="2000" b="1" dirty="0" smtClean="0">
+                <a:latin typeface="+mn-lt"/>
+              </a:rPr>
+              <a:t/>
+            </a:r>
+            <a:br>
+              <a:rPr lang="en-GB" sz="2000" b="1" dirty="0" smtClean="0">
+                <a:latin typeface="+mn-lt"/>
+              </a:rPr>
+            </a:br>
+            <a:endParaRPr lang="en-GB" sz="2000" b="1" dirty="0" smtClean="0">
+              <a:latin typeface="+mn-lt"/>
+            </a:endParaRPr>
+          </a:p>
+        </p:txBody>
+      </p:sp>
       <p:pic>
         <p:nvPicPr>
-          <p:cNvPr id="1026" name="Picture 2" descr="http://1.bp.blogspot.com/-Mpykpfpj4l4/U7mwCWCX7TI/AAAAAAAAr_I/nEhB7tgjYhY/w600-h450/Brtku2iCMAI36EV.jpg"/>
+          <p:cNvPr id="6" name="Picture 2" descr="http://1.bp.blogspot.com/-Mpykpfpj4l4/U7mwCWCX7TI/AAAAAAAAr_I/nEhB7tgjYhY/w600-h450/Brtku2iCMAI36EV.jpg"/>
           <p:cNvPicPr>
             <a:picLocks noChangeAspect="1" noChangeArrowheads="1"/>
           </p:cNvPicPr>
@@ -24482,8 +25404,8 @@
         </p:blipFill>
         <p:spPr bwMode="auto">
           <a:xfrm>
-            <a:off x="3238500" y="1285875"/>
-            <a:ext cx="5715000" cy="4286250"/>
+            <a:off x="3535155" y="2261601"/>
+            <a:ext cx="4975015" cy="3731261"/>
           </a:xfrm>
           <a:prstGeom prst="rect">
             <a:avLst/>
@@ -24676,7 +25598,6 @@
               <a:rPr lang="en-US" dirty="0"/>
               <a:t>The Legacy Code Change Algorithm</a:t>
             </a:r>
-            <a:endParaRPr lang="en-US" dirty="0"/>
           </a:p>
         </p:txBody>
       </p:sp>
@@ -24949,7 +25870,19 @@
               <a:rPr lang="en-US" sz="1600" dirty="0" smtClean="0">
                 <a:cs typeface="Arial" pitchFamily="34" charset="0"/>
               </a:rPr>
-              <a:t>Find the place where you want to make the next change in order to add features o eliminate bugs</a:t>
+              <a:t>Find the place where you want to make the next change in order to add features </a:t>
+            </a:r>
+            <a:r>
+              <a:rPr lang="en-US" sz="1600" dirty="0" smtClean="0">
+                <a:cs typeface="Arial" pitchFamily="34" charset="0"/>
+              </a:rPr>
+              <a:t>or </a:t>
+            </a:r>
+            <a:r>
+              <a:rPr lang="en-US" sz="1600" dirty="0" smtClean="0">
+                <a:cs typeface="Arial" pitchFamily="34" charset="0"/>
+              </a:rPr>
+              <a:t>eliminate bugs</a:t>
             </a:r>
           </a:p>
           <a:p>
@@ -26559,8 +27492,6 @@
                 </a:schemeClr>
               </a:buClr>
               <a:buSzPct val="100000"/>
-              <a:buFont typeface="Wingdings" panose="05000000000000000000" pitchFamily="2" charset="2"/>
-              <a:buChar char="ä"/>
             </a:pPr>
             <a:r>
               <a:rPr lang="en-GB" sz="1800" dirty="0" smtClean="0">
@@ -26617,8 +27548,6 @@
                 </a:schemeClr>
               </a:buClr>
               <a:buSzPct val="100000"/>
-              <a:buFont typeface="Wingdings" panose="05000000000000000000" pitchFamily="2" charset="2"/>
-              <a:buChar char="ä"/>
             </a:pPr>
             <a:r>
               <a:rPr lang="en-GB" sz="1800" dirty="0" smtClean="0">
@@ -26684,8 +27613,6 @@
                 </a:schemeClr>
               </a:buClr>
               <a:buSzPct val="100000"/>
-              <a:buFont typeface="Wingdings" panose="05000000000000000000" pitchFamily="2" charset="2"/>
-              <a:buChar char="ä"/>
             </a:pPr>
             <a:r>
               <a:rPr lang="en-GB" sz="1800" dirty="0" smtClean="0">
@@ -26732,8 +27659,6 @@
                 </a:schemeClr>
               </a:buClr>
               <a:buSzPct val="100000"/>
-              <a:buFont typeface="Wingdings" panose="05000000000000000000" pitchFamily="2" charset="2"/>
-              <a:buChar char="ä"/>
             </a:pPr>
             <a:r>
               <a:rPr lang="en-GB" sz="1800" dirty="0" smtClean="0">

--- a/DesigningTestableApplications - Part II - DB Integration & Legacy Code.pptx
+++ b/DesigningTestableApplications - Part II - DB Integration & Legacy Code.pptx
@@ -6,10 +6,10 @@
     <p:sldMasterId id="2147483944" r:id="rId3"/>
   </p:sldMasterIdLst>
   <p:notesMasterIdLst>
-    <p:notesMasterId r:id="rId37"/>
+    <p:notesMasterId r:id="rId38"/>
   </p:notesMasterIdLst>
   <p:handoutMasterIdLst>
-    <p:handoutMasterId r:id="rId38"/>
+    <p:handoutMasterId r:id="rId39"/>
   </p:handoutMasterIdLst>
   <p:sldIdLst>
     <p:sldId id="321" r:id="rId4"/>
@@ -37,14 +37,15 @@
     <p:sldId id="390" r:id="rId26"/>
     <p:sldId id="407" r:id="rId27"/>
     <p:sldId id="389" r:id="rId28"/>
-    <p:sldId id="387" r:id="rId29"/>
-    <p:sldId id="383" r:id="rId30"/>
-    <p:sldId id="384" r:id="rId31"/>
-    <p:sldId id="378" r:id="rId32"/>
-    <p:sldId id="382" r:id="rId33"/>
-    <p:sldId id="386" r:id="rId34"/>
-    <p:sldId id="385" r:id="rId35"/>
-    <p:sldId id="349" r:id="rId36"/>
+    <p:sldId id="409" r:id="rId29"/>
+    <p:sldId id="387" r:id="rId30"/>
+    <p:sldId id="383" r:id="rId31"/>
+    <p:sldId id="384" r:id="rId32"/>
+    <p:sldId id="378" r:id="rId33"/>
+    <p:sldId id="382" r:id="rId34"/>
+    <p:sldId id="386" r:id="rId35"/>
+    <p:sldId id="385" r:id="rId36"/>
+    <p:sldId id="349" r:id="rId37"/>
   </p:sldIdLst>
   <p:sldSz cx="12192000" cy="6858000"/>
   <p:notesSz cx="6858000" cy="9144000"/>
@@ -257,7 +258,7 @@
           <a:p>
             <a:fld id="{D63D5444-F62C-42C3-A75A-D9DBA807730F}" type="datetimeFigureOut">
               <a:rPr lang="en-US" smtClean="0"/>
-              <a:t>10/20/2015</a:t>
+              <a:t>11/17/2015</a:t>
             </a:fld>
             <a:endParaRPr lang="en-US"/>
           </a:p>
@@ -422,7 +423,7 @@
           <a:p>
             <a:fld id="{12CAA1FA-7B6A-47D2-8D61-F225D71B51FF}" type="datetimeFigureOut">
               <a:rPr lang="en-US" smtClean="0"/>
-              <a:t>10/20/2015</a:t>
+              <a:t>11/17/2015</a:t>
             </a:fld>
             <a:endParaRPr lang="en-US"/>
           </a:p>
@@ -755,7 +756,7 @@
           <a:p>
             <a:fld id="{1B9A179D-2D27-49E2-B022-8EDDA2EFE682}" type="slidenum">
               <a:rPr lang="en-US" smtClean="0"/>
-              <a:t>30</a:t>
+              <a:t>31</a:t>
             </a:fld>
             <a:endParaRPr lang="en-US"/>
           </a:p>
@@ -839,7 +840,7 @@
           <a:p>
             <a:fld id="{1B9A179D-2D27-49E2-B022-8EDDA2EFE682}" type="slidenum">
               <a:rPr lang="en-US" smtClean="0"/>
-              <a:t>31</a:t>
+              <a:t>32</a:t>
             </a:fld>
             <a:endParaRPr lang="en-US"/>
           </a:p>
@@ -923,7 +924,7 @@
           <a:p>
             <a:fld id="{1B9A179D-2D27-49E2-B022-8EDDA2EFE682}" type="slidenum">
               <a:rPr lang="en-US" smtClean="0"/>
-              <a:t>32</a:t>
+              <a:t>33</a:t>
             </a:fld>
             <a:endParaRPr lang="en-US"/>
           </a:p>
@@ -17789,9 +17790,6 @@
               </a:rPr>
               <a:t>*</a:t>
             </a:r>
-            <a:endParaRPr lang="es-AR" sz="1800" dirty="0" smtClean="0">
-              <a:latin typeface="+mn-lt"/>
-            </a:endParaRPr>
           </a:p>
           <a:p>
             <a:pPr marL="641350" lvl="1" indent="-285750">
@@ -20777,17 +20775,7 @@
                 <a:latin typeface="+mn-lt"/>
                 <a:cs typeface="+mn-cs"/>
               </a:rPr>
-              <a:t>Has objects that cannot be easily </a:t>
-            </a:r>
-            <a:r>
-              <a:rPr lang="en-US" sz="1800" dirty="0" smtClean="0">
-                <a:solidFill>
-                  <a:srgbClr val="000000"/>
-                </a:solidFill>
-                <a:latin typeface="+mn-lt"/>
-                <a:cs typeface="+mn-cs"/>
-              </a:rPr>
-              <a:t>created</a:t>
+              <a:t>Has objects that cannot be easily created</a:t>
             </a:r>
           </a:p>
           <a:p>
@@ -24079,17 +24067,8 @@
               <a:rPr lang="en-GB" sz="2000" dirty="0" smtClean="0">
                 <a:latin typeface="+mn-lt"/>
               </a:rPr>
-              <a:t> Ensure tests properly test the expected application </a:t>
-            </a:r>
-            <a:r>
-              <a:rPr lang="en-GB" sz="2000" dirty="0" smtClean="0">
-                <a:latin typeface="+mn-lt"/>
-              </a:rPr>
-              <a:t>behaviour</a:t>
-            </a:r>
-            <a:endParaRPr lang="en-GB" sz="2000" dirty="0" smtClean="0">
-              <a:latin typeface="+mn-lt"/>
-            </a:endParaRPr>
+              <a:t> Ensure tests properly test the expected application behaviour</a:t>
+            </a:r>
           </a:p>
         </p:txBody>
       </p:sp>
@@ -24586,14 +24565,20 @@
               <a:buChar char="§"/>
             </a:pPr>
             <a:r>
-              <a:rPr lang="en-GB" sz="1600" dirty="0"/>
+              <a:rPr lang="en-GB" sz="1600" dirty="0">
+                <a:latin typeface="+mn-lt"/>
+              </a:rPr>
               <a:t>Identify hidden, dormant or undiscovered </a:t>
             </a:r>
             <a:r>
-              <a:rPr lang="en-GB" sz="1600" dirty="0" smtClean="0"/>
+              <a:rPr lang="en-GB" sz="1600" dirty="0" smtClean="0">
+                <a:latin typeface="+mn-lt"/>
+              </a:rPr>
               <a:t>bugs</a:t>
             </a:r>
-            <a:endParaRPr lang="en-US" sz="1600" dirty="0" smtClean="0"/>
+            <a:endParaRPr lang="en-US" sz="1600" dirty="0" smtClean="0">
+              <a:latin typeface="+mn-lt"/>
+            </a:endParaRPr>
           </a:p>
           <a:p>
             <a:pPr marL="641350" lvl="1" indent="-285750">
@@ -24602,15 +24587,21 @@
               <a:buChar char="§"/>
             </a:pPr>
             <a:r>
-              <a:rPr lang="en-US" sz="1600" dirty="0" smtClean="0"/>
+              <a:rPr lang="en-US" sz="1600" dirty="0" smtClean="0">
+                <a:latin typeface="+mn-lt"/>
+              </a:rPr>
               <a:t>Helps </a:t>
             </a:r>
             <a:r>
-              <a:rPr lang="en-US" sz="1600" dirty="0"/>
+              <a:rPr lang="en-US" sz="1600" dirty="0">
+                <a:latin typeface="+mn-lt"/>
+              </a:rPr>
               <a:t>identify improvement </a:t>
             </a:r>
             <a:r>
-              <a:rPr lang="en-US" sz="1600" dirty="0" smtClean="0"/>
+              <a:rPr lang="en-US" sz="1600" dirty="0" smtClean="0">
+                <a:latin typeface="+mn-lt"/>
+              </a:rPr>
               <a:t>opportunities</a:t>
             </a:r>
             <a:endParaRPr lang="en-GB" sz="1600" dirty="0" smtClean="0">
@@ -25870,19 +25861,7 @@
               <a:rPr lang="en-US" sz="1600" dirty="0" smtClean="0">
                 <a:cs typeface="Arial" pitchFamily="34" charset="0"/>
               </a:rPr>
-              <a:t>Find the place where you want to make the next change in order to add features </a:t>
-            </a:r>
-            <a:r>
-              <a:rPr lang="en-US" sz="1600" dirty="0" smtClean="0">
-                <a:cs typeface="Arial" pitchFamily="34" charset="0"/>
-              </a:rPr>
-              <a:t>or </a:t>
-            </a:r>
-            <a:r>
-              <a:rPr lang="en-US" sz="1600" dirty="0" smtClean="0">
-                <a:cs typeface="Arial" pitchFamily="34" charset="0"/>
-              </a:rPr>
-              <a:t>eliminate bugs</a:t>
+              <a:t>Find the place where you want to make the next change in order to add features or eliminate bugs</a:t>
             </a:r>
           </a:p>
           <a:p>
@@ -26302,6 +26281,789 @@
         </p:nvSpPr>
         <p:spPr>
           <a:xfrm>
+            <a:off x="515937" y="212035"/>
+            <a:ext cx="11013453" cy="553998"/>
+          </a:xfrm>
+          <a:prstGeom prst="rect">
+            <a:avLst/>
+          </a:prstGeom>
+          <a:noFill/>
+        </p:spPr>
+        <p:txBody>
+          <a:bodyPr wrap="square" lIns="0" tIns="0" rIns="0" bIns="0" rtlCol="0">
+            <a:spAutoFit/>
+          </a:bodyPr>
+          <a:lstStyle>
+            <a:defPPr>
+              <a:defRPr lang="en-US"/>
+            </a:defPPr>
+            <a:lvl1pPr>
+              <a:defRPr sz="3600">
+                <a:solidFill>
+                  <a:schemeClr val="bg1"/>
+                </a:solidFill>
+              </a:defRPr>
+            </a:lvl1pPr>
+          </a:lstStyle>
+          <a:p>
+            <a:r>
+              <a:rPr lang="en-US" dirty="0" smtClean="0"/>
+              <a:t>Coding time!</a:t>
+            </a:r>
+            <a:endParaRPr lang="en-US" dirty="0"/>
+          </a:p>
+        </p:txBody>
+      </p:sp>
+      <p:sp>
+        <p:nvSpPr>
+          <p:cNvPr id="5" name="Text Placeholder 1"/>
+          <p:cNvSpPr txBox="1">
+            <a:spLocks/>
+          </p:cNvSpPr>
+          <p:nvPr/>
+        </p:nvSpPr>
+        <p:spPr>
+          <a:xfrm>
+            <a:off x="465138" y="1117382"/>
+            <a:ext cx="11193462" cy="4710207"/>
+          </a:xfrm>
+          <a:prstGeom prst="rect">
+            <a:avLst/>
+          </a:prstGeom>
+        </p:spPr>
+        <p:txBody>
+          <a:bodyPr>
+            <a:noAutofit/>
+          </a:bodyPr>
+          <a:lstStyle>
+            <a:lvl1pPr marL="352425" indent="-352425" algn="l" defTabSz="914363" rtl="0" eaLnBrk="1" latinLnBrk="0" hangingPunct="1">
+              <a:lnSpc>
+                <a:spcPct val="90000"/>
+              </a:lnSpc>
+              <a:spcBef>
+                <a:spcPts val="0"/>
+              </a:spcBef>
+              <a:spcAft>
+                <a:spcPts val="400"/>
+              </a:spcAft>
+              <a:buClr>
+                <a:srgbClr val="C00000"/>
+              </a:buClr>
+              <a:buSzPct val="100000"/>
+              <a:buFont typeface="Wingdings" panose="05000000000000000000" pitchFamily="2" charset="2"/>
+              <a:buChar char="ì"/>
+              <a:defRPr lang="en-US" sz="2400" kern="1200">
+                <a:solidFill>
+                  <a:schemeClr val="tx1"/>
+                </a:solidFill>
+                <a:latin typeface="+mn-lt"/>
+                <a:ea typeface="+mn-ea"/>
+                <a:cs typeface="+mn-cs"/>
+              </a:defRPr>
+            </a:lvl1pPr>
+            <a:lvl2pPr marL="630238" indent="-271463" algn="l" defTabSz="914363" rtl="0" eaLnBrk="1" latinLnBrk="0" hangingPunct="1">
+              <a:lnSpc>
+                <a:spcPct val="90000"/>
+              </a:lnSpc>
+              <a:spcBef>
+                <a:spcPts val="0"/>
+              </a:spcBef>
+              <a:spcAft>
+                <a:spcPts val="400"/>
+              </a:spcAft>
+              <a:buClr>
+                <a:srgbClr val="C00000"/>
+              </a:buClr>
+              <a:buSzPct val="90000"/>
+              <a:buFont typeface="Wingdings" panose="05000000000000000000" pitchFamily="2" charset="2"/>
+              <a:buChar char=""/>
+              <a:tabLst>
+                <a:tab pos="630238" algn="l"/>
+              </a:tabLst>
+              <a:defRPr lang="en-US" sz="2000" kern="1200">
+                <a:solidFill>
+                  <a:schemeClr val="tx1"/>
+                </a:solidFill>
+                <a:latin typeface="+mn-lt"/>
+                <a:ea typeface="+mn-ea"/>
+                <a:cs typeface="+mn-cs"/>
+              </a:defRPr>
+            </a:lvl2pPr>
+            <a:lvl3pPr marL="803275" indent="-173038" algn="l" defTabSz="914363" rtl="0" eaLnBrk="1" latinLnBrk="0" hangingPunct="1">
+              <a:lnSpc>
+                <a:spcPct val="90000"/>
+              </a:lnSpc>
+              <a:spcBef>
+                <a:spcPts val="0"/>
+              </a:spcBef>
+              <a:spcAft>
+                <a:spcPts val="400"/>
+              </a:spcAft>
+              <a:buClr>
+                <a:srgbClr val="C00000"/>
+              </a:buClr>
+              <a:buSzPct val="90000"/>
+              <a:buFont typeface="Wingdings" panose="05000000000000000000" pitchFamily="2" charset="2"/>
+              <a:buChar char="§"/>
+              <a:defRPr lang="en-US" sz="1800" kern="1200">
+                <a:solidFill>
+                  <a:schemeClr val="tx1"/>
+                </a:solidFill>
+                <a:latin typeface="+mn-lt"/>
+                <a:ea typeface="+mn-ea"/>
+                <a:cs typeface="+mn-cs"/>
+              </a:defRPr>
+            </a:lvl3pPr>
+            <a:lvl4pPr marL="1074738" indent="-173038" algn="l" defTabSz="914363" rtl="0" eaLnBrk="1" latinLnBrk="0" hangingPunct="1">
+              <a:lnSpc>
+                <a:spcPct val="90000"/>
+              </a:lnSpc>
+              <a:spcBef>
+                <a:spcPts val="0"/>
+              </a:spcBef>
+              <a:spcAft>
+                <a:spcPts val="400"/>
+              </a:spcAft>
+              <a:buClr>
+                <a:srgbClr val="C00000"/>
+              </a:buClr>
+              <a:buSzPct val="90000"/>
+              <a:buFont typeface="Wingdings" panose="05000000000000000000" pitchFamily="2" charset="2"/>
+              <a:buChar char="ü"/>
+              <a:tabLst>
+                <a:tab pos="914400" algn="l"/>
+              </a:tabLst>
+              <a:defRPr lang="en-US" sz="1600" kern="1200">
+                <a:solidFill>
+                  <a:schemeClr val="tx1"/>
+                </a:solidFill>
+                <a:latin typeface="+mn-lt"/>
+                <a:ea typeface="+mn-ea"/>
+                <a:cs typeface="+mn-cs"/>
+              </a:defRPr>
+            </a:lvl4pPr>
+            <a:lvl5pPr marL="1346200" indent="-184150" algn="l" defTabSz="914363" rtl="0" eaLnBrk="1" latinLnBrk="0" hangingPunct="1">
+              <a:lnSpc>
+                <a:spcPct val="90000"/>
+              </a:lnSpc>
+              <a:spcBef>
+                <a:spcPts val="0"/>
+              </a:spcBef>
+              <a:spcAft>
+                <a:spcPts val="400"/>
+              </a:spcAft>
+              <a:buClr>
+                <a:srgbClr val="C00000"/>
+              </a:buClr>
+              <a:buSzPct val="90000"/>
+              <a:buFont typeface="Arial" pitchFamily="34" charset="0"/>
+              <a:buChar char="•"/>
+              <a:defRPr lang="en-US" sz="1600" kern="1200">
+                <a:solidFill>
+                  <a:schemeClr val="tx1"/>
+                </a:solidFill>
+                <a:latin typeface="+mn-lt"/>
+                <a:ea typeface="+mn-ea"/>
+                <a:cs typeface="+mn-cs"/>
+              </a:defRPr>
+            </a:lvl5pPr>
+            <a:lvl6pPr marL="2514499" indent="-228591" algn="l" defTabSz="914363" rtl="0" eaLnBrk="1" latinLnBrk="0" hangingPunct="1">
+              <a:spcBef>
+                <a:spcPct val="20000"/>
+              </a:spcBef>
+              <a:buFont typeface="Arial" pitchFamily="34" charset="0"/>
+              <a:buChar char="•"/>
+              <a:defRPr sz="2000" kern="1200">
+                <a:solidFill>
+                  <a:schemeClr val="tx1"/>
+                </a:solidFill>
+                <a:latin typeface="+mn-lt"/>
+                <a:ea typeface="+mn-ea"/>
+                <a:cs typeface="+mn-cs"/>
+              </a:defRPr>
+            </a:lvl6pPr>
+            <a:lvl7pPr marL="2971681" indent="-228591" algn="l" defTabSz="914363" rtl="0" eaLnBrk="1" latinLnBrk="0" hangingPunct="1">
+              <a:spcBef>
+                <a:spcPct val="20000"/>
+              </a:spcBef>
+              <a:buFont typeface="Arial" pitchFamily="34" charset="0"/>
+              <a:buChar char="•"/>
+              <a:defRPr sz="2000" kern="1200">
+                <a:solidFill>
+                  <a:schemeClr val="tx1"/>
+                </a:solidFill>
+                <a:latin typeface="+mn-lt"/>
+                <a:ea typeface="+mn-ea"/>
+                <a:cs typeface="+mn-cs"/>
+              </a:defRPr>
+            </a:lvl7pPr>
+            <a:lvl8pPr marL="3428863" indent="-228591" algn="l" defTabSz="914363" rtl="0" eaLnBrk="1" latinLnBrk="0" hangingPunct="1">
+              <a:spcBef>
+                <a:spcPct val="20000"/>
+              </a:spcBef>
+              <a:buFont typeface="Arial" pitchFamily="34" charset="0"/>
+              <a:buChar char="•"/>
+              <a:defRPr sz="2000" kern="1200">
+                <a:solidFill>
+                  <a:schemeClr val="tx1"/>
+                </a:solidFill>
+                <a:latin typeface="+mn-lt"/>
+                <a:ea typeface="+mn-ea"/>
+                <a:cs typeface="+mn-cs"/>
+              </a:defRPr>
+            </a:lvl8pPr>
+            <a:lvl9pPr marL="3886045" indent="-228591" algn="l" defTabSz="914363" rtl="0" eaLnBrk="1" latinLnBrk="0" hangingPunct="1">
+              <a:spcBef>
+                <a:spcPct val="20000"/>
+              </a:spcBef>
+              <a:buFont typeface="Arial" pitchFamily="34" charset="0"/>
+              <a:buChar char="•"/>
+              <a:defRPr sz="2000" kern="1200">
+                <a:solidFill>
+                  <a:schemeClr val="tx1"/>
+                </a:solidFill>
+                <a:latin typeface="+mn-lt"/>
+                <a:ea typeface="+mn-ea"/>
+                <a:cs typeface="+mn-cs"/>
+              </a:defRPr>
+            </a:lvl9pPr>
+          </a:lstStyle>
+          <a:p>
+            <a:pPr defTabSz="914400">
+              <a:lnSpc>
+                <a:spcPct val="100000"/>
+              </a:lnSpc>
+              <a:spcBef>
+                <a:spcPts val="1200"/>
+              </a:spcBef>
+              <a:spcAft>
+                <a:spcPts val="0"/>
+              </a:spcAft>
+              <a:buClrTx/>
+              <a:buSzTx/>
+              <a:buFont typeface="Wingdings" panose="05000000000000000000" pitchFamily="2" charset="2"/>
+              <a:buChar char="§"/>
+            </a:pPr>
+            <a:r>
+              <a:rPr lang="es-AR" sz="2000" dirty="0" smtClean="0">
+                <a:cs typeface="Arial" pitchFamily="34" charset="0"/>
+              </a:rPr>
+              <a:t>Enunciado </a:t>
+            </a:r>
+            <a:r>
+              <a:rPr lang="es-AR" sz="1600" dirty="0" smtClean="0">
+                <a:cs typeface="Arial" pitchFamily="34" charset="0"/>
+              </a:rPr>
+              <a:t>(</a:t>
+            </a:r>
+            <a:r>
+              <a:rPr lang="es-AR" sz="1600" dirty="0" err="1" smtClean="0">
+                <a:cs typeface="Arial" pitchFamily="34" charset="0"/>
+              </a:rPr>
+              <a:t>oops</a:t>
+            </a:r>
+            <a:r>
+              <a:rPr lang="es-AR" sz="1600" dirty="0" smtClean="0">
+                <a:cs typeface="Arial" pitchFamily="34" charset="0"/>
+              </a:rPr>
+              <a:t>, </a:t>
+            </a:r>
+            <a:r>
+              <a:rPr lang="es-AR" sz="1600" dirty="0" err="1" smtClean="0">
+                <a:cs typeface="Arial" pitchFamily="34" charset="0"/>
+              </a:rPr>
+              <a:t>we</a:t>
+            </a:r>
+            <a:r>
+              <a:rPr lang="es-AR" sz="1600" dirty="0" smtClean="0">
+                <a:cs typeface="Arial" pitchFamily="34" charset="0"/>
+              </a:rPr>
+              <a:t> </a:t>
+            </a:r>
+            <a:r>
+              <a:rPr lang="es-AR" sz="1600" dirty="0" err="1" smtClean="0">
+                <a:cs typeface="Arial" pitchFamily="34" charset="0"/>
+              </a:rPr>
+              <a:t>got</a:t>
+            </a:r>
+            <a:r>
+              <a:rPr lang="es-AR" sz="1600" dirty="0" smtClean="0">
+                <a:cs typeface="Arial" pitchFamily="34" charset="0"/>
+              </a:rPr>
+              <a:t> </a:t>
+            </a:r>
+            <a:r>
+              <a:rPr lang="es-AR" sz="1600" dirty="0" err="1" smtClean="0">
+                <a:cs typeface="Arial" pitchFamily="34" charset="0"/>
+              </a:rPr>
+              <a:t>the</a:t>
+            </a:r>
+            <a:r>
+              <a:rPr lang="es-AR" sz="1600" dirty="0" smtClean="0">
+                <a:cs typeface="Arial" pitchFamily="34" charset="0"/>
+              </a:rPr>
+              <a:t> </a:t>
+            </a:r>
+            <a:r>
+              <a:rPr lang="es-AR" sz="1600" dirty="0" err="1" smtClean="0">
+                <a:cs typeface="Arial" pitchFamily="34" charset="0"/>
+              </a:rPr>
+              <a:t>language</a:t>
+            </a:r>
+            <a:r>
+              <a:rPr lang="es-AR" sz="1600" dirty="0" smtClean="0">
+                <a:cs typeface="Arial" pitchFamily="34" charset="0"/>
+              </a:rPr>
+              <a:t> </a:t>
+            </a:r>
+            <a:r>
+              <a:rPr lang="es-AR" sz="1600" dirty="0" err="1" smtClean="0">
+                <a:cs typeface="Arial" pitchFamily="34" charset="0"/>
+              </a:rPr>
+              <a:t>wrong</a:t>
+            </a:r>
+            <a:r>
+              <a:rPr lang="es-AR" sz="1600" dirty="0" smtClean="0">
+                <a:cs typeface="Arial" pitchFamily="34" charset="0"/>
+              </a:rPr>
+              <a:t>!)</a:t>
+            </a:r>
+          </a:p>
+          <a:p>
+            <a:pPr lvl="1" defTabSz="914400">
+              <a:lnSpc>
+                <a:spcPct val="100000"/>
+              </a:lnSpc>
+              <a:spcBef>
+                <a:spcPts val="1200"/>
+              </a:spcBef>
+              <a:spcAft>
+                <a:spcPts val="0"/>
+              </a:spcAft>
+              <a:buClrTx/>
+              <a:buSzTx/>
+              <a:buFont typeface="Wingdings" panose="05000000000000000000" pitchFamily="2" charset="2"/>
+              <a:buChar char="§"/>
+            </a:pPr>
+            <a:r>
+              <a:rPr lang="es-AR" sz="1600" dirty="0" smtClean="0">
+                <a:cs typeface="Arial" pitchFamily="34" charset="0"/>
+              </a:rPr>
+              <a:t>Como la empresa está festejando su 10° aniversario, los directivos decidieron ofrecer una promoción especial.</a:t>
+            </a:r>
+          </a:p>
+          <a:p>
+            <a:pPr lvl="1" defTabSz="914400">
+              <a:lnSpc>
+                <a:spcPct val="100000"/>
+              </a:lnSpc>
+              <a:spcBef>
+                <a:spcPts val="1200"/>
+              </a:spcBef>
+              <a:spcAft>
+                <a:spcPts val="0"/>
+              </a:spcAft>
+              <a:buClrTx/>
+              <a:buSzTx/>
+              <a:buFont typeface="Wingdings" panose="05000000000000000000" pitchFamily="2" charset="2"/>
+              <a:buChar char="§"/>
+            </a:pPr>
+            <a:r>
+              <a:rPr lang="es-AR" sz="1600" dirty="0" smtClean="0">
+                <a:cs typeface="Arial" pitchFamily="34" charset="0"/>
+              </a:rPr>
+              <a:t>Los clientes que compren frecuentemente serán beneficiados a partir de un esquema de puntos obtenidos mediante cada compra, con los que podrán acceder a beneficios desopilantes.</a:t>
+            </a:r>
+          </a:p>
+          <a:p>
+            <a:pPr lvl="1" defTabSz="914400">
+              <a:lnSpc>
+                <a:spcPct val="100000"/>
+              </a:lnSpc>
+              <a:spcBef>
+                <a:spcPts val="1200"/>
+              </a:spcBef>
+              <a:spcAft>
+                <a:spcPts val="0"/>
+              </a:spcAft>
+              <a:buClrTx/>
+              <a:buSzTx/>
+              <a:buFont typeface="Wingdings" panose="05000000000000000000" pitchFamily="2" charset="2"/>
+              <a:buChar char="§"/>
+            </a:pPr>
+            <a:r>
+              <a:rPr lang="es-AR" sz="1600" dirty="0" smtClean="0">
+                <a:cs typeface="Arial" pitchFamily="34" charset="0"/>
+              </a:rPr>
+              <a:t>Los puntos se otorgarán según los siguientes rangos:</a:t>
+            </a:r>
+          </a:p>
+          <a:p>
+            <a:pPr lvl="2" defTabSz="914400">
+              <a:lnSpc>
+                <a:spcPct val="100000"/>
+              </a:lnSpc>
+              <a:spcBef>
+                <a:spcPts val="1200"/>
+              </a:spcBef>
+              <a:spcAft>
+                <a:spcPts val="0"/>
+              </a:spcAft>
+              <a:buClrTx/>
+              <a:buSzTx/>
+            </a:pPr>
+            <a:r>
+              <a:rPr lang="es-AR" sz="1400" dirty="0" smtClean="0">
+                <a:cs typeface="Arial" pitchFamily="34" charset="0"/>
+              </a:rPr>
+              <a:t>Compra entre $1 y $4999: Puntos otorgados = Monto Compra * 1</a:t>
+            </a:r>
+          </a:p>
+          <a:p>
+            <a:pPr lvl="2" defTabSz="914400">
+              <a:lnSpc>
+                <a:spcPct val="100000"/>
+              </a:lnSpc>
+              <a:spcBef>
+                <a:spcPts val="1200"/>
+              </a:spcBef>
+              <a:spcAft>
+                <a:spcPts val="0"/>
+              </a:spcAft>
+              <a:buClrTx/>
+              <a:buSzTx/>
+            </a:pPr>
+            <a:r>
+              <a:rPr lang="es-AR" sz="1400" dirty="0" smtClean="0">
+                <a:cs typeface="Arial" pitchFamily="34" charset="0"/>
+              </a:rPr>
+              <a:t>Compra entre $5000 y $9999: Puntos otorgados = Monto Compra * 2</a:t>
+            </a:r>
+          </a:p>
+          <a:p>
+            <a:pPr lvl="2" defTabSz="914400">
+              <a:lnSpc>
+                <a:spcPct val="100000"/>
+              </a:lnSpc>
+              <a:spcBef>
+                <a:spcPts val="1200"/>
+              </a:spcBef>
+              <a:spcAft>
+                <a:spcPts val="0"/>
+              </a:spcAft>
+              <a:buClrTx/>
+              <a:buSzTx/>
+            </a:pPr>
+            <a:r>
+              <a:rPr lang="es-AR" sz="1400" dirty="0" smtClean="0">
+                <a:cs typeface="Arial" pitchFamily="34" charset="0"/>
+              </a:rPr>
+              <a:t>Compra entre $10000 y $19999: Puntos otorgados = Monto Compra * 3</a:t>
+            </a:r>
+          </a:p>
+          <a:p>
+            <a:pPr lvl="2" defTabSz="914400">
+              <a:lnSpc>
+                <a:spcPct val="100000"/>
+              </a:lnSpc>
+              <a:spcBef>
+                <a:spcPts val="1200"/>
+              </a:spcBef>
+              <a:spcAft>
+                <a:spcPts val="0"/>
+              </a:spcAft>
+              <a:buClrTx/>
+              <a:buSzTx/>
+            </a:pPr>
+            <a:r>
+              <a:rPr lang="es-AR" sz="1400" dirty="0" smtClean="0">
+                <a:cs typeface="Arial" pitchFamily="34" charset="0"/>
+              </a:rPr>
+              <a:t>Compra mayor a $20000: Puntos otorgados = Monto Compra * 4</a:t>
+            </a:r>
+          </a:p>
+          <a:p>
+            <a:pPr defTabSz="914400">
+              <a:lnSpc>
+                <a:spcPct val="100000"/>
+              </a:lnSpc>
+              <a:spcBef>
+                <a:spcPts val="1200"/>
+              </a:spcBef>
+              <a:spcAft>
+                <a:spcPts val="0"/>
+              </a:spcAft>
+              <a:buClrTx/>
+              <a:buSzTx/>
+              <a:buFont typeface="Wingdings" panose="05000000000000000000" pitchFamily="2" charset="2"/>
+              <a:buChar char="§"/>
+            </a:pPr>
+            <a:r>
+              <a:rPr lang="es-AR" sz="2000" dirty="0" smtClean="0">
+                <a:cs typeface="Arial" pitchFamily="34" charset="0"/>
+              </a:rPr>
+              <a:t>Objetivo</a:t>
+            </a:r>
+          </a:p>
+          <a:p>
+            <a:pPr lvl="1" defTabSz="914400">
+              <a:lnSpc>
+                <a:spcPct val="100000"/>
+              </a:lnSpc>
+              <a:spcBef>
+                <a:spcPts val="1200"/>
+              </a:spcBef>
+              <a:spcAft>
+                <a:spcPts val="0"/>
+              </a:spcAft>
+              <a:buClrTx/>
+              <a:buSzTx/>
+              <a:buFont typeface="Wingdings" panose="05000000000000000000" pitchFamily="2" charset="2"/>
+              <a:buChar char="§"/>
+            </a:pPr>
+            <a:r>
+              <a:rPr lang="es-AR" sz="1600" dirty="0" smtClean="0">
+                <a:cs typeface="Arial" pitchFamily="34" charset="0"/>
+              </a:rPr>
+              <a:t>Implementar los nuevos requerimientos de negocio, asegurando mediante </a:t>
+            </a:r>
+            <a:r>
+              <a:rPr lang="es-AR" sz="1600" dirty="0" err="1" smtClean="0">
+                <a:cs typeface="Arial" pitchFamily="34" charset="0"/>
+              </a:rPr>
+              <a:t>tests</a:t>
+            </a:r>
+            <a:r>
+              <a:rPr lang="es-AR" sz="1600" dirty="0" smtClean="0">
+                <a:cs typeface="Arial" pitchFamily="34" charset="0"/>
+              </a:rPr>
+              <a:t> unitarios, que se cumplan adecuadamente y que no se vea afectada la funcionalidad actual de la aplicación.</a:t>
+            </a:r>
+          </a:p>
+          <a:p>
+            <a:pPr lvl="1" defTabSz="914400">
+              <a:lnSpc>
+                <a:spcPct val="100000"/>
+              </a:lnSpc>
+              <a:spcBef>
+                <a:spcPts val="1200"/>
+              </a:spcBef>
+              <a:spcAft>
+                <a:spcPts val="0"/>
+              </a:spcAft>
+              <a:buClrTx/>
+              <a:buSzTx/>
+              <a:buFont typeface="Wingdings" panose="05000000000000000000" pitchFamily="2" charset="2"/>
+              <a:buChar char="§"/>
+            </a:pPr>
+            <a:r>
+              <a:rPr lang="es-AR" sz="1600" dirty="0" smtClean="0">
+                <a:cs typeface="Arial" pitchFamily="34" charset="0"/>
+              </a:rPr>
+              <a:t>Los </a:t>
+            </a:r>
+            <a:r>
+              <a:rPr lang="es-AR" sz="1600" dirty="0" err="1" smtClean="0">
+                <a:cs typeface="Arial" pitchFamily="34" charset="0"/>
+              </a:rPr>
+              <a:t>tests</a:t>
+            </a:r>
+            <a:r>
+              <a:rPr lang="es-AR" sz="1600" dirty="0" smtClean="0">
+                <a:cs typeface="Arial" pitchFamily="34" charset="0"/>
+              </a:rPr>
+              <a:t> de integración que ya tiene la aplicación deben seguir ejecutando exitosamente.</a:t>
+            </a:r>
+          </a:p>
+          <a:p>
+            <a:pPr lvl="1" defTabSz="914400">
+              <a:lnSpc>
+                <a:spcPct val="100000"/>
+              </a:lnSpc>
+              <a:spcBef>
+                <a:spcPts val="1200"/>
+              </a:spcBef>
+              <a:spcAft>
+                <a:spcPts val="0"/>
+              </a:spcAft>
+              <a:buClrTx/>
+              <a:buSzTx/>
+              <a:buFont typeface="Wingdings" panose="05000000000000000000" pitchFamily="2" charset="2"/>
+              <a:buChar char="§"/>
+            </a:pPr>
+            <a:r>
+              <a:rPr lang="es-AR" sz="1600" dirty="0" smtClean="0">
+                <a:cs typeface="Arial" pitchFamily="34" charset="0"/>
+              </a:rPr>
+              <a:t>Se permite (y recomienda!) hacer todos los cambios que sean necesarios para que </a:t>
+            </a:r>
+            <a:br>
+              <a:rPr lang="es-AR" sz="1600" dirty="0" smtClean="0">
+                <a:cs typeface="Arial" pitchFamily="34" charset="0"/>
+              </a:rPr>
+            </a:br>
+            <a:r>
+              <a:rPr lang="es-AR" sz="1600" dirty="0" smtClean="0">
+                <a:cs typeface="Arial" pitchFamily="34" charset="0"/>
+              </a:rPr>
+              <a:t>la aplicación sea </a:t>
+            </a:r>
+            <a:r>
+              <a:rPr lang="es-AR" sz="1600" dirty="0" err="1" smtClean="0">
+                <a:cs typeface="Arial" pitchFamily="34" charset="0"/>
+              </a:rPr>
+              <a:t>testeable</a:t>
+            </a:r>
+            <a:r>
+              <a:rPr lang="es-AR" sz="1600" dirty="0" smtClean="0">
+                <a:cs typeface="Arial" pitchFamily="34" charset="0"/>
+              </a:rPr>
+              <a:t>.</a:t>
+            </a:r>
+            <a:endParaRPr lang="es-AR" sz="1600" dirty="0">
+              <a:cs typeface="Arial" pitchFamily="34" charset="0"/>
+            </a:endParaRPr>
+          </a:p>
+        </p:txBody>
+      </p:sp>
+    </p:spTree>
+    <p:extLst>
+      <p:ext uri="{BB962C8B-B14F-4D97-AF65-F5344CB8AC3E}">
+        <p14:creationId xmlns:p14="http://schemas.microsoft.com/office/powerpoint/2010/main" val="3113440951"/>
+      </p:ext>
+    </p:extLst>
+  </p:cSld>
+  <p:clrMapOvr>
+    <a:masterClrMapping/>
+  </p:clrMapOvr>
+  <p:transition spd="slow">
+    <p:wipe/>
+  </p:transition>
+  <p:timing>
+    <p:tnLst>
+      <p:par>
+        <p:cTn id="1" dur="indefinite" restart="never" nodeType="tmRoot"/>
+      </p:par>
+    </p:tnLst>
+  </p:timing>
+</p:sld>
+</file>
+
+<file path=ppt/slides/slide27.xml><?xml version="1.0" encoding="utf-8"?>
+<p:sld xmlns:a="http://schemas.openxmlformats.org/drawingml/2006/main" xmlns:r="http://schemas.openxmlformats.org/officeDocument/2006/relationships" xmlns:p="http://schemas.openxmlformats.org/presentationml/2006/main">
+  <p:cSld>
+    <p:spTree>
+      <p:nvGrpSpPr>
+        <p:cNvPr id="1" name=""/>
+        <p:cNvGrpSpPr/>
+        <p:nvPr/>
+      </p:nvGrpSpPr>
+      <p:grpSpPr>
+        <a:xfrm>
+          <a:off x="0" y="0"/>
+          <a:ext cx="0" cy="0"/>
+          <a:chOff x="0" y="0"/>
+          <a:chExt cx="0" cy="0"/>
+        </a:xfrm>
+      </p:grpSpPr>
+      <p:sp>
+        <p:nvSpPr>
+          <p:cNvPr id="15" name="Rectangle 14"/>
+          <p:cNvSpPr/>
+          <p:nvPr/>
+        </p:nvSpPr>
+        <p:spPr>
+          <a:xfrm>
+            <a:off x="-13252" y="1"/>
+            <a:ext cx="12218504" cy="1016000"/>
+          </a:xfrm>
+          <a:prstGeom prst="rect">
+            <a:avLst/>
+          </a:prstGeom>
+          <a:solidFill>
+            <a:srgbClr val="FF9600"/>
+          </a:solidFill>
+          <a:ln>
+            <a:noFill/>
+          </a:ln>
+        </p:spPr>
+        <p:style>
+          <a:lnRef idx="1">
+            <a:schemeClr val="accent6"/>
+          </a:lnRef>
+          <a:fillRef idx="3">
+            <a:schemeClr val="accent6"/>
+          </a:fillRef>
+          <a:effectRef idx="2">
+            <a:schemeClr val="accent6"/>
+          </a:effectRef>
+          <a:fontRef idx="minor">
+            <a:schemeClr val="lt1"/>
+          </a:fontRef>
+        </p:style>
+        <p:txBody>
+          <a:bodyPr anchor="ctr"/>
+          <a:lstStyle/>
+          <a:p>
+            <a:pPr marL="0" marR="0" lvl="0" indent="0" algn="ctr" defTabSz="914400" eaLnBrk="1" fontAlgn="auto" latinLnBrk="0" hangingPunct="1">
+              <a:lnSpc>
+                <a:spcPct val="100000"/>
+              </a:lnSpc>
+              <a:spcBef>
+                <a:spcPts val="0"/>
+              </a:spcBef>
+              <a:spcAft>
+                <a:spcPts val="0"/>
+              </a:spcAft>
+              <a:buClrTx/>
+              <a:buSzTx/>
+              <a:buFontTx/>
+              <a:buNone/>
+              <a:tabLst/>
+              <a:defRPr/>
+            </a:pPr>
+            <a:r>
+              <a:rPr kumimoji="0" lang="es-ES_tradnl" sz="1800" b="0" i="0" u="none" strike="noStrike" kern="0" cap="none" spc="0" normalizeH="0" baseline="0" noProof="0" dirty="0" smtClean="0">
+                <a:ln>
+                  <a:noFill/>
+                </a:ln>
+                <a:solidFill>
+                  <a:srgbClr val="FFFFFF"/>
+                </a:solidFill>
+                <a:effectLst/>
+                <a:uLnTx/>
+                <a:uFillTx/>
+                <a:latin typeface="Arial"/>
+                <a:ea typeface="ＭＳ Ｐゴシック" pitchFamily="-108" charset="-128"/>
+                <a:cs typeface="+mn-cs"/>
+              </a:rPr>
+              <a:t>  </a:t>
+            </a:r>
+            <a:endParaRPr kumimoji="0" lang="es-ES_tradnl" sz="1800" b="0" i="0" u="none" strike="noStrike" kern="0" cap="none" spc="0" normalizeH="0" baseline="0" noProof="0" dirty="0">
+              <a:ln>
+                <a:noFill/>
+              </a:ln>
+              <a:solidFill>
+                <a:srgbClr val="FFFFFF"/>
+              </a:solidFill>
+              <a:effectLst/>
+              <a:uLnTx/>
+              <a:uFillTx/>
+              <a:latin typeface="Arial"/>
+              <a:ea typeface="ＭＳ Ｐゴシック" pitchFamily="-108" charset="-128"/>
+              <a:cs typeface="+mn-cs"/>
+            </a:endParaRPr>
+          </a:p>
+        </p:txBody>
+      </p:sp>
+      <p:sp>
+        <p:nvSpPr>
+          <p:cNvPr id="16" name="TextBox 15"/>
+          <p:cNvSpPr txBox="1"/>
+          <p:nvPr/>
+        </p:nvSpPr>
+        <p:spPr>
+          <a:xfrm>
             <a:off x="515936" y="212035"/>
             <a:ext cx="11676063" cy="553998"/>
           </a:xfrm>
@@ -26638,7 +27400,7 @@
 </p:sld>
 </file>
 
-<file path=ppt/slides/slide27.xml><?xml version="1.0" encoding="utf-8"?>
+<file path=ppt/slides/slide28.xml><?xml version="1.0" encoding="utf-8"?>
 <p:sld xmlns:a="http://schemas.openxmlformats.org/drawingml/2006/main" xmlns:r="http://schemas.openxmlformats.org/officeDocument/2006/relationships" xmlns:p="http://schemas.openxmlformats.org/presentationml/2006/main">
   <p:cSld>
     <p:spTree>
@@ -26701,7 +27463,7 @@
 </p:sld>
 </file>
 
-<file path=ppt/slides/slide28.xml><?xml version="1.0" encoding="utf-8"?>
+<file path=ppt/slides/slide29.xml><?xml version="1.0" encoding="utf-8"?>
 <p:sld xmlns:a="http://schemas.openxmlformats.org/drawingml/2006/main" xmlns:r="http://schemas.openxmlformats.org/officeDocument/2006/relationships" xmlns:p="http://schemas.openxmlformats.org/presentationml/2006/main">
   <p:cSld>
     <p:spTree>
@@ -27162,69 +27924,6 @@
     <p:extLst>
       <p:ext uri="{BB962C8B-B14F-4D97-AF65-F5344CB8AC3E}">
         <p14:creationId xmlns:p14="http://schemas.microsoft.com/office/powerpoint/2010/main" val="4101275204"/>
-      </p:ext>
-    </p:extLst>
-  </p:cSld>
-  <p:clrMapOvr>
-    <a:masterClrMapping/>
-  </p:clrMapOvr>
-  <p:transition spd="slow">
-    <p:wipe/>
-  </p:transition>
-  <p:timing>
-    <p:tnLst>
-      <p:par>
-        <p:cTn id="1" dur="indefinite" restart="never" nodeType="tmRoot"/>
-      </p:par>
-    </p:tnLst>
-  </p:timing>
-</p:sld>
-</file>
-
-<file path=ppt/slides/slide29.xml><?xml version="1.0" encoding="utf-8"?>
-<p:sld xmlns:a="http://schemas.openxmlformats.org/drawingml/2006/main" xmlns:r="http://schemas.openxmlformats.org/officeDocument/2006/relationships" xmlns:p="http://schemas.openxmlformats.org/presentationml/2006/main">
-  <p:cSld>
-    <p:spTree>
-      <p:nvGrpSpPr>
-        <p:cNvPr id="1" name=""/>
-        <p:cNvGrpSpPr/>
-        <p:nvPr/>
-      </p:nvGrpSpPr>
-      <p:grpSpPr>
-        <a:xfrm>
-          <a:off x="0" y="0"/>
-          <a:ext cx="0" cy="0"/>
-          <a:chOff x="0" y="0"/>
-          <a:chExt cx="0" cy="0"/>
-        </a:xfrm>
-      </p:grpSpPr>
-      <p:sp>
-        <p:nvSpPr>
-          <p:cNvPr id="4" name="Title 3"/>
-          <p:cNvSpPr>
-            <a:spLocks noGrp="1"/>
-          </p:cNvSpPr>
-          <p:nvPr>
-            <p:ph type="ctrTitle"/>
-          </p:nvPr>
-        </p:nvSpPr>
-        <p:spPr/>
-        <p:txBody>
-          <a:bodyPr/>
-          <a:lstStyle/>
-          <a:p>
-            <a:r>
-              <a:rPr lang="es-AR" dirty="0" err="1" smtClean="0"/>
-              <a:t>Summary</a:t>
-            </a:r>
-            <a:endParaRPr lang="es-AR" dirty="0"/>
-          </a:p>
-        </p:txBody>
-      </p:sp>
-    </p:spTree>
-    <p:extLst>
-      <p:ext uri="{BB962C8B-B14F-4D97-AF65-F5344CB8AC3E}">
-        <p14:creationId xmlns:p14="http://schemas.microsoft.com/office/powerpoint/2010/main" val="689075145"/>
       </p:ext>
     </p:extLst>
   </p:cSld>
@@ -27873,519 +28572,31 @@
       </p:grpSpPr>
       <p:sp>
         <p:nvSpPr>
-          <p:cNvPr id="15" name="Rectangle 14"/>
-          <p:cNvSpPr/>
-          <p:nvPr/>
+          <p:cNvPr id="4" name="Title 3"/>
+          <p:cNvSpPr>
+            <a:spLocks noGrp="1"/>
+          </p:cNvSpPr>
+          <p:nvPr>
+            <p:ph type="ctrTitle"/>
+          </p:nvPr>
         </p:nvSpPr>
-        <p:spPr>
-          <a:xfrm>
-            <a:off x="-13252" y="1"/>
-            <a:ext cx="12218504" cy="1016000"/>
-          </a:xfrm>
-          <a:prstGeom prst="rect">
-            <a:avLst/>
-          </a:prstGeom>
-          <a:solidFill>
-            <a:srgbClr val="FF9600"/>
-          </a:solidFill>
-          <a:ln>
-            <a:noFill/>
-          </a:ln>
-        </p:spPr>
-        <p:style>
-          <a:lnRef idx="1">
-            <a:schemeClr val="accent6"/>
-          </a:lnRef>
-          <a:fillRef idx="3">
-            <a:schemeClr val="accent6"/>
-          </a:fillRef>
-          <a:effectRef idx="2">
-            <a:schemeClr val="accent6"/>
-          </a:effectRef>
-          <a:fontRef idx="minor">
-            <a:schemeClr val="lt1"/>
-          </a:fontRef>
-        </p:style>
+        <p:spPr/>
         <p:txBody>
-          <a:bodyPr anchor="ctr"/>
+          <a:bodyPr/>
           <a:lstStyle/>
           <a:p>
-            <a:pPr marL="0" marR="0" lvl="0" indent="0" algn="ctr" defTabSz="914400" eaLnBrk="1" fontAlgn="auto" latinLnBrk="0" hangingPunct="1">
-              <a:lnSpc>
-                <a:spcPct val="100000"/>
-              </a:lnSpc>
-              <a:spcBef>
-                <a:spcPts val="0"/>
-              </a:spcBef>
-              <a:spcAft>
-                <a:spcPts val="0"/>
-              </a:spcAft>
-              <a:buClrTx/>
-              <a:buSzTx/>
-              <a:buFontTx/>
-              <a:buNone/>
-              <a:tabLst/>
-              <a:defRPr/>
-            </a:pPr>
-            <a:r>
-              <a:rPr kumimoji="0" lang="es-ES_tradnl" sz="1800" b="0" i="0" u="none" strike="noStrike" kern="0" cap="none" spc="0" normalizeH="0" baseline="0" noProof="0" dirty="0" smtClean="0">
-                <a:ln>
-                  <a:noFill/>
-                </a:ln>
-                <a:solidFill>
-                  <a:srgbClr val="FFFFFF"/>
-                </a:solidFill>
-                <a:effectLst/>
-                <a:uLnTx/>
-                <a:uFillTx/>
-                <a:latin typeface="Arial"/>
-                <a:ea typeface="ＭＳ Ｐゴシック" pitchFamily="-108" charset="-128"/>
-                <a:cs typeface="+mn-cs"/>
-              </a:rPr>
-              <a:t>  </a:t>
-            </a:r>
-            <a:endParaRPr kumimoji="0" lang="es-ES_tradnl" sz="1800" b="0" i="0" u="none" strike="noStrike" kern="0" cap="none" spc="0" normalizeH="0" baseline="0" noProof="0" dirty="0">
-              <a:ln>
-                <a:noFill/>
-              </a:ln>
-              <a:solidFill>
-                <a:srgbClr val="FFFFFF"/>
-              </a:solidFill>
-              <a:effectLst/>
-              <a:uLnTx/>
-              <a:uFillTx/>
-              <a:latin typeface="Arial"/>
-              <a:ea typeface="ＭＳ Ｐゴシック" pitchFamily="-108" charset="-128"/>
-              <a:cs typeface="+mn-cs"/>
-            </a:endParaRPr>
-          </a:p>
-        </p:txBody>
-      </p:sp>
-      <p:sp>
-        <p:nvSpPr>
-          <p:cNvPr id="16" name="TextBox 15"/>
-          <p:cNvSpPr txBox="1"/>
-          <p:nvPr/>
-        </p:nvSpPr>
-        <p:spPr>
-          <a:xfrm>
-            <a:off x="515936" y="212035"/>
-            <a:ext cx="11676063" cy="553998"/>
-          </a:xfrm>
-          <a:prstGeom prst="rect">
-            <a:avLst/>
-          </a:prstGeom>
-          <a:noFill/>
-        </p:spPr>
-        <p:txBody>
-          <a:bodyPr wrap="square" lIns="0" tIns="0" rIns="0" bIns="0" rtlCol="0">
-            <a:spAutoFit/>
-          </a:bodyPr>
-          <a:lstStyle/>
-          <a:p>
-            <a:r>
-              <a:rPr lang="en-US" sz="3600" dirty="0" smtClean="0">
-                <a:solidFill>
-                  <a:schemeClr val="bg1"/>
-                </a:solidFill>
-              </a:rPr>
+            <a:r>
+              <a:rPr lang="es-AR" dirty="0" err="1" smtClean="0"/>
               <a:t>Summary</a:t>
             </a:r>
-            <a:endParaRPr lang="es-AR" sz="3600" dirty="0">
-              <a:solidFill>
-                <a:schemeClr val="bg1"/>
-              </a:solidFill>
-            </a:endParaRPr>
-          </a:p>
-        </p:txBody>
-      </p:sp>
-      <p:sp>
-        <p:nvSpPr>
-          <p:cNvPr id="6" name="Content Placeholder 2"/>
-          <p:cNvSpPr txBox="1">
-            <a:spLocks/>
-          </p:cNvSpPr>
-          <p:nvPr/>
-        </p:nvSpPr>
-        <p:spPr>
-          <a:xfrm>
-            <a:off x="476534" y="1312325"/>
-            <a:ext cx="10987585" cy="4329621"/>
-          </a:xfrm>
-          <a:prstGeom prst="rect">
-            <a:avLst/>
-          </a:prstGeom>
-        </p:spPr>
-        <p:txBody>
-          <a:bodyPr vert="horz" lIns="91440" tIns="45720" rIns="91440" bIns="45720" rtlCol="0">
-            <a:noAutofit/>
-          </a:bodyPr>
-          <a:lstStyle>
-            <a:lvl1pPr marL="273050" marR="0" indent="-273050" algn="l" defTabSz="914400" rtl="0" eaLnBrk="1" fontAlgn="auto" latinLnBrk="0" hangingPunct="1">
-              <a:lnSpc>
-                <a:spcPct val="100000"/>
-              </a:lnSpc>
-              <a:spcBef>
-                <a:spcPts val="1200"/>
-              </a:spcBef>
-              <a:spcAft>
-                <a:spcPts val="0"/>
-              </a:spcAft>
-              <a:buClr>
-                <a:srgbClr val="DA1218"/>
-              </a:buClr>
-              <a:buSzTx/>
-              <a:buFont typeface="Wingdings" pitchFamily="2" charset="2"/>
-              <a:buChar char="§"/>
-              <a:tabLst/>
-              <a:defRPr lang="en-US" sz="2400" kern="1200">
-                <a:solidFill>
-                  <a:schemeClr val="tx1"/>
-                </a:solidFill>
-                <a:latin typeface="Arial" pitchFamily="34" charset="0"/>
-                <a:ea typeface="+mn-ea"/>
-                <a:cs typeface="Arial" pitchFamily="34" charset="0"/>
-              </a:defRPr>
-            </a:lvl1pPr>
-            <a:lvl2pPr marL="628650" marR="0" indent="-355600" algn="l" defTabSz="914400" rtl="0" eaLnBrk="1" fontAlgn="auto" latinLnBrk="0" hangingPunct="1">
-              <a:lnSpc>
-                <a:spcPct val="100000"/>
-              </a:lnSpc>
-              <a:spcBef>
-                <a:spcPct val="20000"/>
-              </a:spcBef>
-              <a:spcAft>
-                <a:spcPts val="0"/>
-              </a:spcAft>
-              <a:buClr>
-                <a:srgbClr val="DA1218"/>
-              </a:buClr>
-              <a:buSzTx/>
-              <a:buFont typeface="Wingdings" pitchFamily="2" charset="2"/>
-              <a:buChar char=""/>
-              <a:tabLst/>
-              <a:defRPr lang="en-US" sz="2000" kern="1200">
-                <a:solidFill>
-                  <a:schemeClr val="tx1"/>
-                </a:solidFill>
-                <a:latin typeface="Arial" pitchFamily="34" charset="0"/>
-                <a:ea typeface="+mn-ea"/>
-                <a:cs typeface="Arial" pitchFamily="34" charset="0"/>
-              </a:defRPr>
-            </a:lvl2pPr>
-            <a:lvl3pPr marL="903288" marR="0" indent="-274638" algn="l" defTabSz="914400" rtl="0" eaLnBrk="1" fontAlgn="auto" latinLnBrk="0" hangingPunct="1">
-              <a:lnSpc>
-                <a:spcPct val="100000"/>
-              </a:lnSpc>
-              <a:spcBef>
-                <a:spcPct val="20000"/>
-              </a:spcBef>
-              <a:spcAft>
-                <a:spcPts val="0"/>
-              </a:spcAft>
-              <a:buClr>
-                <a:srgbClr val="DA1218"/>
-              </a:buClr>
-              <a:buSzTx/>
-              <a:buFont typeface="Wingdings" pitchFamily="2" charset="2"/>
-              <a:buChar char="ü"/>
-              <a:tabLst/>
-              <a:defRPr lang="en-US" sz="1800" kern="1200">
-                <a:solidFill>
-                  <a:schemeClr val="tx1"/>
-                </a:solidFill>
-                <a:latin typeface="Arial" pitchFamily="34" charset="0"/>
-                <a:ea typeface="+mn-ea"/>
-                <a:cs typeface="Arial" pitchFamily="34" charset="0"/>
-              </a:defRPr>
-            </a:lvl3pPr>
-            <a:lvl4pPr marL="1081088" marR="0" indent="-177800" algn="l" defTabSz="914400" rtl="0" eaLnBrk="1" fontAlgn="auto" latinLnBrk="0" hangingPunct="1">
-              <a:lnSpc>
-                <a:spcPct val="100000"/>
-              </a:lnSpc>
-              <a:spcBef>
-                <a:spcPct val="20000"/>
-              </a:spcBef>
-              <a:spcAft>
-                <a:spcPts val="0"/>
-              </a:spcAft>
-              <a:buClr>
-                <a:srgbClr val="DA1218"/>
-              </a:buClr>
-              <a:buSzTx/>
-              <a:buFont typeface="Arial" pitchFamily="34" charset="0"/>
-              <a:buChar char="•"/>
-              <a:tabLst/>
-              <a:defRPr lang="en-US" sz="1600" kern="1200">
-                <a:solidFill>
-                  <a:schemeClr val="tx1"/>
-                </a:solidFill>
-                <a:latin typeface="Arial" pitchFamily="34" charset="0"/>
-                <a:ea typeface="+mn-ea"/>
-                <a:cs typeface="Arial" pitchFamily="34" charset="0"/>
-              </a:defRPr>
-            </a:lvl4pPr>
-            <a:lvl5pPr marL="1258888" marR="0" indent="-177800" algn="l" defTabSz="914400" rtl="0" eaLnBrk="1" fontAlgn="auto" latinLnBrk="0" hangingPunct="1">
-              <a:lnSpc>
-                <a:spcPct val="100000"/>
-              </a:lnSpc>
-              <a:spcBef>
-                <a:spcPct val="20000"/>
-              </a:spcBef>
-              <a:spcAft>
-                <a:spcPts val="0"/>
-              </a:spcAft>
-              <a:buClr>
-                <a:srgbClr val="DA1218"/>
-              </a:buClr>
-              <a:buSzPct val="100000"/>
-              <a:buFont typeface="Courier New" pitchFamily="49" charset="0"/>
-              <a:buChar char="o"/>
-              <a:tabLst/>
-              <a:defRPr lang="es-AR" sz="1400" kern="1200">
-                <a:solidFill>
-                  <a:schemeClr val="tx1"/>
-                </a:solidFill>
-                <a:latin typeface="Arial" pitchFamily="34" charset="0"/>
-                <a:ea typeface="+mn-ea"/>
-                <a:cs typeface="Arial" pitchFamily="34" charset="0"/>
-              </a:defRPr>
-            </a:lvl5pPr>
-            <a:lvl6pPr marL="2514600" indent="-228600" algn="l" defTabSz="914400" rtl="0" eaLnBrk="1" latinLnBrk="0" hangingPunct="1">
-              <a:spcBef>
-                <a:spcPct val="20000"/>
-              </a:spcBef>
-              <a:buFont typeface="Arial" pitchFamily="34" charset="0"/>
-              <a:buChar char="•"/>
-              <a:defRPr sz="2000" kern="1200">
-                <a:solidFill>
-                  <a:schemeClr val="tx1"/>
-                </a:solidFill>
-                <a:latin typeface="+mn-lt"/>
-                <a:ea typeface="+mn-ea"/>
-                <a:cs typeface="+mn-cs"/>
-              </a:defRPr>
-            </a:lvl6pPr>
-            <a:lvl7pPr marL="2971800" indent="-228600" algn="l" defTabSz="914400" rtl="0" eaLnBrk="1" latinLnBrk="0" hangingPunct="1">
-              <a:spcBef>
-                <a:spcPct val="20000"/>
-              </a:spcBef>
-              <a:buFont typeface="Arial" pitchFamily="34" charset="0"/>
-              <a:buChar char="•"/>
-              <a:defRPr sz="2000" kern="1200">
-                <a:solidFill>
-                  <a:schemeClr val="tx1"/>
-                </a:solidFill>
-                <a:latin typeface="+mn-lt"/>
-                <a:ea typeface="+mn-ea"/>
-                <a:cs typeface="+mn-cs"/>
-              </a:defRPr>
-            </a:lvl7pPr>
-            <a:lvl8pPr marL="3429000" indent="-228600" algn="l" defTabSz="914400" rtl="0" eaLnBrk="1" latinLnBrk="0" hangingPunct="1">
-              <a:spcBef>
-                <a:spcPct val="20000"/>
-              </a:spcBef>
-              <a:buFont typeface="Arial" pitchFamily="34" charset="0"/>
-              <a:buChar char="•"/>
-              <a:defRPr sz="2000" kern="1200">
-                <a:solidFill>
-                  <a:schemeClr val="tx1"/>
-                </a:solidFill>
-                <a:latin typeface="+mn-lt"/>
-                <a:ea typeface="+mn-ea"/>
-                <a:cs typeface="+mn-cs"/>
-              </a:defRPr>
-            </a:lvl8pPr>
-            <a:lvl9pPr marL="3886200" indent="-228600" algn="l" defTabSz="914400" rtl="0" eaLnBrk="1" latinLnBrk="0" hangingPunct="1">
-              <a:spcBef>
-                <a:spcPct val="20000"/>
-              </a:spcBef>
-              <a:buFont typeface="Arial" pitchFamily="34" charset="0"/>
-              <a:buChar char="•"/>
-              <a:defRPr sz="2000" kern="1200">
-                <a:solidFill>
-                  <a:schemeClr val="tx1"/>
-                </a:solidFill>
-                <a:latin typeface="+mn-lt"/>
-                <a:ea typeface="+mn-ea"/>
-                <a:cs typeface="+mn-cs"/>
-              </a:defRPr>
-            </a:lvl9pPr>
-          </a:lstStyle>
-          <a:p>
-            <a:pPr marL="0" lvl="1" indent="0">
-              <a:spcBef>
-                <a:spcPts val="1200"/>
-              </a:spcBef>
-              <a:buClrTx/>
-              <a:buNone/>
-            </a:pPr>
-            <a:r>
-              <a:rPr lang="en-GB" dirty="0" smtClean="0">
-                <a:latin typeface="Avenir 45 Book (Body)"/>
-              </a:rPr>
-              <a:t>These practices:</a:t>
-            </a:r>
-          </a:p>
-          <a:p>
-            <a:pPr marL="0" lvl="1" indent="0">
-              <a:spcBef>
-                <a:spcPts val="1200"/>
-              </a:spcBef>
-              <a:buClrTx/>
-              <a:buFont typeface="Wingdings" panose="05000000000000000000" pitchFamily="2" charset="2"/>
-              <a:buChar char="§"/>
-            </a:pPr>
-            <a:endParaRPr lang="en-GB" dirty="0" smtClean="0">
-              <a:latin typeface="Avenir 45 Book (Body)"/>
-            </a:endParaRPr>
-          </a:p>
-          <a:p>
-            <a:pPr marL="0" lvl="1" indent="0">
-              <a:spcBef>
-                <a:spcPts val="1200"/>
-              </a:spcBef>
-              <a:buClrTx/>
-              <a:buFont typeface="Wingdings" panose="05000000000000000000" pitchFamily="2" charset="2"/>
-              <a:buChar char="§"/>
-            </a:pPr>
-            <a:r>
-              <a:rPr lang="en-GB" dirty="0" smtClean="0">
-                <a:latin typeface="Avenir 45 Book (Body)"/>
-              </a:rPr>
-              <a:t> Make your code more maintainable</a:t>
-            </a:r>
-            <a:endParaRPr lang="en-GB" dirty="0">
-              <a:latin typeface="Avenir 45 Book (Body)"/>
-            </a:endParaRPr>
-          </a:p>
-          <a:p>
-            <a:pPr marL="0" lvl="1" indent="0">
-              <a:spcBef>
-                <a:spcPts val="1200"/>
-              </a:spcBef>
-              <a:buClrTx/>
-              <a:buFont typeface="Wingdings" panose="05000000000000000000" pitchFamily="2" charset="2"/>
-              <a:buChar char="§"/>
-            </a:pPr>
-            <a:r>
-              <a:rPr lang="en-GB" dirty="0">
-                <a:latin typeface="Avenir 45 Book (Body)"/>
-              </a:rPr>
-              <a:t> </a:t>
-            </a:r>
-            <a:r>
-              <a:rPr lang="en-GB" dirty="0" smtClean="0">
-                <a:latin typeface="Avenir 45 Book (Body)"/>
-              </a:rPr>
-              <a:t>Minimize the number of errors in the final product</a:t>
-            </a:r>
-          </a:p>
-          <a:p>
-            <a:pPr marL="0" lvl="1" indent="0">
-              <a:spcBef>
-                <a:spcPts val="1200"/>
-              </a:spcBef>
-              <a:buClrTx/>
-              <a:buFont typeface="Wingdings" panose="05000000000000000000" pitchFamily="2" charset="2"/>
-              <a:buChar char="§"/>
-            </a:pPr>
-            <a:r>
-              <a:rPr lang="en-GB" dirty="0" smtClean="0">
-                <a:latin typeface="Avenir 45 Book (Body)"/>
-              </a:rPr>
-              <a:t> Allow early detection of errors in the development environment</a:t>
-            </a:r>
-          </a:p>
-          <a:p>
-            <a:pPr marL="0" lvl="1" indent="0">
-              <a:spcBef>
-                <a:spcPts val="1200"/>
-              </a:spcBef>
-              <a:buClrTx/>
-              <a:buFont typeface="Wingdings" panose="05000000000000000000" pitchFamily="2" charset="2"/>
-              <a:buChar char="§"/>
-            </a:pPr>
-            <a:r>
-              <a:rPr lang="en-GB" dirty="0">
-                <a:latin typeface="Avenir 45 Book (Body)"/>
-              </a:rPr>
-              <a:t> </a:t>
-            </a:r>
-            <a:r>
-              <a:rPr lang="en-GB" dirty="0" smtClean="0">
-                <a:latin typeface="Avenir 45 Book (Body)"/>
-              </a:rPr>
-              <a:t>Reduce development and maintenance time over the project’s lifecycle</a:t>
-            </a:r>
-          </a:p>
-          <a:p>
-            <a:pPr marL="0" lvl="1" indent="0">
-              <a:spcBef>
-                <a:spcPts val="1200"/>
-              </a:spcBef>
-              <a:buClrTx/>
-              <a:buFont typeface="Wingdings" panose="05000000000000000000" pitchFamily="2" charset="2"/>
-              <a:buChar char="§"/>
-            </a:pPr>
-            <a:r>
-              <a:rPr lang="en-GB" b="1" dirty="0" smtClean="0">
-                <a:latin typeface="Avenir 45 Book (Body)"/>
-              </a:rPr>
-              <a:t> Improve the quality of the final product</a:t>
-            </a:r>
-            <a:endParaRPr lang="en-GB" b="1" dirty="0">
-              <a:latin typeface="Avenir 45 Book (Body)"/>
-            </a:endParaRPr>
-          </a:p>
-          <a:p>
-            <a:pPr marL="0" lvl="1" indent="0">
-              <a:spcBef>
-                <a:spcPts val="1200"/>
-              </a:spcBef>
-              <a:buClrTx/>
-              <a:buFont typeface="Wingdings" panose="05000000000000000000" pitchFamily="2" charset="2"/>
-              <a:buChar char="§"/>
-            </a:pPr>
-            <a:endParaRPr lang="en-GB" dirty="0">
-              <a:latin typeface="Avenir 45 Book (Body)"/>
-            </a:endParaRPr>
-          </a:p>
-          <a:p>
-            <a:pPr lvl="0" defTabSz="914363">
-              <a:lnSpc>
-                <a:spcPct val="90000"/>
-              </a:lnSpc>
-              <a:spcBef>
-                <a:spcPts val="0"/>
-              </a:spcBef>
-              <a:spcAft>
-                <a:spcPts val="400"/>
-              </a:spcAft>
-              <a:buClr>
-                <a:schemeClr val="tx1">
-                  <a:lumMod val="75000"/>
-                  <a:lumOff val="25000"/>
-                </a:schemeClr>
-              </a:buClr>
-              <a:buSzPct val="100000"/>
-              <a:buFont typeface="Wingdings" panose="05000000000000000000" pitchFamily="2" charset="2"/>
-              <a:buChar char="ä"/>
-            </a:pPr>
-            <a:endParaRPr lang="es-AR" sz="1600" b="1" dirty="0">
-              <a:solidFill>
-                <a:srgbClr val="000000"/>
-              </a:solidFill>
-              <a:latin typeface="Avenir 45 Book (Body)"/>
-              <a:cs typeface="+mn-cs"/>
-            </a:endParaRPr>
+            <a:endParaRPr lang="es-AR" dirty="0"/>
           </a:p>
         </p:txBody>
       </p:sp>
     </p:spTree>
     <p:extLst>
       <p:ext uri="{BB962C8B-B14F-4D97-AF65-F5344CB8AC3E}">
-        <p14:creationId xmlns:p14="http://schemas.microsoft.com/office/powerpoint/2010/main" val="3539865254"/>
+        <p14:creationId xmlns:p14="http://schemas.microsoft.com/office/powerpoint/2010/main" val="689075145"/>
       </p:ext>
     </p:extLst>
   </p:cSld>
@@ -28772,28 +28983,10 @@
               <a:buNone/>
             </a:pPr>
             <a:r>
-              <a:rPr lang="en-US" dirty="0" smtClean="0">
-                <a:latin typeface="Avenir 45 Book (Body)"/>
-              </a:rPr>
-              <a:t>These </a:t>
-            </a:r>
-            <a:r>
-              <a:rPr lang="en-US" dirty="0">
-                <a:latin typeface="Avenir 45 Book (Body)"/>
-              </a:rPr>
-              <a:t>practices </a:t>
-            </a:r>
-            <a:r>
-              <a:rPr lang="en-US" dirty="0" smtClean="0">
-                <a:latin typeface="Avenir 45 Book (Body)"/>
-              </a:rPr>
-              <a:t>will also</a:t>
-            </a:r>
-            <a:r>
               <a:rPr lang="en-GB" dirty="0" smtClean="0">
                 <a:latin typeface="Avenir 45 Book (Body)"/>
               </a:rPr>
-              <a:t>:</a:t>
+              <a:t>These practices:</a:t>
             </a:r>
           </a:p>
           <a:p>
@@ -28822,8 +29015,11 @@
               <a:rPr lang="en-GB" dirty="0" smtClean="0">
                 <a:latin typeface="Avenir 45 Book (Body)"/>
               </a:rPr>
-              <a:t> Improve the development team’s internal organization</a:t>
-            </a:r>
+              <a:t> Make your code more maintainable</a:t>
+            </a:r>
+            <a:endParaRPr lang="en-GB" dirty="0">
+              <a:latin typeface="Avenir 45 Book (Body)"/>
+            </a:endParaRPr>
           </a:p>
           <a:p>
             <a:pPr marL="0" lvl="1" indent="0">
@@ -28844,7 +29040,7 @@
               <a:rPr lang="en-GB" dirty="0" smtClean="0">
                 <a:latin typeface="Avenir 45 Book (Body)"/>
               </a:rPr>
-              <a:t>Maintain a current build always available for testing, demos or deployment</a:t>
+              <a:t>Minimize the number of errors in the final product</a:t>
             </a:r>
           </a:p>
           <a:p>
@@ -28860,8 +29056,59 @@
               <a:rPr lang="en-GB" dirty="0" smtClean="0">
                 <a:latin typeface="Avenir 45 Book (Body)"/>
               </a:rPr>
-              <a:t> Allow you to generate metrics of code quality, test coverage, etc.</a:t>
-            </a:r>
+              <a:t> Allow early detection of errors in the development environment</a:t>
+            </a:r>
+          </a:p>
+          <a:p>
+            <a:pPr marL="0" lvl="1" indent="0">
+              <a:spcBef>
+                <a:spcPts val="1200"/>
+              </a:spcBef>
+              <a:buClrTx/>
+              <a:buFont typeface="Wingdings" panose="05000000000000000000" pitchFamily="2" charset="2"/>
+              <a:buChar char="§"/>
+            </a:pPr>
+            <a:r>
+              <a:rPr lang="en-GB" dirty="0">
+                <a:latin typeface="Avenir 45 Book (Body)"/>
+              </a:rPr>
+              <a:t> </a:t>
+            </a:r>
+            <a:r>
+              <a:rPr lang="en-GB" dirty="0" smtClean="0">
+                <a:latin typeface="Avenir 45 Book (Body)"/>
+              </a:rPr>
+              <a:t>Reduce development and maintenance time over the project’s lifecycle</a:t>
+            </a:r>
+          </a:p>
+          <a:p>
+            <a:pPr marL="0" lvl="1" indent="0">
+              <a:spcBef>
+                <a:spcPts val="1200"/>
+              </a:spcBef>
+              <a:buClrTx/>
+              <a:buFont typeface="Wingdings" panose="05000000000000000000" pitchFamily="2" charset="2"/>
+              <a:buChar char="§"/>
+            </a:pPr>
+            <a:r>
+              <a:rPr lang="en-GB" b="1" dirty="0" smtClean="0">
+                <a:latin typeface="Avenir 45 Book (Body)"/>
+              </a:rPr>
+              <a:t> Improve the quality of the final product</a:t>
+            </a:r>
+            <a:endParaRPr lang="en-GB" b="1" dirty="0">
+              <a:latin typeface="Avenir 45 Book (Body)"/>
+            </a:endParaRPr>
+          </a:p>
+          <a:p>
+            <a:pPr marL="0" lvl="1" indent="0">
+              <a:spcBef>
+                <a:spcPts val="1200"/>
+              </a:spcBef>
+              <a:buClrTx/>
+              <a:buFont typeface="Wingdings" panose="05000000000000000000" pitchFamily="2" charset="2"/>
+              <a:buChar char="§"/>
+            </a:pPr>
             <a:endParaRPr lang="en-GB" dirty="0">
               <a:latin typeface="Avenir 45 Book (Body)"/>
             </a:endParaRPr>
@@ -28900,7 +29147,7 @@
     </p:spTree>
     <p:extLst>
       <p:ext uri="{BB962C8B-B14F-4D97-AF65-F5344CB8AC3E}">
-        <p14:creationId xmlns:p14="http://schemas.microsoft.com/office/powerpoint/2010/main" val="1925881899"/>
+        <p14:creationId xmlns:p14="http://schemas.microsoft.com/office/powerpoint/2010/main" val="3539865254"/>
       </p:ext>
     </p:extLst>
   </p:cSld>
@@ -29055,7 +29302,7 @@
                   <a:schemeClr val="bg1"/>
                 </a:solidFill>
               </a:rPr>
-              <a:t>Part III: Scenes of the next episode…</a:t>
+              <a:t>Summary</a:t>
             </a:r>
             <a:endParaRPr lang="es-AR" sz="3600" dirty="0">
               <a:solidFill>
@@ -29284,14 +29531,31 @@
                 <a:spcPts val="1200"/>
               </a:spcBef>
               <a:buClrTx/>
-              <a:buFont typeface="Wingdings" panose="05000000000000000000" pitchFamily="2" charset="2"/>
-              <a:buChar char="§"/>
+              <a:buNone/>
             </a:pPr>
+            <a:r>
+              <a:rPr lang="en-US" dirty="0" smtClean="0">
+                <a:latin typeface="Avenir 45 Book (Body)"/>
+              </a:rPr>
+              <a:t>These </a:t>
+            </a:r>
+            <a:r>
+              <a:rPr lang="en-US" dirty="0">
+                <a:latin typeface="Avenir 45 Book (Body)"/>
+              </a:rPr>
+              <a:t>practices </a:t>
+            </a:r>
+            <a:r>
+              <a:rPr lang="en-US" dirty="0" smtClean="0">
+                <a:latin typeface="Avenir 45 Book (Body)"/>
+              </a:rPr>
+              <a:t>will also</a:t>
+            </a:r>
             <a:r>
               <a:rPr lang="en-GB" dirty="0" smtClean="0">
                 <a:latin typeface="Avenir 45 Book (Body)"/>
               </a:rPr>
-              <a:t> No, it’s over, just kidding…</a:t>
+              <a:t>:</a:t>
             </a:r>
           </a:p>
           <a:p>
@@ -29300,8 +29564,66 @@
                 <a:spcPts val="1200"/>
               </a:spcBef>
               <a:buClrTx/>
-              <a:buNone/>
+              <a:buFont typeface="Wingdings" panose="05000000000000000000" pitchFamily="2" charset="2"/>
+              <a:buChar char="§"/>
             </a:pPr>
+            <a:endParaRPr lang="en-GB" dirty="0" smtClean="0">
+              <a:latin typeface="Avenir 45 Book (Body)"/>
+            </a:endParaRPr>
+          </a:p>
+          <a:p>
+            <a:pPr marL="0" lvl="1" indent="0">
+              <a:spcBef>
+                <a:spcPts val="1200"/>
+              </a:spcBef>
+              <a:buClrTx/>
+              <a:buFont typeface="Wingdings" panose="05000000000000000000" pitchFamily="2" charset="2"/>
+              <a:buChar char="§"/>
+            </a:pPr>
+            <a:r>
+              <a:rPr lang="en-GB" dirty="0" smtClean="0">
+                <a:latin typeface="Avenir 45 Book (Body)"/>
+              </a:rPr>
+              <a:t> Improve the development team’s internal organization</a:t>
+            </a:r>
+          </a:p>
+          <a:p>
+            <a:pPr marL="0" lvl="1" indent="0">
+              <a:spcBef>
+                <a:spcPts val="1200"/>
+              </a:spcBef>
+              <a:buClrTx/>
+              <a:buFont typeface="Wingdings" panose="05000000000000000000" pitchFamily="2" charset="2"/>
+              <a:buChar char="§"/>
+            </a:pPr>
+            <a:r>
+              <a:rPr lang="en-GB" dirty="0">
+                <a:latin typeface="Avenir 45 Book (Body)"/>
+              </a:rPr>
+              <a:t> </a:t>
+            </a:r>
+            <a:r>
+              <a:rPr lang="en-GB" dirty="0" smtClean="0">
+                <a:latin typeface="Avenir 45 Book (Body)"/>
+              </a:rPr>
+              <a:t>Maintain a current build always available for testing, demos or deployment</a:t>
+            </a:r>
+          </a:p>
+          <a:p>
+            <a:pPr marL="0" lvl="1" indent="0">
+              <a:spcBef>
+                <a:spcPts val="1200"/>
+              </a:spcBef>
+              <a:buClrTx/>
+              <a:buFont typeface="Wingdings" panose="05000000000000000000" pitchFamily="2" charset="2"/>
+              <a:buChar char="§"/>
+            </a:pPr>
+            <a:r>
+              <a:rPr lang="en-GB" dirty="0" smtClean="0">
+                <a:latin typeface="Avenir 45 Book (Body)"/>
+              </a:rPr>
+              <a:t> Allow you to generate metrics of code quality, test coverage, etc.</a:t>
+            </a:r>
             <a:endParaRPr lang="en-GB" dirty="0">
               <a:latin typeface="Avenir 45 Book (Body)"/>
             </a:endParaRPr>
@@ -29340,6 +29662,446 @@
     </p:spTree>
     <p:extLst>
       <p:ext uri="{BB962C8B-B14F-4D97-AF65-F5344CB8AC3E}">
+        <p14:creationId xmlns:p14="http://schemas.microsoft.com/office/powerpoint/2010/main" val="1925881899"/>
+      </p:ext>
+    </p:extLst>
+  </p:cSld>
+  <p:clrMapOvr>
+    <a:masterClrMapping/>
+  </p:clrMapOvr>
+  <p:transition spd="slow">
+    <p:wipe/>
+  </p:transition>
+  <p:timing>
+    <p:tnLst>
+      <p:par>
+        <p:cTn id="1" dur="indefinite" restart="never" nodeType="tmRoot"/>
+      </p:par>
+    </p:tnLst>
+  </p:timing>
+</p:sld>
+</file>
+
+<file path=ppt/slides/slide33.xml><?xml version="1.0" encoding="utf-8"?>
+<p:sld xmlns:a="http://schemas.openxmlformats.org/drawingml/2006/main" xmlns:r="http://schemas.openxmlformats.org/officeDocument/2006/relationships" xmlns:p="http://schemas.openxmlformats.org/presentationml/2006/main">
+  <p:cSld>
+    <p:spTree>
+      <p:nvGrpSpPr>
+        <p:cNvPr id="1" name=""/>
+        <p:cNvGrpSpPr/>
+        <p:nvPr/>
+      </p:nvGrpSpPr>
+      <p:grpSpPr>
+        <a:xfrm>
+          <a:off x="0" y="0"/>
+          <a:ext cx="0" cy="0"/>
+          <a:chOff x="0" y="0"/>
+          <a:chExt cx="0" cy="0"/>
+        </a:xfrm>
+      </p:grpSpPr>
+      <p:sp>
+        <p:nvSpPr>
+          <p:cNvPr id="15" name="Rectangle 14"/>
+          <p:cNvSpPr/>
+          <p:nvPr/>
+        </p:nvSpPr>
+        <p:spPr>
+          <a:xfrm>
+            <a:off x="-13252" y="1"/>
+            <a:ext cx="12218504" cy="1016000"/>
+          </a:xfrm>
+          <a:prstGeom prst="rect">
+            <a:avLst/>
+          </a:prstGeom>
+          <a:solidFill>
+            <a:srgbClr val="FF9600"/>
+          </a:solidFill>
+          <a:ln>
+            <a:noFill/>
+          </a:ln>
+        </p:spPr>
+        <p:style>
+          <a:lnRef idx="1">
+            <a:schemeClr val="accent6"/>
+          </a:lnRef>
+          <a:fillRef idx="3">
+            <a:schemeClr val="accent6"/>
+          </a:fillRef>
+          <a:effectRef idx="2">
+            <a:schemeClr val="accent6"/>
+          </a:effectRef>
+          <a:fontRef idx="minor">
+            <a:schemeClr val="lt1"/>
+          </a:fontRef>
+        </p:style>
+        <p:txBody>
+          <a:bodyPr anchor="ctr"/>
+          <a:lstStyle/>
+          <a:p>
+            <a:pPr marL="0" marR="0" lvl="0" indent="0" algn="ctr" defTabSz="914400" eaLnBrk="1" fontAlgn="auto" latinLnBrk="0" hangingPunct="1">
+              <a:lnSpc>
+                <a:spcPct val="100000"/>
+              </a:lnSpc>
+              <a:spcBef>
+                <a:spcPts val="0"/>
+              </a:spcBef>
+              <a:spcAft>
+                <a:spcPts val="0"/>
+              </a:spcAft>
+              <a:buClrTx/>
+              <a:buSzTx/>
+              <a:buFontTx/>
+              <a:buNone/>
+              <a:tabLst/>
+              <a:defRPr/>
+            </a:pPr>
+            <a:r>
+              <a:rPr kumimoji="0" lang="es-ES_tradnl" sz="1800" b="0" i="0" u="none" strike="noStrike" kern="0" cap="none" spc="0" normalizeH="0" baseline="0" noProof="0" dirty="0" smtClean="0">
+                <a:ln>
+                  <a:noFill/>
+                </a:ln>
+                <a:solidFill>
+                  <a:srgbClr val="FFFFFF"/>
+                </a:solidFill>
+                <a:effectLst/>
+                <a:uLnTx/>
+                <a:uFillTx/>
+                <a:latin typeface="Arial"/>
+                <a:ea typeface="ＭＳ Ｐゴシック" pitchFamily="-108" charset="-128"/>
+                <a:cs typeface="+mn-cs"/>
+              </a:rPr>
+              <a:t>  </a:t>
+            </a:r>
+            <a:endParaRPr kumimoji="0" lang="es-ES_tradnl" sz="1800" b="0" i="0" u="none" strike="noStrike" kern="0" cap="none" spc="0" normalizeH="0" baseline="0" noProof="0" dirty="0">
+              <a:ln>
+                <a:noFill/>
+              </a:ln>
+              <a:solidFill>
+                <a:srgbClr val="FFFFFF"/>
+              </a:solidFill>
+              <a:effectLst/>
+              <a:uLnTx/>
+              <a:uFillTx/>
+              <a:latin typeface="Arial"/>
+              <a:ea typeface="ＭＳ Ｐゴシック" pitchFamily="-108" charset="-128"/>
+              <a:cs typeface="+mn-cs"/>
+            </a:endParaRPr>
+          </a:p>
+        </p:txBody>
+      </p:sp>
+      <p:sp>
+        <p:nvSpPr>
+          <p:cNvPr id="16" name="TextBox 15"/>
+          <p:cNvSpPr txBox="1"/>
+          <p:nvPr/>
+        </p:nvSpPr>
+        <p:spPr>
+          <a:xfrm>
+            <a:off x="515936" y="212035"/>
+            <a:ext cx="11676063" cy="553998"/>
+          </a:xfrm>
+          <a:prstGeom prst="rect">
+            <a:avLst/>
+          </a:prstGeom>
+          <a:noFill/>
+        </p:spPr>
+        <p:txBody>
+          <a:bodyPr wrap="square" lIns="0" tIns="0" rIns="0" bIns="0" rtlCol="0">
+            <a:spAutoFit/>
+          </a:bodyPr>
+          <a:lstStyle/>
+          <a:p>
+            <a:r>
+              <a:rPr lang="en-US" sz="3600" dirty="0" smtClean="0">
+                <a:solidFill>
+                  <a:schemeClr val="bg1"/>
+                </a:solidFill>
+              </a:rPr>
+              <a:t>Part III: Scenes of the next episode…</a:t>
+            </a:r>
+            <a:endParaRPr lang="es-AR" sz="3600" dirty="0">
+              <a:solidFill>
+                <a:schemeClr val="bg1"/>
+              </a:solidFill>
+            </a:endParaRPr>
+          </a:p>
+        </p:txBody>
+      </p:sp>
+      <p:sp>
+        <p:nvSpPr>
+          <p:cNvPr id="6" name="Content Placeholder 2"/>
+          <p:cNvSpPr txBox="1">
+            <a:spLocks/>
+          </p:cNvSpPr>
+          <p:nvPr/>
+        </p:nvSpPr>
+        <p:spPr>
+          <a:xfrm>
+            <a:off x="476534" y="1312325"/>
+            <a:ext cx="10987585" cy="4329621"/>
+          </a:xfrm>
+          <a:prstGeom prst="rect">
+            <a:avLst/>
+          </a:prstGeom>
+        </p:spPr>
+        <p:txBody>
+          <a:bodyPr vert="horz" lIns="91440" tIns="45720" rIns="91440" bIns="45720" rtlCol="0">
+            <a:noAutofit/>
+          </a:bodyPr>
+          <a:lstStyle>
+            <a:lvl1pPr marL="273050" marR="0" indent="-273050" algn="l" defTabSz="914400" rtl="0" eaLnBrk="1" fontAlgn="auto" latinLnBrk="0" hangingPunct="1">
+              <a:lnSpc>
+                <a:spcPct val="100000"/>
+              </a:lnSpc>
+              <a:spcBef>
+                <a:spcPts val="1200"/>
+              </a:spcBef>
+              <a:spcAft>
+                <a:spcPts val="0"/>
+              </a:spcAft>
+              <a:buClr>
+                <a:srgbClr val="DA1218"/>
+              </a:buClr>
+              <a:buSzTx/>
+              <a:buFont typeface="Wingdings" pitchFamily="2" charset="2"/>
+              <a:buChar char="§"/>
+              <a:tabLst/>
+              <a:defRPr lang="en-US" sz="2400" kern="1200">
+                <a:solidFill>
+                  <a:schemeClr val="tx1"/>
+                </a:solidFill>
+                <a:latin typeface="Arial" pitchFamily="34" charset="0"/>
+                <a:ea typeface="+mn-ea"/>
+                <a:cs typeface="Arial" pitchFamily="34" charset="0"/>
+              </a:defRPr>
+            </a:lvl1pPr>
+            <a:lvl2pPr marL="628650" marR="0" indent="-355600" algn="l" defTabSz="914400" rtl="0" eaLnBrk="1" fontAlgn="auto" latinLnBrk="0" hangingPunct="1">
+              <a:lnSpc>
+                <a:spcPct val="100000"/>
+              </a:lnSpc>
+              <a:spcBef>
+                <a:spcPct val="20000"/>
+              </a:spcBef>
+              <a:spcAft>
+                <a:spcPts val="0"/>
+              </a:spcAft>
+              <a:buClr>
+                <a:srgbClr val="DA1218"/>
+              </a:buClr>
+              <a:buSzTx/>
+              <a:buFont typeface="Wingdings" pitchFamily="2" charset="2"/>
+              <a:buChar char=""/>
+              <a:tabLst/>
+              <a:defRPr lang="en-US" sz="2000" kern="1200">
+                <a:solidFill>
+                  <a:schemeClr val="tx1"/>
+                </a:solidFill>
+                <a:latin typeface="Arial" pitchFamily="34" charset="0"/>
+                <a:ea typeface="+mn-ea"/>
+                <a:cs typeface="Arial" pitchFamily="34" charset="0"/>
+              </a:defRPr>
+            </a:lvl2pPr>
+            <a:lvl3pPr marL="903288" marR="0" indent="-274638" algn="l" defTabSz="914400" rtl="0" eaLnBrk="1" fontAlgn="auto" latinLnBrk="0" hangingPunct="1">
+              <a:lnSpc>
+                <a:spcPct val="100000"/>
+              </a:lnSpc>
+              <a:spcBef>
+                <a:spcPct val="20000"/>
+              </a:spcBef>
+              <a:spcAft>
+                <a:spcPts val="0"/>
+              </a:spcAft>
+              <a:buClr>
+                <a:srgbClr val="DA1218"/>
+              </a:buClr>
+              <a:buSzTx/>
+              <a:buFont typeface="Wingdings" pitchFamily="2" charset="2"/>
+              <a:buChar char="ü"/>
+              <a:tabLst/>
+              <a:defRPr lang="en-US" sz="1800" kern="1200">
+                <a:solidFill>
+                  <a:schemeClr val="tx1"/>
+                </a:solidFill>
+                <a:latin typeface="Arial" pitchFamily="34" charset="0"/>
+                <a:ea typeface="+mn-ea"/>
+                <a:cs typeface="Arial" pitchFamily="34" charset="0"/>
+              </a:defRPr>
+            </a:lvl3pPr>
+            <a:lvl4pPr marL="1081088" marR="0" indent="-177800" algn="l" defTabSz="914400" rtl="0" eaLnBrk="1" fontAlgn="auto" latinLnBrk="0" hangingPunct="1">
+              <a:lnSpc>
+                <a:spcPct val="100000"/>
+              </a:lnSpc>
+              <a:spcBef>
+                <a:spcPct val="20000"/>
+              </a:spcBef>
+              <a:spcAft>
+                <a:spcPts val="0"/>
+              </a:spcAft>
+              <a:buClr>
+                <a:srgbClr val="DA1218"/>
+              </a:buClr>
+              <a:buSzTx/>
+              <a:buFont typeface="Arial" pitchFamily="34" charset="0"/>
+              <a:buChar char="•"/>
+              <a:tabLst/>
+              <a:defRPr lang="en-US" sz="1600" kern="1200">
+                <a:solidFill>
+                  <a:schemeClr val="tx1"/>
+                </a:solidFill>
+                <a:latin typeface="Arial" pitchFamily="34" charset="0"/>
+                <a:ea typeface="+mn-ea"/>
+                <a:cs typeface="Arial" pitchFamily="34" charset="0"/>
+              </a:defRPr>
+            </a:lvl4pPr>
+            <a:lvl5pPr marL="1258888" marR="0" indent="-177800" algn="l" defTabSz="914400" rtl="0" eaLnBrk="1" fontAlgn="auto" latinLnBrk="0" hangingPunct="1">
+              <a:lnSpc>
+                <a:spcPct val="100000"/>
+              </a:lnSpc>
+              <a:spcBef>
+                <a:spcPct val="20000"/>
+              </a:spcBef>
+              <a:spcAft>
+                <a:spcPts val="0"/>
+              </a:spcAft>
+              <a:buClr>
+                <a:srgbClr val="DA1218"/>
+              </a:buClr>
+              <a:buSzPct val="100000"/>
+              <a:buFont typeface="Courier New" pitchFamily="49" charset="0"/>
+              <a:buChar char="o"/>
+              <a:tabLst/>
+              <a:defRPr lang="es-AR" sz="1400" kern="1200">
+                <a:solidFill>
+                  <a:schemeClr val="tx1"/>
+                </a:solidFill>
+                <a:latin typeface="Arial" pitchFamily="34" charset="0"/>
+                <a:ea typeface="+mn-ea"/>
+                <a:cs typeface="Arial" pitchFamily="34" charset="0"/>
+              </a:defRPr>
+            </a:lvl5pPr>
+            <a:lvl6pPr marL="2514600" indent="-228600" algn="l" defTabSz="914400" rtl="0" eaLnBrk="1" latinLnBrk="0" hangingPunct="1">
+              <a:spcBef>
+                <a:spcPct val="20000"/>
+              </a:spcBef>
+              <a:buFont typeface="Arial" pitchFamily="34" charset="0"/>
+              <a:buChar char="•"/>
+              <a:defRPr sz="2000" kern="1200">
+                <a:solidFill>
+                  <a:schemeClr val="tx1"/>
+                </a:solidFill>
+                <a:latin typeface="+mn-lt"/>
+                <a:ea typeface="+mn-ea"/>
+                <a:cs typeface="+mn-cs"/>
+              </a:defRPr>
+            </a:lvl6pPr>
+            <a:lvl7pPr marL="2971800" indent="-228600" algn="l" defTabSz="914400" rtl="0" eaLnBrk="1" latinLnBrk="0" hangingPunct="1">
+              <a:spcBef>
+                <a:spcPct val="20000"/>
+              </a:spcBef>
+              <a:buFont typeface="Arial" pitchFamily="34" charset="0"/>
+              <a:buChar char="•"/>
+              <a:defRPr sz="2000" kern="1200">
+                <a:solidFill>
+                  <a:schemeClr val="tx1"/>
+                </a:solidFill>
+                <a:latin typeface="+mn-lt"/>
+                <a:ea typeface="+mn-ea"/>
+                <a:cs typeface="+mn-cs"/>
+              </a:defRPr>
+            </a:lvl7pPr>
+            <a:lvl8pPr marL="3429000" indent="-228600" algn="l" defTabSz="914400" rtl="0" eaLnBrk="1" latinLnBrk="0" hangingPunct="1">
+              <a:spcBef>
+                <a:spcPct val="20000"/>
+              </a:spcBef>
+              <a:buFont typeface="Arial" pitchFamily="34" charset="0"/>
+              <a:buChar char="•"/>
+              <a:defRPr sz="2000" kern="1200">
+                <a:solidFill>
+                  <a:schemeClr val="tx1"/>
+                </a:solidFill>
+                <a:latin typeface="+mn-lt"/>
+                <a:ea typeface="+mn-ea"/>
+                <a:cs typeface="+mn-cs"/>
+              </a:defRPr>
+            </a:lvl8pPr>
+            <a:lvl9pPr marL="3886200" indent="-228600" algn="l" defTabSz="914400" rtl="0" eaLnBrk="1" latinLnBrk="0" hangingPunct="1">
+              <a:spcBef>
+                <a:spcPct val="20000"/>
+              </a:spcBef>
+              <a:buFont typeface="Arial" pitchFamily="34" charset="0"/>
+              <a:buChar char="•"/>
+              <a:defRPr sz="2000" kern="1200">
+                <a:solidFill>
+                  <a:schemeClr val="tx1"/>
+                </a:solidFill>
+                <a:latin typeface="+mn-lt"/>
+                <a:ea typeface="+mn-ea"/>
+                <a:cs typeface="+mn-cs"/>
+              </a:defRPr>
+            </a:lvl9pPr>
+          </a:lstStyle>
+          <a:p>
+            <a:pPr marL="0" lvl="1" indent="0">
+              <a:spcBef>
+                <a:spcPts val="1200"/>
+              </a:spcBef>
+              <a:buClrTx/>
+              <a:buFont typeface="Wingdings" panose="05000000000000000000" pitchFamily="2" charset="2"/>
+              <a:buChar char="§"/>
+            </a:pPr>
+            <a:r>
+              <a:rPr lang="en-GB" dirty="0" smtClean="0">
+                <a:latin typeface="Avenir 45 Book (Body)"/>
+              </a:rPr>
+              <a:t> No, it’s over, just kidding…</a:t>
+            </a:r>
+          </a:p>
+          <a:p>
+            <a:pPr marL="0" lvl="1" indent="0">
+              <a:spcBef>
+                <a:spcPts val="1200"/>
+              </a:spcBef>
+              <a:buClrTx/>
+              <a:buNone/>
+            </a:pPr>
+            <a:endParaRPr lang="en-GB" dirty="0">
+              <a:latin typeface="Avenir 45 Book (Body)"/>
+            </a:endParaRPr>
+          </a:p>
+          <a:p>
+            <a:pPr lvl="0" defTabSz="914363">
+              <a:lnSpc>
+                <a:spcPct val="90000"/>
+              </a:lnSpc>
+              <a:spcBef>
+                <a:spcPts val="0"/>
+              </a:spcBef>
+              <a:spcAft>
+                <a:spcPts val="400"/>
+              </a:spcAft>
+              <a:buClr>
+                <a:schemeClr val="tx1">
+                  <a:lumMod val="75000"/>
+                  <a:lumOff val="25000"/>
+                </a:schemeClr>
+              </a:buClr>
+              <a:buSzPct val="100000"/>
+              <a:buFont typeface="Wingdings" panose="05000000000000000000" pitchFamily="2" charset="2"/>
+              <a:buChar char="ä"/>
+            </a:pPr>
+            <a:endParaRPr lang="es-AR" sz="1600" b="1" dirty="0">
+              <a:solidFill>
+                <a:srgbClr val="000000"/>
+              </a:solidFill>
+              <a:latin typeface="Avenir 45 Book (Body)"/>
+              <a:cs typeface="+mn-cs"/>
+            </a:endParaRPr>
+          </a:p>
+        </p:txBody>
+      </p:sp>
+    </p:spTree>
+    <p:extLst>
+      <p:ext uri="{BB962C8B-B14F-4D97-AF65-F5344CB8AC3E}">
         <p14:creationId xmlns:p14="http://schemas.microsoft.com/office/powerpoint/2010/main" val="2265722533"/>
       </p:ext>
     </p:extLst>
@@ -29360,7 +30122,7 @@
 </p:sld>
 </file>
 
-<file path=ppt/slides/slide33.xml><?xml version="1.0" encoding="utf-8"?>
+<file path=ppt/slides/slide34.xml><?xml version="1.0" encoding="utf-8"?>
 <p:sld xmlns:a="http://schemas.openxmlformats.org/drawingml/2006/main" xmlns:r="http://schemas.openxmlformats.org/officeDocument/2006/relationships" xmlns:p="http://schemas.openxmlformats.org/presentationml/2006/main">
   <p:cSld>
     <p:spTree>

--- a/DesigningTestableApplications - Part II - DB Integration & Legacy Code.pptx
+++ b/DesigningTestableApplications - Part II - DB Integration & Legacy Code.pptx
@@ -258,7 +258,7 @@
           <a:p>
             <a:fld id="{D63D5444-F62C-42C3-A75A-D9DBA807730F}" type="datetimeFigureOut">
               <a:rPr lang="en-US" smtClean="0"/>
-              <a:t>11/17/2015</a:t>
+              <a:t>2/16/2016</a:t>
             </a:fld>
             <a:endParaRPr lang="en-US"/>
           </a:p>
@@ -423,7 +423,7 @@
           <a:p>
             <a:fld id="{12CAA1FA-7B6A-47D2-8D61-F225D71B51FF}" type="datetimeFigureOut">
               <a:rPr lang="en-US" smtClean="0"/>
-              <a:t>11/17/2015</a:t>
+              <a:t>2/16/2016</a:t>
             </a:fld>
             <a:endParaRPr lang="en-US"/>
           </a:p>
@@ -30053,8 +30053,31 @@
               <a:rPr lang="en-GB" dirty="0" smtClean="0">
                 <a:latin typeface="Avenir 45 Book (Body)"/>
               </a:rPr>
-              <a:t> No, it’s over, just kidding…</a:t>
-            </a:r>
+              <a:t> </a:t>
+            </a:r>
+            <a:r>
+              <a:rPr lang="es-AR" dirty="0" err="1"/>
+              <a:t>Unit</a:t>
+            </a:r>
+            <a:r>
+              <a:rPr lang="es-AR" dirty="0"/>
+              <a:t> </a:t>
+            </a:r>
+            <a:r>
+              <a:rPr lang="es-AR" dirty="0" err="1"/>
+              <a:t>Testing</a:t>
+            </a:r>
+            <a:r>
+              <a:rPr lang="es-AR" dirty="0"/>
+              <a:t> JavaScript </a:t>
+            </a:r>
+            <a:r>
+              <a:rPr lang="es-AR" dirty="0" err="1"/>
+              <a:t>views</a:t>
+            </a:r>
+            <a:endParaRPr lang="en-GB" dirty="0" smtClean="0">
+              <a:latin typeface="Avenir 45 Book (Body)"/>
+            </a:endParaRPr>
           </a:p>
           <a:p>
             <a:pPr marL="0" lvl="1" indent="0">

--- a/DesigningTestableApplications - Part II - DB Integration & Legacy Code.pptx
+++ b/DesigningTestableApplications - Part II - DB Integration & Legacy Code.pptx
@@ -258,7 +258,7 @@
           <a:p>
             <a:fld id="{D63D5444-F62C-42C3-A75A-D9DBA807730F}" type="datetimeFigureOut">
               <a:rPr lang="en-US" smtClean="0"/>
-              <a:t>2/16/2016</a:t>
+              <a:t>4/19/2016</a:t>
             </a:fld>
             <a:endParaRPr lang="en-US"/>
           </a:p>
@@ -423,7 +423,7 @@
           <a:p>
             <a:fld id="{12CAA1FA-7B6A-47D2-8D61-F225D71B51FF}" type="datetimeFigureOut">
               <a:rPr lang="en-US" smtClean="0"/>
-              <a:t>2/16/2016</a:t>
+              <a:t>4/19/2016</a:t>
             </a:fld>
             <a:endParaRPr lang="en-US"/>
           </a:p>
@@ -19997,10 +19997,28 @@
               <a:t> </a:t>
             </a:r>
             <a:r>
+              <a:rPr lang="es-AR" sz="2000" b="1" dirty="0" smtClean="0">
+                <a:latin typeface="+mn-lt"/>
+              </a:rPr>
+              <a:t>up in </a:t>
+            </a:r>
+            <a:r>
               <a:rPr lang="es-AR" sz="2000" b="1" dirty="0" err="1" smtClean="0">
                 <a:latin typeface="+mn-lt"/>
               </a:rPr>
-              <a:t>high</a:t>
+              <a:t>the</a:t>
+            </a:r>
+            <a:r>
+              <a:rPr lang="es-AR" sz="2000" b="1" dirty="0" smtClean="0">
+                <a:latin typeface="+mn-lt"/>
+              </a:rPr>
+              <a:t> </a:t>
+            </a:r>
+            <a:r>
+              <a:rPr lang="es-AR" sz="2000" b="1" dirty="0" err="1" smtClean="0">
+                <a:latin typeface="+mn-lt"/>
+              </a:rPr>
+              <a:t>sky</a:t>
             </a:r>
             <a:r>
               <a:rPr lang="es-AR" sz="2000" b="1" dirty="0" smtClean="0">
@@ -24672,25 +24690,16 @@
               <a:buChar char="§"/>
             </a:pPr>
             <a:r>
-              <a:rPr lang="es-AR" sz="1600" dirty="0">
+              <a:rPr lang="es-AR" sz="1600" dirty="0" err="1" smtClean="0">
                 <a:solidFill>
                   <a:srgbClr val="000000"/>
                 </a:solidFill>
                 <a:latin typeface="Avenir 45 Book"/>
               </a:rPr>
-              <a:t> </a:t>
-            </a:r>
-            <a:r>
-              <a:rPr lang="es-AR" sz="1600" dirty="0" err="1">
-                <a:solidFill>
-                  <a:srgbClr val="000000"/>
-                </a:solidFill>
-                <a:latin typeface="Avenir 45 Book"/>
-              </a:rPr>
               <a:t>After</a:t>
             </a:r>
             <a:r>
-              <a:rPr lang="es-AR" sz="1600" dirty="0">
+              <a:rPr lang="es-AR" sz="1600" dirty="0" smtClean="0">
                 <a:solidFill>
                   <a:srgbClr val="000000"/>
                 </a:solidFill>

--- a/DesigningTestableApplications - Part II - DB Integration & Legacy Code.pptx
+++ b/DesigningTestableApplications - Part II - DB Integration & Legacy Code.pptx
@@ -30131,6 +30131,40 @@
           </a:p>
         </p:txBody>
       </p:sp>
+      <p:pic>
+        <p:nvPicPr>
+          <p:cNvPr id="2" name="Picture 1"/>
+          <p:cNvPicPr>
+            <a:picLocks noChangeAspect="1"/>
+          </p:cNvPicPr>
+          <p:nvPr/>
+        </p:nvPicPr>
+        <p:blipFill>
+          <a:blip r:embed="rId3"/>
+          <a:stretch>
+            <a:fillRect/>
+          </a:stretch>
+        </p:blipFill>
+        <p:spPr>
+          <a:xfrm>
+            <a:off x="3400049" y="2434854"/>
+            <a:ext cx="5391902" cy="2943636"/>
+          </a:xfrm>
+          <a:prstGeom prst="rect">
+            <a:avLst/>
+          </a:prstGeom>
+          <a:ln>
+            <a:noFill/>
+          </a:ln>
+          <a:effectLst>
+            <a:outerShdw blurRad="292100" dist="139700" dir="2700000" algn="tl" rotWithShape="0">
+              <a:srgbClr val="333333">
+                <a:alpha val="65000"/>
+              </a:srgbClr>
+            </a:outerShdw>
+          </a:effectLst>
+        </p:spPr>
+      </p:pic>
     </p:spTree>
     <p:extLst>
       <p:ext uri="{BB962C8B-B14F-4D97-AF65-F5344CB8AC3E}">
